--- a/Presentation - Project 01.pptx
+++ b/Presentation - Project 01.pptx
@@ -10,9 +10,9 @@
   <p:sldIdLst>
     <p:sldId id="256" r:id="rId2"/>
     <p:sldId id="257" r:id="rId3"/>
-    <p:sldId id="261" r:id="rId4"/>
-    <p:sldId id="258" r:id="rId5"/>
-    <p:sldId id="259" r:id="rId6"/>
+    <p:sldId id="259" r:id="rId4"/>
+    <p:sldId id="261" r:id="rId5"/>
+    <p:sldId id="258" r:id="rId6"/>
     <p:sldId id="260" r:id="rId7"/>
     <p:sldId id="276" r:id="rId8"/>
     <p:sldId id="263" r:id="rId9"/>
@@ -135,6 +135,925 @@
 </file>
 
 <file path=ppt/diagrams/colors1.xml><?xml version="1.0" encoding="utf-8"?>
+<dgm:colorsDef xmlns:dgm="http://schemas.openxmlformats.org/drawingml/2006/diagram" xmlns:a="http://schemas.openxmlformats.org/drawingml/2006/main" uniqueId="urn:microsoft.com/office/officeart/2005/8/colors/colorful1">
+  <dgm:title val=""/>
+  <dgm:desc val=""/>
+  <dgm:catLst>
+    <dgm:cat type="colorful" pri="10100"/>
+  </dgm:catLst>
+  <dgm:styleLbl name="node0">
+    <dgm:fillClrLst meth="repeat">
+      <a:schemeClr val="accent1"/>
+    </dgm:fillClrLst>
+    <dgm:linClrLst meth="repeat">
+      <a:schemeClr val="lt1"/>
+    </dgm:linClrLst>
+    <dgm:effectClrLst/>
+    <dgm:txLinClrLst/>
+    <dgm:txFillClrLst/>
+    <dgm:txEffectClrLst/>
+  </dgm:styleLbl>
+  <dgm:styleLbl name="node1">
+    <dgm:fillClrLst meth="repeat">
+      <a:schemeClr val="accent2"/>
+      <a:schemeClr val="accent3"/>
+      <a:schemeClr val="accent4"/>
+      <a:schemeClr val="accent5"/>
+      <a:schemeClr val="accent6"/>
+    </dgm:fillClrLst>
+    <dgm:linClrLst meth="repeat">
+      <a:schemeClr val="lt1"/>
+    </dgm:linClrLst>
+    <dgm:effectClrLst/>
+    <dgm:txLinClrLst/>
+    <dgm:txFillClrLst/>
+    <dgm:txEffectClrLst/>
+  </dgm:styleLbl>
+  <dgm:styleLbl name="alignNode1">
+    <dgm:fillClrLst meth="repeat">
+      <a:schemeClr val="accent2"/>
+      <a:schemeClr val="accent3"/>
+      <a:schemeClr val="accent4"/>
+      <a:schemeClr val="accent5"/>
+      <a:schemeClr val="accent6"/>
+    </dgm:fillClrLst>
+    <dgm:linClrLst meth="repeat">
+      <a:schemeClr val="accent2"/>
+      <a:schemeClr val="accent3"/>
+      <a:schemeClr val="accent4"/>
+      <a:schemeClr val="accent5"/>
+      <a:schemeClr val="accent6"/>
+    </dgm:linClrLst>
+    <dgm:effectClrLst/>
+    <dgm:txLinClrLst/>
+    <dgm:txFillClrLst/>
+    <dgm:txEffectClrLst/>
+  </dgm:styleLbl>
+  <dgm:styleLbl name="lnNode1">
+    <dgm:fillClrLst meth="repeat">
+      <a:schemeClr val="accent2"/>
+      <a:schemeClr val="accent3"/>
+      <a:schemeClr val="accent4"/>
+      <a:schemeClr val="accent5"/>
+      <a:schemeClr val="accent6"/>
+    </dgm:fillClrLst>
+    <dgm:linClrLst meth="repeat">
+      <a:schemeClr val="lt1"/>
+    </dgm:linClrLst>
+    <dgm:effectClrLst/>
+    <dgm:txLinClrLst/>
+    <dgm:txFillClrLst/>
+    <dgm:txEffectClrLst/>
+  </dgm:styleLbl>
+  <dgm:styleLbl name="vennNode1">
+    <dgm:fillClrLst meth="repeat">
+      <a:schemeClr val="accent2">
+        <a:alpha val="50000"/>
+      </a:schemeClr>
+      <a:schemeClr val="accent3">
+        <a:alpha val="50000"/>
+      </a:schemeClr>
+      <a:schemeClr val="accent4">
+        <a:alpha val="50000"/>
+      </a:schemeClr>
+      <a:schemeClr val="accent5">
+        <a:alpha val="50000"/>
+      </a:schemeClr>
+      <a:schemeClr val="accent6">
+        <a:alpha val="50000"/>
+      </a:schemeClr>
+    </dgm:fillClrLst>
+    <dgm:linClrLst meth="repeat">
+      <a:schemeClr val="lt1"/>
+    </dgm:linClrLst>
+    <dgm:effectClrLst/>
+    <dgm:txLinClrLst/>
+    <dgm:txFillClrLst/>
+    <dgm:txEffectClrLst/>
+  </dgm:styleLbl>
+  <dgm:styleLbl name="node2">
+    <dgm:fillClrLst>
+      <a:schemeClr val="accent2"/>
+    </dgm:fillClrLst>
+    <dgm:linClrLst meth="repeat">
+      <a:schemeClr val="lt1"/>
+    </dgm:linClrLst>
+    <dgm:effectClrLst/>
+    <dgm:txLinClrLst/>
+    <dgm:txFillClrLst/>
+    <dgm:txEffectClrLst/>
+  </dgm:styleLbl>
+  <dgm:styleLbl name="node3">
+    <dgm:fillClrLst>
+      <a:schemeClr val="accent3"/>
+    </dgm:fillClrLst>
+    <dgm:linClrLst meth="repeat">
+      <a:schemeClr val="lt1"/>
+    </dgm:linClrLst>
+    <dgm:effectClrLst/>
+    <dgm:txLinClrLst/>
+    <dgm:txFillClrLst/>
+    <dgm:txEffectClrLst/>
+  </dgm:styleLbl>
+  <dgm:styleLbl name="node4">
+    <dgm:fillClrLst>
+      <a:schemeClr val="accent4"/>
+    </dgm:fillClrLst>
+    <dgm:linClrLst meth="repeat">
+      <a:schemeClr val="lt1"/>
+    </dgm:linClrLst>
+    <dgm:effectClrLst/>
+    <dgm:txLinClrLst/>
+    <dgm:txFillClrLst/>
+    <dgm:txEffectClrLst/>
+  </dgm:styleLbl>
+  <dgm:styleLbl name="fgImgPlace1">
+    <dgm:fillClrLst meth="repeat">
+      <a:schemeClr val="accent2">
+        <a:tint val="50000"/>
+      </a:schemeClr>
+      <a:schemeClr val="accent3">
+        <a:tint val="50000"/>
+      </a:schemeClr>
+      <a:schemeClr val="accent4">
+        <a:tint val="50000"/>
+      </a:schemeClr>
+      <a:schemeClr val="accent5">
+        <a:tint val="50000"/>
+      </a:schemeClr>
+      <a:schemeClr val="accent6">
+        <a:tint val="50000"/>
+      </a:schemeClr>
+    </dgm:fillClrLst>
+    <dgm:linClrLst meth="repeat">
+      <a:schemeClr val="lt1"/>
+    </dgm:linClrLst>
+    <dgm:effectClrLst/>
+    <dgm:txLinClrLst/>
+    <dgm:txFillClrLst meth="repeat">
+      <a:schemeClr val="lt1"/>
+    </dgm:txFillClrLst>
+    <dgm:txEffectClrLst/>
+  </dgm:styleLbl>
+  <dgm:styleLbl name="alignImgPlace1">
+    <dgm:fillClrLst>
+      <a:schemeClr val="accent1">
+        <a:tint val="50000"/>
+      </a:schemeClr>
+      <a:schemeClr val="accent2">
+        <a:tint val="20000"/>
+      </a:schemeClr>
+    </dgm:fillClrLst>
+    <dgm:linClrLst meth="repeat">
+      <a:schemeClr val="lt1"/>
+    </dgm:linClrLst>
+    <dgm:effectClrLst/>
+    <dgm:txLinClrLst/>
+    <dgm:txFillClrLst meth="repeat">
+      <a:schemeClr val="lt1"/>
+    </dgm:txFillClrLst>
+    <dgm:txEffectClrLst/>
+  </dgm:styleLbl>
+  <dgm:styleLbl name="bgImgPlace1">
+    <dgm:fillClrLst>
+      <a:schemeClr val="accent1">
+        <a:tint val="50000"/>
+      </a:schemeClr>
+      <a:schemeClr val="accent2">
+        <a:tint val="20000"/>
+      </a:schemeClr>
+    </dgm:fillClrLst>
+    <dgm:linClrLst meth="repeat">
+      <a:schemeClr val="lt1"/>
+    </dgm:linClrLst>
+    <dgm:effectClrLst/>
+    <dgm:txLinClrLst/>
+    <dgm:txFillClrLst meth="repeat">
+      <a:schemeClr val="lt1"/>
+    </dgm:txFillClrLst>
+    <dgm:txEffectClrLst/>
+  </dgm:styleLbl>
+  <dgm:styleLbl name="sibTrans2D1">
+    <dgm:fillClrLst meth="repeat">
+      <a:schemeClr val="accent2"/>
+      <a:schemeClr val="accent3"/>
+      <a:schemeClr val="accent4"/>
+      <a:schemeClr val="accent5"/>
+      <a:schemeClr val="accent6"/>
+    </dgm:fillClrLst>
+    <dgm:linClrLst meth="cycle">
+      <a:schemeClr val="lt1"/>
+    </dgm:linClrLst>
+    <dgm:effectClrLst/>
+    <dgm:txLinClrLst/>
+    <dgm:txFillClrLst/>
+    <dgm:txEffectClrLst/>
+  </dgm:styleLbl>
+  <dgm:styleLbl name="fgSibTrans2D1">
+    <dgm:fillClrLst meth="repeat">
+      <a:schemeClr val="accent2"/>
+      <a:schemeClr val="accent3"/>
+      <a:schemeClr val="accent4"/>
+      <a:schemeClr val="accent5"/>
+      <a:schemeClr val="accent6"/>
+    </dgm:fillClrLst>
+    <dgm:linClrLst meth="cycle">
+      <a:schemeClr val="lt1"/>
+    </dgm:linClrLst>
+    <dgm:effectClrLst/>
+    <dgm:txLinClrLst/>
+    <dgm:txFillClrLst meth="repeat">
+      <a:schemeClr val="lt1"/>
+    </dgm:txFillClrLst>
+    <dgm:txEffectClrLst/>
+  </dgm:styleLbl>
+  <dgm:styleLbl name="bgSibTrans2D1">
+    <dgm:fillClrLst meth="repeat">
+      <a:schemeClr val="accent2"/>
+      <a:schemeClr val="accent3"/>
+      <a:schemeClr val="accent4"/>
+      <a:schemeClr val="accent5"/>
+      <a:schemeClr val="accent6"/>
+    </dgm:fillClrLst>
+    <dgm:linClrLst meth="cycle">
+      <a:schemeClr val="lt1"/>
+    </dgm:linClrLst>
+    <dgm:effectClrLst/>
+    <dgm:txLinClrLst/>
+    <dgm:txFillClrLst meth="repeat">
+      <a:schemeClr val="lt1"/>
+    </dgm:txFillClrLst>
+    <dgm:txEffectClrLst/>
+  </dgm:styleLbl>
+  <dgm:styleLbl name="sibTrans1D1">
+    <dgm:fillClrLst meth="repeat">
+      <a:schemeClr val="accent2"/>
+      <a:schemeClr val="accent3"/>
+      <a:schemeClr val="accent4"/>
+      <a:schemeClr val="accent5"/>
+      <a:schemeClr val="accent6"/>
+    </dgm:fillClrLst>
+    <dgm:linClrLst meth="repeat">
+      <a:schemeClr val="accent2"/>
+      <a:schemeClr val="accent3"/>
+      <a:schemeClr val="accent4"/>
+      <a:schemeClr val="accent5"/>
+      <a:schemeClr val="accent6"/>
+    </dgm:linClrLst>
+    <dgm:effectClrLst/>
+    <dgm:txLinClrLst/>
+    <dgm:txFillClrLst meth="repeat">
+      <a:schemeClr val="tx1"/>
+    </dgm:txFillClrLst>
+    <dgm:txEffectClrLst/>
+  </dgm:styleLbl>
+  <dgm:styleLbl name="callout">
+    <dgm:fillClrLst meth="repeat">
+      <a:schemeClr val="accent2"/>
+    </dgm:fillClrLst>
+    <dgm:linClrLst meth="repeat">
+      <a:schemeClr val="accent2">
+        <a:tint val="50000"/>
+      </a:schemeClr>
+    </dgm:linClrLst>
+    <dgm:effectClrLst/>
+    <dgm:txLinClrLst/>
+    <dgm:txFillClrLst meth="repeat">
+      <a:schemeClr val="tx1"/>
+    </dgm:txFillClrLst>
+    <dgm:txEffectClrLst/>
+  </dgm:styleLbl>
+  <dgm:styleLbl name="asst0">
+    <dgm:fillClrLst meth="repeat">
+      <a:schemeClr val="accent1"/>
+    </dgm:fillClrLst>
+    <dgm:linClrLst meth="repeat">
+      <a:schemeClr val="lt1"/>
+    </dgm:linClrLst>
+    <dgm:effectClrLst/>
+    <dgm:txLinClrLst/>
+    <dgm:txFillClrLst/>
+    <dgm:txEffectClrLst/>
+  </dgm:styleLbl>
+  <dgm:styleLbl name="asst1">
+    <dgm:fillClrLst meth="repeat">
+      <a:schemeClr val="accent2"/>
+    </dgm:fillClrLst>
+    <dgm:linClrLst meth="repeat">
+      <a:schemeClr val="lt1"/>
+    </dgm:linClrLst>
+    <dgm:effectClrLst/>
+    <dgm:txLinClrLst/>
+    <dgm:txFillClrLst/>
+    <dgm:txEffectClrLst/>
+  </dgm:styleLbl>
+  <dgm:styleLbl name="asst2">
+    <dgm:fillClrLst>
+      <a:schemeClr val="accent3"/>
+    </dgm:fillClrLst>
+    <dgm:linClrLst meth="repeat">
+      <a:schemeClr val="lt1"/>
+    </dgm:linClrLst>
+    <dgm:effectClrLst/>
+    <dgm:txLinClrLst/>
+    <dgm:txFillClrLst/>
+    <dgm:txEffectClrLst/>
+  </dgm:styleLbl>
+  <dgm:styleLbl name="asst3">
+    <dgm:fillClrLst>
+      <a:schemeClr val="accent4"/>
+    </dgm:fillClrLst>
+    <dgm:linClrLst meth="repeat">
+      <a:schemeClr val="lt1"/>
+    </dgm:linClrLst>
+    <dgm:effectClrLst/>
+    <dgm:txLinClrLst/>
+    <dgm:txFillClrLst/>
+    <dgm:txEffectClrLst/>
+  </dgm:styleLbl>
+  <dgm:styleLbl name="asst4">
+    <dgm:fillClrLst>
+      <a:schemeClr val="accent5"/>
+    </dgm:fillClrLst>
+    <dgm:linClrLst meth="repeat">
+      <a:schemeClr val="lt1"/>
+    </dgm:linClrLst>
+    <dgm:effectClrLst/>
+    <dgm:txLinClrLst/>
+    <dgm:txFillClrLst/>
+    <dgm:txEffectClrLst/>
+  </dgm:styleLbl>
+  <dgm:styleLbl name="parChTrans2D1">
+    <dgm:fillClrLst meth="repeat">
+      <a:schemeClr val="accent2"/>
+    </dgm:fillClrLst>
+    <dgm:linClrLst meth="repeat">
+      <a:schemeClr val="lt1"/>
+    </dgm:linClrLst>
+    <dgm:effectClrLst/>
+    <dgm:txLinClrLst/>
+    <dgm:txFillClrLst meth="repeat">
+      <a:schemeClr val="lt1"/>
+    </dgm:txFillClrLst>
+    <dgm:txEffectClrLst/>
+  </dgm:styleLbl>
+  <dgm:styleLbl name="parChTrans2D2">
+    <dgm:fillClrLst meth="repeat">
+      <a:schemeClr val="accent3"/>
+    </dgm:fillClrLst>
+    <dgm:linClrLst meth="repeat">
+      <a:schemeClr val="lt1"/>
+    </dgm:linClrLst>
+    <dgm:effectClrLst/>
+    <dgm:txLinClrLst/>
+    <dgm:txFillClrLst/>
+    <dgm:txEffectClrLst/>
+  </dgm:styleLbl>
+  <dgm:styleLbl name="parChTrans2D3">
+    <dgm:fillClrLst meth="repeat">
+      <a:schemeClr val="accent4"/>
+    </dgm:fillClrLst>
+    <dgm:linClrLst meth="repeat">
+      <a:schemeClr val="lt1"/>
+    </dgm:linClrLst>
+    <dgm:effectClrLst/>
+    <dgm:txLinClrLst/>
+    <dgm:txFillClrLst/>
+    <dgm:txEffectClrLst/>
+  </dgm:styleLbl>
+  <dgm:styleLbl name="parChTrans2D4">
+    <dgm:fillClrLst meth="repeat">
+      <a:schemeClr val="accent5"/>
+    </dgm:fillClrLst>
+    <dgm:linClrLst meth="repeat">
+      <a:schemeClr val="lt1"/>
+    </dgm:linClrLst>
+    <dgm:effectClrLst/>
+    <dgm:txLinClrLst/>
+    <dgm:txFillClrLst meth="repeat">
+      <a:schemeClr val="lt1"/>
+    </dgm:txFillClrLst>
+    <dgm:txEffectClrLst/>
+  </dgm:styleLbl>
+  <dgm:styleLbl name="parChTrans1D1">
+    <dgm:fillClrLst meth="repeat">
+      <a:schemeClr val="accent2"/>
+    </dgm:fillClrLst>
+    <dgm:linClrLst meth="repeat">
+      <a:schemeClr val="accent1"/>
+    </dgm:linClrLst>
+    <dgm:effectClrLst/>
+    <dgm:txLinClrLst/>
+    <dgm:txFillClrLst meth="repeat">
+      <a:schemeClr val="tx1"/>
+    </dgm:txFillClrLst>
+    <dgm:txEffectClrLst/>
+  </dgm:styleLbl>
+  <dgm:styleLbl name="parChTrans1D2">
+    <dgm:fillClrLst meth="repeat">
+      <a:schemeClr val="accent3">
+        <a:tint val="90000"/>
+      </a:schemeClr>
+    </dgm:fillClrLst>
+    <dgm:linClrLst meth="repeat">
+      <a:schemeClr val="accent2"/>
+    </dgm:linClrLst>
+    <dgm:effectClrLst/>
+    <dgm:txLinClrLst/>
+    <dgm:txFillClrLst meth="repeat">
+      <a:schemeClr val="tx1"/>
+    </dgm:txFillClrLst>
+    <dgm:txEffectClrLst/>
+  </dgm:styleLbl>
+  <dgm:styleLbl name="parChTrans1D3">
+    <dgm:fillClrLst meth="repeat">
+      <a:schemeClr val="accent4">
+        <a:tint val="70000"/>
+      </a:schemeClr>
+    </dgm:fillClrLst>
+    <dgm:linClrLst meth="repeat">
+      <a:schemeClr val="accent3"/>
+    </dgm:linClrLst>
+    <dgm:effectClrLst/>
+    <dgm:txLinClrLst/>
+    <dgm:txFillClrLst meth="repeat">
+      <a:schemeClr val="tx1"/>
+    </dgm:txFillClrLst>
+    <dgm:txEffectClrLst/>
+  </dgm:styleLbl>
+  <dgm:styleLbl name="parChTrans1D4">
+    <dgm:fillClrLst meth="repeat">
+      <a:schemeClr val="accent5">
+        <a:tint val="50000"/>
+      </a:schemeClr>
+    </dgm:fillClrLst>
+    <dgm:linClrLst meth="repeat">
+      <a:schemeClr val="accent4"/>
+    </dgm:linClrLst>
+    <dgm:effectClrLst/>
+    <dgm:txLinClrLst/>
+    <dgm:txFillClrLst meth="repeat">
+      <a:schemeClr val="tx1"/>
+    </dgm:txFillClrLst>
+    <dgm:txEffectClrLst/>
+  </dgm:styleLbl>
+  <dgm:styleLbl name="fgAcc1">
+    <dgm:fillClrLst meth="repeat">
+      <a:schemeClr val="lt1">
+        <a:alpha val="90000"/>
+      </a:schemeClr>
+    </dgm:fillClrLst>
+    <dgm:linClrLst meth="repeat">
+      <a:schemeClr val="accent2"/>
+      <a:schemeClr val="accent3"/>
+      <a:schemeClr val="accent4"/>
+      <a:schemeClr val="accent5"/>
+      <a:schemeClr val="accent6"/>
+    </dgm:linClrLst>
+    <dgm:effectClrLst/>
+    <dgm:txLinClrLst/>
+    <dgm:txFillClrLst meth="repeat">
+      <a:schemeClr val="dk1"/>
+    </dgm:txFillClrLst>
+    <dgm:txEffectClrLst/>
+  </dgm:styleLbl>
+  <dgm:styleLbl name="conFgAcc1">
+    <dgm:fillClrLst meth="repeat">
+      <a:schemeClr val="lt1">
+        <a:alpha val="90000"/>
+      </a:schemeClr>
+    </dgm:fillClrLst>
+    <dgm:linClrLst meth="repeat">
+      <a:schemeClr val="accent2"/>
+      <a:schemeClr val="accent3"/>
+      <a:schemeClr val="accent4"/>
+      <a:schemeClr val="accent5"/>
+      <a:schemeClr val="accent6"/>
+    </dgm:linClrLst>
+    <dgm:effectClrLst/>
+    <dgm:txLinClrLst/>
+    <dgm:txFillClrLst meth="repeat">
+      <a:schemeClr val="dk1"/>
+    </dgm:txFillClrLst>
+    <dgm:txEffectClrLst/>
+  </dgm:styleLbl>
+  <dgm:styleLbl name="alignAcc1">
+    <dgm:fillClrLst meth="repeat">
+      <a:schemeClr val="lt1">
+        <a:alpha val="90000"/>
+      </a:schemeClr>
+    </dgm:fillClrLst>
+    <dgm:linClrLst meth="repeat">
+      <a:schemeClr val="accent2"/>
+      <a:schemeClr val="accent3"/>
+      <a:schemeClr val="accent4"/>
+      <a:schemeClr val="accent5"/>
+      <a:schemeClr val="accent6"/>
+    </dgm:linClrLst>
+    <dgm:effectClrLst/>
+    <dgm:txLinClrLst/>
+    <dgm:txFillClrLst meth="repeat">
+      <a:schemeClr val="dk1"/>
+    </dgm:txFillClrLst>
+    <dgm:txEffectClrLst/>
+  </dgm:styleLbl>
+  <dgm:styleLbl name="trAlignAcc1">
+    <dgm:fillClrLst meth="repeat">
+      <a:schemeClr val="lt1">
+        <a:alpha val="40000"/>
+      </a:schemeClr>
+    </dgm:fillClrLst>
+    <dgm:linClrLst meth="repeat">
+      <a:schemeClr val="accent1"/>
+    </dgm:linClrLst>
+    <dgm:effectClrLst/>
+    <dgm:txLinClrLst/>
+    <dgm:txFillClrLst meth="repeat">
+      <a:schemeClr val="dk1"/>
+    </dgm:txFillClrLst>
+    <dgm:txEffectClrLst/>
+  </dgm:styleLbl>
+  <dgm:styleLbl name="bgAcc1">
+    <dgm:fillClrLst meth="repeat">
+      <a:schemeClr val="lt1">
+        <a:alpha val="90000"/>
+      </a:schemeClr>
+    </dgm:fillClrLst>
+    <dgm:linClrLst meth="repeat">
+      <a:schemeClr val="accent2"/>
+      <a:schemeClr val="accent3"/>
+      <a:schemeClr val="accent4"/>
+      <a:schemeClr val="accent5"/>
+      <a:schemeClr val="accent6"/>
+    </dgm:linClrLst>
+    <dgm:effectClrLst/>
+    <dgm:txLinClrLst/>
+    <dgm:txFillClrLst meth="repeat">
+      <a:schemeClr val="dk1"/>
+    </dgm:txFillClrLst>
+    <dgm:txEffectClrLst/>
+  </dgm:styleLbl>
+  <dgm:styleLbl name="solidFgAcc1">
+    <dgm:fillClrLst meth="repeat">
+      <a:schemeClr val="lt1"/>
+    </dgm:fillClrLst>
+    <dgm:linClrLst meth="repeat">
+      <a:schemeClr val="accent2"/>
+      <a:schemeClr val="accent3"/>
+      <a:schemeClr val="accent4"/>
+      <a:schemeClr val="accent5"/>
+      <a:schemeClr val="accent6"/>
+    </dgm:linClrLst>
+    <dgm:effectClrLst/>
+    <dgm:txLinClrLst/>
+    <dgm:txFillClrLst meth="repeat">
+      <a:schemeClr val="dk1"/>
+    </dgm:txFillClrLst>
+    <dgm:txEffectClrLst/>
+  </dgm:styleLbl>
+  <dgm:styleLbl name="solidAlignAcc1">
+    <dgm:fillClrLst meth="repeat">
+      <a:schemeClr val="lt1"/>
+    </dgm:fillClrLst>
+    <dgm:linClrLst meth="repeat">
+      <a:schemeClr val="accent2"/>
+      <a:schemeClr val="accent3"/>
+      <a:schemeClr val="accent4"/>
+      <a:schemeClr val="accent5"/>
+      <a:schemeClr val="accent6"/>
+    </dgm:linClrLst>
+    <dgm:effectClrLst/>
+    <dgm:txLinClrLst/>
+    <dgm:txFillClrLst meth="repeat">
+      <a:schemeClr val="dk1"/>
+    </dgm:txFillClrLst>
+    <dgm:txEffectClrLst/>
+  </dgm:styleLbl>
+  <dgm:styleLbl name="solidBgAcc1">
+    <dgm:fillClrLst meth="repeat">
+      <a:schemeClr val="lt1"/>
+    </dgm:fillClrLst>
+    <dgm:linClrLst meth="repeat">
+      <a:schemeClr val="accent2"/>
+      <a:schemeClr val="accent3"/>
+      <a:schemeClr val="accent4"/>
+      <a:schemeClr val="accent5"/>
+      <a:schemeClr val="accent6"/>
+    </dgm:linClrLst>
+    <dgm:effectClrLst/>
+    <dgm:txLinClrLst/>
+    <dgm:txFillClrLst meth="repeat">
+      <a:schemeClr val="dk1"/>
+    </dgm:txFillClrLst>
+    <dgm:txEffectClrLst/>
+  </dgm:styleLbl>
+  <dgm:styleLbl name="fgAccFollowNode1">
+    <dgm:fillClrLst meth="repeat">
+      <a:schemeClr val="accent2">
+        <a:tint val="40000"/>
+        <a:alpha val="90000"/>
+      </a:schemeClr>
+      <a:schemeClr val="accent3">
+        <a:tint val="40000"/>
+        <a:alpha val="90000"/>
+      </a:schemeClr>
+      <a:schemeClr val="accent4">
+        <a:tint val="40000"/>
+        <a:alpha val="90000"/>
+      </a:schemeClr>
+      <a:schemeClr val="accent5">
+        <a:tint val="40000"/>
+        <a:alpha val="90000"/>
+      </a:schemeClr>
+      <a:schemeClr val="accent6">
+        <a:tint val="40000"/>
+        <a:alpha val="90000"/>
+      </a:schemeClr>
+    </dgm:fillClrLst>
+    <dgm:linClrLst meth="repeat">
+      <a:schemeClr val="accent2">
+        <a:tint val="40000"/>
+        <a:alpha val="90000"/>
+      </a:schemeClr>
+      <a:schemeClr val="accent3">
+        <a:tint val="40000"/>
+        <a:alpha val="90000"/>
+      </a:schemeClr>
+      <a:schemeClr val="accent4">
+        <a:tint val="40000"/>
+        <a:alpha val="90000"/>
+      </a:schemeClr>
+      <a:schemeClr val="accent5">
+        <a:tint val="40000"/>
+        <a:alpha val="90000"/>
+      </a:schemeClr>
+      <a:schemeClr val="accent6">
+        <a:tint val="40000"/>
+        <a:alpha val="90000"/>
+      </a:schemeClr>
+    </dgm:linClrLst>
+    <dgm:effectClrLst/>
+    <dgm:txLinClrLst/>
+    <dgm:txFillClrLst meth="repeat">
+      <a:schemeClr val="dk1"/>
+    </dgm:txFillClrLst>
+    <dgm:txEffectClrLst/>
+  </dgm:styleLbl>
+  <dgm:styleLbl name="alignAccFollowNode1">
+    <dgm:fillClrLst meth="repeat">
+      <a:schemeClr val="accent2">
+        <a:tint val="40000"/>
+        <a:alpha val="90000"/>
+      </a:schemeClr>
+      <a:schemeClr val="accent3">
+        <a:tint val="40000"/>
+        <a:alpha val="90000"/>
+      </a:schemeClr>
+      <a:schemeClr val="accent4">
+        <a:tint val="40000"/>
+        <a:alpha val="90000"/>
+      </a:schemeClr>
+      <a:schemeClr val="accent5">
+        <a:tint val="40000"/>
+        <a:alpha val="90000"/>
+      </a:schemeClr>
+      <a:schemeClr val="accent6">
+        <a:tint val="40000"/>
+        <a:alpha val="90000"/>
+      </a:schemeClr>
+    </dgm:fillClrLst>
+    <dgm:linClrLst meth="repeat">
+      <a:schemeClr val="accent2">
+        <a:tint val="40000"/>
+        <a:alpha val="90000"/>
+      </a:schemeClr>
+      <a:schemeClr val="accent3">
+        <a:tint val="40000"/>
+        <a:alpha val="90000"/>
+      </a:schemeClr>
+      <a:schemeClr val="accent4">
+        <a:tint val="40000"/>
+        <a:alpha val="90000"/>
+      </a:schemeClr>
+      <a:schemeClr val="accent5">
+        <a:tint val="40000"/>
+        <a:alpha val="90000"/>
+      </a:schemeClr>
+      <a:schemeClr val="accent6">
+        <a:tint val="40000"/>
+        <a:alpha val="90000"/>
+      </a:schemeClr>
+    </dgm:linClrLst>
+    <dgm:effectClrLst/>
+    <dgm:txLinClrLst/>
+    <dgm:txFillClrLst meth="repeat">
+      <a:schemeClr val="dk1"/>
+    </dgm:txFillClrLst>
+    <dgm:txEffectClrLst/>
+  </dgm:styleLbl>
+  <dgm:styleLbl name="bgAccFollowNode1">
+    <dgm:fillClrLst meth="repeat">
+      <a:schemeClr val="accent2">
+        <a:tint val="40000"/>
+        <a:alpha val="90000"/>
+      </a:schemeClr>
+      <a:schemeClr val="accent3">
+        <a:tint val="40000"/>
+        <a:alpha val="90000"/>
+      </a:schemeClr>
+      <a:schemeClr val="accent4">
+        <a:tint val="40000"/>
+        <a:alpha val="90000"/>
+      </a:schemeClr>
+      <a:schemeClr val="accent5">
+        <a:tint val="40000"/>
+        <a:alpha val="90000"/>
+      </a:schemeClr>
+      <a:schemeClr val="accent6">
+        <a:tint val="40000"/>
+        <a:alpha val="90000"/>
+      </a:schemeClr>
+    </dgm:fillClrLst>
+    <dgm:linClrLst meth="repeat">
+      <a:schemeClr val="accent2">
+        <a:tint val="40000"/>
+        <a:alpha val="90000"/>
+      </a:schemeClr>
+      <a:schemeClr val="accent3">
+        <a:tint val="40000"/>
+        <a:alpha val="90000"/>
+      </a:schemeClr>
+      <a:schemeClr val="accent4">
+        <a:tint val="40000"/>
+        <a:alpha val="90000"/>
+      </a:schemeClr>
+      <a:schemeClr val="accent5">
+        <a:tint val="40000"/>
+        <a:alpha val="90000"/>
+      </a:schemeClr>
+      <a:schemeClr val="accent6">
+        <a:tint val="40000"/>
+        <a:alpha val="90000"/>
+      </a:schemeClr>
+    </dgm:linClrLst>
+    <dgm:effectClrLst/>
+    <dgm:txLinClrLst/>
+    <dgm:txFillClrLst meth="repeat">
+      <a:schemeClr val="dk1"/>
+    </dgm:txFillClrLst>
+    <dgm:txEffectClrLst/>
+  </dgm:styleLbl>
+  <dgm:styleLbl name="fgAcc0">
+    <dgm:fillClrLst meth="repeat">
+      <a:schemeClr val="lt1">
+        <a:alpha val="90000"/>
+      </a:schemeClr>
+    </dgm:fillClrLst>
+    <dgm:linClrLst>
+      <a:schemeClr val="accent1"/>
+    </dgm:linClrLst>
+    <dgm:effectClrLst/>
+    <dgm:txLinClrLst/>
+    <dgm:txFillClrLst meth="repeat">
+      <a:schemeClr val="dk1"/>
+    </dgm:txFillClrLst>
+    <dgm:txEffectClrLst/>
+  </dgm:styleLbl>
+  <dgm:styleLbl name="fgAcc2">
+    <dgm:fillClrLst meth="repeat">
+      <a:schemeClr val="lt1">
+        <a:alpha val="90000"/>
+      </a:schemeClr>
+    </dgm:fillClrLst>
+    <dgm:linClrLst>
+      <a:schemeClr val="accent2"/>
+    </dgm:linClrLst>
+    <dgm:effectClrLst/>
+    <dgm:txLinClrLst/>
+    <dgm:txFillClrLst meth="repeat">
+      <a:schemeClr val="dk1"/>
+    </dgm:txFillClrLst>
+    <dgm:txEffectClrLst/>
+  </dgm:styleLbl>
+  <dgm:styleLbl name="fgAcc3">
+    <dgm:fillClrLst meth="repeat">
+      <a:schemeClr val="lt1">
+        <a:alpha val="90000"/>
+      </a:schemeClr>
+    </dgm:fillClrLst>
+    <dgm:linClrLst>
+      <a:schemeClr val="accent3"/>
+    </dgm:linClrLst>
+    <dgm:effectClrLst/>
+    <dgm:txLinClrLst/>
+    <dgm:txFillClrLst meth="repeat">
+      <a:schemeClr val="dk1"/>
+    </dgm:txFillClrLst>
+    <dgm:txEffectClrLst/>
+  </dgm:styleLbl>
+  <dgm:styleLbl name="fgAcc4">
+    <dgm:fillClrLst meth="repeat">
+      <a:schemeClr val="lt1">
+        <a:alpha val="90000"/>
+      </a:schemeClr>
+    </dgm:fillClrLst>
+    <dgm:linClrLst>
+      <a:schemeClr val="accent4"/>
+    </dgm:linClrLst>
+    <dgm:effectClrLst/>
+    <dgm:txLinClrLst/>
+    <dgm:txFillClrLst meth="repeat">
+      <a:schemeClr val="dk1"/>
+    </dgm:txFillClrLst>
+    <dgm:txEffectClrLst/>
+  </dgm:styleLbl>
+  <dgm:styleLbl name="bgShp">
+    <dgm:fillClrLst meth="repeat">
+      <a:schemeClr val="accent2">
+        <a:tint val="40000"/>
+      </a:schemeClr>
+    </dgm:fillClrLst>
+    <dgm:linClrLst meth="repeat">
+      <a:schemeClr val="dk1"/>
+    </dgm:linClrLst>
+    <dgm:effectClrLst/>
+    <dgm:txLinClrLst/>
+    <dgm:txFillClrLst meth="repeat">
+      <a:schemeClr val="dk1"/>
+    </dgm:txFillClrLst>
+    <dgm:txEffectClrLst/>
+  </dgm:styleLbl>
+  <dgm:styleLbl name="dkBgShp">
+    <dgm:fillClrLst meth="repeat">
+      <a:schemeClr val="accent2">
+        <a:shade val="90000"/>
+      </a:schemeClr>
+    </dgm:fillClrLst>
+    <dgm:linClrLst meth="repeat">
+      <a:schemeClr val="dk1"/>
+    </dgm:linClrLst>
+    <dgm:effectClrLst/>
+    <dgm:txLinClrLst/>
+    <dgm:txFillClrLst meth="repeat">
+      <a:schemeClr val="lt1"/>
+    </dgm:txFillClrLst>
+    <dgm:txEffectClrLst/>
+  </dgm:styleLbl>
+  <dgm:styleLbl name="trBgShp">
+    <dgm:fillClrLst meth="repeat">
+      <a:schemeClr val="accent1">
+        <a:tint val="50000"/>
+        <a:alpha val="40000"/>
+      </a:schemeClr>
+    </dgm:fillClrLst>
+    <dgm:linClrLst meth="repeat">
+      <a:schemeClr val="accent2"/>
+    </dgm:linClrLst>
+    <dgm:effectClrLst/>
+    <dgm:txLinClrLst/>
+    <dgm:txFillClrLst meth="repeat">
+      <a:schemeClr val="lt1"/>
+    </dgm:txFillClrLst>
+    <dgm:txEffectClrLst/>
+  </dgm:styleLbl>
+  <dgm:styleLbl name="fgShp">
+    <dgm:fillClrLst meth="repeat">
+      <a:schemeClr val="accent2">
+        <a:tint val="40000"/>
+      </a:schemeClr>
+    </dgm:fillClrLst>
+    <dgm:linClrLst meth="repeat">
+      <a:schemeClr val="lt1"/>
+    </dgm:linClrLst>
+    <dgm:effectClrLst/>
+    <dgm:txLinClrLst/>
+    <dgm:txFillClrLst meth="repeat">
+      <a:schemeClr val="dk1"/>
+    </dgm:txFillClrLst>
+    <dgm:txEffectClrLst/>
+  </dgm:styleLbl>
+  <dgm:styleLbl name="revTx">
+    <dgm:fillClrLst meth="repeat">
+      <a:schemeClr val="lt1">
+        <a:alpha val="0"/>
+      </a:schemeClr>
+    </dgm:fillClrLst>
+    <dgm:linClrLst meth="repeat">
+      <a:schemeClr val="dk1">
+        <a:alpha val="0"/>
+      </a:schemeClr>
+    </dgm:linClrLst>
+    <dgm:effectClrLst/>
+    <dgm:txLinClrLst/>
+    <dgm:txFillClrLst meth="repeat">
+      <a:schemeClr val="tx1"/>
+    </dgm:txFillClrLst>
+    <dgm:txEffectClrLst/>
+  </dgm:styleLbl>
+</dgm:colorsDef>
+</file>
+
+<file path=ppt/diagrams/colors2.xml><?xml version="1.0" encoding="utf-8"?>
 <dgm:colorsDef xmlns:dgm="http://schemas.openxmlformats.org/drawingml/2006/diagram" xmlns:a="http://schemas.openxmlformats.org/drawingml/2006/main" uniqueId="urn:microsoft.com/office/officeart/2018/5/colors/Iconchunking_neutralicon_colorful1">
   <dgm:title val=""/>
   <dgm:desc val=""/>
@@ -1058,6 +1977,613 @@
 <file path=ppt/diagrams/data1.xml><?xml version="1.0" encoding="utf-8"?>
 <dgm:dataModel xmlns:dgm="http://schemas.openxmlformats.org/drawingml/2006/diagram" xmlns:a="http://schemas.openxmlformats.org/drawingml/2006/main">
   <dgm:ptLst>
+    <dgm:pt modelId="{5B741EE2-5C14-4B65-A743-40EBC361C716}" type="doc">
+      <dgm:prSet loTypeId="urn:microsoft.com/office/officeart/2005/8/layout/bProcess4" loCatId="process" qsTypeId="urn:microsoft.com/office/officeart/2005/8/quickstyle/simple2" qsCatId="simple" csTypeId="urn:microsoft.com/office/officeart/2005/8/colors/colorful1" csCatId="colorful" phldr="1"/>
+      <dgm:spPr/>
+      <dgm:t>
+        <a:bodyPr/>
+        <a:lstStyle/>
+        <a:p>
+          <a:endParaRPr lang="en-CA"/>
+        </a:p>
+      </dgm:t>
+    </dgm:pt>
+    <dgm:pt modelId="{34E981D1-F80D-416F-96A1-EB53D27D31C0}">
+      <dgm:prSet phldrT="[Text]"/>
+      <dgm:spPr/>
+      <dgm:t>
+        <a:bodyPr/>
+        <a:lstStyle/>
+        <a:p>
+          <a:r>
+            <a:rPr lang="en-US"/>
+            <a:t>Brainstorm ideas and factors on the investigation topic</a:t>
+          </a:r>
+          <a:endParaRPr lang="en-CA"/>
+        </a:p>
+      </dgm:t>
+    </dgm:pt>
+    <dgm:pt modelId="{D3CC5232-76A0-4889-9BB0-B9F9D63C86C4}" type="parTrans" cxnId="{8702E584-9B4B-4726-9DF2-C08A1AA19902}">
+      <dgm:prSet/>
+      <dgm:spPr/>
+      <dgm:t>
+        <a:bodyPr/>
+        <a:lstStyle/>
+        <a:p>
+          <a:endParaRPr lang="en-CA"/>
+        </a:p>
+      </dgm:t>
+    </dgm:pt>
+    <dgm:pt modelId="{4ED725CC-EFCA-43D3-A941-1B654FA791FA}" type="sibTrans" cxnId="{8702E584-9B4B-4726-9DF2-C08A1AA19902}">
+      <dgm:prSet/>
+      <dgm:spPr/>
+      <dgm:t>
+        <a:bodyPr/>
+        <a:lstStyle/>
+        <a:p>
+          <a:endParaRPr lang="en-CA"/>
+        </a:p>
+      </dgm:t>
+    </dgm:pt>
+    <dgm:pt modelId="{17DC462F-E382-45B9-AB28-C2E126247CC9}">
+      <dgm:prSet phldrT="[Text]"/>
+      <dgm:spPr/>
+      <dgm:t>
+        <a:bodyPr/>
+        <a:lstStyle/>
+        <a:p>
+          <a:r>
+            <a:rPr lang="en-US"/>
+            <a:t>Collect the data and discuss the feasibility within the team</a:t>
+          </a:r>
+          <a:endParaRPr lang="en-CA"/>
+        </a:p>
+      </dgm:t>
+    </dgm:pt>
+    <dgm:pt modelId="{2D98CFB2-69FC-442F-8981-48CB272691DE}" type="parTrans" cxnId="{61CEA436-352B-448F-BE01-00EA66F82C6D}">
+      <dgm:prSet/>
+      <dgm:spPr/>
+      <dgm:t>
+        <a:bodyPr/>
+        <a:lstStyle/>
+        <a:p>
+          <a:endParaRPr lang="en-CA"/>
+        </a:p>
+      </dgm:t>
+    </dgm:pt>
+    <dgm:pt modelId="{820E4FE6-223E-4DC3-B335-C17C911E6CF4}" type="sibTrans" cxnId="{61CEA436-352B-448F-BE01-00EA66F82C6D}">
+      <dgm:prSet/>
+      <dgm:spPr/>
+      <dgm:t>
+        <a:bodyPr/>
+        <a:lstStyle/>
+        <a:p>
+          <a:endParaRPr lang="en-CA"/>
+        </a:p>
+      </dgm:t>
+    </dgm:pt>
+    <dgm:pt modelId="{516B3ADD-3339-4083-AAA5-2194E59E05E3}">
+      <dgm:prSet phldrT="[Text]"/>
+      <dgm:spPr/>
+      <dgm:t>
+        <a:bodyPr/>
+        <a:lstStyle/>
+        <a:p>
+          <a:r>
+            <a:rPr lang="en-US"/>
+            <a:t>Create master Git and allocate tasks to team members</a:t>
+          </a:r>
+          <a:endParaRPr lang="en-CA"/>
+        </a:p>
+      </dgm:t>
+    </dgm:pt>
+    <dgm:pt modelId="{5712DA25-EB18-479A-965C-EA48B5153829}" type="parTrans" cxnId="{B22AE7E7-43E9-4CE3-A436-2A3F6BB3D4F5}">
+      <dgm:prSet/>
+      <dgm:spPr/>
+      <dgm:t>
+        <a:bodyPr/>
+        <a:lstStyle/>
+        <a:p>
+          <a:endParaRPr lang="en-CA"/>
+        </a:p>
+      </dgm:t>
+    </dgm:pt>
+    <dgm:pt modelId="{601D4A9C-FEBE-481C-8EF0-452C1882D900}" type="sibTrans" cxnId="{B22AE7E7-43E9-4CE3-A436-2A3F6BB3D4F5}">
+      <dgm:prSet/>
+      <dgm:spPr/>
+      <dgm:t>
+        <a:bodyPr/>
+        <a:lstStyle/>
+        <a:p>
+          <a:endParaRPr lang="en-CA"/>
+        </a:p>
+      </dgm:t>
+    </dgm:pt>
+    <dgm:pt modelId="{94320C24-6ABF-4C0C-B0ED-EB2460597589}">
+      <dgm:prSet phldrT="[Text]"/>
+      <dgm:spPr/>
+      <dgm:t>
+        <a:bodyPr/>
+        <a:lstStyle/>
+        <a:p>
+          <a:r>
+            <a:rPr lang="en-US"/>
+            <a:t>Clean and combine datasets</a:t>
+          </a:r>
+          <a:endParaRPr lang="en-CA"/>
+        </a:p>
+      </dgm:t>
+    </dgm:pt>
+    <dgm:pt modelId="{D6110652-5477-4937-9B32-97A9EE672061}" type="parTrans" cxnId="{924A7E9F-6EEE-494C-8E5C-5AA50028CDE2}">
+      <dgm:prSet/>
+      <dgm:spPr/>
+      <dgm:t>
+        <a:bodyPr/>
+        <a:lstStyle/>
+        <a:p>
+          <a:endParaRPr lang="en-CA"/>
+        </a:p>
+      </dgm:t>
+    </dgm:pt>
+    <dgm:pt modelId="{146D77CE-0DC1-4827-B3D3-FC94E8209EFB}" type="sibTrans" cxnId="{924A7E9F-6EEE-494C-8E5C-5AA50028CDE2}">
+      <dgm:prSet/>
+      <dgm:spPr/>
+      <dgm:t>
+        <a:bodyPr/>
+        <a:lstStyle/>
+        <a:p>
+          <a:endParaRPr lang="en-CA"/>
+        </a:p>
+      </dgm:t>
+    </dgm:pt>
+    <dgm:pt modelId="{75CFB05E-E763-43CA-BEE5-B28614FBD6C7}">
+      <dgm:prSet phldrT="[Text]"/>
+      <dgm:spPr/>
+      <dgm:t>
+        <a:bodyPr/>
+        <a:lstStyle/>
+        <a:p>
+          <a:r>
+            <a:rPr lang="en-US"/>
+            <a:t>Each team member finishes assigned task</a:t>
+          </a:r>
+          <a:endParaRPr lang="en-CA"/>
+        </a:p>
+      </dgm:t>
+    </dgm:pt>
+    <dgm:pt modelId="{9D646A05-986D-4DB5-8EB9-2CD1173C1C08}" type="parTrans" cxnId="{253F1188-F21F-40AE-92CB-F3D9F3653644}">
+      <dgm:prSet/>
+      <dgm:spPr/>
+      <dgm:t>
+        <a:bodyPr/>
+        <a:lstStyle/>
+        <a:p>
+          <a:endParaRPr lang="en-CA"/>
+        </a:p>
+      </dgm:t>
+    </dgm:pt>
+    <dgm:pt modelId="{BC0387C9-B3C2-440E-8F0D-8759924BCA1B}" type="sibTrans" cxnId="{253F1188-F21F-40AE-92CB-F3D9F3653644}">
+      <dgm:prSet/>
+      <dgm:spPr/>
+      <dgm:t>
+        <a:bodyPr/>
+        <a:lstStyle/>
+        <a:p>
+          <a:endParaRPr lang="en-CA"/>
+        </a:p>
+      </dgm:t>
+    </dgm:pt>
+    <dgm:pt modelId="{736C5C71-6ECF-48BC-9F5C-55B91DDE6167}">
+      <dgm:prSet phldrT="[Text]"/>
+      <dgm:spPr/>
+      <dgm:t>
+        <a:bodyPr/>
+        <a:lstStyle/>
+        <a:p>
+          <a:r>
+            <a:rPr lang="en-US"/>
+            <a:t>Share and discuss observations in the team</a:t>
+          </a:r>
+          <a:endParaRPr lang="en-CA"/>
+        </a:p>
+      </dgm:t>
+    </dgm:pt>
+    <dgm:pt modelId="{0F3F36D2-8EC6-4B25-97D2-F2AE35865B41}" type="parTrans" cxnId="{A70A85CB-C1CC-49AA-BC98-54F875631CD9}">
+      <dgm:prSet/>
+      <dgm:spPr/>
+      <dgm:t>
+        <a:bodyPr/>
+        <a:lstStyle/>
+        <a:p>
+          <a:endParaRPr lang="en-CA"/>
+        </a:p>
+      </dgm:t>
+    </dgm:pt>
+    <dgm:pt modelId="{3E198E70-59FA-4658-A813-392B629B74B9}" type="sibTrans" cxnId="{A70A85CB-C1CC-49AA-BC98-54F875631CD9}">
+      <dgm:prSet/>
+      <dgm:spPr/>
+      <dgm:t>
+        <a:bodyPr/>
+        <a:lstStyle/>
+        <a:p>
+          <a:endParaRPr lang="en-CA"/>
+        </a:p>
+      </dgm:t>
+    </dgm:pt>
+    <dgm:pt modelId="{58CC8DB1-7A17-4E3A-9FF4-9439F0A071D7}">
+      <dgm:prSet phldrT="[Text]"/>
+      <dgm:spPr/>
+      <dgm:t>
+        <a:bodyPr/>
+        <a:lstStyle/>
+        <a:p>
+          <a:r>
+            <a:rPr lang="en-US"/>
+            <a:t>Consolidate contributions to the master Git</a:t>
+          </a:r>
+          <a:endParaRPr lang="en-CA"/>
+        </a:p>
+      </dgm:t>
+    </dgm:pt>
+    <dgm:pt modelId="{ABDE487A-8FAE-44EC-89BC-8D948992F59B}" type="parTrans" cxnId="{1735DCEC-BA56-4338-BC7B-B5D85A58D737}">
+      <dgm:prSet/>
+      <dgm:spPr/>
+      <dgm:t>
+        <a:bodyPr/>
+        <a:lstStyle/>
+        <a:p>
+          <a:endParaRPr lang="en-CA"/>
+        </a:p>
+      </dgm:t>
+    </dgm:pt>
+    <dgm:pt modelId="{1FC98FB2-A202-4A2F-AE96-CB89B70C617D}" type="sibTrans" cxnId="{1735DCEC-BA56-4338-BC7B-B5D85A58D737}">
+      <dgm:prSet/>
+      <dgm:spPr/>
+      <dgm:t>
+        <a:bodyPr/>
+        <a:lstStyle/>
+        <a:p>
+          <a:endParaRPr lang="en-CA"/>
+        </a:p>
+      </dgm:t>
+    </dgm:pt>
+    <dgm:pt modelId="{527847B4-2DBB-4030-99B5-FBFDE156B57D}">
+      <dgm:prSet phldrT="[Text]"/>
+      <dgm:spPr/>
+      <dgm:t>
+        <a:bodyPr/>
+        <a:lstStyle/>
+        <a:p>
+          <a:r>
+            <a:rPr lang="en-US"/>
+            <a:t>Make modifications and finalize project</a:t>
+          </a:r>
+          <a:endParaRPr lang="en-CA"/>
+        </a:p>
+      </dgm:t>
+    </dgm:pt>
+    <dgm:pt modelId="{65AF33FA-D399-403A-B2A2-56BAD4D03418}" type="parTrans" cxnId="{9098D4EB-41EC-46C7-A871-F2EB102DEE3F}">
+      <dgm:prSet/>
+      <dgm:spPr/>
+      <dgm:t>
+        <a:bodyPr/>
+        <a:lstStyle/>
+        <a:p>
+          <a:endParaRPr lang="en-CA"/>
+        </a:p>
+      </dgm:t>
+    </dgm:pt>
+    <dgm:pt modelId="{6C6862B6-693E-47A2-90A4-BC060CC1390D}" type="sibTrans" cxnId="{9098D4EB-41EC-46C7-A871-F2EB102DEE3F}">
+      <dgm:prSet/>
+      <dgm:spPr/>
+      <dgm:t>
+        <a:bodyPr/>
+        <a:lstStyle/>
+        <a:p>
+          <a:endParaRPr lang="en-CA"/>
+        </a:p>
+      </dgm:t>
+    </dgm:pt>
+    <dgm:pt modelId="{555EAC0C-0F69-4FD2-8DFE-68F876081605}">
+      <dgm:prSet phldrT="[Text]"/>
+      <dgm:spPr/>
+      <dgm:t>
+        <a:bodyPr/>
+        <a:lstStyle/>
+        <a:p>
+          <a:r>
+            <a:rPr lang="en-US"/>
+            <a:t>Final presentation</a:t>
+          </a:r>
+          <a:endParaRPr lang="en-CA"/>
+        </a:p>
+      </dgm:t>
+    </dgm:pt>
+    <dgm:pt modelId="{8A523C9A-1317-4644-9745-D9C38A1275BD}" type="parTrans" cxnId="{C067270B-10F9-4CE7-9D8E-4524E96C13D5}">
+      <dgm:prSet/>
+      <dgm:spPr/>
+      <dgm:t>
+        <a:bodyPr/>
+        <a:lstStyle/>
+        <a:p>
+          <a:endParaRPr lang="en-CA"/>
+        </a:p>
+      </dgm:t>
+    </dgm:pt>
+    <dgm:pt modelId="{F38E058B-238D-4872-9311-354C5B5BDB3A}" type="sibTrans" cxnId="{C067270B-10F9-4CE7-9D8E-4524E96C13D5}">
+      <dgm:prSet/>
+      <dgm:spPr/>
+      <dgm:t>
+        <a:bodyPr/>
+        <a:lstStyle/>
+        <a:p>
+          <a:endParaRPr lang="en-CA"/>
+        </a:p>
+      </dgm:t>
+    </dgm:pt>
+    <dgm:pt modelId="{86EFBB1F-D99C-4A09-83D5-B358B79BEF2E}" type="pres">
+      <dgm:prSet presAssocID="{5B741EE2-5C14-4B65-A743-40EBC361C716}" presName="Name0" presStyleCnt="0">
+        <dgm:presLayoutVars>
+          <dgm:dir/>
+          <dgm:resizeHandles/>
+        </dgm:presLayoutVars>
+      </dgm:prSet>
+      <dgm:spPr/>
+    </dgm:pt>
+    <dgm:pt modelId="{E1D55A65-1B25-4C73-8547-40A5A0473400}" type="pres">
+      <dgm:prSet presAssocID="{34E981D1-F80D-416F-96A1-EB53D27D31C0}" presName="compNode" presStyleCnt="0"/>
+      <dgm:spPr/>
+    </dgm:pt>
+    <dgm:pt modelId="{F95DBB6E-0F56-4BD8-83AC-1CF3E698BEA7}" type="pres">
+      <dgm:prSet presAssocID="{34E981D1-F80D-416F-96A1-EB53D27D31C0}" presName="dummyConnPt" presStyleCnt="0"/>
+      <dgm:spPr/>
+    </dgm:pt>
+    <dgm:pt modelId="{EE333210-795F-4AE4-8AFE-80A8156BAF49}" type="pres">
+      <dgm:prSet presAssocID="{34E981D1-F80D-416F-96A1-EB53D27D31C0}" presName="node" presStyleLbl="node1" presStyleIdx="0" presStyleCnt="9">
+        <dgm:presLayoutVars>
+          <dgm:bulletEnabled val="1"/>
+        </dgm:presLayoutVars>
+      </dgm:prSet>
+      <dgm:spPr/>
+    </dgm:pt>
+    <dgm:pt modelId="{72BB134C-623B-43AB-B4EA-D0A71D905399}" type="pres">
+      <dgm:prSet presAssocID="{4ED725CC-EFCA-43D3-A941-1B654FA791FA}" presName="sibTrans" presStyleLbl="bgSibTrans2D1" presStyleIdx="0" presStyleCnt="8"/>
+      <dgm:spPr/>
+    </dgm:pt>
+    <dgm:pt modelId="{64910FF1-6FD7-4247-A242-18E227DEB515}" type="pres">
+      <dgm:prSet presAssocID="{17DC462F-E382-45B9-AB28-C2E126247CC9}" presName="compNode" presStyleCnt="0"/>
+      <dgm:spPr/>
+    </dgm:pt>
+    <dgm:pt modelId="{EBC8D0EC-9E59-4655-9950-C211892EF086}" type="pres">
+      <dgm:prSet presAssocID="{17DC462F-E382-45B9-AB28-C2E126247CC9}" presName="dummyConnPt" presStyleCnt="0"/>
+      <dgm:spPr/>
+    </dgm:pt>
+    <dgm:pt modelId="{2012901E-CFE7-452F-B45D-F5FD55F43CCE}" type="pres">
+      <dgm:prSet presAssocID="{17DC462F-E382-45B9-AB28-C2E126247CC9}" presName="node" presStyleLbl="node1" presStyleIdx="1" presStyleCnt="9">
+        <dgm:presLayoutVars>
+          <dgm:bulletEnabled val="1"/>
+        </dgm:presLayoutVars>
+      </dgm:prSet>
+      <dgm:spPr/>
+    </dgm:pt>
+    <dgm:pt modelId="{C9547DBF-9A8E-466C-B522-33F3D2502501}" type="pres">
+      <dgm:prSet presAssocID="{820E4FE6-223E-4DC3-B335-C17C911E6CF4}" presName="sibTrans" presStyleLbl="bgSibTrans2D1" presStyleIdx="1" presStyleCnt="8"/>
+      <dgm:spPr/>
+    </dgm:pt>
+    <dgm:pt modelId="{31423F7F-821A-45C3-AF4E-8716FB02CE26}" type="pres">
+      <dgm:prSet presAssocID="{516B3ADD-3339-4083-AAA5-2194E59E05E3}" presName="compNode" presStyleCnt="0"/>
+      <dgm:spPr/>
+    </dgm:pt>
+    <dgm:pt modelId="{F7B3BADC-C903-443A-A83A-22C71CE9B459}" type="pres">
+      <dgm:prSet presAssocID="{516B3ADD-3339-4083-AAA5-2194E59E05E3}" presName="dummyConnPt" presStyleCnt="0"/>
+      <dgm:spPr/>
+    </dgm:pt>
+    <dgm:pt modelId="{D481F940-4BF3-4BE4-BBA8-C77B14055CD1}" type="pres">
+      <dgm:prSet presAssocID="{516B3ADD-3339-4083-AAA5-2194E59E05E3}" presName="node" presStyleLbl="node1" presStyleIdx="2" presStyleCnt="9">
+        <dgm:presLayoutVars>
+          <dgm:bulletEnabled val="1"/>
+        </dgm:presLayoutVars>
+      </dgm:prSet>
+      <dgm:spPr/>
+    </dgm:pt>
+    <dgm:pt modelId="{D2CB8DB6-C44C-45E6-B35D-6FBC9F079051}" type="pres">
+      <dgm:prSet presAssocID="{601D4A9C-FEBE-481C-8EF0-452C1882D900}" presName="sibTrans" presStyleLbl="bgSibTrans2D1" presStyleIdx="2" presStyleCnt="8"/>
+      <dgm:spPr/>
+    </dgm:pt>
+    <dgm:pt modelId="{1FB5CCE5-9730-4ECE-A59E-AA37833FCF93}" type="pres">
+      <dgm:prSet presAssocID="{94320C24-6ABF-4C0C-B0ED-EB2460597589}" presName="compNode" presStyleCnt="0"/>
+      <dgm:spPr/>
+    </dgm:pt>
+    <dgm:pt modelId="{6B32976C-5123-428B-8CEE-9B797E760050}" type="pres">
+      <dgm:prSet presAssocID="{94320C24-6ABF-4C0C-B0ED-EB2460597589}" presName="dummyConnPt" presStyleCnt="0"/>
+      <dgm:spPr/>
+    </dgm:pt>
+    <dgm:pt modelId="{B294B290-151A-487E-8722-F3F28445D762}" type="pres">
+      <dgm:prSet presAssocID="{94320C24-6ABF-4C0C-B0ED-EB2460597589}" presName="node" presStyleLbl="node1" presStyleIdx="3" presStyleCnt="9">
+        <dgm:presLayoutVars>
+          <dgm:bulletEnabled val="1"/>
+        </dgm:presLayoutVars>
+      </dgm:prSet>
+      <dgm:spPr/>
+    </dgm:pt>
+    <dgm:pt modelId="{0BF5520E-05F0-4D2E-8580-1F148073D4E3}" type="pres">
+      <dgm:prSet presAssocID="{146D77CE-0DC1-4827-B3D3-FC94E8209EFB}" presName="sibTrans" presStyleLbl="bgSibTrans2D1" presStyleIdx="3" presStyleCnt="8"/>
+      <dgm:spPr/>
+    </dgm:pt>
+    <dgm:pt modelId="{C77BFDCB-7C93-4090-AA11-A033EBED0946}" type="pres">
+      <dgm:prSet presAssocID="{75CFB05E-E763-43CA-BEE5-B28614FBD6C7}" presName="compNode" presStyleCnt="0"/>
+      <dgm:spPr/>
+    </dgm:pt>
+    <dgm:pt modelId="{F5881209-635C-4B25-B918-F946D8CB838B}" type="pres">
+      <dgm:prSet presAssocID="{75CFB05E-E763-43CA-BEE5-B28614FBD6C7}" presName="dummyConnPt" presStyleCnt="0"/>
+      <dgm:spPr/>
+    </dgm:pt>
+    <dgm:pt modelId="{0062D96B-76B9-43C3-968F-2370782DCBB2}" type="pres">
+      <dgm:prSet presAssocID="{75CFB05E-E763-43CA-BEE5-B28614FBD6C7}" presName="node" presStyleLbl="node1" presStyleIdx="4" presStyleCnt="9">
+        <dgm:presLayoutVars>
+          <dgm:bulletEnabled val="1"/>
+        </dgm:presLayoutVars>
+      </dgm:prSet>
+      <dgm:spPr/>
+    </dgm:pt>
+    <dgm:pt modelId="{FB0734E7-9158-44BE-A51C-80DFD2341692}" type="pres">
+      <dgm:prSet presAssocID="{BC0387C9-B3C2-440E-8F0D-8759924BCA1B}" presName="sibTrans" presStyleLbl="bgSibTrans2D1" presStyleIdx="4" presStyleCnt="8"/>
+      <dgm:spPr/>
+    </dgm:pt>
+    <dgm:pt modelId="{88A05DF9-E27D-4B9D-A894-CD4F63366B5D}" type="pres">
+      <dgm:prSet presAssocID="{736C5C71-6ECF-48BC-9F5C-55B91DDE6167}" presName="compNode" presStyleCnt="0"/>
+      <dgm:spPr/>
+    </dgm:pt>
+    <dgm:pt modelId="{EF1686A3-3BC5-4434-8011-B43E23DB6DB1}" type="pres">
+      <dgm:prSet presAssocID="{736C5C71-6ECF-48BC-9F5C-55B91DDE6167}" presName="dummyConnPt" presStyleCnt="0"/>
+      <dgm:spPr/>
+    </dgm:pt>
+    <dgm:pt modelId="{1364B5BA-FB21-4D87-BE91-F8C7CC8CF987}" type="pres">
+      <dgm:prSet presAssocID="{736C5C71-6ECF-48BC-9F5C-55B91DDE6167}" presName="node" presStyleLbl="node1" presStyleIdx="5" presStyleCnt="9">
+        <dgm:presLayoutVars>
+          <dgm:bulletEnabled val="1"/>
+        </dgm:presLayoutVars>
+      </dgm:prSet>
+      <dgm:spPr/>
+    </dgm:pt>
+    <dgm:pt modelId="{6C379CBF-EF42-47FB-9607-967D0AC56C9B}" type="pres">
+      <dgm:prSet presAssocID="{3E198E70-59FA-4658-A813-392B629B74B9}" presName="sibTrans" presStyleLbl="bgSibTrans2D1" presStyleIdx="5" presStyleCnt="8"/>
+      <dgm:spPr/>
+    </dgm:pt>
+    <dgm:pt modelId="{D2C0F5D7-13FC-480A-B0DC-38563A13BEE5}" type="pres">
+      <dgm:prSet presAssocID="{58CC8DB1-7A17-4E3A-9FF4-9439F0A071D7}" presName="compNode" presStyleCnt="0"/>
+      <dgm:spPr/>
+    </dgm:pt>
+    <dgm:pt modelId="{525A3CF3-9F80-41BB-B1BD-F26CF13731A0}" type="pres">
+      <dgm:prSet presAssocID="{58CC8DB1-7A17-4E3A-9FF4-9439F0A071D7}" presName="dummyConnPt" presStyleCnt="0"/>
+      <dgm:spPr/>
+    </dgm:pt>
+    <dgm:pt modelId="{F6AE1F08-185E-4767-BE8E-54E473C8066B}" type="pres">
+      <dgm:prSet presAssocID="{58CC8DB1-7A17-4E3A-9FF4-9439F0A071D7}" presName="node" presStyleLbl="node1" presStyleIdx="6" presStyleCnt="9">
+        <dgm:presLayoutVars>
+          <dgm:bulletEnabled val="1"/>
+        </dgm:presLayoutVars>
+      </dgm:prSet>
+      <dgm:spPr/>
+    </dgm:pt>
+    <dgm:pt modelId="{9BC9F6EA-D799-4AFD-AFFA-52436976D473}" type="pres">
+      <dgm:prSet presAssocID="{1FC98FB2-A202-4A2F-AE96-CB89B70C617D}" presName="sibTrans" presStyleLbl="bgSibTrans2D1" presStyleIdx="6" presStyleCnt="8"/>
+      <dgm:spPr/>
+    </dgm:pt>
+    <dgm:pt modelId="{ED709FA2-DF8E-4C79-A5FE-803E8644E00C}" type="pres">
+      <dgm:prSet presAssocID="{527847B4-2DBB-4030-99B5-FBFDE156B57D}" presName="compNode" presStyleCnt="0"/>
+      <dgm:spPr/>
+    </dgm:pt>
+    <dgm:pt modelId="{FED6B1F5-BEE3-4929-83B7-8EBF3CF6541C}" type="pres">
+      <dgm:prSet presAssocID="{527847B4-2DBB-4030-99B5-FBFDE156B57D}" presName="dummyConnPt" presStyleCnt="0"/>
+      <dgm:spPr/>
+    </dgm:pt>
+    <dgm:pt modelId="{F8798AB2-94C2-4B1E-87AD-BACA14930E55}" type="pres">
+      <dgm:prSet presAssocID="{527847B4-2DBB-4030-99B5-FBFDE156B57D}" presName="node" presStyleLbl="node1" presStyleIdx="7" presStyleCnt="9">
+        <dgm:presLayoutVars>
+          <dgm:bulletEnabled val="1"/>
+        </dgm:presLayoutVars>
+      </dgm:prSet>
+      <dgm:spPr/>
+    </dgm:pt>
+    <dgm:pt modelId="{1CA80E6D-347E-4F04-9600-BC32EF44935D}" type="pres">
+      <dgm:prSet presAssocID="{6C6862B6-693E-47A2-90A4-BC060CC1390D}" presName="sibTrans" presStyleLbl="bgSibTrans2D1" presStyleIdx="7" presStyleCnt="8"/>
+      <dgm:spPr/>
+    </dgm:pt>
+    <dgm:pt modelId="{3DD5D1F0-8944-4A45-9370-3DCCD4994247}" type="pres">
+      <dgm:prSet presAssocID="{555EAC0C-0F69-4FD2-8DFE-68F876081605}" presName="compNode" presStyleCnt="0"/>
+      <dgm:spPr/>
+    </dgm:pt>
+    <dgm:pt modelId="{6DD17A21-BA53-4D6C-BDF4-9C96F211E1A3}" type="pres">
+      <dgm:prSet presAssocID="{555EAC0C-0F69-4FD2-8DFE-68F876081605}" presName="dummyConnPt" presStyleCnt="0"/>
+      <dgm:spPr/>
+    </dgm:pt>
+    <dgm:pt modelId="{0737418E-2215-41A0-8901-BAA976903581}" type="pres">
+      <dgm:prSet presAssocID="{555EAC0C-0F69-4FD2-8DFE-68F876081605}" presName="node" presStyleLbl="node1" presStyleIdx="8" presStyleCnt="9">
+        <dgm:presLayoutVars>
+          <dgm:bulletEnabled val="1"/>
+        </dgm:presLayoutVars>
+      </dgm:prSet>
+      <dgm:spPr/>
+    </dgm:pt>
+  </dgm:ptLst>
+  <dgm:cxnLst>
+    <dgm:cxn modelId="{C067270B-10F9-4CE7-9D8E-4524E96C13D5}" srcId="{5B741EE2-5C14-4B65-A743-40EBC361C716}" destId="{555EAC0C-0F69-4FD2-8DFE-68F876081605}" srcOrd="8" destOrd="0" parTransId="{8A523C9A-1317-4644-9745-D9C38A1275BD}" sibTransId="{F38E058B-238D-4872-9311-354C5B5BDB3A}"/>
+    <dgm:cxn modelId="{07624C1A-BF4C-492B-8E59-A9B89C515115}" type="presOf" srcId="{5B741EE2-5C14-4B65-A743-40EBC361C716}" destId="{86EFBB1F-D99C-4A09-83D5-B358B79BEF2E}" srcOrd="0" destOrd="0" presId="urn:microsoft.com/office/officeart/2005/8/layout/bProcess4"/>
+    <dgm:cxn modelId="{5456D21B-0EB1-4E81-9DFE-37B7C635F0A0}" type="presOf" srcId="{17DC462F-E382-45B9-AB28-C2E126247CC9}" destId="{2012901E-CFE7-452F-B45D-F5FD55F43CCE}" srcOrd="0" destOrd="0" presId="urn:microsoft.com/office/officeart/2005/8/layout/bProcess4"/>
+    <dgm:cxn modelId="{03B5B231-9FB3-4534-A424-57434CDA1277}" type="presOf" srcId="{4ED725CC-EFCA-43D3-A941-1B654FA791FA}" destId="{72BB134C-623B-43AB-B4EA-D0A71D905399}" srcOrd="0" destOrd="0" presId="urn:microsoft.com/office/officeart/2005/8/layout/bProcess4"/>
+    <dgm:cxn modelId="{61CEA436-352B-448F-BE01-00EA66F82C6D}" srcId="{5B741EE2-5C14-4B65-A743-40EBC361C716}" destId="{17DC462F-E382-45B9-AB28-C2E126247CC9}" srcOrd="1" destOrd="0" parTransId="{2D98CFB2-69FC-442F-8981-48CB272691DE}" sibTransId="{820E4FE6-223E-4DC3-B335-C17C911E6CF4}"/>
+    <dgm:cxn modelId="{2189E562-85CD-42D7-BCFB-6C101EFB0271}" type="presOf" srcId="{516B3ADD-3339-4083-AAA5-2194E59E05E3}" destId="{D481F940-4BF3-4BE4-BBA8-C77B14055CD1}" srcOrd="0" destOrd="0" presId="urn:microsoft.com/office/officeart/2005/8/layout/bProcess4"/>
+    <dgm:cxn modelId="{AB8A146B-9C15-4A20-B66F-520A0836A9D7}" type="presOf" srcId="{34E981D1-F80D-416F-96A1-EB53D27D31C0}" destId="{EE333210-795F-4AE4-8AFE-80A8156BAF49}" srcOrd="0" destOrd="0" presId="urn:microsoft.com/office/officeart/2005/8/layout/bProcess4"/>
+    <dgm:cxn modelId="{CCF4E157-364B-4088-90EA-201CD203F28E}" type="presOf" srcId="{75CFB05E-E763-43CA-BEE5-B28614FBD6C7}" destId="{0062D96B-76B9-43C3-968F-2370782DCBB2}" srcOrd="0" destOrd="0" presId="urn:microsoft.com/office/officeart/2005/8/layout/bProcess4"/>
+    <dgm:cxn modelId="{8702E584-9B4B-4726-9DF2-C08A1AA19902}" srcId="{5B741EE2-5C14-4B65-A743-40EBC361C716}" destId="{34E981D1-F80D-416F-96A1-EB53D27D31C0}" srcOrd="0" destOrd="0" parTransId="{D3CC5232-76A0-4889-9BB0-B9F9D63C86C4}" sibTransId="{4ED725CC-EFCA-43D3-A941-1B654FA791FA}"/>
+    <dgm:cxn modelId="{253F1188-F21F-40AE-92CB-F3D9F3653644}" srcId="{5B741EE2-5C14-4B65-A743-40EBC361C716}" destId="{75CFB05E-E763-43CA-BEE5-B28614FBD6C7}" srcOrd="4" destOrd="0" parTransId="{9D646A05-986D-4DB5-8EB9-2CD1173C1C08}" sibTransId="{BC0387C9-B3C2-440E-8F0D-8759924BCA1B}"/>
+    <dgm:cxn modelId="{924A7E9F-6EEE-494C-8E5C-5AA50028CDE2}" srcId="{5B741EE2-5C14-4B65-A743-40EBC361C716}" destId="{94320C24-6ABF-4C0C-B0ED-EB2460597589}" srcOrd="3" destOrd="0" parTransId="{D6110652-5477-4937-9B32-97A9EE672061}" sibTransId="{146D77CE-0DC1-4827-B3D3-FC94E8209EFB}"/>
+    <dgm:cxn modelId="{26FB7DAC-FE51-43C8-A5E8-7E8202E2466F}" type="presOf" srcId="{601D4A9C-FEBE-481C-8EF0-452C1882D900}" destId="{D2CB8DB6-C44C-45E6-B35D-6FBC9F079051}" srcOrd="0" destOrd="0" presId="urn:microsoft.com/office/officeart/2005/8/layout/bProcess4"/>
+    <dgm:cxn modelId="{7D2E61AD-17E5-473A-B6D4-7E15F6D8E4DD}" type="presOf" srcId="{3E198E70-59FA-4658-A813-392B629B74B9}" destId="{6C379CBF-EF42-47FB-9607-967D0AC56C9B}" srcOrd="0" destOrd="0" presId="urn:microsoft.com/office/officeart/2005/8/layout/bProcess4"/>
+    <dgm:cxn modelId="{6F947EB7-E872-44B6-B90E-B3521EB11333}" type="presOf" srcId="{146D77CE-0DC1-4827-B3D3-FC94E8209EFB}" destId="{0BF5520E-05F0-4D2E-8580-1F148073D4E3}" srcOrd="0" destOrd="0" presId="urn:microsoft.com/office/officeart/2005/8/layout/bProcess4"/>
+    <dgm:cxn modelId="{812E0BB8-AB78-486C-B67E-583EB685F082}" type="presOf" srcId="{527847B4-2DBB-4030-99B5-FBFDE156B57D}" destId="{F8798AB2-94C2-4B1E-87AD-BACA14930E55}" srcOrd="0" destOrd="0" presId="urn:microsoft.com/office/officeart/2005/8/layout/bProcess4"/>
+    <dgm:cxn modelId="{4DA505BB-8644-4816-BBA2-09F50451FC62}" type="presOf" srcId="{BC0387C9-B3C2-440E-8F0D-8759924BCA1B}" destId="{FB0734E7-9158-44BE-A51C-80DFD2341692}" srcOrd="0" destOrd="0" presId="urn:microsoft.com/office/officeart/2005/8/layout/bProcess4"/>
+    <dgm:cxn modelId="{A70A85CB-C1CC-49AA-BC98-54F875631CD9}" srcId="{5B741EE2-5C14-4B65-A743-40EBC361C716}" destId="{736C5C71-6ECF-48BC-9F5C-55B91DDE6167}" srcOrd="5" destOrd="0" parTransId="{0F3F36D2-8EC6-4B25-97D2-F2AE35865B41}" sibTransId="{3E198E70-59FA-4658-A813-392B629B74B9}"/>
+    <dgm:cxn modelId="{6EFECCCD-9827-4F6D-9D49-D05950F9E0D4}" type="presOf" srcId="{736C5C71-6ECF-48BC-9F5C-55B91DDE6167}" destId="{1364B5BA-FB21-4D87-BE91-F8C7CC8CF987}" srcOrd="0" destOrd="0" presId="urn:microsoft.com/office/officeart/2005/8/layout/bProcess4"/>
+    <dgm:cxn modelId="{C0B856D2-E583-4D4E-9007-41D5D744992B}" type="presOf" srcId="{555EAC0C-0F69-4FD2-8DFE-68F876081605}" destId="{0737418E-2215-41A0-8901-BAA976903581}" srcOrd="0" destOrd="0" presId="urn:microsoft.com/office/officeart/2005/8/layout/bProcess4"/>
+    <dgm:cxn modelId="{404D3CD3-88C0-4F28-833F-5446047B8B89}" type="presOf" srcId="{94320C24-6ABF-4C0C-B0ED-EB2460597589}" destId="{B294B290-151A-487E-8722-F3F28445D762}" srcOrd="0" destOrd="0" presId="urn:microsoft.com/office/officeart/2005/8/layout/bProcess4"/>
+    <dgm:cxn modelId="{236B4DDD-FC3C-468B-844E-9E9BAB623227}" type="presOf" srcId="{820E4FE6-223E-4DC3-B335-C17C911E6CF4}" destId="{C9547DBF-9A8E-466C-B522-33F3D2502501}" srcOrd="0" destOrd="0" presId="urn:microsoft.com/office/officeart/2005/8/layout/bProcess4"/>
+    <dgm:cxn modelId="{ED5F74E4-35C9-4165-88EE-C7F33917F64C}" type="presOf" srcId="{1FC98FB2-A202-4A2F-AE96-CB89B70C617D}" destId="{9BC9F6EA-D799-4AFD-AFFA-52436976D473}" srcOrd="0" destOrd="0" presId="urn:microsoft.com/office/officeart/2005/8/layout/bProcess4"/>
+    <dgm:cxn modelId="{E689ACE7-71AD-41D1-BE0D-1AE04819C11C}" type="presOf" srcId="{6C6862B6-693E-47A2-90A4-BC060CC1390D}" destId="{1CA80E6D-347E-4F04-9600-BC32EF44935D}" srcOrd="0" destOrd="0" presId="urn:microsoft.com/office/officeart/2005/8/layout/bProcess4"/>
+    <dgm:cxn modelId="{B22AE7E7-43E9-4CE3-A436-2A3F6BB3D4F5}" srcId="{5B741EE2-5C14-4B65-A743-40EBC361C716}" destId="{516B3ADD-3339-4083-AAA5-2194E59E05E3}" srcOrd="2" destOrd="0" parTransId="{5712DA25-EB18-479A-965C-EA48B5153829}" sibTransId="{601D4A9C-FEBE-481C-8EF0-452C1882D900}"/>
+    <dgm:cxn modelId="{9098D4EB-41EC-46C7-A871-F2EB102DEE3F}" srcId="{5B741EE2-5C14-4B65-A743-40EBC361C716}" destId="{527847B4-2DBB-4030-99B5-FBFDE156B57D}" srcOrd="7" destOrd="0" parTransId="{65AF33FA-D399-403A-B2A2-56BAD4D03418}" sibTransId="{6C6862B6-693E-47A2-90A4-BC060CC1390D}"/>
+    <dgm:cxn modelId="{1735DCEC-BA56-4338-BC7B-B5D85A58D737}" srcId="{5B741EE2-5C14-4B65-A743-40EBC361C716}" destId="{58CC8DB1-7A17-4E3A-9FF4-9439F0A071D7}" srcOrd="6" destOrd="0" parTransId="{ABDE487A-8FAE-44EC-89BC-8D948992F59B}" sibTransId="{1FC98FB2-A202-4A2F-AE96-CB89B70C617D}"/>
+    <dgm:cxn modelId="{916281F2-5F70-4A71-83AF-1B9DB68E2BB3}" type="presOf" srcId="{58CC8DB1-7A17-4E3A-9FF4-9439F0A071D7}" destId="{F6AE1F08-185E-4767-BE8E-54E473C8066B}" srcOrd="0" destOrd="0" presId="urn:microsoft.com/office/officeart/2005/8/layout/bProcess4"/>
+    <dgm:cxn modelId="{9562962D-78CD-480B-8937-7DB9EB29779B}" type="presParOf" srcId="{86EFBB1F-D99C-4A09-83D5-B358B79BEF2E}" destId="{E1D55A65-1B25-4C73-8547-40A5A0473400}" srcOrd="0" destOrd="0" presId="urn:microsoft.com/office/officeart/2005/8/layout/bProcess4"/>
+    <dgm:cxn modelId="{3465D66B-AD5E-4C5B-993A-7413AFC27077}" type="presParOf" srcId="{E1D55A65-1B25-4C73-8547-40A5A0473400}" destId="{F95DBB6E-0F56-4BD8-83AC-1CF3E698BEA7}" srcOrd="0" destOrd="0" presId="urn:microsoft.com/office/officeart/2005/8/layout/bProcess4"/>
+    <dgm:cxn modelId="{D5A3D2E8-10DC-420B-95BE-AD5D70D54649}" type="presParOf" srcId="{E1D55A65-1B25-4C73-8547-40A5A0473400}" destId="{EE333210-795F-4AE4-8AFE-80A8156BAF49}" srcOrd="1" destOrd="0" presId="urn:microsoft.com/office/officeart/2005/8/layout/bProcess4"/>
+    <dgm:cxn modelId="{7DFE42C4-9D60-4DF9-958A-523D7D633C86}" type="presParOf" srcId="{86EFBB1F-D99C-4A09-83D5-B358B79BEF2E}" destId="{72BB134C-623B-43AB-B4EA-D0A71D905399}" srcOrd="1" destOrd="0" presId="urn:microsoft.com/office/officeart/2005/8/layout/bProcess4"/>
+    <dgm:cxn modelId="{2FFB2C41-424C-4FEF-B789-064C62DCDC62}" type="presParOf" srcId="{86EFBB1F-D99C-4A09-83D5-B358B79BEF2E}" destId="{64910FF1-6FD7-4247-A242-18E227DEB515}" srcOrd="2" destOrd="0" presId="urn:microsoft.com/office/officeart/2005/8/layout/bProcess4"/>
+    <dgm:cxn modelId="{90B319BD-0713-4376-B718-F3227F6AACCC}" type="presParOf" srcId="{64910FF1-6FD7-4247-A242-18E227DEB515}" destId="{EBC8D0EC-9E59-4655-9950-C211892EF086}" srcOrd="0" destOrd="0" presId="urn:microsoft.com/office/officeart/2005/8/layout/bProcess4"/>
+    <dgm:cxn modelId="{7F054381-87D0-435C-8ABD-AC3E51A35E8A}" type="presParOf" srcId="{64910FF1-6FD7-4247-A242-18E227DEB515}" destId="{2012901E-CFE7-452F-B45D-F5FD55F43CCE}" srcOrd="1" destOrd="0" presId="urn:microsoft.com/office/officeart/2005/8/layout/bProcess4"/>
+    <dgm:cxn modelId="{F94F6369-B01A-4FB9-BEDE-F64F62684EC2}" type="presParOf" srcId="{86EFBB1F-D99C-4A09-83D5-B358B79BEF2E}" destId="{C9547DBF-9A8E-466C-B522-33F3D2502501}" srcOrd="3" destOrd="0" presId="urn:microsoft.com/office/officeart/2005/8/layout/bProcess4"/>
+    <dgm:cxn modelId="{FA034349-FD45-48DF-A861-C2654BC266EB}" type="presParOf" srcId="{86EFBB1F-D99C-4A09-83D5-B358B79BEF2E}" destId="{31423F7F-821A-45C3-AF4E-8716FB02CE26}" srcOrd="4" destOrd="0" presId="urn:microsoft.com/office/officeart/2005/8/layout/bProcess4"/>
+    <dgm:cxn modelId="{4AC38F3B-1AC9-4B15-AD77-FB573570319A}" type="presParOf" srcId="{31423F7F-821A-45C3-AF4E-8716FB02CE26}" destId="{F7B3BADC-C903-443A-A83A-22C71CE9B459}" srcOrd="0" destOrd="0" presId="urn:microsoft.com/office/officeart/2005/8/layout/bProcess4"/>
+    <dgm:cxn modelId="{F97FA542-128D-488E-BC45-243C8825B336}" type="presParOf" srcId="{31423F7F-821A-45C3-AF4E-8716FB02CE26}" destId="{D481F940-4BF3-4BE4-BBA8-C77B14055CD1}" srcOrd="1" destOrd="0" presId="urn:microsoft.com/office/officeart/2005/8/layout/bProcess4"/>
+    <dgm:cxn modelId="{A9E1A859-0651-43C3-BC0C-EE134BB2649A}" type="presParOf" srcId="{86EFBB1F-D99C-4A09-83D5-B358B79BEF2E}" destId="{D2CB8DB6-C44C-45E6-B35D-6FBC9F079051}" srcOrd="5" destOrd="0" presId="urn:microsoft.com/office/officeart/2005/8/layout/bProcess4"/>
+    <dgm:cxn modelId="{DF45F162-BFF6-4FEC-992B-7C8C00BAC104}" type="presParOf" srcId="{86EFBB1F-D99C-4A09-83D5-B358B79BEF2E}" destId="{1FB5CCE5-9730-4ECE-A59E-AA37833FCF93}" srcOrd="6" destOrd="0" presId="urn:microsoft.com/office/officeart/2005/8/layout/bProcess4"/>
+    <dgm:cxn modelId="{CC60BD44-7C37-486C-93C4-DB7C03DF4D26}" type="presParOf" srcId="{1FB5CCE5-9730-4ECE-A59E-AA37833FCF93}" destId="{6B32976C-5123-428B-8CEE-9B797E760050}" srcOrd="0" destOrd="0" presId="urn:microsoft.com/office/officeart/2005/8/layout/bProcess4"/>
+    <dgm:cxn modelId="{2DF6A71F-3AAD-4AFD-B8E9-612DDE5EAE12}" type="presParOf" srcId="{1FB5CCE5-9730-4ECE-A59E-AA37833FCF93}" destId="{B294B290-151A-487E-8722-F3F28445D762}" srcOrd="1" destOrd="0" presId="urn:microsoft.com/office/officeart/2005/8/layout/bProcess4"/>
+    <dgm:cxn modelId="{75F01F0E-C886-4DB9-B590-9492341D300F}" type="presParOf" srcId="{86EFBB1F-D99C-4A09-83D5-B358B79BEF2E}" destId="{0BF5520E-05F0-4D2E-8580-1F148073D4E3}" srcOrd="7" destOrd="0" presId="urn:microsoft.com/office/officeart/2005/8/layout/bProcess4"/>
+    <dgm:cxn modelId="{E7C07F3D-7B2D-4F9E-B955-61FFB5C9BCA5}" type="presParOf" srcId="{86EFBB1F-D99C-4A09-83D5-B358B79BEF2E}" destId="{C77BFDCB-7C93-4090-AA11-A033EBED0946}" srcOrd="8" destOrd="0" presId="urn:microsoft.com/office/officeart/2005/8/layout/bProcess4"/>
+    <dgm:cxn modelId="{D9F54BBE-CD70-4D7F-8B94-089A3440711D}" type="presParOf" srcId="{C77BFDCB-7C93-4090-AA11-A033EBED0946}" destId="{F5881209-635C-4B25-B918-F946D8CB838B}" srcOrd="0" destOrd="0" presId="urn:microsoft.com/office/officeart/2005/8/layout/bProcess4"/>
+    <dgm:cxn modelId="{54296EA0-4CA7-42B0-A41A-96046D199D38}" type="presParOf" srcId="{C77BFDCB-7C93-4090-AA11-A033EBED0946}" destId="{0062D96B-76B9-43C3-968F-2370782DCBB2}" srcOrd="1" destOrd="0" presId="urn:microsoft.com/office/officeart/2005/8/layout/bProcess4"/>
+    <dgm:cxn modelId="{80844F8A-5143-411F-8C8B-F6545EC0BE5E}" type="presParOf" srcId="{86EFBB1F-D99C-4A09-83D5-B358B79BEF2E}" destId="{FB0734E7-9158-44BE-A51C-80DFD2341692}" srcOrd="9" destOrd="0" presId="urn:microsoft.com/office/officeart/2005/8/layout/bProcess4"/>
+    <dgm:cxn modelId="{1CF7023D-A395-470B-9E06-22F24EC9C91C}" type="presParOf" srcId="{86EFBB1F-D99C-4A09-83D5-B358B79BEF2E}" destId="{88A05DF9-E27D-4B9D-A894-CD4F63366B5D}" srcOrd="10" destOrd="0" presId="urn:microsoft.com/office/officeart/2005/8/layout/bProcess4"/>
+    <dgm:cxn modelId="{4F9A1C4E-EB43-4D1C-AA1C-9E7077254DA9}" type="presParOf" srcId="{88A05DF9-E27D-4B9D-A894-CD4F63366B5D}" destId="{EF1686A3-3BC5-4434-8011-B43E23DB6DB1}" srcOrd="0" destOrd="0" presId="urn:microsoft.com/office/officeart/2005/8/layout/bProcess4"/>
+    <dgm:cxn modelId="{C1D09C0D-DFF2-4C02-AE62-BF05433DB75D}" type="presParOf" srcId="{88A05DF9-E27D-4B9D-A894-CD4F63366B5D}" destId="{1364B5BA-FB21-4D87-BE91-F8C7CC8CF987}" srcOrd="1" destOrd="0" presId="urn:microsoft.com/office/officeart/2005/8/layout/bProcess4"/>
+    <dgm:cxn modelId="{8D37D87E-3A30-489C-B87B-D4BC4521C007}" type="presParOf" srcId="{86EFBB1F-D99C-4A09-83D5-B358B79BEF2E}" destId="{6C379CBF-EF42-47FB-9607-967D0AC56C9B}" srcOrd="11" destOrd="0" presId="urn:microsoft.com/office/officeart/2005/8/layout/bProcess4"/>
+    <dgm:cxn modelId="{92335A95-0249-4141-B6DC-B8736FEFFAC5}" type="presParOf" srcId="{86EFBB1F-D99C-4A09-83D5-B358B79BEF2E}" destId="{D2C0F5D7-13FC-480A-B0DC-38563A13BEE5}" srcOrd="12" destOrd="0" presId="urn:microsoft.com/office/officeart/2005/8/layout/bProcess4"/>
+    <dgm:cxn modelId="{447EAE9D-7A92-4DA7-912D-D630D6556EA8}" type="presParOf" srcId="{D2C0F5D7-13FC-480A-B0DC-38563A13BEE5}" destId="{525A3CF3-9F80-41BB-B1BD-F26CF13731A0}" srcOrd="0" destOrd="0" presId="urn:microsoft.com/office/officeart/2005/8/layout/bProcess4"/>
+    <dgm:cxn modelId="{324F4A17-B9B1-49E0-B470-E98A32FAA362}" type="presParOf" srcId="{D2C0F5D7-13FC-480A-B0DC-38563A13BEE5}" destId="{F6AE1F08-185E-4767-BE8E-54E473C8066B}" srcOrd="1" destOrd="0" presId="urn:microsoft.com/office/officeart/2005/8/layout/bProcess4"/>
+    <dgm:cxn modelId="{8ECFFD7D-9495-4170-A860-15A4535DF0BA}" type="presParOf" srcId="{86EFBB1F-D99C-4A09-83D5-B358B79BEF2E}" destId="{9BC9F6EA-D799-4AFD-AFFA-52436976D473}" srcOrd="13" destOrd="0" presId="urn:microsoft.com/office/officeart/2005/8/layout/bProcess4"/>
+    <dgm:cxn modelId="{ACE27636-EFE6-4C77-91E5-B03287735214}" type="presParOf" srcId="{86EFBB1F-D99C-4A09-83D5-B358B79BEF2E}" destId="{ED709FA2-DF8E-4C79-A5FE-803E8644E00C}" srcOrd="14" destOrd="0" presId="urn:microsoft.com/office/officeart/2005/8/layout/bProcess4"/>
+    <dgm:cxn modelId="{B665CF8D-0042-4420-ABB6-ACEEDA484CDA}" type="presParOf" srcId="{ED709FA2-DF8E-4C79-A5FE-803E8644E00C}" destId="{FED6B1F5-BEE3-4929-83B7-8EBF3CF6541C}" srcOrd="0" destOrd="0" presId="urn:microsoft.com/office/officeart/2005/8/layout/bProcess4"/>
+    <dgm:cxn modelId="{B30F92BA-CCD8-4C6C-9F72-E47778865C7E}" type="presParOf" srcId="{ED709FA2-DF8E-4C79-A5FE-803E8644E00C}" destId="{F8798AB2-94C2-4B1E-87AD-BACA14930E55}" srcOrd="1" destOrd="0" presId="urn:microsoft.com/office/officeart/2005/8/layout/bProcess4"/>
+    <dgm:cxn modelId="{9C7E9EA9-2255-4A76-9D27-2C8C4C1EE40D}" type="presParOf" srcId="{86EFBB1F-D99C-4A09-83D5-B358B79BEF2E}" destId="{1CA80E6D-347E-4F04-9600-BC32EF44935D}" srcOrd="15" destOrd="0" presId="urn:microsoft.com/office/officeart/2005/8/layout/bProcess4"/>
+    <dgm:cxn modelId="{4A96AE4A-EC23-4ED1-9320-C977DF7B08AF}" type="presParOf" srcId="{86EFBB1F-D99C-4A09-83D5-B358B79BEF2E}" destId="{3DD5D1F0-8944-4A45-9370-3DCCD4994247}" srcOrd="16" destOrd="0" presId="urn:microsoft.com/office/officeart/2005/8/layout/bProcess4"/>
+    <dgm:cxn modelId="{B744ABC8-7F0D-411B-A6B9-3DB22496FAEB}" type="presParOf" srcId="{3DD5D1F0-8944-4A45-9370-3DCCD4994247}" destId="{6DD17A21-BA53-4D6C-BDF4-9C96F211E1A3}" srcOrd="0" destOrd="0" presId="urn:microsoft.com/office/officeart/2005/8/layout/bProcess4"/>
+    <dgm:cxn modelId="{8C6EA637-5D5B-4A84-BF49-531D9EE7E609}" type="presParOf" srcId="{3DD5D1F0-8944-4A45-9370-3DCCD4994247}" destId="{0737418E-2215-41A0-8901-BAA976903581}" srcOrd="1" destOrd="0" presId="urn:microsoft.com/office/officeart/2005/8/layout/bProcess4"/>
+  </dgm:cxnLst>
+  <dgm:bg/>
+  <dgm:whole/>
+  <dgm:extLst>
+    <a:ext uri="http://schemas.microsoft.com/office/drawing/2008/diagram">
+      <dsp:dataModelExt xmlns:dsp="http://schemas.microsoft.com/office/drawing/2008/diagram" relId="rId9" minVer="http://schemas.openxmlformats.org/drawingml/2006/diagram"/>
+    </a:ext>
+  </dgm:extLst>
+</dgm:dataModel>
+</file>
+
+<file path=ppt/diagrams/data2.xml><?xml version="1.0" encoding="utf-8"?>
+<dgm:dataModel xmlns:dgm="http://schemas.openxmlformats.org/drawingml/2006/diagram" xmlns:a="http://schemas.openxmlformats.org/drawingml/2006/main">
+  <dgm:ptLst>
     <dgm:pt modelId="{7F755F05-0D40-4FB0-AB9E-315078476F5F}" type="doc">
       <dgm:prSet loTypeId="urn:microsoft.com/office/officeart/2018/5/layout/IconCircleLabelList" loCatId="icon" qsTypeId="urn:microsoft.com/office/officeart/2005/8/quickstyle/simple1" qsCatId="simple" csTypeId="urn:microsoft.com/office/officeart/2018/5/colors/Iconchunking_neutralicon_colorful1" csCatId="colorful" phldr="1"/>
       <dgm:spPr/>
@@ -1610,6 +3136,1075 @@
       <dsp:cNvGrpSpPr/>
     </dsp:nvGrpSpPr>
     <dsp:grpSpPr/>
+    <dsp:sp modelId="{72BB134C-623B-43AB-B4EA-D0A71D905399}">
+      <dsp:nvSpPr>
+        <dsp:cNvPr id="0" name=""/>
+        <dsp:cNvSpPr/>
+      </dsp:nvSpPr>
+      <dsp:spPr>
+        <a:xfrm rot="5400000">
+          <a:off x="-357457" y="1161923"/>
+          <a:ext cx="1580998" cy="190898"/>
+        </a:xfrm>
+        <a:prstGeom prst="rect">
+          <a:avLst/>
+        </a:prstGeom>
+        <a:solidFill>
+          <a:schemeClr val="accent2">
+            <a:hueOff val="0"/>
+            <a:satOff val="0"/>
+            <a:lumOff val="0"/>
+            <a:alphaOff val="0"/>
+          </a:schemeClr>
+        </a:solidFill>
+        <a:ln>
+          <a:noFill/>
+        </a:ln>
+        <a:effectLst/>
+      </dsp:spPr>
+      <dsp:style>
+        <a:lnRef idx="0">
+          <a:scrgbClr r="0" g="0" b="0"/>
+        </a:lnRef>
+        <a:fillRef idx="1">
+          <a:scrgbClr r="0" g="0" b="0"/>
+        </a:fillRef>
+        <a:effectRef idx="1">
+          <a:scrgbClr r="0" g="0" b="0"/>
+        </a:effectRef>
+        <a:fontRef idx="minor">
+          <a:schemeClr val="lt1"/>
+        </a:fontRef>
+      </dsp:style>
+    </dsp:sp>
+    <dsp:sp modelId="{EE333210-795F-4AE4-8AFE-80A8156BAF49}">
+      <dsp:nvSpPr>
+        <dsp:cNvPr id="0" name=""/>
+        <dsp:cNvSpPr/>
+      </dsp:nvSpPr>
+      <dsp:spPr>
+        <a:xfrm>
+          <a:off x="3908" y="149487"/>
+          <a:ext cx="2121099" cy="1272659"/>
+        </a:xfrm>
+        <a:prstGeom prst="roundRect">
+          <a:avLst>
+            <a:gd name="adj" fmla="val 10000"/>
+          </a:avLst>
+        </a:prstGeom>
+        <a:solidFill>
+          <a:schemeClr val="accent2">
+            <a:hueOff val="0"/>
+            <a:satOff val="0"/>
+            <a:lumOff val="0"/>
+            <a:alphaOff val="0"/>
+          </a:schemeClr>
+        </a:solidFill>
+        <a:ln w="19050" cap="flat" cmpd="sng" algn="ctr">
+          <a:solidFill>
+            <a:schemeClr val="lt1">
+              <a:hueOff val="0"/>
+              <a:satOff val="0"/>
+              <a:lumOff val="0"/>
+              <a:alphaOff val="0"/>
+            </a:schemeClr>
+          </a:solidFill>
+          <a:prstDash val="solid"/>
+          <a:miter lim="800000"/>
+        </a:ln>
+        <a:effectLst/>
+      </dsp:spPr>
+      <dsp:style>
+        <a:lnRef idx="3">
+          <a:scrgbClr r="0" g="0" b="0"/>
+        </a:lnRef>
+        <a:fillRef idx="1">
+          <a:scrgbClr r="0" g="0" b="0"/>
+        </a:fillRef>
+        <a:effectRef idx="1">
+          <a:scrgbClr r="0" g="0" b="0"/>
+        </a:effectRef>
+        <a:fontRef idx="minor">
+          <a:schemeClr val="lt1"/>
+        </a:fontRef>
+      </dsp:style>
+      <dsp:txBody>
+        <a:bodyPr spcFirstLastPara="0" vert="horz" wrap="square" lIns="68580" tIns="68580" rIns="68580" bIns="68580" numCol="1" spcCol="1270" anchor="ctr" anchorCtr="0">
+          <a:noAutofit/>
+        </a:bodyPr>
+        <a:lstStyle/>
+        <a:p>
+          <a:pPr marL="0" lvl="0" indent="0" algn="ctr" defTabSz="800100">
+            <a:lnSpc>
+              <a:spcPct val="90000"/>
+            </a:lnSpc>
+            <a:spcBef>
+              <a:spcPct val="0"/>
+            </a:spcBef>
+            <a:spcAft>
+              <a:spcPct val="35000"/>
+            </a:spcAft>
+            <a:buNone/>
+          </a:pPr>
+          <a:r>
+            <a:rPr lang="en-US" sz="1800" kern="1200"/>
+            <a:t>Brainstorm ideas and factors on the investigation topic</a:t>
+          </a:r>
+          <a:endParaRPr lang="en-CA" sz="1800" kern="1200"/>
+        </a:p>
+      </dsp:txBody>
+      <dsp:txXfrm>
+        <a:off x="41183" y="186762"/>
+        <a:ext cx="2046549" cy="1198109"/>
+      </dsp:txXfrm>
+    </dsp:sp>
+    <dsp:sp modelId="{C9547DBF-9A8E-466C-B522-33F3D2502501}">
+      <dsp:nvSpPr>
+        <dsp:cNvPr id="0" name=""/>
+        <dsp:cNvSpPr/>
+      </dsp:nvSpPr>
+      <dsp:spPr>
+        <a:xfrm rot="5400000">
+          <a:off x="-357457" y="2752748"/>
+          <a:ext cx="1580998" cy="190898"/>
+        </a:xfrm>
+        <a:prstGeom prst="rect">
+          <a:avLst/>
+        </a:prstGeom>
+        <a:solidFill>
+          <a:schemeClr val="accent3">
+            <a:hueOff val="0"/>
+            <a:satOff val="0"/>
+            <a:lumOff val="0"/>
+            <a:alphaOff val="0"/>
+          </a:schemeClr>
+        </a:solidFill>
+        <a:ln>
+          <a:noFill/>
+        </a:ln>
+        <a:effectLst/>
+      </dsp:spPr>
+      <dsp:style>
+        <a:lnRef idx="0">
+          <a:scrgbClr r="0" g="0" b="0"/>
+        </a:lnRef>
+        <a:fillRef idx="1">
+          <a:scrgbClr r="0" g="0" b="0"/>
+        </a:fillRef>
+        <a:effectRef idx="1">
+          <a:scrgbClr r="0" g="0" b="0"/>
+        </a:effectRef>
+        <a:fontRef idx="minor">
+          <a:schemeClr val="lt1"/>
+        </a:fontRef>
+      </dsp:style>
+    </dsp:sp>
+    <dsp:sp modelId="{2012901E-CFE7-452F-B45D-F5FD55F43CCE}">
+      <dsp:nvSpPr>
+        <dsp:cNvPr id="0" name=""/>
+        <dsp:cNvSpPr/>
+      </dsp:nvSpPr>
+      <dsp:spPr>
+        <a:xfrm>
+          <a:off x="3908" y="1740312"/>
+          <a:ext cx="2121099" cy="1272659"/>
+        </a:xfrm>
+        <a:prstGeom prst="roundRect">
+          <a:avLst>
+            <a:gd name="adj" fmla="val 10000"/>
+          </a:avLst>
+        </a:prstGeom>
+        <a:solidFill>
+          <a:schemeClr val="accent3">
+            <a:hueOff val="0"/>
+            <a:satOff val="0"/>
+            <a:lumOff val="0"/>
+            <a:alphaOff val="0"/>
+          </a:schemeClr>
+        </a:solidFill>
+        <a:ln w="19050" cap="flat" cmpd="sng" algn="ctr">
+          <a:solidFill>
+            <a:schemeClr val="lt1">
+              <a:hueOff val="0"/>
+              <a:satOff val="0"/>
+              <a:lumOff val="0"/>
+              <a:alphaOff val="0"/>
+            </a:schemeClr>
+          </a:solidFill>
+          <a:prstDash val="solid"/>
+          <a:miter lim="800000"/>
+        </a:ln>
+        <a:effectLst/>
+      </dsp:spPr>
+      <dsp:style>
+        <a:lnRef idx="3">
+          <a:scrgbClr r="0" g="0" b="0"/>
+        </a:lnRef>
+        <a:fillRef idx="1">
+          <a:scrgbClr r="0" g="0" b="0"/>
+        </a:fillRef>
+        <a:effectRef idx="1">
+          <a:scrgbClr r="0" g="0" b="0"/>
+        </a:effectRef>
+        <a:fontRef idx="minor">
+          <a:schemeClr val="lt1"/>
+        </a:fontRef>
+      </dsp:style>
+      <dsp:txBody>
+        <a:bodyPr spcFirstLastPara="0" vert="horz" wrap="square" lIns="68580" tIns="68580" rIns="68580" bIns="68580" numCol="1" spcCol="1270" anchor="ctr" anchorCtr="0">
+          <a:noAutofit/>
+        </a:bodyPr>
+        <a:lstStyle/>
+        <a:p>
+          <a:pPr marL="0" lvl="0" indent="0" algn="ctr" defTabSz="800100">
+            <a:lnSpc>
+              <a:spcPct val="90000"/>
+            </a:lnSpc>
+            <a:spcBef>
+              <a:spcPct val="0"/>
+            </a:spcBef>
+            <a:spcAft>
+              <a:spcPct val="35000"/>
+            </a:spcAft>
+            <a:buNone/>
+          </a:pPr>
+          <a:r>
+            <a:rPr lang="en-US" sz="1800" kern="1200"/>
+            <a:t>Collect the data and discuss the feasibility within the team</a:t>
+          </a:r>
+          <a:endParaRPr lang="en-CA" sz="1800" kern="1200"/>
+        </a:p>
+      </dsp:txBody>
+      <dsp:txXfrm>
+        <a:off x="41183" y="1777587"/>
+        <a:ext cx="2046549" cy="1198109"/>
+      </dsp:txXfrm>
+    </dsp:sp>
+    <dsp:sp modelId="{D2CB8DB6-C44C-45E6-B35D-6FBC9F079051}">
+      <dsp:nvSpPr>
+        <dsp:cNvPr id="0" name=""/>
+        <dsp:cNvSpPr/>
+      </dsp:nvSpPr>
+      <dsp:spPr>
+        <a:xfrm>
+          <a:off x="437954" y="3548160"/>
+          <a:ext cx="2811236" cy="190898"/>
+        </a:xfrm>
+        <a:prstGeom prst="rect">
+          <a:avLst/>
+        </a:prstGeom>
+        <a:solidFill>
+          <a:schemeClr val="accent4">
+            <a:hueOff val="0"/>
+            <a:satOff val="0"/>
+            <a:lumOff val="0"/>
+            <a:alphaOff val="0"/>
+          </a:schemeClr>
+        </a:solidFill>
+        <a:ln>
+          <a:noFill/>
+        </a:ln>
+        <a:effectLst/>
+      </dsp:spPr>
+      <dsp:style>
+        <a:lnRef idx="0">
+          <a:scrgbClr r="0" g="0" b="0"/>
+        </a:lnRef>
+        <a:fillRef idx="1">
+          <a:scrgbClr r="0" g="0" b="0"/>
+        </a:fillRef>
+        <a:effectRef idx="1">
+          <a:scrgbClr r="0" g="0" b="0"/>
+        </a:effectRef>
+        <a:fontRef idx="minor">
+          <a:schemeClr val="lt1"/>
+        </a:fontRef>
+      </dsp:style>
+    </dsp:sp>
+    <dsp:sp modelId="{D481F940-4BF3-4BE4-BBA8-C77B14055CD1}">
+      <dsp:nvSpPr>
+        <dsp:cNvPr id="0" name=""/>
+        <dsp:cNvSpPr/>
+      </dsp:nvSpPr>
+      <dsp:spPr>
+        <a:xfrm>
+          <a:off x="3908" y="3331137"/>
+          <a:ext cx="2121099" cy="1272659"/>
+        </a:xfrm>
+        <a:prstGeom prst="roundRect">
+          <a:avLst>
+            <a:gd name="adj" fmla="val 10000"/>
+          </a:avLst>
+        </a:prstGeom>
+        <a:solidFill>
+          <a:schemeClr val="accent4">
+            <a:hueOff val="0"/>
+            <a:satOff val="0"/>
+            <a:lumOff val="0"/>
+            <a:alphaOff val="0"/>
+          </a:schemeClr>
+        </a:solidFill>
+        <a:ln w="19050" cap="flat" cmpd="sng" algn="ctr">
+          <a:solidFill>
+            <a:schemeClr val="lt1">
+              <a:hueOff val="0"/>
+              <a:satOff val="0"/>
+              <a:lumOff val="0"/>
+              <a:alphaOff val="0"/>
+            </a:schemeClr>
+          </a:solidFill>
+          <a:prstDash val="solid"/>
+          <a:miter lim="800000"/>
+        </a:ln>
+        <a:effectLst/>
+      </dsp:spPr>
+      <dsp:style>
+        <a:lnRef idx="3">
+          <a:scrgbClr r="0" g="0" b="0"/>
+        </a:lnRef>
+        <a:fillRef idx="1">
+          <a:scrgbClr r="0" g="0" b="0"/>
+        </a:fillRef>
+        <a:effectRef idx="1">
+          <a:scrgbClr r="0" g="0" b="0"/>
+        </a:effectRef>
+        <a:fontRef idx="minor">
+          <a:schemeClr val="lt1"/>
+        </a:fontRef>
+      </dsp:style>
+      <dsp:txBody>
+        <a:bodyPr spcFirstLastPara="0" vert="horz" wrap="square" lIns="68580" tIns="68580" rIns="68580" bIns="68580" numCol="1" spcCol="1270" anchor="ctr" anchorCtr="0">
+          <a:noAutofit/>
+        </a:bodyPr>
+        <a:lstStyle/>
+        <a:p>
+          <a:pPr marL="0" lvl="0" indent="0" algn="ctr" defTabSz="800100">
+            <a:lnSpc>
+              <a:spcPct val="90000"/>
+            </a:lnSpc>
+            <a:spcBef>
+              <a:spcPct val="0"/>
+            </a:spcBef>
+            <a:spcAft>
+              <a:spcPct val="35000"/>
+            </a:spcAft>
+            <a:buNone/>
+          </a:pPr>
+          <a:r>
+            <a:rPr lang="en-US" sz="1800" kern="1200"/>
+            <a:t>Create master Git and allocate tasks to team members</a:t>
+          </a:r>
+          <a:endParaRPr lang="en-CA" sz="1800" kern="1200"/>
+        </a:p>
+      </dsp:txBody>
+      <dsp:txXfrm>
+        <a:off x="41183" y="3368412"/>
+        <a:ext cx="2046549" cy="1198109"/>
+      </dsp:txXfrm>
+    </dsp:sp>
+    <dsp:sp modelId="{0BF5520E-05F0-4D2E-8580-1F148073D4E3}">
+      <dsp:nvSpPr>
+        <dsp:cNvPr id="0" name=""/>
+        <dsp:cNvSpPr/>
+      </dsp:nvSpPr>
+      <dsp:spPr>
+        <a:xfrm rot="16200000">
+          <a:off x="2463604" y="2752748"/>
+          <a:ext cx="1580998" cy="190898"/>
+        </a:xfrm>
+        <a:prstGeom prst="rect">
+          <a:avLst/>
+        </a:prstGeom>
+        <a:solidFill>
+          <a:schemeClr val="accent5">
+            <a:hueOff val="0"/>
+            <a:satOff val="0"/>
+            <a:lumOff val="0"/>
+            <a:alphaOff val="0"/>
+          </a:schemeClr>
+        </a:solidFill>
+        <a:ln>
+          <a:noFill/>
+        </a:ln>
+        <a:effectLst/>
+      </dsp:spPr>
+      <dsp:style>
+        <a:lnRef idx="0">
+          <a:scrgbClr r="0" g="0" b="0"/>
+        </a:lnRef>
+        <a:fillRef idx="1">
+          <a:scrgbClr r="0" g="0" b="0"/>
+        </a:fillRef>
+        <a:effectRef idx="1">
+          <a:scrgbClr r="0" g="0" b="0"/>
+        </a:effectRef>
+        <a:fontRef idx="minor">
+          <a:schemeClr val="lt1"/>
+        </a:fontRef>
+      </dsp:style>
+    </dsp:sp>
+    <dsp:sp modelId="{B294B290-151A-487E-8722-F3F28445D762}">
+      <dsp:nvSpPr>
+        <dsp:cNvPr id="0" name=""/>
+        <dsp:cNvSpPr/>
+      </dsp:nvSpPr>
+      <dsp:spPr>
+        <a:xfrm>
+          <a:off x="2824970" y="3331137"/>
+          <a:ext cx="2121099" cy="1272659"/>
+        </a:xfrm>
+        <a:prstGeom prst="roundRect">
+          <a:avLst>
+            <a:gd name="adj" fmla="val 10000"/>
+          </a:avLst>
+        </a:prstGeom>
+        <a:solidFill>
+          <a:schemeClr val="accent5">
+            <a:hueOff val="0"/>
+            <a:satOff val="0"/>
+            <a:lumOff val="0"/>
+            <a:alphaOff val="0"/>
+          </a:schemeClr>
+        </a:solidFill>
+        <a:ln w="19050" cap="flat" cmpd="sng" algn="ctr">
+          <a:solidFill>
+            <a:schemeClr val="lt1">
+              <a:hueOff val="0"/>
+              <a:satOff val="0"/>
+              <a:lumOff val="0"/>
+              <a:alphaOff val="0"/>
+            </a:schemeClr>
+          </a:solidFill>
+          <a:prstDash val="solid"/>
+          <a:miter lim="800000"/>
+        </a:ln>
+        <a:effectLst/>
+      </dsp:spPr>
+      <dsp:style>
+        <a:lnRef idx="3">
+          <a:scrgbClr r="0" g="0" b="0"/>
+        </a:lnRef>
+        <a:fillRef idx="1">
+          <a:scrgbClr r="0" g="0" b="0"/>
+        </a:fillRef>
+        <a:effectRef idx="1">
+          <a:scrgbClr r="0" g="0" b="0"/>
+        </a:effectRef>
+        <a:fontRef idx="minor">
+          <a:schemeClr val="lt1"/>
+        </a:fontRef>
+      </dsp:style>
+      <dsp:txBody>
+        <a:bodyPr spcFirstLastPara="0" vert="horz" wrap="square" lIns="68580" tIns="68580" rIns="68580" bIns="68580" numCol="1" spcCol="1270" anchor="ctr" anchorCtr="0">
+          <a:noAutofit/>
+        </a:bodyPr>
+        <a:lstStyle/>
+        <a:p>
+          <a:pPr marL="0" lvl="0" indent="0" algn="ctr" defTabSz="800100">
+            <a:lnSpc>
+              <a:spcPct val="90000"/>
+            </a:lnSpc>
+            <a:spcBef>
+              <a:spcPct val="0"/>
+            </a:spcBef>
+            <a:spcAft>
+              <a:spcPct val="35000"/>
+            </a:spcAft>
+            <a:buNone/>
+          </a:pPr>
+          <a:r>
+            <a:rPr lang="en-US" sz="1800" kern="1200"/>
+            <a:t>Clean and combine datasets</a:t>
+          </a:r>
+          <a:endParaRPr lang="en-CA" sz="1800" kern="1200"/>
+        </a:p>
+      </dsp:txBody>
+      <dsp:txXfrm>
+        <a:off x="2862245" y="3368412"/>
+        <a:ext cx="2046549" cy="1198109"/>
+      </dsp:txXfrm>
+    </dsp:sp>
+    <dsp:sp modelId="{FB0734E7-9158-44BE-A51C-80DFD2341692}">
+      <dsp:nvSpPr>
+        <dsp:cNvPr id="0" name=""/>
+        <dsp:cNvSpPr/>
+      </dsp:nvSpPr>
+      <dsp:spPr>
+        <a:xfrm rot="16200000">
+          <a:off x="2463604" y="1161923"/>
+          <a:ext cx="1580998" cy="190898"/>
+        </a:xfrm>
+        <a:prstGeom prst="rect">
+          <a:avLst/>
+        </a:prstGeom>
+        <a:solidFill>
+          <a:schemeClr val="accent6">
+            <a:hueOff val="0"/>
+            <a:satOff val="0"/>
+            <a:lumOff val="0"/>
+            <a:alphaOff val="0"/>
+          </a:schemeClr>
+        </a:solidFill>
+        <a:ln>
+          <a:noFill/>
+        </a:ln>
+        <a:effectLst/>
+      </dsp:spPr>
+      <dsp:style>
+        <a:lnRef idx="0">
+          <a:scrgbClr r="0" g="0" b="0"/>
+        </a:lnRef>
+        <a:fillRef idx="1">
+          <a:scrgbClr r="0" g="0" b="0"/>
+        </a:fillRef>
+        <a:effectRef idx="1">
+          <a:scrgbClr r="0" g="0" b="0"/>
+        </a:effectRef>
+        <a:fontRef idx="minor">
+          <a:schemeClr val="lt1"/>
+        </a:fontRef>
+      </dsp:style>
+    </dsp:sp>
+    <dsp:sp modelId="{0062D96B-76B9-43C3-968F-2370782DCBB2}">
+      <dsp:nvSpPr>
+        <dsp:cNvPr id="0" name=""/>
+        <dsp:cNvSpPr/>
+      </dsp:nvSpPr>
+      <dsp:spPr>
+        <a:xfrm>
+          <a:off x="2824970" y="1740312"/>
+          <a:ext cx="2121099" cy="1272659"/>
+        </a:xfrm>
+        <a:prstGeom prst="roundRect">
+          <a:avLst>
+            <a:gd name="adj" fmla="val 10000"/>
+          </a:avLst>
+        </a:prstGeom>
+        <a:solidFill>
+          <a:schemeClr val="accent6">
+            <a:hueOff val="0"/>
+            <a:satOff val="0"/>
+            <a:lumOff val="0"/>
+            <a:alphaOff val="0"/>
+          </a:schemeClr>
+        </a:solidFill>
+        <a:ln w="19050" cap="flat" cmpd="sng" algn="ctr">
+          <a:solidFill>
+            <a:schemeClr val="lt1">
+              <a:hueOff val="0"/>
+              <a:satOff val="0"/>
+              <a:lumOff val="0"/>
+              <a:alphaOff val="0"/>
+            </a:schemeClr>
+          </a:solidFill>
+          <a:prstDash val="solid"/>
+          <a:miter lim="800000"/>
+        </a:ln>
+        <a:effectLst/>
+      </dsp:spPr>
+      <dsp:style>
+        <a:lnRef idx="3">
+          <a:scrgbClr r="0" g="0" b="0"/>
+        </a:lnRef>
+        <a:fillRef idx="1">
+          <a:scrgbClr r="0" g="0" b="0"/>
+        </a:fillRef>
+        <a:effectRef idx="1">
+          <a:scrgbClr r="0" g="0" b="0"/>
+        </a:effectRef>
+        <a:fontRef idx="minor">
+          <a:schemeClr val="lt1"/>
+        </a:fontRef>
+      </dsp:style>
+      <dsp:txBody>
+        <a:bodyPr spcFirstLastPara="0" vert="horz" wrap="square" lIns="68580" tIns="68580" rIns="68580" bIns="68580" numCol="1" spcCol="1270" anchor="ctr" anchorCtr="0">
+          <a:noAutofit/>
+        </a:bodyPr>
+        <a:lstStyle/>
+        <a:p>
+          <a:pPr marL="0" lvl="0" indent="0" algn="ctr" defTabSz="800100">
+            <a:lnSpc>
+              <a:spcPct val="90000"/>
+            </a:lnSpc>
+            <a:spcBef>
+              <a:spcPct val="0"/>
+            </a:spcBef>
+            <a:spcAft>
+              <a:spcPct val="35000"/>
+            </a:spcAft>
+            <a:buNone/>
+          </a:pPr>
+          <a:r>
+            <a:rPr lang="en-US" sz="1800" kern="1200"/>
+            <a:t>Each team member finishes assigned task</a:t>
+          </a:r>
+          <a:endParaRPr lang="en-CA" sz="1800" kern="1200"/>
+        </a:p>
+      </dsp:txBody>
+      <dsp:txXfrm>
+        <a:off x="2862245" y="1777587"/>
+        <a:ext cx="2046549" cy="1198109"/>
+      </dsp:txXfrm>
+    </dsp:sp>
+    <dsp:sp modelId="{6C379CBF-EF42-47FB-9607-967D0AC56C9B}">
+      <dsp:nvSpPr>
+        <dsp:cNvPr id="0" name=""/>
+        <dsp:cNvSpPr/>
+      </dsp:nvSpPr>
+      <dsp:spPr>
+        <a:xfrm>
+          <a:off x="3259016" y="366510"/>
+          <a:ext cx="2811236" cy="190898"/>
+        </a:xfrm>
+        <a:prstGeom prst="rect">
+          <a:avLst/>
+        </a:prstGeom>
+        <a:solidFill>
+          <a:schemeClr val="accent2">
+            <a:hueOff val="0"/>
+            <a:satOff val="0"/>
+            <a:lumOff val="0"/>
+            <a:alphaOff val="0"/>
+          </a:schemeClr>
+        </a:solidFill>
+        <a:ln>
+          <a:noFill/>
+        </a:ln>
+        <a:effectLst/>
+      </dsp:spPr>
+      <dsp:style>
+        <a:lnRef idx="0">
+          <a:scrgbClr r="0" g="0" b="0"/>
+        </a:lnRef>
+        <a:fillRef idx="1">
+          <a:scrgbClr r="0" g="0" b="0"/>
+        </a:fillRef>
+        <a:effectRef idx="1">
+          <a:scrgbClr r="0" g="0" b="0"/>
+        </a:effectRef>
+        <a:fontRef idx="minor">
+          <a:schemeClr val="lt1"/>
+        </a:fontRef>
+      </dsp:style>
+    </dsp:sp>
+    <dsp:sp modelId="{1364B5BA-FB21-4D87-BE91-F8C7CC8CF987}">
+      <dsp:nvSpPr>
+        <dsp:cNvPr id="0" name=""/>
+        <dsp:cNvSpPr/>
+      </dsp:nvSpPr>
+      <dsp:spPr>
+        <a:xfrm>
+          <a:off x="2824970" y="149487"/>
+          <a:ext cx="2121099" cy="1272659"/>
+        </a:xfrm>
+        <a:prstGeom prst="roundRect">
+          <a:avLst>
+            <a:gd name="adj" fmla="val 10000"/>
+          </a:avLst>
+        </a:prstGeom>
+        <a:solidFill>
+          <a:schemeClr val="accent2">
+            <a:hueOff val="0"/>
+            <a:satOff val="0"/>
+            <a:lumOff val="0"/>
+            <a:alphaOff val="0"/>
+          </a:schemeClr>
+        </a:solidFill>
+        <a:ln w="19050" cap="flat" cmpd="sng" algn="ctr">
+          <a:solidFill>
+            <a:schemeClr val="lt1">
+              <a:hueOff val="0"/>
+              <a:satOff val="0"/>
+              <a:lumOff val="0"/>
+              <a:alphaOff val="0"/>
+            </a:schemeClr>
+          </a:solidFill>
+          <a:prstDash val="solid"/>
+          <a:miter lim="800000"/>
+        </a:ln>
+        <a:effectLst/>
+      </dsp:spPr>
+      <dsp:style>
+        <a:lnRef idx="3">
+          <a:scrgbClr r="0" g="0" b="0"/>
+        </a:lnRef>
+        <a:fillRef idx="1">
+          <a:scrgbClr r="0" g="0" b="0"/>
+        </a:fillRef>
+        <a:effectRef idx="1">
+          <a:scrgbClr r="0" g="0" b="0"/>
+        </a:effectRef>
+        <a:fontRef idx="minor">
+          <a:schemeClr val="lt1"/>
+        </a:fontRef>
+      </dsp:style>
+      <dsp:txBody>
+        <a:bodyPr spcFirstLastPara="0" vert="horz" wrap="square" lIns="68580" tIns="68580" rIns="68580" bIns="68580" numCol="1" spcCol="1270" anchor="ctr" anchorCtr="0">
+          <a:noAutofit/>
+        </a:bodyPr>
+        <a:lstStyle/>
+        <a:p>
+          <a:pPr marL="0" lvl="0" indent="0" algn="ctr" defTabSz="800100">
+            <a:lnSpc>
+              <a:spcPct val="90000"/>
+            </a:lnSpc>
+            <a:spcBef>
+              <a:spcPct val="0"/>
+            </a:spcBef>
+            <a:spcAft>
+              <a:spcPct val="35000"/>
+            </a:spcAft>
+            <a:buNone/>
+          </a:pPr>
+          <a:r>
+            <a:rPr lang="en-US" sz="1800" kern="1200"/>
+            <a:t>Share and discuss observations in the team</a:t>
+          </a:r>
+          <a:endParaRPr lang="en-CA" sz="1800" kern="1200"/>
+        </a:p>
+      </dsp:txBody>
+      <dsp:txXfrm>
+        <a:off x="2862245" y="186762"/>
+        <a:ext cx="2046549" cy="1198109"/>
+      </dsp:txXfrm>
+    </dsp:sp>
+    <dsp:sp modelId="{9BC9F6EA-D799-4AFD-AFFA-52436976D473}">
+      <dsp:nvSpPr>
+        <dsp:cNvPr id="0" name=""/>
+        <dsp:cNvSpPr/>
+      </dsp:nvSpPr>
+      <dsp:spPr>
+        <a:xfrm rot="5400000">
+          <a:off x="5284666" y="1161923"/>
+          <a:ext cx="1580998" cy="190898"/>
+        </a:xfrm>
+        <a:prstGeom prst="rect">
+          <a:avLst/>
+        </a:prstGeom>
+        <a:solidFill>
+          <a:schemeClr val="accent3">
+            <a:hueOff val="0"/>
+            <a:satOff val="0"/>
+            <a:lumOff val="0"/>
+            <a:alphaOff val="0"/>
+          </a:schemeClr>
+        </a:solidFill>
+        <a:ln>
+          <a:noFill/>
+        </a:ln>
+        <a:effectLst/>
+      </dsp:spPr>
+      <dsp:style>
+        <a:lnRef idx="0">
+          <a:scrgbClr r="0" g="0" b="0"/>
+        </a:lnRef>
+        <a:fillRef idx="1">
+          <a:scrgbClr r="0" g="0" b="0"/>
+        </a:fillRef>
+        <a:effectRef idx="1">
+          <a:scrgbClr r="0" g="0" b="0"/>
+        </a:effectRef>
+        <a:fontRef idx="minor">
+          <a:schemeClr val="lt1"/>
+        </a:fontRef>
+      </dsp:style>
+    </dsp:sp>
+    <dsp:sp modelId="{F6AE1F08-185E-4767-BE8E-54E473C8066B}">
+      <dsp:nvSpPr>
+        <dsp:cNvPr id="0" name=""/>
+        <dsp:cNvSpPr/>
+      </dsp:nvSpPr>
+      <dsp:spPr>
+        <a:xfrm>
+          <a:off x="5646033" y="149487"/>
+          <a:ext cx="2121099" cy="1272659"/>
+        </a:xfrm>
+        <a:prstGeom prst="roundRect">
+          <a:avLst>
+            <a:gd name="adj" fmla="val 10000"/>
+          </a:avLst>
+        </a:prstGeom>
+        <a:solidFill>
+          <a:schemeClr val="accent3">
+            <a:hueOff val="0"/>
+            <a:satOff val="0"/>
+            <a:lumOff val="0"/>
+            <a:alphaOff val="0"/>
+          </a:schemeClr>
+        </a:solidFill>
+        <a:ln w="19050" cap="flat" cmpd="sng" algn="ctr">
+          <a:solidFill>
+            <a:schemeClr val="lt1">
+              <a:hueOff val="0"/>
+              <a:satOff val="0"/>
+              <a:lumOff val="0"/>
+              <a:alphaOff val="0"/>
+            </a:schemeClr>
+          </a:solidFill>
+          <a:prstDash val="solid"/>
+          <a:miter lim="800000"/>
+        </a:ln>
+        <a:effectLst/>
+      </dsp:spPr>
+      <dsp:style>
+        <a:lnRef idx="3">
+          <a:scrgbClr r="0" g="0" b="0"/>
+        </a:lnRef>
+        <a:fillRef idx="1">
+          <a:scrgbClr r="0" g="0" b="0"/>
+        </a:fillRef>
+        <a:effectRef idx="1">
+          <a:scrgbClr r="0" g="0" b="0"/>
+        </a:effectRef>
+        <a:fontRef idx="minor">
+          <a:schemeClr val="lt1"/>
+        </a:fontRef>
+      </dsp:style>
+      <dsp:txBody>
+        <a:bodyPr spcFirstLastPara="0" vert="horz" wrap="square" lIns="68580" tIns="68580" rIns="68580" bIns="68580" numCol="1" spcCol="1270" anchor="ctr" anchorCtr="0">
+          <a:noAutofit/>
+        </a:bodyPr>
+        <a:lstStyle/>
+        <a:p>
+          <a:pPr marL="0" lvl="0" indent="0" algn="ctr" defTabSz="800100">
+            <a:lnSpc>
+              <a:spcPct val="90000"/>
+            </a:lnSpc>
+            <a:spcBef>
+              <a:spcPct val="0"/>
+            </a:spcBef>
+            <a:spcAft>
+              <a:spcPct val="35000"/>
+            </a:spcAft>
+            <a:buNone/>
+          </a:pPr>
+          <a:r>
+            <a:rPr lang="en-US" sz="1800" kern="1200"/>
+            <a:t>Consolidate contributions to the master Git</a:t>
+          </a:r>
+          <a:endParaRPr lang="en-CA" sz="1800" kern="1200"/>
+        </a:p>
+      </dsp:txBody>
+      <dsp:txXfrm>
+        <a:off x="5683308" y="186762"/>
+        <a:ext cx="2046549" cy="1198109"/>
+      </dsp:txXfrm>
+    </dsp:sp>
+    <dsp:sp modelId="{1CA80E6D-347E-4F04-9600-BC32EF44935D}">
+      <dsp:nvSpPr>
+        <dsp:cNvPr id="0" name=""/>
+        <dsp:cNvSpPr/>
+      </dsp:nvSpPr>
+      <dsp:spPr>
+        <a:xfrm rot="5400000">
+          <a:off x="5284666" y="2752748"/>
+          <a:ext cx="1580998" cy="190898"/>
+        </a:xfrm>
+        <a:prstGeom prst="rect">
+          <a:avLst/>
+        </a:prstGeom>
+        <a:solidFill>
+          <a:schemeClr val="accent4">
+            <a:hueOff val="0"/>
+            <a:satOff val="0"/>
+            <a:lumOff val="0"/>
+            <a:alphaOff val="0"/>
+          </a:schemeClr>
+        </a:solidFill>
+        <a:ln>
+          <a:noFill/>
+        </a:ln>
+        <a:effectLst/>
+      </dsp:spPr>
+      <dsp:style>
+        <a:lnRef idx="0">
+          <a:scrgbClr r="0" g="0" b="0"/>
+        </a:lnRef>
+        <a:fillRef idx="1">
+          <a:scrgbClr r="0" g="0" b="0"/>
+        </a:fillRef>
+        <a:effectRef idx="1">
+          <a:scrgbClr r="0" g="0" b="0"/>
+        </a:effectRef>
+        <a:fontRef idx="minor">
+          <a:schemeClr val="lt1"/>
+        </a:fontRef>
+      </dsp:style>
+    </dsp:sp>
+    <dsp:sp modelId="{F8798AB2-94C2-4B1E-87AD-BACA14930E55}">
+      <dsp:nvSpPr>
+        <dsp:cNvPr id="0" name=""/>
+        <dsp:cNvSpPr/>
+      </dsp:nvSpPr>
+      <dsp:spPr>
+        <a:xfrm>
+          <a:off x="5646033" y="1740312"/>
+          <a:ext cx="2121099" cy="1272659"/>
+        </a:xfrm>
+        <a:prstGeom prst="roundRect">
+          <a:avLst>
+            <a:gd name="adj" fmla="val 10000"/>
+          </a:avLst>
+        </a:prstGeom>
+        <a:solidFill>
+          <a:schemeClr val="accent4">
+            <a:hueOff val="0"/>
+            <a:satOff val="0"/>
+            <a:lumOff val="0"/>
+            <a:alphaOff val="0"/>
+          </a:schemeClr>
+        </a:solidFill>
+        <a:ln w="19050" cap="flat" cmpd="sng" algn="ctr">
+          <a:solidFill>
+            <a:schemeClr val="lt1">
+              <a:hueOff val="0"/>
+              <a:satOff val="0"/>
+              <a:lumOff val="0"/>
+              <a:alphaOff val="0"/>
+            </a:schemeClr>
+          </a:solidFill>
+          <a:prstDash val="solid"/>
+          <a:miter lim="800000"/>
+        </a:ln>
+        <a:effectLst/>
+      </dsp:spPr>
+      <dsp:style>
+        <a:lnRef idx="3">
+          <a:scrgbClr r="0" g="0" b="0"/>
+        </a:lnRef>
+        <a:fillRef idx="1">
+          <a:scrgbClr r="0" g="0" b="0"/>
+        </a:fillRef>
+        <a:effectRef idx="1">
+          <a:scrgbClr r="0" g="0" b="0"/>
+        </a:effectRef>
+        <a:fontRef idx="minor">
+          <a:schemeClr val="lt1"/>
+        </a:fontRef>
+      </dsp:style>
+      <dsp:txBody>
+        <a:bodyPr spcFirstLastPara="0" vert="horz" wrap="square" lIns="68580" tIns="68580" rIns="68580" bIns="68580" numCol="1" spcCol="1270" anchor="ctr" anchorCtr="0">
+          <a:noAutofit/>
+        </a:bodyPr>
+        <a:lstStyle/>
+        <a:p>
+          <a:pPr marL="0" lvl="0" indent="0" algn="ctr" defTabSz="800100">
+            <a:lnSpc>
+              <a:spcPct val="90000"/>
+            </a:lnSpc>
+            <a:spcBef>
+              <a:spcPct val="0"/>
+            </a:spcBef>
+            <a:spcAft>
+              <a:spcPct val="35000"/>
+            </a:spcAft>
+            <a:buNone/>
+          </a:pPr>
+          <a:r>
+            <a:rPr lang="en-US" sz="1800" kern="1200"/>
+            <a:t>Make modifications and finalize project</a:t>
+          </a:r>
+          <a:endParaRPr lang="en-CA" sz="1800" kern="1200"/>
+        </a:p>
+      </dsp:txBody>
+      <dsp:txXfrm>
+        <a:off x="5683308" y="1777587"/>
+        <a:ext cx="2046549" cy="1198109"/>
+      </dsp:txXfrm>
+    </dsp:sp>
+    <dsp:sp modelId="{0737418E-2215-41A0-8901-BAA976903581}">
+      <dsp:nvSpPr>
+        <dsp:cNvPr id="0" name=""/>
+        <dsp:cNvSpPr/>
+      </dsp:nvSpPr>
+      <dsp:spPr>
+        <a:xfrm>
+          <a:off x="5646033" y="3331137"/>
+          <a:ext cx="2121099" cy="1272659"/>
+        </a:xfrm>
+        <a:prstGeom prst="roundRect">
+          <a:avLst>
+            <a:gd name="adj" fmla="val 10000"/>
+          </a:avLst>
+        </a:prstGeom>
+        <a:solidFill>
+          <a:schemeClr val="accent5">
+            <a:hueOff val="0"/>
+            <a:satOff val="0"/>
+            <a:lumOff val="0"/>
+            <a:alphaOff val="0"/>
+          </a:schemeClr>
+        </a:solidFill>
+        <a:ln w="19050" cap="flat" cmpd="sng" algn="ctr">
+          <a:solidFill>
+            <a:schemeClr val="lt1">
+              <a:hueOff val="0"/>
+              <a:satOff val="0"/>
+              <a:lumOff val="0"/>
+              <a:alphaOff val="0"/>
+            </a:schemeClr>
+          </a:solidFill>
+          <a:prstDash val="solid"/>
+          <a:miter lim="800000"/>
+        </a:ln>
+        <a:effectLst/>
+      </dsp:spPr>
+      <dsp:style>
+        <a:lnRef idx="3">
+          <a:scrgbClr r="0" g="0" b="0"/>
+        </a:lnRef>
+        <a:fillRef idx="1">
+          <a:scrgbClr r="0" g="0" b="0"/>
+        </a:fillRef>
+        <a:effectRef idx="1">
+          <a:scrgbClr r="0" g="0" b="0"/>
+        </a:effectRef>
+        <a:fontRef idx="minor">
+          <a:schemeClr val="lt1"/>
+        </a:fontRef>
+      </dsp:style>
+      <dsp:txBody>
+        <a:bodyPr spcFirstLastPara="0" vert="horz" wrap="square" lIns="68580" tIns="68580" rIns="68580" bIns="68580" numCol="1" spcCol="1270" anchor="ctr" anchorCtr="0">
+          <a:noAutofit/>
+        </a:bodyPr>
+        <a:lstStyle/>
+        <a:p>
+          <a:pPr marL="0" lvl="0" indent="0" algn="ctr" defTabSz="800100">
+            <a:lnSpc>
+              <a:spcPct val="90000"/>
+            </a:lnSpc>
+            <a:spcBef>
+              <a:spcPct val="0"/>
+            </a:spcBef>
+            <a:spcAft>
+              <a:spcPct val="35000"/>
+            </a:spcAft>
+            <a:buNone/>
+          </a:pPr>
+          <a:r>
+            <a:rPr lang="en-US" sz="1800" kern="1200"/>
+            <a:t>Final presentation</a:t>
+          </a:r>
+          <a:endParaRPr lang="en-CA" sz="1800" kern="1200"/>
+        </a:p>
+      </dsp:txBody>
+      <dsp:txXfrm>
+        <a:off x="5683308" y="3368412"/>
+        <a:ext cx="2046549" cy="1198109"/>
+      </dsp:txXfrm>
+    </dsp:sp>
+  </dsp:spTree>
+</dsp:drawing>
+</file>
+
+<file path=ppt/diagrams/drawing2.xml><?xml version="1.0" encoding="utf-8"?>
+<dsp:drawing xmlns:dgm="http://schemas.openxmlformats.org/drawingml/2006/diagram" xmlns:dsp="http://schemas.microsoft.com/office/drawing/2008/diagram" xmlns:a="http://schemas.openxmlformats.org/drawingml/2006/main">
+  <dsp:spTree>
+    <dsp:nvGrpSpPr>
+      <dsp:cNvPr id="0" name=""/>
+      <dsp:cNvGrpSpPr/>
+    </dsp:nvGrpSpPr>
+    <dsp:grpSpPr/>
     <dsp:sp modelId="{61FA96CA-5DA6-4551-A445-609BF359DABF}">
       <dsp:nvSpPr>
         <dsp:cNvPr id="0" name=""/>
@@ -2365,6 +4960,238 @@
 </file>
 
 <file path=ppt/diagrams/layout1.xml><?xml version="1.0" encoding="utf-8"?>
+<dgm:layoutDef xmlns:dgm="http://schemas.openxmlformats.org/drawingml/2006/diagram" xmlns:a="http://schemas.openxmlformats.org/drawingml/2006/main" uniqueId="urn:microsoft.com/office/officeart/2005/8/layout/bProcess4">
+  <dgm:title val=""/>
+  <dgm:desc val=""/>
+  <dgm:catLst>
+    <dgm:cat type="process" pri="19000"/>
+  </dgm:catLst>
+  <dgm:sampData>
+    <dgm:dataModel>
+      <dgm:ptLst>
+        <dgm:pt modelId="0" type="doc"/>
+        <dgm:pt modelId="1">
+          <dgm:prSet phldr="1"/>
+        </dgm:pt>
+        <dgm:pt modelId="2">
+          <dgm:prSet phldr="1"/>
+        </dgm:pt>
+        <dgm:pt modelId="3">
+          <dgm:prSet phldr="1"/>
+        </dgm:pt>
+        <dgm:pt modelId="4">
+          <dgm:prSet phldr="1"/>
+        </dgm:pt>
+        <dgm:pt modelId="5">
+          <dgm:prSet phldr="1"/>
+        </dgm:pt>
+        <dgm:pt modelId="6">
+          <dgm:prSet phldr="1"/>
+        </dgm:pt>
+        <dgm:pt modelId="7">
+          <dgm:prSet phldr="1"/>
+        </dgm:pt>
+        <dgm:pt modelId="8">
+          <dgm:prSet phldr="1"/>
+        </dgm:pt>
+        <dgm:pt modelId="9">
+          <dgm:prSet phldr="1"/>
+        </dgm:pt>
+      </dgm:ptLst>
+      <dgm:cxnLst>
+        <dgm:cxn modelId="10" srcId="0" destId="1" srcOrd="0" destOrd="0"/>
+        <dgm:cxn modelId="11" srcId="0" destId="2" srcOrd="1" destOrd="0"/>
+        <dgm:cxn modelId="12" srcId="0" destId="3" srcOrd="2" destOrd="0"/>
+        <dgm:cxn modelId="13" srcId="0" destId="4" srcOrd="3" destOrd="0"/>
+        <dgm:cxn modelId="14" srcId="0" destId="5" srcOrd="4" destOrd="0"/>
+        <dgm:cxn modelId="15" srcId="0" destId="6" srcOrd="5" destOrd="0"/>
+        <dgm:cxn modelId="16" srcId="0" destId="7" srcOrd="6" destOrd="0"/>
+        <dgm:cxn modelId="17" srcId="0" destId="8" srcOrd="7" destOrd="0"/>
+        <dgm:cxn modelId="18" srcId="0" destId="9" srcOrd="8" destOrd="0"/>
+      </dgm:cxnLst>
+      <dgm:bg/>
+      <dgm:whole/>
+    </dgm:dataModel>
+  </dgm:sampData>
+  <dgm:styleData>
+    <dgm:dataModel>
+      <dgm:ptLst>
+        <dgm:pt modelId="0" type="doc"/>
+        <dgm:pt modelId="1"/>
+        <dgm:pt modelId="2"/>
+      </dgm:ptLst>
+      <dgm:cxnLst>
+        <dgm:cxn modelId="3" srcId="0" destId="1" srcOrd="0" destOrd="0"/>
+        <dgm:cxn modelId="4" srcId="0" destId="2" srcOrd="1" destOrd="0"/>
+      </dgm:cxnLst>
+      <dgm:bg/>
+      <dgm:whole/>
+    </dgm:dataModel>
+  </dgm:styleData>
+  <dgm:clrData>
+    <dgm:dataModel>
+      <dgm:ptLst>
+        <dgm:pt modelId="0" type="doc"/>
+        <dgm:pt modelId="1"/>
+        <dgm:pt modelId="2"/>
+        <dgm:pt modelId="3"/>
+        <dgm:pt modelId="4"/>
+        <dgm:pt modelId="5"/>
+        <dgm:pt modelId="6"/>
+      </dgm:ptLst>
+      <dgm:cxnLst>
+        <dgm:cxn modelId="7" srcId="0" destId="1" srcOrd="0" destOrd="0"/>
+        <dgm:cxn modelId="8" srcId="0" destId="2" srcOrd="1" destOrd="0"/>
+        <dgm:cxn modelId="9" srcId="0" destId="3" srcOrd="2" destOrd="0"/>
+        <dgm:cxn modelId="10" srcId="0" destId="4" srcOrd="3" destOrd="0"/>
+        <dgm:cxn modelId="11" srcId="0" destId="5" srcOrd="4" destOrd="0"/>
+        <dgm:cxn modelId="12" srcId="0" destId="6" srcOrd="5" destOrd="0"/>
+      </dgm:cxnLst>
+      <dgm:bg/>
+      <dgm:whole/>
+    </dgm:dataModel>
+  </dgm:clrData>
+  <dgm:layoutNode name="Name0">
+    <dgm:varLst>
+      <dgm:dir/>
+      <dgm:resizeHandles/>
+    </dgm:varLst>
+    <dgm:choose name="Name1">
+      <dgm:if name="Name2" func="var" arg="dir" op="equ" val="norm">
+        <dgm:alg type="snake">
+          <dgm:param type="grDir" val="tL"/>
+          <dgm:param type="flowDir" val="col"/>
+          <dgm:param type="contDir" val="revDir"/>
+          <dgm:param type="bkpt" val="bal"/>
+        </dgm:alg>
+      </dgm:if>
+      <dgm:else name="Name3">
+        <dgm:alg type="snake">
+          <dgm:param type="grDir" val="tR"/>
+          <dgm:param type="flowDir" val="col"/>
+          <dgm:param type="contDir" val="revDir"/>
+          <dgm:param type="bkpt" val="bal"/>
+        </dgm:alg>
+      </dgm:else>
+    </dgm:choose>
+    <dgm:shape xmlns:r="http://schemas.openxmlformats.org/officeDocument/2006/relationships" r:blip="">
+      <dgm:adjLst/>
+    </dgm:shape>
+    <dgm:presOf/>
+    <dgm:constrLst>
+      <dgm:constr type="w" for="ch" forName="compNode" refType="w"/>
+      <dgm:constr type="h" for="ch" forName="compNode" refType="w" fact="0.6"/>
+      <dgm:constr type="h" for="ch" forName="sibTrans" refType="h" refFor="ch" refForName="compNode" op="equ" fact="0.25"/>
+      <dgm:constr type="sp" refType="w" fact="0.33"/>
+      <dgm:constr type="primFontSz" for="des" forName="node" op="equ" val="65"/>
+    </dgm:constrLst>
+    <dgm:ruleLst/>
+    <dgm:forEach name="nodesForEach" axis="ch" ptType="node">
+      <dgm:layoutNode name="compNode">
+        <dgm:alg type="composite"/>
+        <dgm:shape xmlns:r="http://schemas.openxmlformats.org/officeDocument/2006/relationships" r:blip="">
+          <dgm:adjLst/>
+        </dgm:shape>
+        <dgm:presOf/>
+        <dgm:choose name="Name4">
+          <dgm:if name="Name5" axis="self" func="var" arg="dir" op="equ" val="norm">
+            <dgm:constrLst>
+              <dgm:constr type="l" for="ch" forName="dummyConnPt" refType="w" fact="0.2"/>
+              <dgm:constr type="t" for="ch" forName="dummyConnPt" refType="w" fact="0.145"/>
+              <dgm:constr type="l" for="ch" forName="node"/>
+              <dgm:constr type="t" for="ch" forName="node"/>
+              <dgm:constr type="h" for="ch" forName="node" refType="h"/>
+              <dgm:constr type="w" for="ch" forName="node" refType="w"/>
+            </dgm:constrLst>
+          </dgm:if>
+          <dgm:else name="Name6">
+            <dgm:constrLst>
+              <dgm:constr type="l" for="ch" forName="dummyConnPt" refType="w" fact="0.8"/>
+              <dgm:constr type="t" for="ch" forName="dummyConnPt" refType="w" fact="0.145"/>
+              <dgm:constr type="l" for="ch" forName="node"/>
+              <dgm:constr type="t" for="ch" forName="node"/>
+              <dgm:constr type="h" for="ch" forName="node" refType="h"/>
+              <dgm:constr type="w" for="ch" forName="node" refType="w"/>
+            </dgm:constrLst>
+          </dgm:else>
+        </dgm:choose>
+        <dgm:ruleLst/>
+        <dgm:layoutNode name="dummyConnPt" styleLbl="node1" moveWith="node">
+          <dgm:alg type="sp"/>
+          <dgm:shape xmlns:r="http://schemas.openxmlformats.org/officeDocument/2006/relationships" r:blip="">
+            <dgm:adjLst/>
+          </dgm:shape>
+          <dgm:presOf/>
+          <dgm:constrLst>
+            <dgm:constr type="w" val="1"/>
+            <dgm:constr type="h" val="1"/>
+          </dgm:constrLst>
+          <dgm:ruleLst/>
+        </dgm:layoutNode>
+        <dgm:layoutNode name="node">
+          <dgm:varLst>
+            <dgm:bulletEnabled val="1"/>
+          </dgm:varLst>
+          <dgm:alg type="tx"/>
+          <dgm:shape xmlns:r="http://schemas.openxmlformats.org/officeDocument/2006/relationships" type="roundRect" r:blip="">
+            <dgm:adjLst>
+              <dgm:adj idx="1" val="0.1"/>
+            </dgm:adjLst>
+          </dgm:shape>
+          <dgm:presOf axis="desOrSelf" ptType="node"/>
+          <dgm:constrLst>
+            <dgm:constr type="tMarg" refType="primFontSz" fact="0.3"/>
+            <dgm:constr type="bMarg" refType="primFontSz" fact="0.3"/>
+            <dgm:constr type="lMarg" refType="primFontSz" fact="0.3"/>
+            <dgm:constr type="rMarg" refType="primFontSz" fact="0.3"/>
+            <dgm:constr type="primFontSz" val="65"/>
+          </dgm:constrLst>
+          <dgm:ruleLst>
+            <dgm:rule type="primFontSz" val="5" fact="NaN" max="NaN"/>
+          </dgm:ruleLst>
+        </dgm:layoutNode>
+      </dgm:layoutNode>
+      <dgm:forEach name="sibTransForEach" axis="followSib" cnt="1">
+        <dgm:layoutNode name="sibTrans" styleLbl="bgSibTrans2D1">
+          <dgm:choose name="Name7">
+            <dgm:if name="Name8" axis="self" func="var" arg="dir" op="equ" val="norm">
+              <dgm:alg type="conn">
+                <dgm:param type="srcNode" val="dummyConnPt"/>
+                <dgm:param type="dstNode" val="dummyConnPt"/>
+                <dgm:param type="begPts" val="bCtr, midR, tCtr"/>
+                <dgm:param type="endPts" val="tCtr, midL, bCtr"/>
+                <dgm:param type="begSty" val="noArr"/>
+                <dgm:param type="endSty" val="noArr"/>
+              </dgm:alg>
+            </dgm:if>
+            <dgm:else name="Name9">
+              <dgm:alg type="conn">
+                <dgm:param type="srcNode" val="dummyConnPt"/>
+                <dgm:param type="dstNode" val="dummyConnPt"/>
+                <dgm:param type="begPts" val="bCtr, midL, tCtr"/>
+                <dgm:param type="endPts" val="tCtr, midR, bCtr"/>
+                <dgm:param type="begSty" val="noArr"/>
+                <dgm:param type="endSty" val="noArr"/>
+              </dgm:alg>
+            </dgm:else>
+          </dgm:choose>
+          <dgm:shape xmlns:r="http://schemas.openxmlformats.org/officeDocument/2006/relationships" type="conn" r:blip="" zOrderOff="-2">
+            <dgm:adjLst/>
+          </dgm:shape>
+          <dgm:presOf axis="self"/>
+          <dgm:constrLst>
+            <dgm:constr type="begPad"/>
+            <dgm:constr type="endPad"/>
+          </dgm:constrLst>
+          <dgm:ruleLst/>
+        </dgm:layoutNode>
+      </dgm:forEach>
+    </dgm:forEach>
+  </dgm:layoutNode>
+</dgm:layoutDef>
+</file>
+
+<file path=ppt/diagrams/layout2.xml><?xml version="1.0" encoding="utf-8"?>
 <dgm:layoutDef xmlns:dgm="http://schemas.openxmlformats.org/drawingml/2006/diagram" xmlns:a="http://schemas.openxmlformats.org/drawingml/2006/main" uniqueId="urn:microsoft.com/office/officeart/2018/5/layout/IconCircleLabelList">
   <dgm:title val="Icon Circle Label List"/>
   <dgm:desc val="Use to show non-sequential or grouped chunks of information accompanied by a related visuals. Works best with icons or small pictures with short text captions."/>
@@ -2580,6 +5407,1040 @@
 </file>
 
 <file path=ppt/diagrams/quickStyle1.xml><?xml version="1.0" encoding="utf-8"?>
+<dgm:styleDef xmlns:dgm="http://schemas.openxmlformats.org/drawingml/2006/diagram" xmlns:a="http://schemas.openxmlformats.org/drawingml/2006/main" uniqueId="urn:microsoft.com/office/officeart/2005/8/quickstyle/simple2">
+  <dgm:title val=""/>
+  <dgm:desc val=""/>
+  <dgm:catLst>
+    <dgm:cat type="simple" pri="10200"/>
+  </dgm:catLst>
+  <dgm:scene3d>
+    <a:camera prst="orthographicFront"/>
+    <a:lightRig rig="threePt" dir="t"/>
+  </dgm:scene3d>
+  <dgm:styleLbl name="node0">
+    <dgm:scene3d>
+      <a:camera prst="orthographicFront"/>
+      <a:lightRig rig="threePt" dir="t"/>
+    </dgm:scene3d>
+    <dgm:sp3d/>
+    <dgm:txPr/>
+    <dgm:style>
+      <a:lnRef idx="3">
+        <a:scrgbClr r="0" g="0" b="0"/>
+      </a:lnRef>
+      <a:fillRef idx="1">
+        <a:scrgbClr r="0" g="0" b="0"/>
+      </a:fillRef>
+      <a:effectRef idx="1">
+        <a:scrgbClr r="0" g="0" b="0"/>
+      </a:effectRef>
+      <a:fontRef idx="minor">
+        <a:schemeClr val="lt1"/>
+      </a:fontRef>
+    </dgm:style>
+  </dgm:styleLbl>
+  <dgm:styleLbl name="lnNode1">
+    <dgm:scene3d>
+      <a:camera prst="orthographicFront"/>
+      <a:lightRig rig="threePt" dir="t"/>
+    </dgm:scene3d>
+    <dgm:sp3d/>
+    <dgm:txPr/>
+    <dgm:style>
+      <a:lnRef idx="3">
+        <a:scrgbClr r="0" g="0" b="0"/>
+      </a:lnRef>
+      <a:fillRef idx="1">
+        <a:scrgbClr r="0" g="0" b="0"/>
+      </a:fillRef>
+      <a:effectRef idx="1">
+        <a:scrgbClr r="0" g="0" b="0"/>
+      </a:effectRef>
+      <a:fontRef idx="minor">
+        <a:schemeClr val="lt1"/>
+      </a:fontRef>
+    </dgm:style>
+  </dgm:styleLbl>
+  <dgm:styleLbl name="vennNode1">
+    <dgm:scene3d>
+      <a:camera prst="orthographicFront"/>
+      <a:lightRig rig="threePt" dir="t"/>
+    </dgm:scene3d>
+    <dgm:sp3d/>
+    <dgm:txPr/>
+    <dgm:style>
+      <a:lnRef idx="3">
+        <a:scrgbClr r="0" g="0" b="0"/>
+      </a:lnRef>
+      <a:fillRef idx="1">
+        <a:scrgbClr r="0" g="0" b="0"/>
+      </a:fillRef>
+      <a:effectRef idx="0">
+        <a:scrgbClr r="0" g="0" b="0"/>
+      </a:effectRef>
+      <a:fontRef idx="minor">
+        <a:schemeClr val="tx1"/>
+      </a:fontRef>
+    </dgm:style>
+  </dgm:styleLbl>
+  <dgm:styleLbl name="alignNode1">
+    <dgm:scene3d>
+      <a:camera prst="orthographicFront"/>
+      <a:lightRig rig="threePt" dir="t"/>
+    </dgm:scene3d>
+    <dgm:sp3d/>
+    <dgm:txPr/>
+    <dgm:style>
+      <a:lnRef idx="2">
+        <a:scrgbClr r="0" g="0" b="0"/>
+      </a:lnRef>
+      <a:fillRef idx="1">
+        <a:scrgbClr r="0" g="0" b="0"/>
+      </a:fillRef>
+      <a:effectRef idx="1">
+        <a:scrgbClr r="0" g="0" b="0"/>
+      </a:effectRef>
+      <a:fontRef idx="minor">
+        <a:schemeClr val="lt1"/>
+      </a:fontRef>
+    </dgm:style>
+  </dgm:styleLbl>
+  <dgm:styleLbl name="node1">
+    <dgm:scene3d>
+      <a:camera prst="orthographicFront"/>
+      <a:lightRig rig="threePt" dir="t"/>
+    </dgm:scene3d>
+    <dgm:sp3d/>
+    <dgm:txPr/>
+    <dgm:style>
+      <a:lnRef idx="3">
+        <a:scrgbClr r="0" g="0" b="0"/>
+      </a:lnRef>
+      <a:fillRef idx="1">
+        <a:scrgbClr r="0" g="0" b="0"/>
+      </a:fillRef>
+      <a:effectRef idx="1">
+        <a:scrgbClr r="0" g="0" b="0"/>
+      </a:effectRef>
+      <a:fontRef idx="minor">
+        <a:schemeClr val="lt1"/>
+      </a:fontRef>
+    </dgm:style>
+  </dgm:styleLbl>
+  <dgm:styleLbl name="node2">
+    <dgm:scene3d>
+      <a:camera prst="orthographicFront"/>
+      <a:lightRig rig="threePt" dir="t"/>
+    </dgm:scene3d>
+    <dgm:sp3d/>
+    <dgm:txPr/>
+    <dgm:style>
+      <a:lnRef idx="3">
+        <a:scrgbClr r="0" g="0" b="0"/>
+      </a:lnRef>
+      <a:fillRef idx="1">
+        <a:scrgbClr r="0" g="0" b="0"/>
+      </a:fillRef>
+      <a:effectRef idx="1">
+        <a:scrgbClr r="0" g="0" b="0"/>
+      </a:effectRef>
+      <a:fontRef idx="minor">
+        <a:schemeClr val="lt1"/>
+      </a:fontRef>
+    </dgm:style>
+  </dgm:styleLbl>
+  <dgm:styleLbl name="node3">
+    <dgm:scene3d>
+      <a:camera prst="orthographicFront"/>
+      <a:lightRig rig="threePt" dir="t"/>
+    </dgm:scene3d>
+    <dgm:sp3d/>
+    <dgm:txPr/>
+    <dgm:style>
+      <a:lnRef idx="3">
+        <a:scrgbClr r="0" g="0" b="0"/>
+      </a:lnRef>
+      <a:fillRef idx="1">
+        <a:scrgbClr r="0" g="0" b="0"/>
+      </a:fillRef>
+      <a:effectRef idx="1">
+        <a:scrgbClr r="0" g="0" b="0"/>
+      </a:effectRef>
+      <a:fontRef idx="minor">
+        <a:schemeClr val="lt1"/>
+      </a:fontRef>
+    </dgm:style>
+  </dgm:styleLbl>
+  <dgm:styleLbl name="node4">
+    <dgm:scene3d>
+      <a:camera prst="orthographicFront"/>
+      <a:lightRig rig="threePt" dir="t"/>
+    </dgm:scene3d>
+    <dgm:sp3d/>
+    <dgm:txPr/>
+    <dgm:style>
+      <a:lnRef idx="3">
+        <a:scrgbClr r="0" g="0" b="0"/>
+      </a:lnRef>
+      <a:fillRef idx="1">
+        <a:scrgbClr r="0" g="0" b="0"/>
+      </a:fillRef>
+      <a:effectRef idx="1">
+        <a:scrgbClr r="0" g="0" b="0"/>
+      </a:effectRef>
+      <a:fontRef idx="minor">
+        <a:schemeClr val="lt1"/>
+      </a:fontRef>
+    </dgm:style>
+  </dgm:styleLbl>
+  <dgm:styleLbl name="fgImgPlace1">
+    <dgm:scene3d>
+      <a:camera prst="orthographicFront"/>
+      <a:lightRig rig="threePt" dir="t"/>
+    </dgm:scene3d>
+    <dgm:sp3d/>
+    <dgm:txPr/>
+    <dgm:style>
+      <a:lnRef idx="3">
+        <a:scrgbClr r="0" g="0" b="0"/>
+      </a:lnRef>
+      <a:fillRef idx="1">
+        <a:scrgbClr r="0" g="0" b="0"/>
+      </a:fillRef>
+      <a:effectRef idx="1">
+        <a:scrgbClr r="0" g="0" b="0"/>
+      </a:effectRef>
+      <a:fontRef idx="minor"/>
+    </dgm:style>
+  </dgm:styleLbl>
+  <dgm:styleLbl name="alignImgPlace1">
+    <dgm:scene3d>
+      <a:camera prst="orthographicFront"/>
+      <a:lightRig rig="threePt" dir="t"/>
+    </dgm:scene3d>
+    <dgm:sp3d/>
+    <dgm:txPr/>
+    <dgm:style>
+      <a:lnRef idx="3">
+        <a:scrgbClr r="0" g="0" b="0"/>
+      </a:lnRef>
+      <a:fillRef idx="1">
+        <a:scrgbClr r="0" g="0" b="0"/>
+      </a:fillRef>
+      <a:effectRef idx="1">
+        <a:scrgbClr r="0" g="0" b="0"/>
+      </a:effectRef>
+      <a:fontRef idx="minor"/>
+    </dgm:style>
+  </dgm:styleLbl>
+  <dgm:styleLbl name="bgImgPlace1">
+    <dgm:scene3d>
+      <a:camera prst="orthographicFront"/>
+      <a:lightRig rig="threePt" dir="t"/>
+    </dgm:scene3d>
+    <dgm:sp3d/>
+    <dgm:txPr/>
+    <dgm:style>
+      <a:lnRef idx="3">
+        <a:scrgbClr r="0" g="0" b="0"/>
+      </a:lnRef>
+      <a:fillRef idx="1">
+        <a:scrgbClr r="0" g="0" b="0"/>
+      </a:fillRef>
+      <a:effectRef idx="1">
+        <a:scrgbClr r="0" g="0" b="0"/>
+      </a:effectRef>
+      <a:fontRef idx="minor"/>
+    </dgm:style>
+  </dgm:styleLbl>
+  <dgm:styleLbl name="sibTrans2D1">
+    <dgm:scene3d>
+      <a:camera prst="orthographicFront"/>
+      <a:lightRig rig="threePt" dir="t"/>
+    </dgm:scene3d>
+    <dgm:sp3d/>
+    <dgm:txPr/>
+    <dgm:style>
+      <a:lnRef idx="0">
+        <a:scrgbClr r="0" g="0" b="0"/>
+      </a:lnRef>
+      <a:fillRef idx="1">
+        <a:scrgbClr r="0" g="0" b="0"/>
+      </a:fillRef>
+      <a:effectRef idx="1">
+        <a:scrgbClr r="0" g="0" b="0"/>
+      </a:effectRef>
+      <a:fontRef idx="minor">
+        <a:schemeClr val="lt1"/>
+      </a:fontRef>
+    </dgm:style>
+  </dgm:styleLbl>
+  <dgm:styleLbl name="fgSibTrans2D1">
+    <dgm:scene3d>
+      <a:camera prst="orthographicFront"/>
+      <a:lightRig rig="threePt" dir="t"/>
+    </dgm:scene3d>
+    <dgm:sp3d/>
+    <dgm:txPr/>
+    <dgm:style>
+      <a:lnRef idx="0">
+        <a:scrgbClr r="0" g="0" b="0"/>
+      </a:lnRef>
+      <a:fillRef idx="1">
+        <a:scrgbClr r="0" g="0" b="0"/>
+      </a:fillRef>
+      <a:effectRef idx="1">
+        <a:scrgbClr r="0" g="0" b="0"/>
+      </a:effectRef>
+      <a:fontRef idx="minor">
+        <a:schemeClr val="lt1"/>
+      </a:fontRef>
+    </dgm:style>
+  </dgm:styleLbl>
+  <dgm:styleLbl name="bgSibTrans2D1">
+    <dgm:scene3d>
+      <a:camera prst="orthographicFront"/>
+      <a:lightRig rig="threePt" dir="t"/>
+    </dgm:scene3d>
+    <dgm:sp3d/>
+    <dgm:txPr/>
+    <dgm:style>
+      <a:lnRef idx="0">
+        <a:scrgbClr r="0" g="0" b="0"/>
+      </a:lnRef>
+      <a:fillRef idx="1">
+        <a:scrgbClr r="0" g="0" b="0"/>
+      </a:fillRef>
+      <a:effectRef idx="1">
+        <a:scrgbClr r="0" g="0" b="0"/>
+      </a:effectRef>
+      <a:fontRef idx="minor">
+        <a:schemeClr val="lt1"/>
+      </a:fontRef>
+    </dgm:style>
+  </dgm:styleLbl>
+  <dgm:styleLbl name="sibTrans1D1">
+    <dgm:scene3d>
+      <a:camera prst="orthographicFront"/>
+      <a:lightRig rig="threePt" dir="t"/>
+    </dgm:scene3d>
+    <dgm:sp3d/>
+    <dgm:txPr/>
+    <dgm:style>
+      <a:lnRef idx="1">
+        <a:scrgbClr r="0" g="0" b="0"/>
+      </a:lnRef>
+      <a:fillRef idx="0">
+        <a:scrgbClr r="0" g="0" b="0"/>
+      </a:fillRef>
+      <a:effectRef idx="0">
+        <a:scrgbClr r="0" g="0" b="0"/>
+      </a:effectRef>
+      <a:fontRef idx="minor"/>
+    </dgm:style>
+  </dgm:styleLbl>
+  <dgm:styleLbl name="callout">
+    <dgm:scene3d>
+      <a:camera prst="orthographicFront"/>
+      <a:lightRig rig="threePt" dir="t"/>
+    </dgm:scene3d>
+    <dgm:sp3d/>
+    <dgm:txPr/>
+    <dgm:style>
+      <a:lnRef idx="2">
+        <a:scrgbClr r="0" g="0" b="0"/>
+      </a:lnRef>
+      <a:fillRef idx="1">
+        <a:scrgbClr r="0" g="0" b="0"/>
+      </a:fillRef>
+      <a:effectRef idx="1">
+        <a:scrgbClr r="0" g="0" b="0"/>
+      </a:effectRef>
+      <a:fontRef idx="minor"/>
+    </dgm:style>
+  </dgm:styleLbl>
+  <dgm:styleLbl name="asst0">
+    <dgm:scene3d>
+      <a:camera prst="orthographicFront"/>
+      <a:lightRig rig="threePt" dir="t"/>
+    </dgm:scene3d>
+    <dgm:sp3d/>
+    <dgm:txPr/>
+    <dgm:style>
+      <a:lnRef idx="3">
+        <a:scrgbClr r="0" g="0" b="0"/>
+      </a:lnRef>
+      <a:fillRef idx="1">
+        <a:scrgbClr r="0" g="0" b="0"/>
+      </a:fillRef>
+      <a:effectRef idx="1">
+        <a:scrgbClr r="0" g="0" b="0"/>
+      </a:effectRef>
+      <a:fontRef idx="minor">
+        <a:schemeClr val="lt1"/>
+      </a:fontRef>
+    </dgm:style>
+  </dgm:styleLbl>
+  <dgm:styleLbl name="asst1">
+    <dgm:scene3d>
+      <a:camera prst="orthographicFront"/>
+      <a:lightRig rig="threePt" dir="t"/>
+    </dgm:scene3d>
+    <dgm:sp3d/>
+    <dgm:txPr/>
+    <dgm:style>
+      <a:lnRef idx="3">
+        <a:scrgbClr r="0" g="0" b="0"/>
+      </a:lnRef>
+      <a:fillRef idx="1">
+        <a:scrgbClr r="0" g="0" b="0"/>
+      </a:fillRef>
+      <a:effectRef idx="1">
+        <a:scrgbClr r="0" g="0" b="0"/>
+      </a:effectRef>
+      <a:fontRef idx="minor">
+        <a:schemeClr val="lt1"/>
+      </a:fontRef>
+    </dgm:style>
+  </dgm:styleLbl>
+  <dgm:styleLbl name="asst2">
+    <dgm:scene3d>
+      <a:camera prst="orthographicFront"/>
+      <a:lightRig rig="threePt" dir="t"/>
+    </dgm:scene3d>
+    <dgm:sp3d/>
+    <dgm:txPr/>
+    <dgm:style>
+      <a:lnRef idx="3">
+        <a:scrgbClr r="0" g="0" b="0"/>
+      </a:lnRef>
+      <a:fillRef idx="1">
+        <a:scrgbClr r="0" g="0" b="0"/>
+      </a:fillRef>
+      <a:effectRef idx="1">
+        <a:scrgbClr r="0" g="0" b="0"/>
+      </a:effectRef>
+      <a:fontRef idx="minor">
+        <a:schemeClr val="lt1"/>
+      </a:fontRef>
+    </dgm:style>
+  </dgm:styleLbl>
+  <dgm:styleLbl name="asst3">
+    <dgm:scene3d>
+      <a:camera prst="orthographicFront"/>
+      <a:lightRig rig="threePt" dir="t"/>
+    </dgm:scene3d>
+    <dgm:sp3d/>
+    <dgm:txPr/>
+    <dgm:style>
+      <a:lnRef idx="3">
+        <a:scrgbClr r="0" g="0" b="0"/>
+      </a:lnRef>
+      <a:fillRef idx="1">
+        <a:scrgbClr r="0" g="0" b="0"/>
+      </a:fillRef>
+      <a:effectRef idx="1">
+        <a:scrgbClr r="0" g="0" b="0"/>
+      </a:effectRef>
+      <a:fontRef idx="minor">
+        <a:schemeClr val="lt1"/>
+      </a:fontRef>
+    </dgm:style>
+  </dgm:styleLbl>
+  <dgm:styleLbl name="asst4">
+    <dgm:scene3d>
+      <a:camera prst="orthographicFront"/>
+      <a:lightRig rig="threePt" dir="t"/>
+    </dgm:scene3d>
+    <dgm:sp3d/>
+    <dgm:txPr/>
+    <dgm:style>
+      <a:lnRef idx="3">
+        <a:scrgbClr r="0" g="0" b="0"/>
+      </a:lnRef>
+      <a:fillRef idx="1">
+        <a:scrgbClr r="0" g="0" b="0"/>
+      </a:fillRef>
+      <a:effectRef idx="1">
+        <a:scrgbClr r="0" g="0" b="0"/>
+      </a:effectRef>
+      <a:fontRef idx="minor">
+        <a:schemeClr val="lt1"/>
+      </a:fontRef>
+    </dgm:style>
+  </dgm:styleLbl>
+  <dgm:styleLbl name="parChTrans2D1">
+    <dgm:scene3d>
+      <a:camera prst="orthographicFront"/>
+      <a:lightRig rig="threePt" dir="t"/>
+    </dgm:scene3d>
+    <dgm:sp3d/>
+    <dgm:txPr/>
+    <dgm:style>
+      <a:lnRef idx="3">
+        <a:scrgbClr r="0" g="0" b="0"/>
+      </a:lnRef>
+      <a:fillRef idx="1">
+        <a:scrgbClr r="0" g="0" b="0"/>
+      </a:fillRef>
+      <a:effectRef idx="1">
+        <a:scrgbClr r="0" g="0" b="0"/>
+      </a:effectRef>
+      <a:fontRef idx="minor">
+        <a:schemeClr val="lt1"/>
+      </a:fontRef>
+    </dgm:style>
+  </dgm:styleLbl>
+  <dgm:styleLbl name="parChTrans2D2">
+    <dgm:scene3d>
+      <a:camera prst="orthographicFront"/>
+      <a:lightRig rig="threePt" dir="t"/>
+    </dgm:scene3d>
+    <dgm:sp3d/>
+    <dgm:txPr/>
+    <dgm:style>
+      <a:lnRef idx="3">
+        <a:scrgbClr r="0" g="0" b="0"/>
+      </a:lnRef>
+      <a:fillRef idx="1">
+        <a:scrgbClr r="0" g="0" b="0"/>
+      </a:fillRef>
+      <a:effectRef idx="1">
+        <a:scrgbClr r="0" g="0" b="0"/>
+      </a:effectRef>
+      <a:fontRef idx="minor">
+        <a:schemeClr val="lt1"/>
+      </a:fontRef>
+    </dgm:style>
+  </dgm:styleLbl>
+  <dgm:styleLbl name="parChTrans2D3">
+    <dgm:scene3d>
+      <a:camera prst="orthographicFront"/>
+      <a:lightRig rig="threePt" dir="t"/>
+    </dgm:scene3d>
+    <dgm:sp3d/>
+    <dgm:txPr/>
+    <dgm:style>
+      <a:lnRef idx="3">
+        <a:scrgbClr r="0" g="0" b="0"/>
+      </a:lnRef>
+      <a:fillRef idx="1">
+        <a:scrgbClr r="0" g="0" b="0"/>
+      </a:fillRef>
+      <a:effectRef idx="1">
+        <a:scrgbClr r="0" g="0" b="0"/>
+      </a:effectRef>
+      <a:fontRef idx="minor">
+        <a:schemeClr val="lt1"/>
+      </a:fontRef>
+    </dgm:style>
+  </dgm:styleLbl>
+  <dgm:styleLbl name="parChTrans2D4">
+    <dgm:scene3d>
+      <a:camera prst="orthographicFront"/>
+      <a:lightRig rig="threePt" dir="t"/>
+    </dgm:scene3d>
+    <dgm:sp3d/>
+    <dgm:txPr/>
+    <dgm:style>
+      <a:lnRef idx="3">
+        <a:scrgbClr r="0" g="0" b="0"/>
+      </a:lnRef>
+      <a:fillRef idx="1">
+        <a:scrgbClr r="0" g="0" b="0"/>
+      </a:fillRef>
+      <a:effectRef idx="1">
+        <a:scrgbClr r="0" g="0" b="0"/>
+      </a:effectRef>
+      <a:fontRef idx="minor">
+        <a:schemeClr val="lt1"/>
+      </a:fontRef>
+    </dgm:style>
+  </dgm:styleLbl>
+  <dgm:styleLbl name="parChTrans1D1">
+    <dgm:scene3d>
+      <a:camera prst="orthographicFront"/>
+      <a:lightRig rig="threePt" dir="t"/>
+    </dgm:scene3d>
+    <dgm:sp3d/>
+    <dgm:txPr/>
+    <dgm:style>
+      <a:lnRef idx="2">
+        <a:scrgbClr r="0" g="0" b="0"/>
+      </a:lnRef>
+      <a:fillRef idx="0">
+        <a:scrgbClr r="0" g="0" b="0"/>
+      </a:fillRef>
+      <a:effectRef idx="0">
+        <a:scrgbClr r="0" g="0" b="0"/>
+      </a:effectRef>
+      <a:fontRef idx="minor"/>
+    </dgm:style>
+  </dgm:styleLbl>
+  <dgm:styleLbl name="parChTrans1D2">
+    <dgm:scene3d>
+      <a:camera prst="orthographicFront"/>
+      <a:lightRig rig="threePt" dir="t"/>
+    </dgm:scene3d>
+    <dgm:sp3d/>
+    <dgm:txPr/>
+    <dgm:style>
+      <a:lnRef idx="2">
+        <a:scrgbClr r="0" g="0" b="0"/>
+      </a:lnRef>
+      <a:fillRef idx="0">
+        <a:scrgbClr r="0" g="0" b="0"/>
+      </a:fillRef>
+      <a:effectRef idx="0">
+        <a:scrgbClr r="0" g="0" b="0"/>
+      </a:effectRef>
+      <a:fontRef idx="minor"/>
+    </dgm:style>
+  </dgm:styleLbl>
+  <dgm:styleLbl name="parChTrans1D3">
+    <dgm:scene3d>
+      <a:camera prst="orthographicFront"/>
+      <a:lightRig rig="threePt" dir="t"/>
+    </dgm:scene3d>
+    <dgm:sp3d/>
+    <dgm:txPr/>
+    <dgm:style>
+      <a:lnRef idx="2">
+        <a:scrgbClr r="0" g="0" b="0"/>
+      </a:lnRef>
+      <a:fillRef idx="0">
+        <a:scrgbClr r="0" g="0" b="0"/>
+      </a:fillRef>
+      <a:effectRef idx="0">
+        <a:scrgbClr r="0" g="0" b="0"/>
+      </a:effectRef>
+      <a:fontRef idx="minor"/>
+    </dgm:style>
+  </dgm:styleLbl>
+  <dgm:styleLbl name="parChTrans1D4">
+    <dgm:scene3d>
+      <a:camera prst="orthographicFront"/>
+      <a:lightRig rig="threePt" dir="t"/>
+    </dgm:scene3d>
+    <dgm:sp3d/>
+    <dgm:txPr/>
+    <dgm:style>
+      <a:lnRef idx="2">
+        <a:scrgbClr r="0" g="0" b="0"/>
+      </a:lnRef>
+      <a:fillRef idx="0">
+        <a:scrgbClr r="0" g="0" b="0"/>
+      </a:fillRef>
+      <a:effectRef idx="0">
+        <a:scrgbClr r="0" g="0" b="0"/>
+      </a:effectRef>
+      <a:fontRef idx="minor"/>
+    </dgm:style>
+  </dgm:styleLbl>
+  <dgm:styleLbl name="fgAcc1">
+    <dgm:scene3d>
+      <a:camera prst="orthographicFront"/>
+      <a:lightRig rig="threePt" dir="t"/>
+    </dgm:scene3d>
+    <dgm:sp3d/>
+    <dgm:txPr/>
+    <dgm:style>
+      <a:lnRef idx="2">
+        <a:scrgbClr r="0" g="0" b="0"/>
+      </a:lnRef>
+      <a:fillRef idx="1">
+        <a:scrgbClr r="0" g="0" b="0"/>
+      </a:fillRef>
+      <a:effectRef idx="0">
+        <a:scrgbClr r="0" g="0" b="0"/>
+      </a:effectRef>
+      <a:fontRef idx="minor"/>
+    </dgm:style>
+  </dgm:styleLbl>
+  <dgm:styleLbl name="conFgAcc1">
+    <dgm:scene3d>
+      <a:camera prst="orthographicFront"/>
+      <a:lightRig rig="threePt" dir="t"/>
+    </dgm:scene3d>
+    <dgm:sp3d/>
+    <dgm:txPr/>
+    <dgm:style>
+      <a:lnRef idx="2">
+        <a:scrgbClr r="0" g="0" b="0"/>
+      </a:lnRef>
+      <a:fillRef idx="1">
+        <a:scrgbClr r="0" g="0" b="0"/>
+      </a:fillRef>
+      <a:effectRef idx="0">
+        <a:scrgbClr r="0" g="0" b="0"/>
+      </a:effectRef>
+      <a:fontRef idx="minor"/>
+    </dgm:style>
+  </dgm:styleLbl>
+  <dgm:styleLbl name="alignAcc1">
+    <dgm:scene3d>
+      <a:camera prst="orthographicFront"/>
+      <a:lightRig rig="threePt" dir="t"/>
+    </dgm:scene3d>
+    <dgm:sp3d/>
+    <dgm:txPr/>
+    <dgm:style>
+      <a:lnRef idx="2">
+        <a:scrgbClr r="0" g="0" b="0"/>
+      </a:lnRef>
+      <a:fillRef idx="1">
+        <a:scrgbClr r="0" g="0" b="0"/>
+      </a:fillRef>
+      <a:effectRef idx="0">
+        <a:scrgbClr r="0" g="0" b="0"/>
+      </a:effectRef>
+      <a:fontRef idx="minor"/>
+    </dgm:style>
+  </dgm:styleLbl>
+  <dgm:styleLbl name="trAlignAcc1">
+    <dgm:scene3d>
+      <a:camera prst="orthographicFront"/>
+      <a:lightRig rig="threePt" dir="t"/>
+    </dgm:scene3d>
+    <dgm:sp3d/>
+    <dgm:txPr/>
+    <dgm:style>
+      <a:lnRef idx="1">
+        <a:scrgbClr r="0" g="0" b="0"/>
+      </a:lnRef>
+      <a:fillRef idx="1">
+        <a:scrgbClr r="0" g="0" b="0"/>
+      </a:fillRef>
+      <a:effectRef idx="0">
+        <a:scrgbClr r="0" g="0" b="0"/>
+      </a:effectRef>
+      <a:fontRef idx="minor"/>
+    </dgm:style>
+  </dgm:styleLbl>
+  <dgm:styleLbl name="bgAcc1">
+    <dgm:scene3d>
+      <a:camera prst="orthographicFront"/>
+      <a:lightRig rig="threePt" dir="t"/>
+    </dgm:scene3d>
+    <dgm:sp3d/>
+    <dgm:txPr/>
+    <dgm:style>
+      <a:lnRef idx="2">
+        <a:scrgbClr r="0" g="0" b="0"/>
+      </a:lnRef>
+      <a:fillRef idx="1">
+        <a:scrgbClr r="0" g="0" b="0"/>
+      </a:fillRef>
+      <a:effectRef idx="0">
+        <a:scrgbClr r="0" g="0" b="0"/>
+      </a:effectRef>
+      <a:fontRef idx="minor"/>
+    </dgm:style>
+  </dgm:styleLbl>
+  <dgm:styleLbl name="solidFgAcc1">
+    <dgm:scene3d>
+      <a:camera prst="orthographicFront"/>
+      <a:lightRig rig="threePt" dir="t"/>
+    </dgm:scene3d>
+    <dgm:sp3d/>
+    <dgm:txPr/>
+    <dgm:style>
+      <a:lnRef idx="2">
+        <a:scrgbClr r="0" g="0" b="0"/>
+      </a:lnRef>
+      <a:fillRef idx="1">
+        <a:scrgbClr r="0" g="0" b="0"/>
+      </a:fillRef>
+      <a:effectRef idx="0">
+        <a:scrgbClr r="0" g="0" b="0"/>
+      </a:effectRef>
+      <a:fontRef idx="minor"/>
+    </dgm:style>
+  </dgm:styleLbl>
+  <dgm:styleLbl name="solidAlignAcc1">
+    <dgm:scene3d>
+      <a:camera prst="orthographicFront"/>
+      <a:lightRig rig="threePt" dir="t"/>
+    </dgm:scene3d>
+    <dgm:sp3d/>
+    <dgm:txPr/>
+    <dgm:style>
+      <a:lnRef idx="2">
+        <a:scrgbClr r="0" g="0" b="0"/>
+      </a:lnRef>
+      <a:fillRef idx="1">
+        <a:scrgbClr r="0" g="0" b="0"/>
+      </a:fillRef>
+      <a:effectRef idx="0">
+        <a:scrgbClr r="0" g="0" b="0"/>
+      </a:effectRef>
+      <a:fontRef idx="minor"/>
+    </dgm:style>
+  </dgm:styleLbl>
+  <dgm:styleLbl name="solidBgAcc1">
+    <dgm:scene3d>
+      <a:camera prst="orthographicFront"/>
+      <a:lightRig rig="threePt" dir="t"/>
+    </dgm:scene3d>
+    <dgm:sp3d/>
+    <dgm:txPr/>
+    <dgm:style>
+      <a:lnRef idx="2">
+        <a:scrgbClr r="0" g="0" b="0"/>
+      </a:lnRef>
+      <a:fillRef idx="1">
+        <a:scrgbClr r="0" g="0" b="0"/>
+      </a:fillRef>
+      <a:effectRef idx="0">
+        <a:scrgbClr r="0" g="0" b="0"/>
+      </a:effectRef>
+      <a:fontRef idx="minor"/>
+    </dgm:style>
+  </dgm:styleLbl>
+  <dgm:styleLbl name="fgAccFollowNode1">
+    <dgm:scene3d>
+      <a:camera prst="orthographicFront"/>
+      <a:lightRig rig="threePt" dir="t"/>
+    </dgm:scene3d>
+    <dgm:sp3d/>
+    <dgm:txPr/>
+    <dgm:style>
+      <a:lnRef idx="2">
+        <a:scrgbClr r="0" g="0" b="0"/>
+      </a:lnRef>
+      <a:fillRef idx="1">
+        <a:scrgbClr r="0" g="0" b="0"/>
+      </a:fillRef>
+      <a:effectRef idx="0">
+        <a:scrgbClr r="0" g="0" b="0"/>
+      </a:effectRef>
+      <a:fontRef idx="minor"/>
+    </dgm:style>
+  </dgm:styleLbl>
+  <dgm:styleLbl name="alignAccFollowNode1">
+    <dgm:scene3d>
+      <a:camera prst="orthographicFront"/>
+      <a:lightRig rig="threePt" dir="t"/>
+    </dgm:scene3d>
+    <dgm:sp3d/>
+    <dgm:txPr/>
+    <dgm:style>
+      <a:lnRef idx="2">
+        <a:scrgbClr r="0" g="0" b="0"/>
+      </a:lnRef>
+      <a:fillRef idx="1">
+        <a:scrgbClr r="0" g="0" b="0"/>
+      </a:fillRef>
+      <a:effectRef idx="0">
+        <a:scrgbClr r="0" g="0" b="0"/>
+      </a:effectRef>
+      <a:fontRef idx="minor"/>
+    </dgm:style>
+  </dgm:styleLbl>
+  <dgm:styleLbl name="bgAccFollowNode1">
+    <dgm:scene3d>
+      <a:camera prst="orthographicFront"/>
+      <a:lightRig rig="threePt" dir="t"/>
+    </dgm:scene3d>
+    <dgm:sp3d/>
+    <dgm:txPr/>
+    <dgm:style>
+      <a:lnRef idx="2">
+        <a:scrgbClr r="0" g="0" b="0"/>
+      </a:lnRef>
+      <a:fillRef idx="1">
+        <a:scrgbClr r="0" g="0" b="0"/>
+      </a:fillRef>
+      <a:effectRef idx="0">
+        <a:scrgbClr r="0" g="0" b="0"/>
+      </a:effectRef>
+      <a:fontRef idx="minor"/>
+    </dgm:style>
+  </dgm:styleLbl>
+  <dgm:styleLbl name="fgAcc0">
+    <dgm:scene3d>
+      <a:camera prst="orthographicFront"/>
+      <a:lightRig rig="threePt" dir="t"/>
+    </dgm:scene3d>
+    <dgm:sp3d/>
+    <dgm:txPr/>
+    <dgm:style>
+      <a:lnRef idx="2">
+        <a:scrgbClr r="0" g="0" b="0"/>
+      </a:lnRef>
+      <a:fillRef idx="1">
+        <a:scrgbClr r="0" g="0" b="0"/>
+      </a:fillRef>
+      <a:effectRef idx="0">
+        <a:scrgbClr r="0" g="0" b="0"/>
+      </a:effectRef>
+      <a:fontRef idx="minor"/>
+    </dgm:style>
+  </dgm:styleLbl>
+  <dgm:styleLbl name="fgAcc2">
+    <dgm:scene3d>
+      <a:camera prst="orthographicFront"/>
+      <a:lightRig rig="threePt" dir="t"/>
+    </dgm:scene3d>
+    <dgm:sp3d/>
+    <dgm:txPr/>
+    <dgm:style>
+      <a:lnRef idx="2">
+        <a:scrgbClr r="0" g="0" b="0"/>
+      </a:lnRef>
+      <a:fillRef idx="1">
+        <a:scrgbClr r="0" g="0" b="0"/>
+      </a:fillRef>
+      <a:effectRef idx="0">
+        <a:scrgbClr r="0" g="0" b="0"/>
+      </a:effectRef>
+      <a:fontRef idx="minor"/>
+    </dgm:style>
+  </dgm:styleLbl>
+  <dgm:styleLbl name="fgAcc3">
+    <dgm:scene3d>
+      <a:camera prst="orthographicFront"/>
+      <a:lightRig rig="threePt" dir="t"/>
+    </dgm:scene3d>
+    <dgm:sp3d/>
+    <dgm:txPr/>
+    <dgm:style>
+      <a:lnRef idx="2">
+        <a:scrgbClr r="0" g="0" b="0"/>
+      </a:lnRef>
+      <a:fillRef idx="1">
+        <a:scrgbClr r="0" g="0" b="0"/>
+      </a:fillRef>
+      <a:effectRef idx="0">
+        <a:scrgbClr r="0" g="0" b="0"/>
+      </a:effectRef>
+      <a:fontRef idx="minor"/>
+    </dgm:style>
+  </dgm:styleLbl>
+  <dgm:styleLbl name="fgAcc4">
+    <dgm:scene3d>
+      <a:camera prst="orthographicFront"/>
+      <a:lightRig rig="threePt" dir="t"/>
+    </dgm:scene3d>
+    <dgm:sp3d/>
+    <dgm:txPr/>
+    <dgm:style>
+      <a:lnRef idx="2">
+        <a:scrgbClr r="0" g="0" b="0"/>
+      </a:lnRef>
+      <a:fillRef idx="1">
+        <a:scrgbClr r="0" g="0" b="0"/>
+      </a:fillRef>
+      <a:effectRef idx="0">
+        <a:scrgbClr r="0" g="0" b="0"/>
+      </a:effectRef>
+      <a:fontRef idx="minor"/>
+    </dgm:style>
+  </dgm:styleLbl>
+  <dgm:styleLbl name="bgShp">
+    <dgm:scene3d>
+      <a:camera prst="orthographicFront"/>
+      <a:lightRig rig="threePt" dir="t"/>
+    </dgm:scene3d>
+    <dgm:sp3d/>
+    <dgm:txPr/>
+    <dgm:style>
+      <a:lnRef idx="0">
+        <a:scrgbClr r="0" g="0" b="0"/>
+      </a:lnRef>
+      <a:fillRef idx="1">
+        <a:scrgbClr r="0" g="0" b="0"/>
+      </a:fillRef>
+      <a:effectRef idx="0">
+        <a:scrgbClr r="0" g="0" b="0"/>
+      </a:effectRef>
+      <a:fontRef idx="minor"/>
+    </dgm:style>
+  </dgm:styleLbl>
+  <dgm:styleLbl name="dkBgShp">
+    <dgm:scene3d>
+      <a:camera prst="orthographicFront"/>
+      <a:lightRig rig="threePt" dir="t"/>
+    </dgm:scene3d>
+    <dgm:sp3d/>
+    <dgm:txPr/>
+    <dgm:style>
+      <a:lnRef idx="0">
+        <a:scrgbClr r="0" g="0" b="0"/>
+      </a:lnRef>
+      <a:fillRef idx="1">
+        <a:scrgbClr r="0" g="0" b="0"/>
+      </a:fillRef>
+      <a:effectRef idx="0">
+        <a:scrgbClr r="0" g="0" b="0"/>
+      </a:effectRef>
+      <a:fontRef idx="minor"/>
+    </dgm:style>
+  </dgm:styleLbl>
+  <dgm:styleLbl name="trBgShp">
+    <dgm:scene3d>
+      <a:camera prst="orthographicFront"/>
+      <a:lightRig rig="threePt" dir="t"/>
+    </dgm:scene3d>
+    <dgm:sp3d/>
+    <dgm:txPr/>
+    <dgm:style>
+      <a:lnRef idx="0">
+        <a:scrgbClr r="0" g="0" b="0"/>
+      </a:lnRef>
+      <a:fillRef idx="1">
+        <a:scrgbClr r="0" g="0" b="0"/>
+      </a:fillRef>
+      <a:effectRef idx="0">
+        <a:scrgbClr r="0" g="0" b="0"/>
+      </a:effectRef>
+      <a:fontRef idx="minor"/>
+    </dgm:style>
+  </dgm:styleLbl>
+  <dgm:styleLbl name="fgShp">
+    <dgm:scene3d>
+      <a:camera prst="orthographicFront"/>
+      <a:lightRig rig="threePt" dir="t"/>
+    </dgm:scene3d>
+    <dgm:sp3d/>
+    <dgm:txPr/>
+    <dgm:style>
+      <a:lnRef idx="3">
+        <a:scrgbClr r="0" g="0" b="0"/>
+      </a:lnRef>
+      <a:fillRef idx="1">
+        <a:scrgbClr r="0" g="0" b="0"/>
+      </a:fillRef>
+      <a:effectRef idx="1">
+        <a:scrgbClr r="0" g="0" b="0"/>
+      </a:effectRef>
+      <a:fontRef idx="minor"/>
+    </dgm:style>
+  </dgm:styleLbl>
+  <dgm:styleLbl name="revTx">
+    <dgm:scene3d>
+      <a:camera prst="orthographicFront"/>
+      <a:lightRig rig="threePt" dir="t"/>
+    </dgm:scene3d>
+    <dgm:sp3d/>
+    <dgm:txPr/>
+    <dgm:style>
+      <a:lnRef idx="0">
+        <a:scrgbClr r="0" g="0" b="0"/>
+      </a:lnRef>
+      <a:fillRef idx="0">
+        <a:scrgbClr r="0" g="0" b="0"/>
+      </a:fillRef>
+      <a:effectRef idx="0">
+        <a:scrgbClr r="0" g="0" b="0"/>
+      </a:effectRef>
+      <a:fontRef idx="minor"/>
+    </dgm:style>
+  </dgm:styleLbl>
+</dgm:styleDef>
+</file>
+
+<file path=ppt/diagrams/quickStyle2.xml><?xml version="1.0" encoding="utf-8"?>
 <dgm:styleDef xmlns:dgm="http://schemas.openxmlformats.org/drawingml/2006/diagram" xmlns:a="http://schemas.openxmlformats.org/drawingml/2006/main" uniqueId="urn:microsoft.com/office/officeart/2005/8/quickstyle/simple1">
   <dgm:title val=""/>
   <dgm:desc val=""/>
@@ -4093,7 +7954,46 @@
           <a:p>
             <a:r>
               <a:rPr lang="en-US" dirty="0"/>
-              <a:t>Break and Enter and Robbery’s scatter pattern are consistent with the Toronto Crime Heat Map, they are most likely to occur in the most dangerous Downtown area. Auto Theft does not follow the same pattern and appeared to be scattered all over the city.</a:t>
+              <a:t>Google Places API was called to find police stations within 5000m of the top 10 </a:t>
+            </a:r>
+            <a:r>
+              <a:rPr lang="en-US" dirty="0" err="1"/>
+              <a:t>neighbourhoods</a:t>
+            </a:r>
+            <a:r>
+              <a:rPr lang="en-US" dirty="0"/>
+              <a:t> and these were added as marker symbols on the heatmap:</a:t>
+            </a:r>
+          </a:p>
+          <a:p>
+            <a:r>
+              <a:rPr lang="en-US" dirty="0"/>
+              <a:t>     ![crime-heatmap-markers](Image-Output/crime-heatmap-markers.png)   </a:t>
+            </a:r>
+          </a:p>
+          <a:p>
+            <a:endParaRPr lang="en-US" dirty="0"/>
+          </a:p>
+          <a:p>
+            <a:r>
+              <a:rPr lang="en-US" dirty="0"/>
+              <a:t>    - It appears that Toronto Police 52 Division is the nearest police station for 6 of the top 10 </a:t>
+            </a:r>
+            <a:r>
+              <a:rPr lang="en-US" dirty="0" err="1"/>
+              <a:t>neighbourhoods</a:t>
+            </a:r>
+            <a:r>
+              <a:rPr lang="en-US" dirty="0"/>
+              <a:t> with most crimes. This shows that the </a:t>
+            </a:r>
+            <a:r>
+              <a:rPr lang="en-US" dirty="0" err="1"/>
+              <a:t>neighbourhoods</a:t>
+            </a:r>
+            <a:r>
+              <a:rPr lang="en-US" dirty="0"/>
+              <a:t> are close to one another and also calls to question whether this particular division might be overwhelmed with crime incidents. It would be interesting to dive deeper and find out whether there is a correlation between crime rates and government funding for each police divisions.</a:t>
             </a:r>
           </a:p>
           <a:p>
@@ -4118,7 +8018,7 @@
           <a:p>
             <a:fld id="{80873457-8BE3-45C0-8852-50006BBD3D86}" type="slidenum">
               <a:rPr lang="en-CA" smtClean="0"/>
-              <a:t>13</a:t>
+              <a:t>12</a:t>
             </a:fld>
             <a:endParaRPr lang="en-CA"/>
           </a:p>
@@ -4127,7 +8027,7 @@
     </p:spTree>
     <p:extLst>
       <p:ext uri="{BB962C8B-B14F-4D97-AF65-F5344CB8AC3E}">
-        <p14:creationId xmlns:p14="http://schemas.microsoft.com/office/powerpoint/2010/main" val="3856743952"/>
+        <p14:creationId xmlns:p14="http://schemas.microsoft.com/office/powerpoint/2010/main" val="4061177503"/>
       </p:ext>
     </p:extLst>
   </p:cSld>
@@ -4183,32 +8083,10 @@
           <a:p>
             <a:r>
               <a:rPr lang="en-US" dirty="0"/>
-              <a:t>- Assaults in all premises are generally in an increasing trend</a:t>
+              <a:t>Break and Enter and Robbery’s scatter pattern are consistent with the Toronto Crime Heat Map, they are most likely to occur in the most dangerous Downtown area. Auto Theft does not follow the same pattern and appeared to be scattered all over the city.</a:t>
             </a:r>
           </a:p>
           <a:p>
-            <a:r>
-              <a:rPr lang="en-US" dirty="0"/>
-              <a:t>    </a:t>
-            </a:r>
-          </a:p>
-          <a:p>
-            <a:r>
-              <a:rPr lang="en-US" dirty="0"/>
-              <a:t>    - Assaults in apartments are most likely and is increasing at the highest rate</a:t>
-            </a:r>
-          </a:p>
-          <a:p>
-            <a:r>
-              <a:rPr lang="en-US" dirty="0"/>
-              <a:t>    </a:t>
-            </a:r>
-          </a:p>
-          <a:p>
-            <a:r>
-              <a:rPr lang="en-US" dirty="0"/>
-              <a:t>    - Assaults are almost three times more likely to happen in apartments than in houses</a:t>
-            </a:r>
             <a:endParaRPr lang="en-CA" dirty="0"/>
           </a:p>
         </p:txBody>
@@ -4230,7 +8108,7 @@
           <a:p>
             <a:fld id="{80873457-8BE3-45C0-8852-50006BBD3D86}" type="slidenum">
               <a:rPr lang="en-CA" smtClean="0"/>
-              <a:t>14</a:t>
+              <a:t>13</a:t>
             </a:fld>
             <a:endParaRPr lang="en-CA"/>
           </a:p>
@@ -4239,7 +8117,7 @@
     </p:spTree>
     <p:extLst>
       <p:ext uri="{BB962C8B-B14F-4D97-AF65-F5344CB8AC3E}">
-        <p14:creationId xmlns:p14="http://schemas.microsoft.com/office/powerpoint/2010/main" val="4012328082"/>
+        <p14:creationId xmlns:p14="http://schemas.microsoft.com/office/powerpoint/2010/main" val="3856743952"/>
       </p:ext>
     </p:extLst>
   </p:cSld>
@@ -4295,7 +8173,7 @@
           <a:p>
             <a:r>
               <a:rPr lang="en-US" dirty="0"/>
-              <a:t> For Break and Enter (B&amp;E), in 2014, there are almost twice the incidents happening in houses compared with Commercial or Apartment premises.</a:t>
+              <a:t>- Assaults in all premises are generally in an increasing trend</a:t>
             </a:r>
           </a:p>
           <a:p>
@@ -4307,7 +8185,7 @@
           <a:p>
             <a:r>
               <a:rPr lang="en-US" dirty="0"/>
-              <a:t>    - However, House B&amp;Es are decreasing over time while commercial B&amp;Es are increasing. At the end of 2019, there are almost 1000 more B&amp;E cases for commercial than houses</a:t>
+              <a:t>    - Assaults in apartments are most likely and is increasing at the highest rate</a:t>
             </a:r>
           </a:p>
           <a:p>
@@ -4319,22 +8197,8 @@
           <a:p>
             <a:r>
               <a:rPr lang="en-US" dirty="0"/>
-              <a:t>    - There is a decrease in the number of incidents for apartments from 2015 to 2016 and this then started increasing at a steady rate since 2016, finally become more rampant than house B&amp;Es.</a:t>
+              <a:t>    - Assaults are almost three times more likely to happen in apartments than in houses</a:t>
             </a:r>
-          </a:p>
-          <a:p>
-            <a:r>
-              <a:rPr lang="en-US" dirty="0"/>
-              <a:t>    </a:t>
-            </a:r>
-          </a:p>
-          <a:p>
-            <a:r>
-              <a:rPr lang="en-US" dirty="0"/>
-              <a:t>    - Even though House B&amp;Es are decreasing over the years, the pie chart shows that it still has the highest total number of incidents.</a:t>
-            </a:r>
-          </a:p>
-          <a:p>
             <a:endParaRPr lang="en-CA" dirty="0"/>
           </a:p>
         </p:txBody>
@@ -4356,7 +8220,7 @@
           <a:p>
             <a:fld id="{80873457-8BE3-45C0-8852-50006BBD3D86}" type="slidenum">
               <a:rPr lang="en-CA" smtClean="0"/>
-              <a:t>15</a:t>
+              <a:t>14</a:t>
             </a:fld>
             <a:endParaRPr lang="en-CA"/>
           </a:p>
@@ -4365,7 +8229,7 @@
     </p:spTree>
     <p:extLst>
       <p:ext uri="{BB962C8B-B14F-4D97-AF65-F5344CB8AC3E}">
-        <p14:creationId xmlns:p14="http://schemas.microsoft.com/office/powerpoint/2010/main" val="817512946"/>
+        <p14:creationId xmlns:p14="http://schemas.microsoft.com/office/powerpoint/2010/main" val="4012328082"/>
       </p:ext>
     </p:extLst>
   </p:cSld>
@@ -4421,7 +8285,7 @@
           <a:p>
             <a:r>
               <a:rPr lang="en-US" dirty="0"/>
-              <a:t> Incidents in apartment and houses are pretty steady over the six years.</a:t>
+              <a:t> For Break and Enter (B&amp;E), in 2014, there are almost twice the incidents happening in houses compared with Commercial or Apartment premises.</a:t>
             </a:r>
           </a:p>
           <a:p>
@@ -4433,7 +8297,7 @@
           <a:p>
             <a:r>
               <a:rPr lang="en-US" dirty="0"/>
-              <a:t>    - Majority of robberies happen outside and in commercial areas</a:t>
+              <a:t>    - However, House B&amp;Es are decreasing over time while commercial B&amp;Es are increasing. At the end of 2019, there are almost 1000 more B&amp;E cases for commercial than houses</a:t>
             </a:r>
           </a:p>
           <a:p>
@@ -4445,15 +8309,7 @@
           <a:p>
             <a:r>
               <a:rPr lang="en-US" dirty="0"/>
-              <a:t>    - Robberies happening outside started to decrease from 2017, however, it is still twice as much incidents as the second popular premise-</a:t>
-            </a:r>
-            <a:r>
-              <a:rPr lang="en-US" dirty="0" err="1"/>
-              <a:t>commerical</a:t>
-            </a:r>
-            <a:r>
-              <a:rPr lang="en-US" dirty="0"/>
-              <a:t> by the end of 2019</a:t>
+              <a:t>    - There is a decrease in the number of incidents for apartments from 2015 to 2016 and this then started increasing at a steady rate since 2016, finally become more rampant than house B&amp;Es.</a:t>
             </a:r>
           </a:p>
           <a:p>
@@ -4465,8 +8321,10 @@
           <a:p>
             <a:r>
               <a:rPr lang="en-US" dirty="0"/>
-              <a:t>    - Robbery is three times more likely to happen in apartments than in houses</a:t>
+              <a:t>    - Even though House B&amp;Es are decreasing over the years, the pie chart shows that it still has the highest total number of incidents.</a:t>
             </a:r>
+          </a:p>
+          <a:p>
             <a:endParaRPr lang="en-CA" dirty="0"/>
           </a:p>
         </p:txBody>
@@ -4488,6 +8346,138 @@
           <a:p>
             <a:fld id="{80873457-8BE3-45C0-8852-50006BBD3D86}" type="slidenum">
               <a:rPr lang="en-CA" smtClean="0"/>
+              <a:t>15</a:t>
+            </a:fld>
+            <a:endParaRPr lang="en-CA"/>
+          </a:p>
+        </p:txBody>
+      </p:sp>
+    </p:spTree>
+    <p:extLst>
+      <p:ext uri="{BB962C8B-B14F-4D97-AF65-F5344CB8AC3E}">
+        <p14:creationId xmlns:p14="http://schemas.microsoft.com/office/powerpoint/2010/main" val="817512946"/>
+      </p:ext>
+    </p:extLst>
+  </p:cSld>
+  <p:clrMapOvr>
+    <a:masterClrMapping/>
+  </p:clrMapOvr>
+</p:notes>
+</file>
+
+<file path=ppt/notesSlides/notesSlide14.xml><?xml version="1.0" encoding="utf-8"?>
+<p:notes xmlns:a="http://schemas.openxmlformats.org/drawingml/2006/main" xmlns:r="http://schemas.openxmlformats.org/officeDocument/2006/relationships" xmlns:p="http://schemas.openxmlformats.org/presentationml/2006/main">
+  <p:cSld>
+    <p:spTree>
+      <p:nvGrpSpPr>
+        <p:cNvPr id="1" name=""/>
+        <p:cNvGrpSpPr/>
+        <p:nvPr/>
+      </p:nvGrpSpPr>
+      <p:grpSpPr>
+        <a:xfrm>
+          <a:off x="0" y="0"/>
+          <a:ext cx="0" cy="0"/>
+          <a:chOff x="0" y="0"/>
+          <a:chExt cx="0" cy="0"/>
+        </a:xfrm>
+      </p:grpSpPr>
+      <p:sp>
+        <p:nvSpPr>
+          <p:cNvPr id="2" name="Slide Image Placeholder 1"/>
+          <p:cNvSpPr>
+            <a:spLocks noGrp="1" noRot="1" noChangeAspect="1"/>
+          </p:cNvSpPr>
+          <p:nvPr>
+            <p:ph type="sldImg"/>
+          </p:nvPr>
+        </p:nvSpPr>
+        <p:spPr/>
+      </p:sp>
+      <p:sp>
+        <p:nvSpPr>
+          <p:cNvPr id="3" name="Notes Placeholder 2"/>
+          <p:cNvSpPr>
+            <a:spLocks noGrp="1"/>
+          </p:cNvSpPr>
+          <p:nvPr>
+            <p:ph type="body" idx="1"/>
+          </p:nvPr>
+        </p:nvSpPr>
+        <p:spPr/>
+        <p:txBody>
+          <a:bodyPr/>
+          <a:lstStyle/>
+          <a:p>
+            <a:r>
+              <a:rPr lang="en-US" dirty="0"/>
+              <a:t> Incidents in apartment and houses are pretty steady over the six years.</a:t>
+            </a:r>
+          </a:p>
+          <a:p>
+            <a:r>
+              <a:rPr lang="en-US" dirty="0"/>
+              <a:t>    </a:t>
+            </a:r>
+          </a:p>
+          <a:p>
+            <a:r>
+              <a:rPr lang="en-US" dirty="0"/>
+              <a:t>    - Majority of robberies happen outside and in commercial areas</a:t>
+            </a:r>
+          </a:p>
+          <a:p>
+            <a:r>
+              <a:rPr lang="en-US" dirty="0"/>
+              <a:t>    </a:t>
+            </a:r>
+          </a:p>
+          <a:p>
+            <a:r>
+              <a:rPr lang="en-US" dirty="0"/>
+              <a:t>    - Robberies happening outside started to decrease from 2017, however, it is still twice as much incidents as the second popular premise-</a:t>
+            </a:r>
+            <a:r>
+              <a:rPr lang="en-US" dirty="0" err="1"/>
+              <a:t>commerical</a:t>
+            </a:r>
+            <a:r>
+              <a:rPr lang="en-US" dirty="0"/>
+              <a:t> by the end of 2019</a:t>
+            </a:r>
+          </a:p>
+          <a:p>
+            <a:r>
+              <a:rPr lang="en-US" dirty="0"/>
+              <a:t>    </a:t>
+            </a:r>
+          </a:p>
+          <a:p>
+            <a:r>
+              <a:rPr lang="en-US" dirty="0"/>
+              <a:t>    - Robbery is three times more likely to happen in apartments than in houses</a:t>
+            </a:r>
+            <a:endParaRPr lang="en-CA" dirty="0"/>
+          </a:p>
+        </p:txBody>
+      </p:sp>
+      <p:sp>
+        <p:nvSpPr>
+          <p:cNvPr id="4" name="Slide Number Placeholder 3"/>
+          <p:cNvSpPr>
+            <a:spLocks noGrp="1"/>
+          </p:cNvSpPr>
+          <p:nvPr>
+            <p:ph type="sldNum" sz="quarter" idx="5"/>
+          </p:nvPr>
+        </p:nvSpPr>
+        <p:spPr/>
+        <p:txBody>
+          <a:bodyPr/>
+          <a:lstStyle/>
+          <a:p>
+            <a:fld id="{80873457-8BE3-45C0-8852-50006BBD3D86}" type="slidenum">
+              <a:rPr lang="en-CA" smtClean="0"/>
               <a:t>16</a:t>
             </a:fld>
             <a:endParaRPr lang="en-CA"/>
@@ -4507,7 +8497,7 @@
 </p:notes>
 </file>
 
-<file path=ppt/notesSlides/notesSlide14.xml><?xml version="1.0" encoding="utf-8"?>
+<file path=ppt/notesSlides/notesSlide15.xml><?xml version="1.0" encoding="utf-8"?>
 <p:notes xmlns:a="http://schemas.openxmlformats.org/drawingml/2006/main" xmlns:r="http://schemas.openxmlformats.org/officeDocument/2006/relationships" xmlns:p="http://schemas.openxmlformats.org/presentationml/2006/main">
   <p:cSld>
     <p:spTree>
@@ -4647,627 +8637,6 @@
           <a:bodyPr/>
           <a:lstStyle/>
           <a:p>
-            <a:pPr marL="0" marR="0">
-              <a:spcBef>
-                <a:spcPts val="0"/>
-              </a:spcBef>
-              <a:spcAft>
-                <a:spcPts val="0"/>
-              </a:spcAft>
-            </a:pPr>
-            <a:r>
-              <a:rPr lang="en-US" sz="1200" dirty="0">
-                <a:effectLst/>
-                <a:latin typeface="Calibri" panose="020F0502020204030204" pitchFamily="34" charset="0"/>
-                <a:ea typeface="Calibri" panose="020F0502020204030204" pitchFamily="34" charset="0"/>
-                <a:cs typeface="Arial" panose="020B0604020202020204" pitchFamily="34" charset="0"/>
-              </a:rPr>
-              <a:t> </a:t>
-            </a:r>
-            <a:endParaRPr lang="en-CA" sz="1200" dirty="0">
-              <a:effectLst/>
-              <a:latin typeface="Calibri" panose="020F0502020204030204" pitchFamily="34" charset="0"/>
-              <a:ea typeface="Calibri" panose="020F0502020204030204" pitchFamily="34" charset="0"/>
-              <a:cs typeface="Arial" panose="020B0604020202020204" pitchFamily="34" charset="0"/>
-            </a:endParaRPr>
-          </a:p>
-          <a:p>
-            <a:pPr marL="0" marR="0">
-              <a:spcBef>
-                <a:spcPts val="0"/>
-              </a:spcBef>
-              <a:spcAft>
-                <a:spcPts val="0"/>
-              </a:spcAft>
-            </a:pPr>
-            <a:r>
-              <a:rPr lang="en-US" sz="1200" b="1" dirty="0">
-                <a:effectLst/>
-                <a:latin typeface="Calibri" panose="020F0502020204030204" pitchFamily="34" charset="0"/>
-                <a:ea typeface="Calibri" panose="020F0502020204030204" pitchFamily="34" charset="0"/>
-                <a:cs typeface="Arial" panose="020B0604020202020204" pitchFamily="34" charset="0"/>
-              </a:rPr>
-              <a:t>RESEARCH QUESTIONS</a:t>
-            </a:r>
-            <a:endParaRPr lang="en-CA" sz="1200" dirty="0">
-              <a:effectLst/>
-              <a:latin typeface="Calibri" panose="020F0502020204030204" pitchFamily="34" charset="0"/>
-              <a:ea typeface="Calibri" panose="020F0502020204030204" pitchFamily="34" charset="0"/>
-              <a:cs typeface="Arial" panose="020B0604020202020204" pitchFamily="34" charset="0"/>
-            </a:endParaRPr>
-          </a:p>
-          <a:p>
-            <a:pPr marL="0" marR="0">
-              <a:spcBef>
-                <a:spcPts val="0"/>
-              </a:spcBef>
-              <a:spcAft>
-                <a:spcPts val="0"/>
-              </a:spcAft>
-            </a:pPr>
-            <a:r>
-              <a:rPr lang="en-US" sz="1200" dirty="0">
-                <a:effectLst/>
-                <a:latin typeface="Calibri" panose="020F0502020204030204" pitchFamily="34" charset="0"/>
-                <a:ea typeface="Calibri" panose="020F0502020204030204" pitchFamily="34" charset="0"/>
-                <a:cs typeface="Arial" panose="020B0604020202020204" pitchFamily="34" charset="0"/>
-              </a:rPr>
-              <a:t> </a:t>
-            </a:r>
-            <a:endParaRPr lang="en-CA" sz="1200" dirty="0">
-              <a:effectLst/>
-              <a:latin typeface="Calibri" panose="020F0502020204030204" pitchFamily="34" charset="0"/>
-              <a:ea typeface="Calibri" panose="020F0502020204030204" pitchFamily="34" charset="0"/>
-              <a:cs typeface="Arial" panose="020B0604020202020204" pitchFamily="34" charset="0"/>
-            </a:endParaRPr>
-          </a:p>
-          <a:p>
-            <a:pPr marL="342900" marR="0" lvl="0" indent="-342900">
-              <a:spcBef>
-                <a:spcPts val="0"/>
-              </a:spcBef>
-              <a:spcAft>
-                <a:spcPts val="0"/>
-              </a:spcAft>
-              <a:buFont typeface="+mj-lt"/>
-              <a:buAutoNum type="arabicPeriod"/>
-            </a:pPr>
-            <a:r>
-              <a:rPr lang="en-US" sz="1200" dirty="0">
-                <a:effectLst/>
-                <a:latin typeface="Calibri" panose="020F0502020204030204" pitchFamily="34" charset="0"/>
-                <a:ea typeface="Calibri" panose="020F0502020204030204" pitchFamily="34" charset="0"/>
-                <a:cs typeface="Arial" panose="020B0604020202020204" pitchFamily="34" charset="0"/>
-              </a:rPr>
-              <a:t>	            a. What are the most common / least common crimes in Toronto?</a:t>
-            </a:r>
-            <a:endParaRPr lang="en-CA" sz="1200" dirty="0">
-              <a:effectLst/>
-              <a:latin typeface="Calibri" panose="020F0502020204030204" pitchFamily="34" charset="0"/>
-              <a:ea typeface="Calibri" panose="020F0502020204030204" pitchFamily="34" charset="0"/>
-              <a:cs typeface="Arial" panose="020B0604020202020204" pitchFamily="34" charset="0"/>
-            </a:endParaRPr>
-          </a:p>
-          <a:p>
-            <a:pPr marL="886460" marR="0">
-              <a:spcBef>
-                <a:spcPts val="0"/>
-              </a:spcBef>
-              <a:spcAft>
-                <a:spcPts val="0"/>
-              </a:spcAft>
-            </a:pPr>
-            <a:r>
-              <a:rPr lang="en-US" sz="1200" dirty="0">
-                <a:effectLst/>
-                <a:latin typeface="Calibri" panose="020F0502020204030204" pitchFamily="34" charset="0"/>
-                <a:ea typeface="Calibri" panose="020F0502020204030204" pitchFamily="34" charset="0"/>
-                <a:cs typeface="Arial" panose="020B0604020202020204" pitchFamily="34" charset="0"/>
-              </a:rPr>
-              <a:t>b. What are the total number of crimes in 2014-2019 and are there any trends?</a:t>
-            </a:r>
-            <a:endParaRPr lang="en-CA" sz="1200" dirty="0">
-              <a:effectLst/>
-              <a:latin typeface="Calibri" panose="020F0502020204030204" pitchFamily="34" charset="0"/>
-              <a:ea typeface="Calibri" panose="020F0502020204030204" pitchFamily="34" charset="0"/>
-              <a:cs typeface="Arial" panose="020B0604020202020204" pitchFamily="34" charset="0"/>
-            </a:endParaRPr>
-          </a:p>
-          <a:p>
-            <a:pPr marL="270510" marR="0">
-              <a:spcBef>
-                <a:spcPts val="0"/>
-              </a:spcBef>
-              <a:spcAft>
-                <a:spcPts val="0"/>
-              </a:spcAft>
-            </a:pPr>
-            <a:r>
-              <a:rPr lang="en-US" sz="1200" dirty="0">
-                <a:effectLst/>
-                <a:latin typeface="Calibri" panose="020F0502020204030204" pitchFamily="34" charset="0"/>
-                <a:ea typeface="Calibri" panose="020F0502020204030204" pitchFamily="34" charset="0"/>
-                <a:cs typeface="Arial" panose="020B0604020202020204" pitchFamily="34" charset="0"/>
-              </a:rPr>
-              <a:t> </a:t>
-            </a:r>
-            <a:endParaRPr lang="en-CA" sz="1200" dirty="0">
-              <a:effectLst/>
-              <a:latin typeface="Calibri" panose="020F0502020204030204" pitchFamily="34" charset="0"/>
-              <a:ea typeface="Calibri" panose="020F0502020204030204" pitchFamily="34" charset="0"/>
-              <a:cs typeface="Arial" panose="020B0604020202020204" pitchFamily="34" charset="0"/>
-            </a:endParaRPr>
-          </a:p>
-          <a:p>
-            <a:pPr marL="342900" marR="0" lvl="0" indent="-342900">
-              <a:spcBef>
-                <a:spcPts val="0"/>
-              </a:spcBef>
-              <a:spcAft>
-                <a:spcPts val="0"/>
-              </a:spcAft>
-              <a:buFont typeface="+mj-lt"/>
-              <a:buAutoNum type="arabicPeriod"/>
-            </a:pPr>
-            <a:r>
-              <a:rPr lang="en-US" sz="1200" dirty="0">
-                <a:effectLst/>
-                <a:latin typeface="Calibri" panose="020F0502020204030204" pitchFamily="34" charset="0"/>
-                <a:ea typeface="Calibri" panose="020F0502020204030204" pitchFamily="34" charset="0"/>
-                <a:cs typeface="Arial" panose="020B0604020202020204" pitchFamily="34" charset="0"/>
-              </a:rPr>
-              <a:t>What time of the year the frequency of crime is highest?</a:t>
-            </a:r>
-            <a:endParaRPr lang="en-CA" sz="1200" dirty="0">
-              <a:effectLst/>
-              <a:latin typeface="Calibri" panose="020F0502020204030204" pitchFamily="34" charset="0"/>
-              <a:ea typeface="Calibri" panose="020F0502020204030204" pitchFamily="34" charset="0"/>
-              <a:cs typeface="Arial" panose="020B0604020202020204" pitchFamily="34" charset="0"/>
-            </a:endParaRPr>
-          </a:p>
-          <a:p>
-            <a:pPr marL="742950" marR="0" lvl="1" indent="-285750">
-              <a:spcBef>
-                <a:spcPts val="0"/>
-              </a:spcBef>
-              <a:spcAft>
-                <a:spcPts val="0"/>
-              </a:spcAft>
-              <a:buFont typeface="+mj-lt"/>
-              <a:buAutoNum type="alphaLcPeriod"/>
-            </a:pPr>
-            <a:r>
-              <a:rPr lang="en-US" sz="1200" dirty="0">
-                <a:effectLst/>
-                <a:latin typeface="Calibri" panose="020F0502020204030204" pitchFamily="34" charset="0"/>
-                <a:ea typeface="Calibri" panose="020F0502020204030204" pitchFamily="34" charset="0"/>
-                <a:cs typeface="Arial" panose="020B0604020202020204" pitchFamily="34" charset="0"/>
-              </a:rPr>
-              <a:t>Relationship between crime and different seasons</a:t>
-            </a:r>
-            <a:endParaRPr lang="en-CA" sz="1200" dirty="0">
-              <a:effectLst/>
-              <a:latin typeface="Calibri" panose="020F0502020204030204" pitchFamily="34" charset="0"/>
-              <a:ea typeface="Calibri" panose="020F0502020204030204" pitchFamily="34" charset="0"/>
-              <a:cs typeface="Arial" panose="020B0604020202020204" pitchFamily="34" charset="0"/>
-            </a:endParaRPr>
-          </a:p>
-          <a:p>
-            <a:pPr marL="742950" marR="0" lvl="1" indent="-285750">
-              <a:spcBef>
-                <a:spcPts val="0"/>
-              </a:spcBef>
-              <a:spcAft>
-                <a:spcPts val="0"/>
-              </a:spcAft>
-              <a:buFont typeface="+mj-lt"/>
-              <a:buAutoNum type="alphaLcPeriod"/>
-            </a:pPr>
-            <a:r>
-              <a:rPr lang="en-US" sz="1200" dirty="0">
-                <a:effectLst/>
-                <a:latin typeface="Calibri" panose="020F0502020204030204" pitchFamily="34" charset="0"/>
-                <a:ea typeface="Calibri" panose="020F0502020204030204" pitchFamily="34" charset="0"/>
-                <a:cs typeface="Arial" panose="020B0604020202020204" pitchFamily="34" charset="0"/>
-              </a:rPr>
-              <a:t>Relationship between crime and time of the day</a:t>
-            </a:r>
-            <a:endParaRPr lang="en-CA" sz="1200" dirty="0">
-              <a:effectLst/>
-              <a:latin typeface="Calibri" panose="020F0502020204030204" pitchFamily="34" charset="0"/>
-              <a:ea typeface="Calibri" panose="020F0502020204030204" pitchFamily="34" charset="0"/>
-              <a:cs typeface="Arial" panose="020B0604020202020204" pitchFamily="34" charset="0"/>
-            </a:endParaRPr>
-          </a:p>
-          <a:p>
-            <a:pPr marL="1115060" marR="0">
-              <a:spcBef>
-                <a:spcPts val="0"/>
-              </a:spcBef>
-              <a:spcAft>
-                <a:spcPts val="0"/>
-              </a:spcAft>
-            </a:pPr>
-            <a:r>
-              <a:rPr lang="en-US" sz="1200" dirty="0">
-                <a:effectLst/>
-                <a:latin typeface="Calibri" panose="020F0502020204030204" pitchFamily="34" charset="0"/>
-                <a:ea typeface="Calibri" panose="020F0502020204030204" pitchFamily="34" charset="0"/>
-                <a:cs typeface="Arial" panose="020B0604020202020204" pitchFamily="34" charset="0"/>
-              </a:rPr>
-              <a:t> </a:t>
-            </a:r>
-            <a:endParaRPr lang="en-CA" sz="1200" dirty="0">
-              <a:effectLst/>
-              <a:latin typeface="Calibri" panose="020F0502020204030204" pitchFamily="34" charset="0"/>
-              <a:ea typeface="Calibri" panose="020F0502020204030204" pitchFamily="34" charset="0"/>
-              <a:cs typeface="Arial" panose="020B0604020202020204" pitchFamily="34" charset="0"/>
-            </a:endParaRPr>
-          </a:p>
-          <a:p>
-            <a:pPr marL="342900" marR="0" lvl="0" indent="-342900">
-              <a:spcBef>
-                <a:spcPts val="0"/>
-              </a:spcBef>
-              <a:spcAft>
-                <a:spcPts val="0"/>
-              </a:spcAft>
-              <a:buFont typeface="+mj-lt"/>
-              <a:buAutoNum type="arabicPeriod"/>
-            </a:pPr>
-            <a:r>
-              <a:rPr lang="en-US" sz="1200" dirty="0">
-                <a:effectLst/>
-                <a:latin typeface="Calibri" panose="020F0502020204030204" pitchFamily="34" charset="0"/>
-                <a:ea typeface="Calibri" panose="020F0502020204030204" pitchFamily="34" charset="0"/>
-                <a:cs typeface="Arial" panose="020B0604020202020204" pitchFamily="34" charset="0"/>
-              </a:rPr>
-              <a:t>Crime by neighborhoods</a:t>
-            </a:r>
-            <a:endParaRPr lang="en-CA" sz="1200" dirty="0">
-              <a:effectLst/>
-              <a:latin typeface="Calibri" panose="020F0502020204030204" pitchFamily="34" charset="0"/>
-              <a:ea typeface="Calibri" panose="020F0502020204030204" pitchFamily="34" charset="0"/>
-              <a:cs typeface="Arial" panose="020B0604020202020204" pitchFamily="34" charset="0"/>
-            </a:endParaRPr>
-          </a:p>
-          <a:p>
-            <a:pPr marL="742950" marR="0" lvl="1" indent="-285750">
-              <a:spcBef>
-                <a:spcPts val="0"/>
-              </a:spcBef>
-              <a:spcAft>
-                <a:spcPts val="0"/>
-              </a:spcAft>
-              <a:buFont typeface="+mj-lt"/>
-              <a:buAutoNum type="alphaLcPeriod"/>
-            </a:pPr>
-            <a:r>
-              <a:rPr lang="en-US" sz="1200" dirty="0">
-                <a:effectLst/>
-                <a:latin typeface="Calibri" panose="020F0502020204030204" pitchFamily="34" charset="0"/>
-                <a:ea typeface="Calibri" panose="020F0502020204030204" pitchFamily="34" charset="0"/>
-                <a:cs typeface="Arial" panose="020B0604020202020204" pitchFamily="34" charset="0"/>
-              </a:rPr>
-              <a:t>Which neighborhoods experience the highest and lowest crime rates in Toronto? </a:t>
-            </a:r>
-            <a:endParaRPr lang="en-CA" sz="1200" dirty="0">
-              <a:effectLst/>
-              <a:latin typeface="Calibri" panose="020F0502020204030204" pitchFamily="34" charset="0"/>
-              <a:ea typeface="Calibri" panose="020F0502020204030204" pitchFamily="34" charset="0"/>
-              <a:cs typeface="Arial" panose="020B0604020202020204" pitchFamily="34" charset="0"/>
-            </a:endParaRPr>
-          </a:p>
-          <a:p>
-            <a:pPr marL="742950" marR="0" lvl="1" indent="-285750">
-              <a:spcBef>
-                <a:spcPts val="0"/>
-              </a:spcBef>
-              <a:spcAft>
-                <a:spcPts val="0"/>
-              </a:spcAft>
-              <a:buFont typeface="+mj-lt"/>
-              <a:buAutoNum type="alphaLcPeriod"/>
-            </a:pPr>
-            <a:r>
-              <a:rPr lang="en-US" sz="1200" dirty="0">
-                <a:effectLst/>
-                <a:latin typeface="Calibri" panose="020F0502020204030204" pitchFamily="34" charset="0"/>
-                <a:ea typeface="Calibri" panose="020F0502020204030204" pitchFamily="34" charset="0"/>
-                <a:cs typeface="Arial" panose="020B0604020202020204" pitchFamily="34" charset="0"/>
-              </a:rPr>
-              <a:t>How close were police stations to where the crime occurred?</a:t>
-            </a:r>
-            <a:endParaRPr lang="en-CA" sz="1200" dirty="0">
-              <a:effectLst/>
-              <a:latin typeface="Calibri" panose="020F0502020204030204" pitchFamily="34" charset="0"/>
-              <a:ea typeface="Calibri" panose="020F0502020204030204" pitchFamily="34" charset="0"/>
-              <a:cs typeface="Arial" panose="020B0604020202020204" pitchFamily="34" charset="0"/>
-            </a:endParaRPr>
-          </a:p>
-          <a:p>
-            <a:pPr marL="742950" marR="0" lvl="1" indent="-285750">
-              <a:spcBef>
-                <a:spcPts val="0"/>
-              </a:spcBef>
-              <a:spcAft>
-                <a:spcPts val="0"/>
-              </a:spcAft>
-              <a:buFont typeface="+mj-lt"/>
-              <a:buAutoNum type="alphaLcPeriod"/>
-            </a:pPr>
-            <a:r>
-              <a:rPr lang="en-US" sz="1200" dirty="0">
-                <a:effectLst/>
-                <a:latin typeface="Calibri" panose="020F0502020204030204" pitchFamily="34" charset="0"/>
-                <a:ea typeface="Calibri" panose="020F0502020204030204" pitchFamily="34" charset="0"/>
-                <a:cs typeface="Arial" panose="020B0604020202020204" pitchFamily="34" charset="0"/>
-              </a:rPr>
-              <a:t>Where in Toronto are Auto Theft, Break and Enter and Robbery likely to occur?</a:t>
-            </a:r>
-            <a:endParaRPr lang="en-CA" sz="1200" dirty="0">
-              <a:effectLst/>
-              <a:latin typeface="Calibri" panose="020F0502020204030204" pitchFamily="34" charset="0"/>
-              <a:ea typeface="Calibri" panose="020F0502020204030204" pitchFamily="34" charset="0"/>
-              <a:cs typeface="Arial" panose="020B0604020202020204" pitchFamily="34" charset="0"/>
-            </a:endParaRPr>
-          </a:p>
-          <a:p>
-            <a:pPr marL="914400" marR="0">
-              <a:spcBef>
-                <a:spcPts val="0"/>
-              </a:spcBef>
-              <a:spcAft>
-                <a:spcPts val="0"/>
-              </a:spcAft>
-            </a:pPr>
-            <a:r>
-              <a:rPr lang="en-US" sz="1200" dirty="0">
-                <a:effectLst/>
-                <a:latin typeface="Calibri" panose="020F0502020204030204" pitchFamily="34" charset="0"/>
-                <a:ea typeface="Calibri" panose="020F0502020204030204" pitchFamily="34" charset="0"/>
-                <a:cs typeface="Arial" panose="020B0604020202020204" pitchFamily="34" charset="0"/>
-              </a:rPr>
-              <a:t> </a:t>
-            </a:r>
-            <a:endParaRPr lang="en-CA" sz="1200" dirty="0">
-              <a:effectLst/>
-              <a:latin typeface="Calibri" panose="020F0502020204030204" pitchFamily="34" charset="0"/>
-              <a:ea typeface="Calibri" panose="020F0502020204030204" pitchFamily="34" charset="0"/>
-              <a:cs typeface="Arial" panose="020B0604020202020204" pitchFamily="34" charset="0"/>
-            </a:endParaRPr>
-          </a:p>
-          <a:p>
-            <a:pPr marL="342900" marR="0" lvl="0" indent="-342900">
-              <a:spcBef>
-                <a:spcPts val="0"/>
-              </a:spcBef>
-              <a:spcAft>
-                <a:spcPts val="0"/>
-              </a:spcAft>
-              <a:buFont typeface="+mj-lt"/>
-              <a:buAutoNum type="arabicPeriod"/>
-            </a:pPr>
-            <a:r>
-              <a:rPr lang="en-US" sz="1200" dirty="0">
-                <a:effectLst/>
-                <a:latin typeface="Calibri" panose="020F0502020204030204" pitchFamily="34" charset="0"/>
-                <a:ea typeface="Calibri" panose="020F0502020204030204" pitchFamily="34" charset="0"/>
-                <a:cs typeface="Arial" panose="020B0604020202020204" pitchFamily="34" charset="0"/>
-              </a:rPr>
-              <a:t>In what kinds of properties do the following crimes occur? (house, commercial, apartment, </a:t>
-            </a:r>
-            <a:r>
-              <a:rPr lang="en-US" sz="1200" dirty="0" err="1">
-                <a:effectLst/>
-                <a:latin typeface="Calibri" panose="020F0502020204030204" pitchFamily="34" charset="0"/>
-                <a:ea typeface="Calibri" panose="020F0502020204030204" pitchFamily="34" charset="0"/>
-                <a:cs typeface="Arial" panose="020B0604020202020204" pitchFamily="34" charset="0"/>
-              </a:rPr>
-              <a:t>etc</a:t>
-            </a:r>
-            <a:r>
-              <a:rPr lang="en-US" sz="1200" dirty="0">
-                <a:effectLst/>
-                <a:latin typeface="Calibri" panose="020F0502020204030204" pitchFamily="34" charset="0"/>
-                <a:ea typeface="Calibri" panose="020F0502020204030204" pitchFamily="34" charset="0"/>
-                <a:cs typeface="Arial" panose="020B0604020202020204" pitchFamily="34" charset="0"/>
-              </a:rPr>
-              <a:t>)</a:t>
-            </a:r>
-            <a:endParaRPr lang="en-CA" sz="1200" dirty="0">
-              <a:effectLst/>
-              <a:latin typeface="Calibri" panose="020F0502020204030204" pitchFamily="34" charset="0"/>
-              <a:ea typeface="Calibri" panose="020F0502020204030204" pitchFamily="34" charset="0"/>
-              <a:cs typeface="Arial" panose="020B0604020202020204" pitchFamily="34" charset="0"/>
-            </a:endParaRPr>
-          </a:p>
-          <a:p>
-            <a:pPr marL="742950" marR="0" lvl="1" indent="-285750">
-              <a:spcBef>
-                <a:spcPts val="0"/>
-              </a:spcBef>
-              <a:spcAft>
-                <a:spcPts val="0"/>
-              </a:spcAft>
-              <a:buFont typeface="+mj-lt"/>
-              <a:buAutoNum type="alphaLcPeriod"/>
-            </a:pPr>
-            <a:r>
-              <a:rPr lang="en-US" sz="1200" dirty="0">
-                <a:effectLst/>
-                <a:latin typeface="Calibri" panose="020F0502020204030204" pitchFamily="34" charset="0"/>
-                <a:ea typeface="Calibri" panose="020F0502020204030204" pitchFamily="34" charset="0"/>
-                <a:cs typeface="Arial" panose="020B0604020202020204" pitchFamily="34" charset="0"/>
-              </a:rPr>
-              <a:t>Break-and-enter</a:t>
-            </a:r>
-            <a:endParaRPr lang="en-CA" sz="1200" dirty="0">
-              <a:effectLst/>
-              <a:latin typeface="Calibri" panose="020F0502020204030204" pitchFamily="34" charset="0"/>
-              <a:ea typeface="Calibri" panose="020F0502020204030204" pitchFamily="34" charset="0"/>
-              <a:cs typeface="Arial" panose="020B0604020202020204" pitchFamily="34" charset="0"/>
-            </a:endParaRPr>
-          </a:p>
-          <a:p>
-            <a:pPr marL="742950" marR="0" lvl="1" indent="-285750">
-              <a:spcBef>
-                <a:spcPts val="0"/>
-              </a:spcBef>
-              <a:spcAft>
-                <a:spcPts val="0"/>
-              </a:spcAft>
-              <a:buFont typeface="+mj-lt"/>
-              <a:buAutoNum type="alphaLcPeriod"/>
-            </a:pPr>
-            <a:r>
-              <a:rPr lang="en-US" sz="1200" dirty="0">
-                <a:effectLst/>
-                <a:latin typeface="Calibri" panose="020F0502020204030204" pitchFamily="34" charset="0"/>
-                <a:ea typeface="Calibri" panose="020F0502020204030204" pitchFamily="34" charset="0"/>
-                <a:cs typeface="Arial" panose="020B0604020202020204" pitchFamily="34" charset="0"/>
-              </a:rPr>
-              <a:t>Robbery</a:t>
-            </a:r>
-            <a:endParaRPr lang="en-CA" sz="1200" dirty="0">
-              <a:effectLst/>
-              <a:latin typeface="Calibri" panose="020F0502020204030204" pitchFamily="34" charset="0"/>
-              <a:ea typeface="Calibri" panose="020F0502020204030204" pitchFamily="34" charset="0"/>
-              <a:cs typeface="Arial" panose="020B0604020202020204" pitchFamily="34" charset="0"/>
-            </a:endParaRPr>
-          </a:p>
-          <a:p>
-            <a:pPr marL="742950" marR="0" lvl="1" indent="-285750">
-              <a:spcBef>
-                <a:spcPts val="0"/>
-              </a:spcBef>
-              <a:spcAft>
-                <a:spcPts val="0"/>
-              </a:spcAft>
-              <a:buFont typeface="+mj-lt"/>
-              <a:buAutoNum type="alphaLcPeriod"/>
-            </a:pPr>
-            <a:r>
-              <a:rPr lang="en-US" sz="1200" dirty="0">
-                <a:effectLst/>
-                <a:latin typeface="Calibri" panose="020F0502020204030204" pitchFamily="34" charset="0"/>
-                <a:ea typeface="Calibri" panose="020F0502020204030204" pitchFamily="34" charset="0"/>
-                <a:cs typeface="Arial" panose="020B0604020202020204" pitchFamily="34" charset="0"/>
-              </a:rPr>
-              <a:t>Assault</a:t>
-            </a:r>
-            <a:endParaRPr lang="en-CA" sz="1200" dirty="0">
-              <a:effectLst/>
-              <a:latin typeface="Calibri" panose="020F0502020204030204" pitchFamily="34" charset="0"/>
-              <a:ea typeface="Calibri" panose="020F0502020204030204" pitchFamily="34" charset="0"/>
-              <a:cs typeface="Arial" panose="020B0604020202020204" pitchFamily="34" charset="0"/>
-            </a:endParaRPr>
-          </a:p>
-          <a:p>
-            <a:pPr marL="914400" marR="0">
-              <a:spcBef>
-                <a:spcPts val="0"/>
-              </a:spcBef>
-              <a:spcAft>
-                <a:spcPts val="0"/>
-              </a:spcAft>
-            </a:pPr>
-            <a:r>
-              <a:rPr lang="en-US" sz="1200" dirty="0">
-                <a:effectLst/>
-                <a:latin typeface="Calibri" panose="020F0502020204030204" pitchFamily="34" charset="0"/>
-                <a:ea typeface="Calibri" panose="020F0502020204030204" pitchFamily="34" charset="0"/>
-                <a:cs typeface="Arial" panose="020B0604020202020204" pitchFamily="34" charset="0"/>
-              </a:rPr>
-              <a:t> </a:t>
-            </a:r>
-            <a:endParaRPr lang="en-CA" sz="1200" dirty="0">
-              <a:effectLst/>
-              <a:latin typeface="Calibri" panose="020F0502020204030204" pitchFamily="34" charset="0"/>
-              <a:ea typeface="Calibri" panose="020F0502020204030204" pitchFamily="34" charset="0"/>
-              <a:cs typeface="Arial" panose="020B0604020202020204" pitchFamily="34" charset="0"/>
-            </a:endParaRPr>
-          </a:p>
-          <a:p>
-            <a:pPr marL="914400" marR="0">
-              <a:spcBef>
-                <a:spcPts val="0"/>
-              </a:spcBef>
-              <a:spcAft>
-                <a:spcPts val="0"/>
-              </a:spcAft>
-            </a:pPr>
-            <a:r>
-              <a:rPr lang="en-US" sz="1200" dirty="0">
-                <a:effectLst/>
-                <a:latin typeface="Calibri" panose="020F0502020204030204" pitchFamily="34" charset="0"/>
-                <a:ea typeface="Calibri" panose="020F0502020204030204" pitchFamily="34" charset="0"/>
-                <a:cs typeface="Arial" panose="020B0604020202020204" pitchFamily="34" charset="0"/>
-              </a:rPr>
-              <a:t> </a:t>
-            </a:r>
-            <a:endParaRPr lang="en-CA" sz="1200" dirty="0">
-              <a:effectLst/>
-              <a:latin typeface="Calibri" panose="020F0502020204030204" pitchFamily="34" charset="0"/>
-              <a:ea typeface="Calibri" panose="020F0502020204030204" pitchFamily="34" charset="0"/>
-              <a:cs typeface="Arial" panose="020B0604020202020204" pitchFamily="34" charset="0"/>
-            </a:endParaRPr>
-          </a:p>
-          <a:p>
-            <a:pPr marL="342900" marR="0" lvl="0" indent="-342900">
-              <a:spcBef>
-                <a:spcPts val="0"/>
-              </a:spcBef>
-              <a:spcAft>
-                <a:spcPts val="0"/>
-              </a:spcAft>
-              <a:buFont typeface="+mj-lt"/>
-              <a:buAutoNum type="arabicPeriod"/>
-            </a:pPr>
-            <a:r>
-              <a:rPr lang="en-US" sz="1200" dirty="0">
-                <a:effectLst/>
-                <a:latin typeface="Calibri" panose="020F0502020204030204" pitchFamily="34" charset="0"/>
-                <a:ea typeface="Calibri" panose="020F0502020204030204" pitchFamily="34" charset="0"/>
-                <a:cs typeface="Arial" panose="020B0604020202020204" pitchFamily="34" charset="0"/>
-              </a:rPr>
-              <a:t>Is crime decreasing/increasing over the years?</a:t>
-            </a:r>
-            <a:endParaRPr lang="en-CA" sz="1200" dirty="0">
-              <a:effectLst/>
-              <a:latin typeface="Calibri" panose="020F0502020204030204" pitchFamily="34" charset="0"/>
-              <a:ea typeface="Calibri" panose="020F0502020204030204" pitchFamily="34" charset="0"/>
-              <a:cs typeface="Arial" panose="020B0604020202020204" pitchFamily="34" charset="0"/>
-            </a:endParaRPr>
-          </a:p>
-          <a:p>
-            <a:pPr marL="742950" marR="0" lvl="1" indent="-285750">
-              <a:spcBef>
-                <a:spcPts val="0"/>
-              </a:spcBef>
-              <a:spcAft>
-                <a:spcPts val="0"/>
-              </a:spcAft>
-              <a:buFont typeface="+mj-lt"/>
-              <a:buAutoNum type="alphaLcPeriod"/>
-            </a:pPr>
-            <a:r>
-              <a:rPr lang="en-US" sz="1200" dirty="0">
-                <a:effectLst/>
-                <a:latin typeface="Calibri" panose="020F0502020204030204" pitchFamily="34" charset="0"/>
-                <a:ea typeface="Calibri" panose="020F0502020204030204" pitchFamily="34" charset="0"/>
-                <a:cs typeface="Arial" panose="020B0604020202020204" pitchFamily="34" charset="0"/>
-              </a:rPr>
-              <a:t>Relationship between crime and current economy</a:t>
-            </a:r>
-            <a:endParaRPr lang="en-CA" sz="1200" dirty="0">
-              <a:effectLst/>
-              <a:latin typeface="Calibri" panose="020F0502020204030204" pitchFamily="34" charset="0"/>
-              <a:ea typeface="Calibri" panose="020F0502020204030204" pitchFamily="34" charset="0"/>
-              <a:cs typeface="Arial" panose="020B0604020202020204" pitchFamily="34" charset="0"/>
-            </a:endParaRPr>
-          </a:p>
-          <a:p>
             <a:endParaRPr lang="en-CA" dirty="0"/>
           </a:p>
         </p:txBody>
@@ -5298,7 +8667,7 @@
     </p:spTree>
     <p:extLst>
       <p:ext uri="{BB962C8B-B14F-4D97-AF65-F5344CB8AC3E}">
-        <p14:creationId xmlns:p14="http://schemas.microsoft.com/office/powerpoint/2010/main" val="4163533998"/>
+        <p14:creationId xmlns:p14="http://schemas.microsoft.com/office/powerpoint/2010/main" val="1741119979"/>
       </p:ext>
     </p:extLst>
   </p:cSld>
@@ -5352,19 +8721,627 @@
           <a:bodyPr/>
           <a:lstStyle/>
           <a:p>
+            <a:pPr marL="0" marR="0">
+              <a:spcBef>
+                <a:spcPts val="0"/>
+              </a:spcBef>
+              <a:spcAft>
+                <a:spcPts val="0"/>
+              </a:spcAft>
+            </a:pPr>
             <a:r>
-              <a:rPr lang="en-US" dirty="0"/>
-              <a:t>From 2014 to 2019, Assault is by far the most common crime with occurrences over 110,000, it accounts for 49% of total crimes. It is more than double the number of incidents for the second most common crime Break and Enter.</a:t>
+              <a:rPr lang="en-US" sz="1200" dirty="0">
+                <a:effectLst/>
+                <a:latin typeface="Calibri" panose="020F0502020204030204" pitchFamily="34" charset="0"/>
+                <a:ea typeface="Calibri" panose="020F0502020204030204" pitchFamily="34" charset="0"/>
+                <a:cs typeface="Arial" panose="020B0604020202020204" pitchFamily="34" charset="0"/>
+              </a:rPr>
+              <a:t> </a:t>
             </a:r>
-          </a:p>
-          <a:p>
-            <a:endParaRPr lang="en-US" dirty="0"/>
-          </a:p>
-          <a:p>
+            <a:endParaRPr lang="en-CA" sz="1200" dirty="0">
+              <a:effectLst/>
+              <a:latin typeface="Calibri" panose="020F0502020204030204" pitchFamily="34" charset="0"/>
+              <a:ea typeface="Calibri" panose="020F0502020204030204" pitchFamily="34" charset="0"/>
+              <a:cs typeface="Arial" panose="020B0604020202020204" pitchFamily="34" charset="0"/>
+            </a:endParaRPr>
+          </a:p>
+          <a:p>
+            <a:pPr marL="0" marR="0">
+              <a:spcBef>
+                <a:spcPts val="0"/>
+              </a:spcBef>
+              <a:spcAft>
+                <a:spcPts val="0"/>
+              </a:spcAft>
+            </a:pPr>
             <a:r>
-              <a:rPr lang="en-US" dirty="0"/>
-              <a:t> - Homicide is the least common crime over the 6 year period and only accounts for less than 0.5% of the total crime.</a:t>
+              <a:rPr lang="en-US" sz="1200" b="1" dirty="0">
+                <a:effectLst/>
+                <a:latin typeface="Calibri" panose="020F0502020204030204" pitchFamily="34" charset="0"/>
+                <a:ea typeface="Calibri" panose="020F0502020204030204" pitchFamily="34" charset="0"/>
+                <a:cs typeface="Arial" panose="020B0604020202020204" pitchFamily="34" charset="0"/>
+              </a:rPr>
+              <a:t>RESEARCH QUESTIONS</a:t>
             </a:r>
+            <a:endParaRPr lang="en-CA" sz="1200" dirty="0">
+              <a:effectLst/>
+              <a:latin typeface="Calibri" panose="020F0502020204030204" pitchFamily="34" charset="0"/>
+              <a:ea typeface="Calibri" panose="020F0502020204030204" pitchFamily="34" charset="0"/>
+              <a:cs typeface="Arial" panose="020B0604020202020204" pitchFamily="34" charset="0"/>
+            </a:endParaRPr>
+          </a:p>
+          <a:p>
+            <a:pPr marL="0" marR="0">
+              <a:spcBef>
+                <a:spcPts val="0"/>
+              </a:spcBef>
+              <a:spcAft>
+                <a:spcPts val="0"/>
+              </a:spcAft>
+            </a:pPr>
+            <a:r>
+              <a:rPr lang="en-US" sz="1200" dirty="0">
+                <a:effectLst/>
+                <a:latin typeface="Calibri" panose="020F0502020204030204" pitchFamily="34" charset="0"/>
+                <a:ea typeface="Calibri" panose="020F0502020204030204" pitchFamily="34" charset="0"/>
+                <a:cs typeface="Arial" panose="020B0604020202020204" pitchFamily="34" charset="0"/>
+              </a:rPr>
+              <a:t> </a:t>
+            </a:r>
+            <a:endParaRPr lang="en-CA" sz="1200" dirty="0">
+              <a:effectLst/>
+              <a:latin typeface="Calibri" panose="020F0502020204030204" pitchFamily="34" charset="0"/>
+              <a:ea typeface="Calibri" panose="020F0502020204030204" pitchFamily="34" charset="0"/>
+              <a:cs typeface="Arial" panose="020B0604020202020204" pitchFamily="34" charset="0"/>
+            </a:endParaRPr>
+          </a:p>
+          <a:p>
+            <a:pPr marL="342900" marR="0" lvl="0" indent="-342900">
+              <a:spcBef>
+                <a:spcPts val="0"/>
+              </a:spcBef>
+              <a:spcAft>
+                <a:spcPts val="0"/>
+              </a:spcAft>
+              <a:buFont typeface="+mj-lt"/>
+              <a:buAutoNum type="arabicPeriod"/>
+            </a:pPr>
+            <a:r>
+              <a:rPr lang="en-US" sz="1200" dirty="0">
+                <a:effectLst/>
+                <a:latin typeface="Calibri" panose="020F0502020204030204" pitchFamily="34" charset="0"/>
+                <a:ea typeface="Calibri" panose="020F0502020204030204" pitchFamily="34" charset="0"/>
+                <a:cs typeface="Arial" panose="020B0604020202020204" pitchFamily="34" charset="0"/>
+              </a:rPr>
+              <a:t>	            a. What are the most common / least common crimes in Toronto?</a:t>
+            </a:r>
+            <a:endParaRPr lang="en-CA" sz="1200" dirty="0">
+              <a:effectLst/>
+              <a:latin typeface="Calibri" panose="020F0502020204030204" pitchFamily="34" charset="0"/>
+              <a:ea typeface="Calibri" panose="020F0502020204030204" pitchFamily="34" charset="0"/>
+              <a:cs typeface="Arial" panose="020B0604020202020204" pitchFamily="34" charset="0"/>
+            </a:endParaRPr>
+          </a:p>
+          <a:p>
+            <a:pPr marL="886460" marR="0">
+              <a:spcBef>
+                <a:spcPts val="0"/>
+              </a:spcBef>
+              <a:spcAft>
+                <a:spcPts val="0"/>
+              </a:spcAft>
+            </a:pPr>
+            <a:r>
+              <a:rPr lang="en-US" sz="1200" dirty="0">
+                <a:effectLst/>
+                <a:latin typeface="Calibri" panose="020F0502020204030204" pitchFamily="34" charset="0"/>
+                <a:ea typeface="Calibri" panose="020F0502020204030204" pitchFamily="34" charset="0"/>
+                <a:cs typeface="Arial" panose="020B0604020202020204" pitchFamily="34" charset="0"/>
+              </a:rPr>
+              <a:t>b. What are the total number of crimes in 2014-2019 and are there any trends?</a:t>
+            </a:r>
+            <a:endParaRPr lang="en-CA" sz="1200" dirty="0">
+              <a:effectLst/>
+              <a:latin typeface="Calibri" panose="020F0502020204030204" pitchFamily="34" charset="0"/>
+              <a:ea typeface="Calibri" panose="020F0502020204030204" pitchFamily="34" charset="0"/>
+              <a:cs typeface="Arial" panose="020B0604020202020204" pitchFamily="34" charset="0"/>
+            </a:endParaRPr>
+          </a:p>
+          <a:p>
+            <a:pPr marL="270510" marR="0">
+              <a:spcBef>
+                <a:spcPts val="0"/>
+              </a:spcBef>
+              <a:spcAft>
+                <a:spcPts val="0"/>
+              </a:spcAft>
+            </a:pPr>
+            <a:r>
+              <a:rPr lang="en-US" sz="1200" dirty="0">
+                <a:effectLst/>
+                <a:latin typeface="Calibri" panose="020F0502020204030204" pitchFamily="34" charset="0"/>
+                <a:ea typeface="Calibri" panose="020F0502020204030204" pitchFamily="34" charset="0"/>
+                <a:cs typeface="Arial" panose="020B0604020202020204" pitchFamily="34" charset="0"/>
+              </a:rPr>
+              <a:t> </a:t>
+            </a:r>
+            <a:endParaRPr lang="en-CA" sz="1200" dirty="0">
+              <a:effectLst/>
+              <a:latin typeface="Calibri" panose="020F0502020204030204" pitchFamily="34" charset="0"/>
+              <a:ea typeface="Calibri" panose="020F0502020204030204" pitchFamily="34" charset="0"/>
+              <a:cs typeface="Arial" panose="020B0604020202020204" pitchFamily="34" charset="0"/>
+            </a:endParaRPr>
+          </a:p>
+          <a:p>
+            <a:pPr marL="342900" marR="0" lvl="0" indent="-342900">
+              <a:spcBef>
+                <a:spcPts val="0"/>
+              </a:spcBef>
+              <a:spcAft>
+                <a:spcPts val="0"/>
+              </a:spcAft>
+              <a:buFont typeface="+mj-lt"/>
+              <a:buAutoNum type="arabicPeriod"/>
+            </a:pPr>
+            <a:r>
+              <a:rPr lang="en-US" sz="1200" dirty="0">
+                <a:effectLst/>
+                <a:latin typeface="Calibri" panose="020F0502020204030204" pitchFamily="34" charset="0"/>
+                <a:ea typeface="Calibri" panose="020F0502020204030204" pitchFamily="34" charset="0"/>
+                <a:cs typeface="Arial" panose="020B0604020202020204" pitchFamily="34" charset="0"/>
+              </a:rPr>
+              <a:t>What time of the year the frequency of crime is highest?</a:t>
+            </a:r>
+            <a:endParaRPr lang="en-CA" sz="1200" dirty="0">
+              <a:effectLst/>
+              <a:latin typeface="Calibri" panose="020F0502020204030204" pitchFamily="34" charset="0"/>
+              <a:ea typeface="Calibri" panose="020F0502020204030204" pitchFamily="34" charset="0"/>
+              <a:cs typeface="Arial" panose="020B0604020202020204" pitchFamily="34" charset="0"/>
+            </a:endParaRPr>
+          </a:p>
+          <a:p>
+            <a:pPr marL="742950" marR="0" lvl="1" indent="-285750">
+              <a:spcBef>
+                <a:spcPts val="0"/>
+              </a:spcBef>
+              <a:spcAft>
+                <a:spcPts val="0"/>
+              </a:spcAft>
+              <a:buFont typeface="+mj-lt"/>
+              <a:buAutoNum type="alphaLcPeriod"/>
+            </a:pPr>
+            <a:r>
+              <a:rPr lang="en-US" sz="1200" dirty="0">
+                <a:effectLst/>
+                <a:latin typeface="Calibri" panose="020F0502020204030204" pitchFamily="34" charset="0"/>
+                <a:ea typeface="Calibri" panose="020F0502020204030204" pitchFamily="34" charset="0"/>
+                <a:cs typeface="Arial" panose="020B0604020202020204" pitchFamily="34" charset="0"/>
+              </a:rPr>
+              <a:t>Relationship between crime and different seasons</a:t>
+            </a:r>
+            <a:endParaRPr lang="en-CA" sz="1200" dirty="0">
+              <a:effectLst/>
+              <a:latin typeface="Calibri" panose="020F0502020204030204" pitchFamily="34" charset="0"/>
+              <a:ea typeface="Calibri" panose="020F0502020204030204" pitchFamily="34" charset="0"/>
+              <a:cs typeface="Arial" panose="020B0604020202020204" pitchFamily="34" charset="0"/>
+            </a:endParaRPr>
+          </a:p>
+          <a:p>
+            <a:pPr marL="742950" marR="0" lvl="1" indent="-285750">
+              <a:spcBef>
+                <a:spcPts val="0"/>
+              </a:spcBef>
+              <a:spcAft>
+                <a:spcPts val="0"/>
+              </a:spcAft>
+              <a:buFont typeface="+mj-lt"/>
+              <a:buAutoNum type="alphaLcPeriod"/>
+            </a:pPr>
+            <a:r>
+              <a:rPr lang="en-US" sz="1200" dirty="0">
+                <a:effectLst/>
+                <a:latin typeface="Calibri" panose="020F0502020204030204" pitchFamily="34" charset="0"/>
+                <a:ea typeface="Calibri" panose="020F0502020204030204" pitchFamily="34" charset="0"/>
+                <a:cs typeface="Arial" panose="020B0604020202020204" pitchFamily="34" charset="0"/>
+              </a:rPr>
+              <a:t>Relationship between crime and time of the day</a:t>
+            </a:r>
+            <a:endParaRPr lang="en-CA" sz="1200" dirty="0">
+              <a:effectLst/>
+              <a:latin typeface="Calibri" panose="020F0502020204030204" pitchFamily="34" charset="0"/>
+              <a:ea typeface="Calibri" panose="020F0502020204030204" pitchFamily="34" charset="0"/>
+              <a:cs typeface="Arial" panose="020B0604020202020204" pitchFamily="34" charset="0"/>
+            </a:endParaRPr>
+          </a:p>
+          <a:p>
+            <a:pPr marL="1115060" marR="0">
+              <a:spcBef>
+                <a:spcPts val="0"/>
+              </a:spcBef>
+              <a:spcAft>
+                <a:spcPts val="0"/>
+              </a:spcAft>
+            </a:pPr>
+            <a:r>
+              <a:rPr lang="en-US" sz="1200" dirty="0">
+                <a:effectLst/>
+                <a:latin typeface="Calibri" panose="020F0502020204030204" pitchFamily="34" charset="0"/>
+                <a:ea typeface="Calibri" panose="020F0502020204030204" pitchFamily="34" charset="0"/>
+                <a:cs typeface="Arial" panose="020B0604020202020204" pitchFamily="34" charset="0"/>
+              </a:rPr>
+              <a:t> </a:t>
+            </a:r>
+            <a:endParaRPr lang="en-CA" sz="1200" dirty="0">
+              <a:effectLst/>
+              <a:latin typeface="Calibri" panose="020F0502020204030204" pitchFamily="34" charset="0"/>
+              <a:ea typeface="Calibri" panose="020F0502020204030204" pitchFamily="34" charset="0"/>
+              <a:cs typeface="Arial" panose="020B0604020202020204" pitchFamily="34" charset="0"/>
+            </a:endParaRPr>
+          </a:p>
+          <a:p>
+            <a:pPr marL="342900" marR="0" lvl="0" indent="-342900">
+              <a:spcBef>
+                <a:spcPts val="0"/>
+              </a:spcBef>
+              <a:spcAft>
+                <a:spcPts val="0"/>
+              </a:spcAft>
+              <a:buFont typeface="+mj-lt"/>
+              <a:buAutoNum type="arabicPeriod"/>
+            </a:pPr>
+            <a:r>
+              <a:rPr lang="en-US" sz="1200" dirty="0">
+                <a:effectLst/>
+                <a:latin typeface="Calibri" panose="020F0502020204030204" pitchFamily="34" charset="0"/>
+                <a:ea typeface="Calibri" panose="020F0502020204030204" pitchFamily="34" charset="0"/>
+                <a:cs typeface="Arial" panose="020B0604020202020204" pitchFamily="34" charset="0"/>
+              </a:rPr>
+              <a:t>Crime by neighborhoods</a:t>
+            </a:r>
+            <a:endParaRPr lang="en-CA" sz="1200" dirty="0">
+              <a:effectLst/>
+              <a:latin typeface="Calibri" panose="020F0502020204030204" pitchFamily="34" charset="0"/>
+              <a:ea typeface="Calibri" panose="020F0502020204030204" pitchFamily="34" charset="0"/>
+              <a:cs typeface="Arial" panose="020B0604020202020204" pitchFamily="34" charset="0"/>
+            </a:endParaRPr>
+          </a:p>
+          <a:p>
+            <a:pPr marL="742950" marR="0" lvl="1" indent="-285750">
+              <a:spcBef>
+                <a:spcPts val="0"/>
+              </a:spcBef>
+              <a:spcAft>
+                <a:spcPts val="0"/>
+              </a:spcAft>
+              <a:buFont typeface="+mj-lt"/>
+              <a:buAutoNum type="alphaLcPeriod"/>
+            </a:pPr>
+            <a:r>
+              <a:rPr lang="en-US" sz="1200" dirty="0">
+                <a:effectLst/>
+                <a:latin typeface="Calibri" panose="020F0502020204030204" pitchFamily="34" charset="0"/>
+                <a:ea typeface="Calibri" panose="020F0502020204030204" pitchFamily="34" charset="0"/>
+                <a:cs typeface="Arial" panose="020B0604020202020204" pitchFamily="34" charset="0"/>
+              </a:rPr>
+              <a:t>Which neighborhoods experience the highest and lowest crime rates in Toronto? </a:t>
+            </a:r>
+            <a:endParaRPr lang="en-CA" sz="1200" dirty="0">
+              <a:effectLst/>
+              <a:latin typeface="Calibri" panose="020F0502020204030204" pitchFamily="34" charset="0"/>
+              <a:ea typeface="Calibri" panose="020F0502020204030204" pitchFamily="34" charset="0"/>
+              <a:cs typeface="Arial" panose="020B0604020202020204" pitchFamily="34" charset="0"/>
+            </a:endParaRPr>
+          </a:p>
+          <a:p>
+            <a:pPr marL="742950" marR="0" lvl="1" indent="-285750">
+              <a:spcBef>
+                <a:spcPts val="0"/>
+              </a:spcBef>
+              <a:spcAft>
+                <a:spcPts val="0"/>
+              </a:spcAft>
+              <a:buFont typeface="+mj-lt"/>
+              <a:buAutoNum type="alphaLcPeriod"/>
+            </a:pPr>
+            <a:r>
+              <a:rPr lang="en-US" sz="1200" dirty="0">
+                <a:effectLst/>
+                <a:latin typeface="Calibri" panose="020F0502020204030204" pitchFamily="34" charset="0"/>
+                <a:ea typeface="Calibri" panose="020F0502020204030204" pitchFamily="34" charset="0"/>
+                <a:cs typeface="Arial" panose="020B0604020202020204" pitchFamily="34" charset="0"/>
+              </a:rPr>
+              <a:t>How close were police stations to where the crime occurred?</a:t>
+            </a:r>
+            <a:endParaRPr lang="en-CA" sz="1200" dirty="0">
+              <a:effectLst/>
+              <a:latin typeface="Calibri" panose="020F0502020204030204" pitchFamily="34" charset="0"/>
+              <a:ea typeface="Calibri" panose="020F0502020204030204" pitchFamily="34" charset="0"/>
+              <a:cs typeface="Arial" panose="020B0604020202020204" pitchFamily="34" charset="0"/>
+            </a:endParaRPr>
+          </a:p>
+          <a:p>
+            <a:pPr marL="742950" marR="0" lvl="1" indent="-285750">
+              <a:spcBef>
+                <a:spcPts val="0"/>
+              </a:spcBef>
+              <a:spcAft>
+                <a:spcPts val="0"/>
+              </a:spcAft>
+              <a:buFont typeface="+mj-lt"/>
+              <a:buAutoNum type="alphaLcPeriod"/>
+            </a:pPr>
+            <a:r>
+              <a:rPr lang="en-US" sz="1200" dirty="0">
+                <a:effectLst/>
+                <a:latin typeface="Calibri" panose="020F0502020204030204" pitchFamily="34" charset="0"/>
+                <a:ea typeface="Calibri" panose="020F0502020204030204" pitchFamily="34" charset="0"/>
+                <a:cs typeface="Arial" panose="020B0604020202020204" pitchFamily="34" charset="0"/>
+              </a:rPr>
+              <a:t>Where in Toronto are Auto Theft, Break and Enter and Robbery likely to occur?</a:t>
+            </a:r>
+            <a:endParaRPr lang="en-CA" sz="1200" dirty="0">
+              <a:effectLst/>
+              <a:latin typeface="Calibri" panose="020F0502020204030204" pitchFamily="34" charset="0"/>
+              <a:ea typeface="Calibri" panose="020F0502020204030204" pitchFamily="34" charset="0"/>
+              <a:cs typeface="Arial" panose="020B0604020202020204" pitchFamily="34" charset="0"/>
+            </a:endParaRPr>
+          </a:p>
+          <a:p>
+            <a:pPr marL="914400" marR="0">
+              <a:spcBef>
+                <a:spcPts val="0"/>
+              </a:spcBef>
+              <a:spcAft>
+                <a:spcPts val="0"/>
+              </a:spcAft>
+            </a:pPr>
+            <a:r>
+              <a:rPr lang="en-US" sz="1200" dirty="0">
+                <a:effectLst/>
+                <a:latin typeface="Calibri" panose="020F0502020204030204" pitchFamily="34" charset="0"/>
+                <a:ea typeface="Calibri" panose="020F0502020204030204" pitchFamily="34" charset="0"/>
+                <a:cs typeface="Arial" panose="020B0604020202020204" pitchFamily="34" charset="0"/>
+              </a:rPr>
+              <a:t> </a:t>
+            </a:r>
+            <a:endParaRPr lang="en-CA" sz="1200" dirty="0">
+              <a:effectLst/>
+              <a:latin typeface="Calibri" panose="020F0502020204030204" pitchFamily="34" charset="0"/>
+              <a:ea typeface="Calibri" panose="020F0502020204030204" pitchFamily="34" charset="0"/>
+              <a:cs typeface="Arial" panose="020B0604020202020204" pitchFamily="34" charset="0"/>
+            </a:endParaRPr>
+          </a:p>
+          <a:p>
+            <a:pPr marL="342900" marR="0" lvl="0" indent="-342900">
+              <a:spcBef>
+                <a:spcPts val="0"/>
+              </a:spcBef>
+              <a:spcAft>
+                <a:spcPts val="0"/>
+              </a:spcAft>
+              <a:buFont typeface="+mj-lt"/>
+              <a:buAutoNum type="arabicPeriod"/>
+            </a:pPr>
+            <a:r>
+              <a:rPr lang="en-US" sz="1200" dirty="0">
+                <a:effectLst/>
+                <a:latin typeface="Calibri" panose="020F0502020204030204" pitchFamily="34" charset="0"/>
+                <a:ea typeface="Calibri" panose="020F0502020204030204" pitchFamily="34" charset="0"/>
+                <a:cs typeface="Arial" panose="020B0604020202020204" pitchFamily="34" charset="0"/>
+              </a:rPr>
+              <a:t>In what kinds of properties do the following crimes occur? (house, commercial, apartment, </a:t>
+            </a:r>
+            <a:r>
+              <a:rPr lang="en-US" sz="1200" dirty="0" err="1">
+                <a:effectLst/>
+                <a:latin typeface="Calibri" panose="020F0502020204030204" pitchFamily="34" charset="0"/>
+                <a:ea typeface="Calibri" panose="020F0502020204030204" pitchFamily="34" charset="0"/>
+                <a:cs typeface="Arial" panose="020B0604020202020204" pitchFamily="34" charset="0"/>
+              </a:rPr>
+              <a:t>etc</a:t>
+            </a:r>
+            <a:r>
+              <a:rPr lang="en-US" sz="1200" dirty="0">
+                <a:effectLst/>
+                <a:latin typeface="Calibri" panose="020F0502020204030204" pitchFamily="34" charset="0"/>
+                <a:ea typeface="Calibri" panose="020F0502020204030204" pitchFamily="34" charset="0"/>
+                <a:cs typeface="Arial" panose="020B0604020202020204" pitchFamily="34" charset="0"/>
+              </a:rPr>
+              <a:t>)</a:t>
+            </a:r>
+            <a:endParaRPr lang="en-CA" sz="1200" dirty="0">
+              <a:effectLst/>
+              <a:latin typeface="Calibri" panose="020F0502020204030204" pitchFamily="34" charset="0"/>
+              <a:ea typeface="Calibri" panose="020F0502020204030204" pitchFamily="34" charset="0"/>
+              <a:cs typeface="Arial" panose="020B0604020202020204" pitchFamily="34" charset="0"/>
+            </a:endParaRPr>
+          </a:p>
+          <a:p>
+            <a:pPr marL="742950" marR="0" lvl="1" indent="-285750">
+              <a:spcBef>
+                <a:spcPts val="0"/>
+              </a:spcBef>
+              <a:spcAft>
+                <a:spcPts val="0"/>
+              </a:spcAft>
+              <a:buFont typeface="+mj-lt"/>
+              <a:buAutoNum type="alphaLcPeriod"/>
+            </a:pPr>
+            <a:r>
+              <a:rPr lang="en-US" sz="1200" dirty="0">
+                <a:effectLst/>
+                <a:latin typeface="Calibri" panose="020F0502020204030204" pitchFamily="34" charset="0"/>
+                <a:ea typeface="Calibri" panose="020F0502020204030204" pitchFamily="34" charset="0"/>
+                <a:cs typeface="Arial" panose="020B0604020202020204" pitchFamily="34" charset="0"/>
+              </a:rPr>
+              <a:t>Break-and-enter</a:t>
+            </a:r>
+            <a:endParaRPr lang="en-CA" sz="1200" dirty="0">
+              <a:effectLst/>
+              <a:latin typeface="Calibri" panose="020F0502020204030204" pitchFamily="34" charset="0"/>
+              <a:ea typeface="Calibri" panose="020F0502020204030204" pitchFamily="34" charset="0"/>
+              <a:cs typeface="Arial" panose="020B0604020202020204" pitchFamily="34" charset="0"/>
+            </a:endParaRPr>
+          </a:p>
+          <a:p>
+            <a:pPr marL="742950" marR="0" lvl="1" indent="-285750">
+              <a:spcBef>
+                <a:spcPts val="0"/>
+              </a:spcBef>
+              <a:spcAft>
+                <a:spcPts val="0"/>
+              </a:spcAft>
+              <a:buFont typeface="+mj-lt"/>
+              <a:buAutoNum type="alphaLcPeriod"/>
+            </a:pPr>
+            <a:r>
+              <a:rPr lang="en-US" sz="1200" dirty="0">
+                <a:effectLst/>
+                <a:latin typeface="Calibri" panose="020F0502020204030204" pitchFamily="34" charset="0"/>
+                <a:ea typeface="Calibri" panose="020F0502020204030204" pitchFamily="34" charset="0"/>
+                <a:cs typeface="Arial" panose="020B0604020202020204" pitchFamily="34" charset="0"/>
+              </a:rPr>
+              <a:t>Robbery</a:t>
+            </a:r>
+            <a:endParaRPr lang="en-CA" sz="1200" dirty="0">
+              <a:effectLst/>
+              <a:latin typeface="Calibri" panose="020F0502020204030204" pitchFamily="34" charset="0"/>
+              <a:ea typeface="Calibri" panose="020F0502020204030204" pitchFamily="34" charset="0"/>
+              <a:cs typeface="Arial" panose="020B0604020202020204" pitchFamily="34" charset="0"/>
+            </a:endParaRPr>
+          </a:p>
+          <a:p>
+            <a:pPr marL="742950" marR="0" lvl="1" indent="-285750">
+              <a:spcBef>
+                <a:spcPts val="0"/>
+              </a:spcBef>
+              <a:spcAft>
+                <a:spcPts val="0"/>
+              </a:spcAft>
+              <a:buFont typeface="+mj-lt"/>
+              <a:buAutoNum type="alphaLcPeriod"/>
+            </a:pPr>
+            <a:r>
+              <a:rPr lang="en-US" sz="1200" dirty="0">
+                <a:effectLst/>
+                <a:latin typeface="Calibri" panose="020F0502020204030204" pitchFamily="34" charset="0"/>
+                <a:ea typeface="Calibri" panose="020F0502020204030204" pitchFamily="34" charset="0"/>
+                <a:cs typeface="Arial" panose="020B0604020202020204" pitchFamily="34" charset="0"/>
+              </a:rPr>
+              <a:t>Assault</a:t>
+            </a:r>
+            <a:endParaRPr lang="en-CA" sz="1200" dirty="0">
+              <a:effectLst/>
+              <a:latin typeface="Calibri" panose="020F0502020204030204" pitchFamily="34" charset="0"/>
+              <a:ea typeface="Calibri" panose="020F0502020204030204" pitchFamily="34" charset="0"/>
+              <a:cs typeface="Arial" panose="020B0604020202020204" pitchFamily="34" charset="0"/>
+            </a:endParaRPr>
+          </a:p>
+          <a:p>
+            <a:pPr marL="914400" marR="0">
+              <a:spcBef>
+                <a:spcPts val="0"/>
+              </a:spcBef>
+              <a:spcAft>
+                <a:spcPts val="0"/>
+              </a:spcAft>
+            </a:pPr>
+            <a:r>
+              <a:rPr lang="en-US" sz="1200" dirty="0">
+                <a:effectLst/>
+                <a:latin typeface="Calibri" panose="020F0502020204030204" pitchFamily="34" charset="0"/>
+                <a:ea typeface="Calibri" panose="020F0502020204030204" pitchFamily="34" charset="0"/>
+                <a:cs typeface="Arial" panose="020B0604020202020204" pitchFamily="34" charset="0"/>
+              </a:rPr>
+              <a:t> </a:t>
+            </a:r>
+            <a:endParaRPr lang="en-CA" sz="1200" dirty="0">
+              <a:effectLst/>
+              <a:latin typeface="Calibri" panose="020F0502020204030204" pitchFamily="34" charset="0"/>
+              <a:ea typeface="Calibri" panose="020F0502020204030204" pitchFamily="34" charset="0"/>
+              <a:cs typeface="Arial" panose="020B0604020202020204" pitchFamily="34" charset="0"/>
+            </a:endParaRPr>
+          </a:p>
+          <a:p>
+            <a:pPr marL="914400" marR="0">
+              <a:spcBef>
+                <a:spcPts val="0"/>
+              </a:spcBef>
+              <a:spcAft>
+                <a:spcPts val="0"/>
+              </a:spcAft>
+            </a:pPr>
+            <a:r>
+              <a:rPr lang="en-US" sz="1200" dirty="0">
+                <a:effectLst/>
+                <a:latin typeface="Calibri" panose="020F0502020204030204" pitchFamily="34" charset="0"/>
+                <a:ea typeface="Calibri" panose="020F0502020204030204" pitchFamily="34" charset="0"/>
+                <a:cs typeface="Arial" panose="020B0604020202020204" pitchFamily="34" charset="0"/>
+              </a:rPr>
+              <a:t> </a:t>
+            </a:r>
+            <a:endParaRPr lang="en-CA" sz="1200" dirty="0">
+              <a:effectLst/>
+              <a:latin typeface="Calibri" panose="020F0502020204030204" pitchFamily="34" charset="0"/>
+              <a:ea typeface="Calibri" panose="020F0502020204030204" pitchFamily="34" charset="0"/>
+              <a:cs typeface="Arial" panose="020B0604020202020204" pitchFamily="34" charset="0"/>
+            </a:endParaRPr>
+          </a:p>
+          <a:p>
+            <a:pPr marL="342900" marR="0" lvl="0" indent="-342900">
+              <a:spcBef>
+                <a:spcPts val="0"/>
+              </a:spcBef>
+              <a:spcAft>
+                <a:spcPts val="0"/>
+              </a:spcAft>
+              <a:buFont typeface="+mj-lt"/>
+              <a:buAutoNum type="arabicPeriod"/>
+            </a:pPr>
+            <a:r>
+              <a:rPr lang="en-US" sz="1200" dirty="0">
+                <a:effectLst/>
+                <a:latin typeface="Calibri" panose="020F0502020204030204" pitchFamily="34" charset="0"/>
+                <a:ea typeface="Calibri" panose="020F0502020204030204" pitchFamily="34" charset="0"/>
+                <a:cs typeface="Arial" panose="020B0604020202020204" pitchFamily="34" charset="0"/>
+              </a:rPr>
+              <a:t>Is crime decreasing/increasing over the years?</a:t>
+            </a:r>
+            <a:endParaRPr lang="en-CA" sz="1200" dirty="0">
+              <a:effectLst/>
+              <a:latin typeface="Calibri" panose="020F0502020204030204" pitchFamily="34" charset="0"/>
+              <a:ea typeface="Calibri" panose="020F0502020204030204" pitchFamily="34" charset="0"/>
+              <a:cs typeface="Arial" panose="020B0604020202020204" pitchFamily="34" charset="0"/>
+            </a:endParaRPr>
+          </a:p>
+          <a:p>
+            <a:pPr marL="742950" marR="0" lvl="1" indent="-285750">
+              <a:spcBef>
+                <a:spcPts val="0"/>
+              </a:spcBef>
+              <a:spcAft>
+                <a:spcPts val="0"/>
+              </a:spcAft>
+              <a:buFont typeface="+mj-lt"/>
+              <a:buAutoNum type="alphaLcPeriod"/>
+            </a:pPr>
+            <a:r>
+              <a:rPr lang="en-US" sz="1200" dirty="0">
+                <a:effectLst/>
+                <a:latin typeface="Calibri" panose="020F0502020204030204" pitchFamily="34" charset="0"/>
+                <a:ea typeface="Calibri" panose="020F0502020204030204" pitchFamily="34" charset="0"/>
+                <a:cs typeface="Arial" panose="020B0604020202020204" pitchFamily="34" charset="0"/>
+              </a:rPr>
+              <a:t>Relationship between crime and current economy</a:t>
+            </a:r>
+            <a:endParaRPr lang="en-CA" sz="1200" dirty="0">
+              <a:effectLst/>
+              <a:latin typeface="Calibri" panose="020F0502020204030204" pitchFamily="34" charset="0"/>
+              <a:ea typeface="Calibri" panose="020F0502020204030204" pitchFamily="34" charset="0"/>
+              <a:cs typeface="Arial" panose="020B0604020202020204" pitchFamily="34" charset="0"/>
+            </a:endParaRPr>
+          </a:p>
+          <a:p>
             <a:endParaRPr lang="en-CA" dirty="0"/>
           </a:p>
         </p:txBody>
@@ -5386,7 +9363,7 @@
           <a:p>
             <a:fld id="{80873457-8BE3-45C0-8852-50006BBD3D86}" type="slidenum">
               <a:rPr lang="en-CA" smtClean="0"/>
-              <a:t>6</a:t>
+              <a:t>4</a:t>
             </a:fld>
             <a:endParaRPr lang="en-CA"/>
           </a:p>
@@ -5395,7 +9372,7 @@
     </p:spTree>
     <p:extLst>
       <p:ext uri="{BB962C8B-B14F-4D97-AF65-F5344CB8AC3E}">
-        <p14:creationId xmlns:p14="http://schemas.microsoft.com/office/powerpoint/2010/main" val="4077744356"/>
+        <p14:creationId xmlns:p14="http://schemas.microsoft.com/office/powerpoint/2010/main" val="4163533998"/>
       </p:ext>
     </p:extLst>
   </p:cSld>
@@ -5451,7 +9428,16 @@
           <a:p>
             <a:r>
               <a:rPr lang="en-US" dirty="0"/>
-              <a:t>- The crime occurrence in Toronto is increasing from 2014 to 2019.</a:t>
+              <a:t>From 2014 to 2019, Assault is by far the most common crime with occurrences over 110,000, it accounts for 49% of total crimes. It is more than double the number of incidents for the second most common crime Break and Enter.</a:t>
+            </a:r>
+          </a:p>
+          <a:p>
+            <a:endParaRPr lang="en-US" dirty="0"/>
+          </a:p>
+          <a:p>
+            <a:r>
+              <a:rPr lang="en-US" dirty="0"/>
+              <a:t> - Homicide is the least common crime over the 6-year period and only accounts for less than 0.5% of the total crime.</a:t>
             </a:r>
             <a:endParaRPr lang="en-CA" dirty="0"/>
           </a:p>
@@ -5474,7 +9460,7 @@
           <a:p>
             <a:fld id="{80873457-8BE3-45C0-8852-50006BBD3D86}" type="slidenum">
               <a:rPr lang="en-CA" smtClean="0"/>
-              <a:t>7</a:t>
+              <a:t>6</a:t>
             </a:fld>
             <a:endParaRPr lang="en-CA"/>
           </a:p>
@@ -5483,7 +9469,7 @@
     </p:spTree>
     <p:extLst>
       <p:ext uri="{BB962C8B-B14F-4D97-AF65-F5344CB8AC3E}">
-        <p14:creationId xmlns:p14="http://schemas.microsoft.com/office/powerpoint/2010/main" val="1028081936"/>
+        <p14:creationId xmlns:p14="http://schemas.microsoft.com/office/powerpoint/2010/main" val="4077744356"/>
       </p:ext>
     </p:extLst>
   </p:cSld>
@@ -5539,43 +9525,8 @@
           <a:p>
             <a:r>
               <a:rPr lang="en-US" dirty="0"/>
-              <a:t>Based on the 6-year average, the total number of crimes peak in the month of July (3606 cases) while the month of February is lowest (2,484 cases). There are more crimes in summer season then in winter season.</a:t>
+              <a:t>- The crime occurrence in Toronto is increasing from 2014 to 2019.</a:t>
             </a:r>
-          </a:p>
-          <a:p>
-            <a:endParaRPr lang="en-US" dirty="0"/>
-          </a:p>
-          <a:p>
-            <a:r>
-              <a:rPr lang="en-US" dirty="0"/>
-              <a:t>    - Individual type of crime have different patterns. However, </a:t>
-            </a:r>
-            <a:r>
-              <a:rPr lang="en-US" dirty="0" err="1"/>
-              <a:t>Feburary</a:t>
-            </a:r>
-            <a:r>
-              <a:rPr lang="en-US" dirty="0"/>
-              <a:t> is the lowest point across all type of crimes. </a:t>
-            </a:r>
-          </a:p>
-          <a:p>
-            <a:endParaRPr lang="en-US" dirty="0"/>
-          </a:p>
-          <a:p>
-            <a:r>
-              <a:rPr lang="en-US" dirty="0"/>
-              <a:t>    - For Assault, the peak is in summer season (Jun, Jul, Aug). Break and Enter, Auto Theft, Robbery have peaks in October.</a:t>
-            </a:r>
-          </a:p>
-          <a:p>
-            <a:r>
-              <a:rPr lang="en-US" dirty="0"/>
-              <a:t> </a:t>
-            </a:r>
-            <a:endParaRPr lang="en-CA" dirty="0"/>
-          </a:p>
-          <a:p>
             <a:endParaRPr lang="en-CA" dirty="0"/>
           </a:p>
         </p:txBody>
@@ -5597,7 +9548,7 @@
           <a:p>
             <a:fld id="{80873457-8BE3-45C0-8852-50006BBD3D86}" type="slidenum">
               <a:rPr lang="en-CA" smtClean="0"/>
-              <a:t>8</a:t>
+              <a:t>7</a:t>
             </a:fld>
             <a:endParaRPr lang="en-CA"/>
           </a:p>
@@ -5606,7 +9557,7 @@
     </p:spTree>
     <p:extLst>
       <p:ext uri="{BB962C8B-B14F-4D97-AF65-F5344CB8AC3E}">
-        <p14:creationId xmlns:p14="http://schemas.microsoft.com/office/powerpoint/2010/main" val="1584381760"/>
+        <p14:creationId xmlns:p14="http://schemas.microsoft.com/office/powerpoint/2010/main" val="1028081936"/>
       </p:ext>
     </p:extLst>
   </p:cSld>
@@ -5662,7 +9613,7 @@
           <a:p>
             <a:r>
               <a:rPr lang="en-US" dirty="0"/>
-              <a:t>Lowest crime occurred in a day is early in the morning (around 6 am)</a:t>
+              <a:t>Based on the 6-year average, the total number of crimes peak in the month of July (3606 cases) while the month of February is lowest (2,484 cases). There are more crimes in summer season then in winter season.</a:t>
             </a:r>
           </a:p>
           <a:p>
@@ -5671,17 +9622,34 @@
           <a:p>
             <a:r>
               <a:rPr lang="en-US" dirty="0"/>
-              <a:t>    - "Assault" and "Break and Enter" crime occurred most at mid-night while "Auto Theft" is at peak around 10pm and "Robbery" at 9pm.</a:t>
+              <a:t>    - Individual type of crime have different patterns. However, </a:t>
             </a:r>
-          </a:p>
-          <a:p>
-            <a:endParaRPr lang="en-US" dirty="0"/>
-          </a:p>
-          <a:p>
+            <a:r>
+              <a:rPr lang="en-US" dirty="0" err="1"/>
+              <a:t>Feburary</a:t>
+            </a:r>
             <a:r>
               <a:rPr lang="en-US" dirty="0"/>
-              <a:t>    - At noon, we see a sudden spike for "Assault", "Break n Enter", "Auto Theft" </a:t>
+              <a:t> is the lowest point across all type of crimes. </a:t>
             </a:r>
+          </a:p>
+          <a:p>
+            <a:endParaRPr lang="en-US" dirty="0"/>
+          </a:p>
+          <a:p>
+            <a:r>
+              <a:rPr lang="en-US" dirty="0"/>
+              <a:t>    - For Assault, the peak is in summer season (Jun, Jul, Aug). Break and Enter, Auto Theft, Robbery have peaks in October.</a:t>
+            </a:r>
+          </a:p>
+          <a:p>
+            <a:r>
+              <a:rPr lang="en-US" dirty="0"/>
+              <a:t> </a:t>
+            </a:r>
+            <a:endParaRPr lang="en-CA" dirty="0"/>
+          </a:p>
+          <a:p>
             <a:endParaRPr lang="en-CA" dirty="0"/>
           </a:p>
         </p:txBody>
@@ -5703,7 +9671,7 @@
           <a:p>
             <a:fld id="{80873457-8BE3-45C0-8852-50006BBD3D86}" type="slidenum">
               <a:rPr lang="en-CA" smtClean="0"/>
-              <a:t>9</a:t>
+              <a:t>8</a:t>
             </a:fld>
             <a:endParaRPr lang="en-CA"/>
           </a:p>
@@ -5712,7 +9680,7 @@
     </p:spTree>
     <p:extLst>
       <p:ext uri="{BB962C8B-B14F-4D97-AF65-F5344CB8AC3E}">
-        <p14:creationId xmlns:p14="http://schemas.microsoft.com/office/powerpoint/2010/main" val="1245308657"/>
+        <p14:creationId xmlns:p14="http://schemas.microsoft.com/office/powerpoint/2010/main" val="1584381760"/>
       </p:ext>
     </p:extLst>
   </p:cSld>
@@ -5790,9 +9758,6 @@
             </a:r>
             <a:endParaRPr lang="en-CA" dirty="0"/>
           </a:p>
-          <a:p>
-            <a:endParaRPr lang="en-CA" dirty="0"/>
-          </a:p>
         </p:txBody>
       </p:sp>
       <p:sp>
@@ -5812,7 +9777,7 @@
           <a:p>
             <a:fld id="{80873457-8BE3-45C0-8852-50006BBD3D86}" type="slidenum">
               <a:rPr lang="en-CA" smtClean="0"/>
-              <a:t>10</a:t>
+              <a:t>9</a:t>
             </a:fld>
             <a:endParaRPr lang="en-CA"/>
           </a:p>
@@ -5821,7 +9786,7 @@
     </p:spTree>
     <p:extLst>
       <p:ext uri="{BB962C8B-B14F-4D97-AF65-F5344CB8AC3E}">
-        <p14:creationId xmlns:p14="http://schemas.microsoft.com/office/powerpoint/2010/main" val="1239328905"/>
+        <p14:creationId xmlns:p14="http://schemas.microsoft.com/office/powerpoint/2010/main" val="1245308657"/>
       </p:ext>
     </p:extLst>
   </p:cSld>
@@ -5877,156 +9842,29 @@
           <a:p>
             <a:r>
               <a:rPr lang="en-US" dirty="0"/>
-              <a:t> - After </a:t>
+              <a:t>Lowest crime occurred in a day is early in the morning (around 6 am)</a:t>
             </a:r>
-            <a:r>
-              <a:rPr lang="en-US" dirty="0" err="1"/>
-              <a:t>analysing</a:t>
-            </a:r>
+          </a:p>
+          <a:p>
+            <a:endParaRPr lang="en-US" dirty="0"/>
+          </a:p>
+          <a:p>
             <a:r>
               <a:rPr lang="en-US" dirty="0"/>
-              <a:t> the data, we see the top 10 most dangerous </a:t>
+              <a:t>    - "Assault" and "Break and Enter" crime occurred most at mid-night while "Auto Theft" is at peak around 10pm and "Robbery" at 9pm.</a:t>
             </a:r>
-            <a:r>
-              <a:rPr lang="en-US" dirty="0" err="1"/>
-              <a:t>neighbourhoods</a:t>
-            </a:r>
+          </a:p>
+          <a:p>
+            <a:endParaRPr lang="en-US" dirty="0"/>
+          </a:p>
+          <a:p>
             <a:r>
               <a:rPr lang="en-US" dirty="0"/>
-              <a:t> in the dataframe below:</a:t>
+              <a:t>    - At noon, we see a sudden spike for "Assault", "Break n Enter", "Auto Theft" </a:t>
             </a:r>
-          </a:p>
-          <a:p>
-            <a:r>
-              <a:rPr lang="en-US" dirty="0"/>
-              <a:t>    ![Most-crime-</a:t>
-            </a:r>
-            <a:r>
-              <a:rPr lang="en-US" dirty="0" err="1"/>
-              <a:t>neighbourhoods</a:t>
-            </a:r>
-            <a:r>
-              <a:rPr lang="en-US" dirty="0"/>
-              <a:t>](Image-Output/Most-crime-neighbourhoods.png)</a:t>
-            </a:r>
-          </a:p>
-          <a:p>
-            <a:endParaRPr lang="en-US" dirty="0"/>
-          </a:p>
-          <a:p>
-            <a:r>
-              <a:rPr lang="en-US" dirty="0"/>
-              <a:t>    - We also see the top 10 most safe </a:t>
-            </a:r>
-            <a:r>
-              <a:rPr lang="en-US" dirty="0" err="1"/>
-              <a:t>neighbourhoods</a:t>
-            </a:r>
-            <a:r>
-              <a:rPr lang="en-US" dirty="0"/>
-              <a:t> in the dataframe below:</a:t>
-            </a:r>
-          </a:p>
-          <a:p>
-            <a:r>
-              <a:rPr lang="en-US" dirty="0"/>
-              <a:t>    ![Least-crime-</a:t>
-            </a:r>
-            <a:r>
-              <a:rPr lang="en-US" dirty="0" err="1"/>
-              <a:t>neighbourhoods</a:t>
-            </a:r>
-            <a:r>
-              <a:rPr lang="en-US" dirty="0"/>
-              <a:t>](Image-Output/Least-crime-neighbourhoods.png)   </a:t>
-            </a:r>
-          </a:p>
-          <a:p>
-            <a:endParaRPr lang="en-US" dirty="0"/>
-          </a:p>
-          <a:p>
-            <a:r>
-              <a:rPr lang="en-US" dirty="0"/>
-              <a:t>    - A heatmap was created with the above </a:t>
-            </a:r>
-            <a:r>
-              <a:rPr lang="en-US" dirty="0" err="1"/>
-              <a:t>neighbourhoods</a:t>
-            </a:r>
-            <a:r>
-              <a:rPr lang="en-US" dirty="0"/>
-              <a:t> as symbol markers, to get an idea of their locations:</a:t>
-            </a:r>
-          </a:p>
-          <a:p>
-            <a:r>
-              <a:rPr lang="en-US" dirty="0"/>
-              <a:t>    ![crime-heatmap-symbols](Image-Output/crime-heatmap-symbols.png)</a:t>
-            </a:r>
-          </a:p>
-          <a:p>
-            <a:r>
-              <a:rPr lang="en-US" dirty="0"/>
-              <a:t>     * 60% of the top 10 most dangerous </a:t>
-            </a:r>
-            <a:r>
-              <a:rPr lang="en-US" dirty="0" err="1"/>
-              <a:t>neighbours</a:t>
-            </a:r>
-            <a:r>
-              <a:rPr lang="en-US" dirty="0"/>
-              <a:t> appear to be in the Toronto downtown area, with the rest spread quite far away from each other.</a:t>
-            </a:r>
-          </a:p>
-          <a:p>
-            <a:endParaRPr lang="en-US" dirty="0"/>
-          </a:p>
-          <a:p>
-            <a:r>
-              <a:rPr lang="en-US" dirty="0"/>
-              <a:t>     * The Yonge-</a:t>
-            </a:r>
-            <a:r>
-              <a:rPr lang="en-US" dirty="0" err="1"/>
-              <a:t>St.Clair</a:t>
-            </a:r>
-            <a:r>
-              <a:rPr lang="en-US" dirty="0"/>
-              <a:t> </a:t>
-            </a:r>
-            <a:r>
-              <a:rPr lang="en-US" dirty="0" err="1"/>
-              <a:t>neighbourhood</a:t>
-            </a:r>
-            <a:r>
-              <a:rPr lang="en-US" dirty="0"/>
-              <a:t>  is considered a safe </a:t>
-            </a:r>
-            <a:r>
-              <a:rPr lang="en-US" dirty="0" err="1"/>
-              <a:t>neighbourhood</a:t>
-            </a:r>
-            <a:r>
-              <a:rPr lang="en-US" dirty="0"/>
-              <a:t> with less crimes - this is interesting given its proximity to downtown Toronto where crime cases are high.</a:t>
-            </a:r>
-          </a:p>
-          <a:p>
-            <a:endParaRPr lang="en-US" dirty="0"/>
-          </a:p>
-          <a:p>
-            <a:r>
-              <a:rPr lang="en-US" dirty="0"/>
-              <a:t>     * There appear to be a marginally higher number of safer </a:t>
-            </a:r>
-            <a:r>
-              <a:rPr lang="en-US" dirty="0" err="1"/>
-              <a:t>neighbourhoods</a:t>
-            </a:r>
-            <a:r>
-              <a:rPr lang="en-US" dirty="0"/>
-              <a:t> in the west end of Toronto.</a:t>
-            </a:r>
+            <a:endParaRPr lang="en-CA" dirty="0"/>
+          </a:p>
+          <a:p>
             <a:endParaRPr lang="en-CA" dirty="0"/>
           </a:p>
         </p:txBody>
@@ -6048,7 +9886,7 @@
           <a:p>
             <a:fld id="{80873457-8BE3-45C0-8852-50006BBD3D86}" type="slidenum">
               <a:rPr lang="en-CA" smtClean="0"/>
-              <a:t>11</a:t>
+              <a:t>10</a:t>
             </a:fld>
             <a:endParaRPr lang="en-CA"/>
           </a:p>
@@ -6057,7 +9895,7 @@
     </p:spTree>
     <p:extLst>
       <p:ext uri="{BB962C8B-B14F-4D97-AF65-F5344CB8AC3E}">
-        <p14:creationId xmlns:p14="http://schemas.microsoft.com/office/powerpoint/2010/main" val="2967237887"/>
+        <p14:creationId xmlns:p14="http://schemas.microsoft.com/office/powerpoint/2010/main" val="1239328905"/>
       </p:ext>
     </p:extLst>
   </p:cSld>
@@ -6113,7 +9951,15 @@
           <a:p>
             <a:r>
               <a:rPr lang="en-US" dirty="0"/>
-              <a:t>Google Places API was called to find police stations within 5000m of the top 10 </a:t>
+              <a:t> - After </a:t>
+            </a:r>
+            <a:r>
+              <a:rPr lang="en-US" dirty="0" err="1"/>
+              <a:t>analysing</a:t>
+            </a:r>
+            <a:r>
+              <a:rPr lang="en-US" dirty="0"/>
+              <a:t> the data, we see the top 10 most dangerous </a:t>
             </a:r>
             <a:r>
               <a:rPr lang="en-US" dirty="0" err="1"/>
@@ -6121,22 +9967,13 @@
             </a:r>
             <a:r>
               <a:rPr lang="en-US" dirty="0"/>
-              <a:t> and these were added as marker symbols on the heatmap:</a:t>
+              <a:t> in the dataframe below:</a:t>
             </a:r>
           </a:p>
           <a:p>
             <a:r>
               <a:rPr lang="en-US" dirty="0"/>
-              <a:t>     ![crime-heatmap-markers](Image-Output/crime-heatmap-markers.png)   </a:t>
-            </a:r>
-          </a:p>
-          <a:p>
-            <a:endParaRPr lang="en-US" dirty="0"/>
-          </a:p>
-          <a:p>
-            <a:r>
-              <a:rPr lang="en-US" dirty="0"/>
-              <a:t>    - It appears that Toronto Police 52 Division is the nearest police station for 6 of the top 10 </a:t>
+              <a:t>    ![Most-crime-</a:t>
             </a:r>
             <a:r>
               <a:rPr lang="en-US" dirty="0" err="1"/>
@@ -6144,7 +9981,16 @@
             </a:r>
             <a:r>
               <a:rPr lang="en-US" dirty="0"/>
-              <a:t> with most crimes. This shows that the </a:t>
+              <a:t>](Image-Output/Most-crime-neighbourhoods.png)</a:t>
+            </a:r>
+          </a:p>
+          <a:p>
+            <a:endParaRPr lang="en-US" dirty="0"/>
+          </a:p>
+          <a:p>
+            <a:r>
+              <a:rPr lang="en-US" dirty="0"/>
+              <a:t>    - We also see the top 10 most safe </a:t>
             </a:r>
             <a:r>
               <a:rPr lang="en-US" dirty="0" err="1"/>
@@ -6152,10 +9998,109 @@
             </a:r>
             <a:r>
               <a:rPr lang="en-US" dirty="0"/>
-              <a:t> are close to one another and also calls to question whether this particular division might be overwhelmed with crime incidents. It would be interesting to dive deeper and find out whether there is a correlation between crime rates and government funding for each police divisions.</a:t>
+              <a:t> in the dataframe below:</a:t>
             </a:r>
           </a:p>
           <a:p>
+            <a:r>
+              <a:rPr lang="en-US" dirty="0"/>
+              <a:t>    ![Least-crime-</a:t>
+            </a:r>
+            <a:r>
+              <a:rPr lang="en-US" dirty="0" err="1"/>
+              <a:t>neighbourhoods</a:t>
+            </a:r>
+            <a:r>
+              <a:rPr lang="en-US" dirty="0"/>
+              <a:t>](Image-Output/Least-crime-neighbourhoods.png)   </a:t>
+            </a:r>
+          </a:p>
+          <a:p>
+            <a:endParaRPr lang="en-US" dirty="0"/>
+          </a:p>
+          <a:p>
+            <a:r>
+              <a:rPr lang="en-US" dirty="0"/>
+              <a:t>    - A heatmap was created with the above </a:t>
+            </a:r>
+            <a:r>
+              <a:rPr lang="en-US" dirty="0" err="1"/>
+              <a:t>neighbourhoods</a:t>
+            </a:r>
+            <a:r>
+              <a:rPr lang="en-US" dirty="0"/>
+              <a:t> as symbol markers, to get an idea of their locations:</a:t>
+            </a:r>
+          </a:p>
+          <a:p>
+            <a:r>
+              <a:rPr lang="en-US" dirty="0"/>
+              <a:t>    ![crime-heatmap-symbols](Image-Output/crime-heatmap-symbols.png)</a:t>
+            </a:r>
+          </a:p>
+          <a:p>
+            <a:r>
+              <a:rPr lang="en-US" dirty="0"/>
+              <a:t>     * 60% of the top 10 most dangerous </a:t>
+            </a:r>
+            <a:r>
+              <a:rPr lang="en-US" dirty="0" err="1"/>
+              <a:t>neighbours</a:t>
+            </a:r>
+            <a:r>
+              <a:rPr lang="en-US" dirty="0"/>
+              <a:t> appear to be in the Toronto downtown area, with the rest spread quite far away from each other.</a:t>
+            </a:r>
+          </a:p>
+          <a:p>
+            <a:endParaRPr lang="en-US" dirty="0"/>
+          </a:p>
+          <a:p>
+            <a:r>
+              <a:rPr lang="en-US" dirty="0"/>
+              <a:t>     * The Yonge-</a:t>
+            </a:r>
+            <a:r>
+              <a:rPr lang="en-US" dirty="0" err="1"/>
+              <a:t>St.Clair</a:t>
+            </a:r>
+            <a:r>
+              <a:rPr lang="en-US" dirty="0"/>
+              <a:t> </a:t>
+            </a:r>
+            <a:r>
+              <a:rPr lang="en-US" dirty="0" err="1"/>
+              <a:t>neighbourhood</a:t>
+            </a:r>
+            <a:r>
+              <a:rPr lang="en-US" dirty="0"/>
+              <a:t>  is considered a safe </a:t>
+            </a:r>
+            <a:r>
+              <a:rPr lang="en-US" dirty="0" err="1"/>
+              <a:t>neighbourhood</a:t>
+            </a:r>
+            <a:r>
+              <a:rPr lang="en-US" dirty="0"/>
+              <a:t> with less crimes - this is interesting given its proximity to downtown Toronto where crime cases are high.</a:t>
+            </a:r>
+          </a:p>
+          <a:p>
+            <a:endParaRPr lang="en-US" dirty="0"/>
+          </a:p>
+          <a:p>
+            <a:r>
+              <a:rPr lang="en-US" dirty="0"/>
+              <a:t>     * There appear to be a marginally higher number of safer </a:t>
+            </a:r>
+            <a:r>
+              <a:rPr lang="en-US" dirty="0" err="1"/>
+              <a:t>neighbourhoods</a:t>
+            </a:r>
+            <a:r>
+              <a:rPr lang="en-US" dirty="0"/>
+              <a:t> in the west end of Toronto.</a:t>
+            </a:r>
             <a:endParaRPr lang="en-CA" dirty="0"/>
           </a:p>
         </p:txBody>
@@ -6177,7 +10122,7 @@
           <a:p>
             <a:fld id="{80873457-8BE3-45C0-8852-50006BBD3D86}" type="slidenum">
               <a:rPr lang="en-CA" smtClean="0"/>
-              <a:t>12</a:t>
+              <a:t>11</a:t>
             </a:fld>
             <a:endParaRPr lang="en-CA"/>
           </a:p>
@@ -6186,7 +10131,7 @@
     </p:spTree>
     <p:extLst>
       <p:ext uri="{BB962C8B-B14F-4D97-AF65-F5344CB8AC3E}">
-        <p14:creationId xmlns:p14="http://schemas.microsoft.com/office/powerpoint/2010/main" val="4061177503"/>
+        <p14:creationId xmlns:p14="http://schemas.microsoft.com/office/powerpoint/2010/main" val="2967237887"/>
       </p:ext>
     </p:extLst>
   </p:cSld>
@@ -16262,7 +20207,7 @@
           <a:lstStyle/>
           <a:p>
             <a:r>
-              <a:rPr lang="en-US" kern="1200" dirty="0">
+              <a:rPr lang="en-US" b="1" kern="1200">
                 <a:solidFill>
                   <a:srgbClr val="000000"/>
                 </a:solidFill>
@@ -16272,6 +20217,14 @@
               </a:rPr>
               <a:t>Project Description</a:t>
             </a:r>
+            <a:endParaRPr lang="en-US" b="1" kern="1200" dirty="0">
+              <a:solidFill>
+                <a:srgbClr val="000000"/>
+              </a:solidFill>
+              <a:latin typeface="+mj-lt"/>
+              <a:ea typeface="+mj-ea"/>
+              <a:cs typeface="+mj-cs"/>
+            </a:endParaRPr>
           </a:p>
         </p:txBody>
       </p:sp>
@@ -16293,8 +20246,8 @@
         </p:nvSpPr>
         <p:spPr>
           <a:xfrm>
-            <a:off x="616583" y="885650"/>
-            <a:ext cx="4805691" cy="838831"/>
+            <a:off x="584146" y="1677657"/>
+            <a:ext cx="5185826" cy="2428240"/>
           </a:xfrm>
         </p:spPr>
         <p:txBody>
@@ -16307,7 +20260,7 @@
               <a:buNone/>
             </a:pPr>
             <a:r>
-              <a:rPr lang="en-US" sz="1800" kern="1200">
+              <a:rPr lang="en-US" sz="2000" kern="1200" dirty="0">
                 <a:solidFill>
                   <a:srgbClr val="000000"/>
                 </a:solidFill>
@@ -16315,7 +20268,84 @@
                 <a:ea typeface="+mn-ea"/>
                 <a:cs typeface="+mn-cs"/>
               </a:rPr>
-              <a:t>As a newcomer to Toronto, ….</a:t>
+              <a:t>As a newcomer to Toronto, I want to live in a safe and friendly neighborhood.</a:t>
+            </a:r>
+          </a:p>
+          <a:p>
+            <a:pPr marL="0" indent="0">
+              <a:buNone/>
+            </a:pPr>
+            <a:r>
+              <a:rPr lang="en-US" sz="2000" dirty="0">
+                <a:solidFill>
+                  <a:srgbClr val="000000"/>
+                </a:solidFill>
+              </a:rPr>
+              <a:t>But, </a:t>
+            </a:r>
+          </a:p>
+          <a:p>
+            <a:pPr>
+              <a:buFontTx/>
+              <a:buChar char="-"/>
+            </a:pPr>
+            <a:r>
+              <a:rPr lang="en-US" sz="2000" dirty="0">
+                <a:solidFill>
+                  <a:srgbClr val="000000"/>
+                </a:solidFill>
+              </a:rPr>
+              <a:t>How can I know which place is safer?</a:t>
+            </a:r>
+          </a:p>
+          <a:p>
+            <a:pPr>
+              <a:buFontTx/>
+              <a:buChar char="-"/>
+            </a:pPr>
+            <a:r>
+              <a:rPr lang="en-US" sz="2000" kern="1200" dirty="0">
+                <a:solidFill>
+                  <a:srgbClr val="000000"/>
+                </a:solidFill>
+                <a:latin typeface="+mn-lt"/>
+                <a:ea typeface="+mn-ea"/>
+                <a:cs typeface="+mn-cs"/>
+              </a:rPr>
+              <a:t>How should I </a:t>
+            </a:r>
+            <a:r>
+              <a:rPr lang="en-US" sz="2000" dirty="0">
+                <a:solidFill>
+                  <a:srgbClr val="000000"/>
+                </a:solidFill>
+              </a:rPr>
+              <a:t>locate those neighborhood?</a:t>
+            </a:r>
+          </a:p>
+          <a:p>
+            <a:pPr>
+              <a:buFontTx/>
+              <a:buChar char="-"/>
+            </a:pPr>
+            <a:r>
+              <a:rPr lang="en-US" sz="2000" kern="1200" dirty="0">
+                <a:solidFill>
+                  <a:srgbClr val="000000"/>
+                </a:solidFill>
+                <a:latin typeface="+mn-lt"/>
+                <a:ea typeface="+mn-ea"/>
+                <a:cs typeface="+mn-cs"/>
+              </a:rPr>
+              <a:t>How can I confirm if </a:t>
+            </a:r>
+            <a:r>
+              <a:rPr lang="en-US" sz="2000" dirty="0">
+                <a:solidFill>
+                  <a:srgbClr val="000000"/>
+                </a:solidFill>
+              </a:rPr>
+              <a:t>that place is always safe?</a:t>
             </a:r>
           </a:p>
         </p:txBody>
@@ -17056,6 +21086,502 @@
       </p:grpSpPr>
       <p:sp>
         <p:nvSpPr>
+          <p:cNvPr id="20" name="Rectangle 19">
+            <a:extLst>
+              <a:ext uri="{FF2B5EF4-FFF2-40B4-BE49-F238E27FC236}">
+                <a16:creationId xmlns:a16="http://schemas.microsoft.com/office/drawing/2014/main" id="{2B566528-1B12-4246-9431-5C2D7D081168}"/>
+              </a:ext>
+              <a:ext uri="{C183D7F6-B498-43B3-948B-1728B52AA6E4}">
+                <adec:decorative xmlns:adec="http://schemas.microsoft.com/office/drawing/2017/decorative" val="1"/>
+              </a:ext>
+            </a:extLst>
+          </p:cNvPr>
+          <p:cNvSpPr>
+            <a:spLocks noGrp="1" noRot="1" noChangeAspect="1" noMove="1" noResize="1" noEditPoints="1" noAdjustHandles="1" noChangeArrowheads="1" noChangeShapeType="1" noTextEdit="1"/>
+          </p:cNvSpPr>
+          <p:nvPr>
+            <p:extLst>
+              <p:ext uri="{386F3935-93C4-4BCD-93E2-E3B085C9AB24}">
+                <p16:designElem xmlns:p16="http://schemas.microsoft.com/office/powerpoint/2015/main" val="1"/>
+              </p:ext>
+            </p:extLst>
+          </p:nvPr>
+        </p:nvSpPr>
+        <p:spPr>
+          <a:xfrm>
+            <a:off x="0" y="0"/>
+            <a:ext cx="12192000" cy="6858000"/>
+          </a:xfrm>
+          <a:prstGeom prst="rect">
+            <a:avLst/>
+          </a:prstGeom>
+          <a:solidFill>
+            <a:schemeClr val="bg1"/>
+          </a:solidFill>
+          <a:ln>
+            <a:noFill/>
+          </a:ln>
+        </p:spPr>
+        <p:style>
+          <a:lnRef idx="2">
+            <a:schemeClr val="accent1">
+              <a:shade val="50000"/>
+            </a:schemeClr>
+          </a:lnRef>
+          <a:fillRef idx="1">
+            <a:schemeClr val="accent1"/>
+          </a:fillRef>
+          <a:effectRef idx="0">
+            <a:schemeClr val="accent1"/>
+          </a:effectRef>
+          <a:fontRef idx="minor">
+            <a:schemeClr val="lt1"/>
+          </a:fontRef>
+        </p:style>
+        <p:txBody>
+          <a:bodyPr rtlCol="0" anchor="ctr"/>
+          <a:lstStyle/>
+          <a:p>
+            <a:pPr algn="ctr"/>
+            <a:endParaRPr lang="en-US" dirty="0"/>
+          </a:p>
+        </p:txBody>
+      </p:sp>
+      <p:sp>
+        <p:nvSpPr>
+          <p:cNvPr id="2" name="Title 1">
+            <a:extLst>
+              <a:ext uri="{FF2B5EF4-FFF2-40B4-BE49-F238E27FC236}">
+                <a16:creationId xmlns:a16="http://schemas.microsoft.com/office/drawing/2014/main" id="{CFC895B5-9385-4DB8-8B01-239A78D804BD}"/>
+              </a:ext>
+            </a:extLst>
+          </p:cNvPr>
+          <p:cNvSpPr>
+            <a:spLocks noGrp="1"/>
+          </p:cNvSpPr>
+          <p:nvPr>
+            <p:ph type="title"/>
+          </p:nvPr>
+        </p:nvSpPr>
+        <p:spPr>
+          <a:xfrm>
+            <a:off x="643467" y="321734"/>
+            <a:ext cx="6901193" cy="1135737"/>
+          </a:xfrm>
+        </p:spPr>
+        <p:txBody>
+          <a:bodyPr>
+            <a:normAutofit/>
+          </a:bodyPr>
+          <a:lstStyle/>
+          <a:p>
+            <a:r>
+              <a:rPr lang="en-US" sz="3600" b="1" dirty="0"/>
+              <a:t>Process and Decision Making</a:t>
+            </a:r>
+            <a:endParaRPr lang="en-CA" sz="3600" b="1" dirty="0"/>
+          </a:p>
+        </p:txBody>
+      </p:sp>
+      <p:sp>
+        <p:nvSpPr>
+          <p:cNvPr id="22" name="Isosceles Triangle 21">
+            <a:extLst>
+              <a:ext uri="{FF2B5EF4-FFF2-40B4-BE49-F238E27FC236}">
+                <a16:creationId xmlns:a16="http://schemas.microsoft.com/office/drawing/2014/main" id="{D3F51FEB-38FB-4F6C-9F7B-2F2AFAB65463}"/>
+              </a:ext>
+              <a:ext uri="{C183D7F6-B498-43B3-948B-1728B52AA6E4}">
+                <adec:decorative xmlns:adec="http://schemas.microsoft.com/office/drawing/2017/decorative" val="1"/>
+              </a:ext>
+            </a:extLst>
+          </p:cNvPr>
+          <p:cNvSpPr>
+            <a:spLocks noGrp="1" noRot="1" noChangeAspect="1" noMove="1" noResize="1" noEditPoints="1" noAdjustHandles="1" noChangeArrowheads="1" noChangeShapeType="1" noTextEdit="1"/>
+          </p:cNvSpPr>
+          <p:nvPr>
+            <p:extLst>
+              <p:ext uri="{386F3935-93C4-4BCD-93E2-E3B085C9AB24}">
+                <p16:designElem xmlns:p16="http://schemas.microsoft.com/office/powerpoint/2015/main" val="1"/>
+              </p:ext>
+            </p:extLst>
+          </p:nvPr>
+        </p:nvSpPr>
+        <p:spPr>
+          <a:xfrm rot="5400000">
+            <a:off x="-501760" y="5103257"/>
+            <a:ext cx="2017580" cy="1014060"/>
+          </a:xfrm>
+          <a:prstGeom prst="triangle">
+            <a:avLst>
+              <a:gd name="adj" fmla="val 50000"/>
+            </a:avLst>
+          </a:prstGeom>
+          <a:solidFill>
+            <a:schemeClr val="accent1">
+              <a:alpha val="30000"/>
+            </a:schemeClr>
+          </a:solidFill>
+          <a:ln>
+            <a:noFill/>
+          </a:ln>
+        </p:spPr>
+        <p:style>
+          <a:lnRef idx="2">
+            <a:schemeClr val="accent1">
+              <a:shade val="50000"/>
+            </a:schemeClr>
+          </a:lnRef>
+          <a:fillRef idx="1">
+            <a:schemeClr val="accent1"/>
+          </a:fillRef>
+          <a:effectRef idx="0">
+            <a:schemeClr val="accent1"/>
+          </a:effectRef>
+          <a:fontRef idx="minor">
+            <a:schemeClr val="lt1"/>
+          </a:fontRef>
+        </p:style>
+        <p:txBody>
+          <a:bodyPr rtlCol="0" anchor="ctr"/>
+          <a:lstStyle/>
+          <a:p>
+            <a:pPr algn="ctr"/>
+            <a:endParaRPr lang="en-US"/>
+          </a:p>
+        </p:txBody>
+      </p:sp>
+      <p:sp>
+        <p:nvSpPr>
+          <p:cNvPr id="24" name="Rectangle 23">
+            <a:extLst>
+              <a:ext uri="{FF2B5EF4-FFF2-40B4-BE49-F238E27FC236}">
+                <a16:creationId xmlns:a16="http://schemas.microsoft.com/office/drawing/2014/main" id="{1E547BA6-BAE0-43BB-A7CA-60F69CE252F0}"/>
+              </a:ext>
+              <a:ext uri="{C183D7F6-B498-43B3-948B-1728B52AA6E4}">
+                <adec:decorative xmlns:adec="http://schemas.microsoft.com/office/drawing/2017/decorative" val="1"/>
+              </a:ext>
+            </a:extLst>
+          </p:cNvPr>
+          <p:cNvSpPr>
+            <a:spLocks noGrp="1" noRot="1" noChangeAspect="1" noMove="1" noResize="1" noEditPoints="1" noAdjustHandles="1" noChangeArrowheads="1" noChangeShapeType="1" noTextEdit="1"/>
+          </p:cNvSpPr>
+          <p:nvPr>
+            <p:extLst>
+              <p:ext uri="{386F3935-93C4-4BCD-93E2-E3B085C9AB24}">
+                <p16:designElem xmlns:p16="http://schemas.microsoft.com/office/powerpoint/2015/main" val="1"/>
+              </p:ext>
+            </p:extLst>
+          </p:nvPr>
+        </p:nvSpPr>
+        <p:spPr>
+          <a:xfrm rot="2700000">
+            <a:off x="427916" y="5728708"/>
+            <a:ext cx="485578" cy="485578"/>
+          </a:xfrm>
+          <a:prstGeom prst="rect">
+            <a:avLst/>
+          </a:prstGeom>
+          <a:solidFill>
+            <a:schemeClr val="accent1">
+              <a:alpha val="30000"/>
+            </a:schemeClr>
+          </a:solidFill>
+          <a:ln>
+            <a:noFill/>
+          </a:ln>
+        </p:spPr>
+        <p:style>
+          <a:lnRef idx="2">
+            <a:schemeClr val="accent1">
+              <a:shade val="50000"/>
+            </a:schemeClr>
+          </a:lnRef>
+          <a:fillRef idx="1">
+            <a:schemeClr val="accent1"/>
+          </a:fillRef>
+          <a:effectRef idx="0">
+            <a:schemeClr val="accent1"/>
+          </a:effectRef>
+          <a:fontRef idx="minor">
+            <a:schemeClr val="lt1"/>
+          </a:fontRef>
+        </p:style>
+        <p:txBody>
+          <a:bodyPr rtlCol="0" anchor="ctr"/>
+          <a:lstStyle/>
+          <a:p>
+            <a:pPr algn="ctr"/>
+            <a:endParaRPr lang="en-US"/>
+          </a:p>
+        </p:txBody>
+      </p:sp>
+      <p:pic>
+        <p:nvPicPr>
+          <p:cNvPr id="8" name="Graphic 7" descr="Group brainstorm">
+            <a:extLst>
+              <a:ext uri="{FF2B5EF4-FFF2-40B4-BE49-F238E27FC236}">
+                <a16:creationId xmlns:a16="http://schemas.microsoft.com/office/drawing/2014/main" id="{3EF0FB8D-D4F6-4A5A-90C4-2B25C30F9EC5}"/>
+              </a:ext>
+            </a:extLst>
+          </p:cNvPr>
+          <p:cNvPicPr>
+            <a:picLocks noChangeAspect="1"/>
+          </p:cNvPicPr>
+          <p:nvPr/>
+        </p:nvPicPr>
+        <p:blipFill>
+          <a:blip r:embed="rId3">
+            <a:extLst>
+              <a:ext uri="{28A0092B-C50C-407E-A947-70E740481C1C}">
+                <a14:useLocalDpi xmlns:a14="http://schemas.microsoft.com/office/drawing/2010/main" val="0"/>
+              </a:ext>
+              <a:ext uri="{96DAC541-7B7A-43D3-8B79-37D633B846F1}">
+                <asvg:svgBlip xmlns:asvg="http://schemas.microsoft.com/office/drawing/2016/SVG/main" r:embed="rId4"/>
+              </a:ext>
+            </a:extLst>
+          </a:blip>
+          <a:stretch>
+            <a:fillRect/>
+          </a:stretch>
+        </p:blipFill>
+        <p:spPr>
+          <a:xfrm>
+            <a:off x="8414509" y="1714668"/>
+            <a:ext cx="3428663" cy="3428663"/>
+          </a:xfrm>
+          <a:prstGeom prst="rect">
+            <a:avLst/>
+          </a:prstGeom>
+        </p:spPr>
+      </p:pic>
+      <p:grpSp>
+        <p:nvGrpSpPr>
+          <p:cNvPr id="26" name="Group 25">
+            <a:extLst>
+              <a:ext uri="{FF2B5EF4-FFF2-40B4-BE49-F238E27FC236}">
+                <a16:creationId xmlns:a16="http://schemas.microsoft.com/office/drawing/2014/main" id="{912209CB-3E4C-43AE-B507-08269FAE89F5}"/>
+              </a:ext>
+              <a:ext uri="{C183D7F6-B498-43B3-948B-1728B52AA6E4}">
+                <adec:decorative xmlns:adec="http://schemas.microsoft.com/office/drawing/2017/decorative" val="1"/>
+              </a:ext>
+            </a:extLst>
+          </p:cNvPr>
+          <p:cNvGrpSpPr>
+            <a:grpSpLocks noGrp="1" noUngrp="1" noRot="1" noChangeAspect="1" noMove="1" noResize="1"/>
+          </p:cNvGrpSpPr>
+          <p:nvPr>
+            <p:extLst>
+              <p:ext uri="{386F3935-93C4-4BCD-93E2-E3B085C9AB24}">
+                <p16:designElem xmlns:p16="http://schemas.microsoft.com/office/powerpoint/2015/main" val="1"/>
+              </p:ext>
+            </p:extLst>
+          </p:nvPr>
+        </p:nvGrpSpPr>
+        <p:grpSpPr>
+          <a:xfrm>
+            <a:off x="11094720" y="0"/>
+            <a:ext cx="1097280" cy="1097280"/>
+            <a:chOff x="11094720" y="0"/>
+            <a:chExt cx="1097280" cy="1097280"/>
+          </a:xfrm>
+        </p:grpSpPr>
+        <p:sp>
+          <p:nvSpPr>
+            <p:cNvPr id="27" name="Isosceles Triangle 26">
+              <a:extLst>
+                <a:ext uri="{FF2B5EF4-FFF2-40B4-BE49-F238E27FC236}">
+                  <a16:creationId xmlns:a16="http://schemas.microsoft.com/office/drawing/2014/main" id="{A580F890-B085-4E95-96AA-55AEBEC5CE6E}"/>
+                </a:ext>
+                <a:ext uri="{C183D7F6-B498-43B3-948B-1728B52AA6E4}">
+                  <adec:decorative xmlns:adec="http://schemas.microsoft.com/office/drawing/2017/decorative" val="1"/>
+                </a:ext>
+              </a:extLst>
+            </p:cNvPr>
+            <p:cNvSpPr/>
+            <p:nvPr>
+              <p:extLst>
+                <p:ext uri="{386F3935-93C4-4BCD-93E2-E3B085C9AB24}">
+                  <p16:designElem xmlns:p16="http://schemas.microsoft.com/office/powerpoint/2015/main" val="1"/>
+                </p:ext>
+              </p:extLst>
+            </p:nvPr>
+          </p:nvSpPr>
+          <p:spPr>
+            <a:xfrm rot="16200000">
+              <a:off x="11094720" y="0"/>
+              <a:ext cx="1097280" cy="1097280"/>
+            </a:xfrm>
+            <a:prstGeom prst="triangle">
+              <a:avLst>
+                <a:gd name="adj" fmla="val 100000"/>
+              </a:avLst>
+            </a:prstGeom>
+            <a:solidFill>
+              <a:schemeClr val="accent4">
+                <a:alpha val="30000"/>
+              </a:schemeClr>
+            </a:solidFill>
+            <a:ln>
+              <a:noFill/>
+            </a:ln>
+          </p:spPr>
+          <p:style>
+            <a:lnRef idx="2">
+              <a:schemeClr val="accent1">
+                <a:shade val="50000"/>
+              </a:schemeClr>
+            </a:lnRef>
+            <a:fillRef idx="1">
+              <a:schemeClr val="accent1"/>
+            </a:fillRef>
+            <a:effectRef idx="0">
+              <a:schemeClr val="accent1"/>
+            </a:effectRef>
+            <a:fontRef idx="minor">
+              <a:schemeClr val="lt1"/>
+            </a:fontRef>
+          </p:style>
+          <p:txBody>
+            <a:bodyPr rtlCol="0" anchor="ctr"/>
+            <a:lstStyle/>
+            <a:p>
+              <a:pPr algn="ctr"/>
+              <a:endParaRPr lang="en-US" dirty="0"/>
+            </a:p>
+          </p:txBody>
+        </p:sp>
+        <p:sp>
+          <p:nvSpPr>
+            <p:cNvPr id="28" name="Rectangle 27">
+              <a:extLst>
+                <a:ext uri="{FF2B5EF4-FFF2-40B4-BE49-F238E27FC236}">
+                  <a16:creationId xmlns:a16="http://schemas.microsoft.com/office/drawing/2014/main" id="{7BCB7912-FEA6-4C89-8E9B-D95EF15647EA}"/>
+                </a:ext>
+                <a:ext uri="{C183D7F6-B498-43B3-948B-1728B52AA6E4}">
+                  <adec:decorative xmlns:adec="http://schemas.microsoft.com/office/drawing/2017/decorative" val="1"/>
+                </a:ext>
+              </a:extLst>
+            </p:cNvPr>
+            <p:cNvSpPr/>
+            <p:nvPr>
+              <p:extLst>
+                <p:ext uri="{386F3935-93C4-4BCD-93E2-E3B085C9AB24}">
+                  <p16:designElem xmlns:p16="http://schemas.microsoft.com/office/powerpoint/2015/main" val="1"/>
+                </p:ext>
+              </p:extLst>
+            </p:nvPr>
+          </p:nvSpPr>
+          <p:spPr>
+            <a:xfrm rot="2700000">
+              <a:off x="11189552" y="127618"/>
+              <a:ext cx="457894" cy="457894"/>
+            </a:xfrm>
+            <a:prstGeom prst="rect">
+              <a:avLst/>
+            </a:prstGeom>
+            <a:solidFill>
+              <a:schemeClr val="accent4">
+                <a:alpha val="30000"/>
+              </a:schemeClr>
+            </a:solidFill>
+            <a:ln>
+              <a:noFill/>
+            </a:ln>
+          </p:spPr>
+          <p:style>
+            <a:lnRef idx="2">
+              <a:schemeClr val="accent1">
+                <a:shade val="50000"/>
+              </a:schemeClr>
+            </a:lnRef>
+            <a:fillRef idx="1">
+              <a:schemeClr val="accent1"/>
+            </a:fillRef>
+            <a:effectRef idx="0">
+              <a:schemeClr val="accent1"/>
+            </a:effectRef>
+            <a:fontRef idx="minor">
+              <a:schemeClr val="lt1"/>
+            </a:fontRef>
+          </p:style>
+          <p:txBody>
+            <a:bodyPr rtlCol="0" anchor="ctr"/>
+            <a:lstStyle/>
+            <a:p>
+              <a:pPr algn="ctr"/>
+              <a:endParaRPr lang="en-US"/>
+            </a:p>
+          </p:txBody>
+        </p:sp>
+      </p:grpSp>
+      <p:graphicFrame>
+        <p:nvGraphicFramePr>
+          <p:cNvPr id="4" name="Diagram 3">
+            <a:extLst>
+              <a:ext uri="{FF2B5EF4-FFF2-40B4-BE49-F238E27FC236}">
+                <a16:creationId xmlns:a16="http://schemas.microsoft.com/office/drawing/2014/main" id="{F464E22B-85FC-4645-8FCF-4E0D881C065B}"/>
+              </a:ext>
+            </a:extLst>
+          </p:cNvPr>
+          <p:cNvGraphicFramePr/>
+          <p:nvPr>
+            <p:extLst>
+              <p:ext uri="{D42A27DB-BD31-4B8C-83A1-F6EECF244321}">
+                <p14:modId xmlns:p14="http://schemas.microsoft.com/office/powerpoint/2010/main" val="959450217"/>
+              </p:ext>
+            </p:extLst>
+          </p:nvPr>
+        </p:nvGraphicFramePr>
+        <p:xfrm>
+          <a:off x="643468" y="1589940"/>
+          <a:ext cx="7771041" cy="4753285"/>
+        </p:xfrm>
+        <a:graphic>
+          <a:graphicData uri="http://schemas.openxmlformats.org/drawingml/2006/diagram">
+            <dgm:relIds xmlns:dgm="http://schemas.openxmlformats.org/drawingml/2006/diagram" xmlns:r="http://schemas.openxmlformats.org/officeDocument/2006/relationships" r:dm="rId5" r:lo="rId6" r:qs="rId7" r:cs="rId8"/>
+          </a:graphicData>
+        </a:graphic>
+      </p:graphicFrame>
+    </p:spTree>
+    <p:extLst>
+      <p:ext uri="{BB962C8B-B14F-4D97-AF65-F5344CB8AC3E}">
+        <p14:creationId xmlns:p14="http://schemas.microsoft.com/office/powerpoint/2010/main" val="3363572087"/>
+      </p:ext>
+    </p:extLst>
+  </p:cSld>
+  <p:clrMapOvr>
+    <a:masterClrMapping/>
+  </p:clrMapOvr>
+</p:sld>
+</file>
+
+<file path=ppt/slides/slide4.xml><?xml version="1.0" encoding="utf-8"?>
+<p:sld xmlns:a="http://schemas.openxmlformats.org/drawingml/2006/main" xmlns:r="http://schemas.openxmlformats.org/officeDocument/2006/relationships" xmlns:p="http://schemas.openxmlformats.org/presentationml/2006/main">
+  <p:cSld>
+    <p:bg>
+      <p:bgPr>
+        <a:solidFill>
+          <a:schemeClr val="bg1"/>
+        </a:solidFill>
+        <a:effectLst/>
+      </p:bgPr>
+    </p:bg>
+    <p:spTree>
+      <p:nvGrpSpPr>
+        <p:cNvPr id="1" name=""/>
+        <p:cNvGrpSpPr/>
+        <p:nvPr/>
+      </p:nvGrpSpPr>
+      <p:grpSpPr>
+        <a:xfrm>
+          <a:off x="0" y="0"/>
+          <a:ext cx="0" cy="0"/>
+          <a:chOff x="0" y="0"/>
+          <a:chExt cx="0" cy="0"/>
+        </a:xfrm>
+      </p:grpSpPr>
+      <p:sp>
+        <p:nvSpPr>
           <p:cNvPr id="19" name="Rectangle 18">
             <a:extLst>
               <a:ext uri="{FF2B5EF4-FFF2-40B4-BE49-F238E27FC236}">
@@ -17205,14 +21731,14 @@
           <a:lstStyle/>
           <a:p>
             <a:r>
-              <a:rPr lang="en-US" sz="3600" dirty="0">
+              <a:rPr lang="en-US" sz="3600" b="1" dirty="0">
                 <a:solidFill>
                   <a:srgbClr val="000000"/>
                 </a:solidFill>
               </a:rPr>
               <a:t>Our investigation targets</a:t>
             </a:r>
-            <a:endParaRPr lang="en-CA" sz="3600" dirty="0">
+            <a:endParaRPr lang="en-CA" sz="3600" b="1" dirty="0">
               <a:solidFill>
                 <a:srgbClr val="000000"/>
               </a:solidFill>
@@ -17537,7 +22063,7 @@
                   <a:srgbClr val="000000"/>
                 </a:solidFill>
               </a:rPr>
-              <a:t>A) Safeties and Most Dangerous Neighborhood</a:t>
+              <a:t>A) Safest and Most Dangerous Neighborhood</a:t>
             </a:r>
           </a:p>
           <a:p>
@@ -17563,21 +22089,8 @@
                   <a:srgbClr val="000000"/>
                 </a:solidFill>
               </a:rPr>
-              <a:t>        C) Occurrence pattern for specific type of </a:t>
+              <a:t>        C) Occurrence pattern for specific type of crimes</a:t>
             </a:r>
-            <a:r>
-              <a:rPr lang="en-US" sz="2400" dirty="0" err="1">
-                <a:solidFill>
-                  <a:srgbClr val="000000"/>
-                </a:solidFill>
-              </a:rPr>
-              <a:t>cirmes</a:t>
-            </a:r>
-            <a:endParaRPr lang="en-US" sz="2400" dirty="0">
-              <a:solidFill>
-                <a:srgbClr val="000000"/>
-              </a:solidFill>
-            </a:endParaRPr>
           </a:p>
           <a:p>
             <a:pPr marL="457200" indent="-457200">
@@ -17638,9 +22151,17 @@
 </p:sld>
 </file>
 
-<file path=ppt/slides/slide4.xml><?xml version="1.0" encoding="utf-8"?>
+<file path=ppt/slides/slide5.xml><?xml version="1.0" encoding="utf-8"?>
 <p:sld xmlns:a="http://schemas.openxmlformats.org/drawingml/2006/main" xmlns:r="http://schemas.openxmlformats.org/officeDocument/2006/relationships" xmlns:p="http://schemas.openxmlformats.org/presentationml/2006/main">
   <p:cSld>
+    <p:bg>
+      <p:bgPr>
+        <a:solidFill>
+          <a:schemeClr val="bg1"/>
+        </a:solidFill>
+        <a:effectLst/>
+      </p:bgPr>
+    </p:bg>
     <p:spTree>
       <p:nvGrpSpPr>
         <p:cNvPr id="1" name=""/>
@@ -17657,6 +22178,69 @@
       </p:grpSpPr>
       <p:sp>
         <p:nvSpPr>
+          <p:cNvPr id="42" name="Rectangle 41">
+            <a:extLst>
+              <a:ext uri="{FF2B5EF4-FFF2-40B4-BE49-F238E27FC236}">
+                <a16:creationId xmlns:a16="http://schemas.microsoft.com/office/drawing/2014/main" id="{2B566528-1B12-4246-9431-5C2D7D081168}"/>
+              </a:ext>
+              <a:ext uri="{C183D7F6-B498-43B3-948B-1728B52AA6E4}">
+                <adec:decorative xmlns:adec="http://schemas.microsoft.com/office/drawing/2017/decorative" val="1"/>
+              </a:ext>
+            </a:extLst>
+          </p:cNvPr>
+          <p:cNvSpPr>
+            <a:spLocks noGrp="1" noRot="1" noChangeAspect="1" noMove="1" noResize="1" noEditPoints="1" noAdjustHandles="1" noChangeArrowheads="1" noChangeShapeType="1" noTextEdit="1"/>
+          </p:cNvSpPr>
+          <p:nvPr>
+            <p:extLst>
+              <p:ext uri="{386F3935-93C4-4BCD-93E2-E3B085C9AB24}">
+                <p16:designElem xmlns:p16="http://schemas.microsoft.com/office/powerpoint/2015/main" val="1"/>
+              </p:ext>
+            </p:extLst>
+          </p:nvPr>
+        </p:nvSpPr>
+        <p:spPr>
+          <a:xfrm>
+            <a:off x="0" y="0"/>
+            <a:ext cx="12192000" cy="6858000"/>
+          </a:xfrm>
+          <a:prstGeom prst="rect">
+            <a:avLst/>
+          </a:prstGeom>
+          <a:solidFill>
+            <a:schemeClr val="bg1"/>
+          </a:solidFill>
+          <a:ln>
+            <a:noFill/>
+          </a:ln>
+        </p:spPr>
+        <p:style>
+          <a:lnRef idx="2">
+            <a:schemeClr val="accent1">
+              <a:shade val="50000"/>
+            </a:schemeClr>
+          </a:lnRef>
+          <a:fillRef idx="1">
+            <a:schemeClr val="accent1"/>
+          </a:fillRef>
+          <a:effectRef idx="0">
+            <a:schemeClr val="accent1"/>
+          </a:effectRef>
+          <a:fontRef idx="minor">
+            <a:schemeClr val="lt1"/>
+          </a:fontRef>
+        </p:style>
+        <p:txBody>
+          <a:bodyPr rtlCol="0" anchor="ctr"/>
+          <a:lstStyle/>
+          <a:p>
+            <a:pPr algn="ctr"/>
+            <a:endParaRPr lang="en-US" dirty="0"/>
+          </a:p>
+        </p:txBody>
+      </p:sp>
+      <p:sp>
+        <p:nvSpPr>
           <p:cNvPr id="2" name="Title 1">
             <a:extLst>
               <a:ext uri="{FF2B5EF4-FFF2-40B4-BE49-F238E27FC236}">
@@ -17671,50 +22255,572 @@
             <p:ph type="title"/>
           </p:nvPr>
         </p:nvSpPr>
-        <p:spPr/>
+        <p:spPr>
+          <a:xfrm>
+            <a:off x="643467" y="321734"/>
+            <a:ext cx="6901193" cy="1135737"/>
+          </a:xfrm>
+        </p:spPr>
         <p:txBody>
-          <a:bodyPr/>
+          <a:bodyPr vert="horz" lIns="91440" tIns="45720" rIns="91440" bIns="45720" rtlCol="0" anchor="ctr">
+            <a:normAutofit/>
+          </a:bodyPr>
           <a:lstStyle/>
           <a:p>
             <a:r>
-              <a:rPr lang="en-US" dirty="0"/>
-              <a:t>Data Resources and Considerations</a:t>
+              <a:rPr lang="en-US" sz="3600" b="1" dirty="0"/>
+              <a:t>Data Cleaning and Considerations</a:t>
             </a:r>
-            <a:endParaRPr lang="en-CA" dirty="0"/>
+          </a:p>
+        </p:txBody>
+      </p:sp>
+      <p:grpSp>
+        <p:nvGrpSpPr>
+          <p:cNvPr id="44" name="Group 43">
+            <a:extLst>
+              <a:ext uri="{FF2B5EF4-FFF2-40B4-BE49-F238E27FC236}">
+                <a16:creationId xmlns:a16="http://schemas.microsoft.com/office/drawing/2014/main" id="{912209CB-3E4C-43AE-B507-08269FAE89F5}"/>
+              </a:ext>
+              <a:ext uri="{C183D7F6-B498-43B3-948B-1728B52AA6E4}">
+                <adec:decorative xmlns:adec="http://schemas.microsoft.com/office/drawing/2017/decorative" val="1"/>
+              </a:ext>
+            </a:extLst>
+          </p:cNvPr>
+          <p:cNvGrpSpPr>
+            <a:grpSpLocks noGrp="1" noUngrp="1" noRot="1" noChangeAspect="1" noMove="1" noResize="1"/>
+          </p:cNvGrpSpPr>
+          <p:nvPr>
+            <p:extLst>
+              <p:ext uri="{386F3935-93C4-4BCD-93E2-E3B085C9AB24}">
+                <p16:designElem xmlns:p16="http://schemas.microsoft.com/office/powerpoint/2015/main" val="1"/>
+              </p:ext>
+            </p:extLst>
+          </p:nvPr>
+        </p:nvGrpSpPr>
+        <p:grpSpPr>
+          <a:xfrm>
+            <a:off x="11094720" y="0"/>
+            <a:ext cx="1097280" cy="1097280"/>
+            <a:chOff x="11094720" y="0"/>
+            <a:chExt cx="1097280" cy="1097280"/>
+          </a:xfrm>
+        </p:grpSpPr>
+        <p:sp>
+          <p:nvSpPr>
+            <p:cNvPr id="45" name="Isosceles Triangle 44">
+              <a:extLst>
+                <a:ext uri="{FF2B5EF4-FFF2-40B4-BE49-F238E27FC236}">
+                  <a16:creationId xmlns:a16="http://schemas.microsoft.com/office/drawing/2014/main" id="{A580F890-B085-4E95-96AA-55AEBEC5CE6E}"/>
+                </a:ext>
+                <a:ext uri="{C183D7F6-B498-43B3-948B-1728B52AA6E4}">
+                  <adec:decorative xmlns:adec="http://schemas.microsoft.com/office/drawing/2017/decorative" val="1"/>
+                </a:ext>
+              </a:extLst>
+            </p:cNvPr>
+            <p:cNvSpPr/>
+            <p:nvPr>
+              <p:extLst>
+                <p:ext uri="{386F3935-93C4-4BCD-93E2-E3B085C9AB24}">
+                  <p16:designElem xmlns:p16="http://schemas.microsoft.com/office/powerpoint/2015/main" val="1"/>
+                </p:ext>
+              </p:extLst>
+            </p:nvPr>
+          </p:nvSpPr>
+          <p:spPr>
+            <a:xfrm rot="16200000">
+              <a:off x="11094720" y="0"/>
+              <a:ext cx="1097280" cy="1097280"/>
+            </a:xfrm>
+            <a:prstGeom prst="triangle">
+              <a:avLst>
+                <a:gd name="adj" fmla="val 100000"/>
+              </a:avLst>
+            </a:prstGeom>
+            <a:solidFill>
+              <a:schemeClr val="accent4">
+                <a:alpha val="30000"/>
+              </a:schemeClr>
+            </a:solidFill>
+            <a:ln>
+              <a:noFill/>
+            </a:ln>
+          </p:spPr>
+          <p:style>
+            <a:lnRef idx="2">
+              <a:schemeClr val="accent1">
+                <a:shade val="50000"/>
+              </a:schemeClr>
+            </a:lnRef>
+            <a:fillRef idx="1">
+              <a:schemeClr val="accent1"/>
+            </a:fillRef>
+            <a:effectRef idx="0">
+              <a:schemeClr val="accent1"/>
+            </a:effectRef>
+            <a:fontRef idx="minor">
+              <a:schemeClr val="lt1"/>
+            </a:fontRef>
+          </p:style>
+          <p:txBody>
+            <a:bodyPr rtlCol="0" anchor="ctr"/>
+            <a:lstStyle/>
+            <a:p>
+              <a:pPr algn="ctr"/>
+              <a:endParaRPr lang="en-US" dirty="0"/>
+            </a:p>
+          </p:txBody>
+        </p:sp>
+        <p:sp>
+          <p:nvSpPr>
+            <p:cNvPr id="46" name="Rectangle 45">
+              <a:extLst>
+                <a:ext uri="{FF2B5EF4-FFF2-40B4-BE49-F238E27FC236}">
+                  <a16:creationId xmlns:a16="http://schemas.microsoft.com/office/drawing/2014/main" id="{7BCB7912-FEA6-4C89-8E9B-D95EF15647EA}"/>
+                </a:ext>
+                <a:ext uri="{C183D7F6-B498-43B3-948B-1728B52AA6E4}">
+                  <adec:decorative xmlns:adec="http://schemas.microsoft.com/office/drawing/2017/decorative" val="1"/>
+                </a:ext>
+              </a:extLst>
+            </p:cNvPr>
+            <p:cNvSpPr/>
+            <p:nvPr>
+              <p:extLst>
+                <p:ext uri="{386F3935-93C4-4BCD-93E2-E3B085C9AB24}">
+                  <p16:designElem xmlns:p16="http://schemas.microsoft.com/office/powerpoint/2015/main" val="1"/>
+                </p:ext>
+              </p:extLst>
+            </p:nvPr>
+          </p:nvSpPr>
+          <p:spPr>
+            <a:xfrm rot="2700000">
+              <a:off x="11189552" y="127618"/>
+              <a:ext cx="457894" cy="457894"/>
+            </a:xfrm>
+            <a:prstGeom prst="rect">
+              <a:avLst/>
+            </a:prstGeom>
+            <a:solidFill>
+              <a:schemeClr val="accent4">
+                <a:alpha val="30000"/>
+              </a:schemeClr>
+            </a:solidFill>
+            <a:ln>
+              <a:noFill/>
+            </a:ln>
+          </p:spPr>
+          <p:style>
+            <a:lnRef idx="2">
+              <a:schemeClr val="accent1">
+                <a:shade val="50000"/>
+              </a:schemeClr>
+            </a:lnRef>
+            <a:fillRef idx="1">
+              <a:schemeClr val="accent1"/>
+            </a:fillRef>
+            <a:effectRef idx="0">
+              <a:schemeClr val="accent1"/>
+            </a:effectRef>
+            <a:fontRef idx="minor">
+              <a:schemeClr val="lt1"/>
+            </a:fontRef>
+          </p:style>
+          <p:txBody>
+            <a:bodyPr rtlCol="0" anchor="ctr"/>
+            <a:lstStyle/>
+            <a:p>
+              <a:pPr algn="ctr"/>
+              <a:endParaRPr lang="en-US"/>
+            </a:p>
+          </p:txBody>
+        </p:sp>
+      </p:grpSp>
+      <p:sp>
+        <p:nvSpPr>
+          <p:cNvPr id="4" name="TextBox 3">
+            <a:extLst>
+              <a:ext uri="{FF2B5EF4-FFF2-40B4-BE49-F238E27FC236}">
+                <a16:creationId xmlns:a16="http://schemas.microsoft.com/office/drawing/2014/main" id="{C0552121-3988-4F7B-94B2-BB84BD62D4C9}"/>
+              </a:ext>
+            </a:extLst>
+          </p:cNvPr>
+          <p:cNvSpPr txBox="1"/>
+          <p:nvPr/>
+        </p:nvSpPr>
+        <p:spPr>
+          <a:xfrm>
+            <a:off x="643468" y="1782981"/>
+            <a:ext cx="6901193" cy="4393982"/>
+          </a:xfrm>
+          <a:prstGeom prst="rect">
+            <a:avLst/>
+          </a:prstGeom>
+        </p:spPr>
+        <p:txBody>
+          <a:bodyPr vert="horz" lIns="91440" tIns="45720" rIns="91440" bIns="45720" rtlCol="0">
+            <a:normAutofit/>
+          </a:bodyPr>
+          <a:lstStyle/>
+          <a:p>
+            <a:pPr indent="-228600">
+              <a:lnSpc>
+                <a:spcPct val="90000"/>
+              </a:lnSpc>
+              <a:spcAft>
+                <a:spcPts val="600"/>
+              </a:spcAft>
+              <a:buFont typeface="Arial" panose="020B0604020202020204" pitchFamily="34" charset="0"/>
+              <a:buChar char="•"/>
+            </a:pPr>
+            <a:r>
+              <a:rPr lang="en-US" sz="2000" dirty="0"/>
+              <a:t>Data Cleaning</a:t>
+            </a:r>
+          </a:p>
+          <a:p>
+            <a:pPr marL="285750" indent="-228600">
+              <a:lnSpc>
+                <a:spcPct val="90000"/>
+              </a:lnSpc>
+              <a:spcAft>
+                <a:spcPts val="600"/>
+              </a:spcAft>
+              <a:buFont typeface="Arial" panose="020B0604020202020204" pitchFamily="34" charset="0"/>
+              <a:buChar char="•"/>
+            </a:pPr>
+            <a:r>
+              <a:rPr lang="en-US" sz="2000" dirty="0"/>
+              <a:t>We used data from the crime data from Toronto Police Open Data.</a:t>
+            </a:r>
+          </a:p>
+          <a:p>
+            <a:pPr marL="285750" indent="-228600">
+              <a:lnSpc>
+                <a:spcPct val="90000"/>
+              </a:lnSpc>
+              <a:spcAft>
+                <a:spcPts val="600"/>
+              </a:spcAft>
+              <a:buFont typeface="Arial" panose="020B0604020202020204" pitchFamily="34" charset="0"/>
+              <a:buChar char="•"/>
+            </a:pPr>
+            <a:r>
+              <a:rPr lang="en-US" sz="2000" dirty="0"/>
+              <a:t>We merged and reorganized data to include all major crime indicators (MCI), and keep columns which are necessary for our research.</a:t>
+            </a:r>
+          </a:p>
+          <a:p>
+            <a:pPr marL="285750" indent="-228600">
+              <a:lnSpc>
+                <a:spcPct val="90000"/>
+              </a:lnSpc>
+              <a:spcAft>
+                <a:spcPts val="600"/>
+              </a:spcAft>
+              <a:buFont typeface="Arial" panose="020B0604020202020204" pitchFamily="34" charset="0"/>
+              <a:buChar char="•"/>
+            </a:pPr>
+            <a:r>
+              <a:rPr lang="en-US" sz="2000" dirty="0"/>
+              <a:t>We standardized information to a constant format.</a:t>
+            </a:r>
+          </a:p>
+        </p:txBody>
+      </p:sp>
+      <p:pic>
+        <p:nvPicPr>
+          <p:cNvPr id="12" name="Graphic 11" descr="Statistics">
+            <a:extLst>
+              <a:ext uri="{FF2B5EF4-FFF2-40B4-BE49-F238E27FC236}">
+                <a16:creationId xmlns:a16="http://schemas.microsoft.com/office/drawing/2014/main" id="{8D0C4570-165D-48AD-816A-3A5D5A83066C}"/>
+              </a:ext>
+            </a:extLst>
+          </p:cNvPr>
+          <p:cNvPicPr>
+            <a:picLocks noChangeAspect="1"/>
+          </p:cNvPicPr>
+          <p:nvPr/>
+        </p:nvPicPr>
+        <p:blipFill>
+          <a:blip r:embed="rId2">
+            <a:extLst>
+              <a:ext uri="{28A0092B-C50C-407E-A947-70E740481C1C}">
+                <a14:useLocalDpi xmlns:a14="http://schemas.microsoft.com/office/drawing/2010/main" val="0"/>
+              </a:ext>
+              <a:ext uri="{96DAC541-7B7A-43D3-8B79-37D633B846F1}">
+                <asvg:svgBlip xmlns:asvg="http://schemas.microsoft.com/office/drawing/2016/SVG/main" r:embed="rId3"/>
+              </a:ext>
+            </a:extLst>
+          </a:blip>
+          <a:stretch>
+            <a:fillRect/>
+          </a:stretch>
+        </p:blipFill>
+        <p:spPr>
+          <a:xfrm>
+            <a:off x="1994747" y="3979972"/>
+            <a:ext cx="2635439" cy="2635439"/>
+          </a:xfrm>
+          <a:prstGeom prst="rect">
+            <a:avLst/>
+          </a:prstGeom>
+        </p:spPr>
+      </p:pic>
+      <p:sp>
+        <p:nvSpPr>
+          <p:cNvPr id="48" name="Isosceles Triangle 47">
+            <a:extLst>
+              <a:ext uri="{FF2B5EF4-FFF2-40B4-BE49-F238E27FC236}">
+                <a16:creationId xmlns:a16="http://schemas.microsoft.com/office/drawing/2014/main" id="{D3F51FEB-38FB-4F6C-9F7B-2F2AFAB65463}"/>
+              </a:ext>
+              <a:ext uri="{C183D7F6-B498-43B3-948B-1728B52AA6E4}">
+                <adec:decorative xmlns:adec="http://schemas.microsoft.com/office/drawing/2017/decorative" val="1"/>
+              </a:ext>
+            </a:extLst>
+          </p:cNvPr>
+          <p:cNvSpPr>
+            <a:spLocks noGrp="1" noRot="1" noChangeAspect="1" noMove="1" noResize="1" noEditPoints="1" noAdjustHandles="1" noChangeArrowheads="1" noChangeShapeType="1" noTextEdit="1"/>
+          </p:cNvSpPr>
+          <p:nvPr>
+            <p:extLst>
+              <p:ext uri="{386F3935-93C4-4BCD-93E2-E3B085C9AB24}">
+                <p16:designElem xmlns:p16="http://schemas.microsoft.com/office/powerpoint/2015/main" val="1"/>
+              </p:ext>
+            </p:extLst>
+          </p:nvPr>
+        </p:nvSpPr>
+        <p:spPr>
+          <a:xfrm rot="5400000">
+            <a:off x="-501760" y="5103257"/>
+            <a:ext cx="2017580" cy="1014060"/>
+          </a:xfrm>
+          <a:prstGeom prst="triangle">
+            <a:avLst>
+              <a:gd name="adj" fmla="val 50000"/>
+            </a:avLst>
+          </a:prstGeom>
+          <a:solidFill>
+            <a:schemeClr val="accent1">
+              <a:alpha val="30000"/>
+            </a:schemeClr>
+          </a:solidFill>
+          <a:ln>
+            <a:noFill/>
+          </a:ln>
+        </p:spPr>
+        <p:style>
+          <a:lnRef idx="2">
+            <a:schemeClr val="accent1">
+              <a:shade val="50000"/>
+            </a:schemeClr>
+          </a:lnRef>
+          <a:fillRef idx="1">
+            <a:schemeClr val="accent1"/>
+          </a:fillRef>
+          <a:effectRef idx="0">
+            <a:schemeClr val="accent1"/>
+          </a:effectRef>
+          <a:fontRef idx="minor">
+            <a:schemeClr val="lt1"/>
+          </a:fontRef>
+        </p:style>
+        <p:txBody>
+          <a:bodyPr rtlCol="0" anchor="ctr"/>
+          <a:lstStyle/>
+          <a:p>
+            <a:pPr algn="ctr"/>
+            <a:endParaRPr lang="en-US"/>
           </a:p>
         </p:txBody>
       </p:sp>
       <p:sp>
         <p:nvSpPr>
-          <p:cNvPr id="3" name="Content Placeholder 2">
+          <p:cNvPr id="50" name="Rectangle 49">
             <a:extLst>
               <a:ext uri="{FF2B5EF4-FFF2-40B4-BE49-F238E27FC236}">
-                <a16:creationId xmlns:a16="http://schemas.microsoft.com/office/drawing/2014/main" id="{9DC0444D-BF27-429F-9CB1-E9EA0D3565A1}"/>
+                <a16:creationId xmlns:a16="http://schemas.microsoft.com/office/drawing/2014/main" id="{1E547BA6-BAE0-43BB-A7CA-60F69CE252F0}"/>
+              </a:ext>
+              <a:ext uri="{C183D7F6-B498-43B3-948B-1728B52AA6E4}">
+                <adec:decorative xmlns:adec="http://schemas.microsoft.com/office/drawing/2017/decorative" val="1"/>
               </a:ext>
             </a:extLst>
           </p:cNvPr>
           <p:cNvSpPr>
-            <a:spLocks noGrp="1"/>
+            <a:spLocks noGrp="1" noRot="1" noChangeAspect="1" noMove="1" noResize="1" noEditPoints="1" noAdjustHandles="1" noChangeArrowheads="1" noChangeShapeType="1" noTextEdit="1"/>
           </p:cNvSpPr>
           <p:nvPr>
-            <p:ph idx="1"/>
+            <p:extLst>
+              <p:ext uri="{386F3935-93C4-4BCD-93E2-E3B085C9AB24}">
+                <p16:designElem xmlns:p16="http://schemas.microsoft.com/office/powerpoint/2015/main" val="1"/>
+              </p:ext>
+            </p:extLst>
           </p:nvPr>
         </p:nvSpPr>
-        <p:spPr/>
+        <p:spPr>
+          <a:xfrm rot="2700000">
+            <a:off x="427916" y="5728708"/>
+            <a:ext cx="485578" cy="485578"/>
+          </a:xfrm>
+          <a:prstGeom prst="rect">
+            <a:avLst/>
+          </a:prstGeom>
+          <a:solidFill>
+            <a:schemeClr val="accent1">
+              <a:alpha val="30000"/>
+            </a:schemeClr>
+          </a:solidFill>
+          <a:ln>
+            <a:noFill/>
+          </a:ln>
+        </p:spPr>
+        <p:style>
+          <a:lnRef idx="2">
+            <a:schemeClr val="accent1">
+              <a:shade val="50000"/>
+            </a:schemeClr>
+          </a:lnRef>
+          <a:fillRef idx="1">
+            <a:schemeClr val="accent1"/>
+          </a:fillRef>
+          <a:effectRef idx="0">
+            <a:schemeClr val="accent1"/>
+          </a:effectRef>
+          <a:fontRef idx="minor">
+            <a:schemeClr val="lt1"/>
+          </a:fontRef>
+        </p:style>
         <p:txBody>
-          <a:bodyPr/>
+          <a:bodyPr rtlCol="0" anchor="ctr"/>
           <a:lstStyle/>
           <a:p>
+            <a:pPr algn="ctr"/>
+            <a:endParaRPr lang="en-US"/>
+          </a:p>
+        </p:txBody>
+      </p:sp>
+      <p:pic>
+        <p:nvPicPr>
+          <p:cNvPr id="15" name="Graphic 14" descr="Exclamation mark">
+            <a:extLst>
+              <a:ext uri="{FF2B5EF4-FFF2-40B4-BE49-F238E27FC236}">
+                <a16:creationId xmlns:a16="http://schemas.microsoft.com/office/drawing/2014/main" id="{3B616DF0-4CC9-4E81-975D-FDBE8956F267}"/>
+              </a:ext>
+            </a:extLst>
+          </p:cNvPr>
+          <p:cNvPicPr>
+            <a:picLocks noChangeAspect="1"/>
+          </p:cNvPicPr>
+          <p:nvPr/>
+        </p:nvPicPr>
+        <p:blipFill>
+          <a:blip r:embed="rId4">
+            <a:extLst>
+              <a:ext uri="{28A0092B-C50C-407E-A947-70E740481C1C}">
+                <a14:useLocalDpi xmlns:a14="http://schemas.microsoft.com/office/drawing/2010/main" val="0"/>
+              </a:ext>
+              <a:ext uri="{96DAC541-7B7A-43D3-8B79-37D633B846F1}">
+                <asvg:svgBlip xmlns:asvg="http://schemas.microsoft.com/office/drawing/2016/SVG/main" r:embed="rId5"/>
+              </a:ext>
+            </a:extLst>
+          </a:blip>
+          <a:stretch>
+            <a:fillRect/>
+          </a:stretch>
+        </p:blipFill>
+        <p:spPr>
+          <a:xfrm>
+            <a:off x="8130030" y="949113"/>
+            <a:ext cx="2635439" cy="2635439"/>
+          </a:xfrm>
+          <a:prstGeom prst="rect">
+            <a:avLst/>
+          </a:prstGeom>
+        </p:spPr>
+      </p:pic>
+      <p:sp>
+        <p:nvSpPr>
+          <p:cNvPr id="6" name="TextBox 5">
+            <a:extLst>
+              <a:ext uri="{FF2B5EF4-FFF2-40B4-BE49-F238E27FC236}">
+                <a16:creationId xmlns:a16="http://schemas.microsoft.com/office/drawing/2014/main" id="{B69AF8B3-1F8D-4027-9575-B8772B1C751B}"/>
+              </a:ext>
+            </a:extLst>
+          </p:cNvPr>
+          <p:cNvSpPr txBox="1"/>
+          <p:nvPr/>
+        </p:nvSpPr>
+        <p:spPr>
+          <a:xfrm>
+            <a:off x="6786880" y="3992880"/>
+            <a:ext cx="5019040" cy="2831544"/>
+          </a:xfrm>
+          <a:prstGeom prst="rect">
+            <a:avLst/>
+          </a:prstGeom>
+          <a:noFill/>
+        </p:spPr>
+        <p:txBody>
+          <a:bodyPr wrap="square" rtlCol="0">
+            <a:spAutoFit/>
+          </a:bodyPr>
+          <a:lstStyle/>
+          <a:p>
+            <a:pPr>
+              <a:spcAft>
+                <a:spcPts val="600"/>
+              </a:spcAft>
+            </a:pPr>
             <a:r>
-              <a:rPr lang="en-US" dirty="0"/>
-              <a:t>How we find the data.</a:t>
+              <a:rPr lang="en-US" sz="2000" dirty="0"/>
+              <a:t>Considerations</a:t>
             </a:r>
           </a:p>
           <a:p>
+            <a:pPr marL="285750" indent="-285750">
+              <a:spcAft>
+                <a:spcPts val="600"/>
+              </a:spcAft>
+              <a:buFontTx/>
+              <a:buChar char="-"/>
+            </a:pPr>
             <a:r>
-              <a:rPr lang="en-US" dirty="0"/>
-              <a:t>Limitations and considerations</a:t>
+              <a:rPr lang="en-US" sz="2000" dirty="0"/>
+              <a:t>Unavailable dataset (the historical weather data)</a:t>
             </a:r>
+          </a:p>
+          <a:p>
+            <a:pPr marL="285750" indent="-285750">
+              <a:spcAft>
+                <a:spcPts val="600"/>
+              </a:spcAft>
+              <a:buFontTx/>
+              <a:buChar char="-"/>
+            </a:pPr>
+            <a:r>
+              <a:rPr lang="en-US" sz="2000" dirty="0"/>
+              <a:t>Missing information in the raw dataset (the month and day occurred in homicide data)</a:t>
+            </a:r>
+          </a:p>
+          <a:p>
+            <a:pPr marL="285750" indent="-285750">
+              <a:spcAft>
+                <a:spcPts val="600"/>
+              </a:spcAft>
+              <a:buFontTx/>
+              <a:buChar char="-"/>
+            </a:pPr>
+            <a:r>
+              <a:rPr lang="en-US" sz="2000" dirty="0"/>
+              <a:t>Limitations of the economy data (monthly GDP growth rate)</a:t>
+            </a:r>
+          </a:p>
+          <a:p>
+            <a:pPr marL="285750" indent="-285750">
+              <a:spcAft>
+                <a:spcPts val="600"/>
+              </a:spcAft>
+              <a:buFontTx/>
+              <a:buChar char="-"/>
+            </a:pPr>
             <a:endParaRPr lang="en-CA" dirty="0"/>
           </a:p>
         </p:txBody>
@@ -17723,90 +22829,6 @@
     <p:extLst>
       <p:ext uri="{BB962C8B-B14F-4D97-AF65-F5344CB8AC3E}">
         <p14:creationId xmlns:p14="http://schemas.microsoft.com/office/powerpoint/2010/main" val="3355634459"/>
-      </p:ext>
-    </p:extLst>
-  </p:cSld>
-  <p:clrMapOvr>
-    <a:masterClrMapping/>
-  </p:clrMapOvr>
-</p:sld>
-</file>
-
-<file path=ppt/slides/slide5.xml><?xml version="1.0" encoding="utf-8"?>
-<p:sld xmlns:a="http://schemas.openxmlformats.org/drawingml/2006/main" xmlns:r="http://schemas.openxmlformats.org/officeDocument/2006/relationships" xmlns:p="http://schemas.openxmlformats.org/presentationml/2006/main">
-  <p:cSld>
-    <p:spTree>
-      <p:nvGrpSpPr>
-        <p:cNvPr id="1" name=""/>
-        <p:cNvGrpSpPr/>
-        <p:nvPr/>
-      </p:nvGrpSpPr>
-      <p:grpSpPr>
-        <a:xfrm>
-          <a:off x="0" y="0"/>
-          <a:ext cx="0" cy="0"/>
-          <a:chOff x="0" y="0"/>
-          <a:chExt cx="0" cy="0"/>
-        </a:xfrm>
-      </p:grpSpPr>
-      <p:sp>
-        <p:nvSpPr>
-          <p:cNvPr id="2" name="Title 1">
-            <a:extLst>
-              <a:ext uri="{FF2B5EF4-FFF2-40B4-BE49-F238E27FC236}">
-                <a16:creationId xmlns:a16="http://schemas.microsoft.com/office/drawing/2014/main" id="{CFC895B5-9385-4DB8-8B01-239A78D804BD}"/>
-              </a:ext>
-            </a:extLst>
-          </p:cNvPr>
-          <p:cNvSpPr>
-            <a:spLocks noGrp="1"/>
-          </p:cNvSpPr>
-          <p:nvPr>
-            <p:ph type="title"/>
-          </p:nvPr>
-        </p:nvSpPr>
-        <p:spPr/>
-        <p:txBody>
-          <a:bodyPr/>
-          <a:lstStyle/>
-          <a:p>
-            <a:r>
-              <a:rPr lang="en-US" dirty="0"/>
-              <a:t>Work Flow and Data Cleaning</a:t>
-            </a:r>
-            <a:endParaRPr lang="en-CA" dirty="0"/>
-          </a:p>
-        </p:txBody>
-      </p:sp>
-      <p:sp>
-        <p:nvSpPr>
-          <p:cNvPr id="3" name="Content Placeholder 2">
-            <a:extLst>
-              <a:ext uri="{FF2B5EF4-FFF2-40B4-BE49-F238E27FC236}">
-                <a16:creationId xmlns:a16="http://schemas.microsoft.com/office/drawing/2014/main" id="{16584415-82F6-4385-8334-F6B0E15AAD08}"/>
-              </a:ext>
-            </a:extLst>
-          </p:cNvPr>
-          <p:cNvSpPr>
-            <a:spLocks noGrp="1"/>
-          </p:cNvSpPr>
-          <p:nvPr>
-            <p:ph idx="1"/>
-          </p:nvPr>
-        </p:nvSpPr>
-        <p:spPr/>
-        <p:txBody>
-          <a:bodyPr/>
-          <a:lstStyle/>
-          <a:p>
-            <a:endParaRPr lang="en-CA" dirty="0"/>
-          </a:p>
-        </p:txBody>
-      </p:sp>
-    </p:spTree>
-    <p:extLst>
-      <p:ext uri="{BB962C8B-B14F-4D97-AF65-F5344CB8AC3E}">
-        <p14:creationId xmlns:p14="http://schemas.microsoft.com/office/powerpoint/2010/main" val="3363572087"/>
       </p:ext>
     </p:extLst>
   </p:cSld>
@@ -17841,12 +22863,12 @@
           <a:chExt cx="0" cy="0"/>
         </a:xfrm>
       </p:grpSpPr>
-      <p:sp>
+      <p:sp useBgFill="1">
         <p:nvSpPr>
-          <p:cNvPr id="9" name="Rectangle 9">
+          <p:cNvPr id="17" name="Rectangle 16">
             <a:extLst>
               <a:ext uri="{FF2B5EF4-FFF2-40B4-BE49-F238E27FC236}">
-                <a16:creationId xmlns:a16="http://schemas.microsoft.com/office/drawing/2014/main" id="{3F24A09B-713F-43FC-AB6E-B88083968522}"/>
+                <a16:creationId xmlns:a16="http://schemas.microsoft.com/office/drawing/2014/main" id="{19245A10-7F37-4569-80D2-2F692931E300}"/>
               </a:ext>
               <a:ext uri="{C183D7F6-B498-43B3-948B-1728B52AA6E4}">
                 <adec:decorative xmlns:adec="http://schemas.microsoft.com/office/drawing/2017/decorative" val="1"/>
@@ -17867,14 +22889,11 @@
         <p:spPr>
           <a:xfrm>
             <a:off x="0" y="0"/>
-            <a:ext cx="5468548" cy="6858000"/>
+            <a:ext cx="12188952" cy="6858000"/>
           </a:xfrm>
           <a:prstGeom prst="rect">
             <a:avLst/>
           </a:prstGeom>
-          <a:solidFill>
-            <a:schemeClr val="accent1"/>
-          </a:solidFill>
           <a:ln>
             <a:noFill/>
           </a:ln>
@@ -17906,6 +22925,56 @@
       </p:sp>
       <p:sp>
         <p:nvSpPr>
+          <p:cNvPr id="19" name="Rectangle 8">
+            <a:extLst>
+              <a:ext uri="{FF2B5EF4-FFF2-40B4-BE49-F238E27FC236}">
+                <a16:creationId xmlns:a16="http://schemas.microsoft.com/office/drawing/2014/main" id="{9267F70F-11C6-4597-9381-D0D80FC18FD9}"/>
+              </a:ext>
+              <a:ext uri="{C183D7F6-B498-43B3-948B-1728B52AA6E4}">
+                <adec:decorative xmlns:adec="http://schemas.microsoft.com/office/drawing/2017/decorative" val="1"/>
+              </a:ext>
+            </a:extLst>
+          </p:cNvPr>
+          <p:cNvSpPr>
+            <a:spLocks noGrp="1" noRot="1" noChangeAspect="1" noMove="1" noResize="1" noEditPoints="1" noAdjustHandles="1" noChangeArrowheads="1" noChangeShapeType="1" noTextEdit="1"/>
+          </p:cNvSpPr>
+          <p:nvPr>
+            <p:extLst>
+              <p:ext uri="{386F3935-93C4-4BCD-93E2-E3B085C9AB24}">
+                <p16:designElem xmlns:p16="http://schemas.microsoft.com/office/powerpoint/2015/main" val="1"/>
+              </p:ext>
+            </p:extLst>
+          </p:nvPr>
+        </p:nvSpPr>
+        <p:spPr bwMode="auto">
+          <a:xfrm>
+            <a:off x="6406152" y="2355786"/>
+            <a:ext cx="4985748" cy="3531073"/>
+          </a:xfrm>
+          <a:prstGeom prst="rect">
+            <a:avLst/>
+          </a:prstGeom>
+          <a:solidFill>
+            <a:schemeClr val="accent1"/>
+          </a:solidFill>
+          <a:ln>
+            <a:noFill/>
+          </a:ln>
+        </p:spPr>
+        <p:txBody>
+          <a:bodyPr vert="horz" wrap="square" lIns="91440" tIns="45720" rIns="91440" bIns="45720" numCol="1" anchor="t" anchorCtr="0" compatLnSpc="1">
+            <a:prstTxWarp prst="textNoShape">
+              <a:avLst/>
+            </a:prstTxWarp>
+          </a:bodyPr>
+          <a:lstStyle/>
+          <a:p>
+            <a:endParaRPr lang="en-US"/>
+          </a:p>
+        </p:txBody>
+      </p:sp>
+      <p:sp>
+        <p:nvSpPr>
           <p:cNvPr id="2" name="Title 1">
             <a:extLst>
               <a:ext uri="{FF2B5EF4-FFF2-40B4-BE49-F238E27FC236}">
@@ -17922,90 +22991,51 @@
         </p:nvSpPr>
         <p:spPr>
           <a:xfrm>
-            <a:off x="646744" y="640080"/>
-            <a:ext cx="4173905" cy="5577818"/>
+            <a:off x="7367012" y="2723322"/>
+            <a:ext cx="4024888" cy="2236738"/>
           </a:xfrm>
           <a:prstGeom prst="ellipse">
             <a:avLst/>
           </a:prstGeom>
         </p:spPr>
         <p:txBody>
-          <a:bodyPr vert="horz" lIns="91440" tIns="45720" rIns="91440" bIns="45720" rtlCol="0" anchor="ctr">
+          <a:bodyPr vert="horz" lIns="91440" tIns="45720" rIns="91440" bIns="45720" rtlCol="0" anchor="b">
             <a:normAutofit/>
           </a:bodyPr>
           <a:lstStyle/>
           <a:p>
-            <a:pPr algn="r"/>
+            <a:pPr algn="ctr"/>
             <a:r>
-              <a:rPr lang="en-US" sz="4800" b="1" kern="1200" dirty="0">
+              <a:rPr lang="en-US" sz="3200" b="1" dirty="0">
                 <a:solidFill>
                   <a:srgbClr val="FFFFFF"/>
                 </a:solidFill>
-                <a:latin typeface="+mj-lt"/>
-                <a:ea typeface="+mj-ea"/>
-                <a:cs typeface="+mj-cs"/>
               </a:rPr>
-              <a:t>Overall Situations in Toronto </a:t>
+              <a:t>Toronto Crimes 2014~2019</a:t>
             </a:r>
-            <a:r>
-              <a:rPr lang="en-US" sz="3200" kern="1200" dirty="0">
-                <a:solidFill>
-                  <a:srgbClr val="FFFFFF"/>
-                </a:solidFill>
-                <a:latin typeface="+mj-lt"/>
-                <a:ea typeface="+mj-ea"/>
-                <a:cs typeface="+mj-cs"/>
-              </a:rPr>
-              <a:t>(</a:t>
-            </a:r>
-            <a:r>
-              <a:rPr lang="en-US" sz="2800" kern="1200" dirty="0">
-                <a:solidFill>
-                  <a:srgbClr val="FFFFFF"/>
-                </a:solidFill>
-                <a:latin typeface="+mj-lt"/>
-                <a:ea typeface="+mj-ea"/>
-                <a:cs typeface="+mj-cs"/>
-              </a:rPr>
-              <a:t>aka Question 1A</a:t>
-            </a:r>
-            <a:r>
-              <a:rPr lang="en-US" sz="3200" kern="1200" dirty="0">
-                <a:solidFill>
-                  <a:srgbClr val="FFFFFF"/>
-                </a:solidFill>
-                <a:latin typeface="+mj-lt"/>
-                <a:ea typeface="+mj-ea"/>
-                <a:cs typeface="+mj-cs"/>
-              </a:rPr>
-              <a:t>)</a:t>
-            </a:r>
-            <a:endParaRPr lang="en-US" sz="4600" kern="1200" dirty="0">
+            <a:endParaRPr lang="en-US" sz="3200" dirty="0">
               <a:solidFill>
                 <a:srgbClr val="FFFFFF"/>
               </a:solidFill>
-              <a:latin typeface="+mj-lt"/>
-              <a:ea typeface="+mj-ea"/>
-              <a:cs typeface="+mj-cs"/>
             </a:endParaRPr>
           </a:p>
         </p:txBody>
       </p:sp>
-      <p:cxnSp>
-        <p:nvCxnSpPr>
-          <p:cNvPr id="12" name="Straight Connector 11">
+      <p:sp>
+        <p:nvSpPr>
+          <p:cNvPr id="21" name="Freeform 5">
             <a:extLst>
               <a:ext uri="{FF2B5EF4-FFF2-40B4-BE49-F238E27FC236}">
-                <a16:creationId xmlns:a16="http://schemas.microsoft.com/office/drawing/2014/main" id="{0B91AB35-C3B4-4B70-B3DD-13D63B7DA23D}"/>
+                <a16:creationId xmlns:a16="http://schemas.microsoft.com/office/drawing/2014/main" id="{2C20A93E-E407-4683-A405-147DE26132AD}"/>
               </a:ext>
               <a:ext uri="{C183D7F6-B498-43B3-948B-1728B52AA6E4}">
                 <adec:decorative xmlns:adec="http://schemas.microsoft.com/office/drawing/2017/decorative" val="1"/>
               </a:ext>
             </a:extLst>
           </p:cNvPr>
-          <p:cNvCxnSpPr>
-            <a:cxnSpLocks noGrp="1" noRot="1" noChangeAspect="1" noMove="1" noResize="1" noEditPoints="1" noAdjustHandles="1" noChangeArrowheads="1" noChangeShapeType="1"/>
-          </p:cNvCxnSpPr>
+          <p:cNvSpPr>
+            <a:spLocks noGrp="1" noRot="1" noChangeAspect="1" noMove="1" noResize="1" noEditPoints="1" noAdjustHandles="1" noChangeArrowheads="1" noChangeShapeType="1" noTextEdit="1"/>
+          </p:cNvSpPr>
           <p:nvPr>
             <p:extLst>
               <p:ext uri="{386F3935-93C4-4BCD-93E2-E3B085C9AB24}">
@@ -18013,38 +23043,293 @@
               </p:ext>
             </p:extLst>
           </p:nvPr>
-        </p:nvCxnSpPr>
-        <p:spPr>
+        </p:nvSpPr>
+        <p:spPr bwMode="auto">
           <a:xfrm>
-            <a:off x="5133975" y="2423149"/>
-            <a:ext cx="0" cy="2011680"/>
+            <a:off x="6409782" y="1654168"/>
+            <a:ext cx="822493" cy="4232692"/>
           </a:xfrm>
-          <a:prstGeom prst="line">
+          <a:custGeom>
             <a:avLst/>
-          </a:prstGeom>
-          <a:ln w="19050">
-            <a:solidFill>
-              <a:srgbClr val="FFFFFF">
-                <a:alpha val="80000"/>
-              </a:srgbClr>
-            </a:solidFill>
+            <a:gdLst>
+              <a:gd name="T0" fmla="*/ 491 w 491"/>
+              <a:gd name="T1" fmla="*/ 2247 h 2732"/>
+              <a:gd name="T2" fmla="*/ 0 w 491"/>
+              <a:gd name="T3" fmla="*/ 2732 h 2732"/>
+              <a:gd name="T4" fmla="*/ 0 w 491"/>
+              <a:gd name="T5" fmla="*/ 486 h 2732"/>
+              <a:gd name="T6" fmla="*/ 491 w 491"/>
+              <a:gd name="T7" fmla="*/ 0 h 2732"/>
+              <a:gd name="T8" fmla="*/ 491 w 491"/>
+              <a:gd name="T9" fmla="*/ 2247 h 2732"/>
+            </a:gdLst>
+            <a:ahLst/>
+            <a:cxnLst>
+              <a:cxn ang="0">
+                <a:pos x="T0" y="T1"/>
+              </a:cxn>
+              <a:cxn ang="0">
+                <a:pos x="T2" y="T3"/>
+              </a:cxn>
+              <a:cxn ang="0">
+                <a:pos x="T4" y="T5"/>
+              </a:cxn>
+              <a:cxn ang="0">
+                <a:pos x="T6" y="T7"/>
+              </a:cxn>
+              <a:cxn ang="0">
+                <a:pos x="T8" y="T9"/>
+              </a:cxn>
+            </a:cxnLst>
+            <a:rect l="0" t="0" r="r" b="b"/>
+            <a:pathLst>
+              <a:path w="491" h="2732">
+                <a:moveTo>
+                  <a:pt x="491" y="2247"/>
+                </a:moveTo>
+                <a:lnTo>
+                  <a:pt x="0" y="2732"/>
+                </a:lnTo>
+                <a:lnTo>
+                  <a:pt x="0" y="486"/>
+                </a:lnTo>
+                <a:lnTo>
+                  <a:pt x="491" y="0"/>
+                </a:lnTo>
+                <a:lnTo>
+                  <a:pt x="491" y="2247"/>
+                </a:lnTo>
+                <a:close/>
+              </a:path>
+            </a:pathLst>
+          </a:custGeom>
+          <a:solidFill>
+            <a:schemeClr val="accent1">
+              <a:lumMod val="50000"/>
+            </a:schemeClr>
+          </a:solidFill>
+          <a:ln>
+            <a:noFill/>
           </a:ln>
         </p:spPr>
-        <p:style>
-          <a:lnRef idx="1">
-            <a:schemeClr val="accent1"/>
-          </a:lnRef>
-          <a:fillRef idx="0">
-            <a:schemeClr val="accent1"/>
-          </a:fillRef>
-          <a:effectRef idx="0">
-            <a:schemeClr val="accent1"/>
-          </a:effectRef>
-          <a:fontRef idx="minor">
-            <a:schemeClr val="tx1"/>
-          </a:fontRef>
-        </p:style>
-      </p:cxnSp>
+        <p:txBody>
+          <a:bodyPr vert="horz" wrap="square" lIns="91440" tIns="45720" rIns="91440" bIns="45720" numCol="1" anchor="t" anchorCtr="0" compatLnSpc="1">
+            <a:prstTxWarp prst="textNoShape">
+              <a:avLst/>
+            </a:prstTxWarp>
+          </a:bodyPr>
+          <a:lstStyle/>
+          <a:p>
+            <a:endParaRPr lang="en-US"/>
+          </a:p>
+        </p:txBody>
+      </p:sp>
+      <p:sp>
+        <p:nvSpPr>
+          <p:cNvPr id="23" name="Freeform 6">
+            <a:extLst>
+              <a:ext uri="{FF2B5EF4-FFF2-40B4-BE49-F238E27FC236}">
+                <a16:creationId xmlns:a16="http://schemas.microsoft.com/office/drawing/2014/main" id="{9E8E3DD9-D235-48D9-A0EC-D6817EC84B75}"/>
+              </a:ext>
+              <a:ext uri="{C183D7F6-B498-43B3-948B-1728B52AA6E4}">
+                <adec:decorative xmlns:adec="http://schemas.microsoft.com/office/drawing/2017/decorative" val="1"/>
+              </a:ext>
+            </a:extLst>
+          </p:cNvPr>
+          <p:cNvSpPr>
+            <a:spLocks noGrp="1" noRot="1" noChangeAspect="1" noMove="1" noResize="1" noEditPoints="1" noAdjustHandles="1" noChangeArrowheads="1" noChangeShapeType="1" noTextEdit="1"/>
+          </p:cNvSpPr>
+          <p:nvPr>
+            <p:extLst>
+              <p:ext uri="{386F3935-93C4-4BCD-93E2-E3B085C9AB24}">
+                <p16:designElem xmlns:p16="http://schemas.microsoft.com/office/powerpoint/2015/main" val="1"/>
+              </p:ext>
+            </p:extLst>
+          </p:nvPr>
+        </p:nvSpPr>
+        <p:spPr bwMode="auto">
+          <a:xfrm>
+            <a:off x="6544520" y="1311136"/>
+            <a:ext cx="687754" cy="3820236"/>
+          </a:xfrm>
+          <a:custGeom>
+            <a:avLst/>
+            <a:gdLst>
+              <a:gd name="T0" fmla="*/ 414 w 414"/>
+              <a:gd name="T1" fmla="*/ 2447 h 2447"/>
+              <a:gd name="T2" fmla="*/ 0 w 414"/>
+              <a:gd name="T3" fmla="*/ 2247 h 2447"/>
+              <a:gd name="T4" fmla="*/ 0 w 414"/>
+              <a:gd name="T5" fmla="*/ 0 h 2447"/>
+              <a:gd name="T6" fmla="*/ 414 w 414"/>
+              <a:gd name="T7" fmla="*/ 200 h 2447"/>
+              <a:gd name="T8" fmla="*/ 414 w 414"/>
+              <a:gd name="T9" fmla="*/ 2447 h 2447"/>
+            </a:gdLst>
+            <a:ahLst/>
+            <a:cxnLst>
+              <a:cxn ang="0">
+                <a:pos x="T0" y="T1"/>
+              </a:cxn>
+              <a:cxn ang="0">
+                <a:pos x="T2" y="T3"/>
+              </a:cxn>
+              <a:cxn ang="0">
+                <a:pos x="T4" y="T5"/>
+              </a:cxn>
+              <a:cxn ang="0">
+                <a:pos x="T6" y="T7"/>
+              </a:cxn>
+              <a:cxn ang="0">
+                <a:pos x="T8" y="T9"/>
+              </a:cxn>
+            </a:cxnLst>
+            <a:rect l="0" t="0" r="r" b="b"/>
+            <a:pathLst>
+              <a:path w="414" h="2447">
+                <a:moveTo>
+                  <a:pt x="414" y="2447"/>
+                </a:moveTo>
+                <a:lnTo>
+                  <a:pt x="0" y="2247"/>
+                </a:lnTo>
+                <a:lnTo>
+                  <a:pt x="0" y="0"/>
+                </a:lnTo>
+                <a:lnTo>
+                  <a:pt x="414" y="200"/>
+                </a:lnTo>
+                <a:lnTo>
+                  <a:pt x="414" y="2447"/>
+                </a:lnTo>
+                <a:close/>
+              </a:path>
+            </a:pathLst>
+          </a:custGeom>
+          <a:solidFill>
+            <a:schemeClr val="accent1">
+              <a:lumMod val="75000"/>
+            </a:schemeClr>
+          </a:solidFill>
+          <a:ln>
+            <a:noFill/>
+          </a:ln>
+        </p:spPr>
+        <p:txBody>
+          <a:bodyPr vert="horz" wrap="square" lIns="91440" tIns="45720" rIns="91440" bIns="45720" numCol="1" anchor="t" anchorCtr="0" compatLnSpc="1">
+            <a:prstTxWarp prst="textNoShape">
+              <a:avLst/>
+            </a:prstTxWarp>
+          </a:bodyPr>
+          <a:lstStyle/>
+          <a:p>
+            <a:endParaRPr lang="en-US"/>
+          </a:p>
+        </p:txBody>
+      </p:sp>
+      <p:sp>
+        <p:nvSpPr>
+          <p:cNvPr id="25" name="Freeform 7">
+            <a:extLst>
+              <a:ext uri="{FF2B5EF4-FFF2-40B4-BE49-F238E27FC236}">
+                <a16:creationId xmlns:a16="http://schemas.microsoft.com/office/drawing/2014/main" id="{EA83A145-578D-4A0B-94A7-AEAB2027D7EB}"/>
+              </a:ext>
+              <a:ext uri="{C183D7F6-B498-43B3-948B-1728B52AA6E4}">
+                <adec:decorative xmlns:adec="http://schemas.microsoft.com/office/drawing/2017/decorative" val="1"/>
+              </a:ext>
+            </a:extLst>
+          </p:cNvPr>
+          <p:cNvSpPr>
+            <a:spLocks noGrp="1" noRot="1" noChangeAspect="1" noMove="1" noResize="1" noEditPoints="1" noAdjustHandles="1" noChangeArrowheads="1" noChangeShapeType="1" noTextEdit="1"/>
+          </p:cNvSpPr>
+          <p:nvPr>
+            <p:extLst>
+              <p:ext uri="{386F3935-93C4-4BCD-93E2-E3B085C9AB24}">
+                <p16:designElem xmlns:p16="http://schemas.microsoft.com/office/powerpoint/2015/main" val="1"/>
+              </p:ext>
+            </p:extLst>
+          </p:nvPr>
+        </p:nvSpPr>
+        <p:spPr bwMode="auto">
+          <a:xfrm>
+            <a:off x="6544520" y="1126737"/>
+            <a:ext cx="347200" cy="3699705"/>
+          </a:xfrm>
+          <a:custGeom>
+            <a:avLst/>
+            <a:gdLst>
+              <a:gd name="T0" fmla="*/ 209 w 209"/>
+              <a:gd name="T1" fmla="*/ 2246 h 2358"/>
+              <a:gd name="T2" fmla="*/ 0 w 209"/>
+              <a:gd name="T3" fmla="*/ 2358 h 2358"/>
+              <a:gd name="T4" fmla="*/ 0 w 209"/>
+              <a:gd name="T5" fmla="*/ 111 h 2358"/>
+              <a:gd name="T6" fmla="*/ 209 w 209"/>
+              <a:gd name="T7" fmla="*/ 0 h 2358"/>
+              <a:gd name="T8" fmla="*/ 209 w 209"/>
+              <a:gd name="T9" fmla="*/ 2246 h 2358"/>
+            </a:gdLst>
+            <a:ahLst/>
+            <a:cxnLst>
+              <a:cxn ang="0">
+                <a:pos x="T0" y="T1"/>
+              </a:cxn>
+              <a:cxn ang="0">
+                <a:pos x="T2" y="T3"/>
+              </a:cxn>
+              <a:cxn ang="0">
+                <a:pos x="T4" y="T5"/>
+              </a:cxn>
+              <a:cxn ang="0">
+                <a:pos x="T6" y="T7"/>
+              </a:cxn>
+              <a:cxn ang="0">
+                <a:pos x="T8" y="T9"/>
+              </a:cxn>
+            </a:cxnLst>
+            <a:rect l="0" t="0" r="r" b="b"/>
+            <a:pathLst>
+              <a:path w="209" h="2358">
+                <a:moveTo>
+                  <a:pt x="209" y="2246"/>
+                </a:moveTo>
+                <a:lnTo>
+                  <a:pt x="0" y="2358"/>
+                </a:lnTo>
+                <a:lnTo>
+                  <a:pt x="0" y="111"/>
+                </a:lnTo>
+                <a:lnTo>
+                  <a:pt x="209" y="0"/>
+                </a:lnTo>
+                <a:lnTo>
+                  <a:pt x="209" y="2246"/>
+                </a:lnTo>
+                <a:close/>
+              </a:path>
+            </a:pathLst>
+          </a:custGeom>
+          <a:solidFill>
+            <a:schemeClr val="accent1">
+              <a:lumMod val="50000"/>
+            </a:schemeClr>
+          </a:solidFill>
+          <a:ln>
+            <a:noFill/>
+          </a:ln>
+        </p:spPr>
+        <p:txBody>
+          <a:bodyPr vert="horz" wrap="square" lIns="91440" tIns="45720" rIns="91440" bIns="45720" numCol="1" anchor="t" anchorCtr="0" compatLnSpc="1">
+            <a:prstTxWarp prst="textNoShape">
+              <a:avLst/>
+            </a:prstTxWarp>
+          </a:bodyPr>
+          <a:lstStyle/>
+          <a:p>
+            <a:endParaRPr lang="en-US"/>
+          </a:p>
+        </p:txBody>
+      </p:sp>
       <p:pic>
         <p:nvPicPr>
           <p:cNvPr id="5" name="Picture 4" descr="A screenshot of a cell phone&#10;&#10;Description automatically generated">
@@ -18067,13 +23352,13 @@
               </a:ext>
             </a:extLst>
           </a:blip>
-          <a:srcRect r="3112" b="1"/>
+          <a:srcRect r="12482" b="2"/>
           <a:stretch/>
         </p:blipFill>
         <p:spPr>
           <a:xfrm>
-            <a:off x="4630756" y="802499"/>
-            <a:ext cx="7344577" cy="4705732"/>
+            <a:off x="-289927" y="155596"/>
+            <a:ext cx="7184605" cy="4473955"/>
           </a:xfrm>
           <a:prstGeom prst="rect">
             <a:avLst/>
@@ -18120,69 +23405,6 @@
       </p:grpSpPr>
       <p:sp>
         <p:nvSpPr>
-          <p:cNvPr id="9" name="Rectangle 9">
-            <a:extLst>
-              <a:ext uri="{FF2B5EF4-FFF2-40B4-BE49-F238E27FC236}">
-                <a16:creationId xmlns:a16="http://schemas.microsoft.com/office/drawing/2014/main" id="{3F24A09B-713F-43FC-AB6E-B88083968522}"/>
-              </a:ext>
-              <a:ext uri="{C183D7F6-B498-43B3-948B-1728B52AA6E4}">
-                <adec:decorative xmlns:adec="http://schemas.microsoft.com/office/drawing/2017/decorative" val="1"/>
-              </a:ext>
-            </a:extLst>
-          </p:cNvPr>
-          <p:cNvSpPr>
-            <a:spLocks noGrp="1" noRot="1" noChangeAspect="1" noMove="1" noResize="1" noEditPoints="1" noAdjustHandles="1" noChangeArrowheads="1" noChangeShapeType="1" noTextEdit="1"/>
-          </p:cNvSpPr>
-          <p:nvPr>
-            <p:extLst>
-              <p:ext uri="{386F3935-93C4-4BCD-93E2-E3B085C9AB24}">
-                <p16:designElem xmlns:p16="http://schemas.microsoft.com/office/powerpoint/2015/main" val="1"/>
-              </p:ext>
-            </p:extLst>
-          </p:nvPr>
-        </p:nvSpPr>
-        <p:spPr>
-          <a:xfrm>
-            <a:off x="0" y="0"/>
-            <a:ext cx="5468548" cy="6858000"/>
-          </a:xfrm>
-          <a:prstGeom prst="rect">
-            <a:avLst/>
-          </a:prstGeom>
-          <a:solidFill>
-            <a:schemeClr val="accent1"/>
-          </a:solidFill>
-          <a:ln>
-            <a:noFill/>
-          </a:ln>
-        </p:spPr>
-        <p:style>
-          <a:lnRef idx="2">
-            <a:schemeClr val="accent1">
-              <a:shade val="50000"/>
-            </a:schemeClr>
-          </a:lnRef>
-          <a:fillRef idx="1">
-            <a:schemeClr val="accent1"/>
-          </a:fillRef>
-          <a:effectRef idx="0">
-            <a:schemeClr val="accent1"/>
-          </a:effectRef>
-          <a:fontRef idx="minor">
-            <a:schemeClr val="lt1"/>
-          </a:fontRef>
-        </p:style>
-        <p:txBody>
-          <a:bodyPr rtlCol="0" anchor="ctr"/>
-          <a:lstStyle/>
-          <a:p>
-            <a:pPr algn="ctr"/>
-            <a:endParaRPr lang="en-US"/>
-          </a:p>
-        </p:txBody>
-      </p:sp>
-      <p:sp>
-        <p:nvSpPr>
           <p:cNvPr id="2" name="Title 1">
             <a:extLst>
               <a:ext uri="{FF2B5EF4-FFF2-40B4-BE49-F238E27FC236}">
@@ -18199,8 +23421,8 @@
         </p:nvSpPr>
         <p:spPr>
           <a:xfrm>
-            <a:off x="646744" y="640080"/>
-            <a:ext cx="4173905" cy="5577818"/>
+            <a:off x="7762240" y="756921"/>
+            <a:ext cx="4277360" cy="2174239"/>
           </a:xfrm>
           <a:prstGeom prst="ellipse">
             <a:avLst/>
@@ -18212,43 +23434,21 @@
           </a:bodyPr>
           <a:lstStyle/>
           <a:p>
-            <a:pPr algn="r"/>
+            <a:pPr algn="ctr"/>
             <a:r>
-              <a:rPr lang="en-US" sz="4800" b="1" kern="1200" dirty="0">
+              <a:rPr lang="en-US" sz="3400" b="1" kern="1200" dirty="0">
                 <a:solidFill>
-                  <a:srgbClr val="FFFFFF"/>
+                  <a:schemeClr val="tx1"/>
                 </a:solidFill>
                 <a:latin typeface="+mj-lt"/>
                 <a:ea typeface="+mj-ea"/>
                 <a:cs typeface="+mj-cs"/>
               </a:rPr>
-              <a:t>Overall Situations in Toronto </a:t>
+              <a:t>Toronto Crimes 2014~2019</a:t>
             </a:r>
-            <a:r>
-              <a:rPr lang="en-US" sz="3200" kern="1200" dirty="0">
-                <a:solidFill>
-                  <a:srgbClr val="FFFFFF"/>
-                </a:solidFill>
-                <a:latin typeface="+mj-lt"/>
-                <a:ea typeface="+mj-ea"/>
-                <a:cs typeface="+mj-cs"/>
-              </a:rPr>
-              <a:t>(</a:t>
-            </a:r>
-            <a:r>
-              <a:rPr lang="en-US" sz="2800" kern="1200" dirty="0">
-                <a:solidFill>
-                  <a:srgbClr val="FFFFFF"/>
-                </a:solidFill>
-                <a:latin typeface="+mj-lt"/>
-                <a:ea typeface="+mj-ea"/>
-                <a:cs typeface="+mj-cs"/>
-              </a:rPr>
-              <a:t>aka Question 1 A)</a:t>
-            </a:r>
-            <a:endParaRPr lang="en-US" sz="4600" kern="1200" dirty="0">
+            <a:endParaRPr lang="en-US" sz="3400" kern="1200" dirty="0">
               <a:solidFill>
-                <a:srgbClr val="FFFFFF"/>
+                <a:schemeClr val="tx1"/>
               </a:solidFill>
               <a:latin typeface="+mj-lt"/>
               <a:ea typeface="+mj-ea"/>
@@ -18257,60 +23457,6 @@
           </a:p>
         </p:txBody>
       </p:sp>
-      <p:cxnSp>
-        <p:nvCxnSpPr>
-          <p:cNvPr id="12" name="Straight Connector 11">
-            <a:extLst>
-              <a:ext uri="{FF2B5EF4-FFF2-40B4-BE49-F238E27FC236}">
-                <a16:creationId xmlns:a16="http://schemas.microsoft.com/office/drawing/2014/main" id="{0B91AB35-C3B4-4B70-B3DD-13D63B7DA23D}"/>
-              </a:ext>
-              <a:ext uri="{C183D7F6-B498-43B3-948B-1728B52AA6E4}">
-                <adec:decorative xmlns:adec="http://schemas.microsoft.com/office/drawing/2017/decorative" val="1"/>
-              </a:ext>
-            </a:extLst>
-          </p:cNvPr>
-          <p:cNvCxnSpPr>
-            <a:cxnSpLocks noGrp="1" noRot="1" noChangeAspect="1" noMove="1" noResize="1" noEditPoints="1" noAdjustHandles="1" noChangeArrowheads="1" noChangeShapeType="1"/>
-          </p:cNvCxnSpPr>
-          <p:nvPr>
-            <p:extLst>
-              <p:ext uri="{386F3935-93C4-4BCD-93E2-E3B085C9AB24}">
-                <p16:designElem xmlns:p16="http://schemas.microsoft.com/office/powerpoint/2015/main" val="1"/>
-              </p:ext>
-            </p:extLst>
-          </p:nvPr>
-        </p:nvCxnSpPr>
-        <p:spPr>
-          <a:xfrm>
-            <a:off x="5133975" y="2423149"/>
-            <a:ext cx="0" cy="2011680"/>
-          </a:xfrm>
-          <a:prstGeom prst="line">
-            <a:avLst/>
-          </a:prstGeom>
-          <a:ln w="19050">
-            <a:solidFill>
-              <a:srgbClr val="FFFFFF">
-                <a:alpha val="80000"/>
-              </a:srgbClr>
-            </a:solidFill>
-          </a:ln>
-        </p:spPr>
-        <p:style>
-          <a:lnRef idx="1">
-            <a:schemeClr val="accent1"/>
-          </a:lnRef>
-          <a:fillRef idx="0">
-            <a:schemeClr val="accent1"/>
-          </a:fillRef>
-          <a:effectRef idx="0">
-            <a:schemeClr val="accent1"/>
-          </a:effectRef>
-          <a:fontRef idx="minor">
-            <a:schemeClr val="tx1"/>
-          </a:fontRef>
-        </p:style>
-      </p:cxnSp>
       <p:pic>
         <p:nvPicPr>
           <p:cNvPr id="6" name="Picture 5" descr="A close up of a map&#10;&#10;Description automatically generated">
@@ -18325,7 +23471,7 @@
           </p:cNvPicPr>
           <p:nvPr/>
         </p:nvPicPr>
-        <p:blipFill>
+        <p:blipFill rotWithShape="1">
           <a:blip r:embed="rId3">
             <a:extLst>
               <a:ext uri="{28A0092B-C50C-407E-A947-70E740481C1C}">
@@ -18333,20 +23479,425 @@
               </a:ext>
             </a:extLst>
           </a:blip>
-          <a:stretch>
-            <a:fillRect/>
-          </a:stretch>
+          <a:srcRect r="3112" b="1"/>
+          <a:stretch/>
         </p:blipFill>
         <p:spPr>
           <a:xfrm>
-            <a:off x="4791455" y="1410659"/>
-            <a:ext cx="7400545" cy="4036660"/>
+            <a:off x="-321733" y="-8247"/>
+            <a:ext cx="8901283" cy="5006967"/>
           </a:xfrm>
           <a:prstGeom prst="rect">
             <a:avLst/>
           </a:prstGeom>
         </p:spPr>
       </p:pic>
+      <p:graphicFrame>
+        <p:nvGraphicFramePr>
+          <p:cNvPr id="56" name="Table 55">
+            <a:extLst>
+              <a:ext uri="{FF2B5EF4-FFF2-40B4-BE49-F238E27FC236}">
+                <a16:creationId xmlns:a16="http://schemas.microsoft.com/office/drawing/2014/main" id="{310D2C5B-5B8F-4172-94EF-27E047B3783B}"/>
+              </a:ext>
+            </a:extLst>
+          </p:cNvPr>
+          <p:cNvGraphicFramePr>
+            <a:graphicFrameLocks noGrp="1"/>
+          </p:cNvGraphicFramePr>
+          <p:nvPr>
+            <p:extLst>
+              <p:ext uri="{D42A27DB-BD31-4B8C-83A1-F6EECF244321}">
+                <p14:modId xmlns:p14="http://schemas.microsoft.com/office/powerpoint/2010/main" val="2322467162"/>
+              </p:ext>
+            </p:extLst>
+          </p:nvPr>
+        </p:nvGraphicFramePr>
+        <p:xfrm>
+          <a:off x="7355544" y="4046847"/>
+          <a:ext cx="4618981" cy="2595880"/>
+        </p:xfrm>
+        <a:graphic>
+          <a:graphicData uri="http://schemas.openxmlformats.org/drawingml/2006/table">
+            <a:tbl>
+              <a:tblPr firstRow="1" bandRow="1">
+                <a:tableStyleId>{5C22544A-7EE6-4342-B048-85BDC9FD1C3A}</a:tableStyleId>
+              </a:tblPr>
+              <a:tblGrid>
+                <a:gridCol w="944046">
+                  <a:extLst>
+                    <a:ext uri="{9D8B030D-6E8A-4147-A177-3AD203B41FA5}">
+                      <a16:colId xmlns:a16="http://schemas.microsoft.com/office/drawing/2014/main" val="50529342"/>
+                    </a:ext>
+                  </a:extLst>
+                </a:gridCol>
+                <a:gridCol w="1513840">
+                  <a:extLst>
+                    <a:ext uri="{9D8B030D-6E8A-4147-A177-3AD203B41FA5}">
+                      <a16:colId xmlns:a16="http://schemas.microsoft.com/office/drawing/2014/main" val="360272387"/>
+                    </a:ext>
+                  </a:extLst>
+                </a:gridCol>
+                <a:gridCol w="2161095">
+                  <a:extLst>
+                    <a:ext uri="{9D8B030D-6E8A-4147-A177-3AD203B41FA5}">
+                      <a16:colId xmlns:a16="http://schemas.microsoft.com/office/drawing/2014/main" val="1749500828"/>
+                    </a:ext>
+                  </a:extLst>
+                </a:gridCol>
+              </a:tblGrid>
+              <a:tr h="370840">
+                <a:tc>
+                  <a:txBody>
+                    <a:bodyPr/>
+                    <a:lstStyle/>
+                    <a:p>
+                      <a:pPr algn="ctr"/>
+                      <a:r>
+                        <a:rPr lang="en-US" dirty="0"/>
+                        <a:t>Year</a:t>
+                      </a:r>
+                      <a:endParaRPr lang="en-CA" dirty="0"/>
+                    </a:p>
+                  </a:txBody>
+                  <a:tcPr/>
+                </a:tc>
+                <a:tc>
+                  <a:txBody>
+                    <a:bodyPr/>
+                    <a:lstStyle/>
+                    <a:p>
+                      <a:pPr algn="ctr"/>
+                      <a:r>
+                        <a:rPr lang="en-US" dirty="0"/>
+                        <a:t>Total Number</a:t>
+                      </a:r>
+                      <a:endParaRPr lang="en-CA" dirty="0"/>
+                    </a:p>
+                  </a:txBody>
+                  <a:tcPr/>
+                </a:tc>
+                <a:tc>
+                  <a:txBody>
+                    <a:bodyPr/>
+                    <a:lstStyle/>
+                    <a:p>
+                      <a:pPr algn="ctr"/>
+                      <a:r>
+                        <a:rPr lang="en-US" dirty="0"/>
+                        <a:t>Percentage Change</a:t>
+                      </a:r>
+                      <a:endParaRPr lang="en-CA" dirty="0"/>
+                    </a:p>
+                  </a:txBody>
+                  <a:tcPr/>
+                </a:tc>
+                <a:extLst>
+                  <a:ext uri="{0D108BD9-81ED-4DB2-BD59-A6C34878D82A}">
+                    <a16:rowId xmlns:a16="http://schemas.microsoft.com/office/drawing/2014/main" val="3901928932"/>
+                  </a:ext>
+                </a:extLst>
+              </a:tr>
+              <a:tr h="370840">
+                <a:tc>
+                  <a:txBody>
+                    <a:bodyPr/>
+                    <a:lstStyle/>
+                    <a:p>
+                      <a:pPr algn="ctr"/>
+                      <a:r>
+                        <a:rPr lang="en-US" dirty="0"/>
+                        <a:t>2014</a:t>
+                      </a:r>
+                      <a:endParaRPr lang="en-CA" dirty="0"/>
+                    </a:p>
+                  </a:txBody>
+                  <a:tcPr/>
+                </a:tc>
+                <a:tc>
+                  <a:txBody>
+                    <a:bodyPr/>
+                    <a:lstStyle/>
+                    <a:p>
+                      <a:pPr algn="ctr"/>
+                      <a:r>
+                        <a:rPr lang="en-CA" dirty="0"/>
+                        <a:t>34,710</a:t>
+                      </a:r>
+                    </a:p>
+                  </a:txBody>
+                  <a:tcPr/>
+                </a:tc>
+                <a:tc>
+                  <a:txBody>
+                    <a:bodyPr/>
+                    <a:lstStyle/>
+                    <a:p>
+                      <a:pPr algn="ctr"/>
+                      <a:endParaRPr lang="en-CA" dirty="0"/>
+                    </a:p>
+                  </a:txBody>
+                  <a:tcPr/>
+                </a:tc>
+                <a:extLst>
+                  <a:ext uri="{0D108BD9-81ED-4DB2-BD59-A6C34878D82A}">
+                    <a16:rowId xmlns:a16="http://schemas.microsoft.com/office/drawing/2014/main" val="3225722276"/>
+                  </a:ext>
+                </a:extLst>
+              </a:tr>
+              <a:tr h="370840">
+                <a:tc>
+                  <a:txBody>
+                    <a:bodyPr/>
+                    <a:lstStyle/>
+                    <a:p>
+                      <a:pPr algn="ctr"/>
+                      <a:r>
+                        <a:rPr lang="en-US" dirty="0"/>
+                        <a:t>2015</a:t>
+                      </a:r>
+                      <a:endParaRPr lang="en-CA" dirty="0"/>
+                    </a:p>
+                  </a:txBody>
+                  <a:tcPr/>
+                </a:tc>
+                <a:tc>
+                  <a:txBody>
+                    <a:bodyPr/>
+                    <a:lstStyle/>
+                    <a:p>
+                      <a:pPr algn="ctr"/>
+                      <a:r>
+                        <a:rPr lang="en-CA" dirty="0"/>
+                        <a:t>35,660</a:t>
+                      </a:r>
+                    </a:p>
+                  </a:txBody>
+                  <a:tcPr/>
+                </a:tc>
+                <a:tc>
+                  <a:txBody>
+                    <a:bodyPr/>
+                    <a:lstStyle/>
+                    <a:p>
+                      <a:pPr algn="ctr"/>
+                      <a:r>
+                        <a:rPr lang="en-CA" dirty="0"/>
+                        <a:t>2.74%</a:t>
+                      </a:r>
+                    </a:p>
+                  </a:txBody>
+                  <a:tcPr/>
+                </a:tc>
+                <a:extLst>
+                  <a:ext uri="{0D108BD9-81ED-4DB2-BD59-A6C34878D82A}">
+                    <a16:rowId xmlns:a16="http://schemas.microsoft.com/office/drawing/2014/main" val="2324265374"/>
+                  </a:ext>
+                </a:extLst>
+              </a:tr>
+              <a:tr h="370840">
+                <a:tc>
+                  <a:txBody>
+                    <a:bodyPr/>
+                    <a:lstStyle/>
+                    <a:p>
+                      <a:pPr algn="ctr"/>
+                      <a:r>
+                        <a:rPr lang="en-US" dirty="0"/>
+                        <a:t>2016</a:t>
+                      </a:r>
+                      <a:endParaRPr lang="en-CA" dirty="0"/>
+                    </a:p>
+                  </a:txBody>
+                  <a:tcPr/>
+                </a:tc>
+                <a:tc>
+                  <a:txBody>
+                    <a:bodyPr/>
+                    <a:lstStyle/>
+                    <a:p>
+                      <a:pPr algn="ctr"/>
+                      <a:r>
+                        <a:rPr lang="en-CA" dirty="0"/>
+                        <a:t>36,684</a:t>
+                      </a:r>
+                    </a:p>
+                  </a:txBody>
+                  <a:tcPr/>
+                </a:tc>
+                <a:tc>
+                  <a:txBody>
+                    <a:bodyPr/>
+                    <a:lstStyle/>
+                    <a:p>
+                      <a:pPr algn="ctr"/>
+                      <a:r>
+                        <a:rPr lang="en-CA" dirty="0"/>
+                        <a:t>2.87%</a:t>
+                      </a:r>
+                    </a:p>
+                  </a:txBody>
+                  <a:tcPr/>
+                </a:tc>
+                <a:extLst>
+                  <a:ext uri="{0D108BD9-81ED-4DB2-BD59-A6C34878D82A}">
+                    <a16:rowId xmlns:a16="http://schemas.microsoft.com/office/drawing/2014/main" val="4086008662"/>
+                  </a:ext>
+                </a:extLst>
+              </a:tr>
+              <a:tr h="370840">
+                <a:tc>
+                  <a:txBody>
+                    <a:bodyPr/>
+                    <a:lstStyle/>
+                    <a:p>
+                      <a:pPr algn="ctr"/>
+                      <a:r>
+                        <a:rPr lang="en-US" dirty="0"/>
+                        <a:t>2017</a:t>
+                      </a:r>
+                      <a:endParaRPr lang="en-CA" dirty="0"/>
+                    </a:p>
+                  </a:txBody>
+                  <a:tcPr/>
+                </a:tc>
+                <a:tc>
+                  <a:txBody>
+                    <a:bodyPr/>
+                    <a:lstStyle/>
+                    <a:p>
+                      <a:pPr algn="ctr"/>
+                      <a:r>
+                        <a:rPr lang="en-CA" dirty="0"/>
+                        <a:t>38,489</a:t>
+                      </a:r>
+                    </a:p>
+                  </a:txBody>
+                  <a:tcPr/>
+                </a:tc>
+                <a:tc>
+                  <a:txBody>
+                    <a:bodyPr/>
+                    <a:lstStyle/>
+                    <a:p>
+                      <a:pPr algn="ctr"/>
+                      <a:r>
+                        <a:rPr lang="en-CA" dirty="0"/>
+                        <a:t>4.92%</a:t>
+                      </a:r>
+                    </a:p>
+                  </a:txBody>
+                  <a:tcPr/>
+                </a:tc>
+                <a:extLst>
+                  <a:ext uri="{0D108BD9-81ED-4DB2-BD59-A6C34878D82A}">
+                    <a16:rowId xmlns:a16="http://schemas.microsoft.com/office/drawing/2014/main" val="4233321891"/>
+                  </a:ext>
+                </a:extLst>
+              </a:tr>
+              <a:tr h="370840">
+                <a:tc>
+                  <a:txBody>
+                    <a:bodyPr/>
+                    <a:lstStyle/>
+                    <a:p>
+                      <a:pPr algn="ctr"/>
+                      <a:r>
+                        <a:rPr lang="en-US" dirty="0"/>
+                        <a:t>2018</a:t>
+                      </a:r>
+                      <a:endParaRPr lang="en-CA" dirty="0"/>
+                    </a:p>
+                  </a:txBody>
+                  <a:tcPr/>
+                </a:tc>
+                <a:tc>
+                  <a:txBody>
+                    <a:bodyPr/>
+                    <a:lstStyle/>
+                    <a:p>
+                      <a:pPr algn="ctr"/>
+                      <a:r>
+                        <a:rPr lang="en-CA" dirty="0"/>
+                        <a:t>40,368</a:t>
+                      </a:r>
+                    </a:p>
+                  </a:txBody>
+                  <a:tcPr/>
+                </a:tc>
+                <a:tc>
+                  <a:txBody>
+                    <a:bodyPr/>
+                    <a:lstStyle/>
+                    <a:p>
+                      <a:pPr algn="ctr"/>
+                      <a:r>
+                        <a:rPr lang="en-CA" dirty="0"/>
+                        <a:t>4.88%</a:t>
+                      </a:r>
+                    </a:p>
+                  </a:txBody>
+                  <a:tcPr/>
+                </a:tc>
+                <a:extLst>
+                  <a:ext uri="{0D108BD9-81ED-4DB2-BD59-A6C34878D82A}">
+                    <a16:rowId xmlns:a16="http://schemas.microsoft.com/office/drawing/2014/main" val="3235692462"/>
+                  </a:ext>
+                </a:extLst>
+              </a:tr>
+              <a:tr h="370840">
+                <a:tc>
+                  <a:txBody>
+                    <a:bodyPr/>
+                    <a:lstStyle/>
+                    <a:p>
+                      <a:pPr algn="ctr"/>
+                      <a:r>
+                        <a:rPr lang="en-US" dirty="0"/>
+                        <a:t>2019</a:t>
+                      </a:r>
+                      <a:endParaRPr lang="en-CA" dirty="0"/>
+                    </a:p>
+                  </a:txBody>
+                  <a:tcPr/>
+                </a:tc>
+                <a:tc>
+                  <a:txBody>
+                    <a:bodyPr/>
+                    <a:lstStyle/>
+                    <a:p>
+                      <a:pPr algn="ctr"/>
+                      <a:r>
+                        <a:rPr lang="en-CA" dirty="0"/>
+                        <a:t>41,425</a:t>
+                      </a:r>
+                    </a:p>
+                  </a:txBody>
+                  <a:tcPr/>
+                </a:tc>
+                <a:tc>
+                  <a:txBody>
+                    <a:bodyPr/>
+                    <a:lstStyle/>
+                    <a:p>
+                      <a:pPr algn="ctr"/>
+                      <a:r>
+                        <a:rPr lang="en-CA" dirty="0"/>
+                        <a:t>2.62%</a:t>
+                      </a:r>
+                    </a:p>
+                  </a:txBody>
+                  <a:tcPr/>
+                </a:tc>
+                <a:extLst>
+                  <a:ext uri="{0D108BD9-81ED-4DB2-BD59-A6C34878D82A}">
+                    <a16:rowId xmlns:a16="http://schemas.microsoft.com/office/drawing/2014/main" val="481599944"/>
+                  </a:ext>
+                </a:extLst>
+              </a:tr>
+            </a:tbl>
+          </a:graphicData>
+        </a:graphic>
+      </p:graphicFrame>
     </p:spTree>
     <p:extLst>
       <p:ext uri="{BB962C8B-B14F-4D97-AF65-F5344CB8AC3E}">

--- a/Presentation - Project 01.pptx
+++ b/Presentation - Project 01.pptx
@@ -8,7 +8,7 @@
     <p:notesMasterId r:id="rId22"/>
   </p:notesMasterIdLst>
   <p:sldIdLst>
-    <p:sldId id="256" r:id="rId2"/>
+    <p:sldId id="282" r:id="rId2"/>
     <p:sldId id="257" r:id="rId3"/>
     <p:sldId id="259" r:id="rId4"/>
     <p:sldId id="261" r:id="rId5"/>
@@ -1996,10 +1996,10 @@
         <a:lstStyle/>
         <a:p>
           <a:r>
-            <a:rPr lang="en-US"/>
+            <a:rPr lang="en-US" dirty="0"/>
             <a:t>Brainstorm ideas and factors on the investigation topic</a:t>
           </a:r>
-          <a:endParaRPr lang="en-CA"/>
+          <a:endParaRPr lang="en-CA" dirty="0"/>
         </a:p>
       </dgm:t>
     </dgm:pt>
@@ -2693,7 +2693,7 @@
             <a:defRPr cap="all"/>
           </a:pPr>
           <a:r>
-            <a:rPr lang="en-US"/>
+            <a:rPr lang="en-US" dirty="0"/>
             <a:t>Future investigations</a:t>
           </a:r>
         </a:p>
@@ -2721,90 +2721,6 @@
         </a:p>
       </dgm:t>
     </dgm:pt>
-    <dgm:pt modelId="{1EB92928-A621-4F40-97B1-26C7F71BE400}">
-      <dgm:prSet/>
-      <dgm:spPr/>
-      <dgm:t>
-        <a:bodyPr/>
-        <a:lstStyle/>
-        <a:p>
-          <a:pPr>
-            <a:lnSpc>
-              <a:spcPct val="100000"/>
-            </a:lnSpc>
-            <a:defRPr cap="all"/>
-          </a:pPr>
-          <a:r>
-            <a:rPr lang="en-US"/>
-            <a:t>Things that need to improve</a:t>
-          </a:r>
-        </a:p>
-      </dgm:t>
-    </dgm:pt>
-    <dgm:pt modelId="{CA2BB5B7-0F16-46E0-B511-1B89FE6E466F}" type="parTrans" cxnId="{7C00CDB2-F5FB-4D88-A439-7F70F1F973F5}">
-      <dgm:prSet/>
-      <dgm:spPr/>
-      <dgm:t>
-        <a:bodyPr/>
-        <a:lstStyle/>
-        <a:p>
-          <a:endParaRPr lang="en-US"/>
-        </a:p>
-      </dgm:t>
-    </dgm:pt>
-    <dgm:pt modelId="{A9E4F6D3-4110-4CE8-8EB9-F2F148EE1BB5}" type="sibTrans" cxnId="{7C00CDB2-F5FB-4D88-A439-7F70F1F973F5}">
-      <dgm:prSet/>
-      <dgm:spPr/>
-      <dgm:t>
-        <a:bodyPr/>
-        <a:lstStyle/>
-        <a:p>
-          <a:endParaRPr lang="en-US"/>
-        </a:p>
-      </dgm:t>
-    </dgm:pt>
-    <dgm:pt modelId="{8E81B305-1BB1-4D76-889A-A018C0F41034}">
-      <dgm:prSet/>
-      <dgm:spPr/>
-      <dgm:t>
-        <a:bodyPr/>
-        <a:lstStyle/>
-        <a:p>
-          <a:pPr>
-            <a:lnSpc>
-              <a:spcPct val="100000"/>
-            </a:lnSpc>
-            <a:defRPr cap="all"/>
-          </a:pPr>
-          <a:r>
-            <a:rPr lang="en-US"/>
-            <a:t>Limitations</a:t>
-          </a:r>
-        </a:p>
-      </dgm:t>
-    </dgm:pt>
-    <dgm:pt modelId="{E7ABF61A-4CDC-4FF6-90B1-F08C64130D42}" type="parTrans" cxnId="{5880FDEC-9865-4CEB-8A29-619D530B593D}">
-      <dgm:prSet/>
-      <dgm:spPr/>
-      <dgm:t>
-        <a:bodyPr/>
-        <a:lstStyle/>
-        <a:p>
-          <a:endParaRPr lang="en-US"/>
-        </a:p>
-      </dgm:t>
-    </dgm:pt>
-    <dgm:pt modelId="{200DD269-F441-430C-A7E3-97C90FBFFB56}" type="sibTrans" cxnId="{5880FDEC-9865-4CEB-8A29-619D530B593D}">
-      <dgm:prSet/>
-      <dgm:spPr/>
-      <dgm:t>
-        <a:bodyPr/>
-        <a:lstStyle/>
-        <a:p>
-          <a:endParaRPr lang="en-US"/>
-        </a:p>
-      </dgm:t>
-    </dgm:pt>
     <dgm:pt modelId="{98C8AA05-0C1E-4EE1-A238-52E2BF96CC8D}" type="pres">
       <dgm:prSet presAssocID="{7F755F05-0D40-4FB0-AB9E-315078476F5F}" presName="root" presStyleCnt="0">
         <dgm:presLayoutVars>
@@ -2819,11 +2735,11 @@
       <dgm:spPr/>
     </dgm:pt>
     <dgm:pt modelId="{61FA96CA-5DA6-4551-A445-609BF359DABF}" type="pres">
-      <dgm:prSet presAssocID="{BEC5B7B0-ADF7-4FE3-87B4-E050A75C667A}" presName="iconBgRect" presStyleLbl="bgShp" presStyleIdx="0" presStyleCnt="5"/>
+      <dgm:prSet presAssocID="{BEC5B7B0-ADF7-4FE3-87B4-E050A75C667A}" presName="iconBgRect" presStyleLbl="bgShp" presStyleIdx="0" presStyleCnt="3"/>
       <dgm:spPr/>
     </dgm:pt>
     <dgm:pt modelId="{13C186D3-8FC7-4A81-A2D0-97C988502924}" type="pres">
-      <dgm:prSet presAssocID="{BEC5B7B0-ADF7-4FE3-87B4-E050A75C667A}" presName="iconRect" presStyleLbl="node1" presStyleIdx="0" presStyleCnt="5"/>
+      <dgm:prSet presAssocID="{BEC5B7B0-ADF7-4FE3-87B4-E050A75C667A}" presName="iconRect" presStyleLbl="node1" presStyleIdx="0" presStyleCnt="3"/>
       <dgm:spPr>
         <a:blipFill>
           <a:blip xmlns:r="http://schemas.openxmlformats.org/officeDocument/2006/relationships" r:embed="rId1">
@@ -2855,7 +2771,7 @@
       <dgm:spPr/>
     </dgm:pt>
     <dgm:pt modelId="{499379A3-3C48-4FCE-8514-E63830BEA298}" type="pres">
-      <dgm:prSet presAssocID="{BEC5B7B0-ADF7-4FE3-87B4-E050A75C667A}" presName="textRect" presStyleLbl="revTx" presStyleIdx="0" presStyleCnt="5">
+      <dgm:prSet presAssocID="{BEC5B7B0-ADF7-4FE3-87B4-E050A75C667A}" presName="textRect" presStyleLbl="revTx" presStyleIdx="0" presStyleCnt="3">
         <dgm:presLayoutVars>
           <dgm:chMax val="1"/>
           <dgm:chPref val="1"/>
@@ -2872,11 +2788,11 @@
       <dgm:spPr/>
     </dgm:pt>
     <dgm:pt modelId="{D04D6C7D-9C3B-48B4-BC06-90DB1C23E0DC}" type="pres">
-      <dgm:prSet presAssocID="{FA0CF621-D216-4F56-B928-3CBBFC48B8A7}" presName="iconBgRect" presStyleLbl="bgShp" presStyleIdx="1" presStyleCnt="5"/>
+      <dgm:prSet presAssocID="{FA0CF621-D216-4F56-B928-3CBBFC48B8A7}" presName="iconBgRect" presStyleLbl="bgShp" presStyleIdx="1" presStyleCnt="3"/>
       <dgm:spPr/>
     </dgm:pt>
     <dgm:pt modelId="{959F1CE6-BC4A-4923-91ED-C322461008A4}" type="pres">
-      <dgm:prSet presAssocID="{FA0CF621-D216-4F56-B928-3CBBFC48B8A7}" presName="iconRect" presStyleLbl="node1" presStyleIdx="1" presStyleCnt="5"/>
+      <dgm:prSet presAssocID="{FA0CF621-D216-4F56-B928-3CBBFC48B8A7}" presName="iconRect" presStyleLbl="node1" presStyleIdx="1" presStyleCnt="3"/>
       <dgm:spPr>
         <a:blipFill>
           <a:blip xmlns:r="http://schemas.openxmlformats.org/officeDocument/2006/relationships" r:embed="rId3">
@@ -2908,7 +2824,7 @@
       <dgm:spPr/>
     </dgm:pt>
     <dgm:pt modelId="{4313F9B7-BD8D-4E0E-8596-34F27D619FCA}" type="pres">
-      <dgm:prSet presAssocID="{FA0CF621-D216-4F56-B928-3CBBFC48B8A7}" presName="textRect" presStyleLbl="revTx" presStyleIdx="1" presStyleCnt="5">
+      <dgm:prSet presAssocID="{FA0CF621-D216-4F56-B928-3CBBFC48B8A7}" presName="textRect" presStyleLbl="revTx" presStyleIdx="1" presStyleCnt="3">
         <dgm:presLayoutVars>
           <dgm:chMax val="1"/>
           <dgm:chPref val="1"/>
@@ -2925,11 +2841,11 @@
       <dgm:spPr/>
     </dgm:pt>
     <dgm:pt modelId="{23F1A8BF-02BF-4477-BF0A-6986637E3888}" type="pres">
-      <dgm:prSet presAssocID="{E07096F4-FDBD-4C35-BA3C-0663CE0348B6}" presName="iconBgRect" presStyleLbl="bgShp" presStyleIdx="2" presStyleCnt="5"/>
+      <dgm:prSet presAssocID="{E07096F4-FDBD-4C35-BA3C-0663CE0348B6}" presName="iconBgRect" presStyleLbl="bgShp" presStyleIdx="2" presStyleCnt="3"/>
       <dgm:spPr/>
     </dgm:pt>
     <dgm:pt modelId="{7D0E09ED-CAE1-48D9-88AF-7730A89E0865}" type="pres">
-      <dgm:prSet presAssocID="{E07096F4-FDBD-4C35-BA3C-0663CE0348B6}" presName="iconRect" presStyleLbl="node1" presStyleIdx="2" presStyleCnt="5"/>
+      <dgm:prSet presAssocID="{E07096F4-FDBD-4C35-BA3C-0663CE0348B6}" presName="iconRect" presStyleLbl="node1" presStyleIdx="2" presStyleCnt="3"/>
       <dgm:spPr>
         <a:blipFill>
           <a:blip xmlns:r="http://schemas.openxmlformats.org/officeDocument/2006/relationships" r:embed="rId5">
@@ -2961,113 +2877,7 @@
       <dgm:spPr/>
     </dgm:pt>
     <dgm:pt modelId="{B7DFF61F-879D-447C-835A-B0A6BCCAE588}" type="pres">
-      <dgm:prSet presAssocID="{E07096F4-FDBD-4C35-BA3C-0663CE0348B6}" presName="textRect" presStyleLbl="revTx" presStyleIdx="2" presStyleCnt="5">
-        <dgm:presLayoutVars>
-          <dgm:chMax val="1"/>
-          <dgm:chPref val="1"/>
-        </dgm:presLayoutVars>
-      </dgm:prSet>
-      <dgm:spPr/>
-    </dgm:pt>
-    <dgm:pt modelId="{E15C9F0A-6109-4DC6-8F42-A45241694681}" type="pres">
-      <dgm:prSet presAssocID="{056BD2C7-E0ED-4034-A35E-042CF45B5A79}" presName="sibTrans" presStyleCnt="0"/>
-      <dgm:spPr/>
-    </dgm:pt>
-    <dgm:pt modelId="{571A4C3C-1A17-4306-BC28-FD73399E9204}" type="pres">
-      <dgm:prSet presAssocID="{1EB92928-A621-4F40-97B1-26C7F71BE400}" presName="compNode" presStyleCnt="0"/>
-      <dgm:spPr/>
-    </dgm:pt>
-    <dgm:pt modelId="{6FA6E59C-3126-4298-B061-EEA747F74035}" type="pres">
-      <dgm:prSet presAssocID="{1EB92928-A621-4F40-97B1-26C7F71BE400}" presName="iconBgRect" presStyleLbl="bgShp" presStyleIdx="3" presStyleCnt="5"/>
-      <dgm:spPr/>
-    </dgm:pt>
-    <dgm:pt modelId="{CD515A2A-987E-437A-B274-E9E29EB72F75}" type="pres">
-      <dgm:prSet presAssocID="{1EB92928-A621-4F40-97B1-26C7F71BE400}" presName="iconRect" presStyleLbl="node1" presStyleIdx="3" presStyleCnt="5"/>
-      <dgm:spPr>
-        <a:blipFill>
-          <a:blip xmlns:r="http://schemas.openxmlformats.org/officeDocument/2006/relationships" r:embed="rId7">
-            <a:extLst>
-              <a:ext uri="{28A0092B-C50C-407E-A947-70E740481C1C}">
-                <a14:useLocalDpi xmlns:a14="http://schemas.microsoft.com/office/drawing/2010/main" val="0"/>
-              </a:ext>
-              <a:ext uri="{96DAC541-7B7A-43D3-8B79-37D633B846F1}">
-                <asvg:svgBlip xmlns:asvg="http://schemas.microsoft.com/office/drawing/2016/SVG/main" r:embed="rId8"/>
-              </a:ext>
-            </a:extLst>
-          </a:blip>
-          <a:stretch>
-            <a:fillRect/>
-          </a:stretch>
-        </a:blipFill>
-        <a:ln>
-          <a:noFill/>
-        </a:ln>
-      </dgm:spPr>
-      <dgm:extLst>
-        <a:ext uri="{E40237B7-FDA0-4F09-8148-C483321AD2D9}">
-          <dgm14:cNvPr xmlns:dgm14="http://schemas.microsoft.com/office/drawing/2010/diagram" id="0" name="" descr="Upward trend"/>
-        </a:ext>
-      </dgm:extLst>
-    </dgm:pt>
-    <dgm:pt modelId="{6DAED8BC-4DE1-4B04-8786-26FE6455C891}" type="pres">
-      <dgm:prSet presAssocID="{1EB92928-A621-4F40-97B1-26C7F71BE400}" presName="spaceRect" presStyleCnt="0"/>
-      <dgm:spPr/>
-    </dgm:pt>
-    <dgm:pt modelId="{4108C185-8254-4B6C-ADF4-864F07AA966C}" type="pres">
-      <dgm:prSet presAssocID="{1EB92928-A621-4F40-97B1-26C7F71BE400}" presName="textRect" presStyleLbl="revTx" presStyleIdx="3" presStyleCnt="5">
-        <dgm:presLayoutVars>
-          <dgm:chMax val="1"/>
-          <dgm:chPref val="1"/>
-        </dgm:presLayoutVars>
-      </dgm:prSet>
-      <dgm:spPr/>
-    </dgm:pt>
-    <dgm:pt modelId="{8E0276FE-44E7-4815-A227-18FE78F4BD90}" type="pres">
-      <dgm:prSet presAssocID="{A9E4F6D3-4110-4CE8-8EB9-F2F148EE1BB5}" presName="sibTrans" presStyleCnt="0"/>
-      <dgm:spPr/>
-    </dgm:pt>
-    <dgm:pt modelId="{8896681D-BB43-4A15-A3E3-75726F787468}" type="pres">
-      <dgm:prSet presAssocID="{8E81B305-1BB1-4D76-889A-A018C0F41034}" presName="compNode" presStyleCnt="0"/>
-      <dgm:spPr/>
-    </dgm:pt>
-    <dgm:pt modelId="{5296F135-11E9-4584-AFA4-903947C9E2CE}" type="pres">
-      <dgm:prSet presAssocID="{8E81B305-1BB1-4D76-889A-A018C0F41034}" presName="iconBgRect" presStyleLbl="bgShp" presStyleIdx="4" presStyleCnt="5"/>
-      <dgm:spPr/>
-    </dgm:pt>
-    <dgm:pt modelId="{F40205DF-0B32-4A52-B7EC-037958D3AF79}" type="pres">
-      <dgm:prSet presAssocID="{8E81B305-1BB1-4D76-889A-A018C0F41034}" presName="iconRect" presStyleLbl="node1" presStyleIdx="4" presStyleCnt="5"/>
-      <dgm:spPr>
-        <a:blipFill>
-          <a:blip xmlns:r="http://schemas.openxmlformats.org/officeDocument/2006/relationships" r:embed="rId9">
-            <a:extLst>
-              <a:ext uri="{28A0092B-C50C-407E-A947-70E740481C1C}">
-                <a14:useLocalDpi xmlns:a14="http://schemas.microsoft.com/office/drawing/2010/main" val="0"/>
-              </a:ext>
-              <a:ext uri="{96DAC541-7B7A-43D3-8B79-37D633B846F1}">
-                <asvg:svgBlip xmlns:asvg="http://schemas.microsoft.com/office/drawing/2016/SVG/main" r:embed="rId10"/>
-              </a:ext>
-            </a:extLst>
-          </a:blip>
-          <a:stretch>
-            <a:fillRect/>
-          </a:stretch>
-        </a:blipFill>
-        <a:ln>
-          <a:noFill/>
-        </a:ln>
-      </dgm:spPr>
-      <dgm:extLst>
-        <a:ext uri="{E40237B7-FDA0-4F09-8148-C483321AD2D9}">
-          <dgm14:cNvPr xmlns:dgm14="http://schemas.microsoft.com/office/drawing/2010/diagram" id="0" name="" descr="Downward trend"/>
-        </a:ext>
-      </dgm:extLst>
-    </dgm:pt>
-    <dgm:pt modelId="{E21DDD20-3223-4055-A741-B0B96B0B9701}" type="pres">
-      <dgm:prSet presAssocID="{8E81B305-1BB1-4D76-889A-A018C0F41034}" presName="spaceRect" presStyleCnt="0"/>
-      <dgm:spPr/>
-    </dgm:pt>
-    <dgm:pt modelId="{945E8A33-650C-4CDB-B833-DADE3D9047D2}" type="pres">
-      <dgm:prSet presAssocID="{8E81B305-1BB1-4D76-889A-A018C0F41034}" presName="textRect" presStyleLbl="revTx" presStyleIdx="4" presStyleCnt="5">
+      <dgm:prSet presAssocID="{E07096F4-FDBD-4C35-BA3C-0663CE0348B6}" presName="textRect" presStyleLbl="revTx" presStyleIdx="2" presStyleCnt="3">
         <dgm:presLayoutVars>
           <dgm:chMax val="1"/>
           <dgm:chPref val="1"/>
@@ -3080,13 +2890,9 @@
     <dgm:cxn modelId="{2DA61F07-38A5-4DFF-92BC-C489E91B0489}" srcId="{7F755F05-0D40-4FB0-AB9E-315078476F5F}" destId="{BEC5B7B0-ADF7-4FE3-87B4-E050A75C667A}" srcOrd="0" destOrd="0" parTransId="{7DC90F0B-C0F8-418C-B94C-E307CACBD879}" sibTransId="{8F47022A-7B6C-4F9A-B7A7-BDDAB8242DEE}"/>
     <dgm:cxn modelId="{B843332F-F0DA-46CC-A667-E395C33BC65E}" srcId="{7F755F05-0D40-4FB0-AB9E-315078476F5F}" destId="{E07096F4-FDBD-4C35-BA3C-0663CE0348B6}" srcOrd="2" destOrd="0" parTransId="{916E3B12-8779-4CF5-8EEF-B72A879EF557}" sibTransId="{056BD2C7-E0ED-4034-A35E-042CF45B5A79}"/>
     <dgm:cxn modelId="{9ADDD13D-8849-45F8-B77A-3343D5EEC210}" type="presOf" srcId="{FA0CF621-D216-4F56-B928-3CBBFC48B8A7}" destId="{4313F9B7-BD8D-4E0E-8596-34F27D619FCA}" srcOrd="0" destOrd="0" presId="urn:microsoft.com/office/officeart/2018/5/layout/IconCircleLabelList"/>
-    <dgm:cxn modelId="{29C2F05F-A7CE-4610-95C0-A49C756003BA}" type="presOf" srcId="{1EB92928-A621-4F40-97B1-26C7F71BE400}" destId="{4108C185-8254-4B6C-ADF4-864F07AA966C}" srcOrd="0" destOrd="0" presId="urn:microsoft.com/office/officeart/2018/5/layout/IconCircleLabelList"/>
     <dgm:cxn modelId="{237D0053-9EF5-42F8-AEF1-0FA4F9C72120}" srcId="{7F755F05-0D40-4FB0-AB9E-315078476F5F}" destId="{FA0CF621-D216-4F56-B928-3CBBFC48B8A7}" srcOrd="1" destOrd="0" parTransId="{1EF78456-84F1-444F-9595-8A0E4EBFE19B}" sibTransId="{23E84511-BC7A-4FEC-978A-FF909CFA19ED}"/>
-    <dgm:cxn modelId="{0F48AB93-4D50-470A-BDE2-FA6CF745CBFA}" type="presOf" srcId="{8E81B305-1BB1-4D76-889A-A018C0F41034}" destId="{945E8A33-650C-4CDB-B833-DADE3D9047D2}" srcOrd="0" destOrd="0" presId="urn:microsoft.com/office/officeart/2018/5/layout/IconCircleLabelList"/>
     <dgm:cxn modelId="{146B1EB1-22B4-4EAA-9935-BE852722B655}" type="presOf" srcId="{7F755F05-0D40-4FB0-AB9E-315078476F5F}" destId="{98C8AA05-0C1E-4EE1-A238-52E2BF96CC8D}" srcOrd="0" destOrd="0" presId="urn:microsoft.com/office/officeart/2018/5/layout/IconCircleLabelList"/>
-    <dgm:cxn modelId="{7C00CDB2-F5FB-4D88-A439-7F70F1F973F5}" srcId="{7F755F05-0D40-4FB0-AB9E-315078476F5F}" destId="{1EB92928-A621-4F40-97B1-26C7F71BE400}" srcOrd="3" destOrd="0" parTransId="{CA2BB5B7-0F16-46E0-B511-1B89FE6E466F}" sibTransId="{A9E4F6D3-4110-4CE8-8EB9-F2F148EE1BB5}"/>
     <dgm:cxn modelId="{364C7DD6-4FDB-4567-B1AF-3A1E246D06D9}" type="presOf" srcId="{BEC5B7B0-ADF7-4FE3-87B4-E050A75C667A}" destId="{499379A3-3C48-4FCE-8514-E63830BEA298}" srcOrd="0" destOrd="0" presId="urn:microsoft.com/office/officeart/2018/5/layout/IconCircleLabelList"/>
-    <dgm:cxn modelId="{5880FDEC-9865-4CEB-8A29-619D530B593D}" srcId="{7F755F05-0D40-4FB0-AB9E-315078476F5F}" destId="{8E81B305-1BB1-4D76-889A-A018C0F41034}" srcOrd="4" destOrd="0" parTransId="{E7ABF61A-4CDC-4FF6-90B1-F08C64130D42}" sibTransId="{200DD269-F441-430C-A7E3-97C90FBFFB56}"/>
     <dgm:cxn modelId="{A784BBF1-1B68-4E29-BAF3-4D6326D27CF8}" type="presOf" srcId="{E07096F4-FDBD-4C35-BA3C-0663CE0348B6}" destId="{B7DFF61F-879D-447C-835A-B0A6BCCAE588}" srcOrd="0" destOrd="0" presId="urn:microsoft.com/office/officeart/2018/5/layout/IconCircleLabelList"/>
     <dgm:cxn modelId="{CDCB9D32-404E-4A19-AEA7-567DC7DB0B7F}" type="presParOf" srcId="{98C8AA05-0C1E-4EE1-A238-52E2BF96CC8D}" destId="{7A7EED55-09B1-48B5-B53F-B6D7818473E1}" srcOrd="0" destOrd="0" presId="urn:microsoft.com/office/officeart/2018/5/layout/IconCircleLabelList"/>
     <dgm:cxn modelId="{10AD1A1D-D263-4B56-86AD-FB9ECCC7E7D7}" type="presParOf" srcId="{7A7EED55-09B1-48B5-B53F-B6D7818473E1}" destId="{61FA96CA-5DA6-4551-A445-609BF359DABF}" srcOrd="0" destOrd="0" presId="urn:microsoft.com/office/officeart/2018/5/layout/IconCircleLabelList"/>
@@ -3105,24 +2911,12 @@
     <dgm:cxn modelId="{65E93D3D-629F-4E10-A5D2-3217AB3E872A}" type="presParOf" srcId="{40003DC3-DC76-4B23-9370-C7D36A7EE012}" destId="{7D0E09ED-CAE1-48D9-88AF-7730A89E0865}" srcOrd="1" destOrd="0" presId="urn:microsoft.com/office/officeart/2018/5/layout/IconCircleLabelList"/>
     <dgm:cxn modelId="{B05D72F7-19BB-4BC0-927A-55F28AD60564}" type="presParOf" srcId="{40003DC3-DC76-4B23-9370-C7D36A7EE012}" destId="{6B6E9017-ABE3-459F-82C3-B6CD3ED7D60D}" srcOrd="2" destOrd="0" presId="urn:microsoft.com/office/officeart/2018/5/layout/IconCircleLabelList"/>
     <dgm:cxn modelId="{FA13AD59-8C5A-4501-9E9A-5291C851975E}" type="presParOf" srcId="{40003DC3-DC76-4B23-9370-C7D36A7EE012}" destId="{B7DFF61F-879D-447C-835A-B0A6BCCAE588}" srcOrd="3" destOrd="0" presId="urn:microsoft.com/office/officeart/2018/5/layout/IconCircleLabelList"/>
-    <dgm:cxn modelId="{92BC5D06-DB4D-4D07-B77F-6B0EE8D05348}" type="presParOf" srcId="{98C8AA05-0C1E-4EE1-A238-52E2BF96CC8D}" destId="{E15C9F0A-6109-4DC6-8F42-A45241694681}" srcOrd="5" destOrd="0" presId="urn:microsoft.com/office/officeart/2018/5/layout/IconCircleLabelList"/>
-    <dgm:cxn modelId="{BEA7DE7C-B8D6-4F72-8C5E-643045F37A05}" type="presParOf" srcId="{98C8AA05-0C1E-4EE1-A238-52E2BF96CC8D}" destId="{571A4C3C-1A17-4306-BC28-FD73399E9204}" srcOrd="6" destOrd="0" presId="urn:microsoft.com/office/officeart/2018/5/layout/IconCircleLabelList"/>
-    <dgm:cxn modelId="{0B0A48E5-7C6E-42E3-9AF5-F3D346649AB0}" type="presParOf" srcId="{571A4C3C-1A17-4306-BC28-FD73399E9204}" destId="{6FA6E59C-3126-4298-B061-EEA747F74035}" srcOrd="0" destOrd="0" presId="urn:microsoft.com/office/officeart/2018/5/layout/IconCircleLabelList"/>
-    <dgm:cxn modelId="{3927C0B5-8C1A-43D7-A46C-C79F7EF72974}" type="presParOf" srcId="{571A4C3C-1A17-4306-BC28-FD73399E9204}" destId="{CD515A2A-987E-437A-B274-E9E29EB72F75}" srcOrd="1" destOrd="0" presId="urn:microsoft.com/office/officeart/2018/5/layout/IconCircleLabelList"/>
-    <dgm:cxn modelId="{55E619F1-CD9C-4095-ABB5-97AF683808E5}" type="presParOf" srcId="{571A4C3C-1A17-4306-BC28-FD73399E9204}" destId="{6DAED8BC-4DE1-4B04-8786-26FE6455C891}" srcOrd="2" destOrd="0" presId="urn:microsoft.com/office/officeart/2018/5/layout/IconCircleLabelList"/>
-    <dgm:cxn modelId="{87FAF96B-F1D1-434F-85EB-B36557A3C7AA}" type="presParOf" srcId="{571A4C3C-1A17-4306-BC28-FD73399E9204}" destId="{4108C185-8254-4B6C-ADF4-864F07AA966C}" srcOrd="3" destOrd="0" presId="urn:microsoft.com/office/officeart/2018/5/layout/IconCircleLabelList"/>
-    <dgm:cxn modelId="{4DA91A7D-E9F0-4BCB-8531-EA20DD2919AF}" type="presParOf" srcId="{98C8AA05-0C1E-4EE1-A238-52E2BF96CC8D}" destId="{8E0276FE-44E7-4815-A227-18FE78F4BD90}" srcOrd="7" destOrd="0" presId="urn:microsoft.com/office/officeart/2018/5/layout/IconCircleLabelList"/>
-    <dgm:cxn modelId="{8527CE67-337A-45EE-8054-01C6872F3B34}" type="presParOf" srcId="{98C8AA05-0C1E-4EE1-A238-52E2BF96CC8D}" destId="{8896681D-BB43-4A15-A3E3-75726F787468}" srcOrd="8" destOrd="0" presId="urn:microsoft.com/office/officeart/2018/5/layout/IconCircleLabelList"/>
-    <dgm:cxn modelId="{08D34541-51AD-443F-AC6E-03CDF5BF54E4}" type="presParOf" srcId="{8896681D-BB43-4A15-A3E3-75726F787468}" destId="{5296F135-11E9-4584-AFA4-903947C9E2CE}" srcOrd="0" destOrd="0" presId="urn:microsoft.com/office/officeart/2018/5/layout/IconCircleLabelList"/>
-    <dgm:cxn modelId="{584AE5CB-8EEA-4E81-B8F5-92785D10128C}" type="presParOf" srcId="{8896681D-BB43-4A15-A3E3-75726F787468}" destId="{F40205DF-0B32-4A52-B7EC-037958D3AF79}" srcOrd="1" destOrd="0" presId="urn:microsoft.com/office/officeart/2018/5/layout/IconCircleLabelList"/>
-    <dgm:cxn modelId="{7F37B1F9-217E-4176-843E-854C6E9B2201}" type="presParOf" srcId="{8896681D-BB43-4A15-A3E3-75726F787468}" destId="{E21DDD20-3223-4055-A741-B0B96B0B9701}" srcOrd="2" destOrd="0" presId="urn:microsoft.com/office/officeart/2018/5/layout/IconCircleLabelList"/>
-    <dgm:cxn modelId="{6E9E9612-AB12-44C6-B424-363A6C0189B4}" type="presParOf" srcId="{8896681D-BB43-4A15-A3E3-75726F787468}" destId="{945E8A33-650C-4CDB-B833-DADE3D9047D2}" srcOrd="3" destOrd="0" presId="urn:microsoft.com/office/officeart/2018/5/layout/IconCircleLabelList"/>
   </dgm:cxnLst>
   <dgm:bg/>
   <dgm:whole/>
   <dgm:extLst>
     <a:ext uri="http://schemas.microsoft.com/office/drawing/2008/diagram">
-      <dsp:dataModelExt xmlns:dsp="http://schemas.microsoft.com/office/drawing/2008/diagram" relId="rId7" minVer="http://schemas.openxmlformats.org/drawingml/2006/diagram"/>
+      <dsp:dataModelExt xmlns:dsp="http://schemas.microsoft.com/office/drawing/2008/diagram" relId="rId8" minVer="http://schemas.openxmlformats.org/drawingml/2006/diagram"/>
     </a:ext>
   </dgm:extLst>
 </dgm:dataModel>
@@ -3247,10 +3041,10 @@
             <a:buNone/>
           </a:pPr>
           <a:r>
-            <a:rPr lang="en-US" sz="1800" kern="1200"/>
+            <a:rPr lang="en-US" sz="1800" kern="1200" dirty="0"/>
             <a:t>Brainstorm ideas and factors on the investigation topic</a:t>
           </a:r>
-          <a:endParaRPr lang="en-CA" sz="1800" kern="1200"/>
+          <a:endParaRPr lang="en-CA" sz="1800" kern="1200" dirty="0"/>
         </a:p>
       </dsp:txBody>
       <dsp:txXfrm>
@@ -4212,8 +4006,8 @@
       </dsp:nvSpPr>
       <dsp:spPr>
         <a:xfrm>
-          <a:off x="350684" y="722435"/>
-          <a:ext cx="1081916" cy="1081916"/>
+          <a:off x="647429" y="234114"/>
+          <a:ext cx="1818562" cy="1818562"/>
         </a:xfrm>
         <a:prstGeom prst="ellipse">
           <a:avLst/>
@@ -4251,8 +4045,8 @@
       </dsp:nvSpPr>
       <dsp:spPr>
         <a:xfrm>
-          <a:off x="581257" y="953007"/>
-          <a:ext cx="620771" cy="620771"/>
+          <a:off x="1034992" y="621677"/>
+          <a:ext cx="1043437" cy="1043437"/>
         </a:xfrm>
         <a:prstGeom prst="rect">
           <a:avLst/>
@@ -4301,8 +4095,8 @@
       </dsp:nvSpPr>
       <dsp:spPr>
         <a:xfrm>
-          <a:off x="4826" y="2141341"/>
-          <a:ext cx="1773632" cy="709453"/>
+          <a:off x="66086" y="2619115"/>
+          <a:ext cx="2981250" cy="720000"/>
         </a:xfrm>
         <a:prstGeom prst="rect">
           <a:avLst/>
@@ -4331,7 +4125,7 @@
         </a:bodyPr>
         <a:lstStyle/>
         <a:p>
-          <a:pPr marL="0" lvl="0" indent="0" algn="ctr" defTabSz="800100">
+          <a:pPr marL="0" lvl="0" indent="0" algn="ctr" defTabSz="1022350">
             <a:lnSpc>
               <a:spcPct val="100000"/>
             </a:lnSpc>
@@ -4345,14 +4139,14 @@
             <a:defRPr cap="all"/>
           </a:pPr>
           <a:r>
-            <a:rPr lang="en-US" sz="1800" kern="1200"/>
+            <a:rPr lang="en-US" sz="2300" kern="1200"/>
             <a:t>Most interesting part</a:t>
           </a:r>
         </a:p>
       </dsp:txBody>
       <dsp:txXfrm>
-        <a:off x="4826" y="2141341"/>
-        <a:ext cx="1773632" cy="709453"/>
+        <a:off x="66086" y="2619115"/>
+        <a:ext cx="2981250" cy="720000"/>
       </dsp:txXfrm>
     </dsp:sp>
     <dsp:sp modelId="{D04D6C7D-9C3B-48B4-BC06-90DB1C23E0DC}">
@@ -4362,8 +4156,8 @@
       </dsp:nvSpPr>
       <dsp:spPr>
         <a:xfrm>
-          <a:off x="2434703" y="722435"/>
-          <a:ext cx="1081916" cy="1081916"/>
+          <a:off x="4150398" y="234114"/>
+          <a:ext cx="1818562" cy="1818562"/>
         </a:xfrm>
         <a:prstGeom prst="ellipse">
           <a:avLst/>
@@ -4401,8 +4195,8 @@
       </dsp:nvSpPr>
       <dsp:spPr>
         <a:xfrm>
-          <a:off x="2665275" y="953007"/>
-          <a:ext cx="620771" cy="620771"/>
+          <a:off x="4537961" y="621677"/>
+          <a:ext cx="1043437" cy="1043437"/>
         </a:xfrm>
         <a:prstGeom prst="rect">
           <a:avLst/>
@@ -4451,8 +4245,8 @@
       </dsp:nvSpPr>
       <dsp:spPr>
         <a:xfrm>
-          <a:off x="2088845" y="2141341"/>
-          <a:ext cx="1773632" cy="709453"/>
+          <a:off x="3569054" y="2619115"/>
+          <a:ext cx="2981250" cy="720000"/>
         </a:xfrm>
         <a:prstGeom prst="rect">
           <a:avLst/>
@@ -4481,7 +4275,7 @@
         </a:bodyPr>
         <a:lstStyle/>
         <a:p>
-          <a:pPr marL="0" lvl="0" indent="0" algn="ctr" defTabSz="800100">
+          <a:pPr marL="0" lvl="0" indent="0" algn="ctr" defTabSz="1022350">
             <a:lnSpc>
               <a:spcPct val="100000"/>
             </a:lnSpc>
@@ -4495,14 +4289,14 @@
             <a:defRPr cap="all"/>
           </a:pPr>
           <a:r>
-            <a:rPr lang="en-US" sz="1800" kern="1200"/>
+            <a:rPr lang="en-US" sz="2300" kern="1200"/>
             <a:t>Challenges</a:t>
           </a:r>
         </a:p>
       </dsp:txBody>
       <dsp:txXfrm>
-        <a:off x="2088845" y="2141341"/>
-        <a:ext cx="1773632" cy="709453"/>
+        <a:off x="3569054" y="2619115"/>
+        <a:ext cx="2981250" cy="720000"/>
       </dsp:txXfrm>
     </dsp:sp>
     <dsp:sp modelId="{23F1A8BF-02BF-4477-BF0A-6986637E3888}">
@@ -4512,8 +4306,8 @@
       </dsp:nvSpPr>
       <dsp:spPr>
         <a:xfrm>
-          <a:off x="4518721" y="722435"/>
-          <a:ext cx="1081916" cy="1081916"/>
+          <a:off x="7653367" y="234114"/>
+          <a:ext cx="1818562" cy="1818562"/>
         </a:xfrm>
         <a:prstGeom prst="ellipse">
           <a:avLst/>
@@ -4551,8 +4345,8 @@
       </dsp:nvSpPr>
       <dsp:spPr>
         <a:xfrm>
-          <a:off x="4749294" y="953007"/>
-          <a:ext cx="620771" cy="620771"/>
+          <a:off x="8040930" y="621677"/>
+          <a:ext cx="1043437" cy="1043437"/>
         </a:xfrm>
         <a:prstGeom prst="rect">
           <a:avLst/>
@@ -4601,8 +4395,8 @@
       </dsp:nvSpPr>
       <dsp:spPr>
         <a:xfrm>
-          <a:off x="4172863" y="2141341"/>
-          <a:ext cx="1773632" cy="709453"/>
+          <a:off x="7072023" y="2619115"/>
+          <a:ext cx="2981250" cy="720000"/>
         </a:xfrm>
         <a:prstGeom prst="rect">
           <a:avLst/>
@@ -4631,7 +4425,7 @@
         </a:bodyPr>
         <a:lstStyle/>
         <a:p>
-          <a:pPr marL="0" lvl="0" indent="0" algn="ctr" defTabSz="800100">
+          <a:pPr marL="0" lvl="0" indent="0" algn="ctr" defTabSz="1022350">
             <a:lnSpc>
               <a:spcPct val="100000"/>
             </a:lnSpc>
@@ -4645,314 +4439,14 @@
             <a:defRPr cap="all"/>
           </a:pPr>
           <a:r>
-            <a:rPr lang="en-US" sz="1800" kern="1200"/>
+            <a:rPr lang="en-US" sz="2300" kern="1200" dirty="0"/>
             <a:t>Future investigations</a:t>
           </a:r>
         </a:p>
       </dsp:txBody>
       <dsp:txXfrm>
-        <a:off x="4172863" y="2141341"/>
-        <a:ext cx="1773632" cy="709453"/>
-      </dsp:txXfrm>
-    </dsp:sp>
-    <dsp:sp modelId="{6FA6E59C-3126-4298-B061-EEA747F74035}">
-      <dsp:nvSpPr>
-        <dsp:cNvPr id="0" name=""/>
-        <dsp:cNvSpPr/>
-      </dsp:nvSpPr>
-      <dsp:spPr>
-        <a:xfrm>
-          <a:off x="6602740" y="722435"/>
-          <a:ext cx="1081916" cy="1081916"/>
-        </a:xfrm>
-        <a:prstGeom prst="ellipse">
-          <a:avLst/>
-        </a:prstGeom>
-        <a:solidFill>
-          <a:schemeClr val="accent5">
-            <a:hueOff val="0"/>
-            <a:satOff val="0"/>
-            <a:lumOff val="0"/>
-            <a:alphaOff val="0"/>
-          </a:schemeClr>
-        </a:solidFill>
-        <a:ln>
-          <a:noFill/>
-        </a:ln>
-        <a:effectLst/>
-      </dsp:spPr>
-      <dsp:style>
-        <a:lnRef idx="0">
-          <a:scrgbClr r="0" g="0" b="0"/>
-        </a:lnRef>
-        <a:fillRef idx="1">
-          <a:scrgbClr r="0" g="0" b="0"/>
-        </a:fillRef>
-        <a:effectRef idx="0">
-          <a:scrgbClr r="0" g="0" b="0"/>
-        </a:effectRef>
-        <a:fontRef idx="minor"/>
-      </dsp:style>
-    </dsp:sp>
-    <dsp:sp modelId="{CD515A2A-987E-437A-B274-E9E29EB72F75}">
-      <dsp:nvSpPr>
-        <dsp:cNvPr id="0" name=""/>
-        <dsp:cNvSpPr/>
-      </dsp:nvSpPr>
-      <dsp:spPr>
-        <a:xfrm>
-          <a:off x="6833312" y="953007"/>
-          <a:ext cx="620771" cy="620771"/>
-        </a:xfrm>
-        <a:prstGeom prst="rect">
-          <a:avLst/>
-        </a:prstGeom>
-        <a:blipFill>
-          <a:blip xmlns:r="http://schemas.openxmlformats.org/officeDocument/2006/relationships" r:embed="rId7">
-            <a:extLst>
-              <a:ext uri="{28A0092B-C50C-407E-A947-70E740481C1C}">
-                <a14:useLocalDpi xmlns:a14="http://schemas.microsoft.com/office/drawing/2010/main" val="0"/>
-              </a:ext>
-              <a:ext uri="{96DAC541-7B7A-43D3-8B79-37D633B846F1}">
-                <asvg:svgBlip xmlns:asvg="http://schemas.microsoft.com/office/drawing/2016/SVG/main" r:embed="rId8"/>
-              </a:ext>
-            </a:extLst>
-          </a:blip>
-          <a:stretch>
-            <a:fillRect/>
-          </a:stretch>
-        </a:blipFill>
-        <a:ln w="12700" cap="flat" cmpd="sng" algn="ctr">
-          <a:noFill/>
-          <a:prstDash val="solid"/>
-          <a:miter lim="800000"/>
-        </a:ln>
-        <a:effectLst/>
-      </dsp:spPr>
-      <dsp:style>
-        <a:lnRef idx="2">
-          <a:scrgbClr r="0" g="0" b="0"/>
-        </a:lnRef>
-        <a:fillRef idx="1">
-          <a:scrgbClr r="0" g="0" b="0"/>
-        </a:fillRef>
-        <a:effectRef idx="0">
-          <a:scrgbClr r="0" g="0" b="0"/>
-        </a:effectRef>
-        <a:fontRef idx="minor">
-          <a:schemeClr val="lt1"/>
-        </a:fontRef>
-      </dsp:style>
-    </dsp:sp>
-    <dsp:sp modelId="{4108C185-8254-4B6C-ADF4-864F07AA966C}">
-      <dsp:nvSpPr>
-        <dsp:cNvPr id="0" name=""/>
-        <dsp:cNvSpPr/>
-      </dsp:nvSpPr>
-      <dsp:spPr>
-        <a:xfrm>
-          <a:off x="6256882" y="2141341"/>
-          <a:ext cx="1773632" cy="709453"/>
-        </a:xfrm>
-        <a:prstGeom prst="rect">
-          <a:avLst/>
-        </a:prstGeom>
-        <a:noFill/>
-        <a:ln>
-          <a:noFill/>
-        </a:ln>
-        <a:effectLst/>
-      </dsp:spPr>
-      <dsp:style>
-        <a:lnRef idx="0">
-          <a:scrgbClr r="0" g="0" b="0"/>
-        </a:lnRef>
-        <a:fillRef idx="0">
-          <a:scrgbClr r="0" g="0" b="0"/>
-        </a:fillRef>
-        <a:effectRef idx="0">
-          <a:scrgbClr r="0" g="0" b="0"/>
-        </a:effectRef>
-        <a:fontRef idx="minor"/>
-      </dsp:style>
-      <dsp:txBody>
-        <a:bodyPr spcFirstLastPara="0" vert="horz" wrap="square" lIns="0" tIns="0" rIns="0" bIns="0" numCol="1" spcCol="1270" anchor="t" anchorCtr="0">
-          <a:noAutofit/>
-        </a:bodyPr>
-        <a:lstStyle/>
-        <a:p>
-          <a:pPr marL="0" lvl="0" indent="0" algn="ctr" defTabSz="800100">
-            <a:lnSpc>
-              <a:spcPct val="100000"/>
-            </a:lnSpc>
-            <a:spcBef>
-              <a:spcPct val="0"/>
-            </a:spcBef>
-            <a:spcAft>
-              <a:spcPct val="35000"/>
-            </a:spcAft>
-            <a:buNone/>
-            <a:defRPr cap="all"/>
-          </a:pPr>
-          <a:r>
-            <a:rPr lang="en-US" sz="1800" kern="1200"/>
-            <a:t>Things that need to improve</a:t>
-          </a:r>
-        </a:p>
-      </dsp:txBody>
-      <dsp:txXfrm>
-        <a:off x="6256882" y="2141341"/>
-        <a:ext cx="1773632" cy="709453"/>
-      </dsp:txXfrm>
-    </dsp:sp>
-    <dsp:sp modelId="{5296F135-11E9-4584-AFA4-903947C9E2CE}">
-      <dsp:nvSpPr>
-        <dsp:cNvPr id="0" name=""/>
-        <dsp:cNvSpPr/>
-      </dsp:nvSpPr>
-      <dsp:spPr>
-        <a:xfrm>
-          <a:off x="8686759" y="722435"/>
-          <a:ext cx="1081916" cy="1081916"/>
-        </a:xfrm>
-        <a:prstGeom prst="ellipse">
-          <a:avLst/>
-        </a:prstGeom>
-        <a:solidFill>
-          <a:schemeClr val="accent6">
-            <a:hueOff val="0"/>
-            <a:satOff val="0"/>
-            <a:lumOff val="0"/>
-            <a:alphaOff val="0"/>
-          </a:schemeClr>
-        </a:solidFill>
-        <a:ln>
-          <a:noFill/>
-        </a:ln>
-        <a:effectLst/>
-      </dsp:spPr>
-      <dsp:style>
-        <a:lnRef idx="0">
-          <a:scrgbClr r="0" g="0" b="0"/>
-        </a:lnRef>
-        <a:fillRef idx="1">
-          <a:scrgbClr r="0" g="0" b="0"/>
-        </a:fillRef>
-        <a:effectRef idx="0">
-          <a:scrgbClr r="0" g="0" b="0"/>
-        </a:effectRef>
-        <a:fontRef idx="minor"/>
-      </dsp:style>
-    </dsp:sp>
-    <dsp:sp modelId="{F40205DF-0B32-4A52-B7EC-037958D3AF79}">
-      <dsp:nvSpPr>
-        <dsp:cNvPr id="0" name=""/>
-        <dsp:cNvSpPr/>
-      </dsp:nvSpPr>
-      <dsp:spPr>
-        <a:xfrm>
-          <a:off x="8917331" y="953007"/>
-          <a:ext cx="620771" cy="620771"/>
-        </a:xfrm>
-        <a:prstGeom prst="rect">
-          <a:avLst/>
-        </a:prstGeom>
-        <a:blipFill>
-          <a:blip xmlns:r="http://schemas.openxmlformats.org/officeDocument/2006/relationships" r:embed="rId9">
-            <a:extLst>
-              <a:ext uri="{28A0092B-C50C-407E-A947-70E740481C1C}">
-                <a14:useLocalDpi xmlns:a14="http://schemas.microsoft.com/office/drawing/2010/main" val="0"/>
-              </a:ext>
-              <a:ext uri="{96DAC541-7B7A-43D3-8B79-37D633B846F1}">
-                <asvg:svgBlip xmlns:asvg="http://schemas.microsoft.com/office/drawing/2016/SVG/main" r:embed="rId10"/>
-              </a:ext>
-            </a:extLst>
-          </a:blip>
-          <a:stretch>
-            <a:fillRect/>
-          </a:stretch>
-        </a:blipFill>
-        <a:ln w="12700" cap="flat" cmpd="sng" algn="ctr">
-          <a:noFill/>
-          <a:prstDash val="solid"/>
-          <a:miter lim="800000"/>
-        </a:ln>
-        <a:effectLst/>
-      </dsp:spPr>
-      <dsp:style>
-        <a:lnRef idx="2">
-          <a:scrgbClr r="0" g="0" b="0"/>
-        </a:lnRef>
-        <a:fillRef idx="1">
-          <a:scrgbClr r="0" g="0" b="0"/>
-        </a:fillRef>
-        <a:effectRef idx="0">
-          <a:scrgbClr r="0" g="0" b="0"/>
-        </a:effectRef>
-        <a:fontRef idx="minor">
-          <a:schemeClr val="lt1"/>
-        </a:fontRef>
-      </dsp:style>
-    </dsp:sp>
-    <dsp:sp modelId="{945E8A33-650C-4CDB-B833-DADE3D9047D2}">
-      <dsp:nvSpPr>
-        <dsp:cNvPr id="0" name=""/>
-        <dsp:cNvSpPr/>
-      </dsp:nvSpPr>
-      <dsp:spPr>
-        <a:xfrm>
-          <a:off x="8340900" y="2141341"/>
-          <a:ext cx="1773632" cy="709453"/>
-        </a:xfrm>
-        <a:prstGeom prst="rect">
-          <a:avLst/>
-        </a:prstGeom>
-        <a:noFill/>
-        <a:ln>
-          <a:noFill/>
-        </a:ln>
-        <a:effectLst/>
-      </dsp:spPr>
-      <dsp:style>
-        <a:lnRef idx="0">
-          <a:scrgbClr r="0" g="0" b="0"/>
-        </a:lnRef>
-        <a:fillRef idx="0">
-          <a:scrgbClr r="0" g="0" b="0"/>
-        </a:fillRef>
-        <a:effectRef idx="0">
-          <a:scrgbClr r="0" g="0" b="0"/>
-        </a:effectRef>
-        <a:fontRef idx="minor"/>
-      </dsp:style>
-      <dsp:txBody>
-        <a:bodyPr spcFirstLastPara="0" vert="horz" wrap="square" lIns="0" tIns="0" rIns="0" bIns="0" numCol="1" spcCol="1270" anchor="t" anchorCtr="0">
-          <a:noAutofit/>
-        </a:bodyPr>
-        <a:lstStyle/>
-        <a:p>
-          <a:pPr marL="0" lvl="0" indent="0" algn="ctr" defTabSz="800100">
-            <a:lnSpc>
-              <a:spcPct val="100000"/>
-            </a:lnSpc>
-            <a:spcBef>
-              <a:spcPct val="0"/>
-            </a:spcBef>
-            <a:spcAft>
-              <a:spcPct val="35000"/>
-            </a:spcAft>
-            <a:buNone/>
-            <a:defRPr cap="all"/>
-          </a:pPr>
-          <a:r>
-            <a:rPr lang="en-US" sz="1800" kern="1200"/>
-            <a:t>Limitations</a:t>
-          </a:r>
-        </a:p>
-      </dsp:txBody>
-      <dsp:txXfrm>
-        <a:off x="8340900" y="2141341"/>
-        <a:ext cx="1773632" cy="709453"/>
+        <a:off x="7072023" y="2619115"/>
+        <a:ext cx="2981250" cy="720000"/>
       </dsp:txXfrm>
     </dsp:sp>
   </dsp:spTree>
@@ -7556,7 +7050,7 @@
           <a:p>
             <a:fld id="{BA427AEC-7B6F-452C-B68A-83FDEBC4E740}" type="datetimeFigureOut">
               <a:rPr lang="en-CA" smtClean="0"/>
-              <a:t>2020-07-03</a:t>
+              <a:t>2020-07-04</a:t>
             </a:fld>
             <a:endParaRPr lang="en-CA"/>
           </a:p>
@@ -7889,7 +7383,7 @@
           <a:p>
             <a:fld id="{80873457-8BE3-45C0-8852-50006BBD3D86}" type="slidenum">
               <a:rPr lang="en-CA" smtClean="0"/>
-              <a:t>2</a:t>
+              <a:t>1</a:t>
             </a:fld>
             <a:endParaRPr lang="en-CA"/>
           </a:p>
@@ -7898,7 +7392,7 @@
     </p:spTree>
     <p:extLst>
       <p:ext uri="{BB962C8B-B14F-4D97-AF65-F5344CB8AC3E}">
-        <p14:creationId xmlns:p14="http://schemas.microsoft.com/office/powerpoint/2010/main" val="3210510149"/>
+        <p14:creationId xmlns:p14="http://schemas.microsoft.com/office/powerpoint/2010/main" val="827068132"/>
       </p:ext>
     </p:extLst>
   </p:cSld>
@@ -7954,7 +7448,15 @@
           <a:p>
             <a:r>
               <a:rPr lang="en-US" dirty="0"/>
-              <a:t>Google Places API was called to find police stations within 5000m of the top 10 </a:t>
+              <a:t> - After </a:t>
+            </a:r>
+            <a:r>
+              <a:rPr lang="en-US" dirty="0" err="1"/>
+              <a:t>analysing</a:t>
+            </a:r>
+            <a:r>
+              <a:rPr lang="en-US" dirty="0"/>
+              <a:t> the data, we see the top 10 most dangerous </a:t>
             </a:r>
             <a:r>
               <a:rPr lang="en-US" dirty="0" err="1"/>
@@ -7962,22 +7464,13 @@
             </a:r>
             <a:r>
               <a:rPr lang="en-US" dirty="0"/>
-              <a:t> and these were added as marker symbols on the heatmap:</a:t>
+              <a:t> in the dataframe below:</a:t>
             </a:r>
           </a:p>
           <a:p>
             <a:r>
               <a:rPr lang="en-US" dirty="0"/>
-              <a:t>     ![crime-heatmap-markers](Image-Output/crime-heatmap-markers.png)   </a:t>
-            </a:r>
-          </a:p>
-          <a:p>
-            <a:endParaRPr lang="en-US" dirty="0"/>
-          </a:p>
-          <a:p>
-            <a:r>
-              <a:rPr lang="en-US" dirty="0"/>
-              <a:t>    - It appears that Toronto Police 52 Division is the nearest police station for 6 of the top 10 </a:t>
+              <a:t>    ![Most-crime-</a:t>
             </a:r>
             <a:r>
               <a:rPr lang="en-US" dirty="0" err="1"/>
@@ -7985,7 +7478,16 @@
             </a:r>
             <a:r>
               <a:rPr lang="en-US" dirty="0"/>
-              <a:t> with most crimes. This shows that the </a:t>
+              <a:t>](Image-Output/Most-crime-neighbourhoods.png)</a:t>
+            </a:r>
+          </a:p>
+          <a:p>
+            <a:endParaRPr lang="en-US" dirty="0"/>
+          </a:p>
+          <a:p>
+            <a:r>
+              <a:rPr lang="en-US" dirty="0"/>
+              <a:t>    - We also see the top 10 most safe </a:t>
             </a:r>
             <a:r>
               <a:rPr lang="en-US" dirty="0" err="1"/>
@@ -7993,10 +7495,109 @@
             </a:r>
             <a:r>
               <a:rPr lang="en-US" dirty="0"/>
-              <a:t> are close to one another and also calls to question whether this particular division might be overwhelmed with crime incidents. It would be interesting to dive deeper and find out whether there is a correlation between crime rates and government funding for each police divisions.</a:t>
+              <a:t> in the dataframe below:</a:t>
             </a:r>
           </a:p>
           <a:p>
+            <a:r>
+              <a:rPr lang="en-US" dirty="0"/>
+              <a:t>    ![Least-crime-</a:t>
+            </a:r>
+            <a:r>
+              <a:rPr lang="en-US" dirty="0" err="1"/>
+              <a:t>neighbourhoods</a:t>
+            </a:r>
+            <a:r>
+              <a:rPr lang="en-US" dirty="0"/>
+              <a:t>](Image-Output/Least-crime-neighbourhoods.png)   </a:t>
+            </a:r>
+          </a:p>
+          <a:p>
+            <a:endParaRPr lang="en-US" dirty="0"/>
+          </a:p>
+          <a:p>
+            <a:r>
+              <a:rPr lang="en-US" dirty="0"/>
+              <a:t>    - A heatmap was created with the above </a:t>
+            </a:r>
+            <a:r>
+              <a:rPr lang="en-US" dirty="0" err="1"/>
+              <a:t>neighbourhoods</a:t>
+            </a:r>
+            <a:r>
+              <a:rPr lang="en-US" dirty="0"/>
+              <a:t> as symbol markers, to get an idea of their locations:</a:t>
+            </a:r>
+          </a:p>
+          <a:p>
+            <a:r>
+              <a:rPr lang="en-US" dirty="0"/>
+              <a:t>    ![crime-heatmap-symbols](Image-Output/crime-heatmap-symbols.png)</a:t>
+            </a:r>
+          </a:p>
+          <a:p>
+            <a:r>
+              <a:rPr lang="en-US" dirty="0"/>
+              <a:t>     * 60% of the top 10 most dangerous </a:t>
+            </a:r>
+            <a:r>
+              <a:rPr lang="en-US" dirty="0" err="1"/>
+              <a:t>neighbours</a:t>
+            </a:r>
+            <a:r>
+              <a:rPr lang="en-US" dirty="0"/>
+              <a:t> appear to be in the Toronto downtown area, with the rest spread quite far away from each other.</a:t>
+            </a:r>
+          </a:p>
+          <a:p>
+            <a:endParaRPr lang="en-US" dirty="0"/>
+          </a:p>
+          <a:p>
+            <a:r>
+              <a:rPr lang="en-US" dirty="0"/>
+              <a:t>     * The Yonge-</a:t>
+            </a:r>
+            <a:r>
+              <a:rPr lang="en-US" dirty="0" err="1"/>
+              <a:t>St.Clair</a:t>
+            </a:r>
+            <a:r>
+              <a:rPr lang="en-US" dirty="0"/>
+              <a:t> </a:t>
+            </a:r>
+            <a:r>
+              <a:rPr lang="en-US" dirty="0" err="1"/>
+              <a:t>neighbourhood</a:t>
+            </a:r>
+            <a:r>
+              <a:rPr lang="en-US" dirty="0"/>
+              <a:t>  is considered a safe </a:t>
+            </a:r>
+            <a:r>
+              <a:rPr lang="en-US" dirty="0" err="1"/>
+              <a:t>neighbourhood</a:t>
+            </a:r>
+            <a:r>
+              <a:rPr lang="en-US" dirty="0"/>
+              <a:t> with less crimes - this is interesting given its proximity to downtown Toronto where crime cases are high.</a:t>
+            </a:r>
+          </a:p>
+          <a:p>
+            <a:endParaRPr lang="en-US" dirty="0"/>
+          </a:p>
+          <a:p>
+            <a:r>
+              <a:rPr lang="en-US" dirty="0"/>
+              <a:t>     * There appear to be a marginally higher number of safer </a:t>
+            </a:r>
+            <a:r>
+              <a:rPr lang="en-US" dirty="0" err="1"/>
+              <a:t>neighbourhoods</a:t>
+            </a:r>
+            <a:r>
+              <a:rPr lang="en-US" dirty="0"/>
+              <a:t> in the west end of Toronto.</a:t>
+            </a:r>
             <a:endParaRPr lang="en-CA" dirty="0"/>
           </a:p>
         </p:txBody>
@@ -8018,7 +7619,7 @@
           <a:p>
             <a:fld id="{80873457-8BE3-45C0-8852-50006BBD3D86}" type="slidenum">
               <a:rPr lang="en-CA" smtClean="0"/>
-              <a:t>12</a:t>
+              <a:t>11</a:t>
             </a:fld>
             <a:endParaRPr lang="en-CA"/>
           </a:p>
@@ -8027,7 +7628,7 @@
     </p:spTree>
     <p:extLst>
       <p:ext uri="{BB962C8B-B14F-4D97-AF65-F5344CB8AC3E}">
-        <p14:creationId xmlns:p14="http://schemas.microsoft.com/office/powerpoint/2010/main" val="4061177503"/>
+        <p14:creationId xmlns:p14="http://schemas.microsoft.com/office/powerpoint/2010/main" val="2967237887"/>
       </p:ext>
     </p:extLst>
   </p:cSld>
@@ -8083,7 +7684,46 @@
           <a:p>
             <a:r>
               <a:rPr lang="en-US" dirty="0"/>
-              <a:t>Break and Enter and Robbery’s scatter pattern are consistent with the Toronto Crime Heat Map, they are most likely to occur in the most dangerous Downtown area. Auto Theft does not follow the same pattern and appeared to be scattered all over the city.</a:t>
+              <a:t>Google Places API was called to find police stations within 5000m of the top 10 </a:t>
+            </a:r>
+            <a:r>
+              <a:rPr lang="en-US" dirty="0" err="1"/>
+              <a:t>neighbourhoods</a:t>
+            </a:r>
+            <a:r>
+              <a:rPr lang="en-US" dirty="0"/>
+              <a:t> and these were added as marker symbols on the heatmap:</a:t>
+            </a:r>
+          </a:p>
+          <a:p>
+            <a:r>
+              <a:rPr lang="en-US" dirty="0"/>
+              <a:t>     ![crime-heatmap-markers](Image-Output/crime-heatmap-markers.png)   </a:t>
+            </a:r>
+          </a:p>
+          <a:p>
+            <a:endParaRPr lang="en-US" dirty="0"/>
+          </a:p>
+          <a:p>
+            <a:r>
+              <a:rPr lang="en-US" dirty="0"/>
+              <a:t>    - It appears that Toronto Police 52 Division is the nearest police station for 6 of the top 10 </a:t>
+            </a:r>
+            <a:r>
+              <a:rPr lang="en-US" dirty="0" err="1"/>
+              <a:t>neighbourhoods</a:t>
+            </a:r>
+            <a:r>
+              <a:rPr lang="en-US" dirty="0"/>
+              <a:t> with most crimes. This shows that the </a:t>
+            </a:r>
+            <a:r>
+              <a:rPr lang="en-US" dirty="0" err="1"/>
+              <a:t>neighbourhoods</a:t>
+            </a:r>
+            <a:r>
+              <a:rPr lang="en-US" dirty="0"/>
+              <a:t> are close to one another and also calls to question whether this particular division might be overwhelmed with crime incidents. It would be interesting to dive deeper and find out whether there is a correlation between crime rates and government funding for each police divisions.</a:t>
             </a:r>
           </a:p>
           <a:p>
@@ -8108,7 +7748,7 @@
           <a:p>
             <a:fld id="{80873457-8BE3-45C0-8852-50006BBD3D86}" type="slidenum">
               <a:rPr lang="en-CA" smtClean="0"/>
-              <a:t>13</a:t>
+              <a:t>12</a:t>
             </a:fld>
             <a:endParaRPr lang="en-CA"/>
           </a:p>
@@ -8117,7 +7757,7 @@
     </p:spTree>
     <p:extLst>
       <p:ext uri="{BB962C8B-B14F-4D97-AF65-F5344CB8AC3E}">
-        <p14:creationId xmlns:p14="http://schemas.microsoft.com/office/powerpoint/2010/main" val="3856743952"/>
+        <p14:creationId xmlns:p14="http://schemas.microsoft.com/office/powerpoint/2010/main" val="4061177503"/>
       </p:ext>
     </p:extLst>
   </p:cSld>
@@ -8173,32 +7813,10 @@
           <a:p>
             <a:r>
               <a:rPr lang="en-US" dirty="0"/>
-              <a:t>- Assaults in all premises are generally in an increasing trend</a:t>
+              <a:t>Break and Enter and Robbery’s scatter pattern are consistent with the Toronto Crime Heat Map, they are most likely to occur in the most dangerous Downtown area. Auto Theft does not follow the same pattern and appeared to be scattered all over the city.</a:t>
             </a:r>
           </a:p>
           <a:p>
-            <a:r>
-              <a:rPr lang="en-US" dirty="0"/>
-              <a:t>    </a:t>
-            </a:r>
-          </a:p>
-          <a:p>
-            <a:r>
-              <a:rPr lang="en-US" dirty="0"/>
-              <a:t>    - Assaults in apartments are most likely and is increasing at the highest rate</a:t>
-            </a:r>
-          </a:p>
-          <a:p>
-            <a:r>
-              <a:rPr lang="en-US" dirty="0"/>
-              <a:t>    </a:t>
-            </a:r>
-          </a:p>
-          <a:p>
-            <a:r>
-              <a:rPr lang="en-US" dirty="0"/>
-              <a:t>    - Assaults are almost three times more likely to happen in apartments than in houses</a:t>
-            </a:r>
             <a:endParaRPr lang="en-CA" dirty="0"/>
           </a:p>
         </p:txBody>
@@ -8220,7 +7838,7 @@
           <a:p>
             <a:fld id="{80873457-8BE3-45C0-8852-50006BBD3D86}" type="slidenum">
               <a:rPr lang="en-CA" smtClean="0"/>
-              <a:t>14</a:t>
+              <a:t>13</a:t>
             </a:fld>
             <a:endParaRPr lang="en-CA"/>
           </a:p>
@@ -8229,7 +7847,7 @@
     </p:spTree>
     <p:extLst>
       <p:ext uri="{BB962C8B-B14F-4D97-AF65-F5344CB8AC3E}">
-        <p14:creationId xmlns:p14="http://schemas.microsoft.com/office/powerpoint/2010/main" val="4012328082"/>
+        <p14:creationId xmlns:p14="http://schemas.microsoft.com/office/powerpoint/2010/main" val="3856743952"/>
       </p:ext>
     </p:extLst>
   </p:cSld>
@@ -8285,7 +7903,7 @@
           <a:p>
             <a:r>
               <a:rPr lang="en-US" dirty="0"/>
-              <a:t> For Break and Enter (B&amp;E), in 2014, there are almost twice the incidents happening in houses compared with Commercial or Apartment premises.</a:t>
+              <a:t>- Assaults in all premises are generally in an increasing trend</a:t>
             </a:r>
           </a:p>
           <a:p>
@@ -8297,7 +7915,7 @@
           <a:p>
             <a:r>
               <a:rPr lang="en-US" dirty="0"/>
-              <a:t>    - However, House B&amp;Es are decreasing over time while commercial B&amp;Es are increasing. At the end of 2019, there are almost 1000 more B&amp;E cases for commercial than houses</a:t>
+              <a:t>    - Assaults in apartments are most likely and is increasing at the highest rate</a:t>
             </a:r>
           </a:p>
           <a:p>
@@ -8309,22 +7927,8 @@
           <a:p>
             <a:r>
               <a:rPr lang="en-US" dirty="0"/>
-              <a:t>    - There is a decrease in the number of incidents for apartments from 2015 to 2016 and this then started increasing at a steady rate since 2016, finally become more rampant than house B&amp;Es.</a:t>
+              <a:t>    - Assaults are almost three times more likely to happen in apartments than in houses</a:t>
             </a:r>
-          </a:p>
-          <a:p>
-            <a:r>
-              <a:rPr lang="en-US" dirty="0"/>
-              <a:t>    </a:t>
-            </a:r>
-          </a:p>
-          <a:p>
-            <a:r>
-              <a:rPr lang="en-US" dirty="0"/>
-              <a:t>    - Even though House B&amp;Es are decreasing over the years, the pie chart shows that it still has the highest total number of incidents.</a:t>
-            </a:r>
-          </a:p>
-          <a:p>
             <a:endParaRPr lang="en-CA" dirty="0"/>
           </a:p>
         </p:txBody>
@@ -8346,7 +7950,7 @@
           <a:p>
             <a:fld id="{80873457-8BE3-45C0-8852-50006BBD3D86}" type="slidenum">
               <a:rPr lang="en-CA" smtClean="0"/>
-              <a:t>15</a:t>
+              <a:t>14</a:t>
             </a:fld>
             <a:endParaRPr lang="en-CA"/>
           </a:p>
@@ -8355,7 +7959,7 @@
     </p:spTree>
     <p:extLst>
       <p:ext uri="{BB962C8B-B14F-4D97-AF65-F5344CB8AC3E}">
-        <p14:creationId xmlns:p14="http://schemas.microsoft.com/office/powerpoint/2010/main" val="817512946"/>
+        <p14:creationId xmlns:p14="http://schemas.microsoft.com/office/powerpoint/2010/main" val="4012328082"/>
       </p:ext>
     </p:extLst>
   </p:cSld>
@@ -8411,7 +8015,7 @@
           <a:p>
             <a:r>
               <a:rPr lang="en-US" dirty="0"/>
-              <a:t> Incidents in apartment and houses are pretty steady over the six years.</a:t>
+              <a:t> For Break and Enter (B&amp;E), in 2014, there are almost twice the incidents happening in houses compared with Commercial or Apartment premises.</a:t>
             </a:r>
           </a:p>
           <a:p>
@@ -8423,7 +8027,7 @@
           <a:p>
             <a:r>
               <a:rPr lang="en-US" dirty="0"/>
-              <a:t>    - Majority of robberies happen outside and in commercial areas</a:t>
+              <a:t>    - However, House B&amp;Es are decreasing over time while commercial B&amp;Es are increasing. At the end of 2019, there are almost 1000 more B&amp;E cases for commercial than houses</a:t>
             </a:r>
           </a:p>
           <a:p>
@@ -8435,15 +8039,7 @@
           <a:p>
             <a:r>
               <a:rPr lang="en-US" dirty="0"/>
-              <a:t>    - Robberies happening outside started to decrease from 2017, however, it is still twice as much incidents as the second popular premise-</a:t>
-            </a:r>
-            <a:r>
-              <a:rPr lang="en-US" dirty="0" err="1"/>
-              <a:t>commerical</a:t>
-            </a:r>
-            <a:r>
-              <a:rPr lang="en-US" dirty="0"/>
-              <a:t> by the end of 2019</a:t>
+              <a:t>    - There is a decrease in the number of incidents for apartments from 2015 to 2016 and this then started increasing at a steady rate since 2016, finally become more rampant than house B&amp;Es.</a:t>
             </a:r>
           </a:p>
           <a:p>
@@ -8455,8 +8051,10 @@
           <a:p>
             <a:r>
               <a:rPr lang="en-US" dirty="0"/>
-              <a:t>    - Robbery is three times more likely to happen in apartments than in houses</a:t>
+              <a:t>    - Even though House B&amp;Es are decreasing over the years, the pie chart shows that it still has the highest total number of incidents.</a:t>
             </a:r>
+          </a:p>
+          <a:p>
             <a:endParaRPr lang="en-CA" dirty="0"/>
           </a:p>
         </p:txBody>
@@ -8478,7 +8076,7 @@
           <a:p>
             <a:fld id="{80873457-8BE3-45C0-8852-50006BBD3D86}" type="slidenum">
               <a:rPr lang="en-CA" smtClean="0"/>
-              <a:t>16</a:t>
+              <a:t>15</a:t>
             </a:fld>
             <a:endParaRPr lang="en-CA"/>
           </a:p>
@@ -8487,7 +8085,7 @@
     </p:spTree>
     <p:extLst>
       <p:ext uri="{BB962C8B-B14F-4D97-AF65-F5344CB8AC3E}">
-        <p14:creationId xmlns:p14="http://schemas.microsoft.com/office/powerpoint/2010/main" val="316692536"/>
+        <p14:creationId xmlns:p14="http://schemas.microsoft.com/office/powerpoint/2010/main" val="817512946"/>
       </p:ext>
     </p:extLst>
   </p:cSld>
@@ -8543,17 +8141,53 @@
           <a:p>
             <a:r>
               <a:rPr lang="en-US" dirty="0"/>
-              <a:t>The number of crimes occurred in Toronto has weak correlation with GDP growth rate.</a:t>
+              <a:t> Incidents in apartment and houses are pretty steady over the six years.</a:t>
             </a:r>
           </a:p>
           <a:p>
             <a:r>
-              <a:rPr lang="en-US"/>
-              <a:t>    - The GDP has stable growth rate.</a:t>
+              <a:rPr lang="en-US" dirty="0"/>
+              <a:t>    </a:t>
             </a:r>
           </a:p>
           <a:p>
-            <a:endParaRPr lang="en-CA"/>
+            <a:r>
+              <a:rPr lang="en-US" dirty="0"/>
+              <a:t>    - Majority of robberies happen outside and in commercial areas</a:t>
+            </a:r>
+          </a:p>
+          <a:p>
+            <a:r>
+              <a:rPr lang="en-US" dirty="0"/>
+              <a:t>    </a:t>
+            </a:r>
+          </a:p>
+          <a:p>
+            <a:r>
+              <a:rPr lang="en-US" dirty="0"/>
+              <a:t>    - Robberies happening outside started to decrease from 2017, however, it is still twice as much incidents as the second popular premise-</a:t>
+            </a:r>
+            <a:r>
+              <a:rPr lang="en-US" dirty="0" err="1"/>
+              <a:t>commerical</a:t>
+            </a:r>
+            <a:r>
+              <a:rPr lang="en-US" dirty="0"/>
+              <a:t> by the end of 2019</a:t>
+            </a:r>
+          </a:p>
+          <a:p>
+            <a:r>
+              <a:rPr lang="en-US" dirty="0"/>
+              <a:t>    </a:t>
+            </a:r>
+          </a:p>
+          <a:p>
+            <a:r>
+              <a:rPr lang="en-US" dirty="0"/>
+              <a:t>    - Robbery is three times more likely to happen in apartments than in houses</a:t>
+            </a:r>
+            <a:endParaRPr lang="en-CA" dirty="0"/>
           </a:p>
         </p:txBody>
       </p:sp>
@@ -8574,6 +8208,102 @@
           <a:p>
             <a:fld id="{80873457-8BE3-45C0-8852-50006BBD3D86}" type="slidenum">
               <a:rPr lang="en-CA" smtClean="0"/>
+              <a:t>16</a:t>
+            </a:fld>
+            <a:endParaRPr lang="en-CA"/>
+          </a:p>
+        </p:txBody>
+      </p:sp>
+    </p:spTree>
+    <p:extLst>
+      <p:ext uri="{BB962C8B-B14F-4D97-AF65-F5344CB8AC3E}">
+        <p14:creationId xmlns:p14="http://schemas.microsoft.com/office/powerpoint/2010/main" val="316692536"/>
+      </p:ext>
+    </p:extLst>
+  </p:cSld>
+  <p:clrMapOvr>
+    <a:masterClrMapping/>
+  </p:clrMapOvr>
+</p:notes>
+</file>
+
+<file path=ppt/notesSlides/notesSlide16.xml><?xml version="1.0" encoding="utf-8"?>
+<p:notes xmlns:a="http://schemas.openxmlformats.org/drawingml/2006/main" xmlns:r="http://schemas.openxmlformats.org/officeDocument/2006/relationships" xmlns:p="http://schemas.openxmlformats.org/presentationml/2006/main">
+  <p:cSld>
+    <p:spTree>
+      <p:nvGrpSpPr>
+        <p:cNvPr id="1" name=""/>
+        <p:cNvGrpSpPr/>
+        <p:nvPr/>
+      </p:nvGrpSpPr>
+      <p:grpSpPr>
+        <a:xfrm>
+          <a:off x="0" y="0"/>
+          <a:ext cx="0" cy="0"/>
+          <a:chOff x="0" y="0"/>
+          <a:chExt cx="0" cy="0"/>
+        </a:xfrm>
+      </p:grpSpPr>
+      <p:sp>
+        <p:nvSpPr>
+          <p:cNvPr id="2" name="Slide Image Placeholder 1"/>
+          <p:cNvSpPr>
+            <a:spLocks noGrp="1" noRot="1" noChangeAspect="1"/>
+          </p:cNvSpPr>
+          <p:nvPr>
+            <p:ph type="sldImg"/>
+          </p:nvPr>
+        </p:nvSpPr>
+        <p:spPr/>
+      </p:sp>
+      <p:sp>
+        <p:nvSpPr>
+          <p:cNvPr id="3" name="Notes Placeholder 2"/>
+          <p:cNvSpPr>
+            <a:spLocks noGrp="1"/>
+          </p:cNvSpPr>
+          <p:nvPr>
+            <p:ph type="body" idx="1"/>
+          </p:nvPr>
+        </p:nvSpPr>
+        <p:spPr/>
+        <p:txBody>
+          <a:bodyPr/>
+          <a:lstStyle/>
+          <a:p>
+            <a:r>
+              <a:rPr lang="en-US" dirty="0"/>
+              <a:t>The number of crimes occurred in Toronto has weak correlation with GDP growth rate.</a:t>
+            </a:r>
+          </a:p>
+          <a:p>
+            <a:r>
+              <a:rPr lang="en-US"/>
+              <a:t>    - The GDP has stable growth rate.</a:t>
+            </a:r>
+          </a:p>
+          <a:p>
+            <a:endParaRPr lang="en-CA"/>
+          </a:p>
+        </p:txBody>
+      </p:sp>
+      <p:sp>
+        <p:nvSpPr>
+          <p:cNvPr id="4" name="Slide Number Placeholder 3"/>
+          <p:cNvSpPr>
+            <a:spLocks noGrp="1"/>
+          </p:cNvSpPr>
+          <p:nvPr>
+            <p:ph type="sldNum" sz="quarter" idx="5"/>
+          </p:nvPr>
+        </p:nvSpPr>
+        <p:spPr/>
+        <p:txBody>
+          <a:bodyPr/>
+          <a:lstStyle/>
+          <a:p>
+            <a:fld id="{80873457-8BE3-45C0-8852-50006BBD3D86}" type="slidenum">
+              <a:rPr lang="en-CA" smtClean="0"/>
               <a:t>17</a:t>
             </a:fld>
             <a:endParaRPr lang="en-CA"/>
@@ -8584,6 +8314,263 @@
     <p:extLst>
       <p:ext uri="{BB962C8B-B14F-4D97-AF65-F5344CB8AC3E}">
         <p14:creationId xmlns:p14="http://schemas.microsoft.com/office/powerpoint/2010/main" val="3582178213"/>
+      </p:ext>
+    </p:extLst>
+  </p:cSld>
+  <p:clrMapOvr>
+    <a:masterClrMapping/>
+  </p:clrMapOvr>
+</p:notes>
+</file>
+
+<file path=ppt/notesSlides/notesSlide17.xml><?xml version="1.0" encoding="utf-8"?>
+<p:notes xmlns:a="http://schemas.openxmlformats.org/drawingml/2006/main" xmlns:r="http://schemas.openxmlformats.org/officeDocument/2006/relationships" xmlns:p="http://schemas.openxmlformats.org/presentationml/2006/main">
+  <p:cSld>
+    <p:spTree>
+      <p:nvGrpSpPr>
+        <p:cNvPr id="1" name=""/>
+        <p:cNvGrpSpPr/>
+        <p:nvPr/>
+      </p:nvGrpSpPr>
+      <p:grpSpPr>
+        <a:xfrm>
+          <a:off x="0" y="0"/>
+          <a:ext cx="0" cy="0"/>
+          <a:chOff x="0" y="0"/>
+          <a:chExt cx="0" cy="0"/>
+        </a:xfrm>
+      </p:grpSpPr>
+      <p:sp>
+        <p:nvSpPr>
+          <p:cNvPr id="2" name="Slide Image Placeholder 1"/>
+          <p:cNvSpPr>
+            <a:spLocks noGrp="1" noRot="1" noChangeAspect="1"/>
+          </p:cNvSpPr>
+          <p:nvPr>
+            <p:ph type="sldImg"/>
+          </p:nvPr>
+        </p:nvSpPr>
+        <p:spPr/>
+      </p:sp>
+      <p:sp>
+        <p:nvSpPr>
+          <p:cNvPr id="3" name="Notes Placeholder 2"/>
+          <p:cNvSpPr>
+            <a:spLocks noGrp="1"/>
+          </p:cNvSpPr>
+          <p:nvPr>
+            <p:ph type="body" idx="1"/>
+          </p:nvPr>
+        </p:nvSpPr>
+        <p:spPr/>
+        <p:txBody>
+          <a:bodyPr/>
+          <a:lstStyle/>
+          <a:p>
+            <a:r>
+              <a:rPr lang="en-US" dirty="0"/>
+              <a:t>Most interesting part: </a:t>
+            </a:r>
+          </a:p>
+          <a:p>
+            <a:pPr marL="171450" indent="-171450">
+              <a:buFontTx/>
+              <a:buChar char="-"/>
+            </a:pPr>
+            <a:r>
+              <a:rPr lang="en-US" dirty="0"/>
+              <a:t>The total number of crimes is increasing.</a:t>
+            </a:r>
+          </a:p>
+          <a:p>
+            <a:pPr marL="171450" indent="-171450">
+              <a:buFontTx/>
+              <a:buChar char="-"/>
+            </a:pPr>
+            <a:r>
+              <a:rPr lang="en-US" dirty="0"/>
+              <a:t>The apartment is not that safe.</a:t>
+            </a:r>
+          </a:p>
+          <a:p>
+            <a:pPr marL="171450" indent="-171450">
+              <a:buFontTx/>
+              <a:buChar char="-"/>
+            </a:pPr>
+            <a:r>
+              <a:rPr lang="en-US" dirty="0"/>
+              <a:t>Most of the dangerous neighborhood are in downtown, but Yonge and St. Clair is considered one of the safest neighborhood.</a:t>
+            </a:r>
+          </a:p>
+          <a:p>
+            <a:pPr marL="171450" indent="-171450">
+              <a:buFontTx/>
+              <a:buChar char="-"/>
+            </a:pPr>
+            <a:r>
+              <a:rPr lang="en-US" dirty="0"/>
+              <a:t>Summer-time (June and July) has the highest occurrence of assault.</a:t>
+            </a:r>
+          </a:p>
+          <a:p>
+            <a:pPr marL="171450" indent="-171450">
+              <a:buFontTx/>
+              <a:buChar char="-"/>
+            </a:pPr>
+            <a:r>
+              <a:rPr lang="en-US" dirty="0"/>
+              <a:t>Other crimes occur most in October.</a:t>
+            </a:r>
+          </a:p>
+          <a:p>
+            <a:pPr marL="171450" indent="-171450">
+              <a:buFontTx/>
+              <a:buChar char="-"/>
+            </a:pPr>
+            <a:r>
+              <a:rPr lang="en-US" dirty="0"/>
+              <a:t>Break and Enter occurs peak at noon.</a:t>
+            </a:r>
+          </a:p>
+          <a:p>
+            <a:pPr marL="171450" indent="-171450">
+              <a:buFontTx/>
+              <a:buChar char="-"/>
+            </a:pPr>
+            <a:endParaRPr lang="en-US" dirty="0"/>
+          </a:p>
+          <a:p>
+            <a:pPr marL="0" indent="0">
+              <a:buFontTx/>
+              <a:buNone/>
+            </a:pPr>
+            <a:r>
+              <a:rPr lang="en-US" dirty="0"/>
+              <a:t>Challenges:</a:t>
+            </a:r>
+          </a:p>
+          <a:p>
+            <a:pPr marL="171450" indent="-171450">
+              <a:buFontTx/>
+              <a:buChar char="-"/>
+            </a:pPr>
+            <a:r>
+              <a:rPr lang="en-CA" dirty="0"/>
+              <a:t>We took the average of the </a:t>
+            </a:r>
+            <a:r>
+              <a:rPr lang="en-CA" dirty="0" err="1"/>
+              <a:t>lat</a:t>
+            </a:r>
+            <a:r>
+              <a:rPr lang="en-CA" dirty="0"/>
+              <a:t> and </a:t>
+            </a:r>
+            <a:r>
+              <a:rPr lang="en-CA" dirty="0" err="1"/>
+              <a:t>lng</a:t>
+            </a:r>
+            <a:r>
+              <a:rPr lang="en-CA" dirty="0"/>
+              <a:t> of each neighborhood in order to mark symbol on the map.</a:t>
+            </a:r>
+          </a:p>
+          <a:p>
+            <a:pPr marL="171450" indent="-171450">
+              <a:buFontTx/>
+              <a:buChar char="-"/>
+            </a:pPr>
+            <a:r>
+              <a:rPr lang="en-CA" dirty="0"/>
+              <a:t>We used average number of crimes of each year to investigate the seasonality.</a:t>
+            </a:r>
+          </a:p>
+          <a:p>
+            <a:pPr marL="0" indent="0">
+              <a:buFontTx/>
+              <a:buNone/>
+            </a:pPr>
+            <a:endParaRPr lang="en-CA" dirty="0"/>
+          </a:p>
+          <a:p>
+            <a:pPr marL="0" indent="0">
+              <a:buFontTx/>
+              <a:buNone/>
+            </a:pPr>
+            <a:r>
+              <a:rPr lang="en-CA" dirty="0"/>
+              <a:t>Future investigations:</a:t>
+            </a:r>
+          </a:p>
+          <a:p>
+            <a:pPr marL="171450" indent="-171450">
+              <a:buFontTx/>
+              <a:buChar char="-"/>
+            </a:pPr>
+            <a:r>
+              <a:rPr lang="en-CA" dirty="0"/>
+              <a:t>We could do per capita investigation.</a:t>
+            </a:r>
+          </a:p>
+          <a:p>
+            <a:pPr marL="171450" indent="-171450">
+              <a:buFontTx/>
+              <a:buChar char="-"/>
+            </a:pPr>
+            <a:r>
+              <a:rPr lang="en-CA" dirty="0"/>
+              <a:t>We could expand the cities to GTA.</a:t>
+            </a:r>
+          </a:p>
+          <a:p>
+            <a:pPr marL="171450" indent="-171450">
+              <a:buFontTx/>
+              <a:buChar char="-"/>
+            </a:pPr>
+            <a:r>
+              <a:rPr lang="en-CA" dirty="0"/>
+              <a:t>We could introduce more factors (like income, employment, educations) and correlations.</a:t>
+            </a:r>
+          </a:p>
+          <a:p>
+            <a:pPr marL="171450" indent="-171450">
+              <a:buFontTx/>
+              <a:buChar char="-"/>
+            </a:pPr>
+            <a:r>
+              <a:rPr lang="en-CA" dirty="0"/>
+              <a:t>We could include the investigation about the dangerous areas of driving.</a:t>
+            </a:r>
+          </a:p>
+        </p:txBody>
+      </p:sp>
+      <p:sp>
+        <p:nvSpPr>
+          <p:cNvPr id="4" name="Slide Number Placeholder 3"/>
+          <p:cNvSpPr>
+            <a:spLocks noGrp="1"/>
+          </p:cNvSpPr>
+          <p:nvPr>
+            <p:ph type="sldNum" sz="quarter" idx="5"/>
+          </p:nvPr>
+        </p:nvSpPr>
+        <p:spPr/>
+        <p:txBody>
+          <a:bodyPr/>
+          <a:lstStyle/>
+          <a:p>
+            <a:fld id="{80873457-8BE3-45C0-8852-50006BBD3D86}" type="slidenum">
+              <a:rPr lang="en-CA" smtClean="0"/>
+              <a:t>18</a:t>
+            </a:fld>
+            <a:endParaRPr lang="en-CA"/>
+          </a:p>
+        </p:txBody>
+      </p:sp>
+    </p:spTree>
+    <p:extLst>
+      <p:ext uri="{BB962C8B-B14F-4D97-AF65-F5344CB8AC3E}">
+        <p14:creationId xmlns:p14="http://schemas.microsoft.com/office/powerpoint/2010/main" val="3684383084"/>
       </p:ext>
     </p:extLst>
   </p:cSld>
@@ -8658,7 +8645,7 @@
           <a:p>
             <a:fld id="{80873457-8BE3-45C0-8852-50006BBD3D86}" type="slidenum">
               <a:rPr lang="en-CA" smtClean="0"/>
-              <a:t>3</a:t>
+              <a:t>2</a:t>
             </a:fld>
             <a:endParaRPr lang="en-CA"/>
           </a:p>
@@ -8667,7 +8654,7 @@
     </p:spTree>
     <p:extLst>
       <p:ext uri="{BB962C8B-B14F-4D97-AF65-F5344CB8AC3E}">
-        <p14:creationId xmlns:p14="http://schemas.microsoft.com/office/powerpoint/2010/main" val="1741119979"/>
+        <p14:creationId xmlns:p14="http://schemas.microsoft.com/office/powerpoint/2010/main" val="3210510149"/>
       </p:ext>
     </p:extLst>
   </p:cSld>
@@ -8721,627 +8708,6 @@
           <a:bodyPr/>
           <a:lstStyle/>
           <a:p>
-            <a:pPr marL="0" marR="0">
-              <a:spcBef>
-                <a:spcPts val="0"/>
-              </a:spcBef>
-              <a:spcAft>
-                <a:spcPts val="0"/>
-              </a:spcAft>
-            </a:pPr>
-            <a:r>
-              <a:rPr lang="en-US" sz="1200" dirty="0">
-                <a:effectLst/>
-                <a:latin typeface="Calibri" panose="020F0502020204030204" pitchFamily="34" charset="0"/>
-                <a:ea typeface="Calibri" panose="020F0502020204030204" pitchFamily="34" charset="0"/>
-                <a:cs typeface="Arial" panose="020B0604020202020204" pitchFamily="34" charset="0"/>
-              </a:rPr>
-              <a:t> </a:t>
-            </a:r>
-            <a:endParaRPr lang="en-CA" sz="1200" dirty="0">
-              <a:effectLst/>
-              <a:latin typeface="Calibri" panose="020F0502020204030204" pitchFamily="34" charset="0"/>
-              <a:ea typeface="Calibri" panose="020F0502020204030204" pitchFamily="34" charset="0"/>
-              <a:cs typeface="Arial" panose="020B0604020202020204" pitchFamily="34" charset="0"/>
-            </a:endParaRPr>
-          </a:p>
-          <a:p>
-            <a:pPr marL="0" marR="0">
-              <a:spcBef>
-                <a:spcPts val="0"/>
-              </a:spcBef>
-              <a:spcAft>
-                <a:spcPts val="0"/>
-              </a:spcAft>
-            </a:pPr>
-            <a:r>
-              <a:rPr lang="en-US" sz="1200" b="1" dirty="0">
-                <a:effectLst/>
-                <a:latin typeface="Calibri" panose="020F0502020204030204" pitchFamily="34" charset="0"/>
-                <a:ea typeface="Calibri" panose="020F0502020204030204" pitchFamily="34" charset="0"/>
-                <a:cs typeface="Arial" panose="020B0604020202020204" pitchFamily="34" charset="0"/>
-              </a:rPr>
-              <a:t>RESEARCH QUESTIONS</a:t>
-            </a:r>
-            <a:endParaRPr lang="en-CA" sz="1200" dirty="0">
-              <a:effectLst/>
-              <a:latin typeface="Calibri" panose="020F0502020204030204" pitchFamily="34" charset="0"/>
-              <a:ea typeface="Calibri" panose="020F0502020204030204" pitchFamily="34" charset="0"/>
-              <a:cs typeface="Arial" panose="020B0604020202020204" pitchFamily="34" charset="0"/>
-            </a:endParaRPr>
-          </a:p>
-          <a:p>
-            <a:pPr marL="0" marR="0">
-              <a:spcBef>
-                <a:spcPts val="0"/>
-              </a:spcBef>
-              <a:spcAft>
-                <a:spcPts val="0"/>
-              </a:spcAft>
-            </a:pPr>
-            <a:r>
-              <a:rPr lang="en-US" sz="1200" dirty="0">
-                <a:effectLst/>
-                <a:latin typeface="Calibri" panose="020F0502020204030204" pitchFamily="34" charset="0"/>
-                <a:ea typeface="Calibri" panose="020F0502020204030204" pitchFamily="34" charset="0"/>
-                <a:cs typeface="Arial" panose="020B0604020202020204" pitchFamily="34" charset="0"/>
-              </a:rPr>
-              <a:t> </a:t>
-            </a:r>
-            <a:endParaRPr lang="en-CA" sz="1200" dirty="0">
-              <a:effectLst/>
-              <a:latin typeface="Calibri" panose="020F0502020204030204" pitchFamily="34" charset="0"/>
-              <a:ea typeface="Calibri" panose="020F0502020204030204" pitchFamily="34" charset="0"/>
-              <a:cs typeface="Arial" panose="020B0604020202020204" pitchFamily="34" charset="0"/>
-            </a:endParaRPr>
-          </a:p>
-          <a:p>
-            <a:pPr marL="342900" marR="0" lvl="0" indent="-342900">
-              <a:spcBef>
-                <a:spcPts val="0"/>
-              </a:spcBef>
-              <a:spcAft>
-                <a:spcPts val="0"/>
-              </a:spcAft>
-              <a:buFont typeface="+mj-lt"/>
-              <a:buAutoNum type="arabicPeriod"/>
-            </a:pPr>
-            <a:r>
-              <a:rPr lang="en-US" sz="1200" dirty="0">
-                <a:effectLst/>
-                <a:latin typeface="Calibri" panose="020F0502020204030204" pitchFamily="34" charset="0"/>
-                <a:ea typeface="Calibri" panose="020F0502020204030204" pitchFamily="34" charset="0"/>
-                <a:cs typeface="Arial" panose="020B0604020202020204" pitchFamily="34" charset="0"/>
-              </a:rPr>
-              <a:t>	            a. What are the most common / least common crimes in Toronto?</a:t>
-            </a:r>
-            <a:endParaRPr lang="en-CA" sz="1200" dirty="0">
-              <a:effectLst/>
-              <a:latin typeface="Calibri" panose="020F0502020204030204" pitchFamily="34" charset="0"/>
-              <a:ea typeface="Calibri" panose="020F0502020204030204" pitchFamily="34" charset="0"/>
-              <a:cs typeface="Arial" panose="020B0604020202020204" pitchFamily="34" charset="0"/>
-            </a:endParaRPr>
-          </a:p>
-          <a:p>
-            <a:pPr marL="886460" marR="0">
-              <a:spcBef>
-                <a:spcPts val="0"/>
-              </a:spcBef>
-              <a:spcAft>
-                <a:spcPts val="0"/>
-              </a:spcAft>
-            </a:pPr>
-            <a:r>
-              <a:rPr lang="en-US" sz="1200" dirty="0">
-                <a:effectLst/>
-                <a:latin typeface="Calibri" panose="020F0502020204030204" pitchFamily="34" charset="0"/>
-                <a:ea typeface="Calibri" panose="020F0502020204030204" pitchFamily="34" charset="0"/>
-                <a:cs typeface="Arial" panose="020B0604020202020204" pitchFamily="34" charset="0"/>
-              </a:rPr>
-              <a:t>b. What are the total number of crimes in 2014-2019 and are there any trends?</a:t>
-            </a:r>
-            <a:endParaRPr lang="en-CA" sz="1200" dirty="0">
-              <a:effectLst/>
-              <a:latin typeface="Calibri" panose="020F0502020204030204" pitchFamily="34" charset="0"/>
-              <a:ea typeface="Calibri" panose="020F0502020204030204" pitchFamily="34" charset="0"/>
-              <a:cs typeface="Arial" panose="020B0604020202020204" pitchFamily="34" charset="0"/>
-            </a:endParaRPr>
-          </a:p>
-          <a:p>
-            <a:pPr marL="270510" marR="0">
-              <a:spcBef>
-                <a:spcPts val="0"/>
-              </a:spcBef>
-              <a:spcAft>
-                <a:spcPts val="0"/>
-              </a:spcAft>
-            </a:pPr>
-            <a:r>
-              <a:rPr lang="en-US" sz="1200" dirty="0">
-                <a:effectLst/>
-                <a:latin typeface="Calibri" panose="020F0502020204030204" pitchFamily="34" charset="0"/>
-                <a:ea typeface="Calibri" panose="020F0502020204030204" pitchFamily="34" charset="0"/>
-                <a:cs typeface="Arial" panose="020B0604020202020204" pitchFamily="34" charset="0"/>
-              </a:rPr>
-              <a:t> </a:t>
-            </a:r>
-            <a:endParaRPr lang="en-CA" sz="1200" dirty="0">
-              <a:effectLst/>
-              <a:latin typeface="Calibri" panose="020F0502020204030204" pitchFamily="34" charset="0"/>
-              <a:ea typeface="Calibri" panose="020F0502020204030204" pitchFamily="34" charset="0"/>
-              <a:cs typeface="Arial" panose="020B0604020202020204" pitchFamily="34" charset="0"/>
-            </a:endParaRPr>
-          </a:p>
-          <a:p>
-            <a:pPr marL="342900" marR="0" lvl="0" indent="-342900">
-              <a:spcBef>
-                <a:spcPts val="0"/>
-              </a:spcBef>
-              <a:spcAft>
-                <a:spcPts val="0"/>
-              </a:spcAft>
-              <a:buFont typeface="+mj-lt"/>
-              <a:buAutoNum type="arabicPeriod"/>
-            </a:pPr>
-            <a:r>
-              <a:rPr lang="en-US" sz="1200" dirty="0">
-                <a:effectLst/>
-                <a:latin typeface="Calibri" panose="020F0502020204030204" pitchFamily="34" charset="0"/>
-                <a:ea typeface="Calibri" panose="020F0502020204030204" pitchFamily="34" charset="0"/>
-                <a:cs typeface="Arial" panose="020B0604020202020204" pitchFamily="34" charset="0"/>
-              </a:rPr>
-              <a:t>What time of the year the frequency of crime is highest?</a:t>
-            </a:r>
-            <a:endParaRPr lang="en-CA" sz="1200" dirty="0">
-              <a:effectLst/>
-              <a:latin typeface="Calibri" panose="020F0502020204030204" pitchFamily="34" charset="0"/>
-              <a:ea typeface="Calibri" panose="020F0502020204030204" pitchFamily="34" charset="0"/>
-              <a:cs typeface="Arial" panose="020B0604020202020204" pitchFamily="34" charset="0"/>
-            </a:endParaRPr>
-          </a:p>
-          <a:p>
-            <a:pPr marL="742950" marR="0" lvl="1" indent="-285750">
-              <a:spcBef>
-                <a:spcPts val="0"/>
-              </a:spcBef>
-              <a:spcAft>
-                <a:spcPts val="0"/>
-              </a:spcAft>
-              <a:buFont typeface="+mj-lt"/>
-              <a:buAutoNum type="alphaLcPeriod"/>
-            </a:pPr>
-            <a:r>
-              <a:rPr lang="en-US" sz="1200" dirty="0">
-                <a:effectLst/>
-                <a:latin typeface="Calibri" panose="020F0502020204030204" pitchFamily="34" charset="0"/>
-                <a:ea typeface="Calibri" panose="020F0502020204030204" pitchFamily="34" charset="0"/>
-                <a:cs typeface="Arial" panose="020B0604020202020204" pitchFamily="34" charset="0"/>
-              </a:rPr>
-              <a:t>Relationship between crime and different seasons</a:t>
-            </a:r>
-            <a:endParaRPr lang="en-CA" sz="1200" dirty="0">
-              <a:effectLst/>
-              <a:latin typeface="Calibri" panose="020F0502020204030204" pitchFamily="34" charset="0"/>
-              <a:ea typeface="Calibri" panose="020F0502020204030204" pitchFamily="34" charset="0"/>
-              <a:cs typeface="Arial" panose="020B0604020202020204" pitchFamily="34" charset="0"/>
-            </a:endParaRPr>
-          </a:p>
-          <a:p>
-            <a:pPr marL="742950" marR="0" lvl="1" indent="-285750">
-              <a:spcBef>
-                <a:spcPts val="0"/>
-              </a:spcBef>
-              <a:spcAft>
-                <a:spcPts val="0"/>
-              </a:spcAft>
-              <a:buFont typeface="+mj-lt"/>
-              <a:buAutoNum type="alphaLcPeriod"/>
-            </a:pPr>
-            <a:r>
-              <a:rPr lang="en-US" sz="1200" dirty="0">
-                <a:effectLst/>
-                <a:latin typeface="Calibri" panose="020F0502020204030204" pitchFamily="34" charset="0"/>
-                <a:ea typeface="Calibri" panose="020F0502020204030204" pitchFamily="34" charset="0"/>
-                <a:cs typeface="Arial" panose="020B0604020202020204" pitchFamily="34" charset="0"/>
-              </a:rPr>
-              <a:t>Relationship between crime and time of the day</a:t>
-            </a:r>
-            <a:endParaRPr lang="en-CA" sz="1200" dirty="0">
-              <a:effectLst/>
-              <a:latin typeface="Calibri" panose="020F0502020204030204" pitchFamily="34" charset="0"/>
-              <a:ea typeface="Calibri" panose="020F0502020204030204" pitchFamily="34" charset="0"/>
-              <a:cs typeface="Arial" panose="020B0604020202020204" pitchFamily="34" charset="0"/>
-            </a:endParaRPr>
-          </a:p>
-          <a:p>
-            <a:pPr marL="1115060" marR="0">
-              <a:spcBef>
-                <a:spcPts val="0"/>
-              </a:spcBef>
-              <a:spcAft>
-                <a:spcPts val="0"/>
-              </a:spcAft>
-            </a:pPr>
-            <a:r>
-              <a:rPr lang="en-US" sz="1200" dirty="0">
-                <a:effectLst/>
-                <a:latin typeface="Calibri" panose="020F0502020204030204" pitchFamily="34" charset="0"/>
-                <a:ea typeface="Calibri" panose="020F0502020204030204" pitchFamily="34" charset="0"/>
-                <a:cs typeface="Arial" panose="020B0604020202020204" pitchFamily="34" charset="0"/>
-              </a:rPr>
-              <a:t> </a:t>
-            </a:r>
-            <a:endParaRPr lang="en-CA" sz="1200" dirty="0">
-              <a:effectLst/>
-              <a:latin typeface="Calibri" panose="020F0502020204030204" pitchFamily="34" charset="0"/>
-              <a:ea typeface="Calibri" panose="020F0502020204030204" pitchFamily="34" charset="0"/>
-              <a:cs typeface="Arial" panose="020B0604020202020204" pitchFamily="34" charset="0"/>
-            </a:endParaRPr>
-          </a:p>
-          <a:p>
-            <a:pPr marL="342900" marR="0" lvl="0" indent="-342900">
-              <a:spcBef>
-                <a:spcPts val="0"/>
-              </a:spcBef>
-              <a:spcAft>
-                <a:spcPts val="0"/>
-              </a:spcAft>
-              <a:buFont typeface="+mj-lt"/>
-              <a:buAutoNum type="arabicPeriod"/>
-            </a:pPr>
-            <a:r>
-              <a:rPr lang="en-US" sz="1200" dirty="0">
-                <a:effectLst/>
-                <a:latin typeface="Calibri" panose="020F0502020204030204" pitchFamily="34" charset="0"/>
-                <a:ea typeface="Calibri" panose="020F0502020204030204" pitchFamily="34" charset="0"/>
-                <a:cs typeface="Arial" panose="020B0604020202020204" pitchFamily="34" charset="0"/>
-              </a:rPr>
-              <a:t>Crime by neighborhoods</a:t>
-            </a:r>
-            <a:endParaRPr lang="en-CA" sz="1200" dirty="0">
-              <a:effectLst/>
-              <a:latin typeface="Calibri" panose="020F0502020204030204" pitchFamily="34" charset="0"/>
-              <a:ea typeface="Calibri" panose="020F0502020204030204" pitchFamily="34" charset="0"/>
-              <a:cs typeface="Arial" panose="020B0604020202020204" pitchFamily="34" charset="0"/>
-            </a:endParaRPr>
-          </a:p>
-          <a:p>
-            <a:pPr marL="742950" marR="0" lvl="1" indent="-285750">
-              <a:spcBef>
-                <a:spcPts val="0"/>
-              </a:spcBef>
-              <a:spcAft>
-                <a:spcPts val="0"/>
-              </a:spcAft>
-              <a:buFont typeface="+mj-lt"/>
-              <a:buAutoNum type="alphaLcPeriod"/>
-            </a:pPr>
-            <a:r>
-              <a:rPr lang="en-US" sz="1200" dirty="0">
-                <a:effectLst/>
-                <a:latin typeface="Calibri" panose="020F0502020204030204" pitchFamily="34" charset="0"/>
-                <a:ea typeface="Calibri" panose="020F0502020204030204" pitchFamily="34" charset="0"/>
-                <a:cs typeface="Arial" panose="020B0604020202020204" pitchFamily="34" charset="0"/>
-              </a:rPr>
-              <a:t>Which neighborhoods experience the highest and lowest crime rates in Toronto? </a:t>
-            </a:r>
-            <a:endParaRPr lang="en-CA" sz="1200" dirty="0">
-              <a:effectLst/>
-              <a:latin typeface="Calibri" panose="020F0502020204030204" pitchFamily="34" charset="0"/>
-              <a:ea typeface="Calibri" panose="020F0502020204030204" pitchFamily="34" charset="0"/>
-              <a:cs typeface="Arial" panose="020B0604020202020204" pitchFamily="34" charset="0"/>
-            </a:endParaRPr>
-          </a:p>
-          <a:p>
-            <a:pPr marL="742950" marR="0" lvl="1" indent="-285750">
-              <a:spcBef>
-                <a:spcPts val="0"/>
-              </a:spcBef>
-              <a:spcAft>
-                <a:spcPts val="0"/>
-              </a:spcAft>
-              <a:buFont typeface="+mj-lt"/>
-              <a:buAutoNum type="alphaLcPeriod"/>
-            </a:pPr>
-            <a:r>
-              <a:rPr lang="en-US" sz="1200" dirty="0">
-                <a:effectLst/>
-                <a:latin typeface="Calibri" panose="020F0502020204030204" pitchFamily="34" charset="0"/>
-                <a:ea typeface="Calibri" panose="020F0502020204030204" pitchFamily="34" charset="0"/>
-                <a:cs typeface="Arial" panose="020B0604020202020204" pitchFamily="34" charset="0"/>
-              </a:rPr>
-              <a:t>How close were police stations to where the crime occurred?</a:t>
-            </a:r>
-            <a:endParaRPr lang="en-CA" sz="1200" dirty="0">
-              <a:effectLst/>
-              <a:latin typeface="Calibri" panose="020F0502020204030204" pitchFamily="34" charset="0"/>
-              <a:ea typeface="Calibri" panose="020F0502020204030204" pitchFamily="34" charset="0"/>
-              <a:cs typeface="Arial" panose="020B0604020202020204" pitchFamily="34" charset="0"/>
-            </a:endParaRPr>
-          </a:p>
-          <a:p>
-            <a:pPr marL="742950" marR="0" lvl="1" indent="-285750">
-              <a:spcBef>
-                <a:spcPts val="0"/>
-              </a:spcBef>
-              <a:spcAft>
-                <a:spcPts val="0"/>
-              </a:spcAft>
-              <a:buFont typeface="+mj-lt"/>
-              <a:buAutoNum type="alphaLcPeriod"/>
-            </a:pPr>
-            <a:r>
-              <a:rPr lang="en-US" sz="1200" dirty="0">
-                <a:effectLst/>
-                <a:latin typeface="Calibri" panose="020F0502020204030204" pitchFamily="34" charset="0"/>
-                <a:ea typeface="Calibri" panose="020F0502020204030204" pitchFamily="34" charset="0"/>
-                <a:cs typeface="Arial" panose="020B0604020202020204" pitchFamily="34" charset="0"/>
-              </a:rPr>
-              <a:t>Where in Toronto are Auto Theft, Break and Enter and Robbery likely to occur?</a:t>
-            </a:r>
-            <a:endParaRPr lang="en-CA" sz="1200" dirty="0">
-              <a:effectLst/>
-              <a:latin typeface="Calibri" panose="020F0502020204030204" pitchFamily="34" charset="0"/>
-              <a:ea typeface="Calibri" panose="020F0502020204030204" pitchFamily="34" charset="0"/>
-              <a:cs typeface="Arial" panose="020B0604020202020204" pitchFamily="34" charset="0"/>
-            </a:endParaRPr>
-          </a:p>
-          <a:p>
-            <a:pPr marL="914400" marR="0">
-              <a:spcBef>
-                <a:spcPts val="0"/>
-              </a:spcBef>
-              <a:spcAft>
-                <a:spcPts val="0"/>
-              </a:spcAft>
-            </a:pPr>
-            <a:r>
-              <a:rPr lang="en-US" sz="1200" dirty="0">
-                <a:effectLst/>
-                <a:latin typeface="Calibri" panose="020F0502020204030204" pitchFamily="34" charset="0"/>
-                <a:ea typeface="Calibri" panose="020F0502020204030204" pitchFamily="34" charset="0"/>
-                <a:cs typeface="Arial" panose="020B0604020202020204" pitchFamily="34" charset="0"/>
-              </a:rPr>
-              <a:t> </a:t>
-            </a:r>
-            <a:endParaRPr lang="en-CA" sz="1200" dirty="0">
-              <a:effectLst/>
-              <a:latin typeface="Calibri" panose="020F0502020204030204" pitchFamily="34" charset="0"/>
-              <a:ea typeface="Calibri" panose="020F0502020204030204" pitchFamily="34" charset="0"/>
-              <a:cs typeface="Arial" panose="020B0604020202020204" pitchFamily="34" charset="0"/>
-            </a:endParaRPr>
-          </a:p>
-          <a:p>
-            <a:pPr marL="342900" marR="0" lvl="0" indent="-342900">
-              <a:spcBef>
-                <a:spcPts val="0"/>
-              </a:spcBef>
-              <a:spcAft>
-                <a:spcPts val="0"/>
-              </a:spcAft>
-              <a:buFont typeface="+mj-lt"/>
-              <a:buAutoNum type="arabicPeriod"/>
-            </a:pPr>
-            <a:r>
-              <a:rPr lang="en-US" sz="1200" dirty="0">
-                <a:effectLst/>
-                <a:latin typeface="Calibri" panose="020F0502020204030204" pitchFamily="34" charset="0"/>
-                <a:ea typeface="Calibri" panose="020F0502020204030204" pitchFamily="34" charset="0"/>
-                <a:cs typeface="Arial" panose="020B0604020202020204" pitchFamily="34" charset="0"/>
-              </a:rPr>
-              <a:t>In what kinds of properties do the following crimes occur? (house, commercial, apartment, </a:t>
-            </a:r>
-            <a:r>
-              <a:rPr lang="en-US" sz="1200" dirty="0" err="1">
-                <a:effectLst/>
-                <a:latin typeface="Calibri" panose="020F0502020204030204" pitchFamily="34" charset="0"/>
-                <a:ea typeface="Calibri" panose="020F0502020204030204" pitchFamily="34" charset="0"/>
-                <a:cs typeface="Arial" panose="020B0604020202020204" pitchFamily="34" charset="0"/>
-              </a:rPr>
-              <a:t>etc</a:t>
-            </a:r>
-            <a:r>
-              <a:rPr lang="en-US" sz="1200" dirty="0">
-                <a:effectLst/>
-                <a:latin typeface="Calibri" panose="020F0502020204030204" pitchFamily="34" charset="0"/>
-                <a:ea typeface="Calibri" panose="020F0502020204030204" pitchFamily="34" charset="0"/>
-                <a:cs typeface="Arial" panose="020B0604020202020204" pitchFamily="34" charset="0"/>
-              </a:rPr>
-              <a:t>)</a:t>
-            </a:r>
-            <a:endParaRPr lang="en-CA" sz="1200" dirty="0">
-              <a:effectLst/>
-              <a:latin typeface="Calibri" panose="020F0502020204030204" pitchFamily="34" charset="0"/>
-              <a:ea typeface="Calibri" panose="020F0502020204030204" pitchFamily="34" charset="0"/>
-              <a:cs typeface="Arial" panose="020B0604020202020204" pitchFamily="34" charset="0"/>
-            </a:endParaRPr>
-          </a:p>
-          <a:p>
-            <a:pPr marL="742950" marR="0" lvl="1" indent="-285750">
-              <a:spcBef>
-                <a:spcPts val="0"/>
-              </a:spcBef>
-              <a:spcAft>
-                <a:spcPts val="0"/>
-              </a:spcAft>
-              <a:buFont typeface="+mj-lt"/>
-              <a:buAutoNum type="alphaLcPeriod"/>
-            </a:pPr>
-            <a:r>
-              <a:rPr lang="en-US" sz="1200" dirty="0">
-                <a:effectLst/>
-                <a:latin typeface="Calibri" panose="020F0502020204030204" pitchFamily="34" charset="0"/>
-                <a:ea typeface="Calibri" panose="020F0502020204030204" pitchFamily="34" charset="0"/>
-                <a:cs typeface="Arial" panose="020B0604020202020204" pitchFamily="34" charset="0"/>
-              </a:rPr>
-              <a:t>Break-and-enter</a:t>
-            </a:r>
-            <a:endParaRPr lang="en-CA" sz="1200" dirty="0">
-              <a:effectLst/>
-              <a:latin typeface="Calibri" panose="020F0502020204030204" pitchFamily="34" charset="0"/>
-              <a:ea typeface="Calibri" panose="020F0502020204030204" pitchFamily="34" charset="0"/>
-              <a:cs typeface="Arial" panose="020B0604020202020204" pitchFamily="34" charset="0"/>
-            </a:endParaRPr>
-          </a:p>
-          <a:p>
-            <a:pPr marL="742950" marR="0" lvl="1" indent="-285750">
-              <a:spcBef>
-                <a:spcPts val="0"/>
-              </a:spcBef>
-              <a:spcAft>
-                <a:spcPts val="0"/>
-              </a:spcAft>
-              <a:buFont typeface="+mj-lt"/>
-              <a:buAutoNum type="alphaLcPeriod"/>
-            </a:pPr>
-            <a:r>
-              <a:rPr lang="en-US" sz="1200" dirty="0">
-                <a:effectLst/>
-                <a:latin typeface="Calibri" panose="020F0502020204030204" pitchFamily="34" charset="0"/>
-                <a:ea typeface="Calibri" panose="020F0502020204030204" pitchFamily="34" charset="0"/>
-                <a:cs typeface="Arial" panose="020B0604020202020204" pitchFamily="34" charset="0"/>
-              </a:rPr>
-              <a:t>Robbery</a:t>
-            </a:r>
-            <a:endParaRPr lang="en-CA" sz="1200" dirty="0">
-              <a:effectLst/>
-              <a:latin typeface="Calibri" panose="020F0502020204030204" pitchFamily="34" charset="0"/>
-              <a:ea typeface="Calibri" panose="020F0502020204030204" pitchFamily="34" charset="0"/>
-              <a:cs typeface="Arial" panose="020B0604020202020204" pitchFamily="34" charset="0"/>
-            </a:endParaRPr>
-          </a:p>
-          <a:p>
-            <a:pPr marL="742950" marR="0" lvl="1" indent="-285750">
-              <a:spcBef>
-                <a:spcPts val="0"/>
-              </a:spcBef>
-              <a:spcAft>
-                <a:spcPts val="0"/>
-              </a:spcAft>
-              <a:buFont typeface="+mj-lt"/>
-              <a:buAutoNum type="alphaLcPeriod"/>
-            </a:pPr>
-            <a:r>
-              <a:rPr lang="en-US" sz="1200" dirty="0">
-                <a:effectLst/>
-                <a:latin typeface="Calibri" panose="020F0502020204030204" pitchFamily="34" charset="0"/>
-                <a:ea typeface="Calibri" panose="020F0502020204030204" pitchFamily="34" charset="0"/>
-                <a:cs typeface="Arial" panose="020B0604020202020204" pitchFamily="34" charset="0"/>
-              </a:rPr>
-              <a:t>Assault</a:t>
-            </a:r>
-            <a:endParaRPr lang="en-CA" sz="1200" dirty="0">
-              <a:effectLst/>
-              <a:latin typeface="Calibri" panose="020F0502020204030204" pitchFamily="34" charset="0"/>
-              <a:ea typeface="Calibri" panose="020F0502020204030204" pitchFamily="34" charset="0"/>
-              <a:cs typeface="Arial" panose="020B0604020202020204" pitchFamily="34" charset="0"/>
-            </a:endParaRPr>
-          </a:p>
-          <a:p>
-            <a:pPr marL="914400" marR="0">
-              <a:spcBef>
-                <a:spcPts val="0"/>
-              </a:spcBef>
-              <a:spcAft>
-                <a:spcPts val="0"/>
-              </a:spcAft>
-            </a:pPr>
-            <a:r>
-              <a:rPr lang="en-US" sz="1200" dirty="0">
-                <a:effectLst/>
-                <a:latin typeface="Calibri" panose="020F0502020204030204" pitchFamily="34" charset="0"/>
-                <a:ea typeface="Calibri" panose="020F0502020204030204" pitchFamily="34" charset="0"/>
-                <a:cs typeface="Arial" panose="020B0604020202020204" pitchFamily="34" charset="0"/>
-              </a:rPr>
-              <a:t> </a:t>
-            </a:r>
-            <a:endParaRPr lang="en-CA" sz="1200" dirty="0">
-              <a:effectLst/>
-              <a:latin typeface="Calibri" panose="020F0502020204030204" pitchFamily="34" charset="0"/>
-              <a:ea typeface="Calibri" panose="020F0502020204030204" pitchFamily="34" charset="0"/>
-              <a:cs typeface="Arial" panose="020B0604020202020204" pitchFamily="34" charset="0"/>
-            </a:endParaRPr>
-          </a:p>
-          <a:p>
-            <a:pPr marL="914400" marR="0">
-              <a:spcBef>
-                <a:spcPts val="0"/>
-              </a:spcBef>
-              <a:spcAft>
-                <a:spcPts val="0"/>
-              </a:spcAft>
-            </a:pPr>
-            <a:r>
-              <a:rPr lang="en-US" sz="1200" dirty="0">
-                <a:effectLst/>
-                <a:latin typeface="Calibri" panose="020F0502020204030204" pitchFamily="34" charset="0"/>
-                <a:ea typeface="Calibri" panose="020F0502020204030204" pitchFamily="34" charset="0"/>
-                <a:cs typeface="Arial" panose="020B0604020202020204" pitchFamily="34" charset="0"/>
-              </a:rPr>
-              <a:t> </a:t>
-            </a:r>
-            <a:endParaRPr lang="en-CA" sz="1200" dirty="0">
-              <a:effectLst/>
-              <a:latin typeface="Calibri" panose="020F0502020204030204" pitchFamily="34" charset="0"/>
-              <a:ea typeface="Calibri" panose="020F0502020204030204" pitchFamily="34" charset="0"/>
-              <a:cs typeface="Arial" panose="020B0604020202020204" pitchFamily="34" charset="0"/>
-            </a:endParaRPr>
-          </a:p>
-          <a:p>
-            <a:pPr marL="342900" marR="0" lvl="0" indent="-342900">
-              <a:spcBef>
-                <a:spcPts val="0"/>
-              </a:spcBef>
-              <a:spcAft>
-                <a:spcPts val="0"/>
-              </a:spcAft>
-              <a:buFont typeface="+mj-lt"/>
-              <a:buAutoNum type="arabicPeriod"/>
-            </a:pPr>
-            <a:r>
-              <a:rPr lang="en-US" sz="1200" dirty="0">
-                <a:effectLst/>
-                <a:latin typeface="Calibri" panose="020F0502020204030204" pitchFamily="34" charset="0"/>
-                <a:ea typeface="Calibri" panose="020F0502020204030204" pitchFamily="34" charset="0"/>
-                <a:cs typeface="Arial" panose="020B0604020202020204" pitchFamily="34" charset="0"/>
-              </a:rPr>
-              <a:t>Is crime decreasing/increasing over the years?</a:t>
-            </a:r>
-            <a:endParaRPr lang="en-CA" sz="1200" dirty="0">
-              <a:effectLst/>
-              <a:latin typeface="Calibri" panose="020F0502020204030204" pitchFamily="34" charset="0"/>
-              <a:ea typeface="Calibri" panose="020F0502020204030204" pitchFamily="34" charset="0"/>
-              <a:cs typeface="Arial" panose="020B0604020202020204" pitchFamily="34" charset="0"/>
-            </a:endParaRPr>
-          </a:p>
-          <a:p>
-            <a:pPr marL="742950" marR="0" lvl="1" indent="-285750">
-              <a:spcBef>
-                <a:spcPts val="0"/>
-              </a:spcBef>
-              <a:spcAft>
-                <a:spcPts val="0"/>
-              </a:spcAft>
-              <a:buFont typeface="+mj-lt"/>
-              <a:buAutoNum type="alphaLcPeriod"/>
-            </a:pPr>
-            <a:r>
-              <a:rPr lang="en-US" sz="1200" dirty="0">
-                <a:effectLst/>
-                <a:latin typeface="Calibri" panose="020F0502020204030204" pitchFamily="34" charset="0"/>
-                <a:ea typeface="Calibri" panose="020F0502020204030204" pitchFamily="34" charset="0"/>
-                <a:cs typeface="Arial" panose="020B0604020202020204" pitchFamily="34" charset="0"/>
-              </a:rPr>
-              <a:t>Relationship between crime and current economy</a:t>
-            </a:r>
-            <a:endParaRPr lang="en-CA" sz="1200" dirty="0">
-              <a:effectLst/>
-              <a:latin typeface="Calibri" panose="020F0502020204030204" pitchFamily="34" charset="0"/>
-              <a:ea typeface="Calibri" panose="020F0502020204030204" pitchFamily="34" charset="0"/>
-              <a:cs typeface="Arial" panose="020B0604020202020204" pitchFamily="34" charset="0"/>
-            </a:endParaRPr>
-          </a:p>
-          <a:p>
             <a:endParaRPr lang="en-CA" dirty="0"/>
           </a:p>
         </p:txBody>
@@ -9363,7 +8729,7 @@
           <a:p>
             <a:fld id="{80873457-8BE3-45C0-8852-50006BBD3D86}" type="slidenum">
               <a:rPr lang="en-CA" smtClean="0"/>
-              <a:t>4</a:t>
+              <a:t>3</a:t>
             </a:fld>
             <a:endParaRPr lang="en-CA"/>
           </a:p>
@@ -9372,7 +8738,7 @@
     </p:spTree>
     <p:extLst>
       <p:ext uri="{BB962C8B-B14F-4D97-AF65-F5344CB8AC3E}">
-        <p14:creationId xmlns:p14="http://schemas.microsoft.com/office/powerpoint/2010/main" val="4163533998"/>
+        <p14:creationId xmlns:p14="http://schemas.microsoft.com/office/powerpoint/2010/main" val="1741119979"/>
       </p:ext>
     </p:extLst>
   </p:cSld>
@@ -9426,19 +8792,627 @@
           <a:bodyPr/>
           <a:lstStyle/>
           <a:p>
+            <a:pPr marL="0" marR="0">
+              <a:spcBef>
+                <a:spcPts val="0"/>
+              </a:spcBef>
+              <a:spcAft>
+                <a:spcPts val="0"/>
+              </a:spcAft>
+            </a:pPr>
             <a:r>
-              <a:rPr lang="en-US" dirty="0"/>
-              <a:t>From 2014 to 2019, Assault is by far the most common crime with occurrences over 110,000, it accounts for 49% of total crimes. It is more than double the number of incidents for the second most common crime Break and Enter.</a:t>
+              <a:rPr lang="en-US" sz="1200" dirty="0">
+                <a:effectLst/>
+                <a:latin typeface="Calibri" panose="020F0502020204030204" pitchFamily="34" charset="0"/>
+                <a:ea typeface="Calibri" panose="020F0502020204030204" pitchFamily="34" charset="0"/>
+                <a:cs typeface="Arial" panose="020B0604020202020204" pitchFamily="34" charset="0"/>
+              </a:rPr>
+              <a:t> </a:t>
             </a:r>
-          </a:p>
-          <a:p>
-            <a:endParaRPr lang="en-US" dirty="0"/>
-          </a:p>
-          <a:p>
+            <a:endParaRPr lang="en-CA" sz="1200" dirty="0">
+              <a:effectLst/>
+              <a:latin typeface="Calibri" panose="020F0502020204030204" pitchFamily="34" charset="0"/>
+              <a:ea typeface="Calibri" panose="020F0502020204030204" pitchFamily="34" charset="0"/>
+              <a:cs typeface="Arial" panose="020B0604020202020204" pitchFamily="34" charset="0"/>
+            </a:endParaRPr>
+          </a:p>
+          <a:p>
+            <a:pPr marL="0" marR="0">
+              <a:spcBef>
+                <a:spcPts val="0"/>
+              </a:spcBef>
+              <a:spcAft>
+                <a:spcPts val="0"/>
+              </a:spcAft>
+            </a:pPr>
             <a:r>
-              <a:rPr lang="en-US" dirty="0"/>
-              <a:t> - Homicide is the least common crime over the 6-year period and only accounts for less than 0.5% of the total crime.</a:t>
+              <a:rPr lang="en-US" sz="1200" b="1" dirty="0">
+                <a:effectLst/>
+                <a:latin typeface="Calibri" panose="020F0502020204030204" pitchFamily="34" charset="0"/>
+                <a:ea typeface="Calibri" panose="020F0502020204030204" pitchFamily="34" charset="0"/>
+                <a:cs typeface="Arial" panose="020B0604020202020204" pitchFamily="34" charset="0"/>
+              </a:rPr>
+              <a:t>RESEARCH QUESTIONS</a:t>
             </a:r>
+            <a:endParaRPr lang="en-CA" sz="1200" dirty="0">
+              <a:effectLst/>
+              <a:latin typeface="Calibri" panose="020F0502020204030204" pitchFamily="34" charset="0"/>
+              <a:ea typeface="Calibri" panose="020F0502020204030204" pitchFamily="34" charset="0"/>
+              <a:cs typeface="Arial" panose="020B0604020202020204" pitchFamily="34" charset="0"/>
+            </a:endParaRPr>
+          </a:p>
+          <a:p>
+            <a:pPr marL="0" marR="0">
+              <a:spcBef>
+                <a:spcPts val="0"/>
+              </a:spcBef>
+              <a:spcAft>
+                <a:spcPts val="0"/>
+              </a:spcAft>
+            </a:pPr>
+            <a:r>
+              <a:rPr lang="en-US" sz="1200" dirty="0">
+                <a:effectLst/>
+                <a:latin typeface="Calibri" panose="020F0502020204030204" pitchFamily="34" charset="0"/>
+                <a:ea typeface="Calibri" panose="020F0502020204030204" pitchFamily="34" charset="0"/>
+                <a:cs typeface="Arial" panose="020B0604020202020204" pitchFamily="34" charset="0"/>
+              </a:rPr>
+              <a:t> </a:t>
+            </a:r>
+            <a:endParaRPr lang="en-CA" sz="1200" dirty="0">
+              <a:effectLst/>
+              <a:latin typeface="Calibri" panose="020F0502020204030204" pitchFamily="34" charset="0"/>
+              <a:ea typeface="Calibri" panose="020F0502020204030204" pitchFamily="34" charset="0"/>
+              <a:cs typeface="Arial" panose="020B0604020202020204" pitchFamily="34" charset="0"/>
+            </a:endParaRPr>
+          </a:p>
+          <a:p>
+            <a:pPr marL="342900" marR="0" lvl="0" indent="-342900">
+              <a:spcBef>
+                <a:spcPts val="0"/>
+              </a:spcBef>
+              <a:spcAft>
+                <a:spcPts val="0"/>
+              </a:spcAft>
+              <a:buFont typeface="+mj-lt"/>
+              <a:buAutoNum type="arabicPeriod"/>
+            </a:pPr>
+            <a:r>
+              <a:rPr lang="en-US" sz="1200" dirty="0">
+                <a:effectLst/>
+                <a:latin typeface="Calibri" panose="020F0502020204030204" pitchFamily="34" charset="0"/>
+                <a:ea typeface="Calibri" panose="020F0502020204030204" pitchFamily="34" charset="0"/>
+                <a:cs typeface="Arial" panose="020B0604020202020204" pitchFamily="34" charset="0"/>
+              </a:rPr>
+              <a:t>	            a. What are the most common / least common crimes in Toronto?</a:t>
+            </a:r>
+            <a:endParaRPr lang="en-CA" sz="1200" dirty="0">
+              <a:effectLst/>
+              <a:latin typeface="Calibri" panose="020F0502020204030204" pitchFamily="34" charset="0"/>
+              <a:ea typeface="Calibri" panose="020F0502020204030204" pitchFamily="34" charset="0"/>
+              <a:cs typeface="Arial" panose="020B0604020202020204" pitchFamily="34" charset="0"/>
+            </a:endParaRPr>
+          </a:p>
+          <a:p>
+            <a:pPr marL="886460" marR="0">
+              <a:spcBef>
+                <a:spcPts val="0"/>
+              </a:spcBef>
+              <a:spcAft>
+                <a:spcPts val="0"/>
+              </a:spcAft>
+            </a:pPr>
+            <a:r>
+              <a:rPr lang="en-US" sz="1200" dirty="0">
+                <a:effectLst/>
+                <a:latin typeface="Calibri" panose="020F0502020204030204" pitchFamily="34" charset="0"/>
+                <a:ea typeface="Calibri" panose="020F0502020204030204" pitchFamily="34" charset="0"/>
+                <a:cs typeface="Arial" panose="020B0604020202020204" pitchFamily="34" charset="0"/>
+              </a:rPr>
+              <a:t>b. What are the total number of crimes in 2014-2019 and are there any trends?</a:t>
+            </a:r>
+            <a:endParaRPr lang="en-CA" sz="1200" dirty="0">
+              <a:effectLst/>
+              <a:latin typeface="Calibri" panose="020F0502020204030204" pitchFamily="34" charset="0"/>
+              <a:ea typeface="Calibri" panose="020F0502020204030204" pitchFamily="34" charset="0"/>
+              <a:cs typeface="Arial" panose="020B0604020202020204" pitchFamily="34" charset="0"/>
+            </a:endParaRPr>
+          </a:p>
+          <a:p>
+            <a:pPr marL="270510" marR="0">
+              <a:spcBef>
+                <a:spcPts val="0"/>
+              </a:spcBef>
+              <a:spcAft>
+                <a:spcPts val="0"/>
+              </a:spcAft>
+            </a:pPr>
+            <a:r>
+              <a:rPr lang="en-US" sz="1200" dirty="0">
+                <a:effectLst/>
+                <a:latin typeface="Calibri" panose="020F0502020204030204" pitchFamily="34" charset="0"/>
+                <a:ea typeface="Calibri" panose="020F0502020204030204" pitchFamily="34" charset="0"/>
+                <a:cs typeface="Arial" panose="020B0604020202020204" pitchFamily="34" charset="0"/>
+              </a:rPr>
+              <a:t> </a:t>
+            </a:r>
+            <a:endParaRPr lang="en-CA" sz="1200" dirty="0">
+              <a:effectLst/>
+              <a:latin typeface="Calibri" panose="020F0502020204030204" pitchFamily="34" charset="0"/>
+              <a:ea typeface="Calibri" panose="020F0502020204030204" pitchFamily="34" charset="0"/>
+              <a:cs typeface="Arial" panose="020B0604020202020204" pitchFamily="34" charset="0"/>
+            </a:endParaRPr>
+          </a:p>
+          <a:p>
+            <a:pPr marL="342900" marR="0" lvl="0" indent="-342900">
+              <a:spcBef>
+                <a:spcPts val="0"/>
+              </a:spcBef>
+              <a:spcAft>
+                <a:spcPts val="0"/>
+              </a:spcAft>
+              <a:buFont typeface="+mj-lt"/>
+              <a:buAutoNum type="arabicPeriod"/>
+            </a:pPr>
+            <a:r>
+              <a:rPr lang="en-US" sz="1200" dirty="0">
+                <a:effectLst/>
+                <a:latin typeface="Calibri" panose="020F0502020204030204" pitchFamily="34" charset="0"/>
+                <a:ea typeface="Calibri" panose="020F0502020204030204" pitchFamily="34" charset="0"/>
+                <a:cs typeface="Arial" panose="020B0604020202020204" pitchFamily="34" charset="0"/>
+              </a:rPr>
+              <a:t>What time of the year the frequency of crime is highest?</a:t>
+            </a:r>
+            <a:endParaRPr lang="en-CA" sz="1200" dirty="0">
+              <a:effectLst/>
+              <a:latin typeface="Calibri" panose="020F0502020204030204" pitchFamily="34" charset="0"/>
+              <a:ea typeface="Calibri" panose="020F0502020204030204" pitchFamily="34" charset="0"/>
+              <a:cs typeface="Arial" panose="020B0604020202020204" pitchFamily="34" charset="0"/>
+            </a:endParaRPr>
+          </a:p>
+          <a:p>
+            <a:pPr marL="742950" marR="0" lvl="1" indent="-285750">
+              <a:spcBef>
+                <a:spcPts val="0"/>
+              </a:spcBef>
+              <a:spcAft>
+                <a:spcPts val="0"/>
+              </a:spcAft>
+              <a:buFont typeface="+mj-lt"/>
+              <a:buAutoNum type="alphaLcPeriod"/>
+            </a:pPr>
+            <a:r>
+              <a:rPr lang="en-US" sz="1200" dirty="0">
+                <a:effectLst/>
+                <a:latin typeface="Calibri" panose="020F0502020204030204" pitchFamily="34" charset="0"/>
+                <a:ea typeface="Calibri" panose="020F0502020204030204" pitchFamily="34" charset="0"/>
+                <a:cs typeface="Arial" panose="020B0604020202020204" pitchFamily="34" charset="0"/>
+              </a:rPr>
+              <a:t>Relationship between crime and different seasons</a:t>
+            </a:r>
+            <a:endParaRPr lang="en-CA" sz="1200" dirty="0">
+              <a:effectLst/>
+              <a:latin typeface="Calibri" panose="020F0502020204030204" pitchFamily="34" charset="0"/>
+              <a:ea typeface="Calibri" panose="020F0502020204030204" pitchFamily="34" charset="0"/>
+              <a:cs typeface="Arial" panose="020B0604020202020204" pitchFamily="34" charset="0"/>
+            </a:endParaRPr>
+          </a:p>
+          <a:p>
+            <a:pPr marL="742950" marR="0" lvl="1" indent="-285750">
+              <a:spcBef>
+                <a:spcPts val="0"/>
+              </a:spcBef>
+              <a:spcAft>
+                <a:spcPts val="0"/>
+              </a:spcAft>
+              <a:buFont typeface="+mj-lt"/>
+              <a:buAutoNum type="alphaLcPeriod"/>
+            </a:pPr>
+            <a:r>
+              <a:rPr lang="en-US" sz="1200" dirty="0">
+                <a:effectLst/>
+                <a:latin typeface="Calibri" panose="020F0502020204030204" pitchFamily="34" charset="0"/>
+                <a:ea typeface="Calibri" panose="020F0502020204030204" pitchFamily="34" charset="0"/>
+                <a:cs typeface="Arial" panose="020B0604020202020204" pitchFamily="34" charset="0"/>
+              </a:rPr>
+              <a:t>Relationship between crime and time of the day</a:t>
+            </a:r>
+            <a:endParaRPr lang="en-CA" sz="1200" dirty="0">
+              <a:effectLst/>
+              <a:latin typeface="Calibri" panose="020F0502020204030204" pitchFamily="34" charset="0"/>
+              <a:ea typeface="Calibri" panose="020F0502020204030204" pitchFamily="34" charset="0"/>
+              <a:cs typeface="Arial" panose="020B0604020202020204" pitchFamily="34" charset="0"/>
+            </a:endParaRPr>
+          </a:p>
+          <a:p>
+            <a:pPr marL="1115060" marR="0">
+              <a:spcBef>
+                <a:spcPts val="0"/>
+              </a:spcBef>
+              <a:spcAft>
+                <a:spcPts val="0"/>
+              </a:spcAft>
+            </a:pPr>
+            <a:r>
+              <a:rPr lang="en-US" sz="1200" dirty="0">
+                <a:effectLst/>
+                <a:latin typeface="Calibri" panose="020F0502020204030204" pitchFamily="34" charset="0"/>
+                <a:ea typeface="Calibri" panose="020F0502020204030204" pitchFamily="34" charset="0"/>
+                <a:cs typeface="Arial" panose="020B0604020202020204" pitchFamily="34" charset="0"/>
+              </a:rPr>
+              <a:t> </a:t>
+            </a:r>
+            <a:endParaRPr lang="en-CA" sz="1200" dirty="0">
+              <a:effectLst/>
+              <a:latin typeface="Calibri" panose="020F0502020204030204" pitchFamily="34" charset="0"/>
+              <a:ea typeface="Calibri" panose="020F0502020204030204" pitchFamily="34" charset="0"/>
+              <a:cs typeface="Arial" panose="020B0604020202020204" pitchFamily="34" charset="0"/>
+            </a:endParaRPr>
+          </a:p>
+          <a:p>
+            <a:pPr marL="342900" marR="0" lvl="0" indent="-342900">
+              <a:spcBef>
+                <a:spcPts val="0"/>
+              </a:spcBef>
+              <a:spcAft>
+                <a:spcPts val="0"/>
+              </a:spcAft>
+              <a:buFont typeface="+mj-lt"/>
+              <a:buAutoNum type="arabicPeriod"/>
+            </a:pPr>
+            <a:r>
+              <a:rPr lang="en-US" sz="1200" dirty="0">
+                <a:effectLst/>
+                <a:latin typeface="Calibri" panose="020F0502020204030204" pitchFamily="34" charset="0"/>
+                <a:ea typeface="Calibri" panose="020F0502020204030204" pitchFamily="34" charset="0"/>
+                <a:cs typeface="Arial" panose="020B0604020202020204" pitchFamily="34" charset="0"/>
+              </a:rPr>
+              <a:t>Crime by neighborhoods</a:t>
+            </a:r>
+            <a:endParaRPr lang="en-CA" sz="1200" dirty="0">
+              <a:effectLst/>
+              <a:latin typeface="Calibri" panose="020F0502020204030204" pitchFamily="34" charset="0"/>
+              <a:ea typeface="Calibri" panose="020F0502020204030204" pitchFamily="34" charset="0"/>
+              <a:cs typeface="Arial" panose="020B0604020202020204" pitchFamily="34" charset="0"/>
+            </a:endParaRPr>
+          </a:p>
+          <a:p>
+            <a:pPr marL="742950" marR="0" lvl="1" indent="-285750">
+              <a:spcBef>
+                <a:spcPts val="0"/>
+              </a:spcBef>
+              <a:spcAft>
+                <a:spcPts val="0"/>
+              </a:spcAft>
+              <a:buFont typeface="+mj-lt"/>
+              <a:buAutoNum type="alphaLcPeriod"/>
+            </a:pPr>
+            <a:r>
+              <a:rPr lang="en-US" sz="1200" dirty="0">
+                <a:effectLst/>
+                <a:latin typeface="Calibri" panose="020F0502020204030204" pitchFamily="34" charset="0"/>
+                <a:ea typeface="Calibri" panose="020F0502020204030204" pitchFamily="34" charset="0"/>
+                <a:cs typeface="Arial" panose="020B0604020202020204" pitchFamily="34" charset="0"/>
+              </a:rPr>
+              <a:t>Which neighborhoods experience the highest and lowest crime rates in Toronto? </a:t>
+            </a:r>
+            <a:endParaRPr lang="en-CA" sz="1200" dirty="0">
+              <a:effectLst/>
+              <a:latin typeface="Calibri" panose="020F0502020204030204" pitchFamily="34" charset="0"/>
+              <a:ea typeface="Calibri" panose="020F0502020204030204" pitchFamily="34" charset="0"/>
+              <a:cs typeface="Arial" panose="020B0604020202020204" pitchFamily="34" charset="0"/>
+            </a:endParaRPr>
+          </a:p>
+          <a:p>
+            <a:pPr marL="742950" marR="0" lvl="1" indent="-285750">
+              <a:spcBef>
+                <a:spcPts val="0"/>
+              </a:spcBef>
+              <a:spcAft>
+                <a:spcPts val="0"/>
+              </a:spcAft>
+              <a:buFont typeface="+mj-lt"/>
+              <a:buAutoNum type="alphaLcPeriod"/>
+            </a:pPr>
+            <a:r>
+              <a:rPr lang="en-US" sz="1200" dirty="0">
+                <a:effectLst/>
+                <a:latin typeface="Calibri" panose="020F0502020204030204" pitchFamily="34" charset="0"/>
+                <a:ea typeface="Calibri" panose="020F0502020204030204" pitchFamily="34" charset="0"/>
+                <a:cs typeface="Arial" panose="020B0604020202020204" pitchFamily="34" charset="0"/>
+              </a:rPr>
+              <a:t>How close were police stations to where the crime occurred?</a:t>
+            </a:r>
+            <a:endParaRPr lang="en-CA" sz="1200" dirty="0">
+              <a:effectLst/>
+              <a:latin typeface="Calibri" panose="020F0502020204030204" pitchFamily="34" charset="0"/>
+              <a:ea typeface="Calibri" panose="020F0502020204030204" pitchFamily="34" charset="0"/>
+              <a:cs typeface="Arial" panose="020B0604020202020204" pitchFamily="34" charset="0"/>
+            </a:endParaRPr>
+          </a:p>
+          <a:p>
+            <a:pPr marL="742950" marR="0" lvl="1" indent="-285750">
+              <a:spcBef>
+                <a:spcPts val="0"/>
+              </a:spcBef>
+              <a:spcAft>
+                <a:spcPts val="0"/>
+              </a:spcAft>
+              <a:buFont typeface="+mj-lt"/>
+              <a:buAutoNum type="alphaLcPeriod"/>
+            </a:pPr>
+            <a:r>
+              <a:rPr lang="en-US" sz="1200" dirty="0">
+                <a:effectLst/>
+                <a:latin typeface="Calibri" panose="020F0502020204030204" pitchFamily="34" charset="0"/>
+                <a:ea typeface="Calibri" panose="020F0502020204030204" pitchFamily="34" charset="0"/>
+                <a:cs typeface="Arial" panose="020B0604020202020204" pitchFamily="34" charset="0"/>
+              </a:rPr>
+              <a:t>Where in Toronto are Auto Theft, Break and Enter and Robbery likely to occur?</a:t>
+            </a:r>
+            <a:endParaRPr lang="en-CA" sz="1200" dirty="0">
+              <a:effectLst/>
+              <a:latin typeface="Calibri" panose="020F0502020204030204" pitchFamily="34" charset="0"/>
+              <a:ea typeface="Calibri" panose="020F0502020204030204" pitchFamily="34" charset="0"/>
+              <a:cs typeface="Arial" panose="020B0604020202020204" pitchFamily="34" charset="0"/>
+            </a:endParaRPr>
+          </a:p>
+          <a:p>
+            <a:pPr marL="914400" marR="0">
+              <a:spcBef>
+                <a:spcPts val="0"/>
+              </a:spcBef>
+              <a:spcAft>
+                <a:spcPts val="0"/>
+              </a:spcAft>
+            </a:pPr>
+            <a:r>
+              <a:rPr lang="en-US" sz="1200" dirty="0">
+                <a:effectLst/>
+                <a:latin typeface="Calibri" panose="020F0502020204030204" pitchFamily="34" charset="0"/>
+                <a:ea typeface="Calibri" panose="020F0502020204030204" pitchFamily="34" charset="0"/>
+                <a:cs typeface="Arial" panose="020B0604020202020204" pitchFamily="34" charset="0"/>
+              </a:rPr>
+              <a:t> </a:t>
+            </a:r>
+            <a:endParaRPr lang="en-CA" sz="1200" dirty="0">
+              <a:effectLst/>
+              <a:latin typeface="Calibri" panose="020F0502020204030204" pitchFamily="34" charset="0"/>
+              <a:ea typeface="Calibri" panose="020F0502020204030204" pitchFamily="34" charset="0"/>
+              <a:cs typeface="Arial" panose="020B0604020202020204" pitchFamily="34" charset="0"/>
+            </a:endParaRPr>
+          </a:p>
+          <a:p>
+            <a:pPr marL="342900" marR="0" lvl="0" indent="-342900">
+              <a:spcBef>
+                <a:spcPts val="0"/>
+              </a:spcBef>
+              <a:spcAft>
+                <a:spcPts val="0"/>
+              </a:spcAft>
+              <a:buFont typeface="+mj-lt"/>
+              <a:buAutoNum type="arabicPeriod"/>
+            </a:pPr>
+            <a:r>
+              <a:rPr lang="en-US" sz="1200" dirty="0">
+                <a:effectLst/>
+                <a:latin typeface="Calibri" panose="020F0502020204030204" pitchFamily="34" charset="0"/>
+                <a:ea typeface="Calibri" panose="020F0502020204030204" pitchFamily="34" charset="0"/>
+                <a:cs typeface="Arial" panose="020B0604020202020204" pitchFamily="34" charset="0"/>
+              </a:rPr>
+              <a:t>In what kinds of properties do the following crimes occur? (house, commercial, apartment, </a:t>
+            </a:r>
+            <a:r>
+              <a:rPr lang="en-US" sz="1200" dirty="0" err="1">
+                <a:effectLst/>
+                <a:latin typeface="Calibri" panose="020F0502020204030204" pitchFamily="34" charset="0"/>
+                <a:ea typeface="Calibri" panose="020F0502020204030204" pitchFamily="34" charset="0"/>
+                <a:cs typeface="Arial" panose="020B0604020202020204" pitchFamily="34" charset="0"/>
+              </a:rPr>
+              <a:t>etc</a:t>
+            </a:r>
+            <a:r>
+              <a:rPr lang="en-US" sz="1200" dirty="0">
+                <a:effectLst/>
+                <a:latin typeface="Calibri" panose="020F0502020204030204" pitchFamily="34" charset="0"/>
+                <a:ea typeface="Calibri" panose="020F0502020204030204" pitchFamily="34" charset="0"/>
+                <a:cs typeface="Arial" panose="020B0604020202020204" pitchFamily="34" charset="0"/>
+              </a:rPr>
+              <a:t>)</a:t>
+            </a:r>
+            <a:endParaRPr lang="en-CA" sz="1200" dirty="0">
+              <a:effectLst/>
+              <a:latin typeface="Calibri" panose="020F0502020204030204" pitchFamily="34" charset="0"/>
+              <a:ea typeface="Calibri" panose="020F0502020204030204" pitchFamily="34" charset="0"/>
+              <a:cs typeface="Arial" panose="020B0604020202020204" pitchFamily="34" charset="0"/>
+            </a:endParaRPr>
+          </a:p>
+          <a:p>
+            <a:pPr marL="742950" marR="0" lvl="1" indent="-285750">
+              <a:spcBef>
+                <a:spcPts val="0"/>
+              </a:spcBef>
+              <a:spcAft>
+                <a:spcPts val="0"/>
+              </a:spcAft>
+              <a:buFont typeface="+mj-lt"/>
+              <a:buAutoNum type="alphaLcPeriod"/>
+            </a:pPr>
+            <a:r>
+              <a:rPr lang="en-US" sz="1200" dirty="0">
+                <a:effectLst/>
+                <a:latin typeface="Calibri" panose="020F0502020204030204" pitchFamily="34" charset="0"/>
+                <a:ea typeface="Calibri" panose="020F0502020204030204" pitchFamily="34" charset="0"/>
+                <a:cs typeface="Arial" panose="020B0604020202020204" pitchFamily="34" charset="0"/>
+              </a:rPr>
+              <a:t>Break-and-enter</a:t>
+            </a:r>
+            <a:endParaRPr lang="en-CA" sz="1200" dirty="0">
+              <a:effectLst/>
+              <a:latin typeface="Calibri" panose="020F0502020204030204" pitchFamily="34" charset="0"/>
+              <a:ea typeface="Calibri" panose="020F0502020204030204" pitchFamily="34" charset="0"/>
+              <a:cs typeface="Arial" panose="020B0604020202020204" pitchFamily="34" charset="0"/>
+            </a:endParaRPr>
+          </a:p>
+          <a:p>
+            <a:pPr marL="742950" marR="0" lvl="1" indent="-285750">
+              <a:spcBef>
+                <a:spcPts val="0"/>
+              </a:spcBef>
+              <a:spcAft>
+                <a:spcPts val="0"/>
+              </a:spcAft>
+              <a:buFont typeface="+mj-lt"/>
+              <a:buAutoNum type="alphaLcPeriod"/>
+            </a:pPr>
+            <a:r>
+              <a:rPr lang="en-US" sz="1200" dirty="0">
+                <a:effectLst/>
+                <a:latin typeface="Calibri" panose="020F0502020204030204" pitchFamily="34" charset="0"/>
+                <a:ea typeface="Calibri" panose="020F0502020204030204" pitchFamily="34" charset="0"/>
+                <a:cs typeface="Arial" panose="020B0604020202020204" pitchFamily="34" charset="0"/>
+              </a:rPr>
+              <a:t>Robbery</a:t>
+            </a:r>
+            <a:endParaRPr lang="en-CA" sz="1200" dirty="0">
+              <a:effectLst/>
+              <a:latin typeface="Calibri" panose="020F0502020204030204" pitchFamily="34" charset="0"/>
+              <a:ea typeface="Calibri" panose="020F0502020204030204" pitchFamily="34" charset="0"/>
+              <a:cs typeface="Arial" panose="020B0604020202020204" pitchFamily="34" charset="0"/>
+            </a:endParaRPr>
+          </a:p>
+          <a:p>
+            <a:pPr marL="742950" marR="0" lvl="1" indent="-285750">
+              <a:spcBef>
+                <a:spcPts val="0"/>
+              </a:spcBef>
+              <a:spcAft>
+                <a:spcPts val="0"/>
+              </a:spcAft>
+              <a:buFont typeface="+mj-lt"/>
+              <a:buAutoNum type="alphaLcPeriod"/>
+            </a:pPr>
+            <a:r>
+              <a:rPr lang="en-US" sz="1200" dirty="0">
+                <a:effectLst/>
+                <a:latin typeface="Calibri" panose="020F0502020204030204" pitchFamily="34" charset="0"/>
+                <a:ea typeface="Calibri" panose="020F0502020204030204" pitchFamily="34" charset="0"/>
+                <a:cs typeface="Arial" panose="020B0604020202020204" pitchFamily="34" charset="0"/>
+              </a:rPr>
+              <a:t>Assault</a:t>
+            </a:r>
+            <a:endParaRPr lang="en-CA" sz="1200" dirty="0">
+              <a:effectLst/>
+              <a:latin typeface="Calibri" panose="020F0502020204030204" pitchFamily="34" charset="0"/>
+              <a:ea typeface="Calibri" panose="020F0502020204030204" pitchFamily="34" charset="0"/>
+              <a:cs typeface="Arial" panose="020B0604020202020204" pitchFamily="34" charset="0"/>
+            </a:endParaRPr>
+          </a:p>
+          <a:p>
+            <a:pPr marL="914400" marR="0">
+              <a:spcBef>
+                <a:spcPts val="0"/>
+              </a:spcBef>
+              <a:spcAft>
+                <a:spcPts val="0"/>
+              </a:spcAft>
+            </a:pPr>
+            <a:r>
+              <a:rPr lang="en-US" sz="1200" dirty="0">
+                <a:effectLst/>
+                <a:latin typeface="Calibri" panose="020F0502020204030204" pitchFamily="34" charset="0"/>
+                <a:ea typeface="Calibri" panose="020F0502020204030204" pitchFamily="34" charset="0"/>
+                <a:cs typeface="Arial" panose="020B0604020202020204" pitchFamily="34" charset="0"/>
+              </a:rPr>
+              <a:t> </a:t>
+            </a:r>
+            <a:endParaRPr lang="en-CA" sz="1200" dirty="0">
+              <a:effectLst/>
+              <a:latin typeface="Calibri" panose="020F0502020204030204" pitchFamily="34" charset="0"/>
+              <a:ea typeface="Calibri" panose="020F0502020204030204" pitchFamily="34" charset="0"/>
+              <a:cs typeface="Arial" panose="020B0604020202020204" pitchFamily="34" charset="0"/>
+            </a:endParaRPr>
+          </a:p>
+          <a:p>
+            <a:pPr marL="914400" marR="0">
+              <a:spcBef>
+                <a:spcPts val="0"/>
+              </a:spcBef>
+              <a:spcAft>
+                <a:spcPts val="0"/>
+              </a:spcAft>
+            </a:pPr>
+            <a:r>
+              <a:rPr lang="en-US" sz="1200" dirty="0">
+                <a:effectLst/>
+                <a:latin typeface="Calibri" panose="020F0502020204030204" pitchFamily="34" charset="0"/>
+                <a:ea typeface="Calibri" panose="020F0502020204030204" pitchFamily="34" charset="0"/>
+                <a:cs typeface="Arial" panose="020B0604020202020204" pitchFamily="34" charset="0"/>
+              </a:rPr>
+              <a:t> </a:t>
+            </a:r>
+            <a:endParaRPr lang="en-CA" sz="1200" dirty="0">
+              <a:effectLst/>
+              <a:latin typeface="Calibri" panose="020F0502020204030204" pitchFamily="34" charset="0"/>
+              <a:ea typeface="Calibri" panose="020F0502020204030204" pitchFamily="34" charset="0"/>
+              <a:cs typeface="Arial" panose="020B0604020202020204" pitchFamily="34" charset="0"/>
+            </a:endParaRPr>
+          </a:p>
+          <a:p>
+            <a:pPr marL="342900" marR="0" lvl="0" indent="-342900">
+              <a:spcBef>
+                <a:spcPts val="0"/>
+              </a:spcBef>
+              <a:spcAft>
+                <a:spcPts val="0"/>
+              </a:spcAft>
+              <a:buFont typeface="+mj-lt"/>
+              <a:buAutoNum type="arabicPeriod"/>
+            </a:pPr>
+            <a:r>
+              <a:rPr lang="en-US" sz="1200" dirty="0">
+                <a:effectLst/>
+                <a:latin typeface="Calibri" panose="020F0502020204030204" pitchFamily="34" charset="0"/>
+                <a:ea typeface="Calibri" panose="020F0502020204030204" pitchFamily="34" charset="0"/>
+                <a:cs typeface="Arial" panose="020B0604020202020204" pitchFamily="34" charset="0"/>
+              </a:rPr>
+              <a:t>Is crime decreasing/increasing over the years?</a:t>
+            </a:r>
+            <a:endParaRPr lang="en-CA" sz="1200" dirty="0">
+              <a:effectLst/>
+              <a:latin typeface="Calibri" panose="020F0502020204030204" pitchFamily="34" charset="0"/>
+              <a:ea typeface="Calibri" panose="020F0502020204030204" pitchFamily="34" charset="0"/>
+              <a:cs typeface="Arial" panose="020B0604020202020204" pitchFamily="34" charset="0"/>
+            </a:endParaRPr>
+          </a:p>
+          <a:p>
+            <a:pPr marL="742950" marR="0" lvl="1" indent="-285750">
+              <a:spcBef>
+                <a:spcPts val="0"/>
+              </a:spcBef>
+              <a:spcAft>
+                <a:spcPts val="0"/>
+              </a:spcAft>
+              <a:buFont typeface="+mj-lt"/>
+              <a:buAutoNum type="alphaLcPeriod"/>
+            </a:pPr>
+            <a:r>
+              <a:rPr lang="en-US" sz="1200" dirty="0">
+                <a:effectLst/>
+                <a:latin typeface="Calibri" panose="020F0502020204030204" pitchFamily="34" charset="0"/>
+                <a:ea typeface="Calibri" panose="020F0502020204030204" pitchFamily="34" charset="0"/>
+                <a:cs typeface="Arial" panose="020B0604020202020204" pitchFamily="34" charset="0"/>
+              </a:rPr>
+              <a:t>Relationship between crime and current economy</a:t>
+            </a:r>
+            <a:endParaRPr lang="en-CA" sz="1200" dirty="0">
+              <a:effectLst/>
+              <a:latin typeface="Calibri" panose="020F0502020204030204" pitchFamily="34" charset="0"/>
+              <a:ea typeface="Calibri" panose="020F0502020204030204" pitchFamily="34" charset="0"/>
+              <a:cs typeface="Arial" panose="020B0604020202020204" pitchFamily="34" charset="0"/>
+            </a:endParaRPr>
+          </a:p>
+          <a:p>
             <a:endParaRPr lang="en-CA" dirty="0"/>
           </a:p>
         </p:txBody>
@@ -9460,7 +9434,7 @@
           <a:p>
             <a:fld id="{80873457-8BE3-45C0-8852-50006BBD3D86}" type="slidenum">
               <a:rPr lang="en-CA" smtClean="0"/>
-              <a:t>6</a:t>
+              <a:t>4</a:t>
             </a:fld>
             <a:endParaRPr lang="en-CA"/>
           </a:p>
@@ -9469,7 +9443,7 @@
     </p:spTree>
     <p:extLst>
       <p:ext uri="{BB962C8B-B14F-4D97-AF65-F5344CB8AC3E}">
-        <p14:creationId xmlns:p14="http://schemas.microsoft.com/office/powerpoint/2010/main" val="4077744356"/>
+        <p14:creationId xmlns:p14="http://schemas.microsoft.com/office/powerpoint/2010/main" val="4163533998"/>
       </p:ext>
     </p:extLst>
   </p:cSld>
@@ -9525,7 +9499,16 @@
           <a:p>
             <a:r>
               <a:rPr lang="en-US" dirty="0"/>
-              <a:t>- The crime occurrence in Toronto is increasing from 2014 to 2019.</a:t>
+              <a:t>From 2014 to 2019, Assault is by far the most common crime with occurrences over 110,000, it accounts for 49% of total crimes. It is more than double the number of incidents for the second most common crime Break and Enter.</a:t>
+            </a:r>
+          </a:p>
+          <a:p>
+            <a:endParaRPr lang="en-US" dirty="0"/>
+          </a:p>
+          <a:p>
+            <a:r>
+              <a:rPr lang="en-US" dirty="0"/>
+              <a:t> - Homicide is the least common crime over the 6-year period and only accounts for less than 0.5% of the total crime.</a:t>
             </a:r>
             <a:endParaRPr lang="en-CA" dirty="0"/>
           </a:p>
@@ -9548,7 +9531,7 @@
           <a:p>
             <a:fld id="{80873457-8BE3-45C0-8852-50006BBD3D86}" type="slidenum">
               <a:rPr lang="en-CA" smtClean="0"/>
-              <a:t>7</a:t>
+              <a:t>6</a:t>
             </a:fld>
             <a:endParaRPr lang="en-CA"/>
           </a:p>
@@ -9557,7 +9540,7 @@
     </p:spTree>
     <p:extLst>
       <p:ext uri="{BB962C8B-B14F-4D97-AF65-F5344CB8AC3E}">
-        <p14:creationId xmlns:p14="http://schemas.microsoft.com/office/powerpoint/2010/main" val="1028081936"/>
+        <p14:creationId xmlns:p14="http://schemas.microsoft.com/office/powerpoint/2010/main" val="4077744356"/>
       </p:ext>
     </p:extLst>
   </p:cSld>
@@ -9613,43 +9596,8 @@
           <a:p>
             <a:r>
               <a:rPr lang="en-US" dirty="0"/>
-              <a:t>Based on the 6-year average, the total number of crimes peak in the month of July (3606 cases) while the month of February is lowest (2,484 cases). There are more crimes in summer season then in winter season.</a:t>
+              <a:t>- The crime occurrence in Toronto is increasing from 2014 to 2019.</a:t>
             </a:r>
-          </a:p>
-          <a:p>
-            <a:endParaRPr lang="en-US" dirty="0"/>
-          </a:p>
-          <a:p>
-            <a:r>
-              <a:rPr lang="en-US" dirty="0"/>
-              <a:t>    - Individual type of crime have different patterns. However, </a:t>
-            </a:r>
-            <a:r>
-              <a:rPr lang="en-US" dirty="0" err="1"/>
-              <a:t>Feburary</a:t>
-            </a:r>
-            <a:r>
-              <a:rPr lang="en-US" dirty="0"/>
-              <a:t> is the lowest point across all type of crimes. </a:t>
-            </a:r>
-          </a:p>
-          <a:p>
-            <a:endParaRPr lang="en-US" dirty="0"/>
-          </a:p>
-          <a:p>
-            <a:r>
-              <a:rPr lang="en-US" dirty="0"/>
-              <a:t>    - For Assault, the peak is in summer season (Jun, Jul, Aug). Break and Enter, Auto Theft, Robbery have peaks in October.</a:t>
-            </a:r>
-          </a:p>
-          <a:p>
-            <a:r>
-              <a:rPr lang="en-US" dirty="0"/>
-              <a:t> </a:t>
-            </a:r>
-            <a:endParaRPr lang="en-CA" dirty="0"/>
-          </a:p>
-          <a:p>
             <a:endParaRPr lang="en-CA" dirty="0"/>
           </a:p>
         </p:txBody>
@@ -9671,7 +9619,7 @@
           <a:p>
             <a:fld id="{80873457-8BE3-45C0-8852-50006BBD3D86}" type="slidenum">
               <a:rPr lang="en-CA" smtClean="0"/>
-              <a:t>8</a:t>
+              <a:t>7</a:t>
             </a:fld>
             <a:endParaRPr lang="en-CA"/>
           </a:p>
@@ -9680,7 +9628,7 @@
     </p:spTree>
     <p:extLst>
       <p:ext uri="{BB962C8B-B14F-4D97-AF65-F5344CB8AC3E}">
-        <p14:creationId xmlns:p14="http://schemas.microsoft.com/office/powerpoint/2010/main" val="1584381760"/>
+        <p14:creationId xmlns:p14="http://schemas.microsoft.com/office/powerpoint/2010/main" val="1028081936"/>
       </p:ext>
     </p:extLst>
   </p:cSld>
@@ -9736,7 +9684,7 @@
           <a:p>
             <a:r>
               <a:rPr lang="en-US" dirty="0"/>
-              <a:t>Lowest crime occurred in a day is early in the morning (around 6 am)</a:t>
+              <a:t>Based on the 6-year average, the total number of crimes peak in the month of July (3606 cases) while the month of February is lowest (2,484 cases). There are more crimes in summer season then in winter season.</a:t>
             </a:r>
           </a:p>
           <a:p>
@@ -9745,17 +9693,34 @@
           <a:p>
             <a:r>
               <a:rPr lang="en-US" dirty="0"/>
-              <a:t>    - "Assault" and "Break and Enter" crime occurred most at mid-night while "Auto Theft" is at peak around 10pm and "Robbery" at 9pm.</a:t>
+              <a:t>    - Individual type of crime have different patterns. However, </a:t>
             </a:r>
-          </a:p>
-          <a:p>
-            <a:endParaRPr lang="en-US" dirty="0"/>
-          </a:p>
-          <a:p>
+            <a:r>
+              <a:rPr lang="en-US" dirty="0" err="1"/>
+              <a:t>Feburary</a:t>
+            </a:r>
             <a:r>
               <a:rPr lang="en-US" dirty="0"/>
-              <a:t>    - At noon, we see a sudden spike for "Assault", "Break n Enter", "Auto Theft" </a:t>
+              <a:t> is the lowest point across all type of crimes. </a:t>
             </a:r>
+          </a:p>
+          <a:p>
+            <a:endParaRPr lang="en-US" dirty="0"/>
+          </a:p>
+          <a:p>
+            <a:r>
+              <a:rPr lang="en-US" dirty="0"/>
+              <a:t>    - For Assault, the peak is in summer season (Jun, Jul, Aug). Break and Enter, Auto Theft, Robbery have peaks in October.</a:t>
+            </a:r>
+          </a:p>
+          <a:p>
+            <a:r>
+              <a:rPr lang="en-US" dirty="0"/>
+              <a:t> </a:t>
+            </a:r>
+            <a:endParaRPr lang="en-CA" dirty="0"/>
+          </a:p>
+          <a:p>
             <a:endParaRPr lang="en-CA" dirty="0"/>
           </a:p>
         </p:txBody>
@@ -9777,7 +9742,7 @@
           <a:p>
             <a:fld id="{80873457-8BE3-45C0-8852-50006BBD3D86}" type="slidenum">
               <a:rPr lang="en-CA" smtClean="0"/>
-              <a:t>9</a:t>
+              <a:t>8</a:t>
             </a:fld>
             <a:endParaRPr lang="en-CA"/>
           </a:p>
@@ -9786,7 +9751,7 @@
     </p:spTree>
     <p:extLst>
       <p:ext uri="{BB962C8B-B14F-4D97-AF65-F5344CB8AC3E}">
-        <p14:creationId xmlns:p14="http://schemas.microsoft.com/office/powerpoint/2010/main" val="1245308657"/>
+        <p14:creationId xmlns:p14="http://schemas.microsoft.com/office/powerpoint/2010/main" val="1584381760"/>
       </p:ext>
     </p:extLst>
   </p:cSld>
@@ -9864,9 +9829,6 @@
             </a:r>
             <a:endParaRPr lang="en-CA" dirty="0"/>
           </a:p>
-          <a:p>
-            <a:endParaRPr lang="en-CA" dirty="0"/>
-          </a:p>
         </p:txBody>
       </p:sp>
       <p:sp>
@@ -9886,7 +9848,7 @@
           <a:p>
             <a:fld id="{80873457-8BE3-45C0-8852-50006BBD3D86}" type="slidenum">
               <a:rPr lang="en-CA" smtClean="0"/>
-              <a:t>10</a:t>
+              <a:t>9</a:t>
             </a:fld>
             <a:endParaRPr lang="en-CA"/>
           </a:p>
@@ -9895,7 +9857,7 @@
     </p:spTree>
     <p:extLst>
       <p:ext uri="{BB962C8B-B14F-4D97-AF65-F5344CB8AC3E}">
-        <p14:creationId xmlns:p14="http://schemas.microsoft.com/office/powerpoint/2010/main" val="1239328905"/>
+        <p14:creationId xmlns:p14="http://schemas.microsoft.com/office/powerpoint/2010/main" val="1245308657"/>
       </p:ext>
     </p:extLst>
   </p:cSld>
@@ -9951,156 +9913,29 @@
           <a:p>
             <a:r>
               <a:rPr lang="en-US" dirty="0"/>
-              <a:t> - After </a:t>
+              <a:t>Lowest crime occurred in a day is early in the morning (around 6 am)</a:t>
             </a:r>
-            <a:r>
-              <a:rPr lang="en-US" dirty="0" err="1"/>
-              <a:t>analysing</a:t>
-            </a:r>
+          </a:p>
+          <a:p>
+            <a:endParaRPr lang="en-US" dirty="0"/>
+          </a:p>
+          <a:p>
             <a:r>
               <a:rPr lang="en-US" dirty="0"/>
-              <a:t> the data, we see the top 10 most dangerous </a:t>
+              <a:t>    - "Assault" and "Break and Enter" crime occurred most at mid-night while "Auto Theft" is at peak around 10pm and "Robbery" at 9pm.</a:t>
             </a:r>
-            <a:r>
-              <a:rPr lang="en-US" dirty="0" err="1"/>
-              <a:t>neighbourhoods</a:t>
-            </a:r>
+          </a:p>
+          <a:p>
+            <a:endParaRPr lang="en-US" dirty="0"/>
+          </a:p>
+          <a:p>
             <a:r>
               <a:rPr lang="en-US" dirty="0"/>
-              <a:t> in the dataframe below:</a:t>
+              <a:t>    - At noon, we see a sudden spike for "Assault", "Break n Enter", "Auto Theft" </a:t>
             </a:r>
-          </a:p>
-          <a:p>
-            <a:r>
-              <a:rPr lang="en-US" dirty="0"/>
-              <a:t>    ![Most-crime-</a:t>
-            </a:r>
-            <a:r>
-              <a:rPr lang="en-US" dirty="0" err="1"/>
-              <a:t>neighbourhoods</a:t>
-            </a:r>
-            <a:r>
-              <a:rPr lang="en-US" dirty="0"/>
-              <a:t>](Image-Output/Most-crime-neighbourhoods.png)</a:t>
-            </a:r>
-          </a:p>
-          <a:p>
-            <a:endParaRPr lang="en-US" dirty="0"/>
-          </a:p>
-          <a:p>
-            <a:r>
-              <a:rPr lang="en-US" dirty="0"/>
-              <a:t>    - We also see the top 10 most safe </a:t>
-            </a:r>
-            <a:r>
-              <a:rPr lang="en-US" dirty="0" err="1"/>
-              <a:t>neighbourhoods</a:t>
-            </a:r>
-            <a:r>
-              <a:rPr lang="en-US" dirty="0"/>
-              <a:t> in the dataframe below:</a:t>
-            </a:r>
-          </a:p>
-          <a:p>
-            <a:r>
-              <a:rPr lang="en-US" dirty="0"/>
-              <a:t>    ![Least-crime-</a:t>
-            </a:r>
-            <a:r>
-              <a:rPr lang="en-US" dirty="0" err="1"/>
-              <a:t>neighbourhoods</a:t>
-            </a:r>
-            <a:r>
-              <a:rPr lang="en-US" dirty="0"/>
-              <a:t>](Image-Output/Least-crime-neighbourhoods.png)   </a:t>
-            </a:r>
-          </a:p>
-          <a:p>
-            <a:endParaRPr lang="en-US" dirty="0"/>
-          </a:p>
-          <a:p>
-            <a:r>
-              <a:rPr lang="en-US" dirty="0"/>
-              <a:t>    - A heatmap was created with the above </a:t>
-            </a:r>
-            <a:r>
-              <a:rPr lang="en-US" dirty="0" err="1"/>
-              <a:t>neighbourhoods</a:t>
-            </a:r>
-            <a:r>
-              <a:rPr lang="en-US" dirty="0"/>
-              <a:t> as symbol markers, to get an idea of their locations:</a:t>
-            </a:r>
-          </a:p>
-          <a:p>
-            <a:r>
-              <a:rPr lang="en-US" dirty="0"/>
-              <a:t>    ![crime-heatmap-symbols](Image-Output/crime-heatmap-symbols.png)</a:t>
-            </a:r>
-          </a:p>
-          <a:p>
-            <a:r>
-              <a:rPr lang="en-US" dirty="0"/>
-              <a:t>     * 60% of the top 10 most dangerous </a:t>
-            </a:r>
-            <a:r>
-              <a:rPr lang="en-US" dirty="0" err="1"/>
-              <a:t>neighbours</a:t>
-            </a:r>
-            <a:r>
-              <a:rPr lang="en-US" dirty="0"/>
-              <a:t> appear to be in the Toronto downtown area, with the rest spread quite far away from each other.</a:t>
-            </a:r>
-          </a:p>
-          <a:p>
-            <a:endParaRPr lang="en-US" dirty="0"/>
-          </a:p>
-          <a:p>
-            <a:r>
-              <a:rPr lang="en-US" dirty="0"/>
-              <a:t>     * The Yonge-</a:t>
-            </a:r>
-            <a:r>
-              <a:rPr lang="en-US" dirty="0" err="1"/>
-              <a:t>St.Clair</a:t>
-            </a:r>
-            <a:r>
-              <a:rPr lang="en-US" dirty="0"/>
-              <a:t> </a:t>
-            </a:r>
-            <a:r>
-              <a:rPr lang="en-US" dirty="0" err="1"/>
-              <a:t>neighbourhood</a:t>
-            </a:r>
-            <a:r>
-              <a:rPr lang="en-US" dirty="0"/>
-              <a:t>  is considered a safe </a:t>
-            </a:r>
-            <a:r>
-              <a:rPr lang="en-US" dirty="0" err="1"/>
-              <a:t>neighbourhood</a:t>
-            </a:r>
-            <a:r>
-              <a:rPr lang="en-US" dirty="0"/>
-              <a:t> with less crimes - this is interesting given its proximity to downtown Toronto where crime cases are high.</a:t>
-            </a:r>
-          </a:p>
-          <a:p>
-            <a:endParaRPr lang="en-US" dirty="0"/>
-          </a:p>
-          <a:p>
-            <a:r>
-              <a:rPr lang="en-US" dirty="0"/>
-              <a:t>     * There appear to be a marginally higher number of safer </a:t>
-            </a:r>
-            <a:r>
-              <a:rPr lang="en-US" dirty="0" err="1"/>
-              <a:t>neighbourhoods</a:t>
-            </a:r>
-            <a:r>
-              <a:rPr lang="en-US" dirty="0"/>
-              <a:t> in the west end of Toronto.</a:t>
-            </a:r>
+            <a:endParaRPr lang="en-CA" dirty="0"/>
+          </a:p>
+          <a:p>
             <a:endParaRPr lang="en-CA" dirty="0"/>
           </a:p>
         </p:txBody>
@@ -10122,7 +9957,7 @@
           <a:p>
             <a:fld id="{80873457-8BE3-45C0-8852-50006BBD3D86}" type="slidenum">
               <a:rPr lang="en-CA" smtClean="0"/>
-              <a:t>11</a:t>
+              <a:t>10</a:t>
             </a:fld>
             <a:endParaRPr lang="en-CA"/>
           </a:p>
@@ -10131,7 +9966,7 @@
     </p:spTree>
     <p:extLst>
       <p:ext uri="{BB962C8B-B14F-4D97-AF65-F5344CB8AC3E}">
-        <p14:creationId xmlns:p14="http://schemas.microsoft.com/office/powerpoint/2010/main" val="2967237887"/>
+        <p14:creationId xmlns:p14="http://schemas.microsoft.com/office/powerpoint/2010/main" val="1239328905"/>
       </p:ext>
     </p:extLst>
   </p:cSld>
@@ -10290,7 +10125,7 @@
           <a:p>
             <a:fld id="{78C8E417-D454-46EA-9245-2C4A0C1023CE}" type="datetimeFigureOut">
               <a:rPr lang="en-CA" smtClean="0"/>
-              <a:t>2020-07-03</a:t>
+              <a:t>2020-07-04</a:t>
             </a:fld>
             <a:endParaRPr lang="en-CA"/>
           </a:p>
@@ -10490,7 +10325,7 @@
           <a:p>
             <a:fld id="{78C8E417-D454-46EA-9245-2C4A0C1023CE}" type="datetimeFigureOut">
               <a:rPr lang="en-CA" smtClean="0"/>
-              <a:t>2020-07-03</a:t>
+              <a:t>2020-07-04</a:t>
             </a:fld>
             <a:endParaRPr lang="en-CA"/>
           </a:p>
@@ -10700,7 +10535,7 @@
           <a:p>
             <a:fld id="{78C8E417-D454-46EA-9245-2C4A0C1023CE}" type="datetimeFigureOut">
               <a:rPr lang="en-CA" smtClean="0"/>
-              <a:t>2020-07-03</a:t>
+              <a:t>2020-07-04</a:t>
             </a:fld>
             <a:endParaRPr lang="en-CA"/>
           </a:p>
@@ -10900,7 +10735,7 @@
           <a:p>
             <a:fld id="{78C8E417-D454-46EA-9245-2C4A0C1023CE}" type="datetimeFigureOut">
               <a:rPr lang="en-CA" smtClean="0"/>
-              <a:t>2020-07-03</a:t>
+              <a:t>2020-07-04</a:t>
             </a:fld>
             <a:endParaRPr lang="en-CA"/>
           </a:p>
@@ -11176,7 +11011,7 @@
           <a:p>
             <a:fld id="{78C8E417-D454-46EA-9245-2C4A0C1023CE}" type="datetimeFigureOut">
               <a:rPr lang="en-CA" smtClean="0"/>
-              <a:t>2020-07-03</a:t>
+              <a:t>2020-07-04</a:t>
             </a:fld>
             <a:endParaRPr lang="en-CA"/>
           </a:p>
@@ -11444,7 +11279,7 @@
           <a:p>
             <a:fld id="{78C8E417-D454-46EA-9245-2C4A0C1023CE}" type="datetimeFigureOut">
               <a:rPr lang="en-CA" smtClean="0"/>
-              <a:t>2020-07-03</a:t>
+              <a:t>2020-07-04</a:t>
             </a:fld>
             <a:endParaRPr lang="en-CA"/>
           </a:p>
@@ -11859,7 +11694,7 @@
           <a:p>
             <a:fld id="{78C8E417-D454-46EA-9245-2C4A0C1023CE}" type="datetimeFigureOut">
               <a:rPr lang="en-CA" smtClean="0"/>
-              <a:t>2020-07-03</a:t>
+              <a:t>2020-07-04</a:t>
             </a:fld>
             <a:endParaRPr lang="en-CA"/>
           </a:p>
@@ -12001,7 +11836,7 @@
           <a:p>
             <a:fld id="{78C8E417-D454-46EA-9245-2C4A0C1023CE}" type="datetimeFigureOut">
               <a:rPr lang="en-CA" smtClean="0"/>
-              <a:t>2020-07-03</a:t>
+              <a:t>2020-07-04</a:t>
             </a:fld>
             <a:endParaRPr lang="en-CA"/>
           </a:p>
@@ -12114,7 +11949,7 @@
           <a:p>
             <a:fld id="{78C8E417-D454-46EA-9245-2C4A0C1023CE}" type="datetimeFigureOut">
               <a:rPr lang="en-CA" smtClean="0"/>
-              <a:t>2020-07-03</a:t>
+              <a:t>2020-07-04</a:t>
             </a:fld>
             <a:endParaRPr lang="en-CA"/>
           </a:p>
@@ -12427,7 +12262,7 @@
           <a:p>
             <a:fld id="{78C8E417-D454-46EA-9245-2C4A0C1023CE}" type="datetimeFigureOut">
               <a:rPr lang="en-CA" smtClean="0"/>
-              <a:t>2020-07-03</a:t>
+              <a:t>2020-07-04</a:t>
             </a:fld>
             <a:endParaRPr lang="en-CA"/>
           </a:p>
@@ -12716,7 +12551,7 @@
           <a:p>
             <a:fld id="{78C8E417-D454-46EA-9245-2C4A0C1023CE}" type="datetimeFigureOut">
               <a:rPr lang="en-CA" smtClean="0"/>
-              <a:t>2020-07-03</a:t>
+              <a:t>2020-07-04</a:t>
             </a:fld>
             <a:endParaRPr lang="en-CA"/>
           </a:p>
@@ -12959,7 +12794,7 @@
           <a:p>
             <a:fld id="{78C8E417-D454-46EA-9245-2C4A0C1023CE}" type="datetimeFigureOut">
               <a:rPr lang="en-CA" smtClean="0"/>
-              <a:t>2020-07-03</a:t>
+              <a:t>2020-07-04</a:t>
             </a:fld>
             <a:endParaRPr lang="en-CA"/>
           </a:p>
@@ -13365,7 +13200,10 @@
     <p:bg>
       <p:bgPr>
         <a:solidFill>
-          <a:schemeClr val="bg1"/>
+          <a:schemeClr val="bg1">
+            <a:tint val="95000"/>
+            <a:satMod val="170000"/>
+          </a:schemeClr>
         </a:solidFill>
         <a:effectLst/>
       </p:bgPr>
@@ -13384,12 +13222,82 @@
           <a:chExt cx="0" cy="0"/>
         </a:xfrm>
       </p:grpSpPr>
-      <p:sp useBgFill="1">
+      <p:sp>
         <p:nvSpPr>
-          <p:cNvPr id="20" name="Rectangle 19">
+          <p:cNvPr id="4" name="Title 1">
             <a:extLst>
               <a:ext uri="{FF2B5EF4-FFF2-40B4-BE49-F238E27FC236}">
-                <a16:creationId xmlns:a16="http://schemas.microsoft.com/office/drawing/2014/main" id="{0671A8AE-40A1-4631-A6B8-581AFF065482}"/>
+                <a16:creationId xmlns:a16="http://schemas.microsoft.com/office/drawing/2014/main" id="{1CF1B04E-B451-4F31-8746-A4E102454F4C}"/>
+              </a:ext>
+            </a:extLst>
+          </p:cNvPr>
+          <p:cNvSpPr txBox="1">
+            <a:spLocks/>
+          </p:cNvSpPr>
+          <p:nvPr/>
+        </p:nvSpPr>
+        <p:spPr>
+          <a:xfrm>
+            <a:off x="6825650" y="993736"/>
+            <a:ext cx="4645250" cy="2889114"/>
+          </a:xfrm>
+          <a:prstGeom prst="rect">
+            <a:avLst/>
+          </a:prstGeom>
+        </p:spPr>
+        <p:txBody>
+          <a:bodyPr vert="horz" lIns="91440" tIns="45720" rIns="91440" bIns="45720" rtlCol="0" anchor="b">
+            <a:normAutofit/>
+          </a:bodyPr>
+          <a:lstStyle>
+            <a:lvl1pPr algn="l" defTabSz="914400" rtl="0" eaLnBrk="1" latinLnBrk="0" hangingPunct="1">
+              <a:lnSpc>
+                <a:spcPct val="90000"/>
+              </a:lnSpc>
+              <a:spcBef>
+                <a:spcPct val="0"/>
+              </a:spcBef>
+              <a:buNone/>
+              <a:defRPr sz="4400" kern="1200">
+                <a:solidFill>
+                  <a:schemeClr val="tx1"/>
+                </a:solidFill>
+                <a:latin typeface="+mj-lt"/>
+                <a:ea typeface="+mj-ea"/>
+                <a:cs typeface="+mj-cs"/>
+              </a:defRPr>
+            </a:lvl1pPr>
+          </a:lstStyle>
+          <a:p>
+            <a:pPr algn="ctr">
+              <a:spcAft>
+                <a:spcPts val="600"/>
+              </a:spcAft>
+            </a:pPr>
+            <a:r>
+              <a:rPr lang="en-US" sz="6000" b="1" dirty="0"/>
+              <a:t>Toronto Crime Analysis:</a:t>
+            </a:r>
+          </a:p>
+          <a:p>
+            <a:pPr algn="ctr">
+              <a:spcAft>
+                <a:spcPts val="600"/>
+              </a:spcAft>
+            </a:pPr>
+            <a:r>
+              <a:rPr lang="en-US" sz="6000" b="1" dirty="0"/>
+              <a:t>CSI Toronto</a:t>
+            </a:r>
+          </a:p>
+        </p:txBody>
+      </p:sp>
+      <p:sp>
+        <p:nvSpPr>
+          <p:cNvPr id="20" name="Freeform: Shape 11">
+            <a:extLst>
+              <a:ext uri="{FF2B5EF4-FFF2-40B4-BE49-F238E27FC236}">
+                <a16:creationId xmlns:a16="http://schemas.microsoft.com/office/drawing/2014/main" id="{1DB7C82F-AB7E-4F0C-B829-FA1B9C415180}"/>
               </a:ext>
               <a:ext uri="{C183D7F6-B498-43B3-948B-1728B52AA6E4}">
                 <adec:decorative xmlns:adec="http://schemas.microsoft.com/office/drawing/2017/decorative" val="1"/>
@@ -13408,379 +13316,88 @@
           </p:nvPr>
         </p:nvSpPr>
         <p:spPr>
-          <a:xfrm>
+          <a:xfrm flipH="1">
             <a:off x="0" y="0"/>
-            <a:ext cx="12192000" cy="6858000"/>
+            <a:ext cx="6172782" cy="6858000"/>
           </a:xfrm>
-          <a:prstGeom prst="rect">
+          <a:custGeom>
             <a:avLst/>
-          </a:prstGeom>
-          <a:ln>
-            <a:noFill/>
-          </a:ln>
-        </p:spPr>
-        <p:style>
-          <a:lnRef idx="2">
-            <a:schemeClr val="accent1">
-              <a:shade val="50000"/>
-            </a:schemeClr>
-          </a:lnRef>
-          <a:fillRef idx="1">
-            <a:schemeClr val="accent1"/>
-          </a:fillRef>
-          <a:effectRef idx="0">
-            <a:schemeClr val="accent1"/>
-          </a:effectRef>
-          <a:fontRef idx="minor">
-            <a:schemeClr val="lt1"/>
-          </a:fontRef>
-        </p:style>
-        <p:txBody>
-          <a:bodyPr rtlCol="0" anchor="ctr"/>
-          <a:lstStyle/>
-          <a:p>
-            <a:pPr algn="ctr"/>
-            <a:endParaRPr lang="en-US"/>
-          </a:p>
-        </p:txBody>
-      </p:sp>
-      <p:pic>
-        <p:nvPicPr>
-          <p:cNvPr id="14" name="Picture 4" descr="A traffic light on a city street&#10;&#10;Description automatically generated">
-            <a:extLst>
-              <a:ext uri="{FF2B5EF4-FFF2-40B4-BE49-F238E27FC236}">
-                <a16:creationId xmlns:a16="http://schemas.microsoft.com/office/drawing/2014/main" id="{2CE7E987-BEA6-49B7-B36E-AC8DF0B44896}"/>
-              </a:ext>
-            </a:extLst>
-          </p:cNvPr>
-          <p:cNvPicPr>
-            <a:picLocks noChangeAspect="1"/>
-          </p:cNvPicPr>
-          <p:nvPr/>
-        </p:nvPicPr>
-        <p:blipFill rotWithShape="1">
-          <a:blip r:embed="rId2"/>
-          <a:srcRect l="4649" t="6484" r="16449" b="-1"/>
-          <a:stretch/>
-        </p:blipFill>
-        <p:spPr>
-          <a:xfrm>
-            <a:off x="3523488" y="10"/>
-            <a:ext cx="8668512" cy="6857990"/>
-          </a:xfrm>
-          <a:prstGeom prst="rect">
-            <a:avLst/>
-          </a:prstGeom>
-        </p:spPr>
-      </p:pic>
-      <p:sp>
-        <p:nvSpPr>
-          <p:cNvPr id="25" name="Rectangle 21">
-            <a:extLst>
-              <a:ext uri="{FF2B5EF4-FFF2-40B4-BE49-F238E27FC236}">
-                <a16:creationId xmlns:a16="http://schemas.microsoft.com/office/drawing/2014/main" id="{AB58EF07-17C2-48CF-ABB0-EEF1F17CB8F0}"/>
-              </a:ext>
-              <a:ext uri="{C183D7F6-B498-43B3-948B-1728B52AA6E4}">
-                <adec:decorative xmlns:adec="http://schemas.microsoft.com/office/drawing/2017/decorative" val="1"/>
-              </a:ext>
-            </a:extLst>
-          </p:cNvPr>
-          <p:cNvSpPr>
-            <a:spLocks noGrp="1" noRot="1" noChangeAspect="1" noMove="1" noResize="1" noEditPoints="1" noAdjustHandles="1" noChangeArrowheads="1" noChangeShapeType="1" noTextEdit="1"/>
-          </p:cNvSpPr>
-          <p:nvPr>
-            <p:extLst>
-              <p:ext uri="{386F3935-93C4-4BCD-93E2-E3B085C9AB24}">
-                <p16:designElem xmlns:p16="http://schemas.microsoft.com/office/powerpoint/2015/main" val="1"/>
-              </p:ext>
-            </p:extLst>
-          </p:nvPr>
-        </p:nvSpPr>
-        <p:spPr>
-          <a:xfrm>
-            <a:off x="3" y="0"/>
-            <a:ext cx="9339206" cy="6858000"/>
-          </a:xfrm>
-          <a:prstGeom prst="rect">
-            <a:avLst/>
-          </a:prstGeom>
-          <a:gradFill>
-            <a:gsLst>
-              <a:gs pos="58000">
-                <a:schemeClr val="bg1"/>
-              </a:gs>
-              <a:gs pos="33000">
-                <a:schemeClr val="bg1">
-                  <a:alpha val="64000"/>
-                </a:schemeClr>
-              </a:gs>
-              <a:gs pos="0">
-                <a:schemeClr val="bg1">
-                  <a:alpha val="0"/>
-                </a:schemeClr>
-              </a:gs>
-              <a:gs pos="100000">
-                <a:schemeClr val="bg1"/>
-              </a:gs>
-            </a:gsLst>
-            <a:lin ang="10800000" scaled="0"/>
-          </a:gradFill>
-          <a:ln>
-            <a:noFill/>
-          </a:ln>
-        </p:spPr>
-        <p:style>
-          <a:lnRef idx="2">
-            <a:schemeClr val="accent1">
-              <a:shade val="50000"/>
-            </a:schemeClr>
-          </a:lnRef>
-          <a:fillRef idx="1">
-            <a:schemeClr val="accent1"/>
-          </a:fillRef>
-          <a:effectRef idx="0">
-            <a:schemeClr val="accent1"/>
-          </a:effectRef>
-          <a:fontRef idx="minor">
-            <a:schemeClr val="lt1"/>
-          </a:fontRef>
-        </p:style>
-        <p:txBody>
-          <a:bodyPr rtlCol="0" anchor="ctr"/>
-          <a:lstStyle/>
-          <a:p>
-            <a:pPr algn="ctr"/>
-            <a:endParaRPr lang="en-US" dirty="0"/>
-          </a:p>
-        </p:txBody>
-      </p:sp>
-      <p:sp>
-        <p:nvSpPr>
-          <p:cNvPr id="2" name="Title 1">
-            <a:extLst>
-              <a:ext uri="{FF2B5EF4-FFF2-40B4-BE49-F238E27FC236}">
-                <a16:creationId xmlns:a16="http://schemas.microsoft.com/office/drawing/2014/main" id="{DD9F71DD-1D8D-451E-AC0B-2F97BDBF4A88}"/>
-              </a:ext>
-            </a:extLst>
-          </p:cNvPr>
-          <p:cNvSpPr>
-            <a:spLocks noGrp="1"/>
-          </p:cNvSpPr>
-          <p:nvPr>
-            <p:ph type="ctrTitle"/>
-          </p:nvPr>
-        </p:nvSpPr>
-        <p:spPr>
-          <a:xfrm>
-            <a:off x="477981" y="1122363"/>
-            <a:ext cx="4023360" cy="3204134"/>
-          </a:xfrm>
-        </p:spPr>
-        <p:txBody>
-          <a:bodyPr anchor="b">
-            <a:normAutofit/>
-          </a:bodyPr>
-          <a:lstStyle/>
-          <a:p>
-            <a:pPr algn="l"/>
-            <a:r>
-              <a:rPr lang="en-US" sz="4800"/>
-              <a:t>Toronto Crime Analysis – CSI Toronto</a:t>
-            </a:r>
-            <a:endParaRPr lang="en-CA" sz="4800" dirty="0"/>
-          </a:p>
-        </p:txBody>
-      </p:sp>
-      <p:sp>
-        <p:nvSpPr>
-          <p:cNvPr id="3" name="Subtitle 2">
-            <a:extLst>
-              <a:ext uri="{FF2B5EF4-FFF2-40B4-BE49-F238E27FC236}">
-                <a16:creationId xmlns:a16="http://schemas.microsoft.com/office/drawing/2014/main" id="{AC974EB9-A4AC-4AF8-86D3-74C7FF0DF53E}"/>
-              </a:ext>
-            </a:extLst>
-          </p:cNvPr>
-          <p:cNvSpPr>
-            <a:spLocks noGrp="1"/>
-          </p:cNvSpPr>
-          <p:nvPr>
-            <p:ph type="subTitle" idx="1"/>
-          </p:nvPr>
-        </p:nvSpPr>
-        <p:spPr>
-          <a:xfrm>
-            <a:off x="477980" y="4872922"/>
-            <a:ext cx="4023359" cy="1208141"/>
-          </a:xfrm>
-        </p:spPr>
-        <p:txBody>
-          <a:bodyPr>
-            <a:noAutofit/>
-          </a:bodyPr>
-          <a:lstStyle/>
-          <a:p>
-            <a:pPr>
-              <a:spcAft>
-                <a:spcPts val="0"/>
-              </a:spcAft>
-            </a:pPr>
-            <a:r>
-              <a:rPr lang="en-US" sz="2000" dirty="0" err="1">
-                <a:effectLst/>
-                <a:latin typeface="Calibri" panose="020F0502020204030204" pitchFamily="34" charset="0"/>
-                <a:ea typeface="Calibri" panose="020F0502020204030204" pitchFamily="34" charset="0"/>
-                <a:cs typeface="Arial" panose="020B0604020202020204" pitchFamily="34" charset="0"/>
-              </a:rPr>
-              <a:t>Jaehong</a:t>
-            </a:r>
-            <a:r>
-              <a:rPr lang="en-US" sz="2000" dirty="0">
-                <a:effectLst/>
-                <a:latin typeface="Calibri" panose="020F0502020204030204" pitchFamily="34" charset="0"/>
-                <a:ea typeface="Calibri" panose="020F0502020204030204" pitchFamily="34" charset="0"/>
-                <a:cs typeface="Arial" panose="020B0604020202020204" pitchFamily="34" charset="0"/>
-              </a:rPr>
-              <a:t> Kwon</a:t>
-            </a:r>
-            <a:endParaRPr lang="en-CA" sz="2000" dirty="0">
-              <a:effectLst/>
-              <a:latin typeface="Calibri" panose="020F0502020204030204" pitchFamily="34" charset="0"/>
-              <a:ea typeface="Calibri" panose="020F0502020204030204" pitchFamily="34" charset="0"/>
-              <a:cs typeface="Arial" panose="020B0604020202020204" pitchFamily="34" charset="0"/>
-            </a:endParaRPr>
-          </a:p>
-          <a:p>
-            <a:pPr>
-              <a:spcAft>
-                <a:spcPts val="0"/>
-              </a:spcAft>
-            </a:pPr>
-            <a:r>
-              <a:rPr lang="en-US" sz="2000" dirty="0" err="1">
-                <a:effectLst/>
-                <a:latin typeface="Calibri" panose="020F0502020204030204" pitchFamily="34" charset="0"/>
-                <a:ea typeface="Calibri" panose="020F0502020204030204" pitchFamily="34" charset="0"/>
-                <a:cs typeface="Arial" panose="020B0604020202020204" pitchFamily="34" charset="0"/>
-              </a:rPr>
-              <a:t>XiongFei</a:t>
-            </a:r>
-            <a:r>
-              <a:rPr lang="en-US" sz="2000" dirty="0">
-                <a:effectLst/>
-                <a:latin typeface="Calibri" panose="020F0502020204030204" pitchFamily="34" charset="0"/>
-                <a:ea typeface="Calibri" panose="020F0502020204030204" pitchFamily="34" charset="0"/>
-                <a:cs typeface="Arial" panose="020B0604020202020204" pitchFamily="34" charset="0"/>
-              </a:rPr>
-              <a:t> (Frank) Shi</a:t>
-            </a:r>
-            <a:endParaRPr lang="en-CA" sz="2000" dirty="0">
-              <a:effectLst/>
-              <a:latin typeface="Calibri" panose="020F0502020204030204" pitchFamily="34" charset="0"/>
-              <a:ea typeface="Calibri" panose="020F0502020204030204" pitchFamily="34" charset="0"/>
-              <a:cs typeface="Arial" panose="020B0604020202020204" pitchFamily="34" charset="0"/>
-            </a:endParaRPr>
-          </a:p>
-          <a:p>
-            <a:pPr>
-              <a:spcAft>
-                <a:spcPts val="0"/>
-              </a:spcAft>
-            </a:pPr>
-            <a:r>
-              <a:rPr lang="en-US" sz="2000" dirty="0">
-                <a:effectLst/>
-                <a:latin typeface="Calibri" panose="020F0502020204030204" pitchFamily="34" charset="0"/>
-                <a:ea typeface="Calibri" panose="020F0502020204030204" pitchFamily="34" charset="0"/>
-                <a:cs typeface="Arial" panose="020B0604020202020204" pitchFamily="34" charset="0"/>
-              </a:rPr>
-              <a:t>Feng Wang</a:t>
-            </a:r>
-            <a:endParaRPr lang="en-CA" sz="2000" dirty="0">
-              <a:effectLst/>
-              <a:latin typeface="Calibri" panose="020F0502020204030204" pitchFamily="34" charset="0"/>
-              <a:ea typeface="Calibri" panose="020F0502020204030204" pitchFamily="34" charset="0"/>
-              <a:cs typeface="Arial" panose="020B0604020202020204" pitchFamily="34" charset="0"/>
-            </a:endParaRPr>
-          </a:p>
-          <a:p>
-            <a:pPr>
-              <a:spcAft>
-                <a:spcPts val="0"/>
-              </a:spcAft>
-            </a:pPr>
-            <a:r>
-              <a:rPr lang="en-US" sz="2000" dirty="0">
-                <a:effectLst/>
-                <a:latin typeface="Calibri" panose="020F0502020204030204" pitchFamily="34" charset="0"/>
-                <a:ea typeface="Calibri" panose="020F0502020204030204" pitchFamily="34" charset="0"/>
-                <a:cs typeface="Arial" panose="020B0604020202020204" pitchFamily="34" charset="0"/>
-              </a:rPr>
-              <a:t>Olive Sun</a:t>
-            </a:r>
-            <a:endParaRPr lang="en-CA" sz="2000" dirty="0">
-              <a:effectLst/>
-              <a:latin typeface="Calibri" panose="020F0502020204030204" pitchFamily="34" charset="0"/>
-              <a:ea typeface="Calibri" panose="020F0502020204030204" pitchFamily="34" charset="0"/>
-              <a:cs typeface="Arial" panose="020B0604020202020204" pitchFamily="34" charset="0"/>
-            </a:endParaRPr>
-          </a:p>
-          <a:p>
-            <a:pPr>
-              <a:spcAft>
-                <a:spcPts val="0"/>
-              </a:spcAft>
-            </a:pPr>
-            <a:r>
-              <a:rPr lang="en-US" sz="2000" dirty="0">
-                <a:effectLst/>
-                <a:latin typeface="Calibri" panose="020F0502020204030204" pitchFamily="34" charset="0"/>
-                <a:ea typeface="Calibri" panose="020F0502020204030204" pitchFamily="34" charset="0"/>
-                <a:cs typeface="Arial" panose="020B0604020202020204" pitchFamily="34" charset="0"/>
-              </a:rPr>
-              <a:t>Neha Nayeem</a:t>
-            </a:r>
-            <a:endParaRPr lang="en-CA" sz="4000" dirty="0">
-              <a:effectLst/>
-              <a:latin typeface="Calibri" panose="020F0502020204030204" pitchFamily="34" charset="0"/>
-              <a:ea typeface="Calibri" panose="020F0502020204030204" pitchFamily="34" charset="0"/>
-              <a:cs typeface="Arial" panose="020B0604020202020204" pitchFamily="34" charset="0"/>
-            </a:endParaRPr>
-          </a:p>
-        </p:txBody>
-      </p:sp>
-      <p:sp>
-        <p:nvSpPr>
-          <p:cNvPr id="24" name="Rectangle 23">
-            <a:extLst>
-              <a:ext uri="{FF2B5EF4-FFF2-40B4-BE49-F238E27FC236}">
-                <a16:creationId xmlns:a16="http://schemas.microsoft.com/office/drawing/2014/main" id="{AF2F604E-43BE-4DC3-B983-E071523364F8}"/>
-              </a:ext>
-              <a:ext uri="{C183D7F6-B498-43B3-948B-1728B52AA6E4}">
-                <adec:decorative xmlns:adec="http://schemas.microsoft.com/office/drawing/2017/decorative" val="1"/>
-              </a:ext>
-            </a:extLst>
-          </p:cNvPr>
-          <p:cNvSpPr>
-            <a:spLocks noGrp="1" noRot="1" noChangeAspect="1" noMove="1" noResize="1" noEditPoints="1" noAdjustHandles="1" noChangeArrowheads="1" noChangeShapeType="1" noTextEdit="1"/>
-          </p:cNvSpPr>
-          <p:nvPr>
-            <p:extLst>
-              <p:ext uri="{386F3935-93C4-4BCD-93E2-E3B085C9AB24}">
-                <p16:designElem xmlns:p16="http://schemas.microsoft.com/office/powerpoint/2015/main" val="1"/>
-              </p:ext>
-            </p:extLst>
-          </p:nvPr>
-        </p:nvSpPr>
-        <p:spPr>
-          <a:xfrm rot="5400000">
-            <a:off x="759921" y="346791"/>
-            <a:ext cx="146304" cy="704088"/>
-          </a:xfrm>
-          <a:prstGeom prst="rect">
-            <a:avLst/>
-          </a:prstGeom>
+            <a:gdLst>
+              <a:gd name="connsiteX0" fmla="*/ 6172782 w 6172782"/>
+              <a:gd name="connsiteY0" fmla="*/ 0 h 6858000"/>
+              <a:gd name="connsiteX1" fmla="*/ 69075 w 6172782"/>
+              <a:gd name="connsiteY1" fmla="*/ 0 h 6858000"/>
+              <a:gd name="connsiteX2" fmla="*/ 35131 w 6172782"/>
+              <a:gd name="connsiteY2" fmla="*/ 267128 h 6858000"/>
+              <a:gd name="connsiteX3" fmla="*/ 0 w 6172782"/>
+              <a:gd name="connsiteY3" fmla="*/ 962845 h 6858000"/>
+              <a:gd name="connsiteX4" fmla="*/ 3276103 w 6172782"/>
+              <a:gd name="connsiteY4" fmla="*/ 6782205 h 6858000"/>
+              <a:gd name="connsiteX5" fmla="*/ 3407923 w 6172782"/>
+              <a:gd name="connsiteY5" fmla="*/ 6858000 h 6858000"/>
+              <a:gd name="connsiteX6" fmla="*/ 6172782 w 6172782"/>
+              <a:gd name="connsiteY6" fmla="*/ 6858000 h 6858000"/>
+            </a:gdLst>
+            <a:ahLst/>
+            <a:cxnLst>
+              <a:cxn ang="0">
+                <a:pos x="connsiteX0" y="connsiteY0"/>
+              </a:cxn>
+              <a:cxn ang="0">
+                <a:pos x="connsiteX1" y="connsiteY1"/>
+              </a:cxn>
+              <a:cxn ang="0">
+                <a:pos x="connsiteX2" y="connsiteY2"/>
+              </a:cxn>
+              <a:cxn ang="0">
+                <a:pos x="connsiteX3" y="connsiteY3"/>
+              </a:cxn>
+              <a:cxn ang="0">
+                <a:pos x="connsiteX4" y="connsiteY4"/>
+              </a:cxn>
+              <a:cxn ang="0">
+                <a:pos x="connsiteX5" y="connsiteY5"/>
+              </a:cxn>
+              <a:cxn ang="0">
+                <a:pos x="connsiteX6" y="connsiteY6"/>
+              </a:cxn>
+            </a:cxnLst>
+            <a:rect l="l" t="t" r="r" b="b"/>
+            <a:pathLst>
+              <a:path w="6172782" h="6858000">
+                <a:moveTo>
+                  <a:pt x="6172782" y="0"/>
+                </a:moveTo>
+                <a:lnTo>
+                  <a:pt x="69075" y="0"/>
+                </a:lnTo>
+                <a:lnTo>
+                  <a:pt x="35131" y="267128"/>
+                </a:lnTo>
+                <a:cubicBezTo>
+                  <a:pt x="11901" y="495874"/>
+                  <a:pt x="0" y="727970"/>
+                  <a:pt x="0" y="962845"/>
+                </a:cubicBezTo>
+                <a:cubicBezTo>
+                  <a:pt x="0" y="3429034"/>
+                  <a:pt x="1312002" y="5588789"/>
+                  <a:pt x="3276103" y="6782205"/>
+                </a:cubicBezTo>
+                <a:lnTo>
+                  <a:pt x="3407923" y="6858000"/>
+                </a:lnTo>
+                <a:lnTo>
+                  <a:pt x="6172782" y="6858000"/>
+                </a:lnTo>
+                <a:close/>
+              </a:path>
+            </a:pathLst>
+          </a:custGeom>
           <a:solidFill>
-            <a:schemeClr val="accent2"/>
+            <a:srgbClr val="FFFFFF">
+              <a:alpha val="80000"/>
+            </a:srgbClr>
           </a:solidFill>
           <a:ln>
             <a:noFill/>
@@ -13803,76 +13420,9 @@
           </a:fontRef>
         </p:style>
         <p:txBody>
-          <a:bodyPr rtlCol="0" anchor="ctr"/>
-          <a:lstStyle/>
-          <a:p>
-            <a:pPr algn="ctr"/>
-            <a:endParaRPr lang="en-US">
-              <a:solidFill>
-                <a:prstClr val="white"/>
-              </a:solidFill>
-              <a:latin typeface="Calibri" panose="020F0502020204030204"/>
-            </a:endParaRPr>
-          </a:p>
-        </p:txBody>
-      </p:sp>
-      <p:sp>
-        <p:nvSpPr>
-          <p:cNvPr id="26" name="Rectangle 25">
-            <a:extLst>
-              <a:ext uri="{FF2B5EF4-FFF2-40B4-BE49-F238E27FC236}">
-                <a16:creationId xmlns:a16="http://schemas.microsoft.com/office/drawing/2014/main" id="{08C9B587-E65E-4B52-B37C-ABEBB6E87928}"/>
-              </a:ext>
-              <a:ext uri="{C183D7F6-B498-43B3-948B-1728B52AA6E4}">
-                <adec:decorative xmlns:adec="http://schemas.microsoft.com/office/drawing/2017/decorative" val="1"/>
-              </a:ext>
-            </a:extLst>
-          </p:cNvPr>
-          <p:cNvSpPr>
-            <a:spLocks noGrp="1" noRot="1" noChangeAspect="1" noMove="1" noResize="1" noEditPoints="1" noAdjustHandles="1" noChangeArrowheads="1" noChangeShapeType="1" noTextEdit="1"/>
-          </p:cNvSpPr>
-          <p:nvPr>
-            <p:extLst>
-              <p:ext uri="{386F3935-93C4-4BCD-93E2-E3B085C9AB24}">
-                <p16:designElem xmlns:p16="http://schemas.microsoft.com/office/powerpoint/2015/main" val="1"/>
-              </p:ext>
-            </p:extLst>
-          </p:nvPr>
-        </p:nvSpPr>
-        <p:spPr>
-          <a:xfrm>
-            <a:off x="481029" y="4546920"/>
-            <a:ext cx="3977640" cy="18288"/>
-          </a:xfrm>
-          <a:prstGeom prst="rect">
-            <a:avLst/>
-          </a:prstGeom>
-          <a:solidFill>
-            <a:schemeClr val="tx1"/>
-          </a:solidFill>
-          <a:ln w="3175">
-            <a:noFill/>
-          </a:ln>
-          <a:effectLst/>
-        </p:spPr>
-        <p:style>
-          <a:lnRef idx="2">
-            <a:schemeClr val="accent1">
-              <a:shade val="50000"/>
-            </a:schemeClr>
-          </a:lnRef>
-          <a:fillRef idx="1">
-            <a:schemeClr val="accent1"/>
-          </a:fillRef>
-          <a:effectRef idx="0">
-            <a:schemeClr val="accent1"/>
-          </a:effectRef>
-          <a:fontRef idx="minor">
-            <a:schemeClr val="lt1"/>
-          </a:fontRef>
-        </p:style>
-        <p:txBody>
-          <a:bodyPr rtlCol="0" anchor="ctr"/>
+          <a:bodyPr wrap="square" rtlCol="0" anchor="ctr">
+            <a:noAutofit/>
+          </a:bodyPr>
           <a:lstStyle/>
           <a:p>
             <a:pPr marL="0" marR="0" lvl="0" indent="0" algn="ctr" defTabSz="914400" rtl="0" eaLnBrk="1" fontAlgn="auto" latinLnBrk="0" hangingPunct="1">
@@ -13909,10 +13459,363 @@
           </a:p>
         </p:txBody>
       </p:sp>
+      <p:pic>
+        <p:nvPicPr>
+          <p:cNvPr id="7" name="Picture 6" descr="A large tower in a city&#10;&#10;Description automatically generated">
+            <a:extLst>
+              <a:ext uri="{FF2B5EF4-FFF2-40B4-BE49-F238E27FC236}">
+                <a16:creationId xmlns:a16="http://schemas.microsoft.com/office/drawing/2014/main" id="{7CF34F90-4D97-4803-A95B-4C319480F397}"/>
+              </a:ext>
+            </a:extLst>
+          </p:cNvPr>
+          <p:cNvPicPr>
+            <a:picLocks noChangeAspect="1"/>
+          </p:cNvPicPr>
+          <p:nvPr/>
+        </p:nvPicPr>
+        <p:blipFill rotWithShape="1">
+          <a:blip r:embed="rId3">
+            <a:extLst>
+              <a:ext uri="{28A0092B-C50C-407E-A947-70E740481C1C}">
+                <a14:useLocalDpi xmlns:a14="http://schemas.microsoft.com/office/drawing/2010/main" val="0"/>
+              </a:ext>
+            </a:extLst>
+          </a:blip>
+          <a:srcRect t="8927" r="-2" b="-2"/>
+          <a:stretch/>
+        </p:blipFill>
+        <p:spPr>
+          <a:xfrm>
+            <a:off x="20" y="10"/>
+            <a:ext cx="6024134" cy="6857990"/>
+          </a:xfrm>
+          <a:custGeom>
+            <a:avLst/>
+            <a:gdLst/>
+            <a:ahLst/>
+            <a:cxnLst/>
+            <a:rect l="l" t="t" r="r" b="b"/>
+            <a:pathLst>
+              <a:path w="6024154" h="6858000">
+                <a:moveTo>
+                  <a:pt x="0" y="0"/>
+                </a:moveTo>
+                <a:lnTo>
+                  <a:pt x="5953780" y="0"/>
+                </a:lnTo>
+                <a:lnTo>
+                  <a:pt x="5989880" y="284091"/>
+                </a:lnTo>
+                <a:cubicBezTo>
+                  <a:pt x="6012544" y="507260"/>
+                  <a:pt x="6024154" y="733696"/>
+                  <a:pt x="6024154" y="962844"/>
+                </a:cubicBezTo>
+                <a:cubicBezTo>
+                  <a:pt x="6024154" y="3483472"/>
+                  <a:pt x="4619336" y="5675986"/>
+                  <a:pt x="2549934" y="6800152"/>
+                </a:cubicBezTo>
+                <a:lnTo>
+                  <a:pt x="2436987" y="6858000"/>
+                </a:lnTo>
+                <a:lnTo>
+                  <a:pt x="0" y="6858000"/>
+                </a:lnTo>
+                <a:close/>
+              </a:path>
+            </a:pathLst>
+          </a:custGeom>
+        </p:spPr>
+      </p:pic>
+      <p:sp>
+        <p:nvSpPr>
+          <p:cNvPr id="5" name="Subtitle 2">
+            <a:extLst>
+              <a:ext uri="{FF2B5EF4-FFF2-40B4-BE49-F238E27FC236}">
+                <a16:creationId xmlns:a16="http://schemas.microsoft.com/office/drawing/2014/main" id="{5756C096-BCFF-4FBB-B0A7-16341EE784EC}"/>
+              </a:ext>
+            </a:extLst>
+          </p:cNvPr>
+          <p:cNvSpPr txBox="1">
+            <a:spLocks/>
+          </p:cNvSpPr>
+          <p:nvPr/>
+        </p:nvSpPr>
+        <p:spPr>
+          <a:xfrm>
+            <a:off x="6825650" y="4127854"/>
+            <a:ext cx="4023359" cy="1208141"/>
+          </a:xfrm>
+          <a:prstGeom prst="rect">
+            <a:avLst/>
+          </a:prstGeom>
+        </p:spPr>
+        <p:txBody>
+          <a:bodyPr vert="horz" lIns="91440" tIns="45720" rIns="91440" bIns="45720" rtlCol="0">
+            <a:noAutofit/>
+          </a:bodyPr>
+          <a:lstStyle>
+            <a:lvl1pPr marL="228600" indent="-228600" algn="l" defTabSz="914400" rtl="0" eaLnBrk="1" latinLnBrk="0" hangingPunct="1">
+              <a:lnSpc>
+                <a:spcPct val="90000"/>
+              </a:lnSpc>
+              <a:spcBef>
+                <a:spcPts val="1000"/>
+              </a:spcBef>
+              <a:buFont typeface="Arial" panose="020B0604020202020204" pitchFamily="34" charset="0"/>
+              <a:buChar char="•"/>
+              <a:defRPr sz="2800" kern="1200">
+                <a:solidFill>
+                  <a:schemeClr val="tx1"/>
+                </a:solidFill>
+                <a:latin typeface="+mn-lt"/>
+                <a:ea typeface="+mn-ea"/>
+                <a:cs typeface="+mn-cs"/>
+              </a:defRPr>
+            </a:lvl1pPr>
+            <a:lvl2pPr marL="685800" indent="-228600" algn="l" defTabSz="914400" rtl="0" eaLnBrk="1" latinLnBrk="0" hangingPunct="1">
+              <a:lnSpc>
+                <a:spcPct val="90000"/>
+              </a:lnSpc>
+              <a:spcBef>
+                <a:spcPts val="500"/>
+              </a:spcBef>
+              <a:buFont typeface="Arial" panose="020B0604020202020204" pitchFamily="34" charset="0"/>
+              <a:buChar char="•"/>
+              <a:defRPr sz="2400" kern="1200">
+                <a:solidFill>
+                  <a:schemeClr val="tx1"/>
+                </a:solidFill>
+                <a:latin typeface="+mn-lt"/>
+                <a:ea typeface="+mn-ea"/>
+                <a:cs typeface="+mn-cs"/>
+              </a:defRPr>
+            </a:lvl2pPr>
+            <a:lvl3pPr marL="1143000" indent="-228600" algn="l" defTabSz="914400" rtl="0" eaLnBrk="1" latinLnBrk="0" hangingPunct="1">
+              <a:lnSpc>
+                <a:spcPct val="90000"/>
+              </a:lnSpc>
+              <a:spcBef>
+                <a:spcPts val="500"/>
+              </a:spcBef>
+              <a:buFont typeface="Arial" panose="020B0604020202020204" pitchFamily="34" charset="0"/>
+              <a:buChar char="•"/>
+              <a:defRPr sz="2000" kern="1200">
+                <a:solidFill>
+                  <a:schemeClr val="tx1"/>
+                </a:solidFill>
+                <a:latin typeface="+mn-lt"/>
+                <a:ea typeface="+mn-ea"/>
+                <a:cs typeface="+mn-cs"/>
+              </a:defRPr>
+            </a:lvl3pPr>
+            <a:lvl4pPr marL="1600200" indent="-228600" algn="l" defTabSz="914400" rtl="0" eaLnBrk="1" latinLnBrk="0" hangingPunct="1">
+              <a:lnSpc>
+                <a:spcPct val="90000"/>
+              </a:lnSpc>
+              <a:spcBef>
+                <a:spcPts val="500"/>
+              </a:spcBef>
+              <a:buFont typeface="Arial" panose="020B0604020202020204" pitchFamily="34" charset="0"/>
+              <a:buChar char="•"/>
+              <a:defRPr sz="1800" kern="1200">
+                <a:solidFill>
+                  <a:schemeClr val="tx1"/>
+                </a:solidFill>
+                <a:latin typeface="+mn-lt"/>
+                <a:ea typeface="+mn-ea"/>
+                <a:cs typeface="+mn-cs"/>
+              </a:defRPr>
+            </a:lvl4pPr>
+            <a:lvl5pPr marL="2057400" indent="-228600" algn="l" defTabSz="914400" rtl="0" eaLnBrk="1" latinLnBrk="0" hangingPunct="1">
+              <a:lnSpc>
+                <a:spcPct val="90000"/>
+              </a:lnSpc>
+              <a:spcBef>
+                <a:spcPts val="500"/>
+              </a:spcBef>
+              <a:buFont typeface="Arial" panose="020B0604020202020204" pitchFamily="34" charset="0"/>
+              <a:buChar char="•"/>
+              <a:defRPr sz="1800" kern="1200">
+                <a:solidFill>
+                  <a:schemeClr val="tx1"/>
+                </a:solidFill>
+                <a:latin typeface="+mn-lt"/>
+                <a:ea typeface="+mn-ea"/>
+                <a:cs typeface="+mn-cs"/>
+              </a:defRPr>
+            </a:lvl5pPr>
+            <a:lvl6pPr marL="2514600" indent="-228600" algn="l" defTabSz="914400" rtl="0" eaLnBrk="1" latinLnBrk="0" hangingPunct="1">
+              <a:lnSpc>
+                <a:spcPct val="90000"/>
+              </a:lnSpc>
+              <a:spcBef>
+                <a:spcPts val="500"/>
+              </a:spcBef>
+              <a:buFont typeface="Arial" panose="020B0604020202020204" pitchFamily="34" charset="0"/>
+              <a:buChar char="•"/>
+              <a:defRPr sz="1800" kern="1200">
+                <a:solidFill>
+                  <a:schemeClr val="tx1"/>
+                </a:solidFill>
+                <a:latin typeface="+mn-lt"/>
+                <a:ea typeface="+mn-ea"/>
+                <a:cs typeface="+mn-cs"/>
+              </a:defRPr>
+            </a:lvl6pPr>
+            <a:lvl7pPr marL="2971800" indent="-228600" algn="l" defTabSz="914400" rtl="0" eaLnBrk="1" latinLnBrk="0" hangingPunct="1">
+              <a:lnSpc>
+                <a:spcPct val="90000"/>
+              </a:lnSpc>
+              <a:spcBef>
+                <a:spcPts val="500"/>
+              </a:spcBef>
+              <a:buFont typeface="Arial" panose="020B0604020202020204" pitchFamily="34" charset="0"/>
+              <a:buChar char="•"/>
+              <a:defRPr sz="1800" kern="1200">
+                <a:solidFill>
+                  <a:schemeClr val="tx1"/>
+                </a:solidFill>
+                <a:latin typeface="+mn-lt"/>
+                <a:ea typeface="+mn-ea"/>
+                <a:cs typeface="+mn-cs"/>
+              </a:defRPr>
+            </a:lvl7pPr>
+            <a:lvl8pPr marL="3429000" indent="-228600" algn="l" defTabSz="914400" rtl="0" eaLnBrk="1" latinLnBrk="0" hangingPunct="1">
+              <a:lnSpc>
+                <a:spcPct val="90000"/>
+              </a:lnSpc>
+              <a:spcBef>
+                <a:spcPts val="500"/>
+              </a:spcBef>
+              <a:buFont typeface="Arial" panose="020B0604020202020204" pitchFamily="34" charset="0"/>
+              <a:buChar char="•"/>
+              <a:defRPr sz="1800" kern="1200">
+                <a:solidFill>
+                  <a:schemeClr val="tx1"/>
+                </a:solidFill>
+                <a:latin typeface="+mn-lt"/>
+                <a:ea typeface="+mn-ea"/>
+                <a:cs typeface="+mn-cs"/>
+              </a:defRPr>
+            </a:lvl8pPr>
+            <a:lvl9pPr marL="3886200" indent="-228600" algn="l" defTabSz="914400" rtl="0" eaLnBrk="1" latinLnBrk="0" hangingPunct="1">
+              <a:lnSpc>
+                <a:spcPct val="90000"/>
+              </a:lnSpc>
+              <a:spcBef>
+                <a:spcPts val="500"/>
+              </a:spcBef>
+              <a:buFont typeface="Arial" panose="020B0604020202020204" pitchFamily="34" charset="0"/>
+              <a:buChar char="•"/>
+              <a:defRPr sz="1800" kern="1200">
+                <a:solidFill>
+                  <a:schemeClr val="tx1"/>
+                </a:solidFill>
+                <a:latin typeface="+mn-lt"/>
+                <a:ea typeface="+mn-ea"/>
+                <a:cs typeface="+mn-cs"/>
+              </a:defRPr>
+            </a:lvl9pPr>
+          </a:lstStyle>
+          <a:p>
+            <a:r>
+              <a:rPr lang="en-US" sz="2000" dirty="0" err="1">
+                <a:latin typeface="Calibri" panose="020F0502020204030204" pitchFamily="34" charset="0"/>
+                <a:ea typeface="Calibri" panose="020F0502020204030204" pitchFamily="34" charset="0"/>
+                <a:cs typeface="Arial" panose="020B0604020202020204" pitchFamily="34" charset="0"/>
+              </a:rPr>
+              <a:t>Jaehong</a:t>
+            </a:r>
+            <a:r>
+              <a:rPr lang="en-US" sz="2000" dirty="0">
+                <a:latin typeface="Calibri" panose="020F0502020204030204" pitchFamily="34" charset="0"/>
+                <a:ea typeface="Calibri" panose="020F0502020204030204" pitchFamily="34" charset="0"/>
+                <a:cs typeface="Arial" panose="020B0604020202020204" pitchFamily="34" charset="0"/>
+              </a:rPr>
+              <a:t> Kwon</a:t>
+            </a:r>
+            <a:endParaRPr lang="en-CA" sz="2000" dirty="0">
+              <a:latin typeface="Calibri" panose="020F0502020204030204" pitchFamily="34" charset="0"/>
+              <a:ea typeface="Calibri" panose="020F0502020204030204" pitchFamily="34" charset="0"/>
+              <a:cs typeface="Arial" panose="020B0604020202020204" pitchFamily="34" charset="0"/>
+            </a:endParaRPr>
+          </a:p>
+          <a:p>
+            <a:r>
+              <a:rPr lang="en-US" sz="2000" dirty="0" err="1">
+                <a:latin typeface="Calibri" panose="020F0502020204030204" pitchFamily="34" charset="0"/>
+                <a:ea typeface="Calibri" panose="020F0502020204030204" pitchFamily="34" charset="0"/>
+                <a:cs typeface="Arial" panose="020B0604020202020204" pitchFamily="34" charset="0"/>
+              </a:rPr>
+              <a:t>XiongFei</a:t>
+            </a:r>
+            <a:r>
+              <a:rPr lang="en-US" sz="2000" dirty="0">
+                <a:latin typeface="Calibri" panose="020F0502020204030204" pitchFamily="34" charset="0"/>
+                <a:ea typeface="Calibri" panose="020F0502020204030204" pitchFamily="34" charset="0"/>
+                <a:cs typeface="Arial" panose="020B0604020202020204" pitchFamily="34" charset="0"/>
+              </a:rPr>
+              <a:t> (Frank) Shi</a:t>
+            </a:r>
+            <a:endParaRPr lang="en-CA" sz="2000" dirty="0">
+              <a:latin typeface="Calibri" panose="020F0502020204030204" pitchFamily="34" charset="0"/>
+              <a:ea typeface="Calibri" panose="020F0502020204030204" pitchFamily="34" charset="0"/>
+              <a:cs typeface="Arial" panose="020B0604020202020204" pitchFamily="34" charset="0"/>
+            </a:endParaRPr>
+          </a:p>
+          <a:p>
+            <a:r>
+              <a:rPr lang="en-US" sz="2000" dirty="0">
+                <a:latin typeface="Calibri" panose="020F0502020204030204" pitchFamily="34" charset="0"/>
+                <a:ea typeface="Calibri" panose="020F0502020204030204" pitchFamily="34" charset="0"/>
+                <a:cs typeface="Arial" panose="020B0604020202020204" pitchFamily="34" charset="0"/>
+              </a:rPr>
+              <a:t>Feng Wang</a:t>
+            </a:r>
+            <a:endParaRPr lang="en-CA" sz="2000" dirty="0">
+              <a:latin typeface="Calibri" panose="020F0502020204030204" pitchFamily="34" charset="0"/>
+              <a:ea typeface="Calibri" panose="020F0502020204030204" pitchFamily="34" charset="0"/>
+              <a:cs typeface="Arial" panose="020B0604020202020204" pitchFamily="34" charset="0"/>
+            </a:endParaRPr>
+          </a:p>
+          <a:p>
+            <a:r>
+              <a:rPr lang="en-US" sz="2000" dirty="0">
+                <a:latin typeface="Calibri" panose="020F0502020204030204" pitchFamily="34" charset="0"/>
+                <a:ea typeface="Calibri" panose="020F0502020204030204" pitchFamily="34" charset="0"/>
+                <a:cs typeface="Arial" panose="020B0604020202020204" pitchFamily="34" charset="0"/>
+              </a:rPr>
+              <a:t>Olive Sun</a:t>
+            </a:r>
+            <a:endParaRPr lang="en-CA" sz="2000" dirty="0">
+              <a:latin typeface="Calibri" panose="020F0502020204030204" pitchFamily="34" charset="0"/>
+              <a:ea typeface="Calibri" panose="020F0502020204030204" pitchFamily="34" charset="0"/>
+              <a:cs typeface="Arial" panose="020B0604020202020204" pitchFamily="34" charset="0"/>
+            </a:endParaRPr>
+          </a:p>
+          <a:p>
+            <a:r>
+              <a:rPr lang="en-US" sz="2000" dirty="0">
+                <a:latin typeface="Calibri" panose="020F0502020204030204" pitchFamily="34" charset="0"/>
+                <a:ea typeface="Calibri" panose="020F0502020204030204" pitchFamily="34" charset="0"/>
+                <a:cs typeface="Arial" panose="020B0604020202020204" pitchFamily="34" charset="0"/>
+              </a:rPr>
+              <a:t>Neha Nayeem</a:t>
+            </a:r>
+            <a:endParaRPr lang="en-CA" sz="4000" dirty="0">
+              <a:latin typeface="Calibri" panose="020F0502020204030204" pitchFamily="34" charset="0"/>
+              <a:ea typeface="Calibri" panose="020F0502020204030204" pitchFamily="34" charset="0"/>
+              <a:cs typeface="Arial" panose="020B0604020202020204" pitchFamily="34" charset="0"/>
+            </a:endParaRPr>
+          </a:p>
+        </p:txBody>
+      </p:sp>
     </p:spTree>
     <p:extLst>
       <p:ext uri="{BB962C8B-B14F-4D97-AF65-F5344CB8AC3E}">
-        <p14:creationId xmlns:p14="http://schemas.microsoft.com/office/powerpoint/2010/main" val="3816658407"/>
+        <p14:creationId xmlns:p14="http://schemas.microsoft.com/office/powerpoint/2010/main" val="4264704421"/>
       </p:ext>
     </p:extLst>
   </p:cSld>
@@ -14028,8 +13931,8 @@
         </p:nvSpPr>
         <p:spPr>
           <a:xfrm>
-            <a:off x="7998244" y="640080"/>
-            <a:ext cx="4193755" cy="4018341"/>
+            <a:off x="7998244" y="1971040"/>
+            <a:ext cx="4193755" cy="2687381"/>
           </a:xfrm>
           <a:noFill/>
         </p:spPr>
@@ -14039,6 +13942,7 @@
           </a:bodyPr>
           <a:lstStyle/>
           <a:p>
+            <a:pPr algn="ctr"/>
             <a:r>
               <a:rPr lang="en-US" sz="6600" b="1" dirty="0">
                 <a:solidFill>
@@ -14054,14 +13958,11 @@
                 </a:solidFill>
               </a:rPr>
             </a:br>
-            <a:r>
-              <a:rPr lang="en-US" sz="3600" dirty="0">
-                <a:solidFill>
-                  <a:schemeClr val="bg1"/>
-                </a:solidFill>
-              </a:rPr>
-              <a:t>(aka Question 2B)</a:t>
-            </a:r>
+            <a:endParaRPr lang="en-US" sz="3600" dirty="0">
+              <a:solidFill>
+                <a:schemeClr val="bg1"/>
+              </a:solidFill>
+            </a:endParaRPr>
           </a:p>
         </p:txBody>
       </p:sp>
@@ -14221,14 +14122,11 @@
               </a:rPr>
               <a:t>Neighborhood Investigation </a:t>
             </a:r>
-            <a:r>
-              <a:rPr lang="en-US" sz="2200" dirty="0">
-                <a:solidFill>
-                  <a:srgbClr val="262626"/>
-                </a:solidFill>
-              </a:rPr>
-              <a:t>(aka Question 3A)</a:t>
-            </a:r>
+            <a:endParaRPr lang="en-US" sz="2200" dirty="0">
+              <a:solidFill>
+                <a:srgbClr val="262626"/>
+              </a:solidFill>
+            </a:endParaRPr>
           </a:p>
         </p:txBody>
       </p:sp>
@@ -14351,16 +14249,13 @@
                   <a:srgbClr val="262626"/>
                 </a:solidFill>
               </a:rPr>
-              <a:t>Neighborhood Investigation </a:t>
+              <a:t>Neighborhood Investigation</a:t>
             </a:r>
-            <a:r>
-              <a:rPr lang="en-US" sz="2200" dirty="0">
-                <a:solidFill>
-                  <a:srgbClr val="262626"/>
-                </a:solidFill>
-              </a:rPr>
-              <a:t>(aka Question 3B)</a:t>
-            </a:r>
+            <a:endParaRPr lang="en-US" sz="2200" dirty="0">
+              <a:solidFill>
+                <a:srgbClr val="262626"/>
+              </a:solidFill>
+            </a:endParaRPr>
           </a:p>
         </p:txBody>
       </p:sp>
@@ -14490,6 +14385,7 @@
           </a:bodyPr>
           <a:lstStyle/>
           <a:p>
+            <a:pPr algn="ctr"/>
             <a:r>
               <a:rPr lang="en-US" sz="6000" b="1" kern="1200" dirty="0">
                 <a:solidFill>
@@ -14499,19 +14395,16 @@
                 <a:ea typeface="+mj-ea"/>
                 <a:cs typeface="+mj-cs"/>
               </a:rPr>
-              <a:t>Neighborhood Investigation </a:t>
+              <a:t>Neighborhood Investigation</a:t>
             </a:r>
-            <a:r>
-              <a:rPr lang="en-US" sz="3300" kern="1200" dirty="0">
-                <a:solidFill>
-                  <a:schemeClr val="tx1"/>
-                </a:solidFill>
-                <a:latin typeface="+mj-lt"/>
-                <a:ea typeface="+mj-ea"/>
-                <a:cs typeface="+mj-cs"/>
-              </a:rPr>
-              <a:t>(aka Question 3C)</a:t>
-            </a:r>
+            <a:endParaRPr lang="en-US" sz="3300" kern="1200" dirty="0">
+              <a:solidFill>
+                <a:schemeClr val="tx1"/>
+              </a:solidFill>
+              <a:latin typeface="+mj-lt"/>
+              <a:ea typeface="+mj-ea"/>
+              <a:cs typeface="+mj-cs"/>
+            </a:endParaRPr>
           </a:p>
         </p:txBody>
       </p:sp>
@@ -15860,8 +15753,8 @@
         </p:blipFill>
         <p:spPr>
           <a:xfrm>
-            <a:off x="6412992" y="-1"/>
-            <a:ext cx="5779008" cy="3192419"/>
+            <a:off x="6233668" y="-99063"/>
+            <a:ext cx="5958331" cy="3291481"/>
           </a:xfrm>
           <a:prstGeom prst="rect">
             <a:avLst/>
@@ -15895,7 +15788,7 @@
         </p:blipFill>
         <p:spPr>
           <a:xfrm>
-            <a:off x="603503" y="3233985"/>
+            <a:off x="633984" y="3110540"/>
             <a:ext cx="5779008" cy="3624015"/>
           </a:xfrm>
           <a:prstGeom prst="rect">
@@ -15993,7 +15886,7 @@
         </p:blipFill>
         <p:spPr>
           <a:xfrm>
-            <a:off x="6412992" y="3233985"/>
+            <a:off x="6311392" y="3110541"/>
             <a:ext cx="5779008" cy="3624015"/>
           </a:xfrm>
           <a:prstGeom prst="rect">
@@ -16765,17 +16658,14 @@
                 <a:cs typeface="+mj-cs"/>
               </a:rPr>
             </a:br>
-            <a:r>
-              <a:rPr lang="en-US" sz="3400" kern="1200" dirty="0">
-                <a:solidFill>
-                  <a:srgbClr val="FEFFFF"/>
-                </a:solidFill>
-                <a:latin typeface="+mj-lt"/>
-                <a:ea typeface="+mj-ea"/>
-                <a:cs typeface="+mj-cs"/>
-              </a:rPr>
-              <a:t> (aka Question 4)</a:t>
-            </a:r>
+            <a:endParaRPr lang="en-US" sz="3400" kern="1200" dirty="0">
+              <a:solidFill>
+                <a:srgbClr val="FEFFFF"/>
+              </a:solidFill>
+              <a:latin typeface="+mj-lt"/>
+              <a:ea typeface="+mj-ea"/>
+              <a:cs typeface="+mj-cs"/>
+            </a:endParaRPr>
           </a:p>
         </p:txBody>
       </p:sp>
@@ -16903,13 +16793,13 @@
               </a:ext>
             </a:extLst>
           </a:blip>
-          <a:srcRect l="18987" r="2038" b="-2"/>
+          <a:srcRect l="24438" t="6713" r="23433" b="12538"/>
           <a:stretch/>
         </p:blipFill>
         <p:spPr>
           <a:xfrm>
-            <a:off x="228453" y="658475"/>
-            <a:ext cx="4869557" cy="3360525"/>
+            <a:off x="405678" y="345445"/>
+            <a:ext cx="4429504" cy="3739589"/>
           </a:xfrm>
           <a:prstGeom prst="rect">
             <a:avLst/>
@@ -16943,7 +16833,7 @@
         </p:blipFill>
         <p:spPr>
           <a:xfrm>
-            <a:off x="4428781" y="7457"/>
+            <a:off x="4835181" y="7457"/>
             <a:ext cx="7359357" cy="4391023"/>
           </a:xfrm>
           <a:prstGeom prst="rect">
@@ -17762,7 +17652,7 @@
           <a:lstStyle/>
           <a:p>
             <a:r>
-              <a:rPr lang="en-US" sz="3400" b="1" kern="1200">
+              <a:rPr lang="en-US" sz="3400" b="1" kern="1200" dirty="0">
                 <a:solidFill>
                   <a:srgbClr val="FEFFFF"/>
                 </a:solidFill>
@@ -17773,7 +17663,7 @@
               <a:t>Premise Type Investigation</a:t>
             </a:r>
             <a:br>
-              <a:rPr lang="en-US" sz="3400" kern="1200">
+              <a:rPr lang="en-US" sz="3400" kern="1200" dirty="0">
                 <a:solidFill>
                   <a:srgbClr val="FEFFFF"/>
                 </a:solidFill>
@@ -17782,17 +17672,14 @@
                 <a:cs typeface="+mj-cs"/>
               </a:rPr>
             </a:br>
-            <a:r>
-              <a:rPr lang="en-US" sz="3400" kern="1200">
-                <a:solidFill>
-                  <a:srgbClr val="FEFFFF"/>
-                </a:solidFill>
-                <a:latin typeface="+mj-lt"/>
-                <a:ea typeface="+mj-ea"/>
-                <a:cs typeface="+mj-cs"/>
-              </a:rPr>
-              <a:t> (aka Question 4)</a:t>
-            </a:r>
+            <a:endParaRPr lang="en-US" sz="3400" kern="1200" dirty="0">
+              <a:solidFill>
+                <a:srgbClr val="FEFFFF"/>
+              </a:solidFill>
+              <a:latin typeface="+mj-lt"/>
+              <a:ea typeface="+mj-ea"/>
+              <a:cs typeface="+mj-cs"/>
+            </a:endParaRPr>
           </a:p>
         </p:txBody>
       </p:sp>
@@ -17920,13 +17807,13 @@
               </a:ext>
             </a:extLst>
           </a:blip>
-          <a:srcRect l="17652"/>
+          <a:srcRect l="26795" t="7241" r="23078" b="14844"/>
           <a:stretch/>
         </p:blipFill>
         <p:spPr>
           <a:xfrm>
-            <a:off x="104378" y="270444"/>
-            <a:ext cx="5374503" cy="3557015"/>
+            <a:off x="255415" y="447043"/>
+            <a:ext cx="4301452" cy="3643903"/>
           </a:xfrm>
           <a:prstGeom prst="rect">
             <a:avLst/>
@@ -18156,13 +18043,13 @@
               </a:ext>
             </a:extLst>
           </a:blip>
-          <a:srcRect l="19434" r="15106" b="-3"/>
+          <a:srcRect l="30351" t="7722" r="20316" b="14186"/>
           <a:stretch/>
         </p:blipFill>
         <p:spPr>
           <a:xfrm>
-            <a:off x="440674" y="324600"/>
-            <a:ext cx="4274541" cy="3558948"/>
+            <a:off x="281397" y="447043"/>
+            <a:ext cx="4215070" cy="3636448"/>
           </a:xfrm>
           <a:prstGeom prst="rect">
             <a:avLst/>
@@ -18815,7 +18702,7 @@
           <a:lstStyle/>
           <a:p>
             <a:r>
-              <a:rPr lang="en-US" sz="3400" b="1" kern="1200">
+              <a:rPr lang="en-US" sz="3400" b="1" kern="1200" dirty="0">
                 <a:solidFill>
                   <a:srgbClr val="FEFFFF"/>
                 </a:solidFill>
@@ -18826,7 +18713,7 @@
               <a:t>Premise Type Investigation</a:t>
             </a:r>
             <a:br>
-              <a:rPr lang="en-US" sz="3400" kern="1200">
+              <a:rPr lang="en-US" sz="3400" kern="1200" dirty="0">
                 <a:solidFill>
                   <a:srgbClr val="FEFFFF"/>
                 </a:solidFill>
@@ -18835,17 +18722,14 @@
                 <a:cs typeface="+mj-cs"/>
               </a:rPr>
             </a:br>
-            <a:r>
-              <a:rPr lang="en-US" sz="3400" kern="1200">
-                <a:solidFill>
-                  <a:srgbClr val="FEFFFF"/>
-                </a:solidFill>
-                <a:latin typeface="+mj-lt"/>
-                <a:ea typeface="+mj-ea"/>
-                <a:cs typeface="+mj-cs"/>
-              </a:rPr>
-              <a:t> (aka Question 4)</a:t>
-            </a:r>
+            <a:endParaRPr lang="en-US" sz="3400" kern="1200" dirty="0">
+              <a:solidFill>
+                <a:srgbClr val="FEFFFF"/>
+              </a:solidFill>
+              <a:latin typeface="+mj-lt"/>
+              <a:ea typeface="+mj-ea"/>
+              <a:cs typeface="+mj-cs"/>
+            </a:endParaRPr>
           </a:p>
         </p:txBody>
       </p:sp>
@@ -19110,8 +18994,8 @@
         </p:nvSpPr>
         <p:spPr>
           <a:xfrm>
-            <a:off x="352540" y="3208040"/>
-            <a:ext cx="4292419" cy="1908902"/>
+            <a:off x="352541" y="3208040"/>
+            <a:ext cx="3975620" cy="1908902"/>
           </a:xfrm>
         </p:spPr>
         <p:txBody>
@@ -19120,8 +19004,9 @@
           </a:bodyPr>
           <a:lstStyle/>
           <a:p>
+            <a:pPr algn="ctr"/>
             <a:r>
-              <a:rPr lang="en-US" sz="5300" b="1" kern="1200" dirty="0">
+              <a:rPr lang="en-US" b="1" kern="1200" dirty="0">
                 <a:solidFill>
                   <a:schemeClr val="tx1"/>
                 </a:solidFill>
@@ -19134,17 +19019,6 @@
             <a:br>
               <a:rPr lang="en-US" sz="5300" dirty="0"/>
             </a:br>
-            <a:r>
-              <a:rPr lang="en-US" sz="3600" kern="1200" dirty="0">
-                <a:solidFill>
-                  <a:schemeClr val="tx1"/>
-                </a:solidFill>
-                <a:latin typeface="+mj-lt"/>
-                <a:ea typeface="+mj-ea"/>
-                <a:cs typeface="+mj-cs"/>
-              </a:rPr>
-              <a:t>(aka Question 5)</a:t>
-            </a:r>
             <a:endParaRPr lang="en-US" kern="1200" dirty="0">
               <a:solidFill>
                 <a:schemeClr val="tx1"/>
@@ -19710,7 +19584,7 @@
           </p:nvPr>
         </p:nvPicPr>
         <p:blipFill>
-          <a:blip r:embed="rId2">
+          <a:blip r:embed="rId3">
             <a:extLst>
               <a:ext uri="{28A0092B-C50C-407E-A947-70E740481C1C}">
                 <a14:useLocalDpi xmlns:a14="http://schemas.microsoft.com/office/drawing/2010/main" val="0"/>
@@ -19761,14 +19635,14 @@
           <a:p>
             <a:pPr algn="ctr"/>
             <a:r>
-              <a:rPr lang="en-US" sz="4000">
+              <a:rPr lang="en-US" sz="4800" b="1" dirty="0">
                 <a:solidFill>
                   <a:srgbClr val="FFFFFF"/>
                 </a:solidFill>
               </a:rPr>
               <a:t>Summary</a:t>
             </a:r>
-            <a:endParaRPr lang="en-CA" sz="4000">
+            <a:endParaRPr lang="en-CA" sz="4800" b="1" dirty="0">
               <a:solidFill>
                 <a:srgbClr val="FFFFFF"/>
               </a:solidFill>
@@ -19792,7 +19666,7 @@
             <p:ph idx="1"/>
             <p:extLst>
               <p:ext uri="{D42A27DB-BD31-4B8C-83A1-F6EECF244321}">
-                <p14:modId xmlns:p14="http://schemas.microsoft.com/office/powerpoint/2010/main" val="876774360"/>
+                <p14:modId xmlns:p14="http://schemas.microsoft.com/office/powerpoint/2010/main" val="640785543"/>
               </p:ext>
             </p:extLst>
           </p:nvPr>
@@ -19803,7 +19677,7 @@
         </p:xfrm>
         <a:graphic>
           <a:graphicData uri="http://schemas.openxmlformats.org/drawingml/2006/diagram">
-            <dgm:relIds xmlns:dgm="http://schemas.openxmlformats.org/drawingml/2006/diagram" xmlns:r="http://schemas.openxmlformats.org/officeDocument/2006/relationships" r:dm="rId3" r:lo="rId4" r:qs="rId5" r:cs="rId6"/>
+            <dgm:relIds xmlns:dgm="http://schemas.openxmlformats.org/drawingml/2006/diagram" xmlns:r="http://schemas.openxmlformats.org/officeDocument/2006/relationships" r:dm="rId4" r:lo="rId5" r:qs="rId6" r:cs="rId7"/>
           </a:graphicData>
         </a:graphic>
       </p:graphicFrame>
@@ -20005,7 +19879,7 @@
           <a:p>
             <a:pPr algn="ctr"/>
             <a:r>
-              <a:rPr lang="en-US" sz="6000" kern="1200" dirty="0">
+              <a:rPr lang="en-US" sz="6000" b="1" kern="1200" dirty="0">
                 <a:solidFill>
                   <a:srgbClr val="FFFFFF"/>
                 </a:solidFill>
@@ -20247,7 +20121,7 @@
         <p:spPr>
           <a:xfrm>
             <a:off x="584146" y="1677657"/>
-            <a:ext cx="5185826" cy="2428240"/>
+            <a:ext cx="5185826" cy="2396503"/>
           </a:xfrm>
         </p:spPr>
         <p:txBody>
@@ -20775,7 +20649,7 @@
           <a:lstStyle/>
           <a:p>
             <a:r>
-              <a:rPr lang="en-US" kern="1200">
+              <a:rPr lang="en-US" sz="4800" b="1" kern="1200" dirty="0">
                 <a:solidFill>
                   <a:srgbClr val="000000"/>
                 </a:solidFill>
@@ -22024,7 +21898,7 @@
                   <a:srgbClr val="000000"/>
                 </a:solidFill>
               </a:rPr>
-              <a:t>        B) Total # of crimes and trends</a:t>
+              <a:t>       B) Total # of crimes and trends</a:t>
             </a:r>
           </a:p>
           <a:p>
@@ -22050,7 +21924,7 @@
                   <a:srgbClr val="000000"/>
                 </a:solidFill>
               </a:rPr>
-              <a:t>        B) Frequency of crimes</a:t>
+              <a:t>       B) Frequency of crimes</a:t>
             </a:r>
           </a:p>
           <a:p>
@@ -22076,7 +21950,7 @@
                   <a:srgbClr val="000000"/>
                 </a:solidFill>
               </a:rPr>
-              <a:t>        B) Proximity to Police Stations</a:t>
+              <a:t>       B) Proximity to Police Stations</a:t>
             </a:r>
           </a:p>
           <a:p>
@@ -22089,7 +21963,7 @@
                   <a:srgbClr val="000000"/>
                 </a:solidFill>
               </a:rPr>
-              <a:t>        C) Occurrence pattern for specific type of crimes</a:t>
+              <a:t>       C) Location patterns for specific type of crimes</a:t>
             </a:r>
           </a:p>
           <a:p>
@@ -22461,15 +22335,13 @@
           </a:bodyPr>
           <a:lstStyle/>
           <a:p>
-            <a:pPr indent="-228600">
+            <a:pPr marL="57150">
               <a:lnSpc>
                 <a:spcPct val="90000"/>
               </a:lnSpc>
               <a:spcAft>
                 <a:spcPts val="600"/>
               </a:spcAft>
-              <a:buFont typeface="Arial" panose="020B0604020202020204" pitchFamily="34" charset="0"/>
-              <a:buChar char="•"/>
             </a:pPr>
             <a:r>
               <a:rPr lang="en-US" sz="2000" dirty="0"/>
@@ -23332,10 +23204,10 @@
       </p:sp>
       <p:pic>
         <p:nvPicPr>
-          <p:cNvPr id="5" name="Picture 4" descr="A screenshot of a cell phone&#10;&#10;Description automatically generated">
+          <p:cNvPr id="4" name="Picture 3" descr="A screenshot of a cell phone&#10;&#10;Description automatically generated">
             <a:extLst>
               <a:ext uri="{FF2B5EF4-FFF2-40B4-BE49-F238E27FC236}">
-                <a16:creationId xmlns:a16="http://schemas.microsoft.com/office/drawing/2014/main" id="{0A6575F0-1A16-4506-8E0E-B102C044FA59}"/>
+                <a16:creationId xmlns:a16="http://schemas.microsoft.com/office/drawing/2014/main" id="{56AA2D69-6227-44EE-8D3E-FCC8DB1AF7F4}"/>
               </a:ext>
             </a:extLst>
           </p:cNvPr>
@@ -23344,7 +23216,7 @@
           </p:cNvPicPr>
           <p:nvPr/>
         </p:nvPicPr>
-        <p:blipFill rotWithShape="1">
+        <p:blipFill>
           <a:blip r:embed="rId3">
             <a:extLst>
               <a:ext uri="{28A0092B-C50C-407E-A947-70E740481C1C}">
@@ -23352,13 +23224,14 @@
               </a:ext>
             </a:extLst>
           </a:blip>
-          <a:srcRect r="12482" b="2"/>
-          <a:stretch/>
+          <a:stretch>
+            <a:fillRect/>
+          </a:stretch>
         </p:blipFill>
         <p:spPr>
           <a:xfrm>
-            <a:off x="-289927" y="155596"/>
-            <a:ext cx="7184605" cy="4473955"/>
+            <a:off x="137868" y="683027"/>
+            <a:ext cx="6818263" cy="5048235"/>
           </a:xfrm>
           <a:prstGeom prst="rect">
             <a:avLst/>
@@ -24017,8 +23890,8 @@
         </p:nvSpPr>
         <p:spPr>
           <a:xfrm>
-            <a:off x="7998244" y="640080"/>
-            <a:ext cx="4193755" cy="4018341"/>
+            <a:off x="7689773" y="2519680"/>
+            <a:ext cx="4193755" cy="2118421"/>
           </a:xfrm>
           <a:noFill/>
         </p:spPr>
@@ -24028,6 +23901,7 @@
           </a:bodyPr>
           <a:lstStyle/>
           <a:p>
+            <a:pPr algn="ctr"/>
             <a:r>
               <a:rPr lang="en-US" sz="6600" b="1" dirty="0">
                 <a:solidFill>
@@ -24036,21 +23910,11 @@
               </a:rPr>
               <a:t>Seasonality of Crimes </a:t>
             </a:r>
-            <a:br>
-              <a:rPr lang="en-US" sz="6600" b="1" dirty="0">
-                <a:solidFill>
-                  <a:schemeClr val="bg1"/>
-                </a:solidFill>
-              </a:rPr>
-            </a:br>
-            <a:r>
-              <a:rPr lang="en-US" sz="3600" dirty="0">
-                <a:solidFill>
-                  <a:schemeClr val="bg1"/>
-                </a:solidFill>
-              </a:rPr>
-              <a:t>(aka Question 2A)</a:t>
-            </a:r>
+            <a:endParaRPr lang="en-US" sz="3600" dirty="0">
+              <a:solidFill>
+                <a:schemeClr val="bg1"/>
+              </a:solidFill>
+            </a:endParaRPr>
           </a:p>
         </p:txBody>
       </p:sp>
@@ -24081,8 +23945,8 @@
         </p:blipFill>
         <p:spPr>
           <a:xfrm>
-            <a:off x="1" y="10"/>
-            <a:ext cx="7381300" cy="6857990"/>
+            <a:off x="1" y="-751840"/>
+            <a:ext cx="7381300" cy="7762240"/>
           </a:xfrm>
           <a:prstGeom prst="rect">
             <a:avLst/>
@@ -26225,10 +26089,7 @@
             <a:br>
               <a:rPr lang="en-US" sz="3100" b="1" dirty="0"/>
             </a:br>
-            <a:r>
-              <a:rPr lang="en-US" sz="3200" dirty="0"/>
-              <a:t>(aka Question 2B)</a:t>
-            </a:r>
+            <a:endParaRPr lang="en-US" sz="3200" dirty="0"/>
           </a:p>
         </p:txBody>
       </p:sp>

--- a/Presentation - Project 01.pptx
+++ b/Presentation - Project 01.pptx
@@ -2609,8 +2609,8 @@
             <a:defRPr cap="all"/>
           </a:pPr>
           <a:r>
-            <a:rPr lang="en-US"/>
-            <a:t>Most interesting part</a:t>
+            <a:rPr lang="en-US" dirty="0"/>
+            <a:t>Final observations</a:t>
           </a:r>
         </a:p>
       </dgm:t>
@@ -2627,48 +2627,6 @@
       </dgm:t>
     </dgm:pt>
     <dgm:pt modelId="{8F47022A-7B6C-4F9A-B7A7-BDDAB8242DEE}" type="sibTrans" cxnId="{2DA61F07-38A5-4DFF-92BC-C489E91B0489}">
-      <dgm:prSet/>
-      <dgm:spPr/>
-      <dgm:t>
-        <a:bodyPr/>
-        <a:lstStyle/>
-        <a:p>
-          <a:endParaRPr lang="en-US"/>
-        </a:p>
-      </dgm:t>
-    </dgm:pt>
-    <dgm:pt modelId="{FA0CF621-D216-4F56-B928-3CBBFC48B8A7}">
-      <dgm:prSet/>
-      <dgm:spPr/>
-      <dgm:t>
-        <a:bodyPr/>
-        <a:lstStyle/>
-        <a:p>
-          <a:pPr>
-            <a:lnSpc>
-              <a:spcPct val="100000"/>
-            </a:lnSpc>
-            <a:defRPr cap="all"/>
-          </a:pPr>
-          <a:r>
-            <a:rPr lang="en-US"/>
-            <a:t>Challenges</a:t>
-          </a:r>
-        </a:p>
-      </dgm:t>
-    </dgm:pt>
-    <dgm:pt modelId="{1EF78456-84F1-444F-9595-8A0E4EBFE19B}" type="parTrans" cxnId="{237D0053-9EF5-42F8-AEF1-0FA4F9C72120}">
-      <dgm:prSet/>
-      <dgm:spPr/>
-      <dgm:t>
-        <a:bodyPr/>
-        <a:lstStyle/>
-        <a:p>
-          <a:endParaRPr lang="en-US"/>
-        </a:p>
-      </dgm:t>
-    </dgm:pt>
-    <dgm:pt modelId="{23E84511-BC7A-4FEC-978A-FF909CFA19ED}" type="sibTrans" cxnId="{237D0053-9EF5-42F8-AEF1-0FA4F9C72120}">
       <dgm:prSet/>
       <dgm:spPr/>
       <dgm:t>
@@ -2735,11 +2693,11 @@
       <dgm:spPr/>
     </dgm:pt>
     <dgm:pt modelId="{61FA96CA-5DA6-4551-A445-609BF359DABF}" type="pres">
-      <dgm:prSet presAssocID="{BEC5B7B0-ADF7-4FE3-87B4-E050A75C667A}" presName="iconBgRect" presStyleLbl="bgShp" presStyleIdx="0" presStyleCnt="3"/>
+      <dgm:prSet presAssocID="{BEC5B7B0-ADF7-4FE3-87B4-E050A75C667A}" presName="iconBgRect" presStyleLbl="bgShp" presStyleIdx="0" presStyleCnt="2"/>
       <dgm:spPr/>
     </dgm:pt>
     <dgm:pt modelId="{13C186D3-8FC7-4A81-A2D0-97C988502924}" type="pres">
-      <dgm:prSet presAssocID="{BEC5B7B0-ADF7-4FE3-87B4-E050A75C667A}" presName="iconRect" presStyleLbl="node1" presStyleIdx="0" presStyleCnt="3"/>
+      <dgm:prSet presAssocID="{BEC5B7B0-ADF7-4FE3-87B4-E050A75C667A}" presName="iconRect" presStyleLbl="node1" presStyleIdx="0" presStyleCnt="2"/>
       <dgm:spPr>
         <a:blipFill>
           <a:blip xmlns:r="http://schemas.openxmlformats.org/officeDocument/2006/relationships" r:embed="rId1">
@@ -2771,7 +2729,7 @@
       <dgm:spPr/>
     </dgm:pt>
     <dgm:pt modelId="{499379A3-3C48-4FCE-8514-E63830BEA298}" type="pres">
-      <dgm:prSet presAssocID="{BEC5B7B0-ADF7-4FE3-87B4-E050A75C667A}" presName="textRect" presStyleLbl="revTx" presStyleIdx="0" presStyleCnt="3">
+      <dgm:prSet presAssocID="{BEC5B7B0-ADF7-4FE3-87B4-E050A75C667A}" presName="textRect" presStyleLbl="revTx" presStyleIdx="0" presStyleCnt="2">
         <dgm:presLayoutVars>
           <dgm:chMax val="1"/>
           <dgm:chPref val="1"/>
@@ -2783,16 +2741,16 @@
       <dgm:prSet presAssocID="{8F47022A-7B6C-4F9A-B7A7-BDDAB8242DEE}" presName="sibTrans" presStyleCnt="0"/>
       <dgm:spPr/>
     </dgm:pt>
-    <dgm:pt modelId="{899908E5-5E6F-4897-8A86-14693882B8FE}" type="pres">
-      <dgm:prSet presAssocID="{FA0CF621-D216-4F56-B928-3CBBFC48B8A7}" presName="compNode" presStyleCnt="0"/>
+    <dgm:pt modelId="{40003DC3-DC76-4B23-9370-C7D36A7EE012}" type="pres">
+      <dgm:prSet presAssocID="{E07096F4-FDBD-4C35-BA3C-0663CE0348B6}" presName="compNode" presStyleCnt="0"/>
       <dgm:spPr/>
     </dgm:pt>
-    <dgm:pt modelId="{D04D6C7D-9C3B-48B4-BC06-90DB1C23E0DC}" type="pres">
-      <dgm:prSet presAssocID="{FA0CF621-D216-4F56-B928-3CBBFC48B8A7}" presName="iconBgRect" presStyleLbl="bgShp" presStyleIdx="1" presStyleCnt="3"/>
+    <dgm:pt modelId="{23F1A8BF-02BF-4477-BF0A-6986637E3888}" type="pres">
+      <dgm:prSet presAssocID="{E07096F4-FDBD-4C35-BA3C-0663CE0348B6}" presName="iconBgRect" presStyleLbl="bgShp" presStyleIdx="1" presStyleCnt="2"/>
       <dgm:spPr/>
     </dgm:pt>
-    <dgm:pt modelId="{959F1CE6-BC4A-4923-91ED-C322461008A4}" type="pres">
-      <dgm:prSet presAssocID="{FA0CF621-D216-4F56-B928-3CBBFC48B8A7}" presName="iconRect" presStyleLbl="node1" presStyleIdx="1" presStyleCnt="3"/>
+    <dgm:pt modelId="{7D0E09ED-CAE1-48D9-88AF-7730A89E0865}" type="pres">
+      <dgm:prSet presAssocID="{E07096F4-FDBD-4C35-BA3C-0663CE0348B6}" presName="iconRect" presStyleLbl="node1" presStyleIdx="1" presStyleCnt="2"/>
       <dgm:spPr>
         <a:blipFill>
           <a:blip xmlns:r="http://schemas.openxmlformats.org/officeDocument/2006/relationships" r:embed="rId3">
@@ -2802,59 +2760,6 @@
               </a:ext>
               <a:ext uri="{96DAC541-7B7A-43D3-8B79-37D633B846F1}">
                 <asvg:svgBlip xmlns:asvg="http://schemas.microsoft.com/office/drawing/2016/SVG/main" r:embed="rId4"/>
-              </a:ext>
-            </a:extLst>
-          </a:blip>
-          <a:stretch>
-            <a:fillRect/>
-          </a:stretch>
-        </a:blipFill>
-        <a:ln>
-          <a:noFill/>
-        </a:ln>
-      </dgm:spPr>
-      <dgm:extLst>
-        <a:ext uri="{E40237B7-FDA0-4F09-8148-C483321AD2D9}">
-          <dgm14:cNvPr xmlns:dgm14="http://schemas.microsoft.com/office/drawing/2010/diagram" id="0" name="" descr="Warning"/>
-        </a:ext>
-      </dgm:extLst>
-    </dgm:pt>
-    <dgm:pt modelId="{0FDA65B6-B47B-43EF-A131-E464DF107927}" type="pres">
-      <dgm:prSet presAssocID="{FA0CF621-D216-4F56-B928-3CBBFC48B8A7}" presName="spaceRect" presStyleCnt="0"/>
-      <dgm:spPr/>
-    </dgm:pt>
-    <dgm:pt modelId="{4313F9B7-BD8D-4E0E-8596-34F27D619FCA}" type="pres">
-      <dgm:prSet presAssocID="{FA0CF621-D216-4F56-B928-3CBBFC48B8A7}" presName="textRect" presStyleLbl="revTx" presStyleIdx="1" presStyleCnt="3">
-        <dgm:presLayoutVars>
-          <dgm:chMax val="1"/>
-          <dgm:chPref val="1"/>
-        </dgm:presLayoutVars>
-      </dgm:prSet>
-      <dgm:spPr/>
-    </dgm:pt>
-    <dgm:pt modelId="{7AC96299-F3A1-433E-8E46-693DED2C4A27}" type="pres">
-      <dgm:prSet presAssocID="{23E84511-BC7A-4FEC-978A-FF909CFA19ED}" presName="sibTrans" presStyleCnt="0"/>
-      <dgm:spPr/>
-    </dgm:pt>
-    <dgm:pt modelId="{40003DC3-DC76-4B23-9370-C7D36A7EE012}" type="pres">
-      <dgm:prSet presAssocID="{E07096F4-FDBD-4C35-BA3C-0663CE0348B6}" presName="compNode" presStyleCnt="0"/>
-      <dgm:spPr/>
-    </dgm:pt>
-    <dgm:pt modelId="{23F1A8BF-02BF-4477-BF0A-6986637E3888}" type="pres">
-      <dgm:prSet presAssocID="{E07096F4-FDBD-4C35-BA3C-0663CE0348B6}" presName="iconBgRect" presStyleLbl="bgShp" presStyleIdx="2" presStyleCnt="3"/>
-      <dgm:spPr/>
-    </dgm:pt>
-    <dgm:pt modelId="{7D0E09ED-CAE1-48D9-88AF-7730A89E0865}" type="pres">
-      <dgm:prSet presAssocID="{E07096F4-FDBD-4C35-BA3C-0663CE0348B6}" presName="iconRect" presStyleLbl="node1" presStyleIdx="2" presStyleCnt="3"/>
-      <dgm:spPr>
-        <a:blipFill>
-          <a:blip xmlns:r="http://schemas.openxmlformats.org/officeDocument/2006/relationships" r:embed="rId5">
-            <a:extLst>
-              <a:ext uri="{28A0092B-C50C-407E-A947-70E740481C1C}">
-                <a14:useLocalDpi xmlns:a14="http://schemas.microsoft.com/office/drawing/2010/main" val="0"/>
-              </a:ext>
-              <a:ext uri="{96DAC541-7B7A-43D3-8B79-37D633B846F1}">
-                <asvg:svgBlip xmlns:asvg="http://schemas.microsoft.com/office/drawing/2016/SVG/main" r:embed="rId6"/>
               </a:ext>
             </a:extLst>
           </a:blip>
@@ -2877,7 +2782,7 @@
       <dgm:spPr/>
     </dgm:pt>
     <dgm:pt modelId="{B7DFF61F-879D-447C-835A-B0A6BCCAE588}" type="pres">
-      <dgm:prSet presAssocID="{E07096F4-FDBD-4C35-BA3C-0663CE0348B6}" presName="textRect" presStyleLbl="revTx" presStyleIdx="2" presStyleCnt="3">
+      <dgm:prSet presAssocID="{E07096F4-FDBD-4C35-BA3C-0663CE0348B6}" presName="textRect" presStyleLbl="revTx" presStyleIdx="1" presStyleCnt="2">
         <dgm:presLayoutVars>
           <dgm:chMax val="1"/>
           <dgm:chPref val="1"/>
@@ -2888,9 +2793,7 @@
   </dgm:ptLst>
   <dgm:cxnLst>
     <dgm:cxn modelId="{2DA61F07-38A5-4DFF-92BC-C489E91B0489}" srcId="{7F755F05-0D40-4FB0-AB9E-315078476F5F}" destId="{BEC5B7B0-ADF7-4FE3-87B4-E050A75C667A}" srcOrd="0" destOrd="0" parTransId="{7DC90F0B-C0F8-418C-B94C-E307CACBD879}" sibTransId="{8F47022A-7B6C-4F9A-B7A7-BDDAB8242DEE}"/>
-    <dgm:cxn modelId="{B843332F-F0DA-46CC-A667-E395C33BC65E}" srcId="{7F755F05-0D40-4FB0-AB9E-315078476F5F}" destId="{E07096F4-FDBD-4C35-BA3C-0663CE0348B6}" srcOrd="2" destOrd="0" parTransId="{916E3B12-8779-4CF5-8EEF-B72A879EF557}" sibTransId="{056BD2C7-E0ED-4034-A35E-042CF45B5A79}"/>
-    <dgm:cxn modelId="{9ADDD13D-8849-45F8-B77A-3343D5EEC210}" type="presOf" srcId="{FA0CF621-D216-4F56-B928-3CBBFC48B8A7}" destId="{4313F9B7-BD8D-4E0E-8596-34F27D619FCA}" srcOrd="0" destOrd="0" presId="urn:microsoft.com/office/officeart/2018/5/layout/IconCircleLabelList"/>
-    <dgm:cxn modelId="{237D0053-9EF5-42F8-AEF1-0FA4F9C72120}" srcId="{7F755F05-0D40-4FB0-AB9E-315078476F5F}" destId="{FA0CF621-D216-4F56-B928-3CBBFC48B8A7}" srcOrd="1" destOrd="0" parTransId="{1EF78456-84F1-444F-9595-8A0E4EBFE19B}" sibTransId="{23E84511-BC7A-4FEC-978A-FF909CFA19ED}"/>
+    <dgm:cxn modelId="{B843332F-F0DA-46CC-A667-E395C33BC65E}" srcId="{7F755F05-0D40-4FB0-AB9E-315078476F5F}" destId="{E07096F4-FDBD-4C35-BA3C-0663CE0348B6}" srcOrd="1" destOrd="0" parTransId="{916E3B12-8779-4CF5-8EEF-B72A879EF557}" sibTransId="{056BD2C7-E0ED-4034-A35E-042CF45B5A79}"/>
     <dgm:cxn modelId="{146B1EB1-22B4-4EAA-9935-BE852722B655}" type="presOf" srcId="{7F755F05-0D40-4FB0-AB9E-315078476F5F}" destId="{98C8AA05-0C1E-4EE1-A238-52E2BF96CC8D}" srcOrd="0" destOrd="0" presId="urn:microsoft.com/office/officeart/2018/5/layout/IconCircleLabelList"/>
     <dgm:cxn modelId="{364C7DD6-4FDB-4567-B1AF-3A1E246D06D9}" type="presOf" srcId="{BEC5B7B0-ADF7-4FE3-87B4-E050A75C667A}" destId="{499379A3-3C48-4FCE-8514-E63830BEA298}" srcOrd="0" destOrd="0" presId="urn:microsoft.com/office/officeart/2018/5/layout/IconCircleLabelList"/>
     <dgm:cxn modelId="{A784BBF1-1B68-4E29-BAF3-4D6326D27CF8}" type="presOf" srcId="{E07096F4-FDBD-4C35-BA3C-0663CE0348B6}" destId="{B7DFF61F-879D-447C-835A-B0A6BCCAE588}" srcOrd="0" destOrd="0" presId="urn:microsoft.com/office/officeart/2018/5/layout/IconCircleLabelList"/>
@@ -2900,13 +2803,7 @@
     <dgm:cxn modelId="{0F4CF9C6-A315-42A5-BC55-812D35F93494}" type="presParOf" srcId="{7A7EED55-09B1-48B5-B53F-B6D7818473E1}" destId="{99978810-3071-488A-9906-B859A60F26E0}" srcOrd="2" destOrd="0" presId="urn:microsoft.com/office/officeart/2018/5/layout/IconCircleLabelList"/>
     <dgm:cxn modelId="{76E67B64-F9C9-4B94-83D3-9E1DE8480107}" type="presParOf" srcId="{7A7EED55-09B1-48B5-B53F-B6D7818473E1}" destId="{499379A3-3C48-4FCE-8514-E63830BEA298}" srcOrd="3" destOrd="0" presId="urn:microsoft.com/office/officeart/2018/5/layout/IconCircleLabelList"/>
     <dgm:cxn modelId="{A92A6E15-B96B-4B4D-854B-1BBEBBCC0696}" type="presParOf" srcId="{98C8AA05-0C1E-4EE1-A238-52E2BF96CC8D}" destId="{895ED7A2-5146-4AC9-AAA0-EDE95AC2ED46}" srcOrd="1" destOrd="0" presId="urn:microsoft.com/office/officeart/2018/5/layout/IconCircleLabelList"/>
-    <dgm:cxn modelId="{EBBCEEA2-E666-42F8-85D4-ECF7C3A186CE}" type="presParOf" srcId="{98C8AA05-0C1E-4EE1-A238-52E2BF96CC8D}" destId="{899908E5-5E6F-4897-8A86-14693882B8FE}" srcOrd="2" destOrd="0" presId="urn:microsoft.com/office/officeart/2018/5/layout/IconCircleLabelList"/>
-    <dgm:cxn modelId="{D7662410-E3D3-4EC2-96FB-D85E4B99998F}" type="presParOf" srcId="{899908E5-5E6F-4897-8A86-14693882B8FE}" destId="{D04D6C7D-9C3B-48B4-BC06-90DB1C23E0DC}" srcOrd="0" destOrd="0" presId="urn:microsoft.com/office/officeart/2018/5/layout/IconCircleLabelList"/>
-    <dgm:cxn modelId="{A95AE5E4-2E95-400C-B127-9988DE402692}" type="presParOf" srcId="{899908E5-5E6F-4897-8A86-14693882B8FE}" destId="{959F1CE6-BC4A-4923-91ED-C322461008A4}" srcOrd="1" destOrd="0" presId="urn:microsoft.com/office/officeart/2018/5/layout/IconCircleLabelList"/>
-    <dgm:cxn modelId="{2D48496C-AEB8-41F8-AF20-1C9DF61D75E4}" type="presParOf" srcId="{899908E5-5E6F-4897-8A86-14693882B8FE}" destId="{0FDA65B6-B47B-43EF-A131-E464DF107927}" srcOrd="2" destOrd="0" presId="urn:microsoft.com/office/officeart/2018/5/layout/IconCircleLabelList"/>
-    <dgm:cxn modelId="{E9896AFA-F4CC-4EE9-89AE-44F27699A0C3}" type="presParOf" srcId="{899908E5-5E6F-4897-8A86-14693882B8FE}" destId="{4313F9B7-BD8D-4E0E-8596-34F27D619FCA}" srcOrd="3" destOrd="0" presId="urn:microsoft.com/office/officeart/2018/5/layout/IconCircleLabelList"/>
-    <dgm:cxn modelId="{D0387C64-E48C-4869-971C-B2A49714DBD5}" type="presParOf" srcId="{98C8AA05-0C1E-4EE1-A238-52E2BF96CC8D}" destId="{7AC96299-F3A1-433E-8E46-693DED2C4A27}" srcOrd="3" destOrd="0" presId="urn:microsoft.com/office/officeart/2018/5/layout/IconCircleLabelList"/>
-    <dgm:cxn modelId="{E6968833-CD4C-44D5-A2CF-537594939D2B}" type="presParOf" srcId="{98C8AA05-0C1E-4EE1-A238-52E2BF96CC8D}" destId="{40003DC3-DC76-4B23-9370-C7D36A7EE012}" srcOrd="4" destOrd="0" presId="urn:microsoft.com/office/officeart/2018/5/layout/IconCircleLabelList"/>
+    <dgm:cxn modelId="{E6968833-CD4C-44D5-A2CF-537594939D2B}" type="presParOf" srcId="{98C8AA05-0C1E-4EE1-A238-52E2BF96CC8D}" destId="{40003DC3-DC76-4B23-9370-C7D36A7EE012}" srcOrd="2" destOrd="0" presId="urn:microsoft.com/office/officeart/2018/5/layout/IconCircleLabelList"/>
     <dgm:cxn modelId="{459592B3-1DC7-4705-8577-5D5D126671F6}" type="presParOf" srcId="{40003DC3-DC76-4B23-9370-C7D36A7EE012}" destId="{23F1A8BF-02BF-4477-BF0A-6986637E3888}" srcOrd="0" destOrd="0" presId="urn:microsoft.com/office/officeart/2018/5/layout/IconCircleLabelList"/>
     <dgm:cxn modelId="{65E93D3D-629F-4E10-A5D2-3217AB3E872A}" type="presParOf" srcId="{40003DC3-DC76-4B23-9370-C7D36A7EE012}" destId="{7D0E09ED-CAE1-48D9-88AF-7730A89E0865}" srcOrd="1" destOrd="0" presId="urn:microsoft.com/office/officeart/2018/5/layout/IconCircleLabelList"/>
     <dgm:cxn modelId="{B05D72F7-19BB-4BC0-927A-55F28AD60564}" type="presParOf" srcId="{40003DC3-DC76-4B23-9370-C7D36A7EE012}" destId="{6B6E9017-ABE3-459F-82C3-B6CD3ED7D60D}" srcOrd="2" destOrd="0" presId="urn:microsoft.com/office/officeart/2018/5/layout/IconCircleLabelList"/>
@@ -4006,8 +3903,8 @@
       </dsp:nvSpPr>
       <dsp:spPr>
         <a:xfrm>
-          <a:off x="647429" y="234114"/>
-          <a:ext cx="1818562" cy="1818562"/>
+          <a:off x="1896883" y="9114"/>
+          <a:ext cx="2161687" cy="2161687"/>
         </a:xfrm>
         <a:prstGeom prst="ellipse">
           <a:avLst/>
@@ -4045,8 +3942,8 @@
       </dsp:nvSpPr>
       <dsp:spPr>
         <a:xfrm>
-          <a:off x="1034992" y="621677"/>
-          <a:ext cx="1043437" cy="1043437"/>
+          <a:off x="2357570" y="469802"/>
+          <a:ext cx="1240312" cy="1240312"/>
         </a:xfrm>
         <a:prstGeom prst="rect">
           <a:avLst/>
@@ -4095,8 +3992,8 @@
       </dsp:nvSpPr>
       <dsp:spPr>
         <a:xfrm>
-          <a:off x="66086" y="2619115"/>
-          <a:ext cx="2981250" cy="720000"/>
+          <a:off x="1205851" y="2844115"/>
+          <a:ext cx="3543750" cy="720000"/>
         </a:xfrm>
         <a:prstGeom prst="rect">
           <a:avLst/>
@@ -4125,7 +4022,7 @@
         </a:bodyPr>
         <a:lstStyle/>
         <a:p>
-          <a:pPr marL="0" lvl="0" indent="0" algn="ctr" defTabSz="1022350">
+          <a:pPr marL="0" lvl="0" indent="0" algn="ctr" defTabSz="1200150">
             <a:lnSpc>
               <a:spcPct val="100000"/>
             </a:lnSpc>
@@ -4139,164 +4036,14 @@
             <a:defRPr cap="all"/>
           </a:pPr>
           <a:r>
-            <a:rPr lang="en-US" sz="2300" kern="1200"/>
-            <a:t>Most interesting part</a:t>
+            <a:rPr lang="en-US" sz="2700" kern="1200" dirty="0"/>
+            <a:t>Final observations</a:t>
           </a:r>
         </a:p>
       </dsp:txBody>
       <dsp:txXfrm>
-        <a:off x="66086" y="2619115"/>
-        <a:ext cx="2981250" cy="720000"/>
-      </dsp:txXfrm>
-    </dsp:sp>
-    <dsp:sp modelId="{D04D6C7D-9C3B-48B4-BC06-90DB1C23E0DC}">
-      <dsp:nvSpPr>
-        <dsp:cNvPr id="0" name=""/>
-        <dsp:cNvSpPr/>
-      </dsp:nvSpPr>
-      <dsp:spPr>
-        <a:xfrm>
-          <a:off x="4150398" y="234114"/>
-          <a:ext cx="1818562" cy="1818562"/>
-        </a:xfrm>
-        <a:prstGeom prst="ellipse">
-          <a:avLst/>
-        </a:prstGeom>
-        <a:solidFill>
-          <a:schemeClr val="accent3">
-            <a:hueOff val="0"/>
-            <a:satOff val="0"/>
-            <a:lumOff val="0"/>
-            <a:alphaOff val="0"/>
-          </a:schemeClr>
-        </a:solidFill>
-        <a:ln>
-          <a:noFill/>
-        </a:ln>
-        <a:effectLst/>
-      </dsp:spPr>
-      <dsp:style>
-        <a:lnRef idx="0">
-          <a:scrgbClr r="0" g="0" b="0"/>
-        </a:lnRef>
-        <a:fillRef idx="1">
-          <a:scrgbClr r="0" g="0" b="0"/>
-        </a:fillRef>
-        <a:effectRef idx="0">
-          <a:scrgbClr r="0" g="0" b="0"/>
-        </a:effectRef>
-        <a:fontRef idx="minor"/>
-      </dsp:style>
-    </dsp:sp>
-    <dsp:sp modelId="{959F1CE6-BC4A-4923-91ED-C322461008A4}">
-      <dsp:nvSpPr>
-        <dsp:cNvPr id="0" name=""/>
-        <dsp:cNvSpPr/>
-      </dsp:nvSpPr>
-      <dsp:spPr>
-        <a:xfrm>
-          <a:off x="4537961" y="621677"/>
-          <a:ext cx="1043437" cy="1043437"/>
-        </a:xfrm>
-        <a:prstGeom prst="rect">
-          <a:avLst/>
-        </a:prstGeom>
-        <a:blipFill>
-          <a:blip xmlns:r="http://schemas.openxmlformats.org/officeDocument/2006/relationships" r:embed="rId3">
-            <a:extLst>
-              <a:ext uri="{28A0092B-C50C-407E-A947-70E740481C1C}">
-                <a14:useLocalDpi xmlns:a14="http://schemas.microsoft.com/office/drawing/2010/main" val="0"/>
-              </a:ext>
-              <a:ext uri="{96DAC541-7B7A-43D3-8B79-37D633B846F1}">
-                <asvg:svgBlip xmlns:asvg="http://schemas.microsoft.com/office/drawing/2016/SVG/main" r:embed="rId4"/>
-              </a:ext>
-            </a:extLst>
-          </a:blip>
-          <a:stretch>
-            <a:fillRect/>
-          </a:stretch>
-        </a:blipFill>
-        <a:ln w="12700" cap="flat" cmpd="sng" algn="ctr">
-          <a:noFill/>
-          <a:prstDash val="solid"/>
-          <a:miter lim="800000"/>
-        </a:ln>
-        <a:effectLst/>
-      </dsp:spPr>
-      <dsp:style>
-        <a:lnRef idx="2">
-          <a:scrgbClr r="0" g="0" b="0"/>
-        </a:lnRef>
-        <a:fillRef idx="1">
-          <a:scrgbClr r="0" g="0" b="0"/>
-        </a:fillRef>
-        <a:effectRef idx="0">
-          <a:scrgbClr r="0" g="0" b="0"/>
-        </a:effectRef>
-        <a:fontRef idx="minor">
-          <a:schemeClr val="lt1"/>
-        </a:fontRef>
-      </dsp:style>
-    </dsp:sp>
-    <dsp:sp modelId="{4313F9B7-BD8D-4E0E-8596-34F27D619FCA}">
-      <dsp:nvSpPr>
-        <dsp:cNvPr id="0" name=""/>
-        <dsp:cNvSpPr/>
-      </dsp:nvSpPr>
-      <dsp:spPr>
-        <a:xfrm>
-          <a:off x="3569054" y="2619115"/>
-          <a:ext cx="2981250" cy="720000"/>
-        </a:xfrm>
-        <a:prstGeom prst="rect">
-          <a:avLst/>
-        </a:prstGeom>
-        <a:noFill/>
-        <a:ln>
-          <a:noFill/>
-        </a:ln>
-        <a:effectLst/>
-      </dsp:spPr>
-      <dsp:style>
-        <a:lnRef idx="0">
-          <a:scrgbClr r="0" g="0" b="0"/>
-        </a:lnRef>
-        <a:fillRef idx="0">
-          <a:scrgbClr r="0" g="0" b="0"/>
-        </a:fillRef>
-        <a:effectRef idx="0">
-          <a:scrgbClr r="0" g="0" b="0"/>
-        </a:effectRef>
-        <a:fontRef idx="minor"/>
-      </dsp:style>
-      <dsp:txBody>
-        <a:bodyPr spcFirstLastPara="0" vert="horz" wrap="square" lIns="0" tIns="0" rIns="0" bIns="0" numCol="1" spcCol="1270" anchor="t" anchorCtr="0">
-          <a:noAutofit/>
-        </a:bodyPr>
-        <a:lstStyle/>
-        <a:p>
-          <a:pPr marL="0" lvl="0" indent="0" algn="ctr" defTabSz="1022350">
-            <a:lnSpc>
-              <a:spcPct val="100000"/>
-            </a:lnSpc>
-            <a:spcBef>
-              <a:spcPct val="0"/>
-            </a:spcBef>
-            <a:spcAft>
-              <a:spcPct val="35000"/>
-            </a:spcAft>
-            <a:buNone/>
-            <a:defRPr cap="all"/>
-          </a:pPr>
-          <a:r>
-            <a:rPr lang="en-US" sz="2300" kern="1200"/>
-            <a:t>Challenges</a:t>
-          </a:r>
-        </a:p>
-      </dsp:txBody>
-      <dsp:txXfrm>
-        <a:off x="3569054" y="2619115"/>
-        <a:ext cx="2981250" cy="720000"/>
+        <a:off x="1205851" y="2844115"/>
+        <a:ext cx="3543750" cy="720000"/>
       </dsp:txXfrm>
     </dsp:sp>
     <dsp:sp modelId="{23F1A8BF-02BF-4477-BF0A-6986637E3888}">
@@ -4306,14 +4053,14 @@
       </dsp:nvSpPr>
       <dsp:spPr>
         <a:xfrm>
-          <a:off x="7653367" y="234114"/>
-          <a:ext cx="1818562" cy="1818562"/>
+          <a:off x="6060789" y="9114"/>
+          <a:ext cx="2161687" cy="2161687"/>
         </a:xfrm>
         <a:prstGeom prst="ellipse">
           <a:avLst/>
         </a:prstGeom>
         <a:solidFill>
-          <a:schemeClr val="accent4">
+          <a:schemeClr val="accent3">
             <a:hueOff val="0"/>
             <a:satOff val="0"/>
             <a:lumOff val="0"/>
@@ -4345,20 +4092,20 @@
       </dsp:nvSpPr>
       <dsp:spPr>
         <a:xfrm>
-          <a:off x="8040930" y="621677"/>
-          <a:ext cx="1043437" cy="1043437"/>
+          <a:off x="6521476" y="469802"/>
+          <a:ext cx="1240312" cy="1240312"/>
         </a:xfrm>
         <a:prstGeom prst="rect">
           <a:avLst/>
         </a:prstGeom>
         <a:blipFill>
-          <a:blip xmlns:r="http://schemas.openxmlformats.org/officeDocument/2006/relationships" r:embed="rId5">
+          <a:blip xmlns:r="http://schemas.openxmlformats.org/officeDocument/2006/relationships" r:embed="rId3">
             <a:extLst>
               <a:ext uri="{28A0092B-C50C-407E-A947-70E740481C1C}">
                 <a14:useLocalDpi xmlns:a14="http://schemas.microsoft.com/office/drawing/2010/main" val="0"/>
               </a:ext>
               <a:ext uri="{96DAC541-7B7A-43D3-8B79-37D633B846F1}">
-                <asvg:svgBlip xmlns:asvg="http://schemas.microsoft.com/office/drawing/2016/SVG/main" r:embed="rId6"/>
+                <asvg:svgBlip xmlns:asvg="http://schemas.microsoft.com/office/drawing/2016/SVG/main" r:embed="rId4"/>
               </a:ext>
             </a:extLst>
           </a:blip>
@@ -4395,8 +4142,8 @@
       </dsp:nvSpPr>
       <dsp:spPr>
         <a:xfrm>
-          <a:off x="7072023" y="2619115"/>
-          <a:ext cx="2981250" cy="720000"/>
+          <a:off x="5369758" y="2844115"/>
+          <a:ext cx="3543750" cy="720000"/>
         </a:xfrm>
         <a:prstGeom prst="rect">
           <a:avLst/>
@@ -4425,7 +4172,7 @@
         </a:bodyPr>
         <a:lstStyle/>
         <a:p>
-          <a:pPr marL="0" lvl="0" indent="0" algn="ctr" defTabSz="1022350">
+          <a:pPr marL="0" lvl="0" indent="0" algn="ctr" defTabSz="1200150">
             <a:lnSpc>
               <a:spcPct val="100000"/>
             </a:lnSpc>
@@ -4439,14 +4186,14 @@
             <a:defRPr cap="all"/>
           </a:pPr>
           <a:r>
-            <a:rPr lang="en-US" sz="2300" kern="1200" dirty="0"/>
+            <a:rPr lang="en-US" sz="2700" kern="1200" dirty="0"/>
             <a:t>Future investigations</a:t>
           </a:r>
         </a:p>
       </dsp:txBody>
       <dsp:txXfrm>
-        <a:off x="7072023" y="2619115"/>
-        <a:ext cx="2981250" cy="720000"/>
+        <a:off x="5369758" y="2844115"/>
+        <a:ext cx="3543750" cy="720000"/>
       </dsp:txXfrm>
     </dsp:sp>
   </dsp:spTree>
@@ -8369,7 +8116,7 @@
           <a:p>
             <a:r>
               <a:rPr lang="en-US" dirty="0"/>
-              <a:t>Most interesting part: </a:t>
+              <a:t>Most interesting part (keep 1): </a:t>
             </a:r>
           </a:p>
           <a:p>
@@ -8388,7 +8135,7 @@
               <a:buChar char="-"/>
             </a:pPr>
             <a:r>
-              <a:rPr lang="en-US" dirty="0"/>
+              <a:rPr lang="en-US" b="0" dirty="0"/>
               <a:t>The apartment is not that safe.</a:t>
             </a:r>
           </a:p>
@@ -8398,7 +8145,7 @@
               <a:buChar char="-"/>
             </a:pPr>
             <a:r>
-              <a:rPr lang="en-US" dirty="0"/>
+              <a:rPr lang="en-US" b="1" dirty="0"/>
               <a:t>Most of the dangerous neighborhood are in downtown, but Yonge and St. Clair is considered one of the safest neighborhood.</a:t>
             </a:r>
           </a:p>
@@ -8408,7 +8155,7 @@
               <a:buChar char="-"/>
             </a:pPr>
             <a:r>
-              <a:rPr lang="en-US" dirty="0"/>
+              <a:rPr lang="en-US" b="0" dirty="0"/>
               <a:t>Summer-time (June and July) has the highest occurrence of assault.</a:t>
             </a:r>
           </a:p>
@@ -8418,7 +8165,7 @@
               <a:buChar char="-"/>
             </a:pPr>
             <a:r>
-              <a:rPr lang="en-US" dirty="0"/>
+              <a:rPr lang="en-US" b="0" dirty="0"/>
               <a:t>Other crimes occur most in October.</a:t>
             </a:r>
           </a:p>
@@ -8446,7 +8193,7 @@
             </a:pPr>
             <a:r>
               <a:rPr lang="en-US" dirty="0"/>
-              <a:t>Challenges:</a:t>
+              <a:t>Challenges (keep 1):</a:t>
             </a:r>
           </a:p>
           <a:p>
@@ -8481,7 +8228,7 @@
               <a:buChar char="-"/>
             </a:pPr>
             <a:r>
-              <a:rPr lang="en-CA" dirty="0"/>
+              <a:rPr lang="en-CA" b="1" dirty="0"/>
               <a:t>We used average number of crimes of each year to investigate the seasonality.</a:t>
             </a:r>
           </a:p>
@@ -8499,7 +8246,7 @@
             </a:pPr>
             <a:r>
               <a:rPr lang="en-CA" dirty="0"/>
-              <a:t>Future investigations:</a:t>
+              <a:t>Future investigations (keep 2):</a:t>
             </a:r>
           </a:p>
           <a:p>
@@ -19666,7 +19413,7 @@
             <p:ph idx="1"/>
             <p:extLst>
               <p:ext uri="{D42A27DB-BD31-4B8C-83A1-F6EECF244321}">
-                <p14:modId xmlns:p14="http://schemas.microsoft.com/office/powerpoint/2010/main" val="640785543"/>
+                <p14:modId xmlns:p14="http://schemas.microsoft.com/office/powerpoint/2010/main" val="2367028517"/>
               </p:ext>
             </p:extLst>
           </p:nvPr>

--- a/Presentation - Project 01.pptx
+++ b/Presentation - Project 01.pptx
@@ -7195,156 +7195,29 @@
           <a:p>
             <a:r>
               <a:rPr lang="en-US" dirty="0"/>
-              <a:t> - After </a:t>
+              <a:t>Lowest crime occurred in a day is early in the morning (around 6 am)</a:t>
             </a:r>
-            <a:r>
-              <a:rPr lang="en-US" dirty="0" err="1"/>
-              <a:t>analysing</a:t>
-            </a:r>
+          </a:p>
+          <a:p>
+            <a:endParaRPr lang="en-US" dirty="0"/>
+          </a:p>
+          <a:p>
             <a:r>
               <a:rPr lang="en-US" dirty="0"/>
-              <a:t> the data, we see the top 10 most dangerous </a:t>
+              <a:t>    - "Assault" and "Break and Enter" crime occurred most at mid-night while "Auto Theft" is at peak around 10pm and "Robbery" at 9pm.</a:t>
             </a:r>
-            <a:r>
-              <a:rPr lang="en-US" dirty="0" err="1"/>
-              <a:t>neighbourhoods</a:t>
-            </a:r>
+          </a:p>
+          <a:p>
+            <a:endParaRPr lang="en-US" dirty="0"/>
+          </a:p>
+          <a:p>
             <a:r>
               <a:rPr lang="en-US" dirty="0"/>
-              <a:t> in the dataframe below:</a:t>
+              <a:t>    - At noon, we see a sudden spike for "Assault", "Break n Enter", "Auto Theft" </a:t>
             </a:r>
-          </a:p>
-          <a:p>
-            <a:r>
-              <a:rPr lang="en-US" dirty="0"/>
-              <a:t>    ![Most-crime-</a:t>
-            </a:r>
-            <a:r>
-              <a:rPr lang="en-US" dirty="0" err="1"/>
-              <a:t>neighbourhoods</a:t>
-            </a:r>
-            <a:r>
-              <a:rPr lang="en-US" dirty="0"/>
-              <a:t>](Image-Output/Most-crime-neighbourhoods.png)</a:t>
-            </a:r>
-          </a:p>
-          <a:p>
-            <a:endParaRPr lang="en-US" dirty="0"/>
-          </a:p>
-          <a:p>
-            <a:r>
-              <a:rPr lang="en-US" dirty="0"/>
-              <a:t>    - We also see the top 10 most safe </a:t>
-            </a:r>
-            <a:r>
-              <a:rPr lang="en-US" dirty="0" err="1"/>
-              <a:t>neighbourhoods</a:t>
-            </a:r>
-            <a:r>
-              <a:rPr lang="en-US" dirty="0"/>
-              <a:t> in the dataframe below:</a:t>
-            </a:r>
-          </a:p>
-          <a:p>
-            <a:r>
-              <a:rPr lang="en-US" dirty="0"/>
-              <a:t>    ![Least-crime-</a:t>
-            </a:r>
-            <a:r>
-              <a:rPr lang="en-US" dirty="0" err="1"/>
-              <a:t>neighbourhoods</a:t>
-            </a:r>
-            <a:r>
-              <a:rPr lang="en-US" dirty="0"/>
-              <a:t>](Image-Output/Least-crime-neighbourhoods.png)   </a:t>
-            </a:r>
-          </a:p>
-          <a:p>
-            <a:endParaRPr lang="en-US" dirty="0"/>
-          </a:p>
-          <a:p>
-            <a:r>
-              <a:rPr lang="en-US" dirty="0"/>
-              <a:t>    - A heatmap was created with the above </a:t>
-            </a:r>
-            <a:r>
-              <a:rPr lang="en-US" dirty="0" err="1"/>
-              <a:t>neighbourhoods</a:t>
-            </a:r>
-            <a:r>
-              <a:rPr lang="en-US" dirty="0"/>
-              <a:t> as symbol markers, to get an idea of their locations:</a:t>
-            </a:r>
-          </a:p>
-          <a:p>
-            <a:r>
-              <a:rPr lang="en-US" dirty="0"/>
-              <a:t>    ![crime-heatmap-symbols](Image-Output/crime-heatmap-symbols.png)</a:t>
-            </a:r>
-          </a:p>
-          <a:p>
-            <a:r>
-              <a:rPr lang="en-US" dirty="0"/>
-              <a:t>     * 60% of the top 10 most dangerous </a:t>
-            </a:r>
-            <a:r>
-              <a:rPr lang="en-US" dirty="0" err="1"/>
-              <a:t>neighbours</a:t>
-            </a:r>
-            <a:r>
-              <a:rPr lang="en-US" dirty="0"/>
-              <a:t> appear to be in the Toronto downtown area, with the rest spread quite far away from each other.</a:t>
-            </a:r>
-          </a:p>
-          <a:p>
-            <a:endParaRPr lang="en-US" dirty="0"/>
-          </a:p>
-          <a:p>
-            <a:r>
-              <a:rPr lang="en-US" dirty="0"/>
-              <a:t>     * The Yonge-</a:t>
-            </a:r>
-            <a:r>
-              <a:rPr lang="en-US" dirty="0" err="1"/>
-              <a:t>St.Clair</a:t>
-            </a:r>
-            <a:r>
-              <a:rPr lang="en-US" dirty="0"/>
-              <a:t> </a:t>
-            </a:r>
-            <a:r>
-              <a:rPr lang="en-US" dirty="0" err="1"/>
-              <a:t>neighbourhood</a:t>
-            </a:r>
-            <a:r>
-              <a:rPr lang="en-US" dirty="0"/>
-              <a:t>  is considered a safe </a:t>
-            </a:r>
-            <a:r>
-              <a:rPr lang="en-US" dirty="0" err="1"/>
-              <a:t>neighbourhood</a:t>
-            </a:r>
-            <a:r>
-              <a:rPr lang="en-US" dirty="0"/>
-              <a:t> with less crimes - this is interesting given its proximity to downtown Toronto where crime cases are high.</a:t>
-            </a:r>
-          </a:p>
-          <a:p>
-            <a:endParaRPr lang="en-US" dirty="0"/>
-          </a:p>
-          <a:p>
-            <a:r>
-              <a:rPr lang="en-US" dirty="0"/>
-              <a:t>     * There appear to be a marginally higher number of safer </a:t>
-            </a:r>
-            <a:r>
-              <a:rPr lang="en-US" dirty="0" err="1"/>
-              <a:t>neighbourhoods</a:t>
-            </a:r>
-            <a:r>
-              <a:rPr lang="en-US" dirty="0"/>
-              <a:t> in the west end of Toronto.</a:t>
-            </a:r>
+            <a:endParaRPr lang="en-CA" dirty="0"/>
+          </a:p>
+          <a:p>
             <a:endParaRPr lang="en-CA" dirty="0"/>
           </a:p>
         </p:txBody>
@@ -7366,7 +7239,7 @@
           <a:p>
             <a:fld id="{80873457-8BE3-45C0-8852-50006BBD3D86}" type="slidenum">
               <a:rPr lang="en-CA" smtClean="0"/>
-              <a:t>11</a:t>
+              <a:t>10</a:t>
             </a:fld>
             <a:endParaRPr lang="en-CA"/>
           </a:p>
@@ -7375,7 +7248,7 @@
     </p:spTree>
     <p:extLst>
       <p:ext uri="{BB962C8B-B14F-4D97-AF65-F5344CB8AC3E}">
-        <p14:creationId xmlns:p14="http://schemas.microsoft.com/office/powerpoint/2010/main" val="2967237887"/>
+        <p14:creationId xmlns:p14="http://schemas.microsoft.com/office/powerpoint/2010/main" val="1239328905"/>
       </p:ext>
     </p:extLst>
   </p:cSld>
@@ -7431,7 +7304,15 @@
           <a:p>
             <a:r>
               <a:rPr lang="en-US" dirty="0"/>
-              <a:t>Google Places API was called to find police stations within 5000m of the top 10 </a:t>
+              <a:t> - After </a:t>
+            </a:r>
+            <a:r>
+              <a:rPr lang="en-US" dirty="0" err="1"/>
+              <a:t>analysing</a:t>
+            </a:r>
+            <a:r>
+              <a:rPr lang="en-US" dirty="0"/>
+              <a:t> the data, we see the top 10 most dangerous </a:t>
             </a:r>
             <a:r>
               <a:rPr lang="en-US" dirty="0" err="1"/>
@@ -7439,22 +7320,13 @@
             </a:r>
             <a:r>
               <a:rPr lang="en-US" dirty="0"/>
-              <a:t> and these were added as marker symbols on the heatmap:</a:t>
+              <a:t> in the dataframe below:</a:t>
             </a:r>
           </a:p>
           <a:p>
             <a:r>
               <a:rPr lang="en-US" dirty="0"/>
-              <a:t>     ![crime-heatmap-markers](Image-Output/crime-heatmap-markers.png)   </a:t>
-            </a:r>
-          </a:p>
-          <a:p>
-            <a:endParaRPr lang="en-US" dirty="0"/>
-          </a:p>
-          <a:p>
-            <a:r>
-              <a:rPr lang="en-US" dirty="0"/>
-              <a:t>    - It appears that Toronto Police 52 Division is the nearest police station for 6 of the top 10 </a:t>
+              <a:t>    ![Most-crime-</a:t>
             </a:r>
             <a:r>
               <a:rPr lang="en-US" dirty="0" err="1"/>
@@ -7462,7 +7334,16 @@
             </a:r>
             <a:r>
               <a:rPr lang="en-US" dirty="0"/>
-              <a:t> with most crimes. This shows that the </a:t>
+              <a:t>](Image-Output/Most-crime-neighbourhoods.png)</a:t>
+            </a:r>
+          </a:p>
+          <a:p>
+            <a:endParaRPr lang="en-US" dirty="0"/>
+          </a:p>
+          <a:p>
+            <a:r>
+              <a:rPr lang="en-US" dirty="0"/>
+              <a:t>    - We also see the top 10 most safe </a:t>
             </a:r>
             <a:r>
               <a:rPr lang="en-US" dirty="0" err="1"/>
@@ -7470,10 +7351,109 @@
             </a:r>
             <a:r>
               <a:rPr lang="en-US" dirty="0"/>
-              <a:t> are close to one another and also calls to question whether this particular division might be overwhelmed with crime incidents. It would be interesting to dive deeper and find out whether there is a correlation between crime rates and government funding for each police divisions.</a:t>
+              <a:t> in the dataframe below:</a:t>
             </a:r>
           </a:p>
           <a:p>
+            <a:r>
+              <a:rPr lang="en-US" dirty="0"/>
+              <a:t>    ![Least-crime-</a:t>
+            </a:r>
+            <a:r>
+              <a:rPr lang="en-US" dirty="0" err="1"/>
+              <a:t>neighbourhoods</a:t>
+            </a:r>
+            <a:r>
+              <a:rPr lang="en-US" dirty="0"/>
+              <a:t>](Image-Output/Least-crime-neighbourhoods.png)   </a:t>
+            </a:r>
+          </a:p>
+          <a:p>
+            <a:endParaRPr lang="en-US" dirty="0"/>
+          </a:p>
+          <a:p>
+            <a:r>
+              <a:rPr lang="en-US" dirty="0"/>
+              <a:t>    - A heatmap was created with the above </a:t>
+            </a:r>
+            <a:r>
+              <a:rPr lang="en-US" dirty="0" err="1"/>
+              <a:t>neighbourhoods</a:t>
+            </a:r>
+            <a:r>
+              <a:rPr lang="en-US" dirty="0"/>
+              <a:t> as symbol markers, to get an idea of their locations:</a:t>
+            </a:r>
+          </a:p>
+          <a:p>
+            <a:r>
+              <a:rPr lang="en-US" dirty="0"/>
+              <a:t>    ![crime-heatmap-symbols](Image-Output/crime-heatmap-symbols.png)</a:t>
+            </a:r>
+          </a:p>
+          <a:p>
+            <a:r>
+              <a:rPr lang="en-US" dirty="0"/>
+              <a:t>     * 60% of the top 10 most dangerous </a:t>
+            </a:r>
+            <a:r>
+              <a:rPr lang="en-US" dirty="0" err="1"/>
+              <a:t>neighbours</a:t>
+            </a:r>
+            <a:r>
+              <a:rPr lang="en-US" dirty="0"/>
+              <a:t> appear to be in the Toronto downtown area, with the rest spread quite far away from each other.</a:t>
+            </a:r>
+          </a:p>
+          <a:p>
+            <a:endParaRPr lang="en-US" dirty="0"/>
+          </a:p>
+          <a:p>
+            <a:r>
+              <a:rPr lang="en-US" dirty="0"/>
+              <a:t>     * The Yonge-</a:t>
+            </a:r>
+            <a:r>
+              <a:rPr lang="en-US" dirty="0" err="1"/>
+              <a:t>St.Clair</a:t>
+            </a:r>
+            <a:r>
+              <a:rPr lang="en-US" dirty="0"/>
+              <a:t> </a:t>
+            </a:r>
+            <a:r>
+              <a:rPr lang="en-US" dirty="0" err="1"/>
+              <a:t>neighbourhood</a:t>
+            </a:r>
+            <a:r>
+              <a:rPr lang="en-US" dirty="0"/>
+              <a:t>  is considered a safe </a:t>
+            </a:r>
+            <a:r>
+              <a:rPr lang="en-US" dirty="0" err="1"/>
+              <a:t>neighbourhood</a:t>
+            </a:r>
+            <a:r>
+              <a:rPr lang="en-US" dirty="0"/>
+              <a:t> with less crimes - this is interesting given its proximity to downtown Toronto where crime cases are high.</a:t>
+            </a:r>
+          </a:p>
+          <a:p>
+            <a:endParaRPr lang="en-US" dirty="0"/>
+          </a:p>
+          <a:p>
+            <a:r>
+              <a:rPr lang="en-US" dirty="0"/>
+              <a:t>     * There appear to be a marginally higher number of safer </a:t>
+            </a:r>
+            <a:r>
+              <a:rPr lang="en-US" dirty="0" err="1"/>
+              <a:t>neighbourhoods</a:t>
+            </a:r>
+            <a:r>
+              <a:rPr lang="en-US" dirty="0"/>
+              <a:t> in the west end of Toronto.</a:t>
+            </a:r>
             <a:endParaRPr lang="en-CA" dirty="0"/>
           </a:p>
         </p:txBody>
@@ -7495,7 +7475,7 @@
           <a:p>
             <a:fld id="{80873457-8BE3-45C0-8852-50006BBD3D86}" type="slidenum">
               <a:rPr lang="en-CA" smtClean="0"/>
-              <a:t>12</a:t>
+              <a:t>11</a:t>
             </a:fld>
             <a:endParaRPr lang="en-CA"/>
           </a:p>
@@ -7504,7 +7484,7 @@
     </p:spTree>
     <p:extLst>
       <p:ext uri="{BB962C8B-B14F-4D97-AF65-F5344CB8AC3E}">
-        <p14:creationId xmlns:p14="http://schemas.microsoft.com/office/powerpoint/2010/main" val="4061177503"/>
+        <p14:creationId xmlns:p14="http://schemas.microsoft.com/office/powerpoint/2010/main" val="2967237887"/>
       </p:ext>
     </p:extLst>
   </p:cSld>
@@ -7560,7 +7540,46 @@
           <a:p>
             <a:r>
               <a:rPr lang="en-US" dirty="0"/>
-              <a:t>Break and Enter and Robbery’s scatter pattern are consistent with the Toronto Crime Heat Map, they are most likely to occur in the most dangerous Downtown area. Auto Theft does not follow the same pattern and appeared to be scattered all over the city.</a:t>
+              <a:t>Google Places API was called to find police stations within 5000m of the top 10 </a:t>
+            </a:r>
+            <a:r>
+              <a:rPr lang="en-US" dirty="0" err="1"/>
+              <a:t>neighbourhoods</a:t>
+            </a:r>
+            <a:r>
+              <a:rPr lang="en-US" dirty="0"/>
+              <a:t> and these were added as marker symbols on the heatmap:</a:t>
+            </a:r>
+          </a:p>
+          <a:p>
+            <a:r>
+              <a:rPr lang="en-US" dirty="0"/>
+              <a:t>     ![crime-heatmap-markers](Image-Output/crime-heatmap-markers.png)   </a:t>
+            </a:r>
+          </a:p>
+          <a:p>
+            <a:endParaRPr lang="en-US" dirty="0"/>
+          </a:p>
+          <a:p>
+            <a:r>
+              <a:rPr lang="en-US" dirty="0"/>
+              <a:t>    - It appears that Toronto Police 52 Division is the nearest police station for 6 of the top 10 </a:t>
+            </a:r>
+            <a:r>
+              <a:rPr lang="en-US" dirty="0" err="1"/>
+              <a:t>neighbourhoods</a:t>
+            </a:r>
+            <a:r>
+              <a:rPr lang="en-US" dirty="0"/>
+              <a:t> with most crimes. This shows that the </a:t>
+            </a:r>
+            <a:r>
+              <a:rPr lang="en-US" dirty="0" err="1"/>
+              <a:t>neighbourhoods</a:t>
+            </a:r>
+            <a:r>
+              <a:rPr lang="en-US" dirty="0"/>
+              <a:t> are close to one another and also calls to question whether this particular division might be overwhelmed with crime incidents. It would be interesting to dive deeper and find out whether there is a correlation between crime rates and government funding for each police divisions.</a:t>
             </a:r>
           </a:p>
           <a:p>
@@ -7585,7 +7604,7 @@
           <a:p>
             <a:fld id="{80873457-8BE3-45C0-8852-50006BBD3D86}" type="slidenum">
               <a:rPr lang="en-CA" smtClean="0"/>
-              <a:t>13</a:t>
+              <a:t>12</a:t>
             </a:fld>
             <a:endParaRPr lang="en-CA"/>
           </a:p>
@@ -7594,7 +7613,7 @@
     </p:spTree>
     <p:extLst>
       <p:ext uri="{BB962C8B-B14F-4D97-AF65-F5344CB8AC3E}">
-        <p14:creationId xmlns:p14="http://schemas.microsoft.com/office/powerpoint/2010/main" val="3856743952"/>
+        <p14:creationId xmlns:p14="http://schemas.microsoft.com/office/powerpoint/2010/main" val="4061177503"/>
       </p:ext>
     </p:extLst>
   </p:cSld>
@@ -7650,32 +7669,10 @@
           <a:p>
             <a:r>
               <a:rPr lang="en-US" dirty="0"/>
-              <a:t>- Assaults in all premises are generally in an increasing trend</a:t>
+              <a:t>Break and Enter and Robbery’s scatter pattern are consistent with the Toronto Crime Heat Map, they are most likely to occur in the most dangerous Downtown area. Auto Theft does not follow the same pattern and appeared to be scattered all over the city.</a:t>
             </a:r>
           </a:p>
           <a:p>
-            <a:r>
-              <a:rPr lang="en-US" dirty="0"/>
-              <a:t>    </a:t>
-            </a:r>
-          </a:p>
-          <a:p>
-            <a:r>
-              <a:rPr lang="en-US" dirty="0"/>
-              <a:t>    - Assaults in apartments are most likely and is increasing at the highest rate</a:t>
-            </a:r>
-          </a:p>
-          <a:p>
-            <a:r>
-              <a:rPr lang="en-US" dirty="0"/>
-              <a:t>    </a:t>
-            </a:r>
-          </a:p>
-          <a:p>
-            <a:r>
-              <a:rPr lang="en-US" dirty="0"/>
-              <a:t>    - Assaults are almost three times more likely to happen in apartments than in houses</a:t>
-            </a:r>
             <a:endParaRPr lang="en-CA" dirty="0"/>
           </a:p>
         </p:txBody>
@@ -7697,7 +7694,7 @@
           <a:p>
             <a:fld id="{80873457-8BE3-45C0-8852-50006BBD3D86}" type="slidenum">
               <a:rPr lang="en-CA" smtClean="0"/>
-              <a:t>14</a:t>
+              <a:t>13</a:t>
             </a:fld>
             <a:endParaRPr lang="en-CA"/>
           </a:p>
@@ -7706,7 +7703,7 @@
     </p:spTree>
     <p:extLst>
       <p:ext uri="{BB962C8B-B14F-4D97-AF65-F5344CB8AC3E}">
-        <p14:creationId xmlns:p14="http://schemas.microsoft.com/office/powerpoint/2010/main" val="4012328082"/>
+        <p14:creationId xmlns:p14="http://schemas.microsoft.com/office/powerpoint/2010/main" val="3856743952"/>
       </p:ext>
     </p:extLst>
   </p:cSld>
@@ -7762,7 +7759,7 @@
           <a:p>
             <a:r>
               <a:rPr lang="en-US" dirty="0"/>
-              <a:t> For Break and Enter (B&amp;E), in 2014, there are almost twice the incidents happening in houses compared with Commercial or Apartment premises.</a:t>
+              <a:t>- Assaults in all premises are generally in an increasing trend</a:t>
             </a:r>
           </a:p>
           <a:p>
@@ -7774,7 +7771,7 @@
           <a:p>
             <a:r>
               <a:rPr lang="en-US" dirty="0"/>
-              <a:t>    - However, House B&amp;Es are decreasing over time while commercial B&amp;Es are increasing. At the end of 2019, there are almost 1000 more B&amp;E cases for commercial than houses</a:t>
+              <a:t>    - Assaults in apartments are most likely and is increasing at the highest rate</a:t>
             </a:r>
           </a:p>
           <a:p>
@@ -7786,22 +7783,8 @@
           <a:p>
             <a:r>
               <a:rPr lang="en-US" dirty="0"/>
-              <a:t>    - There is a decrease in the number of incidents for apartments from 2015 to 2016 and this then started increasing at a steady rate since 2016, finally become more rampant than house B&amp;Es.</a:t>
+              <a:t>    - Assaults are almost three times more likely to happen in apartments than in houses</a:t>
             </a:r>
-          </a:p>
-          <a:p>
-            <a:r>
-              <a:rPr lang="en-US" dirty="0"/>
-              <a:t>    </a:t>
-            </a:r>
-          </a:p>
-          <a:p>
-            <a:r>
-              <a:rPr lang="en-US" dirty="0"/>
-              <a:t>    - Even though House B&amp;Es are decreasing over the years, the pie chart shows that it still has the highest total number of incidents.</a:t>
-            </a:r>
-          </a:p>
-          <a:p>
             <a:endParaRPr lang="en-CA" dirty="0"/>
           </a:p>
         </p:txBody>
@@ -7823,7 +7806,7 @@
           <a:p>
             <a:fld id="{80873457-8BE3-45C0-8852-50006BBD3D86}" type="slidenum">
               <a:rPr lang="en-CA" smtClean="0"/>
-              <a:t>15</a:t>
+              <a:t>14</a:t>
             </a:fld>
             <a:endParaRPr lang="en-CA"/>
           </a:p>
@@ -7832,7 +7815,7 @@
     </p:spTree>
     <p:extLst>
       <p:ext uri="{BB962C8B-B14F-4D97-AF65-F5344CB8AC3E}">
-        <p14:creationId xmlns:p14="http://schemas.microsoft.com/office/powerpoint/2010/main" val="817512946"/>
+        <p14:creationId xmlns:p14="http://schemas.microsoft.com/office/powerpoint/2010/main" val="4012328082"/>
       </p:ext>
     </p:extLst>
   </p:cSld>
@@ -7888,7 +7871,7 @@
           <a:p>
             <a:r>
               <a:rPr lang="en-US" dirty="0"/>
-              <a:t> Incidents in apartment and houses are pretty steady over the six years.</a:t>
+              <a:t> For Break and Enter (B&amp;E), in 2014, there are almost twice the incidents happening in houses compared with Commercial or Apartment premises.</a:t>
             </a:r>
           </a:p>
           <a:p>
@@ -7900,7 +7883,7 @@
           <a:p>
             <a:r>
               <a:rPr lang="en-US" dirty="0"/>
-              <a:t>    - Majority of robberies happen outside and in commercial areas</a:t>
+              <a:t>    - However, House B&amp;Es are decreasing over time while commercial B&amp;Es are increasing. At the end of 2019, there are almost 1000 more B&amp;E cases for commercial than houses</a:t>
             </a:r>
           </a:p>
           <a:p>
@@ -7912,15 +7895,7 @@
           <a:p>
             <a:r>
               <a:rPr lang="en-US" dirty="0"/>
-              <a:t>    - Robberies happening outside started to decrease from 2017, however, it is still twice as much incidents as the second popular premise-</a:t>
-            </a:r>
-            <a:r>
-              <a:rPr lang="en-US" dirty="0" err="1"/>
-              <a:t>commerical</a:t>
-            </a:r>
-            <a:r>
-              <a:rPr lang="en-US" dirty="0"/>
-              <a:t> by the end of 2019</a:t>
+              <a:t>    - There is a decrease in the number of incidents for apartments from 2015 to 2016 and this then started increasing at a steady rate since 2016, finally become more rampant than house B&amp;Es.</a:t>
             </a:r>
           </a:p>
           <a:p>
@@ -7932,8 +7907,10 @@
           <a:p>
             <a:r>
               <a:rPr lang="en-US" dirty="0"/>
-              <a:t>    - Robbery is three times more likely to happen in apartments than in houses</a:t>
+              <a:t>    - Even though House B&amp;Es are decreasing over the years, the pie chart shows that it still has the highest total number of incidents.</a:t>
             </a:r>
+          </a:p>
+          <a:p>
             <a:endParaRPr lang="en-CA" dirty="0"/>
           </a:p>
         </p:txBody>
@@ -7955,7 +7932,7 @@
           <a:p>
             <a:fld id="{80873457-8BE3-45C0-8852-50006BBD3D86}" type="slidenum">
               <a:rPr lang="en-CA" smtClean="0"/>
-              <a:t>16</a:t>
+              <a:t>15</a:t>
             </a:fld>
             <a:endParaRPr lang="en-CA"/>
           </a:p>
@@ -7964,7 +7941,7 @@
     </p:spTree>
     <p:extLst>
       <p:ext uri="{BB962C8B-B14F-4D97-AF65-F5344CB8AC3E}">
-        <p14:creationId xmlns:p14="http://schemas.microsoft.com/office/powerpoint/2010/main" val="316692536"/>
+        <p14:creationId xmlns:p14="http://schemas.microsoft.com/office/powerpoint/2010/main" val="817512946"/>
       </p:ext>
     </p:extLst>
   </p:cSld>
@@ -8020,17 +7997,53 @@
           <a:p>
             <a:r>
               <a:rPr lang="en-US" dirty="0"/>
-              <a:t>The number of crimes occurred in Toronto has weak correlation with GDP growth rate.</a:t>
+              <a:t> Incidents in apartment and houses are pretty steady over the six years.</a:t>
             </a:r>
           </a:p>
           <a:p>
             <a:r>
-              <a:rPr lang="en-US"/>
-              <a:t>    - The GDP has stable growth rate.</a:t>
+              <a:rPr lang="en-US" dirty="0"/>
+              <a:t>    </a:t>
             </a:r>
           </a:p>
           <a:p>
-            <a:endParaRPr lang="en-CA"/>
+            <a:r>
+              <a:rPr lang="en-US" dirty="0"/>
+              <a:t>    - Majority of robberies happen outside and in commercial areas</a:t>
+            </a:r>
+          </a:p>
+          <a:p>
+            <a:r>
+              <a:rPr lang="en-US" dirty="0"/>
+              <a:t>    </a:t>
+            </a:r>
+          </a:p>
+          <a:p>
+            <a:r>
+              <a:rPr lang="en-US" dirty="0"/>
+              <a:t>    - Robberies happening outside started to decrease from 2017, however, it is still twice as much incidents as the second popular premise-</a:t>
+            </a:r>
+            <a:r>
+              <a:rPr lang="en-US" dirty="0" err="1"/>
+              <a:t>commerical</a:t>
+            </a:r>
+            <a:r>
+              <a:rPr lang="en-US" dirty="0"/>
+              <a:t> by the end of 2019</a:t>
+            </a:r>
+          </a:p>
+          <a:p>
+            <a:r>
+              <a:rPr lang="en-US" dirty="0"/>
+              <a:t>    </a:t>
+            </a:r>
+          </a:p>
+          <a:p>
+            <a:r>
+              <a:rPr lang="en-US" dirty="0"/>
+              <a:t>    - Robbery is three times more likely to happen in apartments than in houses</a:t>
+            </a:r>
+            <a:endParaRPr lang="en-CA" dirty="0"/>
           </a:p>
         </p:txBody>
       </p:sp>
@@ -8051,6 +8064,102 @@
           <a:p>
             <a:fld id="{80873457-8BE3-45C0-8852-50006BBD3D86}" type="slidenum">
               <a:rPr lang="en-CA" smtClean="0"/>
+              <a:t>16</a:t>
+            </a:fld>
+            <a:endParaRPr lang="en-CA"/>
+          </a:p>
+        </p:txBody>
+      </p:sp>
+    </p:spTree>
+    <p:extLst>
+      <p:ext uri="{BB962C8B-B14F-4D97-AF65-F5344CB8AC3E}">
+        <p14:creationId xmlns:p14="http://schemas.microsoft.com/office/powerpoint/2010/main" val="316692536"/>
+      </p:ext>
+    </p:extLst>
+  </p:cSld>
+  <p:clrMapOvr>
+    <a:masterClrMapping/>
+  </p:clrMapOvr>
+</p:notes>
+</file>
+
+<file path=ppt/notesSlides/notesSlide17.xml><?xml version="1.0" encoding="utf-8"?>
+<p:notes xmlns:a="http://schemas.openxmlformats.org/drawingml/2006/main" xmlns:r="http://schemas.openxmlformats.org/officeDocument/2006/relationships" xmlns:p="http://schemas.openxmlformats.org/presentationml/2006/main">
+  <p:cSld>
+    <p:spTree>
+      <p:nvGrpSpPr>
+        <p:cNvPr id="1" name=""/>
+        <p:cNvGrpSpPr/>
+        <p:nvPr/>
+      </p:nvGrpSpPr>
+      <p:grpSpPr>
+        <a:xfrm>
+          <a:off x="0" y="0"/>
+          <a:ext cx="0" cy="0"/>
+          <a:chOff x="0" y="0"/>
+          <a:chExt cx="0" cy="0"/>
+        </a:xfrm>
+      </p:grpSpPr>
+      <p:sp>
+        <p:nvSpPr>
+          <p:cNvPr id="2" name="Slide Image Placeholder 1"/>
+          <p:cNvSpPr>
+            <a:spLocks noGrp="1" noRot="1" noChangeAspect="1"/>
+          </p:cNvSpPr>
+          <p:nvPr>
+            <p:ph type="sldImg"/>
+          </p:nvPr>
+        </p:nvSpPr>
+        <p:spPr/>
+      </p:sp>
+      <p:sp>
+        <p:nvSpPr>
+          <p:cNvPr id="3" name="Notes Placeholder 2"/>
+          <p:cNvSpPr>
+            <a:spLocks noGrp="1"/>
+          </p:cNvSpPr>
+          <p:nvPr>
+            <p:ph type="body" idx="1"/>
+          </p:nvPr>
+        </p:nvSpPr>
+        <p:spPr/>
+        <p:txBody>
+          <a:bodyPr/>
+          <a:lstStyle/>
+          <a:p>
+            <a:r>
+              <a:rPr lang="en-US" dirty="0"/>
+              <a:t>The number of crimes occurred in Toronto has weak correlation with GDP growth rate.</a:t>
+            </a:r>
+          </a:p>
+          <a:p>
+            <a:r>
+              <a:rPr lang="en-US"/>
+              <a:t>    - The GDP has stable growth rate.</a:t>
+            </a:r>
+          </a:p>
+          <a:p>
+            <a:endParaRPr lang="en-CA"/>
+          </a:p>
+        </p:txBody>
+      </p:sp>
+      <p:sp>
+        <p:nvSpPr>
+          <p:cNvPr id="4" name="Slide Number Placeholder 3"/>
+          <p:cNvSpPr>
+            <a:spLocks noGrp="1"/>
+          </p:cNvSpPr>
+          <p:nvPr>
+            <p:ph type="sldNum" sz="quarter" idx="5"/>
+          </p:nvPr>
+        </p:nvSpPr>
+        <p:spPr/>
+        <p:txBody>
+          <a:bodyPr/>
+          <a:lstStyle/>
+          <a:p>
+            <a:fld id="{80873457-8BE3-45C0-8852-50006BBD3D86}" type="slidenum">
+              <a:rPr lang="en-CA" smtClean="0"/>
               <a:t>17</a:t>
             </a:fld>
             <a:endParaRPr lang="en-CA"/>
@@ -8070,7 +8179,7 @@
 </p:notes>
 </file>
 
-<file path=ppt/notesSlides/notesSlide17.xml><?xml version="1.0" encoding="utf-8"?>
+<file path=ppt/notesSlides/notesSlide18.xml><?xml version="1.0" encoding="utf-8"?>
 <p:notes xmlns:a="http://schemas.openxmlformats.org/drawingml/2006/main" xmlns:r="http://schemas.openxmlformats.org/officeDocument/2006/relationships" xmlns:p="http://schemas.openxmlformats.org/presentationml/2006/main">
   <p:cSld>
     <p:spTree>
@@ -9244,19 +9353,118 @@
           <a:bodyPr/>
           <a:lstStyle/>
           <a:p>
+            <a:pPr marL="57150">
+              <a:lnSpc>
+                <a:spcPct val="90000"/>
+              </a:lnSpc>
+              <a:spcAft>
+                <a:spcPts val="600"/>
+              </a:spcAft>
+            </a:pPr>
             <a:r>
-              <a:rPr lang="en-US" dirty="0"/>
-              <a:t>From 2014 to 2019, Assault is by far the most common crime with occurrences over 110,000, it accounts for 49% of total crimes. It is more than double the number of incidents for the second most common crime Break and Enter.</a:t>
+              <a:rPr lang="en-US" sz="1200" dirty="0"/>
+              <a:t>Data Cleaning</a:t>
             </a:r>
           </a:p>
           <a:p>
-            <a:endParaRPr lang="en-US" dirty="0"/>
-          </a:p>
-          <a:p>
+            <a:pPr marL="285750" indent="-228600">
+              <a:lnSpc>
+                <a:spcPct val="90000"/>
+              </a:lnSpc>
+              <a:spcAft>
+                <a:spcPts val="600"/>
+              </a:spcAft>
+              <a:buFont typeface="Arial" panose="020B0604020202020204" pitchFamily="34" charset="0"/>
+              <a:buChar char="•"/>
+            </a:pPr>
             <a:r>
-              <a:rPr lang="en-US" dirty="0"/>
-              <a:t> - Homicide is the least common crime over the 6-year period and only accounts for less than 0.5% of the total crime.</a:t>
+              <a:rPr lang="en-US" sz="1200" dirty="0"/>
+              <a:t>We used data from the crime data from Toronto Police Open Data.</a:t>
             </a:r>
+          </a:p>
+          <a:p>
+            <a:pPr marL="285750" indent="-228600">
+              <a:lnSpc>
+                <a:spcPct val="90000"/>
+              </a:lnSpc>
+              <a:spcAft>
+                <a:spcPts val="600"/>
+              </a:spcAft>
+              <a:buFont typeface="Arial" panose="020B0604020202020204" pitchFamily="34" charset="0"/>
+              <a:buChar char="•"/>
+            </a:pPr>
+            <a:r>
+              <a:rPr lang="en-US" sz="1200" dirty="0"/>
+              <a:t>We merged and reorganized data to include all major crime indicators (MCI), and keep columns which are necessary for our research.</a:t>
+            </a:r>
+          </a:p>
+          <a:p>
+            <a:pPr marL="285750" indent="-228600">
+              <a:lnSpc>
+                <a:spcPct val="90000"/>
+              </a:lnSpc>
+              <a:spcAft>
+                <a:spcPts val="600"/>
+              </a:spcAft>
+              <a:buFont typeface="Arial" panose="020B0604020202020204" pitchFamily="34" charset="0"/>
+              <a:buChar char="•"/>
+            </a:pPr>
+            <a:r>
+              <a:rPr lang="en-US" sz="1200" dirty="0"/>
+              <a:t>We standardized information to a constant format.</a:t>
+            </a:r>
+          </a:p>
+          <a:p>
+            <a:pPr>
+              <a:spcAft>
+                <a:spcPts val="600"/>
+              </a:spcAft>
+            </a:pPr>
+            <a:r>
+              <a:rPr lang="en-US" sz="1200" dirty="0"/>
+              <a:t>Limitations</a:t>
+            </a:r>
+          </a:p>
+          <a:p>
+            <a:pPr marL="285750" indent="-285750">
+              <a:spcAft>
+                <a:spcPts val="600"/>
+              </a:spcAft>
+              <a:buFontTx/>
+              <a:buChar char="-"/>
+            </a:pPr>
+            <a:r>
+              <a:rPr lang="en-US" sz="1200" dirty="0"/>
+              <a:t>Unavailable dataset (the historical weather data)</a:t>
+            </a:r>
+          </a:p>
+          <a:p>
+            <a:pPr marL="285750" indent="-285750">
+              <a:spcAft>
+                <a:spcPts val="600"/>
+              </a:spcAft>
+              <a:buFontTx/>
+              <a:buChar char="-"/>
+            </a:pPr>
+            <a:r>
+              <a:rPr lang="en-US" sz="1200" dirty="0"/>
+              <a:t>Missing information in the raw dataset (the month and day occurred in homicide data)</a:t>
+            </a:r>
+          </a:p>
+          <a:p>
+            <a:pPr marL="285750" indent="-285750">
+              <a:spcAft>
+                <a:spcPts val="600"/>
+              </a:spcAft>
+              <a:buFontTx/>
+              <a:buChar char="-"/>
+            </a:pPr>
+            <a:r>
+              <a:rPr lang="en-US" sz="1200" dirty="0"/>
+              <a:t>Limitations of the economy data (monthly GDP growth rate)</a:t>
+            </a:r>
+          </a:p>
+          <a:p>
             <a:endParaRPr lang="en-CA" dirty="0"/>
           </a:p>
         </p:txBody>
@@ -9278,7 +9486,7 @@
           <a:p>
             <a:fld id="{80873457-8BE3-45C0-8852-50006BBD3D86}" type="slidenum">
               <a:rPr lang="en-CA" smtClean="0"/>
-              <a:t>6</a:t>
+              <a:t>5</a:t>
             </a:fld>
             <a:endParaRPr lang="en-CA"/>
           </a:p>
@@ -9287,7 +9495,7 @@
     </p:spTree>
     <p:extLst>
       <p:ext uri="{BB962C8B-B14F-4D97-AF65-F5344CB8AC3E}">
-        <p14:creationId xmlns:p14="http://schemas.microsoft.com/office/powerpoint/2010/main" val="4077744356"/>
+        <p14:creationId xmlns:p14="http://schemas.microsoft.com/office/powerpoint/2010/main" val="458891954"/>
       </p:ext>
     </p:extLst>
   </p:cSld>
@@ -9343,7 +9551,16 @@
           <a:p>
             <a:r>
               <a:rPr lang="en-US" dirty="0"/>
-              <a:t>- The crime occurrence in Toronto is increasing from 2014 to 2019.</a:t>
+              <a:t>From 2014 to 2019, Assault is by far the most common crime with occurrences over 110,000, it accounts for 49% of total crimes. It is more than double the number of incidents for the second most common crime Break and Enter.</a:t>
+            </a:r>
+          </a:p>
+          <a:p>
+            <a:endParaRPr lang="en-US" dirty="0"/>
+          </a:p>
+          <a:p>
+            <a:r>
+              <a:rPr lang="en-US" dirty="0"/>
+              <a:t> - Homicide is the least common crime over the 6-year period and only accounts for less than 0.5% of the total crime.</a:t>
             </a:r>
             <a:endParaRPr lang="en-CA" dirty="0"/>
           </a:p>
@@ -9366,7 +9583,7 @@
           <a:p>
             <a:fld id="{80873457-8BE3-45C0-8852-50006BBD3D86}" type="slidenum">
               <a:rPr lang="en-CA" smtClean="0"/>
-              <a:t>7</a:t>
+              <a:t>6</a:t>
             </a:fld>
             <a:endParaRPr lang="en-CA"/>
           </a:p>
@@ -9375,7 +9592,7 @@
     </p:spTree>
     <p:extLst>
       <p:ext uri="{BB962C8B-B14F-4D97-AF65-F5344CB8AC3E}">
-        <p14:creationId xmlns:p14="http://schemas.microsoft.com/office/powerpoint/2010/main" val="1028081936"/>
+        <p14:creationId xmlns:p14="http://schemas.microsoft.com/office/powerpoint/2010/main" val="4077744356"/>
       </p:ext>
     </p:extLst>
   </p:cSld>
@@ -9431,43 +9648,8 @@
           <a:p>
             <a:r>
               <a:rPr lang="en-US" dirty="0"/>
-              <a:t>Based on the 6-year average, the total number of crimes peak in the month of July (3606 cases) while the month of February is lowest (2,484 cases). There are more crimes in summer season then in winter season.</a:t>
+              <a:t>- The crime occurrence in Toronto is increasing from 2014 to 2019.</a:t>
             </a:r>
-          </a:p>
-          <a:p>
-            <a:endParaRPr lang="en-US" dirty="0"/>
-          </a:p>
-          <a:p>
-            <a:r>
-              <a:rPr lang="en-US" dirty="0"/>
-              <a:t>    - Individual type of crime have different patterns. However, </a:t>
-            </a:r>
-            <a:r>
-              <a:rPr lang="en-US" dirty="0" err="1"/>
-              <a:t>Feburary</a:t>
-            </a:r>
-            <a:r>
-              <a:rPr lang="en-US" dirty="0"/>
-              <a:t> is the lowest point across all type of crimes. </a:t>
-            </a:r>
-          </a:p>
-          <a:p>
-            <a:endParaRPr lang="en-US" dirty="0"/>
-          </a:p>
-          <a:p>
-            <a:r>
-              <a:rPr lang="en-US" dirty="0"/>
-              <a:t>    - For Assault, the peak is in summer season (Jun, Jul, Aug). Break and Enter, Auto Theft, Robbery have peaks in October.</a:t>
-            </a:r>
-          </a:p>
-          <a:p>
-            <a:r>
-              <a:rPr lang="en-US" dirty="0"/>
-              <a:t> </a:t>
-            </a:r>
-            <a:endParaRPr lang="en-CA" dirty="0"/>
-          </a:p>
-          <a:p>
             <a:endParaRPr lang="en-CA" dirty="0"/>
           </a:p>
         </p:txBody>
@@ -9489,7 +9671,7 @@
           <a:p>
             <a:fld id="{80873457-8BE3-45C0-8852-50006BBD3D86}" type="slidenum">
               <a:rPr lang="en-CA" smtClean="0"/>
-              <a:t>8</a:t>
+              <a:t>7</a:t>
             </a:fld>
             <a:endParaRPr lang="en-CA"/>
           </a:p>
@@ -9498,7 +9680,7 @@
     </p:spTree>
     <p:extLst>
       <p:ext uri="{BB962C8B-B14F-4D97-AF65-F5344CB8AC3E}">
-        <p14:creationId xmlns:p14="http://schemas.microsoft.com/office/powerpoint/2010/main" val="1584381760"/>
+        <p14:creationId xmlns:p14="http://schemas.microsoft.com/office/powerpoint/2010/main" val="1028081936"/>
       </p:ext>
     </p:extLst>
   </p:cSld>
@@ -9554,7 +9736,7 @@
           <a:p>
             <a:r>
               <a:rPr lang="en-US" dirty="0"/>
-              <a:t>Lowest crime occurred in a day is early in the morning (around 6 am)</a:t>
+              <a:t>Based on the 6-year average, the total number of crimes peak in the month of July (3606 cases) while the month of February is lowest (2,484 cases). There are more crimes in summer season then in winter season.</a:t>
             </a:r>
           </a:p>
           <a:p>
@@ -9563,17 +9745,34 @@
           <a:p>
             <a:r>
               <a:rPr lang="en-US" dirty="0"/>
-              <a:t>    - "Assault" and "Break and Enter" crime occurred most at mid-night while "Auto Theft" is at peak around 10pm and "Robbery" at 9pm.</a:t>
+              <a:t>    - Individual type of crime have different patterns. However, </a:t>
             </a:r>
-          </a:p>
-          <a:p>
-            <a:endParaRPr lang="en-US" dirty="0"/>
-          </a:p>
-          <a:p>
+            <a:r>
+              <a:rPr lang="en-US" dirty="0" err="1"/>
+              <a:t>Feburary</a:t>
+            </a:r>
             <a:r>
               <a:rPr lang="en-US" dirty="0"/>
-              <a:t>    - At noon, we see a sudden spike for "Assault", "Break n Enter", "Auto Theft" </a:t>
+              <a:t> is the lowest point across all type of crimes. </a:t>
             </a:r>
+          </a:p>
+          <a:p>
+            <a:endParaRPr lang="en-US" dirty="0"/>
+          </a:p>
+          <a:p>
+            <a:r>
+              <a:rPr lang="en-US" dirty="0"/>
+              <a:t>    - For Assault, the peak is in summer season (Jun, Jul, Aug). Break and Enter, Auto Theft, Robbery have peaks in October.</a:t>
+            </a:r>
+          </a:p>
+          <a:p>
+            <a:r>
+              <a:rPr lang="en-US" dirty="0"/>
+              <a:t> </a:t>
+            </a:r>
+            <a:endParaRPr lang="en-CA" dirty="0"/>
+          </a:p>
+          <a:p>
             <a:endParaRPr lang="en-CA" dirty="0"/>
           </a:p>
         </p:txBody>
@@ -9595,7 +9794,7 @@
           <a:p>
             <a:fld id="{80873457-8BE3-45C0-8852-50006BBD3D86}" type="slidenum">
               <a:rPr lang="en-CA" smtClean="0"/>
-              <a:t>9</a:t>
+              <a:t>8</a:t>
             </a:fld>
             <a:endParaRPr lang="en-CA"/>
           </a:p>
@@ -9604,7 +9803,7 @@
     </p:spTree>
     <p:extLst>
       <p:ext uri="{BB962C8B-B14F-4D97-AF65-F5344CB8AC3E}">
-        <p14:creationId xmlns:p14="http://schemas.microsoft.com/office/powerpoint/2010/main" val="1245308657"/>
+        <p14:creationId xmlns:p14="http://schemas.microsoft.com/office/powerpoint/2010/main" val="1584381760"/>
       </p:ext>
     </p:extLst>
   </p:cSld>
@@ -9682,9 +9881,6 @@
             </a:r>
             <a:endParaRPr lang="en-CA" dirty="0"/>
           </a:p>
-          <a:p>
-            <a:endParaRPr lang="en-CA" dirty="0"/>
-          </a:p>
         </p:txBody>
       </p:sp>
       <p:sp>
@@ -9704,7 +9900,7 @@
           <a:p>
             <a:fld id="{80873457-8BE3-45C0-8852-50006BBD3D86}" type="slidenum">
               <a:rPr lang="en-CA" smtClean="0"/>
-              <a:t>10</a:t>
+              <a:t>9</a:t>
             </a:fld>
             <a:endParaRPr lang="en-CA"/>
           </a:p>
@@ -9713,7 +9909,7 @@
     </p:spTree>
     <p:extLst>
       <p:ext uri="{BB962C8B-B14F-4D97-AF65-F5344CB8AC3E}">
-        <p14:creationId xmlns:p14="http://schemas.microsoft.com/office/powerpoint/2010/main" val="1239328905"/>
+        <p14:creationId xmlns:p14="http://schemas.microsoft.com/office/powerpoint/2010/main" val="1245308657"/>
       </p:ext>
     </p:extLst>
   </p:cSld>
@@ -21890,7 +22086,7 @@
           <a:p>
             <a:r>
               <a:rPr lang="en-US" sz="3600" b="1" dirty="0"/>
-              <a:t>Data Cleaning and Considerations</a:t>
+              <a:t>Data Cleaning and Limitations</a:t>
             </a:r>
           </a:p>
         </p:txBody>
@@ -22108,7 +22304,7 @@
             </a:pPr>
             <a:r>
               <a:rPr lang="en-US" sz="2000" dirty="0"/>
-              <a:t>We used data from the crime data from Toronto Police Open Data.</a:t>
+              <a:t>Data resource: Toronto Police Open Data</a:t>
             </a:r>
           </a:p>
           <a:p>
@@ -22124,7 +22320,7 @@
             </a:pPr>
             <a:r>
               <a:rPr lang="en-US" sz="2000" dirty="0"/>
-              <a:t>We merged and reorganized data to include all major crime indicators (MCI), and keep columns which are necessary for our research.</a:t>
+              <a:t>Merged and reorganized</a:t>
             </a:r>
           </a:p>
           <a:p>
@@ -22140,7 +22336,7 @@
             </a:pPr>
             <a:r>
               <a:rPr lang="en-US" sz="2000" dirty="0"/>
-              <a:t>We standardized information to a constant format.</a:t>
+              <a:t>Standardized in constant format</a:t>
             </a:r>
           </a:p>
         </p:txBody>
@@ -22160,13 +22356,13 @@
           <p:nvPr/>
         </p:nvPicPr>
         <p:blipFill>
-          <a:blip r:embed="rId2">
+          <a:blip r:embed="rId3">
             <a:extLst>
               <a:ext uri="{28A0092B-C50C-407E-A947-70E740481C1C}">
                 <a14:useLocalDpi xmlns:a14="http://schemas.microsoft.com/office/drawing/2010/main" val="0"/>
               </a:ext>
               <a:ext uri="{96DAC541-7B7A-43D3-8B79-37D633B846F1}">
-                <asvg:svgBlip xmlns:asvg="http://schemas.microsoft.com/office/drawing/2016/SVG/main" r:embed="rId3"/>
+                <asvg:svgBlip xmlns:asvg="http://schemas.microsoft.com/office/drawing/2016/SVG/main" r:embed="rId4"/>
               </a:ext>
             </a:extLst>
           </a:blip>
@@ -22331,13 +22527,13 @@
           <p:nvPr/>
         </p:nvPicPr>
         <p:blipFill>
-          <a:blip r:embed="rId4">
+          <a:blip r:embed="rId5">
             <a:extLst>
               <a:ext uri="{28A0092B-C50C-407E-A947-70E740481C1C}">
                 <a14:useLocalDpi xmlns:a14="http://schemas.microsoft.com/office/drawing/2010/main" val="0"/>
               </a:ext>
               <a:ext uri="{96DAC541-7B7A-43D3-8B79-37D633B846F1}">
-                <asvg:svgBlip xmlns:asvg="http://schemas.microsoft.com/office/drawing/2016/SVG/main" r:embed="rId5"/>
+                <asvg:svgBlip xmlns:asvg="http://schemas.microsoft.com/office/drawing/2016/SVG/main" r:embed="rId6"/>
               </a:ext>
             </a:extLst>
           </a:blip>
@@ -22370,7 +22566,7 @@
         <p:spPr>
           <a:xfrm>
             <a:off x="6786880" y="3992880"/>
-            <a:ext cx="5019040" cy="2831544"/>
+            <a:ext cx="5019040" cy="1831271"/>
           </a:xfrm>
           <a:prstGeom prst="rect">
             <a:avLst/>
@@ -22390,7 +22586,7 @@
             </a:pPr>
             <a:r>
               <a:rPr lang="en-US" sz="2000" dirty="0"/>
-              <a:t>Considerations</a:t>
+              <a:t>Limitations</a:t>
             </a:r>
           </a:p>
           <a:p>
@@ -22403,7 +22599,7 @@
             </a:pPr>
             <a:r>
               <a:rPr lang="en-US" sz="2000" dirty="0"/>
-              <a:t>Unavailable dataset (the historical weather data)</a:t>
+              <a:t>Unavailable dataset and missing information in the raw dataset </a:t>
             </a:r>
           </a:p>
           <a:p>
@@ -22416,20 +22612,7 @@
             </a:pPr>
             <a:r>
               <a:rPr lang="en-US" sz="2000" dirty="0"/>
-              <a:t>Missing information in the raw dataset (the month and day occurred in homicide data)</a:t>
-            </a:r>
-          </a:p>
-          <a:p>
-            <a:pPr marL="285750" indent="-285750">
-              <a:spcAft>
-                <a:spcPts val="600"/>
-              </a:spcAft>
-              <a:buFontTx/>
-              <a:buChar char="-"/>
-            </a:pPr>
-            <a:r>
-              <a:rPr lang="en-US" sz="2000" dirty="0"/>
-              <a:t>Limitations of the economy data (monthly GDP growth rate)</a:t>
+              <a:t>Limited economy data</a:t>
             </a:r>
           </a:p>
           <a:p>

--- a/Presentation - Project 01.pptx
+++ b/Presentation - Project 01.pptx
@@ -1997,7 +1997,7 @@
         <a:p>
           <a:r>
             <a:rPr lang="en-US" dirty="0"/>
-            <a:t>Brainstorm ideas and factors on the investigation topic</a:t>
+            <a:t>Brainstorm ideas</a:t>
           </a:r>
           <a:endParaRPr lang="en-CA" dirty="0"/>
         </a:p>
@@ -2033,10 +2033,10 @@
         <a:lstStyle/>
         <a:p>
           <a:r>
-            <a:rPr lang="en-US"/>
-            <a:t>Collect the data and discuss the feasibility within the team</a:t>
+            <a:rPr lang="en-US" dirty="0"/>
+            <a:t>Finalize investigation targets</a:t>
           </a:r>
-          <a:endParaRPr lang="en-CA"/>
+          <a:endParaRPr lang="en-CA" dirty="0"/>
         </a:p>
       </dgm:t>
     </dgm:pt>
@@ -2070,10 +2070,10 @@
         <a:lstStyle/>
         <a:p>
           <a:r>
-            <a:rPr lang="en-US"/>
-            <a:t>Create master Git and allocate tasks to team members</a:t>
+            <a:rPr lang="en-US" dirty="0"/>
+            <a:t>Data collection</a:t>
           </a:r>
-          <a:endParaRPr lang="en-CA"/>
+          <a:endParaRPr lang="en-CA" dirty="0"/>
         </a:p>
       </dgm:t>
     </dgm:pt>
@@ -2107,10 +2107,10 @@
         <a:lstStyle/>
         <a:p>
           <a:r>
-            <a:rPr lang="en-US"/>
-            <a:t>Clean and combine datasets</a:t>
+            <a:rPr lang="en-US" dirty="0"/>
+            <a:t>Task allocation</a:t>
           </a:r>
-          <a:endParaRPr lang="en-CA"/>
+          <a:endParaRPr lang="en-CA" dirty="0"/>
         </a:p>
       </dgm:t>
     </dgm:pt>
@@ -2144,10 +2144,14 @@
         <a:lstStyle/>
         <a:p>
           <a:r>
-            <a:rPr lang="en-US"/>
-            <a:t>Each team member finishes assigned task</a:t>
+            <a:rPr lang="en-US" dirty="0"/>
+            <a:t>Data</a:t>
           </a:r>
-          <a:endParaRPr lang="en-CA"/>
+          <a:r>
+            <a:rPr lang="en-US" baseline="0" dirty="0"/>
+            <a:t> cleaning</a:t>
+          </a:r>
+          <a:endParaRPr lang="en-CA" dirty="0"/>
         </a:p>
       </dgm:t>
     </dgm:pt>
@@ -2181,10 +2185,10 @@
         <a:lstStyle/>
         <a:p>
           <a:r>
-            <a:rPr lang="en-US"/>
-            <a:t>Share and discuss observations in the team</a:t>
+            <a:rPr lang="en-US" dirty="0"/>
+            <a:t>Share and discuss observations</a:t>
           </a:r>
-          <a:endParaRPr lang="en-CA"/>
+          <a:endParaRPr lang="en-CA" dirty="0"/>
         </a:p>
       </dgm:t>
     </dgm:pt>
@@ -2218,10 +2222,10 @@
         <a:lstStyle/>
         <a:p>
           <a:r>
-            <a:rPr lang="en-US"/>
-            <a:t>Consolidate contributions to the master Git</a:t>
+            <a:rPr lang="en-US" dirty="0"/>
+            <a:t>Consolidate contributions</a:t>
           </a:r>
-          <a:endParaRPr lang="en-CA"/>
+          <a:endParaRPr lang="en-CA" dirty="0"/>
         </a:p>
       </dgm:t>
     </dgm:pt>
@@ -2255,10 +2259,10 @@
         <a:lstStyle/>
         <a:p>
           <a:r>
-            <a:rPr lang="en-US"/>
-            <a:t>Make modifications and finalize project</a:t>
+            <a:rPr lang="en-US" dirty="0"/>
+            <a:t>Acknowledge limitations</a:t>
           </a:r>
-          <a:endParaRPr lang="en-CA"/>
+          <a:endParaRPr lang="en-CA" dirty="0"/>
         </a:p>
       </dgm:t>
     </dgm:pt>
@@ -2292,10 +2296,10 @@
         <a:lstStyle/>
         <a:p>
           <a:r>
-            <a:rPr lang="en-US"/>
-            <a:t>Final presentation</a:t>
+            <a:rPr lang="en-US" dirty="0"/>
+            <a:t>Storytelling</a:t>
           </a:r>
-          <a:endParaRPr lang="en-CA"/>
+          <a:endParaRPr lang="en-CA" dirty="0"/>
         </a:p>
       </dgm:t>
     </dgm:pt>
@@ -2920,12 +2924,12 @@
         </a:fontRef>
       </dsp:style>
       <dsp:txBody>
-        <a:bodyPr spcFirstLastPara="0" vert="horz" wrap="square" lIns="68580" tIns="68580" rIns="68580" bIns="68580" numCol="1" spcCol="1270" anchor="ctr" anchorCtr="0">
+        <a:bodyPr spcFirstLastPara="0" vert="horz" wrap="square" lIns="91440" tIns="91440" rIns="91440" bIns="91440" numCol="1" spcCol="1270" anchor="ctr" anchorCtr="0">
           <a:noAutofit/>
         </a:bodyPr>
         <a:lstStyle/>
         <a:p>
-          <a:pPr marL="0" lvl="0" indent="0" algn="ctr" defTabSz="800100">
+          <a:pPr marL="0" lvl="0" indent="0" algn="ctr" defTabSz="1066800">
             <a:lnSpc>
               <a:spcPct val="90000"/>
             </a:lnSpc>
@@ -2938,10 +2942,10 @@
             <a:buNone/>
           </a:pPr>
           <a:r>
-            <a:rPr lang="en-US" sz="1800" kern="1200" dirty="0"/>
-            <a:t>Brainstorm ideas and factors on the investigation topic</a:t>
+            <a:rPr lang="en-US" sz="2400" kern="1200" dirty="0"/>
+            <a:t>Brainstorm ideas</a:t>
           </a:r>
-          <a:endParaRPr lang="en-CA" sz="1800" kern="1200" dirty="0"/>
+          <a:endParaRPr lang="en-CA" sz="2400" kern="1200" dirty="0"/>
         </a:p>
       </dsp:txBody>
       <dsp:txXfrm>
@@ -3042,12 +3046,12 @@
         </a:fontRef>
       </dsp:style>
       <dsp:txBody>
-        <a:bodyPr spcFirstLastPara="0" vert="horz" wrap="square" lIns="68580" tIns="68580" rIns="68580" bIns="68580" numCol="1" spcCol="1270" anchor="ctr" anchorCtr="0">
+        <a:bodyPr spcFirstLastPara="0" vert="horz" wrap="square" lIns="91440" tIns="91440" rIns="91440" bIns="91440" numCol="1" spcCol="1270" anchor="ctr" anchorCtr="0">
           <a:noAutofit/>
         </a:bodyPr>
         <a:lstStyle/>
         <a:p>
-          <a:pPr marL="0" lvl="0" indent="0" algn="ctr" defTabSz="800100">
+          <a:pPr marL="0" lvl="0" indent="0" algn="ctr" defTabSz="1066800">
             <a:lnSpc>
               <a:spcPct val="90000"/>
             </a:lnSpc>
@@ -3060,10 +3064,10 @@
             <a:buNone/>
           </a:pPr>
           <a:r>
-            <a:rPr lang="en-US" sz="1800" kern="1200"/>
-            <a:t>Collect the data and discuss the feasibility within the team</a:t>
+            <a:rPr lang="en-US" sz="2400" kern="1200" dirty="0"/>
+            <a:t>Finalize investigation targets</a:t>
           </a:r>
-          <a:endParaRPr lang="en-CA" sz="1800" kern="1200"/>
+          <a:endParaRPr lang="en-CA" sz="2400" kern="1200" dirty="0"/>
         </a:p>
       </dsp:txBody>
       <dsp:txXfrm>
@@ -3164,12 +3168,12 @@
         </a:fontRef>
       </dsp:style>
       <dsp:txBody>
-        <a:bodyPr spcFirstLastPara="0" vert="horz" wrap="square" lIns="68580" tIns="68580" rIns="68580" bIns="68580" numCol="1" spcCol="1270" anchor="ctr" anchorCtr="0">
+        <a:bodyPr spcFirstLastPara="0" vert="horz" wrap="square" lIns="91440" tIns="91440" rIns="91440" bIns="91440" numCol="1" spcCol="1270" anchor="ctr" anchorCtr="0">
           <a:noAutofit/>
         </a:bodyPr>
         <a:lstStyle/>
         <a:p>
-          <a:pPr marL="0" lvl="0" indent="0" algn="ctr" defTabSz="800100">
+          <a:pPr marL="0" lvl="0" indent="0" algn="ctr" defTabSz="1066800">
             <a:lnSpc>
               <a:spcPct val="90000"/>
             </a:lnSpc>
@@ -3182,10 +3186,10 @@
             <a:buNone/>
           </a:pPr>
           <a:r>
-            <a:rPr lang="en-US" sz="1800" kern="1200"/>
-            <a:t>Create master Git and allocate tasks to team members</a:t>
+            <a:rPr lang="en-US" sz="2400" kern="1200" dirty="0"/>
+            <a:t>Data collection</a:t>
           </a:r>
-          <a:endParaRPr lang="en-CA" sz="1800" kern="1200"/>
+          <a:endParaRPr lang="en-CA" sz="2400" kern="1200" dirty="0"/>
         </a:p>
       </dsp:txBody>
       <dsp:txXfrm>
@@ -3286,12 +3290,12 @@
         </a:fontRef>
       </dsp:style>
       <dsp:txBody>
-        <a:bodyPr spcFirstLastPara="0" vert="horz" wrap="square" lIns="68580" tIns="68580" rIns="68580" bIns="68580" numCol="1" spcCol="1270" anchor="ctr" anchorCtr="0">
+        <a:bodyPr spcFirstLastPara="0" vert="horz" wrap="square" lIns="91440" tIns="91440" rIns="91440" bIns="91440" numCol="1" spcCol="1270" anchor="ctr" anchorCtr="0">
           <a:noAutofit/>
         </a:bodyPr>
         <a:lstStyle/>
         <a:p>
-          <a:pPr marL="0" lvl="0" indent="0" algn="ctr" defTabSz="800100">
+          <a:pPr marL="0" lvl="0" indent="0" algn="ctr" defTabSz="1066800">
             <a:lnSpc>
               <a:spcPct val="90000"/>
             </a:lnSpc>
@@ -3304,10 +3308,10 @@
             <a:buNone/>
           </a:pPr>
           <a:r>
-            <a:rPr lang="en-US" sz="1800" kern="1200"/>
-            <a:t>Clean and combine datasets</a:t>
+            <a:rPr lang="en-US" sz="2400" kern="1200" dirty="0"/>
+            <a:t>Task allocation</a:t>
           </a:r>
-          <a:endParaRPr lang="en-CA" sz="1800" kern="1200"/>
+          <a:endParaRPr lang="en-CA" sz="2400" kern="1200" dirty="0"/>
         </a:p>
       </dsp:txBody>
       <dsp:txXfrm>
@@ -3408,12 +3412,12 @@
         </a:fontRef>
       </dsp:style>
       <dsp:txBody>
-        <a:bodyPr spcFirstLastPara="0" vert="horz" wrap="square" lIns="68580" tIns="68580" rIns="68580" bIns="68580" numCol="1" spcCol="1270" anchor="ctr" anchorCtr="0">
+        <a:bodyPr spcFirstLastPara="0" vert="horz" wrap="square" lIns="91440" tIns="91440" rIns="91440" bIns="91440" numCol="1" spcCol="1270" anchor="ctr" anchorCtr="0">
           <a:noAutofit/>
         </a:bodyPr>
         <a:lstStyle/>
         <a:p>
-          <a:pPr marL="0" lvl="0" indent="0" algn="ctr" defTabSz="800100">
+          <a:pPr marL="0" lvl="0" indent="0" algn="ctr" defTabSz="1066800">
             <a:lnSpc>
               <a:spcPct val="90000"/>
             </a:lnSpc>
@@ -3426,10 +3430,14 @@
             <a:buNone/>
           </a:pPr>
           <a:r>
-            <a:rPr lang="en-US" sz="1800" kern="1200"/>
-            <a:t>Each team member finishes assigned task</a:t>
+            <a:rPr lang="en-US" sz="2400" kern="1200" dirty="0"/>
+            <a:t>Data</a:t>
           </a:r>
-          <a:endParaRPr lang="en-CA" sz="1800" kern="1200"/>
+          <a:r>
+            <a:rPr lang="en-US" sz="2400" kern="1200" baseline="0" dirty="0"/>
+            <a:t> cleaning</a:t>
+          </a:r>
+          <a:endParaRPr lang="en-CA" sz="2400" kern="1200" dirty="0"/>
         </a:p>
       </dsp:txBody>
       <dsp:txXfrm>
@@ -3530,12 +3538,12 @@
         </a:fontRef>
       </dsp:style>
       <dsp:txBody>
-        <a:bodyPr spcFirstLastPara="0" vert="horz" wrap="square" lIns="68580" tIns="68580" rIns="68580" bIns="68580" numCol="1" spcCol="1270" anchor="ctr" anchorCtr="0">
+        <a:bodyPr spcFirstLastPara="0" vert="horz" wrap="square" lIns="91440" tIns="91440" rIns="91440" bIns="91440" numCol="1" spcCol="1270" anchor="ctr" anchorCtr="0">
           <a:noAutofit/>
         </a:bodyPr>
         <a:lstStyle/>
         <a:p>
-          <a:pPr marL="0" lvl="0" indent="0" algn="ctr" defTabSz="800100">
+          <a:pPr marL="0" lvl="0" indent="0" algn="ctr" defTabSz="1066800">
             <a:lnSpc>
               <a:spcPct val="90000"/>
             </a:lnSpc>
@@ -3548,10 +3556,10 @@
             <a:buNone/>
           </a:pPr>
           <a:r>
-            <a:rPr lang="en-US" sz="1800" kern="1200"/>
-            <a:t>Share and discuss observations in the team</a:t>
+            <a:rPr lang="en-US" sz="2400" kern="1200" dirty="0"/>
+            <a:t>Share and discuss observations</a:t>
           </a:r>
-          <a:endParaRPr lang="en-CA" sz="1800" kern="1200"/>
+          <a:endParaRPr lang="en-CA" sz="2400" kern="1200" dirty="0"/>
         </a:p>
       </dsp:txBody>
       <dsp:txXfrm>
@@ -3652,12 +3660,12 @@
         </a:fontRef>
       </dsp:style>
       <dsp:txBody>
-        <a:bodyPr spcFirstLastPara="0" vert="horz" wrap="square" lIns="68580" tIns="68580" rIns="68580" bIns="68580" numCol="1" spcCol="1270" anchor="ctr" anchorCtr="0">
+        <a:bodyPr spcFirstLastPara="0" vert="horz" wrap="square" lIns="91440" tIns="91440" rIns="91440" bIns="91440" numCol="1" spcCol="1270" anchor="ctr" anchorCtr="0">
           <a:noAutofit/>
         </a:bodyPr>
         <a:lstStyle/>
         <a:p>
-          <a:pPr marL="0" lvl="0" indent="0" algn="ctr" defTabSz="800100">
+          <a:pPr marL="0" lvl="0" indent="0" algn="ctr" defTabSz="1066800">
             <a:lnSpc>
               <a:spcPct val="90000"/>
             </a:lnSpc>
@@ -3670,10 +3678,10 @@
             <a:buNone/>
           </a:pPr>
           <a:r>
-            <a:rPr lang="en-US" sz="1800" kern="1200"/>
-            <a:t>Consolidate contributions to the master Git</a:t>
+            <a:rPr lang="en-US" sz="2400" kern="1200" dirty="0"/>
+            <a:t>Consolidate contributions</a:t>
           </a:r>
-          <a:endParaRPr lang="en-CA" sz="1800" kern="1200"/>
+          <a:endParaRPr lang="en-CA" sz="2400" kern="1200" dirty="0"/>
         </a:p>
       </dsp:txBody>
       <dsp:txXfrm>
@@ -3774,12 +3782,12 @@
         </a:fontRef>
       </dsp:style>
       <dsp:txBody>
-        <a:bodyPr spcFirstLastPara="0" vert="horz" wrap="square" lIns="68580" tIns="68580" rIns="68580" bIns="68580" numCol="1" spcCol="1270" anchor="ctr" anchorCtr="0">
+        <a:bodyPr spcFirstLastPara="0" vert="horz" wrap="square" lIns="91440" tIns="91440" rIns="91440" bIns="91440" numCol="1" spcCol="1270" anchor="ctr" anchorCtr="0">
           <a:noAutofit/>
         </a:bodyPr>
         <a:lstStyle/>
         <a:p>
-          <a:pPr marL="0" lvl="0" indent="0" algn="ctr" defTabSz="800100">
+          <a:pPr marL="0" lvl="0" indent="0" algn="ctr" defTabSz="1066800">
             <a:lnSpc>
               <a:spcPct val="90000"/>
             </a:lnSpc>
@@ -3792,10 +3800,10 @@
             <a:buNone/>
           </a:pPr>
           <a:r>
-            <a:rPr lang="en-US" sz="1800" kern="1200"/>
-            <a:t>Make modifications and finalize project</a:t>
+            <a:rPr lang="en-US" sz="2400" kern="1200" dirty="0"/>
+            <a:t>Acknowledge limitations</a:t>
           </a:r>
-          <a:endParaRPr lang="en-CA" sz="1800" kern="1200"/>
+          <a:endParaRPr lang="en-CA" sz="2400" kern="1200" dirty="0"/>
         </a:p>
       </dsp:txBody>
       <dsp:txXfrm>
@@ -3855,12 +3863,12 @@
         </a:fontRef>
       </dsp:style>
       <dsp:txBody>
-        <a:bodyPr spcFirstLastPara="0" vert="horz" wrap="square" lIns="68580" tIns="68580" rIns="68580" bIns="68580" numCol="1" spcCol="1270" anchor="ctr" anchorCtr="0">
+        <a:bodyPr spcFirstLastPara="0" vert="horz" wrap="square" lIns="91440" tIns="91440" rIns="91440" bIns="91440" numCol="1" spcCol="1270" anchor="ctr" anchorCtr="0">
           <a:noAutofit/>
         </a:bodyPr>
         <a:lstStyle/>
         <a:p>
-          <a:pPr marL="0" lvl="0" indent="0" algn="ctr" defTabSz="800100">
+          <a:pPr marL="0" lvl="0" indent="0" algn="ctr" defTabSz="1066800">
             <a:lnSpc>
               <a:spcPct val="90000"/>
             </a:lnSpc>
@@ -3873,10 +3881,10 @@
             <a:buNone/>
           </a:pPr>
           <a:r>
-            <a:rPr lang="en-US" sz="1800" kern="1200"/>
-            <a:t>Final presentation</a:t>
+            <a:rPr lang="en-US" sz="2400" kern="1200" dirty="0"/>
+            <a:t>Storytelling</a:t>
           </a:r>
-          <a:endParaRPr lang="en-CA" sz="1800" kern="1200"/>
+          <a:endParaRPr lang="en-CA" sz="2400" kern="1200" dirty="0"/>
         </a:p>
       </dsp:txBody>
       <dsp:txXfrm>
@@ -21344,7 +21352,7 @@
           <p:nvPr>
             <p:extLst>
               <p:ext uri="{D42A27DB-BD31-4B8C-83A1-F6EECF244321}">
-                <p14:modId xmlns:p14="http://schemas.microsoft.com/office/powerpoint/2010/main" val="959450217"/>
+                <p14:modId xmlns:p14="http://schemas.microsoft.com/office/powerpoint/2010/main" val="3660670449"/>
               </p:ext>
             </p:extLst>
           </p:nvPr>
@@ -22287,7 +22295,7 @@
               </a:spcAft>
             </a:pPr>
             <a:r>
-              <a:rPr lang="en-US" sz="2000" dirty="0"/>
+              <a:rPr lang="en-US" sz="2400" b="1" dirty="0"/>
               <a:t>Data Cleaning</a:t>
             </a:r>
           </a:p>
@@ -22543,8 +22551,8 @@
         </p:blipFill>
         <p:spPr>
           <a:xfrm>
-            <a:off x="8130030" y="949113"/>
-            <a:ext cx="2635439" cy="2635439"/>
+            <a:off x="8130031" y="1138022"/>
+            <a:ext cx="2446530" cy="2446530"/>
           </a:xfrm>
           <a:prstGeom prst="rect">
             <a:avLst/>
@@ -22566,7 +22574,7 @@
         <p:spPr>
           <a:xfrm>
             <a:off x="6786880" y="3992880"/>
-            <a:ext cx="5019040" cy="1831271"/>
+            <a:ext cx="5019040" cy="1892826"/>
           </a:xfrm>
           <a:prstGeom prst="rect">
             <a:avLst/>
@@ -22585,7 +22593,7 @@
               </a:spcAft>
             </a:pPr>
             <a:r>
-              <a:rPr lang="en-US" sz="2000" dirty="0"/>
+              <a:rPr lang="en-US" sz="2400" b="1" dirty="0"/>
               <a:t>Limitations</a:t>
             </a:r>
           </a:p>

--- a/Presentation - Project 01.pptx
+++ b/Presentation - Project 01.pptx
@@ -2517,9 +2517,9 @@
     <dgm:cxn modelId="{5456D21B-0EB1-4E81-9DFE-37B7C635F0A0}" type="presOf" srcId="{17DC462F-E382-45B9-AB28-C2E126247CC9}" destId="{2012901E-CFE7-452F-B45D-F5FD55F43CCE}" srcOrd="0" destOrd="0" presId="urn:microsoft.com/office/officeart/2005/8/layout/bProcess4"/>
     <dgm:cxn modelId="{03B5B231-9FB3-4534-A424-57434CDA1277}" type="presOf" srcId="{4ED725CC-EFCA-43D3-A941-1B654FA791FA}" destId="{72BB134C-623B-43AB-B4EA-D0A71D905399}" srcOrd="0" destOrd="0" presId="urn:microsoft.com/office/officeart/2005/8/layout/bProcess4"/>
     <dgm:cxn modelId="{61CEA436-352B-448F-BE01-00EA66F82C6D}" srcId="{5B741EE2-5C14-4B65-A743-40EBC361C716}" destId="{17DC462F-E382-45B9-AB28-C2E126247CC9}" srcOrd="1" destOrd="0" parTransId="{2D98CFB2-69FC-442F-8981-48CB272691DE}" sibTransId="{820E4FE6-223E-4DC3-B335-C17C911E6CF4}"/>
+    <dgm:cxn modelId="{CCF4E157-364B-4088-90EA-201CD203F28E}" type="presOf" srcId="{75CFB05E-E763-43CA-BEE5-B28614FBD6C7}" destId="{0062D96B-76B9-43C3-968F-2370782DCBB2}" srcOrd="0" destOrd="0" presId="urn:microsoft.com/office/officeart/2005/8/layout/bProcess4"/>
     <dgm:cxn modelId="{2189E562-85CD-42D7-BCFB-6C101EFB0271}" type="presOf" srcId="{516B3ADD-3339-4083-AAA5-2194E59E05E3}" destId="{D481F940-4BF3-4BE4-BBA8-C77B14055CD1}" srcOrd="0" destOrd="0" presId="urn:microsoft.com/office/officeart/2005/8/layout/bProcess4"/>
     <dgm:cxn modelId="{AB8A146B-9C15-4A20-B66F-520A0836A9D7}" type="presOf" srcId="{34E981D1-F80D-416F-96A1-EB53D27D31C0}" destId="{EE333210-795F-4AE4-8AFE-80A8156BAF49}" srcOrd="0" destOrd="0" presId="urn:microsoft.com/office/officeart/2005/8/layout/bProcess4"/>
-    <dgm:cxn modelId="{CCF4E157-364B-4088-90EA-201CD203F28E}" type="presOf" srcId="{75CFB05E-E763-43CA-BEE5-B28614FBD6C7}" destId="{0062D96B-76B9-43C3-968F-2370782DCBB2}" srcOrd="0" destOrd="0" presId="urn:microsoft.com/office/officeart/2005/8/layout/bProcess4"/>
     <dgm:cxn modelId="{8702E584-9B4B-4726-9DF2-C08A1AA19902}" srcId="{5B741EE2-5C14-4B65-A743-40EBC361C716}" destId="{34E981D1-F80D-416F-96A1-EB53D27D31C0}" srcOrd="0" destOrd="0" parTransId="{D3CC5232-76A0-4889-9BB0-B9F9D63C86C4}" sibTransId="{4ED725CC-EFCA-43D3-A941-1B654FA791FA}"/>
     <dgm:cxn modelId="{253F1188-F21F-40AE-92CB-F3D9F3653644}" srcId="{5B741EE2-5C14-4B65-A743-40EBC361C716}" destId="{75CFB05E-E763-43CA-BEE5-B28614FBD6C7}" srcOrd="4" destOrd="0" parTransId="{9D646A05-986D-4DB5-8EB9-2CD1173C1C08}" sibTransId="{BC0387C9-B3C2-440E-8F0D-8759924BCA1B}"/>
     <dgm:cxn modelId="{924A7E9F-6EEE-494C-8E5C-5AA50028CDE2}" srcId="{5B741EE2-5C14-4B65-A743-40EBC361C716}" destId="{94320C24-6ABF-4C0C-B0ED-EB2460597589}" srcOrd="3" destOrd="0" parTransId="{D6110652-5477-4937-9B32-97A9EE672061}" sibTransId="{146D77CE-0DC1-4827-B3D3-FC94E8209EFB}"/>
@@ -6805,7 +6805,7 @@
           <a:p>
             <a:fld id="{BA427AEC-7B6F-452C-B68A-83FDEBC4E740}" type="datetimeFigureOut">
               <a:rPr lang="en-CA" smtClean="0"/>
-              <a:t>2020-07-04</a:t>
+              <a:t>2020-07-05</a:t>
             </a:fld>
             <a:endParaRPr lang="en-CA"/>
           </a:p>
@@ -10076,7 +10076,7 @@
           <a:p>
             <a:fld id="{78C8E417-D454-46EA-9245-2C4A0C1023CE}" type="datetimeFigureOut">
               <a:rPr lang="en-CA" smtClean="0"/>
-              <a:t>2020-07-04</a:t>
+              <a:t>2020-07-05</a:t>
             </a:fld>
             <a:endParaRPr lang="en-CA"/>
           </a:p>
@@ -10276,7 +10276,7 @@
           <a:p>
             <a:fld id="{78C8E417-D454-46EA-9245-2C4A0C1023CE}" type="datetimeFigureOut">
               <a:rPr lang="en-CA" smtClean="0"/>
-              <a:t>2020-07-04</a:t>
+              <a:t>2020-07-05</a:t>
             </a:fld>
             <a:endParaRPr lang="en-CA"/>
           </a:p>
@@ -10486,7 +10486,7 @@
           <a:p>
             <a:fld id="{78C8E417-D454-46EA-9245-2C4A0C1023CE}" type="datetimeFigureOut">
               <a:rPr lang="en-CA" smtClean="0"/>
-              <a:t>2020-07-04</a:t>
+              <a:t>2020-07-05</a:t>
             </a:fld>
             <a:endParaRPr lang="en-CA"/>
           </a:p>
@@ -10686,7 +10686,7 @@
           <a:p>
             <a:fld id="{78C8E417-D454-46EA-9245-2C4A0C1023CE}" type="datetimeFigureOut">
               <a:rPr lang="en-CA" smtClean="0"/>
-              <a:t>2020-07-04</a:t>
+              <a:t>2020-07-05</a:t>
             </a:fld>
             <a:endParaRPr lang="en-CA"/>
           </a:p>
@@ -10962,7 +10962,7 @@
           <a:p>
             <a:fld id="{78C8E417-D454-46EA-9245-2C4A0C1023CE}" type="datetimeFigureOut">
               <a:rPr lang="en-CA" smtClean="0"/>
-              <a:t>2020-07-04</a:t>
+              <a:t>2020-07-05</a:t>
             </a:fld>
             <a:endParaRPr lang="en-CA"/>
           </a:p>
@@ -11230,7 +11230,7 @@
           <a:p>
             <a:fld id="{78C8E417-D454-46EA-9245-2C4A0C1023CE}" type="datetimeFigureOut">
               <a:rPr lang="en-CA" smtClean="0"/>
-              <a:t>2020-07-04</a:t>
+              <a:t>2020-07-05</a:t>
             </a:fld>
             <a:endParaRPr lang="en-CA"/>
           </a:p>
@@ -11645,7 +11645,7 @@
           <a:p>
             <a:fld id="{78C8E417-D454-46EA-9245-2C4A0C1023CE}" type="datetimeFigureOut">
               <a:rPr lang="en-CA" smtClean="0"/>
-              <a:t>2020-07-04</a:t>
+              <a:t>2020-07-05</a:t>
             </a:fld>
             <a:endParaRPr lang="en-CA"/>
           </a:p>
@@ -11787,7 +11787,7 @@
           <a:p>
             <a:fld id="{78C8E417-D454-46EA-9245-2C4A0C1023CE}" type="datetimeFigureOut">
               <a:rPr lang="en-CA" smtClean="0"/>
-              <a:t>2020-07-04</a:t>
+              <a:t>2020-07-05</a:t>
             </a:fld>
             <a:endParaRPr lang="en-CA"/>
           </a:p>
@@ -11900,7 +11900,7 @@
           <a:p>
             <a:fld id="{78C8E417-D454-46EA-9245-2C4A0C1023CE}" type="datetimeFigureOut">
               <a:rPr lang="en-CA" smtClean="0"/>
-              <a:t>2020-07-04</a:t>
+              <a:t>2020-07-05</a:t>
             </a:fld>
             <a:endParaRPr lang="en-CA"/>
           </a:p>
@@ -12213,7 +12213,7 @@
           <a:p>
             <a:fld id="{78C8E417-D454-46EA-9245-2C4A0C1023CE}" type="datetimeFigureOut">
               <a:rPr lang="en-CA" smtClean="0"/>
-              <a:t>2020-07-04</a:t>
+              <a:t>2020-07-05</a:t>
             </a:fld>
             <a:endParaRPr lang="en-CA"/>
           </a:p>
@@ -12502,7 +12502,7 @@
           <a:p>
             <a:fld id="{78C8E417-D454-46EA-9245-2C4A0C1023CE}" type="datetimeFigureOut">
               <a:rPr lang="en-CA" smtClean="0"/>
-              <a:t>2020-07-04</a:t>
+              <a:t>2020-07-05</a:t>
             </a:fld>
             <a:endParaRPr lang="en-CA"/>
           </a:p>
@@ -12745,7 +12745,7 @@
           <a:p>
             <a:fld id="{78C8E417-D454-46EA-9245-2C4A0C1023CE}" type="datetimeFigureOut">
               <a:rPr lang="en-CA" smtClean="0"/>
-              <a:t>2020-07-04</a:t>
+              <a:t>2020-07-05</a:t>
             </a:fld>
             <a:endParaRPr lang="en-CA"/>
           </a:p>
@@ -14018,7 +14018,7 @@
         <p:spPr>
           <a:xfrm>
             <a:off x="20" y="10"/>
-            <a:ext cx="12191980" cy="6857990"/>
+            <a:ext cx="12100936" cy="6857990"/>
           </a:xfrm>
           <a:prstGeom prst="rect">
             <a:avLst/>
@@ -14146,8 +14146,8 @@
         </p:blipFill>
         <p:spPr>
           <a:xfrm>
-            <a:off x="20" y="10"/>
-            <a:ext cx="12191980" cy="6857990"/>
+            <a:off x="106878" y="10"/>
+            <a:ext cx="11994078" cy="6857990"/>
           </a:xfrm>
           <a:prstGeom prst="rect">
             <a:avLst/>
@@ -14172,8 +14172,8 @@
         </p:nvSpPr>
         <p:spPr>
           <a:xfrm>
-            <a:off x="7524520" y="4698467"/>
-            <a:ext cx="4667460" cy="2159533"/>
+            <a:off x="7619523" y="4627215"/>
+            <a:ext cx="4350805" cy="1975465"/>
           </a:xfrm>
           <a:prstGeom prst="ellipse">
             <a:avLst/>
@@ -14195,14 +14195,14 @@
           <a:p>
             <a:pPr algn="ctr"/>
             <a:r>
-              <a:rPr lang="en-US" sz="4000" b="1" dirty="0">
+              <a:rPr lang="en-US" sz="3200" b="1" dirty="0">
                 <a:solidFill>
                   <a:srgbClr val="262626"/>
                 </a:solidFill>
               </a:rPr>
               <a:t>Neighborhood Investigation</a:t>
             </a:r>
-            <a:endParaRPr lang="en-US" sz="2200" dirty="0">
+            <a:endParaRPr lang="en-US" sz="3200" dirty="0">
               <a:solidFill>
                 <a:srgbClr val="262626"/>
               </a:solidFill>

--- a/Presentation - Project 01.pptx
+++ b/Presentation - Project 01.pptx
@@ -16,8 +16,8 @@
     <p:sldId id="260" r:id="rId7"/>
     <p:sldId id="276" r:id="rId8"/>
     <p:sldId id="263" r:id="rId9"/>
-    <p:sldId id="277" r:id="rId10"/>
-    <p:sldId id="279" r:id="rId11"/>
+    <p:sldId id="279" r:id="rId10"/>
+    <p:sldId id="283" r:id="rId11"/>
     <p:sldId id="266" r:id="rId12"/>
     <p:sldId id="267" r:id="rId13"/>
     <p:sldId id="268" r:id="rId14"/>
@@ -2517,9 +2517,9 @@
     <dgm:cxn modelId="{5456D21B-0EB1-4E81-9DFE-37B7C635F0A0}" type="presOf" srcId="{17DC462F-E382-45B9-AB28-C2E126247CC9}" destId="{2012901E-CFE7-452F-B45D-F5FD55F43CCE}" srcOrd="0" destOrd="0" presId="urn:microsoft.com/office/officeart/2005/8/layout/bProcess4"/>
     <dgm:cxn modelId="{03B5B231-9FB3-4534-A424-57434CDA1277}" type="presOf" srcId="{4ED725CC-EFCA-43D3-A941-1B654FA791FA}" destId="{72BB134C-623B-43AB-B4EA-D0A71D905399}" srcOrd="0" destOrd="0" presId="urn:microsoft.com/office/officeart/2005/8/layout/bProcess4"/>
     <dgm:cxn modelId="{61CEA436-352B-448F-BE01-00EA66F82C6D}" srcId="{5B741EE2-5C14-4B65-A743-40EBC361C716}" destId="{17DC462F-E382-45B9-AB28-C2E126247CC9}" srcOrd="1" destOrd="0" parTransId="{2D98CFB2-69FC-442F-8981-48CB272691DE}" sibTransId="{820E4FE6-223E-4DC3-B335-C17C911E6CF4}"/>
-    <dgm:cxn modelId="{CCF4E157-364B-4088-90EA-201CD203F28E}" type="presOf" srcId="{75CFB05E-E763-43CA-BEE5-B28614FBD6C7}" destId="{0062D96B-76B9-43C3-968F-2370782DCBB2}" srcOrd="0" destOrd="0" presId="urn:microsoft.com/office/officeart/2005/8/layout/bProcess4"/>
     <dgm:cxn modelId="{2189E562-85CD-42D7-BCFB-6C101EFB0271}" type="presOf" srcId="{516B3ADD-3339-4083-AAA5-2194E59E05E3}" destId="{D481F940-4BF3-4BE4-BBA8-C77B14055CD1}" srcOrd="0" destOrd="0" presId="urn:microsoft.com/office/officeart/2005/8/layout/bProcess4"/>
     <dgm:cxn modelId="{AB8A146B-9C15-4A20-B66F-520A0836A9D7}" type="presOf" srcId="{34E981D1-F80D-416F-96A1-EB53D27D31C0}" destId="{EE333210-795F-4AE4-8AFE-80A8156BAF49}" srcOrd="0" destOrd="0" presId="urn:microsoft.com/office/officeart/2005/8/layout/bProcess4"/>
+    <dgm:cxn modelId="{CCF4E157-364B-4088-90EA-201CD203F28E}" type="presOf" srcId="{75CFB05E-E763-43CA-BEE5-B28614FBD6C7}" destId="{0062D96B-76B9-43C3-968F-2370782DCBB2}" srcOrd="0" destOrd="0" presId="urn:microsoft.com/office/officeart/2005/8/layout/bProcess4"/>
     <dgm:cxn modelId="{8702E584-9B4B-4726-9DF2-C08A1AA19902}" srcId="{5B741EE2-5C14-4B65-A743-40EBC361C716}" destId="{34E981D1-F80D-416F-96A1-EB53D27D31C0}" srcOrd="0" destOrd="0" parTransId="{D3CC5232-76A0-4889-9BB0-B9F9D63C86C4}" sibTransId="{4ED725CC-EFCA-43D3-A941-1B654FA791FA}"/>
     <dgm:cxn modelId="{253F1188-F21F-40AE-92CB-F3D9F3653644}" srcId="{5B741EE2-5C14-4B65-A743-40EBC361C716}" destId="{75CFB05E-E763-43CA-BEE5-B28614FBD6C7}" srcOrd="4" destOrd="0" parTransId="{9D646A05-986D-4DB5-8EB9-2CD1173C1C08}" sibTransId="{BC0387C9-B3C2-440E-8F0D-8759924BCA1B}"/>
     <dgm:cxn modelId="{924A7E9F-6EEE-494C-8E5C-5AA50028CDE2}" srcId="{5B741EE2-5C14-4B65-A743-40EBC361C716}" destId="{94320C24-6ABF-4C0C-B0ED-EB2460597589}" srcOrd="3" destOrd="0" parTransId="{D6110652-5477-4937-9B32-97A9EE672061}" sibTransId="{146D77CE-0DC1-4827-B3D3-FC94E8209EFB}"/>
@@ -7256,7 +7256,7 @@
     </p:spTree>
     <p:extLst>
       <p:ext uri="{BB962C8B-B14F-4D97-AF65-F5344CB8AC3E}">
-        <p14:creationId xmlns:p14="http://schemas.microsoft.com/office/powerpoint/2010/main" val="1239328905"/>
+        <p14:creationId xmlns:p14="http://schemas.microsoft.com/office/powerpoint/2010/main" val="4006094833"/>
       </p:ext>
     </p:extLst>
   </p:cSld>
@@ -7677,7 +7677,7 @@
           <a:p>
             <a:r>
               <a:rPr lang="en-US" dirty="0"/>
-              <a:t>Break and Enter and Robbery’s scatter pattern are consistent with the Toronto Crime Heat Map, they are most likely to occur in the most dangerous Downtown area. Auto Theft does not follow the same pattern and appeared to be scattered all over the city.</a:t>
+              <a:t>Break and Enter and Robbery’s scatter pattern are consistent with the Toronto Crime Heat Map, they are most likely to occur in the most dangerous Downtown area. Auto Theft does not follow the same pattern and appeared to be scattered all over the city but a little more in north-west end of Toronto.</a:t>
             </a:r>
           </a:p>
           <a:p>
@@ -9744,33 +9744,46 @@
           <a:p>
             <a:r>
               <a:rPr lang="en-US" dirty="0"/>
-              <a:t>Based on the 6-year average, the total number of crimes peak in the month of July (3606 cases) while the month of February is lowest (2,484 cases). There are more crimes in summer season then in winter season.</a:t>
-            </a:r>
-          </a:p>
-          <a:p>
-            <a:endParaRPr lang="en-US" dirty="0"/>
+              <a:t>Based on the 6-year average (from 2014 to 2019), the total number of crimes peak in the month of July (3606 cases) while the month of February is lowest (2,484 cases). Overall, there seems to be more crimes in summer season then in winter season (Jan, Feb, Mar). </a:t>
+            </a:r>
           </a:p>
           <a:p>
             <a:r>
               <a:rPr lang="en-US" dirty="0"/>
-              <a:t>    - Individual type of crime have different patterns. However, </a:t>
-            </a:r>
-            <a:r>
-              <a:rPr lang="en-US" dirty="0" err="1"/>
-              <a:t>Feburary</a:t>
-            </a:r>
+              <a:t>-   However, individual type of crime have different patterns. </a:t>
+            </a:r>
+          </a:p>
+          <a:p>
+            <a:pPr marL="171450" indent="-171450">
+              <a:buFontTx/>
+              <a:buChar char="-"/>
+            </a:pPr>
             <a:r>
               <a:rPr lang="en-US" dirty="0"/>
-              <a:t> is the lowest point across all type of crimes. </a:t>
-            </a:r>
-          </a:p>
-          <a:p>
-            <a:endParaRPr lang="en-US" dirty="0"/>
-          </a:p>
-          <a:p>
+              <a:t>For Assault, the peak is in summer season (Jun, Jul, Aug). Break and Enter, Auto Theft, Robbery have peaks in October.</a:t>
+            </a:r>
+          </a:p>
+          <a:p>
+            <a:pPr marL="171450" marR="0" lvl="0" indent="-171450" algn="l" defTabSz="914400" rtl="0" eaLnBrk="1" fontAlgn="auto" latinLnBrk="0" hangingPunct="1">
+              <a:lnSpc>
+                <a:spcPct val="100000"/>
+              </a:lnSpc>
+              <a:spcBef>
+                <a:spcPts val="0"/>
+              </a:spcBef>
+              <a:spcAft>
+                <a:spcPts val="0"/>
+              </a:spcAft>
+              <a:buClrTx/>
+              <a:buSzTx/>
+              <a:buFontTx/>
+              <a:buChar char="-"/>
+              <a:tabLst/>
+              <a:defRPr/>
+            </a:pPr>
             <a:r>
               <a:rPr lang="en-US" dirty="0"/>
-              <a:t>    - For Assault, the peak is in summer season (Jun, Jul, Aug). Break and Enter, Auto Theft, Robbery have peaks in October.</a:t>
+              <a:t>February is the lowest point across all type of crimes. </a:t>
             </a:r>
           </a:p>
           <a:p>
@@ -9867,7 +9880,7 @@
           <a:p>
             <a:r>
               <a:rPr lang="en-US" dirty="0"/>
-              <a:t>Lowest crime occurred in a day is early in the morning (around 6 am)</a:t>
+              <a:t>Also based on the 6 year average from 2014 to 2019, Lowest crime occurred in a day is early in the morning (around 6 am)</a:t>
             </a:r>
           </a:p>
           <a:p>
@@ -9887,6 +9900,9 @@
               <a:rPr lang="en-US" dirty="0"/>
               <a:t>    - At noon, we see a sudden spike for "Assault", "Break n Enter", "Auto Theft" </a:t>
             </a:r>
+            <a:endParaRPr lang="en-CA" dirty="0"/>
+          </a:p>
+          <a:p>
             <a:endParaRPr lang="en-CA" dirty="0"/>
           </a:p>
         </p:txBody>
@@ -9917,7 +9933,7 @@
     </p:spTree>
     <p:extLst>
       <p:ext uri="{BB962C8B-B14F-4D97-AF65-F5344CB8AC3E}">
-        <p14:creationId xmlns:p14="http://schemas.microsoft.com/office/powerpoint/2010/main" val="1245308657"/>
+        <p14:creationId xmlns:p14="http://schemas.microsoft.com/office/powerpoint/2010/main" val="1239328905"/>
       </p:ext>
     </p:extLst>
   </p:cSld>
@@ -13882,34 +13898,79 @@
         </p:nvSpPr>
         <p:spPr>
           <a:xfrm>
-            <a:off x="7998244" y="1971040"/>
-            <a:ext cx="4193755" cy="2687381"/>
+            <a:off x="8427459" y="2080725"/>
+            <a:ext cx="3786319" cy="3062886"/>
           </a:xfrm>
           <a:noFill/>
         </p:spPr>
         <p:txBody>
           <a:bodyPr vert="horz" lIns="91440" tIns="45720" rIns="91440" bIns="45720" rtlCol="0" anchor="b">
-            <a:normAutofit/>
+            <a:noAutofit/>
           </a:bodyPr>
           <a:lstStyle/>
           <a:p>
             <a:pPr algn="ctr"/>
             <a:r>
-              <a:rPr lang="en-US" sz="6600" b="1" dirty="0">
+              <a:rPr lang="en-US" sz="4800" b="1" dirty="0">
                 <a:solidFill>
                   <a:schemeClr val="bg1"/>
                 </a:solidFill>
               </a:rPr>
-              <a:t>Frequency of Crimes </a:t>
+              <a:t>Frequency </a:t>
             </a:r>
             <a:br>
-              <a:rPr lang="en-US" sz="6600" b="1" dirty="0">
+              <a:rPr lang="en-US" sz="4800" b="1" dirty="0">
                 <a:solidFill>
                   <a:schemeClr val="bg1"/>
                 </a:solidFill>
               </a:rPr>
             </a:br>
-            <a:endParaRPr lang="en-US" sz="3600" dirty="0">
+            <a:r>
+              <a:rPr lang="en-US" sz="4800" b="1" dirty="0">
+                <a:solidFill>
+                  <a:schemeClr val="bg1"/>
+                </a:solidFill>
+              </a:rPr>
+              <a:t>of crimes </a:t>
+            </a:r>
+            <a:br>
+              <a:rPr lang="en-US" sz="4800" b="1" dirty="0">
+                <a:solidFill>
+                  <a:schemeClr val="bg1"/>
+                </a:solidFill>
+              </a:rPr>
+            </a:br>
+            <a:r>
+              <a:rPr lang="en-US" sz="4800" b="1" dirty="0">
+                <a:solidFill>
+                  <a:schemeClr val="bg1"/>
+                </a:solidFill>
+              </a:rPr>
+              <a:t>in a day</a:t>
+            </a:r>
+            <a:br>
+              <a:rPr lang="en-US" sz="4800" b="1" dirty="0">
+                <a:solidFill>
+                  <a:schemeClr val="bg1"/>
+                </a:solidFill>
+              </a:rPr>
+            </a:br>
+            <a:r>
+              <a:rPr lang="en-US" sz="4800" b="1" dirty="0">
+                <a:solidFill>
+                  <a:schemeClr val="bg1"/>
+                </a:solidFill>
+              </a:rPr>
+              <a:t>(24 hours) </a:t>
+            </a:r>
+            <a:br>
+              <a:rPr lang="en-US" sz="4800" b="1" dirty="0">
+                <a:solidFill>
+                  <a:schemeClr val="bg1"/>
+                </a:solidFill>
+              </a:rPr>
+            </a:br>
+            <a:endParaRPr lang="en-US" sz="2400" dirty="0">
               <a:solidFill>
                 <a:schemeClr val="bg1"/>
               </a:solidFill>
@@ -13939,13 +14000,13 @@
               </a:ext>
             </a:extLst>
           </a:blip>
-          <a:srcRect r="3112" b="1"/>
+          <a:srcRect l="5761" t="1" r="8654" b="1"/>
           <a:stretch/>
         </p:blipFill>
         <p:spPr>
           <a:xfrm>
-            <a:off x="0" y="1253330"/>
-            <a:ext cx="7975930" cy="4486457"/>
+            <a:off x="27715" y="671808"/>
+            <a:ext cx="8654996" cy="5607694"/>
           </a:xfrm>
           <a:prstGeom prst="rect">
             <a:avLst/>
@@ -13955,7 +14016,7 @@
     </p:spTree>
     <p:extLst>
       <p:ext uri="{BB962C8B-B14F-4D97-AF65-F5344CB8AC3E}">
-        <p14:creationId xmlns:p14="http://schemas.microsoft.com/office/powerpoint/2010/main" val="3538995562"/>
+        <p14:creationId xmlns:p14="http://schemas.microsoft.com/office/powerpoint/2010/main" val="1428159149"/>
       </p:ext>
     </p:extLst>
   </p:cSld>
@@ -14326,19 +14387,19 @@
         </p:nvSpPr>
         <p:spPr>
           <a:xfrm>
-            <a:off x="1038001" y="1106820"/>
+            <a:off x="983632" y="913365"/>
             <a:ext cx="4613919" cy="1499616"/>
           </a:xfrm>
         </p:spPr>
         <p:txBody>
           <a:bodyPr vert="horz" lIns="91440" tIns="45720" rIns="91440" bIns="45720" rtlCol="0" anchor="b">
-            <a:normAutofit fontScale="90000"/>
+            <a:noAutofit/>
           </a:bodyPr>
           <a:lstStyle/>
           <a:p>
             <a:pPr algn="ctr"/>
             <a:r>
-              <a:rPr lang="en-US" sz="6000" b="1" kern="1200" dirty="0">
+              <a:rPr lang="en-US" b="1" kern="1200" dirty="0">
                 <a:solidFill>
                   <a:schemeClr val="tx1"/>
                 </a:solidFill>
@@ -14346,9 +14407,30 @@
                 <a:ea typeface="+mj-ea"/>
                 <a:cs typeface="+mj-cs"/>
               </a:rPr>
-              <a:t>Neighborhood Investigation</a:t>
-            </a:r>
-            <a:endParaRPr lang="en-US" sz="3300" kern="1200" dirty="0">
+              <a:t>Neighborhood Investigation </a:t>
+            </a:r>
+            <a:br>
+              <a:rPr lang="en-US" b="1" kern="1200" dirty="0">
+                <a:solidFill>
+                  <a:schemeClr val="tx1"/>
+                </a:solidFill>
+                <a:latin typeface="+mj-lt"/>
+                <a:ea typeface="+mj-ea"/>
+                <a:cs typeface="+mj-cs"/>
+              </a:rPr>
+            </a:br>
+            <a:r>
+              <a:rPr lang="en-US" sz="4000" b="1" kern="1200" dirty="0">
+                <a:solidFill>
+                  <a:schemeClr val="tx1"/>
+                </a:solidFill>
+                <a:latin typeface="+mj-lt"/>
+                <a:ea typeface="+mj-ea"/>
+                <a:cs typeface="+mj-cs"/>
+              </a:rPr>
+              <a:t>by Crime type</a:t>
+            </a:r>
+            <a:endParaRPr lang="en-US" sz="2400" kern="1200" dirty="0">
               <a:solidFill>
                 <a:schemeClr val="tx1"/>
               </a:solidFill>
@@ -15699,13 +15781,13 @@
               </a:ext>
             </a:extLst>
           </a:blip>
-          <a:srcRect r="1342" b="-1"/>
+          <a:srcRect l="4138" t="3086" r="4825" b="-1"/>
           <a:stretch/>
         </p:blipFill>
         <p:spPr>
           <a:xfrm>
-            <a:off x="6233668" y="-99063"/>
-            <a:ext cx="5958331" cy="3291481"/>
+            <a:off x="6096000" y="39465"/>
+            <a:ext cx="6053549" cy="3512140"/>
           </a:xfrm>
           <a:prstGeom prst="rect">
             <a:avLst/>
@@ -15734,13 +15816,13 @@
               </a:ext>
             </a:extLst>
           </a:blip>
-          <a:srcRect l="8249" r="4844"/>
+          <a:srcRect l="8249" r="4844" b="1702"/>
           <a:stretch/>
         </p:blipFill>
         <p:spPr>
           <a:xfrm>
-            <a:off x="633984" y="3110540"/>
-            <a:ext cx="5779008" cy="3624015"/>
+            <a:off x="698639" y="3284522"/>
+            <a:ext cx="5779008" cy="3562336"/>
           </a:xfrm>
           <a:prstGeom prst="rect">
             <a:avLst/>
@@ -15832,13 +15914,13 @@
               </a:ext>
             </a:extLst>
           </a:blip>
-          <a:srcRect l="7501" r="5592"/>
+          <a:srcRect l="7501" t="3087" r="5592" b="3089"/>
           <a:stretch/>
         </p:blipFill>
         <p:spPr>
           <a:xfrm>
-            <a:off x="6311392" y="3110541"/>
-            <a:ext cx="5779008" cy="3624015"/>
+            <a:off x="6311392" y="3409036"/>
+            <a:ext cx="5779008" cy="3400167"/>
           </a:xfrm>
           <a:prstGeom prst="rect">
             <a:avLst/>
@@ -16779,13 +16861,13 @@
               </a:ext>
             </a:extLst>
           </a:blip>
-          <a:srcRect l="283" r="8373" b="-2"/>
+          <a:srcRect l="283" t="5843" r="8373" b="4543"/>
           <a:stretch/>
         </p:blipFill>
         <p:spPr>
           <a:xfrm>
-            <a:off x="4835181" y="7457"/>
-            <a:ext cx="7359357" cy="4391023"/>
+            <a:off x="4835181" y="134706"/>
+            <a:ext cx="7359357" cy="3934884"/>
           </a:xfrm>
           <a:prstGeom prst="rect">
             <a:avLst/>
@@ -17799,7 +17881,7 @@
         </p:blipFill>
         <p:spPr>
           <a:xfrm>
-            <a:off x="4631811" y="135993"/>
+            <a:off x="4652239" y="22329"/>
             <a:ext cx="7441341" cy="4055530"/>
           </a:xfrm>
           <a:prstGeom prst="rect">
@@ -18800,7 +18882,7 @@
           </p:cNvPicPr>
           <p:nvPr/>
         </p:nvPicPr>
-        <p:blipFill>
+        <p:blipFill rotWithShape="1">
           <a:blip r:embed="rId4">
             <a:extLst>
               <a:ext uri="{28A0092B-C50C-407E-A947-70E740481C1C}">
@@ -18808,14 +18890,13 @@
               </a:ext>
             </a:extLst>
           </a:blip>
-          <a:stretch>
-            <a:fillRect/>
-          </a:stretch>
+          <a:srcRect t="4161"/>
+          <a:stretch/>
         </p:blipFill>
         <p:spPr>
           <a:xfrm>
-            <a:off x="4375015" y="86687"/>
-            <a:ext cx="7813937" cy="4262147"/>
+            <a:off x="4375015" y="14633"/>
+            <a:ext cx="7813937" cy="4084825"/>
           </a:xfrm>
           <a:prstGeom prst="rect">
             <a:avLst/>
@@ -18945,19 +19026,19 @@
         </p:nvSpPr>
         <p:spPr>
           <a:xfrm>
-            <a:off x="352541" y="3208040"/>
+            <a:off x="103161" y="3208040"/>
             <a:ext cx="3975620" cy="1908902"/>
           </a:xfrm>
         </p:spPr>
         <p:txBody>
           <a:bodyPr vert="horz" lIns="91440" tIns="45720" rIns="91440" bIns="45720" rtlCol="0" anchor="ctr">
-            <a:normAutofit fontScale="90000"/>
+            <a:normAutofit/>
           </a:bodyPr>
           <a:lstStyle/>
           <a:p>
             <a:pPr algn="ctr"/>
             <a:r>
-              <a:rPr lang="en-US" b="1" kern="1200" dirty="0">
+              <a:rPr lang="en-US" sz="3600" b="1" kern="1200" dirty="0">
                 <a:solidFill>
                   <a:schemeClr val="tx1"/>
                 </a:solidFill>
@@ -18968,9 +19049,9 @@
               <a:t>Relationship with GDP Growth Rate </a:t>
             </a:r>
             <a:br>
-              <a:rPr lang="en-US" sz="5300" dirty="0"/>
+              <a:rPr lang="en-US" dirty="0"/>
             </a:br>
-            <a:endParaRPr lang="en-US" kern="1200" dirty="0">
+            <a:endParaRPr lang="en-US" sz="3600" kern="1200" dirty="0">
               <a:solidFill>
                 <a:schemeClr val="tx1"/>
               </a:solidFill>
@@ -19370,7 +19451,7 @@
           </p:cNvPicPr>
           <p:nvPr/>
         </p:nvPicPr>
-        <p:blipFill>
+        <p:blipFill rotWithShape="1">
           <a:blip r:embed="rId3">
             <a:extLst>
               <a:ext uri="{28A0092B-C50C-407E-A947-70E740481C1C}">
@@ -19378,14 +19459,13 @@
               </a:ext>
             </a:extLst>
           </a:blip>
-          <a:stretch>
-            <a:fillRect/>
-          </a:stretch>
+          <a:srcRect r="4858"/>
+          <a:stretch/>
         </p:blipFill>
         <p:spPr>
           <a:xfrm>
-            <a:off x="4253812" y="1047332"/>
-            <a:ext cx="8071692" cy="4763336"/>
+            <a:off x="3814055" y="849745"/>
+            <a:ext cx="8383684" cy="5200070"/>
           </a:xfrm>
           <a:prstGeom prst="rect">
             <a:avLst/>
@@ -22810,20 +22890,20 @@
         </p:spPr>
         <p:txBody>
           <a:bodyPr vert="horz" lIns="91440" tIns="45720" rIns="91440" bIns="45720" rtlCol="0" anchor="b">
-            <a:normAutofit/>
+            <a:normAutofit fontScale="90000"/>
           </a:bodyPr>
           <a:lstStyle/>
           <a:p>
             <a:pPr algn="ctr"/>
             <a:r>
-              <a:rPr lang="en-US" sz="3200" b="1" dirty="0">
+              <a:rPr lang="en-US" sz="4000" b="1" dirty="0">
                 <a:solidFill>
                   <a:srgbClr val="FFFFFF"/>
                 </a:solidFill>
               </a:rPr>
               <a:t>Toronto Crimes 2014~2019</a:t>
             </a:r>
-            <a:endParaRPr lang="en-US" sz="3200" dirty="0">
+            <a:endParaRPr lang="en-US" sz="4000" dirty="0">
               <a:solidFill>
                 <a:srgbClr val="FFFFFF"/>
               </a:solidFill>
@@ -23232,8 +23312,8 @@
         </p:nvSpPr>
         <p:spPr>
           <a:xfrm>
-            <a:off x="7762240" y="756921"/>
-            <a:ext cx="4277360" cy="2174239"/>
+            <a:off x="8028432" y="756921"/>
+            <a:ext cx="4011168" cy="2174239"/>
           </a:xfrm>
           <a:prstGeom prst="ellipse">
             <a:avLst/>
@@ -23290,13 +23370,13 @@
               </a:ext>
             </a:extLst>
           </a:blip>
-          <a:srcRect r="3112" b="1"/>
+          <a:srcRect l="3502" t="6557" r="7717" b="3774"/>
           <a:stretch/>
         </p:blipFill>
         <p:spPr>
           <a:xfrm>
-            <a:off x="-321733" y="-8247"/>
-            <a:ext cx="8901283" cy="5006967"/>
+            <a:off x="0" y="9144"/>
+            <a:ext cx="8156448" cy="4489704"/>
           </a:xfrm>
           <a:prstGeom prst="rect">
             <a:avLst/>
@@ -23318,14 +23398,14 @@
           <p:nvPr>
             <p:extLst>
               <p:ext uri="{D42A27DB-BD31-4B8C-83A1-F6EECF244321}">
-                <p14:modId xmlns:p14="http://schemas.microsoft.com/office/powerpoint/2010/main" val="2322467162"/>
+                <p14:modId xmlns:p14="http://schemas.microsoft.com/office/powerpoint/2010/main" val="3383841319"/>
               </p:ext>
             </p:extLst>
           </p:nvPr>
         </p:nvGraphicFramePr>
         <p:xfrm>
-          <a:off x="7355544" y="4046847"/>
-          <a:ext cx="4618981" cy="2595880"/>
+          <a:off x="7355544" y="4082406"/>
+          <a:ext cx="4618981" cy="2560320"/>
         </p:xfrm>
         <a:graphic>
           <a:graphicData uri="http://schemas.openxmlformats.org/drawingml/2006/table">
@@ -23356,7 +23436,7 @@
                   </a:extLst>
                 </a:gridCol>
               </a:tblGrid>
-              <a:tr h="370840">
+              <a:tr h="350682">
                 <a:tc>
                   <a:txBody>
                     <a:bodyPr/>
@@ -23408,7 +23488,7 @@
                   </a:ext>
                 </a:extLst>
               </a:tr>
-              <a:tr h="370840">
+              <a:tr h="350682">
                 <a:tc>
                   <a:txBody>
                     <a:bodyPr/>
@@ -23455,7 +23535,7 @@
                   </a:ext>
                 </a:extLst>
               </a:tr>
-              <a:tr h="370840">
+              <a:tr h="350682">
                 <a:tc>
                   <a:txBody>
                     <a:bodyPr/>
@@ -23505,7 +23585,7 @@
                   </a:ext>
                 </a:extLst>
               </a:tr>
-              <a:tr h="370840">
+              <a:tr h="350682">
                 <a:tc>
                   <a:txBody>
                     <a:bodyPr/>
@@ -23555,7 +23635,7 @@
                   </a:ext>
                 </a:extLst>
               </a:tr>
-              <a:tr h="370840">
+              <a:tr h="350682">
                 <a:tc>
                   <a:txBody>
                     <a:bodyPr/>
@@ -23605,7 +23685,7 @@
                   </a:ext>
                 </a:extLst>
               </a:tr>
-              <a:tr h="370840">
+              <a:tr h="350682">
                 <a:tc>
                   <a:txBody>
                     <a:bodyPr/>
@@ -23655,7 +23735,7 @@
                   </a:ext>
                 </a:extLst>
               </a:tr>
-              <a:tr h="370840">
+              <a:tr h="350682">
                 <a:tc>
                   <a:txBody>
                     <a:bodyPr/>
@@ -23835,20 +23915,35 @@
         </p:spPr>
         <p:txBody>
           <a:bodyPr vert="horz" lIns="91440" tIns="45720" rIns="91440" bIns="45720" rtlCol="0" anchor="b">
-            <a:normAutofit/>
+            <a:normAutofit fontScale="90000"/>
           </a:bodyPr>
           <a:lstStyle/>
           <a:p>
             <a:pPr algn="ctr"/>
             <a:r>
-              <a:rPr lang="en-US" sz="6600" b="1" dirty="0">
+              <a:rPr lang="en-US" sz="5400" b="1" dirty="0">
                 <a:solidFill>
                   <a:schemeClr val="bg1"/>
                 </a:solidFill>
               </a:rPr>
               <a:t>Seasonality of Crimes </a:t>
             </a:r>
-            <a:endParaRPr lang="en-US" sz="3600" dirty="0">
+            <a:br>
+              <a:rPr lang="en-US" sz="5400" b="1" dirty="0">
+                <a:solidFill>
+                  <a:schemeClr val="bg1"/>
+                </a:solidFill>
+              </a:rPr>
+            </a:br>
+            <a:r>
+              <a:rPr lang="en-US" b="1" dirty="0">
+                <a:solidFill>
+                  <a:schemeClr val="bg1"/>
+                </a:solidFill>
+              </a:rPr>
+              <a:t>(monthly) </a:t>
+            </a:r>
+            <a:endParaRPr lang="en-US" sz="2800" dirty="0">
               <a:solidFill>
                 <a:schemeClr val="bg1"/>
               </a:solidFill>
@@ -23878,13 +23973,13 @@
               </a:ext>
             </a:extLst>
           </a:blip>
-          <a:srcRect l="2487" r="4862"/>
+          <a:srcRect l="2487" t="9686" r="4862" b="4887"/>
           <a:stretch/>
         </p:blipFill>
         <p:spPr>
           <a:xfrm>
-            <a:off x="1" y="-751840"/>
-            <a:ext cx="7381300" cy="7762240"/>
+            <a:off x="43660" y="-1"/>
+            <a:ext cx="7234997" cy="6858001"/>
           </a:xfrm>
           <a:prstGeom prst="rect">
             <a:avLst/>
@@ -23929,2011 +24024,12 @@
           <a:chExt cx="0" cy="0"/>
         </a:xfrm>
       </p:grpSpPr>
-      <p:grpSp>
-        <p:nvGrpSpPr>
-          <p:cNvPr id="65" name="Group 44">
+      <p:sp>
+        <p:nvSpPr>
+          <p:cNvPr id="40" name="Rectangle 39">
             <a:extLst>
               <a:ext uri="{FF2B5EF4-FFF2-40B4-BE49-F238E27FC236}">
-                <a16:creationId xmlns:a16="http://schemas.microsoft.com/office/drawing/2014/main" id="{AB2FAF3C-F36A-4612-B00B-E737FEB1E065}"/>
-              </a:ext>
-              <a:ext uri="{C183D7F6-B498-43B3-948B-1728B52AA6E4}">
-                <adec:decorative xmlns:adec="http://schemas.microsoft.com/office/drawing/2017/decorative" val="1"/>
-              </a:ext>
-            </a:extLst>
-          </p:cNvPr>
-          <p:cNvGrpSpPr>
-            <a:grpSpLocks noGrp="1" noUngrp="1" noRot="1" noChangeAspect="1" noMove="1" noResize="1"/>
-          </p:cNvGrpSpPr>
-          <p:nvPr>
-            <p:extLst>
-              <p:ext uri="{386F3935-93C4-4BCD-93E2-E3B085C9AB24}">
-                <p16:designElem xmlns:p16="http://schemas.microsoft.com/office/powerpoint/2015/main" val="1"/>
-              </p:ext>
-            </p:extLst>
-          </p:nvPr>
-        </p:nvGrpSpPr>
-        <p:grpSpPr>
-          <a:xfrm>
-            <a:off x="-329674" y="-59376"/>
-            <a:ext cx="12515851" cy="6923798"/>
-            <a:chOff x="-329674" y="-51881"/>
-            <a:chExt cx="12515851" cy="6923798"/>
-          </a:xfrm>
-        </p:grpSpPr>
-        <p:sp>
-          <p:nvSpPr>
-            <p:cNvPr id="46" name="Freeform 5">
-              <a:extLst>
-                <a:ext uri="{FF2B5EF4-FFF2-40B4-BE49-F238E27FC236}">
-                  <a16:creationId xmlns:a16="http://schemas.microsoft.com/office/drawing/2014/main" id="{23420AEB-7D6F-4338-9CD8-7B963761702B}"/>
-                </a:ext>
-                <a:ext uri="{C183D7F6-B498-43B3-948B-1728B52AA6E4}">
-                  <adec:decorative xmlns:adec="http://schemas.microsoft.com/office/drawing/2017/decorative" val="1"/>
-                </a:ext>
-              </a:extLst>
-            </p:cNvPr>
-            <p:cNvSpPr>
-              <a:spLocks/>
-            </p:cNvSpPr>
-            <p:nvPr>
-              <p:extLst>
-                <p:ext uri="{386F3935-93C4-4BCD-93E2-E3B085C9AB24}">
-                  <p16:designElem xmlns:p16="http://schemas.microsoft.com/office/powerpoint/2015/main" val="1"/>
-                </p:ext>
-              </p:extLst>
-            </p:nvPr>
-          </p:nvSpPr>
-          <p:spPr bwMode="auto">
-            <a:xfrm>
-              <a:off x="-329674" y="1298404"/>
-              <a:ext cx="9702800" cy="5573512"/>
-            </a:xfrm>
-            <a:custGeom>
-              <a:avLst/>
-              <a:gdLst>
-                <a:gd name="T0" fmla="*/ 1752 w 2038"/>
-                <a:gd name="T1" fmla="*/ 1169 h 1169"/>
-                <a:gd name="T2" fmla="*/ 1487 w 2038"/>
-                <a:gd name="T3" fmla="*/ 334 h 1169"/>
-                <a:gd name="T4" fmla="*/ 860 w 2038"/>
-                <a:gd name="T5" fmla="*/ 22 h 1169"/>
-                <a:gd name="T6" fmla="*/ 199 w 2038"/>
-                <a:gd name="T7" fmla="*/ 318 h 1169"/>
-                <a:gd name="T8" fmla="*/ 399 w 2038"/>
-                <a:gd name="T9" fmla="*/ 1165 h 1169"/>
-              </a:gdLst>
-              <a:ahLst/>
-              <a:cxnLst>
-                <a:cxn ang="0">
-                  <a:pos x="T0" y="T1"/>
-                </a:cxn>
-                <a:cxn ang="0">
-                  <a:pos x="T2" y="T3"/>
-                </a:cxn>
-                <a:cxn ang="0">
-                  <a:pos x="T4" y="T5"/>
-                </a:cxn>
-                <a:cxn ang="0">
-                  <a:pos x="T6" y="T7"/>
-                </a:cxn>
-                <a:cxn ang="0">
-                  <a:pos x="T8" y="T9"/>
-                </a:cxn>
-              </a:cxnLst>
-              <a:rect l="0" t="0" r="r" b="b"/>
-              <a:pathLst>
-                <a:path w="2038" h="1169">
-                  <a:moveTo>
-                    <a:pt x="1752" y="1169"/>
-                  </a:moveTo>
-                  <a:cubicBezTo>
-                    <a:pt x="2038" y="928"/>
-                    <a:pt x="1673" y="513"/>
-                    <a:pt x="1487" y="334"/>
-                  </a:cubicBezTo>
-                  <a:cubicBezTo>
-                    <a:pt x="1316" y="170"/>
-                    <a:pt x="1099" y="43"/>
-                    <a:pt x="860" y="22"/>
-                  </a:cubicBezTo>
-                  <a:cubicBezTo>
-                    <a:pt x="621" y="0"/>
-                    <a:pt x="341" y="128"/>
-                    <a:pt x="199" y="318"/>
-                  </a:cubicBezTo>
-                  <a:cubicBezTo>
-                    <a:pt x="0" y="586"/>
-                    <a:pt x="184" y="965"/>
-                    <a:pt x="399" y="1165"/>
-                  </a:cubicBezTo>
-                </a:path>
-              </a:pathLst>
-            </a:custGeom>
-            <a:noFill/>
-            <a:ln w="9525" cap="flat">
-              <a:solidFill>
-                <a:schemeClr val="tx1">
-                  <a:alpha val="20000"/>
-                </a:schemeClr>
-              </a:solidFill>
-              <a:prstDash val="solid"/>
-              <a:miter lim="800000"/>
-              <a:headEnd/>
-              <a:tailEnd/>
-            </a:ln>
-            <a:extLst>
-              <a:ext uri="{909E8E84-426E-40DD-AFC4-6F175D3DCCD1}">
-                <a14:hiddenFill xmlns:a14="http://schemas.microsoft.com/office/drawing/2010/main">
-                  <a:solidFill>
-                    <a:srgbClr val="FFFFFF"/>
-                  </a:solidFill>
-                </a14:hiddenFill>
-              </a:ext>
-            </a:extLst>
-          </p:spPr>
-          <p:txBody>
-            <a:bodyPr vert="horz" wrap="square" lIns="91440" tIns="45720" rIns="91440" bIns="45720" numCol="1" anchor="t" anchorCtr="0" compatLnSpc="1">
-              <a:prstTxWarp prst="textNoShape">
-                <a:avLst/>
-              </a:prstTxWarp>
-            </a:bodyPr>
-            <a:lstStyle/>
-            <a:p>
-              <a:endParaRPr lang="en-US"/>
-            </a:p>
-          </p:txBody>
-        </p:sp>
-        <p:sp>
-          <p:nvSpPr>
-            <p:cNvPr id="67" name="Freeform 6">
-              <a:extLst>
-                <a:ext uri="{FF2B5EF4-FFF2-40B4-BE49-F238E27FC236}">
-                  <a16:creationId xmlns:a16="http://schemas.microsoft.com/office/drawing/2014/main" id="{9551E9D5-67C0-42B0-9796-909C1B9DF7E7}"/>
-                </a:ext>
-                <a:ext uri="{C183D7F6-B498-43B3-948B-1728B52AA6E4}">
-                  <adec:decorative xmlns:adec="http://schemas.microsoft.com/office/drawing/2017/decorative" val="1"/>
-                </a:ext>
-              </a:extLst>
-            </p:cNvPr>
-            <p:cNvSpPr>
-              <a:spLocks/>
-            </p:cNvSpPr>
-            <p:nvPr>
-              <p:extLst>
-                <p:ext uri="{386F3935-93C4-4BCD-93E2-E3B085C9AB24}">
-                  <p16:designElem xmlns:p16="http://schemas.microsoft.com/office/powerpoint/2015/main" val="1"/>
-                </p:ext>
-              </p:extLst>
-            </p:nvPr>
-          </p:nvSpPr>
-          <p:spPr bwMode="auto">
-            <a:xfrm>
-              <a:off x="670451" y="2018236"/>
-              <a:ext cx="7373938" cy="4848892"/>
-            </a:xfrm>
-            <a:custGeom>
-              <a:avLst/>
-              <a:gdLst>
-                <a:gd name="T0" fmla="*/ 1025 w 1549"/>
-                <a:gd name="T1" fmla="*/ 1016 h 1017"/>
-                <a:gd name="T2" fmla="*/ 1443 w 1549"/>
-                <a:gd name="T3" fmla="*/ 592 h 1017"/>
-                <a:gd name="T4" fmla="*/ 782 w 1549"/>
-                <a:gd name="T5" fmla="*/ 53 h 1017"/>
-                <a:gd name="T6" fmla="*/ 150 w 1549"/>
-                <a:gd name="T7" fmla="*/ 329 h 1017"/>
-                <a:gd name="T8" fmla="*/ 477 w 1549"/>
-                <a:gd name="T9" fmla="*/ 1017 h 1017"/>
-              </a:gdLst>
-              <a:ahLst/>
-              <a:cxnLst>
-                <a:cxn ang="0">
-                  <a:pos x="T0" y="T1"/>
-                </a:cxn>
-                <a:cxn ang="0">
-                  <a:pos x="T2" y="T3"/>
-                </a:cxn>
-                <a:cxn ang="0">
-                  <a:pos x="T4" y="T5"/>
-                </a:cxn>
-                <a:cxn ang="0">
-                  <a:pos x="T6" y="T7"/>
-                </a:cxn>
-                <a:cxn ang="0">
-                  <a:pos x="T8" y="T9"/>
-                </a:cxn>
-              </a:cxnLst>
-              <a:rect l="0" t="0" r="r" b="b"/>
-              <a:pathLst>
-                <a:path w="1549" h="1017">
-                  <a:moveTo>
-                    <a:pt x="1025" y="1016"/>
-                  </a:moveTo>
-                  <a:cubicBezTo>
-                    <a:pt x="1223" y="971"/>
-                    <a:pt x="1549" y="857"/>
-                    <a:pt x="1443" y="592"/>
-                  </a:cubicBezTo>
-                  <a:cubicBezTo>
-                    <a:pt x="1344" y="344"/>
-                    <a:pt x="1041" y="111"/>
-                    <a:pt x="782" y="53"/>
-                  </a:cubicBezTo>
-                  <a:cubicBezTo>
-                    <a:pt x="545" y="0"/>
-                    <a:pt x="275" y="117"/>
-                    <a:pt x="150" y="329"/>
-                  </a:cubicBezTo>
-                  <a:cubicBezTo>
-                    <a:pt x="0" y="584"/>
-                    <a:pt x="243" y="911"/>
-                    <a:pt x="477" y="1017"/>
-                  </a:cubicBezTo>
-                </a:path>
-              </a:pathLst>
-            </a:custGeom>
-            <a:noFill/>
-            <a:ln w="9525" cap="flat">
-              <a:solidFill>
-                <a:schemeClr val="tx1">
-                  <a:alpha val="20000"/>
-                </a:schemeClr>
-              </a:solidFill>
-              <a:prstDash val="solid"/>
-              <a:miter lim="800000"/>
-              <a:headEnd/>
-              <a:tailEnd/>
-            </a:ln>
-            <a:extLst>
-              <a:ext uri="{909E8E84-426E-40DD-AFC4-6F175D3DCCD1}">
-                <a14:hiddenFill xmlns:a14="http://schemas.microsoft.com/office/drawing/2010/main">
-                  <a:solidFill>
-                    <a:srgbClr val="FFFFFF"/>
-                  </a:solidFill>
-                </a14:hiddenFill>
-              </a:ext>
-            </a:extLst>
-          </p:spPr>
-          <p:txBody>
-            <a:bodyPr vert="horz" wrap="square" lIns="91440" tIns="45720" rIns="91440" bIns="45720" numCol="1" anchor="t" anchorCtr="0" compatLnSpc="1">
-              <a:prstTxWarp prst="textNoShape">
-                <a:avLst/>
-              </a:prstTxWarp>
-            </a:bodyPr>
-            <a:lstStyle/>
-            <a:p>
-              <a:endParaRPr lang="en-US"/>
-            </a:p>
-          </p:txBody>
-        </p:sp>
-        <p:sp>
-          <p:nvSpPr>
-            <p:cNvPr id="48" name="Freeform 7">
-              <a:extLst>
-                <a:ext uri="{FF2B5EF4-FFF2-40B4-BE49-F238E27FC236}">
-                  <a16:creationId xmlns:a16="http://schemas.microsoft.com/office/drawing/2014/main" id="{9CB4C9E0-236E-426D-88FB-50ACF81BC9B0}"/>
-                </a:ext>
-                <a:ext uri="{C183D7F6-B498-43B3-948B-1728B52AA6E4}">
-                  <adec:decorative xmlns:adec="http://schemas.microsoft.com/office/drawing/2017/decorative" val="1"/>
-                </a:ext>
-              </a:extLst>
-            </p:cNvPr>
-            <p:cNvSpPr>
-              <a:spLocks/>
-            </p:cNvSpPr>
-            <p:nvPr>
-              <p:extLst>
-                <p:ext uri="{386F3935-93C4-4BCD-93E2-E3B085C9AB24}">
-                  <p16:designElem xmlns:p16="http://schemas.microsoft.com/office/powerpoint/2015/main" val="1"/>
-                </p:ext>
-              </p:extLst>
-            </p:nvPr>
-          </p:nvSpPr>
-          <p:spPr bwMode="auto">
-            <a:xfrm>
-              <a:off x="251351" y="1788400"/>
-              <a:ext cx="8035925" cy="5083516"/>
-            </a:xfrm>
-            <a:custGeom>
-              <a:avLst/>
-              <a:gdLst>
-                <a:gd name="T0" fmla="*/ 1302 w 1688"/>
-                <a:gd name="T1" fmla="*/ 1066 h 1066"/>
-                <a:gd name="T2" fmla="*/ 1613 w 1688"/>
-                <a:gd name="T3" fmla="*/ 850 h 1066"/>
-                <a:gd name="T4" fmla="*/ 1517 w 1688"/>
-                <a:gd name="T5" fmla="*/ 471 h 1066"/>
-                <a:gd name="T6" fmla="*/ 798 w 1688"/>
-                <a:gd name="T7" fmla="*/ 28 h 1066"/>
-                <a:gd name="T8" fmla="*/ 181 w 1688"/>
-                <a:gd name="T9" fmla="*/ 333 h 1066"/>
-                <a:gd name="T10" fmla="*/ 420 w 1688"/>
-                <a:gd name="T11" fmla="*/ 1066 h 1066"/>
-              </a:gdLst>
-              <a:ahLst/>
-              <a:cxnLst>
-                <a:cxn ang="0">
-                  <a:pos x="T0" y="T1"/>
-                </a:cxn>
-                <a:cxn ang="0">
-                  <a:pos x="T2" y="T3"/>
-                </a:cxn>
-                <a:cxn ang="0">
-                  <a:pos x="T4" y="T5"/>
-                </a:cxn>
-                <a:cxn ang="0">
-                  <a:pos x="T6" y="T7"/>
-                </a:cxn>
-                <a:cxn ang="0">
-                  <a:pos x="T8" y="T9"/>
-                </a:cxn>
-                <a:cxn ang="0">
-                  <a:pos x="T10" y="T11"/>
-                </a:cxn>
-              </a:cxnLst>
-              <a:rect l="0" t="0" r="r" b="b"/>
-              <a:pathLst>
-                <a:path w="1688" h="1066">
-                  <a:moveTo>
-                    <a:pt x="1302" y="1066"/>
-                  </a:moveTo>
-                  <a:cubicBezTo>
-                    <a:pt x="1416" y="1024"/>
-                    <a:pt x="1551" y="962"/>
-                    <a:pt x="1613" y="850"/>
-                  </a:cubicBezTo>
-                  <a:cubicBezTo>
-                    <a:pt x="1688" y="715"/>
-                    <a:pt x="1606" y="575"/>
-                    <a:pt x="1517" y="471"/>
-                  </a:cubicBezTo>
-                  <a:cubicBezTo>
-                    <a:pt x="1336" y="258"/>
-                    <a:pt x="1084" y="62"/>
-                    <a:pt x="798" y="28"/>
-                  </a:cubicBezTo>
-                  <a:cubicBezTo>
-                    <a:pt x="559" y="0"/>
-                    <a:pt x="317" y="138"/>
-                    <a:pt x="181" y="333"/>
-                  </a:cubicBezTo>
-                  <a:cubicBezTo>
-                    <a:pt x="0" y="592"/>
-                    <a:pt x="191" y="907"/>
-                    <a:pt x="420" y="1066"/>
-                  </a:cubicBezTo>
-                </a:path>
-              </a:pathLst>
-            </a:custGeom>
-            <a:noFill/>
-            <a:ln w="9525" cap="flat">
-              <a:solidFill>
-                <a:schemeClr val="tx1">
-                  <a:alpha val="20000"/>
-                </a:schemeClr>
-              </a:solidFill>
-              <a:prstDash val="dash"/>
-              <a:miter lim="800000"/>
-              <a:headEnd/>
-              <a:tailEnd/>
-            </a:ln>
-            <a:extLst>
-              <a:ext uri="{909E8E84-426E-40DD-AFC4-6F175D3DCCD1}">
-                <a14:hiddenFill xmlns:a14="http://schemas.microsoft.com/office/drawing/2010/main">
-                  <a:solidFill>
-                    <a:srgbClr val="FFFFFF"/>
-                  </a:solidFill>
-                </a14:hiddenFill>
-              </a:ext>
-            </a:extLst>
-          </p:spPr>
-          <p:txBody>
-            <a:bodyPr vert="horz" wrap="square" lIns="91440" tIns="45720" rIns="91440" bIns="45720" numCol="1" anchor="t" anchorCtr="0" compatLnSpc="1">
-              <a:prstTxWarp prst="textNoShape">
-                <a:avLst/>
-              </a:prstTxWarp>
-            </a:bodyPr>
-            <a:lstStyle/>
-            <a:p>
-              <a:endParaRPr lang="en-US"/>
-            </a:p>
-          </p:txBody>
-        </p:sp>
-        <p:sp>
-          <p:nvSpPr>
-            <p:cNvPr id="49" name="Freeform 8">
-              <a:extLst>
-                <a:ext uri="{FF2B5EF4-FFF2-40B4-BE49-F238E27FC236}">
-                  <a16:creationId xmlns:a16="http://schemas.microsoft.com/office/drawing/2014/main" id="{1A11A9AC-1E25-429F-A3A8-67DED3DF4541}"/>
-                </a:ext>
-                <a:ext uri="{C183D7F6-B498-43B3-948B-1728B52AA6E4}">
-                  <adec:decorative xmlns:adec="http://schemas.microsoft.com/office/drawing/2017/decorative" val="1"/>
-                </a:ext>
-              </a:extLst>
-            </p:cNvPr>
-            <p:cNvSpPr>
-              <a:spLocks/>
-            </p:cNvSpPr>
-            <p:nvPr>
-              <p:extLst>
-                <p:ext uri="{386F3935-93C4-4BCD-93E2-E3B085C9AB24}">
-                  <p16:designElem xmlns:p16="http://schemas.microsoft.com/office/powerpoint/2015/main" val="1"/>
-                </p:ext>
-              </p:extLst>
-            </p:nvPr>
-          </p:nvSpPr>
-          <p:spPr bwMode="auto">
-            <a:xfrm>
-              <a:off x="-1061" y="549842"/>
-              <a:ext cx="10334625" cy="6322075"/>
-            </a:xfrm>
-            <a:custGeom>
-              <a:avLst/>
-              <a:gdLst>
-                <a:gd name="T0" fmla="*/ 1873 w 2171"/>
-                <a:gd name="T1" fmla="*/ 1326 h 1326"/>
-                <a:gd name="T2" fmla="*/ 1609 w 2171"/>
-                <a:gd name="T3" fmla="*/ 473 h 1326"/>
-                <a:gd name="T4" fmla="*/ 880 w 2171"/>
-                <a:gd name="T5" fmla="*/ 63 h 1326"/>
-                <a:gd name="T6" fmla="*/ 0 w 2171"/>
-                <a:gd name="T7" fmla="*/ 423 h 1326"/>
-              </a:gdLst>
-              <a:ahLst/>
-              <a:cxnLst>
-                <a:cxn ang="0">
-                  <a:pos x="T0" y="T1"/>
-                </a:cxn>
-                <a:cxn ang="0">
-                  <a:pos x="T2" y="T3"/>
-                </a:cxn>
-                <a:cxn ang="0">
-                  <a:pos x="T4" y="T5"/>
-                </a:cxn>
-                <a:cxn ang="0">
-                  <a:pos x="T6" y="T7"/>
-                </a:cxn>
-              </a:cxnLst>
-              <a:rect l="0" t="0" r="r" b="b"/>
-              <a:pathLst>
-                <a:path w="2171" h="1326">
-                  <a:moveTo>
-                    <a:pt x="1873" y="1326"/>
-                  </a:moveTo>
-                  <a:cubicBezTo>
-                    <a:pt x="2171" y="1045"/>
-                    <a:pt x="1825" y="678"/>
-                    <a:pt x="1609" y="473"/>
-                  </a:cubicBezTo>
-                  <a:cubicBezTo>
-                    <a:pt x="1406" y="281"/>
-                    <a:pt x="1159" y="116"/>
-                    <a:pt x="880" y="63"/>
-                  </a:cubicBezTo>
-                  <a:cubicBezTo>
-                    <a:pt x="545" y="0"/>
-                    <a:pt x="214" y="161"/>
-                    <a:pt x="0" y="423"/>
-                  </a:cubicBezTo>
-                </a:path>
-              </a:pathLst>
-            </a:custGeom>
-            <a:noFill/>
-            <a:ln w="9525" cap="flat">
-              <a:solidFill>
-                <a:schemeClr val="tx1">
-                  <a:alpha val="20000"/>
-                </a:schemeClr>
-              </a:solidFill>
-              <a:prstDash val="solid"/>
-              <a:miter lim="800000"/>
-              <a:headEnd/>
-              <a:tailEnd/>
-            </a:ln>
-            <a:extLst>
-              <a:ext uri="{909E8E84-426E-40DD-AFC4-6F175D3DCCD1}">
-                <a14:hiddenFill xmlns:a14="http://schemas.microsoft.com/office/drawing/2010/main">
-                  <a:solidFill>
-                    <a:srgbClr val="FFFFFF"/>
-                  </a:solidFill>
-                </a14:hiddenFill>
-              </a:ext>
-            </a:extLst>
-          </p:spPr>
-          <p:txBody>
-            <a:bodyPr vert="horz" wrap="square" lIns="91440" tIns="45720" rIns="91440" bIns="45720" numCol="1" anchor="t" anchorCtr="0" compatLnSpc="1">
-              <a:prstTxWarp prst="textNoShape">
-                <a:avLst/>
-              </a:prstTxWarp>
-            </a:bodyPr>
-            <a:lstStyle/>
-            <a:p>
-              <a:endParaRPr lang="en-US"/>
-            </a:p>
-          </p:txBody>
-        </p:sp>
-        <p:sp>
-          <p:nvSpPr>
-            <p:cNvPr id="50" name="Freeform 9">
-              <a:extLst>
-                <a:ext uri="{FF2B5EF4-FFF2-40B4-BE49-F238E27FC236}">
-                  <a16:creationId xmlns:a16="http://schemas.microsoft.com/office/drawing/2014/main" id="{66E126C4-E1AC-4DDC-87CB-5D8B4605C86F}"/>
-                </a:ext>
-                <a:ext uri="{C183D7F6-B498-43B3-948B-1728B52AA6E4}">
-                  <adec:decorative xmlns:adec="http://schemas.microsoft.com/office/drawing/2017/decorative" val="1"/>
-                </a:ext>
-              </a:extLst>
-            </p:cNvPr>
-            <p:cNvSpPr>
-              <a:spLocks/>
-            </p:cNvSpPr>
-            <p:nvPr>
-              <p:extLst>
-                <p:ext uri="{386F3935-93C4-4BCD-93E2-E3B085C9AB24}">
-                  <p16:designElem xmlns:p16="http://schemas.microsoft.com/office/powerpoint/2015/main" val="1"/>
-                </p:ext>
-              </p:extLst>
-            </p:nvPr>
-          </p:nvSpPr>
-          <p:spPr bwMode="auto">
-            <a:xfrm>
-              <a:off x="3701" y="6186246"/>
-              <a:ext cx="504825" cy="681527"/>
-            </a:xfrm>
-            <a:custGeom>
-              <a:avLst/>
-              <a:gdLst>
-                <a:gd name="T0" fmla="*/ 0 w 106"/>
-                <a:gd name="T1" fmla="*/ 0 h 143"/>
-                <a:gd name="T2" fmla="*/ 106 w 106"/>
-                <a:gd name="T3" fmla="*/ 143 h 143"/>
-              </a:gdLst>
-              <a:ahLst/>
-              <a:cxnLst>
-                <a:cxn ang="0">
-                  <a:pos x="T0" y="T1"/>
-                </a:cxn>
-                <a:cxn ang="0">
-                  <a:pos x="T2" y="T3"/>
-                </a:cxn>
-              </a:cxnLst>
-              <a:rect l="0" t="0" r="r" b="b"/>
-              <a:pathLst>
-                <a:path w="106" h="143">
-                  <a:moveTo>
-                    <a:pt x="0" y="0"/>
-                  </a:moveTo>
-                  <a:cubicBezTo>
-                    <a:pt x="35" y="54"/>
-                    <a:pt x="70" y="101"/>
-                    <a:pt x="106" y="143"/>
-                  </a:cubicBezTo>
-                </a:path>
-              </a:pathLst>
-            </a:custGeom>
-            <a:noFill/>
-            <a:ln w="4763" cap="flat">
-              <a:solidFill>
-                <a:schemeClr val="tx1">
-                  <a:alpha val="20000"/>
-                </a:schemeClr>
-              </a:solidFill>
-              <a:prstDash val="solid"/>
-              <a:miter lim="800000"/>
-              <a:headEnd/>
-              <a:tailEnd/>
-            </a:ln>
-            <a:extLst>
-              <a:ext uri="{909E8E84-426E-40DD-AFC4-6F175D3DCCD1}">
-                <a14:hiddenFill xmlns:a14="http://schemas.microsoft.com/office/drawing/2010/main">
-                  <a:solidFill>
-                    <a:srgbClr val="FFFFFF"/>
-                  </a:solidFill>
-                </a14:hiddenFill>
-              </a:ext>
-            </a:extLst>
-          </p:spPr>
-          <p:txBody>
-            <a:bodyPr vert="horz" wrap="square" lIns="91440" tIns="45720" rIns="91440" bIns="45720" numCol="1" anchor="t" anchorCtr="0" compatLnSpc="1">
-              <a:prstTxWarp prst="textNoShape">
-                <a:avLst/>
-              </a:prstTxWarp>
-            </a:bodyPr>
-            <a:lstStyle/>
-            <a:p>
-              <a:endParaRPr lang="en-US"/>
-            </a:p>
-          </p:txBody>
-        </p:sp>
-        <p:sp>
-          <p:nvSpPr>
-            <p:cNvPr id="51" name="Freeform 10">
-              <a:extLst>
-                <a:ext uri="{FF2B5EF4-FFF2-40B4-BE49-F238E27FC236}">
-                  <a16:creationId xmlns:a16="http://schemas.microsoft.com/office/drawing/2014/main" id="{B1DE6C75-DCE1-4942-8E8D-ECA1D1773CD8}"/>
-                </a:ext>
-                <a:ext uri="{C183D7F6-B498-43B3-948B-1728B52AA6E4}">
-                  <adec:decorative xmlns:adec="http://schemas.microsoft.com/office/drawing/2017/decorative" val="1"/>
-                </a:ext>
-              </a:extLst>
-            </p:cNvPr>
-            <p:cNvSpPr>
-              <a:spLocks/>
-            </p:cNvSpPr>
-            <p:nvPr>
-              <p:extLst>
-                <p:ext uri="{386F3935-93C4-4BCD-93E2-E3B085C9AB24}">
-                  <p16:designElem xmlns:p16="http://schemas.microsoft.com/office/powerpoint/2015/main" val="1"/>
-                </p:ext>
-              </p:extLst>
-            </p:nvPr>
-          </p:nvSpPr>
-          <p:spPr bwMode="auto">
-            <a:xfrm>
-              <a:off x="-1061" y="-51881"/>
-              <a:ext cx="11091863" cy="6923796"/>
-            </a:xfrm>
-            <a:custGeom>
-              <a:avLst/>
-              <a:gdLst>
-                <a:gd name="T0" fmla="*/ 2046 w 2330"/>
-                <a:gd name="T1" fmla="*/ 1452 h 1452"/>
-                <a:gd name="T2" fmla="*/ 1813 w 2330"/>
-                <a:gd name="T3" fmla="*/ 601 h 1452"/>
-                <a:gd name="T4" fmla="*/ 956 w 2330"/>
-                <a:gd name="T5" fmla="*/ 97 h 1452"/>
-                <a:gd name="T6" fmla="*/ 0 w 2330"/>
-                <a:gd name="T7" fmla="*/ 366 h 1452"/>
-              </a:gdLst>
-              <a:ahLst/>
-              <a:cxnLst>
-                <a:cxn ang="0">
-                  <a:pos x="T0" y="T1"/>
-                </a:cxn>
-                <a:cxn ang="0">
-                  <a:pos x="T2" y="T3"/>
-                </a:cxn>
-                <a:cxn ang="0">
-                  <a:pos x="T4" y="T5"/>
-                </a:cxn>
-                <a:cxn ang="0">
-                  <a:pos x="T6" y="T7"/>
-                </a:cxn>
-              </a:cxnLst>
-              <a:rect l="0" t="0" r="r" b="b"/>
-              <a:pathLst>
-                <a:path w="2330" h="1452">
-                  <a:moveTo>
-                    <a:pt x="2046" y="1452"/>
-                  </a:moveTo>
-                  <a:cubicBezTo>
-                    <a:pt x="2330" y="1153"/>
-                    <a:pt x="2049" y="821"/>
-                    <a:pt x="1813" y="601"/>
-                  </a:cubicBezTo>
-                  <a:cubicBezTo>
-                    <a:pt x="1569" y="375"/>
-                    <a:pt x="1282" y="179"/>
-                    <a:pt x="956" y="97"/>
-                  </a:cubicBezTo>
-                  <a:cubicBezTo>
-                    <a:pt x="572" y="0"/>
-                    <a:pt x="292" y="101"/>
-                    <a:pt x="0" y="366"/>
-                  </a:cubicBezTo>
-                </a:path>
-              </a:pathLst>
-            </a:custGeom>
-            <a:noFill/>
-            <a:ln w="9525" cap="flat">
-              <a:solidFill>
-                <a:schemeClr val="tx1">
-                  <a:alpha val="20000"/>
-                </a:schemeClr>
-              </a:solidFill>
-              <a:prstDash val="solid"/>
-              <a:miter lim="800000"/>
-              <a:headEnd/>
-              <a:tailEnd/>
-            </a:ln>
-            <a:extLst>
-              <a:ext uri="{909E8E84-426E-40DD-AFC4-6F175D3DCCD1}">
-                <a14:hiddenFill xmlns:a14="http://schemas.microsoft.com/office/drawing/2010/main">
-                  <a:solidFill>
-                    <a:srgbClr val="FFFFFF"/>
-                  </a:solidFill>
-                </a14:hiddenFill>
-              </a:ext>
-            </a:extLst>
-          </p:spPr>
-          <p:txBody>
-            <a:bodyPr vert="horz" wrap="square" lIns="91440" tIns="45720" rIns="91440" bIns="45720" numCol="1" anchor="t" anchorCtr="0" compatLnSpc="1">
-              <a:prstTxWarp prst="textNoShape">
-                <a:avLst/>
-              </a:prstTxWarp>
-            </a:bodyPr>
-            <a:lstStyle/>
-            <a:p>
-              <a:endParaRPr lang="en-US"/>
-            </a:p>
-          </p:txBody>
-        </p:sp>
-        <p:sp>
-          <p:nvSpPr>
-            <p:cNvPr id="52" name="Freeform 11">
-              <a:extLst>
-                <a:ext uri="{FF2B5EF4-FFF2-40B4-BE49-F238E27FC236}">
-                  <a16:creationId xmlns:a16="http://schemas.microsoft.com/office/drawing/2014/main" id="{F5459AD3-234D-4C3B-BD9C-92B3377BDBE9}"/>
-                </a:ext>
-                <a:ext uri="{C183D7F6-B498-43B3-948B-1728B52AA6E4}">
-                  <adec:decorative xmlns:adec="http://schemas.microsoft.com/office/drawing/2017/decorative" val="1"/>
-                </a:ext>
-              </a:extLst>
-            </p:cNvPr>
-            <p:cNvSpPr>
-              <a:spLocks/>
-            </p:cNvSpPr>
-            <p:nvPr>
-              <p:extLst>
-                <p:ext uri="{386F3935-93C4-4BCD-93E2-E3B085C9AB24}">
-                  <p16:designElem xmlns:p16="http://schemas.microsoft.com/office/powerpoint/2015/main" val="1"/>
-                </p:ext>
-              </p:extLst>
-            </p:nvPr>
-          </p:nvSpPr>
-          <p:spPr bwMode="auto">
-            <a:xfrm>
-              <a:off x="5426601" y="5579"/>
-              <a:ext cx="5788025" cy="6847184"/>
-            </a:xfrm>
-            <a:custGeom>
-              <a:avLst/>
-              <a:gdLst>
-                <a:gd name="T0" fmla="*/ 1094 w 1216"/>
-                <a:gd name="T1" fmla="*/ 1436 h 1436"/>
-                <a:gd name="T2" fmla="*/ 709 w 1216"/>
-                <a:gd name="T3" fmla="*/ 551 h 1436"/>
-                <a:gd name="T4" fmla="*/ 0 w 1216"/>
-                <a:gd name="T5" fmla="*/ 0 h 1436"/>
-              </a:gdLst>
-              <a:ahLst/>
-              <a:cxnLst>
-                <a:cxn ang="0">
-                  <a:pos x="T0" y="T1"/>
-                </a:cxn>
-                <a:cxn ang="0">
-                  <a:pos x="T2" y="T3"/>
-                </a:cxn>
-                <a:cxn ang="0">
-                  <a:pos x="T4" y="T5"/>
-                </a:cxn>
-              </a:cxnLst>
-              <a:rect l="0" t="0" r="r" b="b"/>
-              <a:pathLst>
-                <a:path w="1216" h="1436">
-                  <a:moveTo>
-                    <a:pt x="1094" y="1436"/>
-                  </a:moveTo>
-                  <a:cubicBezTo>
-                    <a:pt x="1216" y="1114"/>
-                    <a:pt x="904" y="770"/>
-                    <a:pt x="709" y="551"/>
-                  </a:cubicBezTo>
-                  <a:cubicBezTo>
-                    <a:pt x="509" y="327"/>
-                    <a:pt x="274" y="127"/>
-                    <a:pt x="0" y="0"/>
-                  </a:cubicBezTo>
-                </a:path>
-              </a:pathLst>
-            </a:custGeom>
-            <a:noFill/>
-            <a:ln w="9525" cap="flat">
-              <a:solidFill>
-                <a:schemeClr val="tx1">
-                  <a:alpha val="20000"/>
-                </a:schemeClr>
-              </a:solidFill>
-              <a:prstDash val="solid"/>
-              <a:miter lim="800000"/>
-              <a:headEnd/>
-              <a:tailEnd/>
-            </a:ln>
-            <a:extLst>
-              <a:ext uri="{909E8E84-426E-40DD-AFC4-6F175D3DCCD1}">
-                <a14:hiddenFill xmlns:a14="http://schemas.microsoft.com/office/drawing/2010/main">
-                  <a:solidFill>
-                    <a:srgbClr val="FFFFFF"/>
-                  </a:solidFill>
-                </a14:hiddenFill>
-              </a:ext>
-            </a:extLst>
-          </p:spPr>
-          <p:txBody>
-            <a:bodyPr vert="horz" wrap="square" lIns="91440" tIns="45720" rIns="91440" bIns="45720" numCol="1" anchor="t" anchorCtr="0" compatLnSpc="1">
-              <a:prstTxWarp prst="textNoShape">
-                <a:avLst/>
-              </a:prstTxWarp>
-            </a:bodyPr>
-            <a:lstStyle/>
-            <a:p>
-              <a:endParaRPr lang="en-US"/>
-            </a:p>
-          </p:txBody>
-        </p:sp>
-        <p:sp>
-          <p:nvSpPr>
-            <p:cNvPr id="53" name="Freeform 12">
-              <a:extLst>
-                <a:ext uri="{FF2B5EF4-FFF2-40B4-BE49-F238E27FC236}">
-                  <a16:creationId xmlns:a16="http://schemas.microsoft.com/office/drawing/2014/main" id="{5593DA70-95B1-425C-BF35-F923099D6F11}"/>
-                </a:ext>
-                <a:ext uri="{C183D7F6-B498-43B3-948B-1728B52AA6E4}">
-                  <adec:decorative xmlns:adec="http://schemas.microsoft.com/office/drawing/2017/decorative" val="1"/>
-                </a:ext>
-              </a:extLst>
-            </p:cNvPr>
-            <p:cNvSpPr>
-              <a:spLocks/>
-            </p:cNvSpPr>
-            <p:nvPr>
-              <p:extLst>
-                <p:ext uri="{386F3935-93C4-4BCD-93E2-E3B085C9AB24}">
-                  <p16:designElem xmlns:p16="http://schemas.microsoft.com/office/powerpoint/2015/main" val="1"/>
-                </p:ext>
-              </p:extLst>
-            </p:nvPr>
-          </p:nvSpPr>
-          <p:spPr bwMode="auto">
-            <a:xfrm>
-              <a:off x="-1061" y="5579"/>
-              <a:ext cx="1057275" cy="614491"/>
-            </a:xfrm>
-            <a:custGeom>
-              <a:avLst/>
-              <a:gdLst>
-                <a:gd name="T0" fmla="*/ 222 w 222"/>
-                <a:gd name="T1" fmla="*/ 0 h 129"/>
-                <a:gd name="T2" fmla="*/ 0 w 222"/>
-                <a:gd name="T3" fmla="*/ 129 h 129"/>
-              </a:gdLst>
-              <a:ahLst/>
-              <a:cxnLst>
-                <a:cxn ang="0">
-                  <a:pos x="T0" y="T1"/>
-                </a:cxn>
-                <a:cxn ang="0">
-                  <a:pos x="T2" y="T3"/>
-                </a:cxn>
-              </a:cxnLst>
-              <a:rect l="0" t="0" r="r" b="b"/>
-              <a:pathLst>
-                <a:path w="222" h="129">
-                  <a:moveTo>
-                    <a:pt x="222" y="0"/>
-                  </a:moveTo>
-                  <a:cubicBezTo>
-                    <a:pt x="152" y="35"/>
-                    <a:pt x="76" y="78"/>
-                    <a:pt x="0" y="129"/>
-                  </a:cubicBezTo>
-                </a:path>
-              </a:pathLst>
-            </a:custGeom>
-            <a:noFill/>
-            <a:ln w="9525" cap="flat">
-              <a:solidFill>
-                <a:schemeClr val="tx1">
-                  <a:alpha val="20000"/>
-                </a:schemeClr>
-              </a:solidFill>
-              <a:prstDash val="solid"/>
-              <a:miter lim="800000"/>
-              <a:headEnd/>
-              <a:tailEnd/>
-            </a:ln>
-            <a:extLst>
-              <a:ext uri="{909E8E84-426E-40DD-AFC4-6F175D3DCCD1}">
-                <a14:hiddenFill xmlns:a14="http://schemas.microsoft.com/office/drawing/2010/main">
-                  <a:solidFill>
-                    <a:srgbClr val="FFFFFF"/>
-                  </a:solidFill>
-                </a14:hiddenFill>
-              </a:ext>
-            </a:extLst>
-          </p:spPr>
-          <p:txBody>
-            <a:bodyPr vert="horz" wrap="square" lIns="91440" tIns="45720" rIns="91440" bIns="45720" numCol="1" anchor="t" anchorCtr="0" compatLnSpc="1">
-              <a:prstTxWarp prst="textNoShape">
-                <a:avLst/>
-              </a:prstTxWarp>
-            </a:bodyPr>
-            <a:lstStyle/>
-            <a:p>
-              <a:endParaRPr lang="en-US"/>
-            </a:p>
-          </p:txBody>
-        </p:sp>
-        <p:sp>
-          <p:nvSpPr>
-            <p:cNvPr id="54" name="Freeform 13">
-              <a:extLst>
-                <a:ext uri="{FF2B5EF4-FFF2-40B4-BE49-F238E27FC236}">
-                  <a16:creationId xmlns:a16="http://schemas.microsoft.com/office/drawing/2014/main" id="{0514C5B5-A5F4-4421-879B-17D39CA6440A}"/>
-                </a:ext>
-                <a:ext uri="{C183D7F6-B498-43B3-948B-1728B52AA6E4}">
-                  <adec:decorative xmlns:adec="http://schemas.microsoft.com/office/drawing/2017/decorative" val="1"/>
-                </a:ext>
-              </a:extLst>
-            </p:cNvPr>
-            <p:cNvSpPr>
-              <a:spLocks/>
-            </p:cNvSpPr>
-            <p:nvPr>
-              <p:extLst>
-                <p:ext uri="{386F3935-93C4-4BCD-93E2-E3B085C9AB24}">
-                  <p16:designElem xmlns:p16="http://schemas.microsoft.com/office/powerpoint/2015/main" val="1"/>
-                </p:ext>
-              </p:extLst>
-            </p:nvPr>
-          </p:nvSpPr>
-          <p:spPr bwMode="auto">
-            <a:xfrm>
-              <a:off x="5821889" y="5579"/>
-              <a:ext cx="5588000" cy="6866337"/>
-            </a:xfrm>
-            <a:custGeom>
-              <a:avLst/>
-              <a:gdLst>
-                <a:gd name="T0" fmla="*/ 1067 w 1174"/>
-                <a:gd name="T1" fmla="*/ 1440 h 1440"/>
-                <a:gd name="T2" fmla="*/ 698 w 1174"/>
-                <a:gd name="T3" fmla="*/ 577 h 1440"/>
-                <a:gd name="T4" fmla="*/ 0 w 1174"/>
-                <a:gd name="T5" fmla="*/ 0 h 1440"/>
-              </a:gdLst>
-              <a:ahLst/>
-              <a:cxnLst>
-                <a:cxn ang="0">
-                  <a:pos x="T0" y="T1"/>
-                </a:cxn>
-                <a:cxn ang="0">
-                  <a:pos x="T2" y="T3"/>
-                </a:cxn>
-                <a:cxn ang="0">
-                  <a:pos x="T4" y="T5"/>
-                </a:cxn>
-              </a:cxnLst>
-              <a:rect l="0" t="0" r="r" b="b"/>
-              <a:pathLst>
-                <a:path w="1174" h="1440">
-                  <a:moveTo>
-                    <a:pt x="1067" y="1440"/>
-                  </a:moveTo>
-                  <a:cubicBezTo>
-                    <a:pt x="1174" y="1124"/>
-                    <a:pt x="887" y="797"/>
-                    <a:pt x="698" y="577"/>
-                  </a:cubicBezTo>
-                  <a:cubicBezTo>
-                    <a:pt x="500" y="348"/>
-                    <a:pt x="270" y="141"/>
-                    <a:pt x="0" y="0"/>
-                  </a:cubicBezTo>
-                </a:path>
-              </a:pathLst>
-            </a:custGeom>
-            <a:noFill/>
-            <a:ln w="9525" cap="flat">
-              <a:solidFill>
-                <a:schemeClr val="tx1">
-                  <a:alpha val="20000"/>
-                </a:schemeClr>
-              </a:solidFill>
-              <a:prstDash val="dash"/>
-              <a:miter lim="800000"/>
-              <a:headEnd/>
-              <a:tailEnd/>
-            </a:ln>
-            <a:extLst>
-              <a:ext uri="{909E8E84-426E-40DD-AFC4-6F175D3DCCD1}">
-                <a14:hiddenFill xmlns:a14="http://schemas.microsoft.com/office/drawing/2010/main">
-                  <a:solidFill>
-                    <a:srgbClr val="FFFFFF"/>
-                  </a:solidFill>
-                </a14:hiddenFill>
-              </a:ext>
-            </a:extLst>
-          </p:spPr>
-          <p:txBody>
-            <a:bodyPr vert="horz" wrap="square" lIns="91440" tIns="45720" rIns="91440" bIns="45720" numCol="1" anchor="t" anchorCtr="0" compatLnSpc="1">
-              <a:prstTxWarp prst="textNoShape">
-                <a:avLst/>
-              </a:prstTxWarp>
-            </a:bodyPr>
-            <a:lstStyle/>
-            <a:p>
-              <a:endParaRPr lang="en-US"/>
-            </a:p>
-          </p:txBody>
-        </p:sp>
-        <p:sp>
-          <p:nvSpPr>
-            <p:cNvPr id="55" name="Freeform 14">
-              <a:extLst>
-                <a:ext uri="{FF2B5EF4-FFF2-40B4-BE49-F238E27FC236}">
-                  <a16:creationId xmlns:a16="http://schemas.microsoft.com/office/drawing/2014/main" id="{E165685F-E0CE-4CA0-9ECE-F8AE4F3D5EF1}"/>
-                </a:ext>
-                <a:ext uri="{C183D7F6-B498-43B3-948B-1728B52AA6E4}">
-                  <adec:decorative xmlns:adec="http://schemas.microsoft.com/office/drawing/2017/decorative" val="1"/>
-                </a:ext>
-              </a:extLst>
-            </p:cNvPr>
-            <p:cNvSpPr>
-              <a:spLocks/>
-            </p:cNvSpPr>
-            <p:nvPr>
-              <p:extLst>
-                <p:ext uri="{386F3935-93C4-4BCD-93E2-E3B085C9AB24}">
-                  <p16:designElem xmlns:p16="http://schemas.microsoft.com/office/powerpoint/2015/main" val="1"/>
-                </p:ext>
-              </p:extLst>
-            </p:nvPr>
-          </p:nvSpPr>
-          <p:spPr bwMode="auto">
-            <a:xfrm>
-              <a:off x="3701" y="790"/>
-              <a:ext cx="595313" cy="352734"/>
-            </a:xfrm>
-            <a:custGeom>
-              <a:avLst/>
-              <a:gdLst>
-                <a:gd name="T0" fmla="*/ 125 w 125"/>
-                <a:gd name="T1" fmla="*/ 0 h 74"/>
-                <a:gd name="T2" fmla="*/ 0 w 125"/>
-                <a:gd name="T3" fmla="*/ 74 h 74"/>
-              </a:gdLst>
-              <a:ahLst/>
-              <a:cxnLst>
-                <a:cxn ang="0">
-                  <a:pos x="T0" y="T1"/>
-                </a:cxn>
-                <a:cxn ang="0">
-                  <a:pos x="T2" y="T3"/>
-                </a:cxn>
-              </a:cxnLst>
-              <a:rect l="0" t="0" r="r" b="b"/>
-              <a:pathLst>
-                <a:path w="125" h="74">
-                  <a:moveTo>
-                    <a:pt x="125" y="0"/>
-                  </a:moveTo>
-                  <a:cubicBezTo>
-                    <a:pt x="85" y="22"/>
-                    <a:pt x="43" y="47"/>
-                    <a:pt x="0" y="74"/>
-                  </a:cubicBezTo>
-                </a:path>
-              </a:pathLst>
-            </a:custGeom>
-            <a:noFill/>
-            <a:ln w="9525" cap="flat">
-              <a:solidFill>
-                <a:schemeClr val="tx1">
-                  <a:alpha val="20000"/>
-                </a:schemeClr>
-              </a:solidFill>
-              <a:prstDash val="dash"/>
-              <a:miter lim="800000"/>
-              <a:headEnd/>
-              <a:tailEnd/>
-            </a:ln>
-            <a:extLst>
-              <a:ext uri="{909E8E84-426E-40DD-AFC4-6F175D3DCCD1}">
-                <a14:hiddenFill xmlns:a14="http://schemas.microsoft.com/office/drawing/2010/main">
-                  <a:solidFill>
-                    <a:srgbClr val="FFFFFF"/>
-                  </a:solidFill>
-                </a14:hiddenFill>
-              </a:ext>
-            </a:extLst>
-          </p:spPr>
-          <p:txBody>
-            <a:bodyPr vert="horz" wrap="square" lIns="91440" tIns="45720" rIns="91440" bIns="45720" numCol="1" anchor="t" anchorCtr="0" compatLnSpc="1">
-              <a:prstTxWarp prst="textNoShape">
-                <a:avLst/>
-              </a:prstTxWarp>
-            </a:bodyPr>
-            <a:lstStyle/>
-            <a:p>
-              <a:endParaRPr lang="en-US"/>
-            </a:p>
-          </p:txBody>
-        </p:sp>
-        <p:sp>
-          <p:nvSpPr>
-            <p:cNvPr id="56" name="Freeform 15">
-              <a:extLst>
-                <a:ext uri="{FF2B5EF4-FFF2-40B4-BE49-F238E27FC236}">
-                  <a16:creationId xmlns:a16="http://schemas.microsoft.com/office/drawing/2014/main" id="{C556BC16-0C87-4FD9-A109-F5AB2056C5C6}"/>
-                </a:ext>
-                <a:ext uri="{C183D7F6-B498-43B3-948B-1728B52AA6E4}">
-                  <adec:decorative xmlns:adec="http://schemas.microsoft.com/office/drawing/2017/decorative" val="1"/>
-                </a:ext>
-              </a:extLst>
-            </p:cNvPr>
-            <p:cNvSpPr>
-              <a:spLocks/>
-            </p:cNvSpPr>
-            <p:nvPr>
-              <p:extLst>
-                <p:ext uri="{386F3935-93C4-4BCD-93E2-E3B085C9AB24}">
-                  <p16:designElem xmlns:p16="http://schemas.microsoft.com/office/powerpoint/2015/main" val="1"/>
-                </p:ext>
-              </p:extLst>
-            </p:nvPr>
-          </p:nvSpPr>
-          <p:spPr bwMode="auto">
-            <a:xfrm>
-              <a:off x="6012389" y="5579"/>
-              <a:ext cx="5497513" cy="6866337"/>
-            </a:xfrm>
-            <a:custGeom>
-              <a:avLst/>
-              <a:gdLst>
-                <a:gd name="T0" fmla="*/ 1056 w 1155"/>
-                <a:gd name="T1" fmla="*/ 1440 h 1440"/>
-                <a:gd name="T2" fmla="*/ 686 w 1155"/>
-                <a:gd name="T3" fmla="*/ 580 h 1440"/>
-                <a:gd name="T4" fmla="*/ 0 w 1155"/>
-                <a:gd name="T5" fmla="*/ 0 h 1440"/>
-              </a:gdLst>
-              <a:ahLst/>
-              <a:cxnLst>
-                <a:cxn ang="0">
-                  <a:pos x="T0" y="T1"/>
-                </a:cxn>
-                <a:cxn ang="0">
-                  <a:pos x="T2" y="T3"/>
-                </a:cxn>
-                <a:cxn ang="0">
-                  <a:pos x="T4" y="T5"/>
-                </a:cxn>
-              </a:cxnLst>
-              <a:rect l="0" t="0" r="r" b="b"/>
-              <a:pathLst>
-                <a:path w="1155" h="1440">
-                  <a:moveTo>
-                    <a:pt x="1056" y="1440"/>
-                  </a:moveTo>
-                  <a:cubicBezTo>
-                    <a:pt x="1155" y="1123"/>
-                    <a:pt x="875" y="801"/>
-                    <a:pt x="686" y="580"/>
-                  </a:cubicBezTo>
-                  <a:cubicBezTo>
-                    <a:pt x="491" y="352"/>
-                    <a:pt x="264" y="145"/>
-                    <a:pt x="0" y="0"/>
-                  </a:cubicBezTo>
-                </a:path>
-              </a:pathLst>
-            </a:custGeom>
-            <a:noFill/>
-            <a:ln w="12700" cap="flat">
-              <a:solidFill>
-                <a:schemeClr val="tx1">
-                  <a:alpha val="20000"/>
-                </a:schemeClr>
-              </a:solidFill>
-              <a:prstDash val="dashDot"/>
-              <a:miter lim="800000"/>
-              <a:headEnd/>
-              <a:tailEnd/>
-            </a:ln>
-            <a:extLst>
-              <a:ext uri="{909E8E84-426E-40DD-AFC4-6F175D3DCCD1}">
-                <a14:hiddenFill xmlns:a14="http://schemas.microsoft.com/office/drawing/2010/main">
-                  <a:solidFill>
-                    <a:srgbClr val="FFFFFF"/>
-                  </a:solidFill>
-                </a14:hiddenFill>
-              </a:ext>
-            </a:extLst>
-          </p:spPr>
-          <p:txBody>
-            <a:bodyPr vert="horz" wrap="square" lIns="91440" tIns="45720" rIns="91440" bIns="45720" numCol="1" anchor="t" anchorCtr="0" compatLnSpc="1">
-              <a:prstTxWarp prst="textNoShape">
-                <a:avLst/>
-              </a:prstTxWarp>
-            </a:bodyPr>
-            <a:lstStyle/>
-            <a:p>
-              <a:endParaRPr lang="en-US"/>
-            </a:p>
-          </p:txBody>
-        </p:sp>
-        <p:sp>
-          <p:nvSpPr>
-            <p:cNvPr id="57" name="Freeform 16">
-              <a:extLst>
-                <a:ext uri="{FF2B5EF4-FFF2-40B4-BE49-F238E27FC236}">
-                  <a16:creationId xmlns:a16="http://schemas.microsoft.com/office/drawing/2014/main" id="{DD9A975C-A4CA-4A81-8CA9-BF5A2995F0C9}"/>
-                </a:ext>
-                <a:ext uri="{C183D7F6-B498-43B3-948B-1728B52AA6E4}">
-                  <adec:decorative xmlns:adec="http://schemas.microsoft.com/office/drawing/2017/decorative" val="1"/>
-                </a:ext>
-              </a:extLst>
-            </p:cNvPr>
-            <p:cNvSpPr>
-              <a:spLocks/>
-            </p:cNvSpPr>
-            <p:nvPr>
-              <p:extLst>
-                <p:ext uri="{386F3935-93C4-4BCD-93E2-E3B085C9AB24}">
-                  <p16:designElem xmlns:p16="http://schemas.microsoft.com/office/powerpoint/2015/main" val="1"/>
-                </p:ext>
-              </p:extLst>
-            </p:nvPr>
-          </p:nvSpPr>
-          <p:spPr bwMode="auto">
-            <a:xfrm>
-              <a:off x="-1061" y="5579"/>
-              <a:ext cx="357188" cy="213875"/>
-            </a:xfrm>
-            <a:custGeom>
-              <a:avLst/>
-              <a:gdLst>
-                <a:gd name="T0" fmla="*/ 75 w 75"/>
-                <a:gd name="T1" fmla="*/ 0 h 45"/>
-                <a:gd name="T2" fmla="*/ 0 w 75"/>
-                <a:gd name="T3" fmla="*/ 45 h 45"/>
-              </a:gdLst>
-              <a:ahLst/>
-              <a:cxnLst>
-                <a:cxn ang="0">
-                  <a:pos x="T0" y="T1"/>
-                </a:cxn>
-                <a:cxn ang="0">
-                  <a:pos x="T2" y="T3"/>
-                </a:cxn>
-              </a:cxnLst>
-              <a:rect l="0" t="0" r="r" b="b"/>
-              <a:pathLst>
-                <a:path w="75" h="45">
-                  <a:moveTo>
-                    <a:pt x="75" y="0"/>
-                  </a:moveTo>
-                  <a:cubicBezTo>
-                    <a:pt x="50" y="14"/>
-                    <a:pt x="25" y="29"/>
-                    <a:pt x="0" y="45"/>
-                  </a:cubicBezTo>
-                </a:path>
-              </a:pathLst>
-            </a:custGeom>
-            <a:noFill/>
-            <a:ln w="12700" cap="flat">
-              <a:solidFill>
-                <a:schemeClr val="tx1">
-                  <a:alpha val="20000"/>
-                </a:schemeClr>
-              </a:solidFill>
-              <a:prstDash val="dashDot"/>
-              <a:miter lim="800000"/>
-              <a:headEnd/>
-              <a:tailEnd/>
-            </a:ln>
-            <a:extLst>
-              <a:ext uri="{909E8E84-426E-40DD-AFC4-6F175D3DCCD1}">
-                <a14:hiddenFill xmlns:a14="http://schemas.microsoft.com/office/drawing/2010/main">
-                  <a:solidFill>
-                    <a:srgbClr val="FFFFFF"/>
-                  </a:solidFill>
-                </a14:hiddenFill>
-              </a:ext>
-            </a:extLst>
-          </p:spPr>
-          <p:txBody>
-            <a:bodyPr vert="horz" wrap="square" lIns="91440" tIns="45720" rIns="91440" bIns="45720" numCol="1" anchor="t" anchorCtr="0" compatLnSpc="1">
-              <a:prstTxWarp prst="textNoShape">
-                <a:avLst/>
-              </a:prstTxWarp>
-            </a:bodyPr>
-            <a:lstStyle/>
-            <a:p>
-              <a:endParaRPr lang="en-US"/>
-            </a:p>
-          </p:txBody>
-        </p:sp>
-        <p:sp>
-          <p:nvSpPr>
-            <p:cNvPr id="58" name="Freeform 17">
-              <a:extLst>
-                <a:ext uri="{FF2B5EF4-FFF2-40B4-BE49-F238E27FC236}">
-                  <a16:creationId xmlns:a16="http://schemas.microsoft.com/office/drawing/2014/main" id="{5B9767C7-72DF-4C7F-8A04-C8D67B715610}"/>
-                </a:ext>
-                <a:ext uri="{C183D7F6-B498-43B3-948B-1728B52AA6E4}">
-                  <adec:decorative xmlns:adec="http://schemas.microsoft.com/office/drawing/2017/decorative" val="1"/>
-                </a:ext>
-              </a:extLst>
-            </p:cNvPr>
-            <p:cNvSpPr>
-              <a:spLocks/>
-            </p:cNvSpPr>
-            <p:nvPr>
-              <p:extLst>
-                <p:ext uri="{386F3935-93C4-4BCD-93E2-E3B085C9AB24}">
-                  <p16:designElem xmlns:p16="http://schemas.microsoft.com/office/powerpoint/2015/main" val="1"/>
-                </p:ext>
-              </p:extLst>
-            </p:nvPr>
-          </p:nvSpPr>
-          <p:spPr bwMode="auto">
-            <a:xfrm>
-              <a:off x="6210826" y="790"/>
-              <a:ext cx="5522913" cy="6871126"/>
-            </a:xfrm>
-            <a:custGeom>
-              <a:avLst/>
-              <a:gdLst>
-                <a:gd name="T0" fmla="*/ 1053 w 1160"/>
-                <a:gd name="T1" fmla="*/ 1441 h 1441"/>
-                <a:gd name="T2" fmla="*/ 705 w 1160"/>
-                <a:gd name="T3" fmla="*/ 599 h 1441"/>
-                <a:gd name="T4" fmla="*/ 0 w 1160"/>
-                <a:gd name="T5" fmla="*/ 0 h 1441"/>
-              </a:gdLst>
-              <a:ahLst/>
-              <a:cxnLst>
-                <a:cxn ang="0">
-                  <a:pos x="T0" y="T1"/>
-                </a:cxn>
-                <a:cxn ang="0">
-                  <a:pos x="T2" y="T3"/>
-                </a:cxn>
-                <a:cxn ang="0">
-                  <a:pos x="T4" y="T5"/>
-                </a:cxn>
-              </a:cxnLst>
-              <a:rect l="0" t="0" r="r" b="b"/>
-              <a:pathLst>
-                <a:path w="1160" h="1441">
-                  <a:moveTo>
-                    <a:pt x="1053" y="1441"/>
-                  </a:moveTo>
-                  <a:cubicBezTo>
-                    <a:pt x="1160" y="1129"/>
-                    <a:pt x="892" y="817"/>
-                    <a:pt x="705" y="599"/>
-                  </a:cubicBezTo>
-                  <a:cubicBezTo>
-                    <a:pt x="503" y="365"/>
-                    <a:pt x="270" y="152"/>
-                    <a:pt x="0" y="0"/>
-                  </a:cubicBezTo>
-                </a:path>
-              </a:pathLst>
-            </a:custGeom>
-            <a:noFill/>
-            <a:ln w="9525" cap="flat">
-              <a:solidFill>
-                <a:schemeClr val="tx1">
-                  <a:alpha val="20000"/>
-                </a:schemeClr>
-              </a:solidFill>
-              <a:prstDash val="solid"/>
-              <a:miter lim="800000"/>
-              <a:headEnd/>
-              <a:tailEnd/>
-            </a:ln>
-            <a:extLst>
-              <a:ext uri="{909E8E84-426E-40DD-AFC4-6F175D3DCCD1}">
-                <a14:hiddenFill xmlns:a14="http://schemas.microsoft.com/office/drawing/2010/main">
-                  <a:solidFill>
-                    <a:srgbClr val="FFFFFF"/>
-                  </a:solidFill>
-                </a14:hiddenFill>
-              </a:ext>
-            </a:extLst>
-          </p:spPr>
-          <p:txBody>
-            <a:bodyPr vert="horz" wrap="square" lIns="91440" tIns="45720" rIns="91440" bIns="45720" numCol="1" anchor="t" anchorCtr="0" compatLnSpc="1">
-              <a:prstTxWarp prst="textNoShape">
-                <a:avLst/>
-              </a:prstTxWarp>
-            </a:bodyPr>
-            <a:lstStyle/>
-            <a:p>
-              <a:endParaRPr lang="en-US"/>
-            </a:p>
-          </p:txBody>
-        </p:sp>
-        <p:sp>
-          <p:nvSpPr>
-            <p:cNvPr id="59" name="Freeform 18">
-              <a:extLst>
-                <a:ext uri="{FF2B5EF4-FFF2-40B4-BE49-F238E27FC236}">
-                  <a16:creationId xmlns:a16="http://schemas.microsoft.com/office/drawing/2014/main" id="{693F6BB9-0055-42AC-8866-E65D927550AF}"/>
-                </a:ext>
-                <a:ext uri="{C183D7F6-B498-43B3-948B-1728B52AA6E4}">
-                  <adec:decorative xmlns:adec="http://schemas.microsoft.com/office/drawing/2017/decorative" val="1"/>
-                </a:ext>
-              </a:extLst>
-            </p:cNvPr>
-            <p:cNvSpPr>
-              <a:spLocks/>
-            </p:cNvSpPr>
-            <p:nvPr>
-              <p:extLst>
-                <p:ext uri="{386F3935-93C4-4BCD-93E2-E3B085C9AB24}">
-                  <p16:designElem xmlns:p16="http://schemas.microsoft.com/office/powerpoint/2015/main" val="1"/>
-                </p:ext>
-              </p:extLst>
-            </p:nvPr>
-          </p:nvSpPr>
-          <p:spPr bwMode="auto">
-            <a:xfrm>
-              <a:off x="6463239" y="5579"/>
-              <a:ext cx="5413375" cy="6866337"/>
-            </a:xfrm>
-            <a:custGeom>
-              <a:avLst/>
-              <a:gdLst>
-                <a:gd name="T0" fmla="*/ 1040 w 1137"/>
-                <a:gd name="T1" fmla="*/ 1440 h 1440"/>
-                <a:gd name="T2" fmla="*/ 698 w 1137"/>
-                <a:gd name="T3" fmla="*/ 611 h 1440"/>
-                <a:gd name="T4" fmla="*/ 0 w 1137"/>
-                <a:gd name="T5" fmla="*/ 0 h 1440"/>
-              </a:gdLst>
-              <a:ahLst/>
-              <a:cxnLst>
-                <a:cxn ang="0">
-                  <a:pos x="T0" y="T1"/>
-                </a:cxn>
-                <a:cxn ang="0">
-                  <a:pos x="T2" y="T3"/>
-                </a:cxn>
-                <a:cxn ang="0">
-                  <a:pos x="T4" y="T5"/>
-                </a:cxn>
-              </a:cxnLst>
-              <a:rect l="0" t="0" r="r" b="b"/>
-              <a:pathLst>
-                <a:path w="1137" h="1440">
-                  <a:moveTo>
-                    <a:pt x="1040" y="1440"/>
-                  </a:moveTo>
-                  <a:cubicBezTo>
-                    <a:pt x="1137" y="1131"/>
-                    <a:pt x="883" y="828"/>
-                    <a:pt x="698" y="611"/>
-                  </a:cubicBezTo>
-                  <a:cubicBezTo>
-                    <a:pt x="498" y="375"/>
-                    <a:pt x="268" y="159"/>
-                    <a:pt x="0" y="0"/>
-                  </a:cubicBezTo>
-                </a:path>
-              </a:pathLst>
-            </a:custGeom>
-            <a:noFill/>
-            <a:ln w="9525" cap="flat">
-              <a:solidFill>
-                <a:schemeClr val="tx1">
-                  <a:alpha val="20000"/>
-                </a:schemeClr>
-              </a:solidFill>
-              <a:prstDash val="solid"/>
-              <a:miter lim="800000"/>
-              <a:headEnd/>
-              <a:tailEnd/>
-            </a:ln>
-            <a:extLst>
-              <a:ext uri="{909E8E84-426E-40DD-AFC4-6F175D3DCCD1}">
-                <a14:hiddenFill xmlns:a14="http://schemas.microsoft.com/office/drawing/2010/main">
-                  <a:solidFill>
-                    <a:srgbClr val="FFFFFF"/>
-                  </a:solidFill>
-                </a14:hiddenFill>
-              </a:ext>
-            </a:extLst>
-          </p:spPr>
-          <p:txBody>
-            <a:bodyPr vert="horz" wrap="square" lIns="91440" tIns="45720" rIns="91440" bIns="45720" numCol="1" anchor="t" anchorCtr="0" compatLnSpc="1">
-              <a:prstTxWarp prst="textNoShape">
-                <a:avLst/>
-              </a:prstTxWarp>
-            </a:bodyPr>
-            <a:lstStyle/>
-            <a:p>
-              <a:endParaRPr lang="en-US"/>
-            </a:p>
-          </p:txBody>
-        </p:sp>
-        <p:sp>
-          <p:nvSpPr>
-            <p:cNvPr id="60" name="Freeform 19">
-              <a:extLst>
-                <a:ext uri="{FF2B5EF4-FFF2-40B4-BE49-F238E27FC236}">
-                  <a16:creationId xmlns:a16="http://schemas.microsoft.com/office/drawing/2014/main" id="{BA9A3435-1B30-4618-BB50-E0369BD075C2}"/>
-                </a:ext>
-                <a:ext uri="{C183D7F6-B498-43B3-948B-1728B52AA6E4}">
-                  <adec:decorative xmlns:adec="http://schemas.microsoft.com/office/drawing/2017/decorative" val="1"/>
-                </a:ext>
-              </a:extLst>
-            </p:cNvPr>
-            <p:cNvSpPr>
-              <a:spLocks/>
-            </p:cNvSpPr>
-            <p:nvPr>
-              <p:extLst>
-                <p:ext uri="{386F3935-93C4-4BCD-93E2-E3B085C9AB24}">
-                  <p16:designElem xmlns:p16="http://schemas.microsoft.com/office/powerpoint/2015/main" val="1"/>
-                </p:ext>
-              </p:extLst>
-            </p:nvPr>
-          </p:nvSpPr>
-          <p:spPr bwMode="auto">
-            <a:xfrm>
-              <a:off x="6877576" y="5579"/>
-              <a:ext cx="5037138" cy="6861550"/>
-            </a:xfrm>
-            <a:custGeom>
-              <a:avLst/>
-              <a:gdLst>
-                <a:gd name="T0" fmla="*/ 1011 w 1058"/>
-                <a:gd name="T1" fmla="*/ 1439 h 1439"/>
-                <a:gd name="T2" fmla="*/ 648 w 1058"/>
-                <a:gd name="T3" fmla="*/ 617 h 1439"/>
-                <a:gd name="T4" fmla="*/ 0 w 1058"/>
-                <a:gd name="T5" fmla="*/ 0 h 1439"/>
-              </a:gdLst>
-              <a:ahLst/>
-              <a:cxnLst>
-                <a:cxn ang="0">
-                  <a:pos x="T0" y="T1"/>
-                </a:cxn>
-                <a:cxn ang="0">
-                  <a:pos x="T2" y="T3"/>
-                </a:cxn>
-                <a:cxn ang="0">
-                  <a:pos x="T4" y="T5"/>
-                </a:cxn>
-              </a:cxnLst>
-              <a:rect l="0" t="0" r="r" b="b"/>
-              <a:pathLst>
-                <a:path w="1058" h="1439">
-                  <a:moveTo>
-                    <a:pt x="1011" y="1439"/>
-                  </a:moveTo>
-                  <a:cubicBezTo>
-                    <a:pt x="1058" y="1131"/>
-                    <a:pt x="825" y="841"/>
-                    <a:pt x="648" y="617"/>
-                  </a:cubicBezTo>
-                  <a:cubicBezTo>
-                    <a:pt x="462" y="383"/>
-                    <a:pt x="248" y="168"/>
-                    <a:pt x="0" y="0"/>
-                  </a:cubicBezTo>
-                </a:path>
-              </a:pathLst>
-            </a:custGeom>
-            <a:noFill/>
-            <a:ln w="9525" cap="flat">
-              <a:solidFill>
-                <a:schemeClr val="tx1">
-                  <a:alpha val="20000"/>
-                </a:schemeClr>
-              </a:solidFill>
-              <a:prstDash val="solid"/>
-              <a:miter lim="800000"/>
-              <a:headEnd/>
-              <a:tailEnd/>
-            </a:ln>
-            <a:extLst>
-              <a:ext uri="{909E8E84-426E-40DD-AFC4-6F175D3DCCD1}">
-                <a14:hiddenFill xmlns:a14="http://schemas.microsoft.com/office/drawing/2010/main">
-                  <a:solidFill>
-                    <a:srgbClr val="FFFFFF"/>
-                  </a:solidFill>
-                </a14:hiddenFill>
-              </a:ext>
-            </a:extLst>
-          </p:spPr>
-          <p:txBody>
-            <a:bodyPr vert="horz" wrap="square" lIns="91440" tIns="45720" rIns="91440" bIns="45720" numCol="1" anchor="t" anchorCtr="0" compatLnSpc="1">
-              <a:prstTxWarp prst="textNoShape">
-                <a:avLst/>
-              </a:prstTxWarp>
-            </a:bodyPr>
-            <a:lstStyle/>
-            <a:p>
-              <a:endParaRPr lang="en-US"/>
-            </a:p>
-          </p:txBody>
-        </p:sp>
-        <p:sp>
-          <p:nvSpPr>
-            <p:cNvPr id="61" name="Freeform 20">
-              <a:extLst>
-                <a:ext uri="{FF2B5EF4-FFF2-40B4-BE49-F238E27FC236}">
-                  <a16:creationId xmlns:a16="http://schemas.microsoft.com/office/drawing/2014/main" id="{2D60252F-2011-4924-81EC-B25F50634C17}"/>
-                </a:ext>
-                <a:ext uri="{C183D7F6-B498-43B3-948B-1728B52AA6E4}">
-                  <adec:decorative xmlns:adec="http://schemas.microsoft.com/office/drawing/2017/decorative" val="1"/>
-                </a:ext>
-              </a:extLst>
-            </p:cNvPr>
-            <p:cNvSpPr>
-              <a:spLocks/>
-            </p:cNvSpPr>
-            <p:nvPr>
-              <p:extLst>
-                <p:ext uri="{386F3935-93C4-4BCD-93E2-E3B085C9AB24}">
-                  <p16:designElem xmlns:p16="http://schemas.microsoft.com/office/powerpoint/2015/main" val="1"/>
-                </p:ext>
-              </p:extLst>
-            </p:nvPr>
-          </p:nvSpPr>
-          <p:spPr bwMode="auto">
-            <a:xfrm>
-              <a:off x="8768289" y="5579"/>
-              <a:ext cx="3417888" cy="2742066"/>
-            </a:xfrm>
-            <a:custGeom>
-              <a:avLst/>
-              <a:gdLst>
-                <a:gd name="T0" fmla="*/ 718 w 718"/>
-                <a:gd name="T1" fmla="*/ 575 h 575"/>
-                <a:gd name="T2" fmla="*/ 0 w 718"/>
-                <a:gd name="T3" fmla="*/ 0 h 575"/>
-              </a:gdLst>
-              <a:ahLst/>
-              <a:cxnLst>
-                <a:cxn ang="0">
-                  <a:pos x="T0" y="T1"/>
-                </a:cxn>
-                <a:cxn ang="0">
-                  <a:pos x="T2" y="T3"/>
-                </a:cxn>
-              </a:cxnLst>
-              <a:rect l="0" t="0" r="r" b="b"/>
-              <a:pathLst>
-                <a:path w="718" h="575">
-                  <a:moveTo>
-                    <a:pt x="718" y="575"/>
-                  </a:moveTo>
-                  <a:cubicBezTo>
-                    <a:pt x="500" y="360"/>
-                    <a:pt x="260" y="163"/>
-                    <a:pt x="0" y="0"/>
-                  </a:cubicBezTo>
-                </a:path>
-              </a:pathLst>
-            </a:custGeom>
-            <a:noFill/>
-            <a:ln w="9525" cap="flat">
-              <a:solidFill>
-                <a:schemeClr val="tx1">
-                  <a:alpha val="20000"/>
-                </a:schemeClr>
-              </a:solidFill>
-              <a:prstDash val="solid"/>
-              <a:miter lim="800000"/>
-              <a:headEnd/>
-              <a:tailEnd/>
-            </a:ln>
-            <a:extLst>
-              <a:ext uri="{909E8E84-426E-40DD-AFC4-6F175D3DCCD1}">
-                <a14:hiddenFill xmlns:a14="http://schemas.microsoft.com/office/drawing/2010/main">
-                  <a:solidFill>
-                    <a:srgbClr val="FFFFFF"/>
-                  </a:solidFill>
-                </a14:hiddenFill>
-              </a:ext>
-            </a:extLst>
-          </p:spPr>
-          <p:txBody>
-            <a:bodyPr vert="horz" wrap="square" lIns="91440" tIns="45720" rIns="91440" bIns="45720" numCol="1" anchor="t" anchorCtr="0" compatLnSpc="1">
-              <a:prstTxWarp prst="textNoShape">
-                <a:avLst/>
-              </a:prstTxWarp>
-            </a:bodyPr>
-            <a:lstStyle/>
-            <a:p>
-              <a:endParaRPr lang="en-US"/>
-            </a:p>
-          </p:txBody>
-        </p:sp>
-        <p:sp>
-          <p:nvSpPr>
-            <p:cNvPr id="62" name="Freeform 21">
-              <a:extLst>
-                <a:ext uri="{FF2B5EF4-FFF2-40B4-BE49-F238E27FC236}">
-                  <a16:creationId xmlns:a16="http://schemas.microsoft.com/office/drawing/2014/main" id="{850B7881-58E3-4C9F-9ADB-04F92D4C4D2E}"/>
-                </a:ext>
-                <a:ext uri="{C183D7F6-B498-43B3-948B-1728B52AA6E4}">
-                  <adec:decorative xmlns:adec="http://schemas.microsoft.com/office/drawing/2017/decorative" val="1"/>
-                </a:ext>
-              </a:extLst>
-            </p:cNvPr>
-            <p:cNvSpPr>
-              <a:spLocks/>
-            </p:cNvSpPr>
-            <p:nvPr>
-              <p:extLst>
-                <p:ext uri="{386F3935-93C4-4BCD-93E2-E3B085C9AB24}">
-                  <p16:designElem xmlns:p16="http://schemas.microsoft.com/office/powerpoint/2015/main" val="1"/>
-                </p:ext>
-              </p:extLst>
-            </p:nvPr>
-          </p:nvSpPr>
-          <p:spPr bwMode="auto">
-            <a:xfrm>
-              <a:off x="9235014" y="10367"/>
-              <a:ext cx="2951163" cy="2555325"/>
-            </a:xfrm>
-            <a:custGeom>
-              <a:avLst/>
-              <a:gdLst>
-                <a:gd name="T0" fmla="*/ 620 w 620"/>
-                <a:gd name="T1" fmla="*/ 536 h 536"/>
-                <a:gd name="T2" fmla="*/ 0 w 620"/>
-                <a:gd name="T3" fmla="*/ 0 h 536"/>
-              </a:gdLst>
-              <a:ahLst/>
-              <a:cxnLst>
-                <a:cxn ang="0">
-                  <a:pos x="T0" y="T1"/>
-                </a:cxn>
-                <a:cxn ang="0">
-                  <a:pos x="T2" y="T3"/>
-                </a:cxn>
-              </a:cxnLst>
-              <a:rect l="0" t="0" r="r" b="b"/>
-              <a:pathLst>
-                <a:path w="620" h="536">
-                  <a:moveTo>
-                    <a:pt x="620" y="536"/>
-                  </a:moveTo>
-                  <a:cubicBezTo>
-                    <a:pt x="404" y="314"/>
-                    <a:pt x="196" y="138"/>
-                    <a:pt x="0" y="0"/>
-                  </a:cubicBezTo>
-                </a:path>
-              </a:pathLst>
-            </a:custGeom>
-            <a:noFill/>
-            <a:ln w="9525" cap="flat">
-              <a:solidFill>
-                <a:schemeClr val="tx1">
-                  <a:alpha val="20000"/>
-                </a:schemeClr>
-              </a:solidFill>
-              <a:prstDash val="solid"/>
-              <a:miter lim="800000"/>
-              <a:headEnd/>
-              <a:tailEnd/>
-            </a:ln>
-            <a:extLst>
-              <a:ext uri="{909E8E84-426E-40DD-AFC4-6F175D3DCCD1}">
-                <a14:hiddenFill xmlns:a14="http://schemas.microsoft.com/office/drawing/2010/main">
-                  <a:solidFill>
-                    <a:srgbClr val="FFFFFF"/>
-                  </a:solidFill>
-                </a14:hiddenFill>
-              </a:ext>
-            </a:extLst>
-          </p:spPr>
-          <p:txBody>
-            <a:bodyPr vert="horz" wrap="square" lIns="91440" tIns="45720" rIns="91440" bIns="45720" numCol="1" anchor="t" anchorCtr="0" compatLnSpc="1">
-              <a:prstTxWarp prst="textNoShape">
-                <a:avLst/>
-              </a:prstTxWarp>
-            </a:bodyPr>
-            <a:lstStyle/>
-            <a:p>
-              <a:endParaRPr lang="en-US"/>
-            </a:p>
-          </p:txBody>
-        </p:sp>
-        <p:sp>
-          <p:nvSpPr>
-            <p:cNvPr id="63" name="Freeform 22">
-              <a:extLst>
-                <a:ext uri="{FF2B5EF4-FFF2-40B4-BE49-F238E27FC236}">
-                  <a16:creationId xmlns:a16="http://schemas.microsoft.com/office/drawing/2014/main" id="{FA90BB2F-2D4A-40BD-90CE-5CF30EC8D4BA}"/>
-                </a:ext>
-                <a:ext uri="{C183D7F6-B498-43B3-948B-1728B52AA6E4}">
-                  <adec:decorative xmlns:adec="http://schemas.microsoft.com/office/drawing/2017/decorative" val="1"/>
-                </a:ext>
-              </a:extLst>
-            </p:cNvPr>
-            <p:cNvSpPr>
-              <a:spLocks/>
-            </p:cNvSpPr>
-            <p:nvPr>
-              <p:extLst>
-                <p:ext uri="{386F3935-93C4-4BCD-93E2-E3B085C9AB24}">
-                  <p16:designElem xmlns:p16="http://schemas.microsoft.com/office/powerpoint/2015/main" val="1"/>
-                </p:ext>
-              </p:extLst>
-            </p:nvPr>
-          </p:nvSpPr>
-          <p:spPr bwMode="auto">
-            <a:xfrm>
-              <a:off x="10020826" y="5579"/>
-              <a:ext cx="2165350" cy="1358265"/>
-            </a:xfrm>
-            <a:custGeom>
-              <a:avLst/>
-              <a:gdLst>
-                <a:gd name="T0" fmla="*/ 0 w 455"/>
-                <a:gd name="T1" fmla="*/ 0 h 285"/>
-                <a:gd name="T2" fmla="*/ 455 w 455"/>
-                <a:gd name="T3" fmla="*/ 285 h 285"/>
-              </a:gdLst>
-              <a:ahLst/>
-              <a:cxnLst>
-                <a:cxn ang="0">
-                  <a:pos x="T0" y="T1"/>
-                </a:cxn>
-                <a:cxn ang="0">
-                  <a:pos x="T2" y="T3"/>
-                </a:cxn>
-              </a:cxnLst>
-              <a:rect l="0" t="0" r="r" b="b"/>
-              <a:pathLst>
-                <a:path w="455" h="285">
-                  <a:moveTo>
-                    <a:pt x="0" y="0"/>
-                  </a:moveTo>
-                  <a:cubicBezTo>
-                    <a:pt x="153" y="85"/>
-                    <a:pt x="308" y="180"/>
-                    <a:pt x="455" y="285"/>
-                  </a:cubicBezTo>
-                </a:path>
-              </a:pathLst>
-            </a:custGeom>
-            <a:noFill/>
-            <a:ln w="9525" cap="flat">
-              <a:solidFill>
-                <a:schemeClr val="tx1">
-                  <a:alpha val="20000"/>
-                </a:schemeClr>
-              </a:solidFill>
-              <a:prstDash val="dash"/>
-              <a:miter lim="800000"/>
-              <a:headEnd/>
-              <a:tailEnd/>
-            </a:ln>
-            <a:extLst>
-              <a:ext uri="{909E8E84-426E-40DD-AFC4-6F175D3DCCD1}">
-                <a14:hiddenFill xmlns:a14="http://schemas.microsoft.com/office/drawing/2010/main">
-                  <a:solidFill>
-                    <a:srgbClr val="FFFFFF"/>
-                  </a:solidFill>
-                </a14:hiddenFill>
-              </a:ext>
-            </a:extLst>
-          </p:spPr>
-          <p:txBody>
-            <a:bodyPr vert="horz" wrap="square" lIns="91440" tIns="45720" rIns="91440" bIns="45720" numCol="1" anchor="t" anchorCtr="0" compatLnSpc="1">
-              <a:prstTxWarp prst="textNoShape">
-                <a:avLst/>
-              </a:prstTxWarp>
-            </a:bodyPr>
-            <a:lstStyle/>
-            <a:p>
-              <a:endParaRPr lang="en-US"/>
-            </a:p>
-          </p:txBody>
-        </p:sp>
-        <p:sp>
-          <p:nvSpPr>
-            <p:cNvPr id="64" name="Freeform 23">
-              <a:extLst>
-                <a:ext uri="{FF2B5EF4-FFF2-40B4-BE49-F238E27FC236}">
-                  <a16:creationId xmlns:a16="http://schemas.microsoft.com/office/drawing/2014/main" id="{4DA0AE8C-7215-4A64-B19F-3F0F3E6A6B31}"/>
-                </a:ext>
-                <a:ext uri="{C183D7F6-B498-43B3-948B-1728B52AA6E4}">
-                  <adec:decorative xmlns:adec="http://schemas.microsoft.com/office/drawing/2017/decorative" val="1"/>
-                </a:ext>
-              </a:extLst>
-            </p:cNvPr>
-            <p:cNvSpPr>
-              <a:spLocks/>
-            </p:cNvSpPr>
-            <p:nvPr>
-              <p:extLst>
-                <p:ext uri="{386F3935-93C4-4BCD-93E2-E3B085C9AB24}">
-                  <p16:designElem xmlns:p16="http://schemas.microsoft.com/office/powerpoint/2015/main" val="1"/>
-                </p:ext>
-              </p:extLst>
-            </p:nvPr>
-          </p:nvSpPr>
-          <p:spPr bwMode="auto">
-            <a:xfrm>
-              <a:off x="11290826" y="5579"/>
-              <a:ext cx="895350" cy="534687"/>
-            </a:xfrm>
-            <a:custGeom>
-              <a:avLst/>
-              <a:gdLst>
-                <a:gd name="T0" fmla="*/ 0 w 188"/>
-                <a:gd name="T1" fmla="*/ 0 h 112"/>
-                <a:gd name="T2" fmla="*/ 188 w 188"/>
-                <a:gd name="T3" fmla="*/ 112 h 112"/>
-              </a:gdLst>
-              <a:ahLst/>
-              <a:cxnLst>
-                <a:cxn ang="0">
-                  <a:pos x="T0" y="T1"/>
-                </a:cxn>
-                <a:cxn ang="0">
-                  <a:pos x="T2" y="T3"/>
-                </a:cxn>
-              </a:cxnLst>
-              <a:rect l="0" t="0" r="r" b="b"/>
-              <a:pathLst>
-                <a:path w="188" h="112">
-                  <a:moveTo>
-                    <a:pt x="0" y="0"/>
-                  </a:moveTo>
-                  <a:cubicBezTo>
-                    <a:pt x="63" y="36"/>
-                    <a:pt x="126" y="73"/>
-                    <a:pt x="188" y="112"/>
-                  </a:cubicBezTo>
-                </a:path>
-              </a:pathLst>
-            </a:custGeom>
-            <a:noFill/>
-            <a:ln w="9525" cap="flat">
-              <a:solidFill>
-                <a:schemeClr val="tx1">
-                  <a:alpha val="20000"/>
-                </a:schemeClr>
-              </a:solidFill>
-              <a:prstDash val="solid"/>
-              <a:miter lim="800000"/>
-              <a:headEnd/>
-              <a:tailEnd/>
-            </a:ln>
-            <a:extLst>
-              <a:ext uri="{909E8E84-426E-40DD-AFC4-6F175D3DCCD1}">
-                <a14:hiddenFill xmlns:a14="http://schemas.microsoft.com/office/drawing/2010/main">
-                  <a:solidFill>
-                    <a:srgbClr val="FFFFFF"/>
-                  </a:solidFill>
-                </a14:hiddenFill>
-              </a:ext>
-            </a:extLst>
-          </p:spPr>
-          <p:txBody>
-            <a:bodyPr vert="horz" wrap="square" lIns="91440" tIns="45720" rIns="91440" bIns="45720" numCol="1" anchor="t" anchorCtr="0" compatLnSpc="1">
-              <a:prstTxWarp prst="textNoShape">
-                <a:avLst/>
-              </a:prstTxWarp>
-            </a:bodyPr>
-            <a:lstStyle/>
-            <a:p>
-              <a:endParaRPr lang="en-US"/>
-            </a:p>
-          </p:txBody>
-        </p:sp>
-      </p:grpSp>
-      <p:sp>
-        <p:nvSpPr>
-          <p:cNvPr id="66" name="Isosceles Triangle 39">
-            <a:extLst>
-              <a:ext uri="{FF2B5EF4-FFF2-40B4-BE49-F238E27FC236}">
-                <a16:creationId xmlns:a16="http://schemas.microsoft.com/office/drawing/2014/main" id="{D8DAE7B8-0656-422E-9515-E10952688ABF}"/>
+                <a16:creationId xmlns:a16="http://schemas.microsoft.com/office/drawing/2014/main" id="{30AAE497-2BA5-40DB-AF32-B5DB541AC5A2}"/>
               </a:ext>
               <a:ext uri="{C183D7F6-B498-43B3-948B-1728B52AA6E4}">
                 <adec:decorative xmlns:adec="http://schemas.microsoft.com/office/drawing/2017/decorative" val="1"/>
@@ -25952,15 +24048,15 @@
           </p:nvPr>
         </p:nvSpPr>
         <p:spPr>
-          <a:xfrm rot="10800000">
-            <a:off x="5892384" y="4386808"/>
-            <a:ext cx="407233" cy="351063"/>
+          <a:xfrm>
+            <a:off x="4654297" y="0"/>
+            <a:ext cx="7537703" cy="6858000"/>
           </a:xfrm>
-          <a:prstGeom prst="triangle">
+          <a:prstGeom prst="rect">
             <a:avLst/>
           </a:prstGeom>
           <a:solidFill>
-            <a:srgbClr val="4D4DAF"/>
+            <a:schemeClr val="accent5"/>
           </a:solidFill>
           <a:ln>
             <a:noFill/>
@@ -25987,7 +24083,7 @@
           <a:lstStyle/>
           <a:p>
             <a:pPr algn="ctr"/>
-            <a:endParaRPr lang="en-US"/>
+            <a:endParaRPr lang="en-US" dirty="0"/>
           </a:p>
         </p:txBody>
       </p:sp>
@@ -26009,9 +24105,10 @@
         </p:nvSpPr>
         <p:spPr>
           <a:xfrm>
-            <a:off x="2026303" y="5416206"/>
-            <a:ext cx="8083296" cy="1262719"/>
+            <a:off x="8658808" y="1296954"/>
+            <a:ext cx="3533191" cy="3881535"/>
           </a:xfrm>
+          <a:noFill/>
         </p:spPr>
         <p:txBody>
           <a:bodyPr vert="horz" lIns="91440" tIns="45720" rIns="91440" bIns="45720" rtlCol="0" anchor="b">
@@ -26021,88 +24118,79 @@
           <a:p>
             <a:pPr algn="ctr"/>
             <a:r>
-              <a:rPr lang="en-US" b="1" dirty="0"/>
-              <a:t>Frequency of Crimes </a:t>
+              <a:rPr lang="en-US" sz="4800" b="1" dirty="0">
+                <a:solidFill>
+                  <a:schemeClr val="bg1"/>
+                </a:solidFill>
+              </a:rPr>
+              <a:t>Frequency </a:t>
             </a:r>
             <a:br>
-              <a:rPr lang="en-US" sz="3100" b="1" dirty="0"/>
+              <a:rPr lang="en-US" sz="4800" b="1" dirty="0">
+                <a:solidFill>
+                  <a:schemeClr val="bg1"/>
+                </a:solidFill>
+              </a:rPr>
             </a:br>
-            <a:endParaRPr lang="en-US" sz="3200" dirty="0"/>
-          </a:p>
-        </p:txBody>
-      </p:sp>
-      <p:sp>
-        <p:nvSpPr>
-          <p:cNvPr id="68" name="Rectangle 67">
-            <a:extLst>
-              <a:ext uri="{FF2B5EF4-FFF2-40B4-BE49-F238E27FC236}">
-                <a16:creationId xmlns:a16="http://schemas.microsoft.com/office/drawing/2014/main" id="{A363DA99-BE95-4C06-82AA-917ED6556B7B}"/>
-              </a:ext>
-              <a:ext uri="{C183D7F6-B498-43B3-948B-1728B52AA6E4}">
-                <adec:decorative xmlns:adec="http://schemas.microsoft.com/office/drawing/2017/decorative" val="1"/>
-              </a:ext>
-            </a:extLst>
-          </p:cNvPr>
-          <p:cNvSpPr>
-            <a:spLocks noGrp="1" noRot="1" noChangeAspect="1" noMove="1" noResize="1" noEditPoints="1" noAdjustHandles="1" noChangeArrowheads="1" noChangeShapeType="1" noTextEdit="1"/>
-          </p:cNvSpPr>
-          <p:nvPr>
-            <p:extLst>
-              <p:ext uri="{386F3935-93C4-4BCD-93E2-E3B085C9AB24}">
-                <p16:designElem xmlns:p16="http://schemas.microsoft.com/office/powerpoint/2015/main" val="1"/>
-              </p:ext>
-            </p:extLst>
-          </p:nvPr>
-        </p:nvSpPr>
-        <p:spPr>
-          <a:xfrm>
-            <a:off x="3052847" y="954593"/>
-            <a:ext cx="6086306" cy="3432215"/>
-          </a:xfrm>
-          <a:prstGeom prst="rect">
-            <a:avLst/>
-          </a:prstGeom>
-          <a:solidFill>
-            <a:schemeClr val="bg1"/>
-          </a:solidFill>
-          <a:ln w="19050">
-            <a:solidFill>
-              <a:srgbClr val="4D4DAF"/>
-            </a:solidFill>
-            <a:miter lim="800000"/>
-          </a:ln>
-        </p:spPr>
-        <p:style>
-          <a:lnRef idx="2">
-            <a:schemeClr val="accent1">
-              <a:shade val="50000"/>
-            </a:schemeClr>
-          </a:lnRef>
-          <a:fillRef idx="1">
-            <a:schemeClr val="accent1"/>
-          </a:fillRef>
-          <a:effectRef idx="0">
-            <a:schemeClr val="accent1"/>
-          </a:effectRef>
-          <a:fontRef idx="minor">
-            <a:schemeClr val="lt1"/>
-          </a:fontRef>
-        </p:style>
-        <p:txBody>
-          <a:bodyPr rtlCol="0" anchor="ctr"/>
-          <a:lstStyle/>
-          <a:p>
-            <a:pPr algn="ctr"/>
-            <a:endParaRPr lang="en-US"/>
+            <a:r>
+              <a:rPr lang="en-US" sz="4800" b="1" dirty="0">
+                <a:solidFill>
+                  <a:schemeClr val="bg1"/>
+                </a:solidFill>
+              </a:rPr>
+              <a:t>of crimes </a:t>
+            </a:r>
+            <a:br>
+              <a:rPr lang="en-US" sz="4800" b="1" dirty="0">
+                <a:solidFill>
+                  <a:schemeClr val="bg1"/>
+                </a:solidFill>
+              </a:rPr>
+            </a:br>
+            <a:r>
+              <a:rPr lang="en-US" sz="4800" b="1" dirty="0">
+                <a:solidFill>
+                  <a:schemeClr val="bg1"/>
+                </a:solidFill>
+              </a:rPr>
+              <a:t>in a day</a:t>
+            </a:r>
+            <a:br>
+              <a:rPr lang="en-US" sz="4800" b="1" dirty="0">
+                <a:solidFill>
+                  <a:schemeClr val="bg1"/>
+                </a:solidFill>
+              </a:rPr>
+            </a:br>
+            <a:r>
+              <a:rPr lang="en-US" sz="4800" b="1" dirty="0">
+                <a:solidFill>
+                  <a:schemeClr val="bg1"/>
+                </a:solidFill>
+              </a:rPr>
+              <a:t>(24 hours)</a:t>
+            </a:r>
+            <a:br>
+              <a:rPr lang="en-US" sz="4800" b="1" dirty="0">
+                <a:solidFill>
+                  <a:schemeClr val="bg1"/>
+                </a:solidFill>
+              </a:rPr>
+            </a:br>
+            <a:endParaRPr lang="en-US" sz="2400" dirty="0">
+              <a:solidFill>
+                <a:schemeClr val="bg1"/>
+              </a:solidFill>
+            </a:endParaRPr>
           </a:p>
         </p:txBody>
       </p:sp>
       <p:pic>
         <p:nvPicPr>
-          <p:cNvPr id="6" name="Picture 5" descr="A picture containing computer&#10;&#10;Description automatically generated">
+          <p:cNvPr id="5" name="Picture 4" descr="A picture containing computer&#10;&#10;Description automatically generated">
             <a:extLst>
               <a:ext uri="{FF2B5EF4-FFF2-40B4-BE49-F238E27FC236}">
-                <a16:creationId xmlns:a16="http://schemas.microsoft.com/office/drawing/2014/main" id="{8BC72281-0795-43F2-BE7E-192E486BC5BB}"/>
+                <a16:creationId xmlns:a16="http://schemas.microsoft.com/office/drawing/2014/main" id="{88E7283B-348E-49AD-A24A-7136A78A627E}"/>
               </a:ext>
             </a:extLst>
           </p:cNvPr>
@@ -26119,13 +24207,13 @@
               </a:ext>
             </a:extLst>
           </a:blip>
-          <a:srcRect t="1267" r="1" b="1"/>
+          <a:srcRect l="5772" t="1267" r="8295" b="2487"/>
           <a:stretch/>
         </p:blipFill>
         <p:spPr>
           <a:xfrm>
-            <a:off x="1132414" y="273362"/>
-            <a:ext cx="9920760" cy="5338314"/>
+            <a:off x="14062" y="709128"/>
+            <a:ext cx="8889473" cy="5523721"/>
           </a:xfrm>
           <a:prstGeom prst="rect">
             <a:avLst/>
@@ -26135,7 +24223,7 @@
     </p:spTree>
     <p:extLst>
       <p:ext uri="{BB962C8B-B14F-4D97-AF65-F5344CB8AC3E}">
-        <p14:creationId xmlns:p14="http://schemas.microsoft.com/office/powerpoint/2010/main" val="3945612407"/>
+        <p14:creationId xmlns:p14="http://schemas.microsoft.com/office/powerpoint/2010/main" val="3538995562"/>
       </p:ext>
     </p:extLst>
   </p:cSld>

--- a/Presentation - Project 01.pptx
+++ b/Presentation - Project 01.pptx
@@ -6805,7 +6805,7 @@
           <a:p>
             <a:fld id="{BA427AEC-7B6F-452C-B68A-83FDEBC4E740}" type="datetimeFigureOut">
               <a:rPr lang="en-CA" smtClean="0"/>
-              <a:t>2020-07-05</a:t>
+              <a:t>2020-07-06</a:t>
             </a:fld>
             <a:endParaRPr lang="en-CA"/>
           </a:p>
@@ -10092,7 +10092,7 @@
           <a:p>
             <a:fld id="{78C8E417-D454-46EA-9245-2C4A0C1023CE}" type="datetimeFigureOut">
               <a:rPr lang="en-CA" smtClean="0"/>
-              <a:t>2020-07-05</a:t>
+              <a:t>2020-07-06</a:t>
             </a:fld>
             <a:endParaRPr lang="en-CA"/>
           </a:p>
@@ -10292,7 +10292,7 @@
           <a:p>
             <a:fld id="{78C8E417-D454-46EA-9245-2C4A0C1023CE}" type="datetimeFigureOut">
               <a:rPr lang="en-CA" smtClean="0"/>
-              <a:t>2020-07-05</a:t>
+              <a:t>2020-07-06</a:t>
             </a:fld>
             <a:endParaRPr lang="en-CA"/>
           </a:p>
@@ -10502,7 +10502,7 @@
           <a:p>
             <a:fld id="{78C8E417-D454-46EA-9245-2C4A0C1023CE}" type="datetimeFigureOut">
               <a:rPr lang="en-CA" smtClean="0"/>
-              <a:t>2020-07-05</a:t>
+              <a:t>2020-07-06</a:t>
             </a:fld>
             <a:endParaRPr lang="en-CA"/>
           </a:p>
@@ -10702,7 +10702,7 @@
           <a:p>
             <a:fld id="{78C8E417-D454-46EA-9245-2C4A0C1023CE}" type="datetimeFigureOut">
               <a:rPr lang="en-CA" smtClean="0"/>
-              <a:t>2020-07-05</a:t>
+              <a:t>2020-07-06</a:t>
             </a:fld>
             <a:endParaRPr lang="en-CA"/>
           </a:p>
@@ -10978,7 +10978,7 @@
           <a:p>
             <a:fld id="{78C8E417-D454-46EA-9245-2C4A0C1023CE}" type="datetimeFigureOut">
               <a:rPr lang="en-CA" smtClean="0"/>
-              <a:t>2020-07-05</a:t>
+              <a:t>2020-07-06</a:t>
             </a:fld>
             <a:endParaRPr lang="en-CA"/>
           </a:p>
@@ -11246,7 +11246,7 @@
           <a:p>
             <a:fld id="{78C8E417-D454-46EA-9245-2C4A0C1023CE}" type="datetimeFigureOut">
               <a:rPr lang="en-CA" smtClean="0"/>
-              <a:t>2020-07-05</a:t>
+              <a:t>2020-07-06</a:t>
             </a:fld>
             <a:endParaRPr lang="en-CA"/>
           </a:p>
@@ -11661,7 +11661,7 @@
           <a:p>
             <a:fld id="{78C8E417-D454-46EA-9245-2C4A0C1023CE}" type="datetimeFigureOut">
               <a:rPr lang="en-CA" smtClean="0"/>
-              <a:t>2020-07-05</a:t>
+              <a:t>2020-07-06</a:t>
             </a:fld>
             <a:endParaRPr lang="en-CA"/>
           </a:p>
@@ -11803,7 +11803,7 @@
           <a:p>
             <a:fld id="{78C8E417-D454-46EA-9245-2C4A0C1023CE}" type="datetimeFigureOut">
               <a:rPr lang="en-CA" smtClean="0"/>
-              <a:t>2020-07-05</a:t>
+              <a:t>2020-07-06</a:t>
             </a:fld>
             <a:endParaRPr lang="en-CA"/>
           </a:p>
@@ -11916,7 +11916,7 @@
           <a:p>
             <a:fld id="{78C8E417-D454-46EA-9245-2C4A0C1023CE}" type="datetimeFigureOut">
               <a:rPr lang="en-CA" smtClean="0"/>
-              <a:t>2020-07-05</a:t>
+              <a:t>2020-07-06</a:t>
             </a:fld>
             <a:endParaRPr lang="en-CA"/>
           </a:p>
@@ -12229,7 +12229,7 @@
           <a:p>
             <a:fld id="{78C8E417-D454-46EA-9245-2C4A0C1023CE}" type="datetimeFigureOut">
               <a:rPr lang="en-CA" smtClean="0"/>
-              <a:t>2020-07-05</a:t>
+              <a:t>2020-07-06</a:t>
             </a:fld>
             <a:endParaRPr lang="en-CA"/>
           </a:p>
@@ -12518,7 +12518,7 @@
           <a:p>
             <a:fld id="{78C8E417-D454-46EA-9245-2C4A0C1023CE}" type="datetimeFigureOut">
               <a:rPr lang="en-CA" smtClean="0"/>
-              <a:t>2020-07-05</a:t>
+              <a:t>2020-07-06</a:t>
             </a:fld>
             <a:endParaRPr lang="en-CA"/>
           </a:p>
@@ -12761,7 +12761,7 @@
           <a:p>
             <a:fld id="{78C8E417-D454-46EA-9245-2C4A0C1023CE}" type="datetimeFigureOut">
               <a:rPr lang="en-CA" smtClean="0"/>
-              <a:t>2020-07-05</a:t>
+              <a:t>2020-07-06</a:t>
             </a:fld>
             <a:endParaRPr lang="en-CA"/>
           </a:p>
@@ -13980,10 +13980,10 @@
       </p:sp>
       <p:pic>
         <p:nvPicPr>
-          <p:cNvPr id="6" name="Picture 5" descr="A close up of a map&#10;&#10;Description automatically generated">
+          <p:cNvPr id="4" name="Picture 3">
             <a:extLst>
               <a:ext uri="{FF2B5EF4-FFF2-40B4-BE49-F238E27FC236}">
-                <a16:creationId xmlns:a16="http://schemas.microsoft.com/office/drawing/2014/main" id="{CF3ED6B1-E28E-4505-8E32-57F23E5C1998}"/>
+                <a16:creationId xmlns:a16="http://schemas.microsoft.com/office/drawing/2014/main" id="{105C9B7F-C901-43C9-96BD-19D9251A36FA}"/>
               </a:ext>
             </a:extLst>
           </p:cNvPr>
@@ -14000,13 +14000,13 @@
               </a:ext>
             </a:extLst>
           </a:blip>
-          <a:srcRect l="5761" t="1" r="8654" b="1"/>
+          <a:srcRect l="5392" r="7913"/>
           <a:stretch/>
         </p:blipFill>
         <p:spPr>
           <a:xfrm>
-            <a:off x="27715" y="671808"/>
-            <a:ext cx="8654996" cy="5607694"/>
+            <a:off x="0" y="574643"/>
+            <a:ext cx="8963130" cy="5639382"/>
           </a:xfrm>
           <a:prstGeom prst="rect">
             <a:avLst/>
@@ -24212,7 +24212,7 @@
         </p:blipFill>
         <p:spPr>
           <a:xfrm>
-            <a:off x="14062" y="709128"/>
+            <a:off x="52162" y="709128"/>
             <a:ext cx="8889473" cy="5523721"/>
           </a:xfrm>
           <a:prstGeom prst="rect">
